--- a/Фархетдинов - Презентация по ВКР.pptx
+++ b/Фархетдинов - Презентация по ВКР.pptx
@@ -12,9 +12,6 @@
     <p:sldId id="261" r:id="rId6"/>
     <p:sldId id="264" r:id="rId7"/>
     <p:sldId id="266" r:id="rId8"/>
-    <p:sldId id="270" r:id="rId9"/>
-    <p:sldId id="268" r:id="rId10"/>
-    <p:sldId id="269" r:id="rId11"/>
   </p:sldIdLst>
   <p:sldSz cx="12192000" cy="6858000"/>
   <p:notesSz cx="6858000" cy="9144000"/>
@@ -171,7 +168,7 @@
           <a:noFill/>
           <a:extLst>
             <a:ext uri="{909E8E84-426E-40dd-AFC4-6F175D3DCCD1}">
-              <a14:hiddenFill xmlns:a14="http://schemas.microsoft.com/office/drawing/2010/main" xmlns="">
+              <a14:hiddenFill xmlns="" xmlns:a14="http://schemas.microsoft.com/office/drawing/2010/main">
                 <a:solidFill>
                   <a:srgbClr val="FFFFFF"/>
                 </a:solidFill>
@@ -231,7 +228,7 @@
             </a:ln>
             <a:extLst>
               <a:ext uri="{91240B29-F687-4f45-9708-019B960494DF}">
-                <a14:hiddenLine xmlns:a14="http://schemas.microsoft.com/office/drawing/2010/main" xmlns="" w="9525">
+                <a14:hiddenLine xmlns="" xmlns:a14="http://schemas.microsoft.com/office/drawing/2010/main" w="9525">
                   <a:solidFill>
                     <a:srgbClr val="000000"/>
                   </a:solidFill>
@@ -321,7 +318,7 @@
             </a:ln>
             <a:extLst>
               <a:ext uri="{91240B29-F687-4f45-9708-019B960494DF}">
-                <a14:hiddenLine xmlns:a14="http://schemas.microsoft.com/office/drawing/2010/main" xmlns="" w="9525">
+                <a14:hiddenLine xmlns="" xmlns:a14="http://schemas.microsoft.com/office/drawing/2010/main" w="9525">
                   <a:solidFill>
                     <a:srgbClr val="000000"/>
                   </a:solidFill>
@@ -411,7 +408,7 @@
             </a:ln>
             <a:extLst>
               <a:ext uri="{91240B29-F687-4f45-9708-019B960494DF}">
-                <a14:hiddenLine xmlns:a14="http://schemas.microsoft.com/office/drawing/2010/main" xmlns="" w="9525">
+                <a14:hiddenLine xmlns="" xmlns:a14="http://schemas.microsoft.com/office/drawing/2010/main" w="9525">
                   <a:solidFill>
                     <a:srgbClr val="000000"/>
                   </a:solidFill>
@@ -445,7 +442,7 @@
             </a:ln>
             <a:extLst>
               <a:ext uri="{91240B29-F687-4f45-9708-019B960494DF}">
-                <a14:hiddenLine xmlns:a14="http://schemas.microsoft.com/office/drawing/2010/main" xmlns="" w="9525">
+                <a14:hiddenLine xmlns="" xmlns:a14="http://schemas.microsoft.com/office/drawing/2010/main" w="9525">
                   <a:solidFill>
                     <a:srgbClr val="000000"/>
                   </a:solidFill>
@@ -535,7 +532,7 @@
             </a:ln>
             <a:extLst>
               <a:ext uri="{91240B29-F687-4f45-9708-019B960494DF}">
-                <a14:hiddenLine xmlns:a14="http://schemas.microsoft.com/office/drawing/2010/main" xmlns="" w="9525">
+                <a14:hiddenLine xmlns="" xmlns:a14="http://schemas.microsoft.com/office/drawing/2010/main" w="9525">
                   <a:solidFill>
                     <a:srgbClr val="000000"/>
                   </a:solidFill>
@@ -597,7 +594,7 @@
             </a:ln>
             <a:extLst>
               <a:ext uri="{91240B29-F687-4f45-9708-019B960494DF}">
-                <a14:hiddenLine xmlns:a14="http://schemas.microsoft.com/office/drawing/2010/main" xmlns="" w="9525">
+                <a14:hiddenLine xmlns="" xmlns:a14="http://schemas.microsoft.com/office/drawing/2010/main" w="9525">
                   <a:solidFill>
                     <a:srgbClr val="000000"/>
                   </a:solidFill>
@@ -659,7 +656,7 @@
             </a:ln>
             <a:extLst>
               <a:ext uri="{91240B29-F687-4f45-9708-019B960494DF}">
-                <a14:hiddenLine xmlns:a14="http://schemas.microsoft.com/office/drawing/2010/main" xmlns="" w="9525">
+                <a14:hiddenLine xmlns="" xmlns:a14="http://schemas.microsoft.com/office/drawing/2010/main" w="9525">
                   <a:solidFill>
                     <a:srgbClr val="000000"/>
                   </a:solidFill>
@@ -749,7 +746,7 @@
             </a:ln>
             <a:extLst>
               <a:ext uri="{91240B29-F687-4f45-9708-019B960494DF}">
-                <a14:hiddenLine xmlns:a14="http://schemas.microsoft.com/office/drawing/2010/main" xmlns="" w="9525">
+                <a14:hiddenLine xmlns="" xmlns:a14="http://schemas.microsoft.com/office/drawing/2010/main" w="9525">
                   <a:solidFill>
                     <a:srgbClr val="000000"/>
                   </a:solidFill>
@@ -811,7 +808,7 @@
             </a:ln>
             <a:extLst>
               <a:ext uri="{91240B29-F687-4f45-9708-019B960494DF}">
-                <a14:hiddenLine xmlns:a14="http://schemas.microsoft.com/office/drawing/2010/main" xmlns="" w="9525">
+                <a14:hiddenLine xmlns="" xmlns:a14="http://schemas.microsoft.com/office/drawing/2010/main" w="9525">
                   <a:solidFill>
                     <a:srgbClr val="000000"/>
                   </a:solidFill>
@@ -873,7 +870,7 @@
             </a:ln>
             <a:extLst>
               <a:ext uri="{91240B29-F687-4f45-9708-019B960494DF}">
-                <a14:hiddenLine xmlns:a14="http://schemas.microsoft.com/office/drawing/2010/main" xmlns="" w="9525">
+                <a14:hiddenLine xmlns="" xmlns:a14="http://schemas.microsoft.com/office/drawing/2010/main" w="9525">
                   <a:solidFill>
                     <a:srgbClr val="000000"/>
                   </a:solidFill>
@@ -963,7 +960,7 @@
             </a:ln>
             <a:extLst>
               <a:ext uri="{91240B29-F687-4f45-9708-019B960494DF}">
-                <a14:hiddenLine xmlns:a14="http://schemas.microsoft.com/office/drawing/2010/main" xmlns="" w="9525">
+                <a14:hiddenLine xmlns="" xmlns:a14="http://schemas.microsoft.com/office/drawing/2010/main" w="9525">
                   <a:solidFill>
                     <a:srgbClr val="000000"/>
                   </a:solidFill>
@@ -1053,7 +1050,7 @@
             </a:ln>
             <a:extLst>
               <a:ext uri="{91240B29-F687-4f45-9708-019B960494DF}">
-                <a14:hiddenLine xmlns:a14="http://schemas.microsoft.com/office/drawing/2010/main" xmlns="" w="9525">
+                <a14:hiddenLine xmlns="" xmlns:a14="http://schemas.microsoft.com/office/drawing/2010/main" w="9525">
                   <a:solidFill>
                     <a:srgbClr val="000000"/>
                   </a:solidFill>
@@ -1115,7 +1112,7 @@
             </a:ln>
             <a:extLst>
               <a:ext uri="{91240B29-F687-4f45-9708-019B960494DF}">
-                <a14:hiddenLine xmlns:a14="http://schemas.microsoft.com/office/drawing/2010/main" xmlns="" w="9525">
+                <a14:hiddenLine xmlns="" xmlns:a14="http://schemas.microsoft.com/office/drawing/2010/main" w="9525">
                   <a:solidFill>
                     <a:srgbClr val="000000"/>
                   </a:solidFill>
@@ -1225,7 +1222,7 @@
             </a:ln>
             <a:extLst>
               <a:ext uri="{91240B29-F687-4f45-9708-019B960494DF}">
-                <a14:hiddenLine xmlns:a14="http://schemas.microsoft.com/office/drawing/2010/main" xmlns="" w="9525">
+                <a14:hiddenLine xmlns="" xmlns:a14="http://schemas.microsoft.com/office/drawing/2010/main" w="9525">
                   <a:solidFill>
                     <a:srgbClr val="000000"/>
                   </a:solidFill>
@@ -1287,7 +1284,7 @@
             </a:ln>
             <a:extLst>
               <a:ext uri="{91240B29-F687-4f45-9708-019B960494DF}">
-                <a14:hiddenLine xmlns:a14="http://schemas.microsoft.com/office/drawing/2010/main" xmlns="" w="9525">
+                <a14:hiddenLine xmlns="" xmlns:a14="http://schemas.microsoft.com/office/drawing/2010/main" w="9525">
                   <a:solidFill>
                     <a:srgbClr val="000000"/>
                   </a:solidFill>
@@ -1377,7 +1374,7 @@
             </a:ln>
             <a:extLst>
               <a:ext uri="{91240B29-F687-4f45-9708-019B960494DF}">
-                <a14:hiddenLine xmlns:a14="http://schemas.microsoft.com/office/drawing/2010/main" xmlns="" w="9525">
+                <a14:hiddenLine xmlns="" xmlns:a14="http://schemas.microsoft.com/office/drawing/2010/main" w="9525">
                   <a:solidFill>
                     <a:srgbClr val="000000"/>
                   </a:solidFill>
@@ -1467,7 +1464,7 @@
             </a:ln>
             <a:extLst>
               <a:ext uri="{91240B29-F687-4f45-9708-019B960494DF}">
-                <a14:hiddenLine xmlns:a14="http://schemas.microsoft.com/office/drawing/2010/main" xmlns="" w="9525">
+                <a14:hiddenLine xmlns="" xmlns:a14="http://schemas.microsoft.com/office/drawing/2010/main" w="9525">
                   <a:solidFill>
                     <a:srgbClr val="000000"/>
                   </a:solidFill>
@@ -1529,7 +1526,7 @@
             </a:ln>
             <a:extLst>
               <a:ext uri="{91240B29-F687-4f45-9708-019B960494DF}">
-                <a14:hiddenLine xmlns:a14="http://schemas.microsoft.com/office/drawing/2010/main" xmlns="" w="9525">
+                <a14:hiddenLine xmlns="" xmlns:a14="http://schemas.microsoft.com/office/drawing/2010/main" w="9525">
                   <a:solidFill>
                     <a:srgbClr val="000000"/>
                   </a:solidFill>
@@ -1619,7 +1616,7 @@
             </a:ln>
             <a:extLst>
               <a:ext uri="{91240B29-F687-4f45-9708-019B960494DF}">
-                <a14:hiddenLine xmlns:a14="http://schemas.microsoft.com/office/drawing/2010/main" xmlns="" w="9525">
+                <a14:hiddenLine xmlns="" xmlns:a14="http://schemas.microsoft.com/office/drawing/2010/main" w="9525">
                   <a:solidFill>
                     <a:srgbClr val="000000"/>
                   </a:solidFill>
@@ -1709,7 +1706,7 @@
             </a:ln>
             <a:extLst>
               <a:ext uri="{91240B29-F687-4f45-9708-019B960494DF}">
-                <a14:hiddenLine xmlns:a14="http://schemas.microsoft.com/office/drawing/2010/main" xmlns="" w="9525">
+                <a14:hiddenLine xmlns="" xmlns:a14="http://schemas.microsoft.com/office/drawing/2010/main" w="9525">
                   <a:solidFill>
                     <a:srgbClr val="000000"/>
                   </a:solidFill>
@@ -1765,7 +1762,7 @@
             </a:ln>
             <a:extLst>
               <a:ext uri="{91240B29-F687-4f45-9708-019B960494DF}">
-                <a14:hiddenLine xmlns:a14="http://schemas.microsoft.com/office/drawing/2010/main" xmlns="" w="9525">
+                <a14:hiddenLine xmlns="" xmlns:a14="http://schemas.microsoft.com/office/drawing/2010/main" w="9525">
                   <a:solidFill>
                     <a:srgbClr val="000000"/>
                   </a:solidFill>
@@ -1855,7 +1852,7 @@
             </a:ln>
             <a:extLst>
               <a:ext uri="{91240B29-F687-4f45-9708-019B960494DF}">
-                <a14:hiddenLine xmlns:a14="http://schemas.microsoft.com/office/drawing/2010/main" xmlns="" w="9525">
+                <a14:hiddenLine xmlns="" xmlns:a14="http://schemas.microsoft.com/office/drawing/2010/main" w="9525">
                   <a:solidFill>
                     <a:srgbClr val="000000"/>
                   </a:solidFill>
@@ -1911,7 +1908,7 @@
             </a:ln>
             <a:extLst>
               <a:ext uri="{91240B29-F687-4f45-9708-019B960494DF}">
-                <a14:hiddenLine xmlns:a14="http://schemas.microsoft.com/office/drawing/2010/main" xmlns="" w="9525">
+                <a14:hiddenLine xmlns="" xmlns:a14="http://schemas.microsoft.com/office/drawing/2010/main" w="9525">
                   <a:solidFill>
                     <a:srgbClr val="000000"/>
                   </a:solidFill>
@@ -2001,7 +1998,7 @@
             </a:ln>
             <a:extLst>
               <a:ext uri="{91240B29-F687-4f45-9708-019B960494DF}">
-                <a14:hiddenLine xmlns:a14="http://schemas.microsoft.com/office/drawing/2010/main" xmlns="" w="9525">
+                <a14:hiddenLine xmlns="" xmlns:a14="http://schemas.microsoft.com/office/drawing/2010/main" w="9525">
                   <a:solidFill>
                     <a:srgbClr val="000000"/>
                   </a:solidFill>
@@ -2069,7 +2066,7 @@
             </a:ln>
             <a:extLst>
               <a:ext uri="{91240B29-F687-4f45-9708-019B960494DF}">
-                <a14:hiddenLine xmlns:a14="http://schemas.microsoft.com/office/drawing/2010/main" xmlns="" w="9525">
+                <a14:hiddenLine xmlns="" xmlns:a14="http://schemas.microsoft.com/office/drawing/2010/main" w="9525">
                   <a:solidFill>
                     <a:srgbClr val="000000"/>
                   </a:solidFill>
@@ -2159,7 +2156,7 @@
             </a:ln>
             <a:extLst>
               <a:ext uri="{91240B29-F687-4f45-9708-019B960494DF}">
-                <a14:hiddenLine xmlns:a14="http://schemas.microsoft.com/office/drawing/2010/main" xmlns="" w="9525">
+                <a14:hiddenLine xmlns="" xmlns:a14="http://schemas.microsoft.com/office/drawing/2010/main" w="9525">
                   <a:solidFill>
                     <a:srgbClr val="000000"/>
                   </a:solidFill>
@@ -2227,7 +2224,7 @@
             </a:ln>
             <a:extLst>
               <a:ext uri="{91240B29-F687-4f45-9708-019B960494DF}">
-                <a14:hiddenLine xmlns:a14="http://schemas.microsoft.com/office/drawing/2010/main" xmlns="" w="9525">
+                <a14:hiddenLine xmlns="" xmlns:a14="http://schemas.microsoft.com/office/drawing/2010/main" w="9525">
                   <a:solidFill>
                     <a:srgbClr val="000000"/>
                   </a:solidFill>
@@ -2317,7 +2314,7 @@
             </a:ln>
             <a:extLst>
               <a:ext uri="{91240B29-F687-4f45-9708-019B960494DF}">
-                <a14:hiddenLine xmlns:a14="http://schemas.microsoft.com/office/drawing/2010/main" xmlns="" w="9525">
+                <a14:hiddenLine xmlns="" xmlns:a14="http://schemas.microsoft.com/office/drawing/2010/main" w="9525">
                   <a:solidFill>
                     <a:srgbClr val="000000"/>
                   </a:solidFill>
@@ -2351,7 +2348,7 @@
             </a:ln>
             <a:extLst>
               <a:ext uri="{91240B29-F687-4f45-9708-019B960494DF}">
-                <a14:hiddenLine xmlns:a14="http://schemas.microsoft.com/office/drawing/2010/main" xmlns="" w="9525">
+                <a14:hiddenLine xmlns="" xmlns:a14="http://schemas.microsoft.com/office/drawing/2010/main" w="9525">
                   <a:solidFill>
                     <a:srgbClr val="000000"/>
                   </a:solidFill>
@@ -2441,7 +2438,7 @@
             </a:ln>
             <a:extLst>
               <a:ext uri="{91240B29-F687-4f45-9708-019B960494DF}">
-                <a14:hiddenLine xmlns:a14="http://schemas.microsoft.com/office/drawing/2010/main" xmlns="" w="9525">
+                <a14:hiddenLine xmlns="" xmlns:a14="http://schemas.microsoft.com/office/drawing/2010/main" w="9525">
                   <a:solidFill>
                     <a:srgbClr val="000000"/>
                   </a:solidFill>
@@ -2503,7 +2500,7 @@
             </a:ln>
             <a:extLst>
               <a:ext uri="{91240B29-F687-4f45-9708-019B960494DF}">
-                <a14:hiddenLine xmlns:a14="http://schemas.microsoft.com/office/drawing/2010/main" xmlns="" w="9525">
+                <a14:hiddenLine xmlns="" xmlns:a14="http://schemas.microsoft.com/office/drawing/2010/main" w="9525">
                   <a:solidFill>
                     <a:srgbClr val="000000"/>
                   </a:solidFill>
@@ -2565,7 +2562,7 @@
             </a:ln>
             <a:extLst>
               <a:ext uri="{91240B29-F687-4f45-9708-019B960494DF}">
-                <a14:hiddenLine xmlns:a14="http://schemas.microsoft.com/office/drawing/2010/main" xmlns="" w="9525">
+                <a14:hiddenLine xmlns="" xmlns:a14="http://schemas.microsoft.com/office/drawing/2010/main" w="9525">
                   <a:solidFill>
                     <a:srgbClr val="000000"/>
                   </a:solidFill>
@@ -2655,7 +2652,7 @@
             </a:ln>
             <a:extLst>
               <a:ext uri="{91240B29-F687-4f45-9708-019B960494DF}">
-                <a14:hiddenLine xmlns:a14="http://schemas.microsoft.com/office/drawing/2010/main" xmlns="" w="9525">
+                <a14:hiddenLine xmlns="" xmlns:a14="http://schemas.microsoft.com/office/drawing/2010/main" w="9525">
                   <a:solidFill>
                     <a:srgbClr val="000000"/>
                   </a:solidFill>
@@ -2723,7 +2720,7 @@
             </a:ln>
             <a:extLst>
               <a:ext uri="{91240B29-F687-4f45-9708-019B960494DF}">
-                <a14:hiddenLine xmlns:a14="http://schemas.microsoft.com/office/drawing/2010/main" xmlns="" w="9525">
+                <a14:hiddenLine xmlns="" xmlns:a14="http://schemas.microsoft.com/office/drawing/2010/main" w="9525">
                   <a:solidFill>
                     <a:srgbClr val="000000"/>
                   </a:solidFill>
@@ -2785,7 +2782,7 @@
             </a:ln>
             <a:extLst>
               <a:ext uri="{91240B29-F687-4f45-9708-019B960494DF}">
-                <a14:hiddenLine xmlns:a14="http://schemas.microsoft.com/office/drawing/2010/main" xmlns="" w="9525">
+                <a14:hiddenLine xmlns="" xmlns:a14="http://schemas.microsoft.com/office/drawing/2010/main" w="9525">
                   <a:solidFill>
                     <a:srgbClr val="000000"/>
                   </a:solidFill>
@@ -2875,7 +2872,7 @@
             </a:ln>
             <a:extLst>
               <a:ext uri="{91240B29-F687-4f45-9708-019B960494DF}">
-                <a14:hiddenLine xmlns:a14="http://schemas.microsoft.com/office/drawing/2010/main" xmlns="" w="9525">
+                <a14:hiddenLine xmlns="" xmlns:a14="http://schemas.microsoft.com/office/drawing/2010/main" w="9525">
                   <a:solidFill>
                     <a:srgbClr val="000000"/>
                   </a:solidFill>
@@ -2937,7 +2934,7 @@
             </a:ln>
             <a:extLst>
               <a:ext uri="{91240B29-F687-4f45-9708-019B960494DF}">
-                <a14:hiddenLine xmlns:a14="http://schemas.microsoft.com/office/drawing/2010/main" xmlns="" w="9525">
+                <a14:hiddenLine xmlns="" xmlns:a14="http://schemas.microsoft.com/office/drawing/2010/main" w="9525">
                   <a:solidFill>
                     <a:srgbClr val="000000"/>
                   </a:solidFill>
@@ -3027,7 +3024,7 @@
             </a:ln>
             <a:extLst>
               <a:ext uri="{91240B29-F687-4f45-9708-019B960494DF}">
-                <a14:hiddenLine xmlns:a14="http://schemas.microsoft.com/office/drawing/2010/main" xmlns="" w="9525">
+                <a14:hiddenLine xmlns="" xmlns:a14="http://schemas.microsoft.com/office/drawing/2010/main" w="9525">
                   <a:solidFill>
                     <a:srgbClr val="000000"/>
                   </a:solidFill>
@@ -3089,7 +3086,7 @@
             </a:ln>
             <a:extLst>
               <a:ext uri="{91240B29-F687-4f45-9708-019B960494DF}">
-                <a14:hiddenLine xmlns:a14="http://schemas.microsoft.com/office/drawing/2010/main" xmlns="" w="9525">
+                <a14:hiddenLine xmlns="" xmlns:a14="http://schemas.microsoft.com/office/drawing/2010/main" w="9525">
                   <a:solidFill>
                     <a:srgbClr val="000000"/>
                   </a:solidFill>
@@ -3179,7 +3176,7 @@
             </a:ln>
             <a:extLst>
               <a:ext uri="{91240B29-F687-4f45-9708-019B960494DF}">
-                <a14:hiddenLine xmlns:a14="http://schemas.microsoft.com/office/drawing/2010/main" xmlns="" w="9525">
+                <a14:hiddenLine xmlns="" xmlns:a14="http://schemas.microsoft.com/office/drawing/2010/main" w="9525">
                   <a:solidFill>
                     <a:srgbClr val="000000"/>
                   </a:solidFill>
@@ -3213,7 +3210,7 @@
             </a:ln>
             <a:extLst>
               <a:ext uri="{91240B29-F687-4f45-9708-019B960494DF}">
-                <a14:hiddenLine xmlns:a14="http://schemas.microsoft.com/office/drawing/2010/main" xmlns="" w="9525">
+                <a14:hiddenLine xmlns="" xmlns:a14="http://schemas.microsoft.com/office/drawing/2010/main" w="9525">
                   <a:solidFill>
                     <a:srgbClr val="000000"/>
                   </a:solidFill>
@@ -3278,7 +3275,7 @@
             </a:ln>
             <a:extLst>
               <a:ext uri="{91240B29-F687-4f45-9708-019B960494DF}">
-                <a14:hiddenLine xmlns:a14="http://schemas.microsoft.com/office/drawing/2010/main" xmlns="" w="9525">
+                <a14:hiddenLine xmlns="" xmlns:a14="http://schemas.microsoft.com/office/drawing/2010/main" w="9525">
                   <a:solidFill>
                     <a:srgbClr val="000000"/>
                   </a:solidFill>
@@ -3368,7 +3365,7 @@
             </a:ln>
             <a:extLst>
               <a:ext uri="{91240B29-F687-4f45-9708-019B960494DF}">
-                <a14:hiddenLine xmlns:a14="http://schemas.microsoft.com/office/drawing/2010/main" xmlns="" w="9525">
+                <a14:hiddenLine xmlns="" xmlns:a14="http://schemas.microsoft.com/office/drawing/2010/main" w="9525">
                   <a:solidFill>
                     <a:srgbClr val="000000"/>
                   </a:solidFill>
@@ -3430,7 +3427,7 @@
             </a:ln>
             <a:extLst>
               <a:ext uri="{91240B29-F687-4f45-9708-019B960494DF}">
-                <a14:hiddenLine xmlns:a14="http://schemas.microsoft.com/office/drawing/2010/main" xmlns="" w="9525">
+                <a14:hiddenLine xmlns="" xmlns:a14="http://schemas.microsoft.com/office/drawing/2010/main" w="9525">
                   <a:solidFill>
                     <a:srgbClr val="000000"/>
                   </a:solidFill>
@@ -3520,7 +3517,7 @@
             </a:ln>
             <a:extLst>
               <a:ext uri="{91240B29-F687-4f45-9708-019B960494DF}">
-                <a14:hiddenLine xmlns:a14="http://schemas.microsoft.com/office/drawing/2010/main" xmlns="" w="9525">
+                <a14:hiddenLine xmlns="" xmlns:a14="http://schemas.microsoft.com/office/drawing/2010/main" w="9525">
                   <a:solidFill>
                     <a:srgbClr val="000000"/>
                   </a:solidFill>
@@ -3610,7 +3607,7 @@
             </a:ln>
             <a:extLst>
               <a:ext uri="{91240B29-F687-4f45-9708-019B960494DF}">
-                <a14:hiddenLine xmlns:a14="http://schemas.microsoft.com/office/drawing/2010/main" xmlns="" w="9525">
+                <a14:hiddenLine xmlns="" xmlns:a14="http://schemas.microsoft.com/office/drawing/2010/main" w="9525">
                   <a:solidFill>
                     <a:srgbClr val="000000"/>
                   </a:solidFill>
@@ -3675,7 +3672,7 @@
             </a:ln>
             <a:extLst>
               <a:ext uri="{91240B29-F687-4f45-9708-019B960494DF}">
-                <a14:hiddenLine xmlns:a14="http://schemas.microsoft.com/office/drawing/2010/main" xmlns="" w="9525">
+                <a14:hiddenLine xmlns="" xmlns:a14="http://schemas.microsoft.com/office/drawing/2010/main" w="9525">
                   <a:solidFill>
                     <a:srgbClr val="000000"/>
                   </a:solidFill>
@@ -3737,7 +3734,7 @@
             </a:ln>
             <a:extLst>
               <a:ext uri="{91240B29-F687-4f45-9708-019B960494DF}">
-                <a14:hiddenLine xmlns:a14="http://schemas.microsoft.com/office/drawing/2010/main" xmlns="" w="9525">
+                <a14:hiddenLine xmlns="" xmlns:a14="http://schemas.microsoft.com/office/drawing/2010/main" w="9525">
                   <a:solidFill>
                     <a:srgbClr val="000000"/>
                   </a:solidFill>
@@ -3827,7 +3824,7 @@
             </a:ln>
             <a:extLst>
               <a:ext uri="{91240B29-F687-4f45-9708-019B960494DF}">
-                <a14:hiddenLine xmlns:a14="http://schemas.microsoft.com/office/drawing/2010/main" xmlns="" w="9525">
+                <a14:hiddenLine xmlns="" xmlns:a14="http://schemas.microsoft.com/office/drawing/2010/main" w="9525">
                   <a:solidFill>
                     <a:srgbClr val="000000"/>
                   </a:solidFill>
@@ -3917,7 +3914,7 @@
             </a:ln>
             <a:extLst>
               <a:ext uri="{91240B29-F687-4f45-9708-019B960494DF}">
-                <a14:hiddenLine xmlns:a14="http://schemas.microsoft.com/office/drawing/2010/main" xmlns="" w="9525">
+                <a14:hiddenLine xmlns="" xmlns:a14="http://schemas.microsoft.com/office/drawing/2010/main" w="9525">
                   <a:solidFill>
                     <a:srgbClr val="000000"/>
                   </a:solidFill>
@@ -3979,7 +3976,7 @@
             </a:ln>
             <a:extLst>
               <a:ext uri="{91240B29-F687-4f45-9708-019B960494DF}">
-                <a14:hiddenLine xmlns:a14="http://schemas.microsoft.com/office/drawing/2010/main" xmlns="" w="9525">
+                <a14:hiddenLine xmlns="" xmlns:a14="http://schemas.microsoft.com/office/drawing/2010/main" w="9525">
                   <a:solidFill>
                     <a:srgbClr val="000000"/>
                   </a:solidFill>
@@ -4099,7 +4096,7 @@
             </a:ln>
             <a:extLst>
               <a:ext uri="{91240B29-F687-4f45-9708-019B960494DF}">
-                <a14:hiddenLine xmlns:a14="http://schemas.microsoft.com/office/drawing/2010/main" xmlns="" w="9525">
+                <a14:hiddenLine xmlns="" xmlns:a14="http://schemas.microsoft.com/office/drawing/2010/main" w="9525">
                   <a:solidFill>
                     <a:srgbClr val="000000"/>
                   </a:solidFill>
@@ -4167,7 +4164,7 @@
             </a:ln>
             <a:extLst>
               <a:ext uri="{91240B29-F687-4f45-9708-019B960494DF}">
-                <a14:hiddenLine xmlns:a14="http://schemas.microsoft.com/office/drawing/2010/main" xmlns="" w="9525">
+                <a14:hiddenLine xmlns="" xmlns:a14="http://schemas.microsoft.com/office/drawing/2010/main" w="9525">
                   <a:solidFill>
                     <a:srgbClr val="000000"/>
                   </a:solidFill>
@@ -4257,7 +4254,7 @@
             </a:ln>
             <a:extLst>
               <a:ext uri="{91240B29-F687-4f45-9708-019B960494DF}">
-                <a14:hiddenLine xmlns:a14="http://schemas.microsoft.com/office/drawing/2010/main" xmlns="" w="9525">
+                <a14:hiddenLine xmlns="" xmlns:a14="http://schemas.microsoft.com/office/drawing/2010/main" w="9525">
                   <a:solidFill>
                     <a:srgbClr val="000000"/>
                   </a:solidFill>
@@ -4397,7 +4394,7 @@
           <a:p>
             <a:fld id="{48A87A34-81AB-432B-8DAE-1953F412C126}" type="datetimeFigureOut">
               <a:rPr lang="en-US" dirty="0"/>
-              <a:t>11/21/2022</a:t>
+              <a:t>12/12/2022</a:t>
             </a:fld>
             <a:endParaRPr lang="en-US" dirty="0"/>
           </a:p>
@@ -4659,7 +4656,7 @@
           <a:p>
             <a:fld id="{48A87A34-81AB-432B-8DAE-1953F412C126}" type="datetimeFigureOut">
               <a:rPr lang="en-US" dirty="0"/>
-              <a:t>11/21/2022</a:t>
+              <a:t>12/12/2022</a:t>
             </a:fld>
             <a:endParaRPr lang="en-US" dirty="0"/>
           </a:p>
@@ -4850,7 +4847,7 @@
           <a:p>
             <a:fld id="{48A87A34-81AB-432B-8DAE-1953F412C126}" type="datetimeFigureOut">
               <a:rPr lang="en-US" dirty="0"/>
-              <a:t>11/21/2022</a:t>
+              <a:t>12/12/2022</a:t>
             </a:fld>
             <a:endParaRPr lang="en-US" dirty="0"/>
           </a:p>
@@ -5108,7 +5105,7 @@
           <a:p>
             <a:fld id="{48A87A34-81AB-432B-8DAE-1953F412C126}" type="datetimeFigureOut">
               <a:rPr lang="en-US" dirty="0"/>
-              <a:t>11/21/2022</a:t>
+              <a:t>12/12/2022</a:t>
             </a:fld>
             <a:endParaRPr lang="en-US" dirty="0"/>
           </a:p>
@@ -5537,7 +5534,7 @@
           <a:p>
             <a:fld id="{48A87A34-81AB-432B-8DAE-1953F412C126}" type="datetimeFigureOut">
               <a:rPr lang="en-US" dirty="0"/>
-              <a:t>11/21/2022</a:t>
+              <a:t>12/12/2022</a:t>
             </a:fld>
             <a:endParaRPr lang="en-US" dirty="0"/>
           </a:p>
@@ -6078,7 +6075,7 @@
           <a:p>
             <a:fld id="{48A87A34-81AB-432B-8DAE-1953F412C126}" type="datetimeFigureOut">
               <a:rPr lang="en-US" dirty="0"/>
-              <a:t>11/21/2022</a:t>
+              <a:t>12/12/2022</a:t>
             </a:fld>
             <a:endParaRPr lang="en-US" dirty="0"/>
           </a:p>
@@ -6793,7 +6790,7 @@
           <a:p>
             <a:fld id="{48A87A34-81AB-432B-8DAE-1953F412C126}" type="datetimeFigureOut">
               <a:rPr lang="en-US" dirty="0"/>
-              <a:t>11/21/2022</a:t>
+              <a:t>12/12/2022</a:t>
             </a:fld>
             <a:endParaRPr lang="en-US" dirty="0"/>
           </a:p>
@@ -6958,7 +6955,7 @@
           <a:p>
             <a:fld id="{48A87A34-81AB-432B-8DAE-1953F412C126}" type="datetimeFigureOut">
               <a:rPr lang="en-US" dirty="0"/>
-              <a:t>11/21/2022</a:t>
+              <a:t>12/12/2022</a:t>
             </a:fld>
             <a:endParaRPr lang="en-US" dirty="0"/>
           </a:p>
@@ -7133,7 +7130,7 @@
           <a:p>
             <a:fld id="{48A87A34-81AB-432B-8DAE-1953F412C126}" type="datetimeFigureOut">
               <a:rPr lang="en-US" dirty="0"/>
-              <a:t>11/21/2022</a:t>
+              <a:t>12/12/2022</a:t>
             </a:fld>
             <a:endParaRPr lang="en-US" dirty="0"/>
           </a:p>
@@ -7298,7 +7295,7 @@
           <a:p>
             <a:fld id="{48A87A34-81AB-432B-8DAE-1953F412C126}" type="datetimeFigureOut">
               <a:rPr lang="en-US" dirty="0"/>
-              <a:t>11/21/2022</a:t>
+              <a:t>12/12/2022</a:t>
             </a:fld>
             <a:endParaRPr lang="en-US" dirty="0"/>
           </a:p>
@@ -7543,7 +7540,7 @@
           <a:p>
             <a:fld id="{48A87A34-81AB-432B-8DAE-1953F412C126}" type="datetimeFigureOut">
               <a:rPr lang="en-US" dirty="0"/>
-              <a:t>11/21/2022</a:t>
+              <a:t>12/12/2022</a:t>
             </a:fld>
             <a:endParaRPr lang="en-US" dirty="0"/>
           </a:p>
@@ -7770,7 +7767,7 @@
           <a:p>
             <a:fld id="{48A87A34-81AB-432B-8DAE-1953F412C126}" type="datetimeFigureOut">
               <a:rPr lang="en-US" dirty="0"/>
-              <a:t>11/21/2022</a:t>
+              <a:t>12/12/2022</a:t>
             </a:fld>
             <a:endParaRPr lang="en-US" dirty="0"/>
           </a:p>
@@ -8146,7 +8143,7 @@
           <a:p>
             <a:fld id="{48A87A34-81AB-432B-8DAE-1953F412C126}" type="datetimeFigureOut">
               <a:rPr lang="en-US" dirty="0"/>
-              <a:t>11/21/2022</a:t>
+              <a:t>12/12/2022</a:t>
             </a:fld>
             <a:endParaRPr lang="en-US" dirty="0"/>
           </a:p>
@@ -8259,7 +8256,7 @@
           <a:p>
             <a:fld id="{48A87A34-81AB-432B-8DAE-1953F412C126}" type="datetimeFigureOut">
               <a:rPr lang="en-US" dirty="0"/>
-              <a:t>11/21/2022</a:t>
+              <a:t>12/12/2022</a:t>
             </a:fld>
             <a:endParaRPr lang="en-US" dirty="0"/>
           </a:p>
@@ -8349,7 +8346,7 @@
           <a:p>
             <a:fld id="{48A87A34-81AB-432B-8DAE-1953F412C126}" type="datetimeFigureOut">
               <a:rPr lang="en-US" dirty="0"/>
-              <a:t>11/21/2022</a:t>
+              <a:t>12/12/2022</a:t>
             </a:fld>
             <a:endParaRPr lang="en-US" dirty="0"/>
           </a:p>
@@ -8593,7 +8590,7 @@
           <a:p>
             <a:fld id="{48A87A34-81AB-432B-8DAE-1953F412C126}" type="datetimeFigureOut">
               <a:rPr lang="en-US" dirty="0"/>
-              <a:t>11/21/2022</a:t>
+              <a:t>12/12/2022</a:t>
             </a:fld>
             <a:endParaRPr lang="en-US" dirty="0"/>
           </a:p>
@@ -8868,7 +8865,7 @@
           <a:p>
             <a:fld id="{48A87A34-81AB-432B-8DAE-1953F412C126}" type="datetimeFigureOut">
               <a:rPr lang="en-US" dirty="0"/>
-              <a:t>11/21/2022</a:t>
+              <a:t>12/12/2022</a:t>
             </a:fld>
             <a:endParaRPr lang="en-US" dirty="0"/>
           </a:p>
@@ -8979,7 +8976,7 @@
           <a:noFill/>
           <a:extLst>
             <a:ext uri="{909E8E84-426E-40dd-AFC4-6F175D3DCCD1}">
-              <a14:hiddenFill xmlns:a14="http://schemas.microsoft.com/office/drawing/2010/main" xmlns="">
+              <a14:hiddenFill xmlns="" xmlns:a14="http://schemas.microsoft.com/office/drawing/2010/main">
                 <a:solidFill>
                   <a:srgbClr val="FFFFFF"/>
                 </a:solidFill>
@@ -9053,7 +9050,7 @@
               </a:ln>
               <a:extLst>
                 <a:ext uri="{91240B29-F687-4f45-9708-019B960494DF}">
-                  <a14:hiddenLine xmlns:a14="http://schemas.microsoft.com/office/drawing/2010/main" xmlns="" w="9525">
+                  <a14:hiddenLine xmlns="" xmlns:a14="http://schemas.microsoft.com/office/drawing/2010/main" w="9525">
                     <a:solidFill>
                       <a:srgbClr val="000000"/>
                     </a:solidFill>
@@ -9143,7 +9140,7 @@
               </a:ln>
               <a:extLst>
                 <a:ext uri="{91240B29-F687-4f45-9708-019B960494DF}">
-                  <a14:hiddenLine xmlns:a14="http://schemas.microsoft.com/office/drawing/2010/main" xmlns="" w="9525">
+                  <a14:hiddenLine xmlns="" xmlns:a14="http://schemas.microsoft.com/office/drawing/2010/main" w="9525">
                     <a:solidFill>
                       <a:srgbClr val="000000"/>
                     </a:solidFill>
@@ -9233,7 +9230,7 @@
               </a:ln>
               <a:extLst>
                 <a:ext uri="{91240B29-F687-4f45-9708-019B960494DF}">
-                  <a14:hiddenLine xmlns:a14="http://schemas.microsoft.com/office/drawing/2010/main" xmlns="" w="9525">
+                  <a14:hiddenLine xmlns="" xmlns:a14="http://schemas.microsoft.com/office/drawing/2010/main" w="9525">
                     <a:solidFill>
                       <a:srgbClr val="000000"/>
                     </a:solidFill>
@@ -9295,7 +9292,7 @@
               </a:ln>
               <a:extLst>
                 <a:ext uri="{91240B29-F687-4f45-9708-019B960494DF}">
-                  <a14:hiddenLine xmlns:a14="http://schemas.microsoft.com/office/drawing/2010/main" xmlns="" w="9525">
+                  <a14:hiddenLine xmlns="" xmlns:a14="http://schemas.microsoft.com/office/drawing/2010/main" w="9525">
                     <a:solidFill>
                       <a:srgbClr val="000000"/>
                     </a:solidFill>
@@ -9385,7 +9382,7 @@
               </a:ln>
               <a:extLst>
                 <a:ext uri="{91240B29-F687-4f45-9708-019B960494DF}">
-                  <a14:hiddenLine xmlns:a14="http://schemas.microsoft.com/office/drawing/2010/main" xmlns="" w="9525">
+                  <a14:hiddenLine xmlns="" xmlns:a14="http://schemas.microsoft.com/office/drawing/2010/main" w="9525">
                     <a:solidFill>
                       <a:srgbClr val="000000"/>
                     </a:solidFill>
@@ -9447,7 +9444,7 @@
               </a:ln>
               <a:extLst>
                 <a:ext uri="{91240B29-F687-4f45-9708-019B960494DF}">
-                  <a14:hiddenLine xmlns:a14="http://schemas.microsoft.com/office/drawing/2010/main" xmlns="" w="9525">
+                  <a14:hiddenLine xmlns="" xmlns:a14="http://schemas.microsoft.com/office/drawing/2010/main" w="9525">
                     <a:solidFill>
                       <a:srgbClr val="000000"/>
                     </a:solidFill>
@@ -9509,7 +9506,7 @@
               </a:ln>
               <a:extLst>
                 <a:ext uri="{91240B29-F687-4f45-9708-019B960494DF}">
-                  <a14:hiddenLine xmlns:a14="http://schemas.microsoft.com/office/drawing/2010/main" xmlns="" w="9525">
+                  <a14:hiddenLine xmlns="" xmlns:a14="http://schemas.microsoft.com/office/drawing/2010/main" w="9525">
                     <a:solidFill>
                       <a:srgbClr val="000000"/>
                     </a:solidFill>
@@ -9599,7 +9596,7 @@
               </a:ln>
               <a:extLst>
                 <a:ext uri="{91240B29-F687-4f45-9708-019B960494DF}">
-                  <a14:hiddenLine xmlns:a14="http://schemas.microsoft.com/office/drawing/2010/main" xmlns="" w="9525">
+                  <a14:hiddenLine xmlns="" xmlns:a14="http://schemas.microsoft.com/office/drawing/2010/main" w="9525">
                     <a:solidFill>
                       <a:srgbClr val="000000"/>
                     </a:solidFill>
@@ -9689,7 +9686,7 @@
               </a:ln>
               <a:extLst>
                 <a:ext uri="{91240B29-F687-4f45-9708-019B960494DF}">
-                  <a14:hiddenLine xmlns:a14="http://schemas.microsoft.com/office/drawing/2010/main" xmlns="" w="9525">
+                  <a14:hiddenLine xmlns="" xmlns:a14="http://schemas.microsoft.com/office/drawing/2010/main" w="9525">
                     <a:solidFill>
                       <a:srgbClr val="000000"/>
                     </a:solidFill>
@@ -9751,7 +9748,7 @@
               </a:ln>
               <a:extLst>
                 <a:ext uri="{91240B29-F687-4f45-9708-019B960494DF}">
-                  <a14:hiddenLine xmlns:a14="http://schemas.microsoft.com/office/drawing/2010/main" xmlns="" w="9525">
+                  <a14:hiddenLine xmlns="" xmlns:a14="http://schemas.microsoft.com/office/drawing/2010/main" w="9525">
                     <a:solidFill>
                       <a:srgbClr val="000000"/>
                     </a:solidFill>
@@ -9861,7 +9858,7 @@
               </a:ln>
               <a:extLst>
                 <a:ext uri="{91240B29-F687-4f45-9708-019B960494DF}">
-                  <a14:hiddenLine xmlns:a14="http://schemas.microsoft.com/office/drawing/2010/main" xmlns="" w="9525">
+                  <a14:hiddenLine xmlns="" xmlns:a14="http://schemas.microsoft.com/office/drawing/2010/main" w="9525">
                     <a:solidFill>
                       <a:srgbClr val="000000"/>
                     </a:solidFill>
@@ -9945,7 +9942,7 @@
               </a:ln>
               <a:extLst>
                 <a:ext uri="{91240B29-F687-4f45-9708-019B960494DF}">
-                  <a14:hiddenLine xmlns:a14="http://schemas.microsoft.com/office/drawing/2010/main" xmlns="" w="9525">
+                  <a14:hiddenLine xmlns="" xmlns:a14="http://schemas.microsoft.com/office/drawing/2010/main" w="9525">
                     <a:solidFill>
                       <a:srgbClr val="000000"/>
                     </a:solidFill>
@@ -10007,7 +10004,7 @@
               </a:ln>
               <a:extLst>
                 <a:ext uri="{91240B29-F687-4f45-9708-019B960494DF}">
-                  <a14:hiddenLine xmlns:a14="http://schemas.microsoft.com/office/drawing/2010/main" xmlns="" w="9525">
+                  <a14:hiddenLine xmlns="" xmlns:a14="http://schemas.microsoft.com/office/drawing/2010/main" w="9525">
                     <a:solidFill>
                       <a:srgbClr val="000000"/>
                     </a:solidFill>
@@ -10069,7 +10066,7 @@
               </a:ln>
               <a:extLst>
                 <a:ext uri="{91240B29-F687-4f45-9708-019B960494DF}">
-                  <a14:hiddenLine xmlns:a14="http://schemas.microsoft.com/office/drawing/2010/main" xmlns="" w="9525">
+                  <a14:hiddenLine xmlns="" xmlns:a14="http://schemas.microsoft.com/office/drawing/2010/main" w="9525">
                     <a:solidFill>
                       <a:srgbClr val="000000"/>
                     </a:solidFill>
@@ -10159,7 +10156,7 @@
               </a:ln>
               <a:extLst>
                 <a:ext uri="{91240B29-F687-4f45-9708-019B960494DF}">
-                  <a14:hiddenLine xmlns:a14="http://schemas.microsoft.com/office/drawing/2010/main" xmlns="" w="9525">
+                  <a14:hiddenLine xmlns="" xmlns:a14="http://schemas.microsoft.com/office/drawing/2010/main" w="9525">
                     <a:solidFill>
                       <a:srgbClr val="000000"/>
                     </a:solidFill>
@@ -10193,7 +10190,7 @@
               </a:ln>
               <a:extLst>
                 <a:ext uri="{91240B29-F687-4f45-9708-019B960494DF}">
-                  <a14:hiddenLine xmlns:a14="http://schemas.microsoft.com/office/drawing/2010/main" xmlns="" w="9525">
+                  <a14:hiddenLine xmlns="" xmlns:a14="http://schemas.microsoft.com/office/drawing/2010/main" w="9525">
                     <a:solidFill>
                       <a:srgbClr val="000000"/>
                     </a:solidFill>
@@ -10258,7 +10255,7 @@
               </a:ln>
               <a:extLst>
                 <a:ext uri="{91240B29-F687-4f45-9708-019B960494DF}">
-                  <a14:hiddenLine xmlns:a14="http://schemas.microsoft.com/office/drawing/2010/main" xmlns="" w="9525">
+                  <a14:hiddenLine xmlns="" xmlns:a14="http://schemas.microsoft.com/office/drawing/2010/main" w="9525">
                     <a:solidFill>
                       <a:srgbClr val="000000"/>
                     </a:solidFill>
@@ -10348,7 +10345,7 @@
               </a:ln>
               <a:extLst>
                 <a:ext uri="{91240B29-F687-4f45-9708-019B960494DF}">
-                  <a14:hiddenLine xmlns:a14="http://schemas.microsoft.com/office/drawing/2010/main" xmlns="" w="9525">
+                  <a14:hiddenLine xmlns="" xmlns:a14="http://schemas.microsoft.com/office/drawing/2010/main" w="9525">
                     <a:solidFill>
                       <a:srgbClr val="000000"/>
                     </a:solidFill>
@@ -10410,7 +10407,7 @@
               </a:ln>
               <a:extLst>
                 <a:ext uri="{91240B29-F687-4f45-9708-019B960494DF}">
-                  <a14:hiddenLine xmlns:a14="http://schemas.microsoft.com/office/drawing/2010/main" xmlns="" w="9525">
+                  <a14:hiddenLine xmlns="" xmlns:a14="http://schemas.microsoft.com/office/drawing/2010/main" w="9525">
                     <a:solidFill>
                       <a:srgbClr val="000000"/>
                     </a:solidFill>
@@ -10500,7 +10497,7 @@
               </a:ln>
               <a:extLst>
                 <a:ext uri="{91240B29-F687-4f45-9708-019B960494DF}">
-                  <a14:hiddenLine xmlns:a14="http://schemas.microsoft.com/office/drawing/2010/main" xmlns="" w="9525">
+                  <a14:hiddenLine xmlns="" xmlns:a14="http://schemas.microsoft.com/office/drawing/2010/main" w="9525">
                     <a:solidFill>
                       <a:srgbClr val="000000"/>
                     </a:solidFill>
@@ -10565,7 +10562,7 @@
               </a:ln>
               <a:extLst>
                 <a:ext uri="{91240B29-F687-4f45-9708-019B960494DF}">
-                  <a14:hiddenLine xmlns:a14="http://schemas.microsoft.com/office/drawing/2010/main" xmlns="" w="9525">
+                  <a14:hiddenLine xmlns="" xmlns:a14="http://schemas.microsoft.com/office/drawing/2010/main" w="9525">
                     <a:solidFill>
                       <a:srgbClr val="000000"/>
                     </a:solidFill>
@@ -10627,7 +10624,7 @@
               </a:ln>
               <a:extLst>
                 <a:ext uri="{91240B29-F687-4f45-9708-019B960494DF}">
-                  <a14:hiddenLine xmlns:a14="http://schemas.microsoft.com/office/drawing/2010/main" xmlns="" w="9525">
+                  <a14:hiddenLine xmlns="" xmlns:a14="http://schemas.microsoft.com/office/drawing/2010/main" w="9525">
                     <a:solidFill>
                       <a:srgbClr val="000000"/>
                     </a:solidFill>
@@ -10717,7 +10714,7 @@
               </a:ln>
               <a:extLst>
                 <a:ext uri="{91240B29-F687-4f45-9708-019B960494DF}">
-                  <a14:hiddenLine xmlns:a14="http://schemas.microsoft.com/office/drawing/2010/main" xmlns="" w="9525">
+                  <a14:hiddenLine xmlns="" xmlns:a14="http://schemas.microsoft.com/office/drawing/2010/main" w="9525">
                     <a:solidFill>
                       <a:srgbClr val="000000"/>
                     </a:solidFill>
@@ -10807,7 +10804,7 @@
               </a:ln>
               <a:extLst>
                 <a:ext uri="{91240B29-F687-4f45-9708-019B960494DF}">
-                  <a14:hiddenLine xmlns:a14="http://schemas.microsoft.com/office/drawing/2010/main" xmlns="" w="9525">
+                  <a14:hiddenLine xmlns="" xmlns:a14="http://schemas.microsoft.com/office/drawing/2010/main" w="9525">
                     <a:solidFill>
                       <a:srgbClr val="000000"/>
                     </a:solidFill>
@@ -10872,7 +10869,7 @@
               </a:ln>
               <a:extLst>
                 <a:ext uri="{91240B29-F687-4f45-9708-019B960494DF}">
-                  <a14:hiddenLine xmlns:a14="http://schemas.microsoft.com/office/drawing/2010/main" xmlns="" w="9525">
+                  <a14:hiddenLine xmlns="" xmlns:a14="http://schemas.microsoft.com/office/drawing/2010/main" w="9525">
                     <a:solidFill>
                       <a:srgbClr val="000000"/>
                     </a:solidFill>
@@ -10992,7 +10989,7 @@
               </a:ln>
               <a:extLst>
                 <a:ext uri="{91240B29-F687-4f45-9708-019B960494DF}">
-                  <a14:hiddenLine xmlns:a14="http://schemas.microsoft.com/office/drawing/2010/main" xmlns="" w="9525">
+                  <a14:hiddenLine xmlns="" xmlns:a14="http://schemas.microsoft.com/office/drawing/2010/main" w="9525">
                     <a:solidFill>
                       <a:srgbClr val="000000"/>
                     </a:solidFill>
@@ -11090,7 +11087,7 @@
               </a:ln>
               <a:extLst>
                 <a:ext uri="{91240B29-F687-4f45-9708-019B960494DF}">
-                  <a14:hiddenLine xmlns:a14="http://schemas.microsoft.com/office/drawing/2010/main" xmlns="" w="9525">
+                  <a14:hiddenLine xmlns="" xmlns:a14="http://schemas.microsoft.com/office/drawing/2010/main" w="9525">
                     <a:solidFill>
                       <a:srgbClr val="000000"/>
                     </a:solidFill>
@@ -11205,7 +11202,7 @@
               </a:ln>
               <a:extLst>
                 <a:ext uri="{91240B29-F687-4f45-9708-019B960494DF}">
-                  <a14:hiddenLine xmlns:a14="http://schemas.microsoft.com/office/drawing/2010/main" xmlns="" w="9525">
+                  <a14:hiddenLine xmlns="" xmlns:a14="http://schemas.microsoft.com/office/drawing/2010/main" w="9525">
                     <a:solidFill>
                       <a:srgbClr val="000000"/>
                     </a:solidFill>
@@ -11295,7 +11292,7 @@
               </a:ln>
               <a:extLst>
                 <a:ext uri="{91240B29-F687-4f45-9708-019B960494DF}">
-                  <a14:hiddenLine xmlns:a14="http://schemas.microsoft.com/office/drawing/2010/main" xmlns="" w="9525">
+                  <a14:hiddenLine xmlns="" xmlns:a14="http://schemas.microsoft.com/office/drawing/2010/main" w="9525">
                     <a:solidFill>
                       <a:srgbClr val="000000"/>
                     </a:solidFill>
@@ -11360,7 +11357,7 @@
               </a:ln>
               <a:extLst>
                 <a:ext uri="{91240B29-F687-4f45-9708-019B960494DF}">
-                  <a14:hiddenLine xmlns:a14="http://schemas.microsoft.com/office/drawing/2010/main" xmlns="" w="9525">
+                  <a14:hiddenLine xmlns="" xmlns:a14="http://schemas.microsoft.com/office/drawing/2010/main" w="9525">
                     <a:solidFill>
                       <a:srgbClr val="000000"/>
                     </a:solidFill>
@@ -11450,7 +11447,7 @@
               </a:ln>
               <a:extLst>
                 <a:ext uri="{91240B29-F687-4f45-9708-019B960494DF}">
-                  <a14:hiddenLine xmlns:a14="http://schemas.microsoft.com/office/drawing/2010/main" xmlns="" w="9525">
+                  <a14:hiddenLine xmlns="" xmlns:a14="http://schemas.microsoft.com/office/drawing/2010/main" w="9525">
                     <a:solidFill>
                       <a:srgbClr val="000000"/>
                     </a:solidFill>
@@ -11518,7 +11515,7 @@
               </a:ln>
               <a:extLst>
                 <a:ext uri="{91240B29-F687-4f45-9708-019B960494DF}">
-                  <a14:hiddenLine xmlns:a14="http://schemas.microsoft.com/office/drawing/2010/main" xmlns="" w="9525">
+                  <a14:hiddenLine xmlns="" xmlns:a14="http://schemas.microsoft.com/office/drawing/2010/main" w="9525">
                     <a:solidFill>
                       <a:srgbClr val="000000"/>
                     </a:solidFill>
@@ -11608,7 +11605,7 @@
               </a:ln>
               <a:extLst>
                 <a:ext uri="{91240B29-F687-4f45-9708-019B960494DF}">
-                  <a14:hiddenLine xmlns:a14="http://schemas.microsoft.com/office/drawing/2010/main" xmlns="" w="9525">
+                  <a14:hiddenLine xmlns="" xmlns:a14="http://schemas.microsoft.com/office/drawing/2010/main" w="9525">
                     <a:solidFill>
                       <a:srgbClr val="000000"/>
                     </a:solidFill>
@@ -11676,7 +11673,7 @@
               </a:ln>
               <a:extLst>
                 <a:ext uri="{91240B29-F687-4f45-9708-019B960494DF}">
-                  <a14:hiddenLine xmlns:a14="http://schemas.microsoft.com/office/drawing/2010/main" xmlns="" w="9525">
+                  <a14:hiddenLine xmlns="" xmlns:a14="http://schemas.microsoft.com/office/drawing/2010/main" w="9525">
                     <a:solidFill>
                       <a:srgbClr val="000000"/>
                     </a:solidFill>
@@ -11766,7 +11763,7 @@
               </a:ln>
               <a:extLst>
                 <a:ext uri="{91240B29-F687-4f45-9708-019B960494DF}">
-                  <a14:hiddenLine xmlns:a14="http://schemas.microsoft.com/office/drawing/2010/main" xmlns="" w="9525">
+                  <a14:hiddenLine xmlns="" xmlns:a14="http://schemas.microsoft.com/office/drawing/2010/main" w="9525">
                     <a:solidFill>
                       <a:srgbClr val="000000"/>
                     </a:solidFill>
@@ -11800,7 +11797,7 @@
               </a:ln>
               <a:extLst>
                 <a:ext uri="{91240B29-F687-4f45-9708-019B960494DF}">
-                  <a14:hiddenLine xmlns:a14="http://schemas.microsoft.com/office/drawing/2010/main" xmlns="" w="9525">
+                  <a14:hiddenLine xmlns="" xmlns:a14="http://schemas.microsoft.com/office/drawing/2010/main" w="9525">
                     <a:solidFill>
                       <a:srgbClr val="000000"/>
                     </a:solidFill>
@@ -11941,7 +11938,7 @@
             <a:fld id="{48A87A34-81AB-432B-8DAE-1953F412C126}" type="datetimeFigureOut">
               <a:rPr lang="en-US" dirty="0"/>
               <a:pPr/>
-              <a:t>11/21/2022</a:t>
+              <a:t>12/12/2022</a:t>
             </a:fld>
             <a:endParaRPr lang="en-US" dirty="0"/>
           </a:p>
@@ -12460,7 +12457,7 @@
                   <a:schemeClr val="tx1"/>
                 </a:solidFill>
               </a:rPr>
-              <a:t>Научный руководитель: Прокопьев Н.А.</a:t>
+              <a:t>Научный руководитель: Сафина Л.И.</a:t>
             </a:r>
           </a:p>
         </p:txBody>
@@ -12469,206 +12466,6 @@
     <p:extLst>
       <p:ext uri="{BB962C8B-B14F-4D97-AF65-F5344CB8AC3E}">
         <p14:creationId xmlns:p14="http://schemas.microsoft.com/office/powerpoint/2010/main" val="998600357"/>
-      </p:ext>
-    </p:extLst>
-  </p:cSld>
-  <p:clrMapOvr>
-    <a:masterClrMapping/>
-  </p:clrMapOvr>
-</p:sld>
-</file>
-
-<file path=ppt/slides/slide10.xml><?xml version="1.0" encoding="utf-8"?>
-<p:sld xmlns:a="http://schemas.openxmlformats.org/drawingml/2006/main" xmlns:r="http://schemas.openxmlformats.org/officeDocument/2006/relationships" xmlns:p="http://schemas.openxmlformats.org/presentationml/2006/main">
-  <p:cSld>
-    <p:spTree>
-      <p:nvGrpSpPr>
-        <p:cNvPr id="1" name=""/>
-        <p:cNvGrpSpPr/>
-        <p:nvPr/>
-      </p:nvGrpSpPr>
-      <p:grpSpPr>
-        <a:xfrm>
-          <a:off x="0" y="0"/>
-          <a:ext cx="0" cy="0"/>
-          <a:chOff x="0" y="0"/>
-          <a:chExt cx="0" cy="0"/>
-        </a:xfrm>
-      </p:grpSpPr>
-      <p:sp>
-        <p:nvSpPr>
-          <p:cNvPr id="2" name="Заголовок 1">
-            <a:extLst>
-              <a:ext uri="{FF2B5EF4-FFF2-40B4-BE49-F238E27FC236}">
-                <a16:creationId xmlns:a16="http://schemas.microsoft.com/office/drawing/2014/main" id="{BDEA2A95-F280-4927-971B-6FA22E670D3F}"/>
-              </a:ext>
-            </a:extLst>
-          </p:cNvPr>
-          <p:cNvSpPr>
-            <a:spLocks noGrp="1"/>
-          </p:cNvSpPr>
-          <p:nvPr>
-            <p:ph type="title"/>
-          </p:nvPr>
-        </p:nvSpPr>
-        <p:spPr>
-          <a:effectLst/>
-        </p:spPr>
-        <p:txBody>
-          <a:bodyPr/>
-          <a:lstStyle/>
-          <a:p>
-            <a:pPr algn="ctr"/>
-            <a:r>
-              <a:rPr lang="ru-RU" b="1" cap="none" dirty="0">
-                <a:ln w="9525">
-                  <a:solidFill>
-                    <a:schemeClr val="bg1"/>
-                  </a:solidFill>
-                  <a:prstDash val="solid"/>
-                </a:ln>
-              </a:rPr>
-              <a:t>10</a:t>
-            </a:r>
-            <a:r>
-              <a:rPr lang="en-US" b="1" cap="none" dirty="0">
-                <a:ln w="9525">
-                  <a:solidFill>
-                    <a:schemeClr val="bg1"/>
-                  </a:solidFill>
-                  <a:prstDash val="solid"/>
-                </a:ln>
-              </a:rPr>
-              <a:t>) </a:t>
-            </a:r>
-            <a:r>
-              <a:rPr lang="ru-RU" b="1" cap="none" dirty="0">
-                <a:ln w="9525">
-                  <a:solidFill>
-                    <a:schemeClr val="bg1"/>
-                  </a:solidFill>
-                  <a:prstDash val="solid"/>
-                </a:ln>
-              </a:rPr>
-              <a:t>ЗАКЛЮЧЕНИЕ</a:t>
-            </a:r>
-          </a:p>
-        </p:txBody>
-      </p:sp>
-      <p:sp>
-        <p:nvSpPr>
-          <p:cNvPr id="3" name="TextBox 2">
-            <a:extLst>
-              <a:ext uri="{FF2B5EF4-FFF2-40B4-BE49-F238E27FC236}">
-                <a16:creationId xmlns:a16="http://schemas.microsoft.com/office/drawing/2014/main" id="{A0C7CE61-038E-E9E2-BB64-12A5D104E92A}"/>
-              </a:ext>
-            </a:extLst>
-          </p:cNvPr>
-          <p:cNvSpPr txBox="1"/>
-          <p:nvPr/>
-        </p:nvSpPr>
-        <p:spPr>
-          <a:xfrm>
-            <a:off x="1359948" y="1908540"/>
-            <a:ext cx="9468927" cy="4154984"/>
-          </a:xfrm>
-          <a:prstGeom prst="rect">
-            <a:avLst/>
-          </a:prstGeom>
-          <a:noFill/>
-          <a:effectLst/>
-        </p:spPr>
-        <p:txBody>
-          <a:bodyPr wrap="square" rtlCol="0">
-            <a:spAutoFit/>
-          </a:bodyPr>
-          <a:lstStyle/>
-          <a:p>
-            <a:r>
-              <a:rPr lang="ru-RU" sz="2400" b="1" dirty="0">
-                <a:ln w="9525">
-                  <a:solidFill>
-                    <a:schemeClr val="bg1"/>
-                  </a:solidFill>
-                  <a:prstDash val="solid"/>
-                </a:ln>
-              </a:rPr>
-              <a:t>	Реализованы следующие лингвистические сервисы: предиктивный ввод и </a:t>
-            </a:r>
-            <a:r>
-              <a:rPr lang="ru-RU" sz="2400" b="1" dirty="0" err="1">
-                <a:ln w="9525">
-                  <a:solidFill>
-                    <a:schemeClr val="bg1"/>
-                  </a:solidFill>
-                  <a:prstDash val="solid"/>
-                </a:ln>
-              </a:rPr>
-              <a:t>орфокорректор</a:t>
-            </a:r>
-            <a:r>
-              <a:rPr lang="ru-RU" sz="2400" b="1" dirty="0">
-                <a:ln w="9525">
-                  <a:solidFill>
-                    <a:schemeClr val="bg1"/>
-                  </a:solidFill>
-                  <a:prstDash val="solid"/>
-                </a:ln>
-              </a:rPr>
-              <a:t>. Определена общая структура разработки виртуальной клавиатуры. Составлена физическая схема базы данных</a:t>
-            </a:r>
-          </a:p>
-          <a:p>
-            <a:r>
-              <a:rPr lang="ru-RU" sz="2400" b="1" dirty="0">
-                <a:ln w="9525">
-                  <a:solidFill>
-                    <a:schemeClr val="bg1"/>
-                  </a:solidFill>
-                  <a:prstDash val="solid"/>
-                </a:ln>
-              </a:rPr>
-              <a:t>	Для выявления ошибок было проведено тестирование модуля серверной части, модуля клавиатуры и модуля взаимодействия. Тесты пройдены успешно. Ошибок </a:t>
-            </a:r>
-            <a:r>
-              <a:rPr lang="ru-RU" sz="2400" b="1">
-                <a:ln w="9525">
-                  <a:solidFill>
-                    <a:schemeClr val="bg1"/>
-                  </a:solidFill>
-                  <a:prstDash val="solid"/>
-                </a:ln>
-              </a:rPr>
-              <a:t>не выявлено</a:t>
-            </a:r>
-            <a:endParaRPr lang="ru-RU" sz="2400" b="1" dirty="0">
-              <a:ln w="9525">
-                <a:solidFill>
-                  <a:schemeClr val="bg1"/>
-                </a:solidFill>
-                <a:prstDash val="solid"/>
-              </a:ln>
-            </a:endParaRPr>
-          </a:p>
-          <a:p>
-            <a:r>
-              <a:rPr lang="ru-RU" sz="2400" b="1" dirty="0">
-                <a:ln w="9525">
-                  <a:solidFill>
-                    <a:schemeClr val="bg1"/>
-                  </a:solidFill>
-                  <a:prstDash val="solid"/>
-                </a:ln>
-              </a:rPr>
-              <a:t>	В качестве идеи по дальнейшему улучшению разработанной системы можно отметить следующее: добавление еще одной таблицы в базу данных, которая будет играть роль общего словаря для всех пользователей, содержащей тысячи различных слов</a:t>
-            </a:r>
-          </a:p>
-        </p:txBody>
-      </p:sp>
-    </p:spTree>
-    <p:extLst>
-      <p:ext uri="{BB962C8B-B14F-4D97-AF65-F5344CB8AC3E}">
-        <p14:creationId xmlns:p14="http://schemas.microsoft.com/office/powerpoint/2010/main" val="1309297953"/>
       </p:ext>
     </p:extLst>
   </p:cSld>
@@ -12758,8 +12555,8 @@
         </p:nvSpPr>
         <p:spPr>
           <a:xfrm>
-            <a:off x="471174" y="1674394"/>
-            <a:ext cx="10341293" cy="4849213"/>
+            <a:off x="850736" y="1579504"/>
+            <a:ext cx="10208179" cy="5346977"/>
           </a:xfrm>
           <a:prstGeom prst="rect">
             <a:avLst/>
@@ -12800,7 +12597,7 @@
                 <a:ea typeface="Calibri" panose="020F0502020204030204" pitchFamily="34" charset="0"/>
                 <a:cs typeface="Times New Roman" panose="02020603050405020304" pitchFamily="18" charset="0"/>
               </a:rPr>
-              <a:t>Целью курсовой работы является разработка экранной клавиатуры</a:t>
+              <a:t>Целью выпускной квалификационной работы является разработка</a:t>
             </a:r>
           </a:p>
           <a:p>
@@ -12823,7 +12620,7 @@
                 <a:ea typeface="Calibri" panose="020F0502020204030204" pitchFamily="34" charset="0"/>
                 <a:cs typeface="Times New Roman" panose="02020603050405020304" pitchFamily="18" charset="0"/>
               </a:rPr>
-              <a:t>для мобильных устройств</a:t>
+              <a:t>экранной клавиатуры для мобильных устройств</a:t>
             </a:r>
             <a:r>
               <a:rPr lang="en-US" sz="2400" b="1" dirty="0">
@@ -12849,10 +12646,20 @@
                 <a:ea typeface="Calibri" panose="020F0502020204030204" pitchFamily="34" charset="0"/>
                 <a:cs typeface="Times New Roman" panose="02020603050405020304" pitchFamily="18" charset="0"/>
               </a:rPr>
-              <a:t>с поддержкой лингвистических сервисов</a:t>
-            </a:r>
-            <a:r>
-              <a:rPr lang="en-US" sz="2400" b="1" dirty="0">
+              <a:t>с поддержкой</a:t>
+            </a:r>
+          </a:p>
+          <a:p>
+            <a:pPr indent="449580">
+              <a:lnSpc>
+                <a:spcPct val="107000"/>
+              </a:lnSpc>
+              <a:spcAft>
+                <a:spcPts val="800"/>
+              </a:spcAft>
+            </a:pPr>
+            <a:r>
+              <a:rPr lang="ru-RU" sz="2400" b="1" dirty="0">
                 <a:ln w="9525">
                   <a:solidFill>
                     <a:schemeClr val="bg1"/>
@@ -12862,18 +12669,8 @@
                 <a:ea typeface="Calibri" panose="020F0502020204030204" pitchFamily="34" charset="0"/>
                 <a:cs typeface="Times New Roman" panose="02020603050405020304" pitchFamily="18" charset="0"/>
               </a:rPr>
-              <a:t>		</a:t>
-            </a:r>
-            <a:endParaRPr lang="ru-RU" sz="2400" b="1" dirty="0">
-              <a:ln w="9525">
-                <a:solidFill>
-                  <a:schemeClr val="bg1"/>
-                </a:solidFill>
-                <a:prstDash val="solid"/>
-              </a:ln>
-              <a:ea typeface="Calibri" panose="020F0502020204030204" pitchFamily="34" charset="0"/>
-              <a:cs typeface="Times New Roman" panose="02020603050405020304" pitchFamily="18" charset="0"/>
-            </a:endParaRPr>
+              <a:t>лингвистических сервисов</a:t>
+            </a:r>
           </a:p>
           <a:p>
             <a:pPr indent="449580">
@@ -13147,7 +12944,7 @@
         <p:spPr>
           <a:xfrm>
             <a:off x="1082465" y="1673524"/>
-            <a:ext cx="10023894" cy="3545907"/>
+            <a:ext cx="10023894" cy="4043671"/>
           </a:xfrm>
           <a:prstGeom prst="rect">
             <a:avLst/>
@@ -13180,7 +12977,45 @@
                 <a:ea typeface="Calibri" panose="020F0502020204030204" pitchFamily="34" charset="0"/>
                 <a:cs typeface="Times New Roman" panose="02020603050405020304" pitchFamily="18" charset="0"/>
               </a:rPr>
-              <a:t>В данной предметной области будут задействованы два основных лингвистических сервиса:</a:t>
+              <a:t>В данной предметной области будут задействованы три основных лингвистических сервиса:</a:t>
+            </a:r>
+          </a:p>
+          <a:p>
+            <a:pPr marL="457200" indent="-457200" algn="just">
+              <a:lnSpc>
+                <a:spcPct val="107000"/>
+              </a:lnSpc>
+              <a:spcAft>
+                <a:spcPts val="800"/>
+              </a:spcAft>
+              <a:buFont typeface="+mj-lt"/>
+              <a:buAutoNum type="arabicPeriod"/>
+            </a:pPr>
+            <a:r>
+              <a:rPr lang="ru-RU" sz="2400" b="1" dirty="0" err="1">
+                <a:ln w="9525">
+                  <a:solidFill>
+                    <a:schemeClr val="bg1"/>
+                  </a:solidFill>
+                  <a:prstDash val="solid"/>
+                </a:ln>
+                <a:ea typeface="Calibri" panose="020F0502020204030204" pitchFamily="34" charset="0"/>
+                <a:cs typeface="Times New Roman" panose="02020603050405020304" pitchFamily="18" charset="0"/>
+              </a:rPr>
+              <a:t>Орфокорректор</a:t>
+            </a:r>
+            <a:r>
+              <a:rPr lang="ru-RU" sz="2400" b="1" dirty="0">
+                <a:ln w="9525">
+                  <a:solidFill>
+                    <a:schemeClr val="bg1"/>
+                  </a:solidFill>
+                  <a:prstDash val="solid"/>
+                </a:ln>
+                <a:ea typeface="Calibri" panose="020F0502020204030204" pitchFamily="34" charset="0"/>
+                <a:cs typeface="Times New Roman" panose="02020603050405020304" pitchFamily="18" charset="0"/>
+              </a:rPr>
+              <a:t> – дает рекомендации по исправлению слова;</a:t>
             </a:r>
           </a:p>
           <a:p>
@@ -13253,7 +13088,7 @@
                 <a:ea typeface="Calibri" panose="020F0502020204030204" pitchFamily="34" charset="0"/>
                 <a:cs typeface="Times New Roman" panose="02020603050405020304" pitchFamily="18" charset="0"/>
               </a:rPr>
-              <a:t>Орфокорректор</a:t>
+              <a:t>Автодополнение</a:t>
             </a:r>
             <a:r>
               <a:rPr lang="ru-RU" sz="2400" b="1" dirty="0">
@@ -13266,7 +13101,7 @@
                 <a:ea typeface="Calibri" panose="020F0502020204030204" pitchFamily="34" charset="0"/>
                 <a:cs typeface="Times New Roman" panose="02020603050405020304" pitchFamily="18" charset="0"/>
               </a:rPr>
-              <a:t> – дает рекомендации по исправлению слова</a:t>
+              <a:t> – дает рекомендации по завершению слова</a:t>
             </a:r>
           </a:p>
           <a:p>
@@ -13326,8 +13161,8 @@
         </p:blipFill>
         <p:spPr bwMode="auto">
           <a:xfrm>
-            <a:off x="7919049" y="4452328"/>
-            <a:ext cx="4272951" cy="2405672"/>
+            <a:off x="6987397" y="4986068"/>
+            <a:ext cx="5204604" cy="1871931"/>
           </a:xfrm>
           <a:prstGeom prst="rect">
             <a:avLst/>
@@ -13852,7 +13687,7 @@
                 </a:ln>
                 <a:ea typeface="Calibri" panose="020F0502020204030204" pitchFamily="34" charset="0"/>
               </a:rPr>
-              <a:t>при выполнении данной курсовой работы</a:t>
+              <a:t>при выполнении данной выпускной квалификационной работы</a:t>
             </a:r>
             <a:endParaRPr lang="ru-RU" sz="2000" b="1" dirty="0">
               <a:ln w="9525">
@@ -13962,7 +13797,7 @@
         <p:spPr>
           <a:xfrm>
             <a:off x="1141413" y="2097088"/>
-            <a:ext cx="9905998" cy="3733458"/>
+            <a:ext cx="9905998" cy="4523803"/>
           </a:xfrm>
           <a:prstGeom prst="rect">
             <a:avLst/>
@@ -14046,7 +13881,7 @@
                 <a:ea typeface="Calibri" panose="020F0502020204030204" pitchFamily="34" charset="0"/>
                 <a:cs typeface="Times New Roman" panose="02020603050405020304" pitchFamily="18" charset="0"/>
               </a:rPr>
-              <a:t>Должна давать рекомендации до трех слов на выбор, каждое из которых может идти за текущим словом;</a:t>
+              <a:t>Должна давать рекомендации по исправлению слова до трех правильных вариантов;</a:t>
             </a:r>
           </a:p>
           <a:p>
@@ -14068,7 +13903,29 @@
                 <a:ea typeface="Calibri" panose="020F0502020204030204" pitchFamily="34" charset="0"/>
                 <a:cs typeface="Times New Roman" panose="02020603050405020304" pitchFamily="18" charset="0"/>
               </a:rPr>
-              <a:t>Должна давать рекомендации по исправлению слова до трех правильных вариантов;</a:t>
+              <a:t>Должна давать рекомендации до трех слов на выбор, каждое из которых может идти за текущим словом;</a:t>
+            </a:r>
+          </a:p>
+          <a:p>
+            <a:pPr marL="914400" lvl="1" indent="-457200" algn="just">
+              <a:lnSpc>
+                <a:spcPct val="107000"/>
+              </a:lnSpc>
+              <a:buFontTx/>
+              <a:buAutoNum type="arabicPeriod"/>
+            </a:pPr>
+            <a:r>
+              <a:rPr lang="ru-RU" sz="2400" b="1" dirty="0">
+                <a:ln w="9525">
+                  <a:solidFill>
+                    <a:schemeClr val="bg1"/>
+                  </a:solidFill>
+                  <a:prstDash val="solid"/>
+                </a:ln>
+                <a:ea typeface="Calibri" panose="020F0502020204030204" pitchFamily="34" charset="0"/>
+                <a:cs typeface="Times New Roman" panose="02020603050405020304" pitchFamily="18" charset="0"/>
+              </a:rPr>
+              <a:t>Должна давать рекомендации до трех слов на выбор, каждым из которых можно завершить написание текущего слова;</a:t>
             </a:r>
           </a:p>
           <a:p>
@@ -14111,6 +13968,30 @@
 <file path=ppt/slides/slide6.xml><?xml version="1.0" encoding="utf-8"?>
 <p:sld xmlns:a="http://schemas.openxmlformats.org/drawingml/2006/main" xmlns:r="http://schemas.openxmlformats.org/officeDocument/2006/relationships" xmlns:p="http://schemas.openxmlformats.org/presentationml/2006/main">
   <p:cSld>
+    <p:bg>
+      <p:bgPr>
+        <a:blipFill>
+          <a:blip r:embed="rId2">
+            <a:duotone>
+              <a:schemeClr val="bg2">
+                <a:shade val="88000"/>
+                <a:hueMod val="106000"/>
+                <a:satMod val="140000"/>
+                <a:lumMod val="54000"/>
+              </a:schemeClr>
+              <a:schemeClr val="bg2">
+                <a:tint val="98000"/>
+                <a:hueMod val="90000"/>
+                <a:satMod val="150000"/>
+                <a:lumMod val="160000"/>
+              </a:schemeClr>
+            </a:duotone>
+          </a:blip>
+          <a:stretch/>
+        </a:blipFill>
+        <a:effectLst/>
+      </p:bgPr>
+    </p:bg>
     <p:spTree>
       <p:nvGrpSpPr>
         <p:cNvPr id="1" name=""/>
@@ -14125,6 +14006,3491 @@
           <a:chExt cx="0" cy="0"/>
         </a:xfrm>
       </p:grpSpPr>
+      <p:pic>
+        <p:nvPicPr>
+          <p:cNvPr id="64" name="Picture 2">
+            <a:extLst>
+              <a:ext uri="{FF2B5EF4-FFF2-40B4-BE49-F238E27FC236}">
+                <a16:creationId xmlns:a16="http://schemas.microsoft.com/office/drawing/2014/main" id="{535572A4-D9D3-44B9-BF77-F8AAE049A53A}"/>
+              </a:ext>
+              <a:ext uri="{C183D7F6-B498-43B3-948B-1728B52AA6E4}">
+                <adec:decorative xmlns:adec="http://schemas.microsoft.com/office/drawing/2017/decorative" val="1"/>
+              </a:ext>
+            </a:extLst>
+          </p:cNvPr>
+          <p:cNvPicPr>
+            <a:picLocks noGrp="1" noRot="1" noChangeAspect="1" noMove="1" noResize="1" noEditPoints="1" noAdjustHandles="1" noChangeArrowheads="1" noChangeShapeType="1" noCrop="1"/>
+          </p:cNvPicPr>
+          <p:nvPr>
+            <p:extLst>
+              <p:ext uri="{386F3935-93C4-4BCD-93E2-E3B085C9AB24}">
+                <p16:designElem xmlns:p16="http://schemas.microsoft.com/office/powerpoint/2015/main" val="1"/>
+              </p:ext>
+            </p:extLst>
+          </p:nvPr>
+        </p:nvPicPr>
+        <p:blipFill>
+          <a:blip r:embed="rId3">
+            <a:alphaModFix amt="30000"/>
+            <a:extLst>
+              <a:ext uri="{28A0092B-C50C-407E-A947-70E740481C1C}">
+                <a14:useLocalDpi xmlns:a14="http://schemas.microsoft.com/office/drawing/2010/main" val="0"/>
+              </a:ext>
+            </a:extLst>
+          </a:blip>
+          <a:srcRect/>
+          <a:stretch>
+            <a:fillRect/>
+          </a:stretch>
+        </p:blipFill>
+        <p:spPr bwMode="auto">
+          <a:xfrm>
+            <a:off x="0" y="-1"/>
+            <a:ext cx="12192003" cy="6858001"/>
+          </a:xfrm>
+          <a:prstGeom prst="rect">
+            <a:avLst/>
+          </a:prstGeom>
+          <a:noFill/>
+          <a:extLst>
+            <a:ext uri="{909E8E84-426E-40dd-AFC4-6F175D3DCCD1}">
+              <a14:hiddenFill xmlns="" xmlns:a16="http://schemas.microsoft.com/office/drawing/2014/main" xmlns:p14="http://schemas.microsoft.com/office/powerpoint/2010/main" xmlns:a14="http://schemas.microsoft.com/office/drawing/2010/main">
+                <a:solidFill>
+                  <a:srgbClr val="FFFFFF"/>
+                </a:solidFill>
+              </a14:hiddenFill>
+            </a:ext>
+          </a:extLst>
+        </p:spPr>
+      </p:pic>
+      <p:grpSp>
+        <p:nvGrpSpPr>
+          <p:cNvPr id="66" name="Group 65">
+            <a:extLst>
+              <a:ext uri="{FF2B5EF4-FFF2-40B4-BE49-F238E27FC236}">
+                <a16:creationId xmlns:a16="http://schemas.microsoft.com/office/drawing/2014/main" id="{1630B12D-69CE-4A07-A7ED-7F859823F348}"/>
+              </a:ext>
+              <a:ext uri="{C183D7F6-B498-43B3-948B-1728B52AA6E4}">
+                <adec:decorative xmlns:adec="http://schemas.microsoft.com/office/drawing/2017/decorative" val="1"/>
+              </a:ext>
+            </a:extLst>
+          </p:cNvPr>
+          <p:cNvGrpSpPr>
+            <a:grpSpLocks noGrp="1" noUngrp="1" noRot="1" noChangeAspect="1" noMove="1" noResize="1"/>
+          </p:cNvGrpSpPr>
+          <p:nvPr>
+            <p:extLst>
+              <p:ext uri="{386F3935-93C4-4BCD-93E2-E3B085C9AB24}">
+                <p16:designElem xmlns:p16="http://schemas.microsoft.com/office/powerpoint/2015/main" val="1"/>
+              </p:ext>
+            </p:extLst>
+          </p:nvPr>
+        </p:nvGrpSpPr>
+        <p:grpSpPr>
+          <a:xfrm>
+            <a:off x="-14288" y="0"/>
+            <a:ext cx="12053888" cy="6858001"/>
+            <a:chOff x="-14288" y="0"/>
+            <a:chExt cx="12053888" cy="6858001"/>
+          </a:xfrm>
+        </p:grpSpPr>
+        <p:grpSp>
+          <p:nvGrpSpPr>
+            <p:cNvPr id="67" name="Group 66">
+              <a:extLst>
+                <a:ext uri="{FF2B5EF4-FFF2-40B4-BE49-F238E27FC236}">
+                  <a16:creationId xmlns:a16="http://schemas.microsoft.com/office/drawing/2014/main" id="{81E9A2FC-2A58-46AE-8332-A1EC8DC739C3}"/>
+                </a:ext>
+                <a:ext uri="{C183D7F6-B498-43B3-948B-1728B52AA6E4}">
+                  <adec:decorative xmlns:adec="http://schemas.microsoft.com/office/drawing/2017/decorative" val="1"/>
+                </a:ext>
+              </a:extLst>
+            </p:cNvPr>
+            <p:cNvGrpSpPr/>
+            <p:nvPr>
+              <p:extLst>
+                <p:ext uri="{386F3935-93C4-4BCD-93E2-E3B085C9AB24}">
+                  <p16:designElem xmlns:p16="http://schemas.microsoft.com/office/powerpoint/2015/main" val="1"/>
+                </p:ext>
+              </p:extLst>
+            </p:nvPr>
+          </p:nvGrpSpPr>
+          <p:grpSpPr>
+            <a:xfrm>
+              <a:off x="-14288" y="0"/>
+              <a:ext cx="1220788" cy="6858001"/>
+              <a:chOff x="-14288" y="0"/>
+              <a:chExt cx="1220788" cy="6858001"/>
+            </a:xfrm>
+            <a:gradFill flip="none" rotWithShape="1">
+              <a:gsLst>
+                <a:gs pos="0">
+                  <a:schemeClr val="tx2"/>
+                </a:gs>
+                <a:gs pos="100000">
+                  <a:schemeClr val="bg2">
+                    <a:lumMod val="60000"/>
+                    <a:lumOff val="40000"/>
+                  </a:schemeClr>
+                </a:gs>
+              </a:gsLst>
+              <a:lin ang="5400000" scaled="0"/>
+              <a:tileRect/>
+            </a:gradFill>
+          </p:grpSpPr>
+          <p:sp>
+            <p:nvSpPr>
+              <p:cNvPr id="79" name="Rectangle 5">
+                <a:extLst>
+                  <a:ext uri="{FF2B5EF4-FFF2-40B4-BE49-F238E27FC236}">
+                    <a16:creationId xmlns:a16="http://schemas.microsoft.com/office/drawing/2014/main" id="{2E309E20-6D48-48A0-9237-BF249B7EF914}"/>
+                  </a:ext>
+                  <a:ext uri="{C183D7F6-B498-43B3-948B-1728B52AA6E4}">
+                    <adec:decorative xmlns:adec="http://schemas.microsoft.com/office/drawing/2017/decorative" val="1"/>
+                  </a:ext>
+                </a:extLst>
+              </p:cNvPr>
+              <p:cNvSpPr>
+                <a:spLocks noChangeArrowheads="1"/>
+              </p:cNvSpPr>
+              <p:nvPr>
+                <p:extLst>
+                  <p:ext uri="{386F3935-93C4-4BCD-93E2-E3B085C9AB24}">
+                    <p16:designElem xmlns:p16="http://schemas.microsoft.com/office/powerpoint/2015/main" val="1"/>
+                  </p:ext>
+                </p:extLst>
+              </p:nvPr>
+            </p:nvSpPr>
+            <p:spPr bwMode="auto">
+              <a:xfrm>
+                <a:off x="114300" y="4763"/>
+                <a:ext cx="23813" cy="2181225"/>
+              </a:xfrm>
+              <a:prstGeom prst="rect">
+                <a:avLst/>
+              </a:prstGeom>
+              <a:grpFill/>
+              <a:ln>
+                <a:noFill/>
+              </a:ln>
+              <a:extLst>
+                <a:ext uri="{91240B29-F687-4f45-9708-019B960494DF}">
+                  <a14:hiddenLine xmlns="" xmlns:a16="http://schemas.microsoft.com/office/drawing/2014/main" xmlns:p14="http://schemas.microsoft.com/office/powerpoint/2010/main" xmlns:a14="http://schemas.microsoft.com/office/drawing/2010/main" w="9525">
+                    <a:solidFill>
+                      <a:srgbClr val="000000"/>
+                    </a:solidFill>
+                    <a:miter lim="800000"/>
+                    <a:headEnd/>
+                    <a:tailEnd/>
+                  </a14:hiddenLine>
+                </a:ext>
+              </a:extLst>
+            </p:spPr>
+          </p:sp>
+          <p:sp>
+            <p:nvSpPr>
+              <p:cNvPr id="80" name="Freeform 6">
+                <a:extLst>
+                  <a:ext uri="{FF2B5EF4-FFF2-40B4-BE49-F238E27FC236}">
+                    <a16:creationId xmlns:a16="http://schemas.microsoft.com/office/drawing/2014/main" id="{D757DA3E-9086-46B8-8208-82CBE83A1679}"/>
+                  </a:ext>
+                  <a:ext uri="{C183D7F6-B498-43B3-948B-1728B52AA6E4}">
+                    <adec:decorative xmlns:adec="http://schemas.microsoft.com/office/drawing/2017/decorative" val="1"/>
+                  </a:ext>
+                </a:extLst>
+              </p:cNvPr>
+              <p:cNvSpPr>
+                <a:spLocks noEditPoints="1"/>
+              </p:cNvSpPr>
+              <p:nvPr>
+                <p:extLst>
+                  <p:ext uri="{386F3935-93C4-4BCD-93E2-E3B085C9AB24}">
+                    <p16:designElem xmlns:p16="http://schemas.microsoft.com/office/powerpoint/2015/main" val="1"/>
+                  </p:ext>
+                </p:extLst>
+              </p:nvPr>
+            </p:nvSpPr>
+            <p:spPr bwMode="auto">
+              <a:xfrm>
+                <a:off x="33337" y="2176463"/>
+                <a:ext cx="190500" cy="190500"/>
+              </a:xfrm>
+              <a:custGeom>
+                <a:avLst/>
+                <a:gdLst/>
+                <a:ahLst/>
+                <a:cxnLst/>
+                <a:rect l="0" t="0" r="r" b="b"/>
+                <a:pathLst>
+                  <a:path w="40" h="40">
+                    <a:moveTo>
+                      <a:pt x="20" y="40"/>
+                    </a:moveTo>
+                    <a:cubicBezTo>
+                      <a:pt x="9" y="40"/>
+                      <a:pt x="0" y="31"/>
+                      <a:pt x="0" y="20"/>
+                    </a:cubicBezTo>
+                    <a:cubicBezTo>
+                      <a:pt x="0" y="9"/>
+                      <a:pt x="9" y="0"/>
+                      <a:pt x="20" y="0"/>
+                    </a:cubicBezTo>
+                    <a:cubicBezTo>
+                      <a:pt x="31" y="0"/>
+                      <a:pt x="40" y="9"/>
+                      <a:pt x="40" y="20"/>
+                    </a:cubicBezTo>
+                    <a:cubicBezTo>
+                      <a:pt x="40" y="31"/>
+                      <a:pt x="31" y="40"/>
+                      <a:pt x="20" y="40"/>
+                    </a:cubicBezTo>
+                    <a:close/>
+                    <a:moveTo>
+                      <a:pt x="20" y="4"/>
+                    </a:moveTo>
+                    <a:cubicBezTo>
+                      <a:pt x="11" y="4"/>
+                      <a:pt x="4" y="11"/>
+                      <a:pt x="4" y="20"/>
+                    </a:cubicBezTo>
+                    <a:cubicBezTo>
+                      <a:pt x="4" y="29"/>
+                      <a:pt x="11" y="36"/>
+                      <a:pt x="20" y="36"/>
+                    </a:cubicBezTo>
+                    <a:cubicBezTo>
+                      <a:pt x="28" y="36"/>
+                      <a:pt x="36" y="29"/>
+                      <a:pt x="36" y="20"/>
+                    </a:cubicBezTo>
+                    <a:cubicBezTo>
+                      <a:pt x="36" y="11"/>
+                      <a:pt x="28" y="4"/>
+                      <a:pt x="20" y="4"/>
+                    </a:cubicBezTo>
+                    <a:close/>
+                  </a:path>
+                </a:pathLst>
+              </a:custGeom>
+              <a:grpFill/>
+              <a:ln>
+                <a:noFill/>
+              </a:ln>
+              <a:extLst>
+                <a:ext uri="{91240B29-F687-4f45-9708-019B960494DF}">
+                  <a14:hiddenLine xmlns="" xmlns:a16="http://schemas.microsoft.com/office/drawing/2014/main" xmlns:p14="http://schemas.microsoft.com/office/powerpoint/2010/main" xmlns:a14="http://schemas.microsoft.com/office/drawing/2010/main" w="9525">
+                    <a:solidFill>
+                      <a:srgbClr val="000000"/>
+                    </a:solidFill>
+                    <a:round/>
+                    <a:headEnd/>
+                    <a:tailEnd/>
+                  </a14:hiddenLine>
+                </a:ext>
+              </a:extLst>
+            </p:spPr>
+          </p:sp>
+          <p:sp>
+            <p:nvSpPr>
+              <p:cNvPr id="81" name="Freeform 7">
+                <a:extLst>
+                  <a:ext uri="{FF2B5EF4-FFF2-40B4-BE49-F238E27FC236}">
+                    <a16:creationId xmlns:a16="http://schemas.microsoft.com/office/drawing/2014/main" id="{070AA479-6153-4090-AF65-A86DAE7BCD88}"/>
+                  </a:ext>
+                  <a:ext uri="{C183D7F6-B498-43B3-948B-1728B52AA6E4}">
+                    <adec:decorative xmlns:adec="http://schemas.microsoft.com/office/drawing/2017/decorative" val="1"/>
+                  </a:ext>
+                </a:extLst>
+              </p:cNvPr>
+              <p:cNvSpPr>
+                <a:spLocks noEditPoints="1"/>
+              </p:cNvSpPr>
+              <p:nvPr>
+                <p:extLst>
+                  <p:ext uri="{386F3935-93C4-4BCD-93E2-E3B085C9AB24}">
+                    <p16:designElem xmlns:p16="http://schemas.microsoft.com/office/powerpoint/2015/main" val="1"/>
+                  </p:ext>
+                </p:extLst>
+              </p:nvPr>
+            </p:nvSpPr>
+            <p:spPr bwMode="auto">
+              <a:xfrm>
+                <a:off x="28575" y="4021138"/>
+                <a:ext cx="190500" cy="188913"/>
+              </a:xfrm>
+              <a:custGeom>
+                <a:avLst/>
+                <a:gdLst/>
+                <a:ahLst/>
+                <a:cxnLst/>
+                <a:rect l="0" t="0" r="r" b="b"/>
+                <a:pathLst>
+                  <a:path w="40" h="40">
+                    <a:moveTo>
+                      <a:pt x="20" y="40"/>
+                    </a:moveTo>
+                    <a:cubicBezTo>
+                      <a:pt x="9" y="40"/>
+                      <a:pt x="0" y="31"/>
+                      <a:pt x="0" y="20"/>
+                    </a:cubicBezTo>
+                    <a:cubicBezTo>
+                      <a:pt x="0" y="9"/>
+                      <a:pt x="9" y="0"/>
+                      <a:pt x="20" y="0"/>
+                    </a:cubicBezTo>
+                    <a:cubicBezTo>
+                      <a:pt x="31" y="0"/>
+                      <a:pt x="40" y="9"/>
+                      <a:pt x="40" y="20"/>
+                    </a:cubicBezTo>
+                    <a:cubicBezTo>
+                      <a:pt x="40" y="31"/>
+                      <a:pt x="31" y="40"/>
+                      <a:pt x="20" y="40"/>
+                    </a:cubicBezTo>
+                    <a:close/>
+                    <a:moveTo>
+                      <a:pt x="20" y="4"/>
+                    </a:moveTo>
+                    <a:cubicBezTo>
+                      <a:pt x="12" y="4"/>
+                      <a:pt x="4" y="11"/>
+                      <a:pt x="4" y="20"/>
+                    </a:cubicBezTo>
+                    <a:cubicBezTo>
+                      <a:pt x="4" y="29"/>
+                      <a:pt x="12" y="36"/>
+                      <a:pt x="20" y="36"/>
+                    </a:cubicBezTo>
+                    <a:cubicBezTo>
+                      <a:pt x="29" y="36"/>
+                      <a:pt x="36" y="29"/>
+                      <a:pt x="36" y="20"/>
+                    </a:cubicBezTo>
+                    <a:cubicBezTo>
+                      <a:pt x="36" y="11"/>
+                      <a:pt x="29" y="4"/>
+                      <a:pt x="20" y="4"/>
+                    </a:cubicBezTo>
+                    <a:close/>
+                  </a:path>
+                </a:pathLst>
+              </a:custGeom>
+              <a:grpFill/>
+              <a:ln>
+                <a:noFill/>
+              </a:ln>
+              <a:extLst>
+                <a:ext uri="{91240B29-F687-4f45-9708-019B960494DF}">
+                  <a14:hiddenLine xmlns="" xmlns:a16="http://schemas.microsoft.com/office/drawing/2014/main" xmlns:p14="http://schemas.microsoft.com/office/powerpoint/2010/main" xmlns:a14="http://schemas.microsoft.com/office/drawing/2010/main" w="9525">
+                    <a:solidFill>
+                      <a:srgbClr val="000000"/>
+                    </a:solidFill>
+                    <a:round/>
+                    <a:headEnd/>
+                    <a:tailEnd/>
+                  </a14:hiddenLine>
+                </a:ext>
+              </a:extLst>
+            </p:spPr>
+          </p:sp>
+          <p:sp>
+            <p:nvSpPr>
+              <p:cNvPr id="82" name="Freeform 8">
+                <a:extLst>
+                  <a:ext uri="{FF2B5EF4-FFF2-40B4-BE49-F238E27FC236}">
+                    <a16:creationId xmlns:a16="http://schemas.microsoft.com/office/drawing/2014/main" id="{8F1D8F45-FB35-4966-B266-57211286F617}"/>
+                  </a:ext>
+                  <a:ext uri="{C183D7F6-B498-43B3-948B-1728B52AA6E4}">
+                    <adec:decorative xmlns:adec="http://schemas.microsoft.com/office/drawing/2017/decorative" val="1"/>
+                  </a:ext>
+                </a:extLst>
+              </p:cNvPr>
+              <p:cNvSpPr/>
+              <p:nvPr>
+                <p:extLst>
+                  <p:ext uri="{386F3935-93C4-4BCD-93E2-E3B085C9AB24}">
+                    <p16:designElem xmlns:p16="http://schemas.microsoft.com/office/powerpoint/2015/main" val="1"/>
+                  </p:ext>
+                </p:extLst>
+              </p:nvPr>
+            </p:nvSpPr>
+            <p:spPr bwMode="auto">
+              <a:xfrm>
+                <a:off x="200025" y="4763"/>
+                <a:ext cx="369888" cy="1811338"/>
+              </a:xfrm>
+              <a:custGeom>
+                <a:avLst/>
+                <a:gdLst/>
+                <a:ahLst/>
+                <a:cxnLst/>
+                <a:rect l="0" t="0" r="r" b="b"/>
+                <a:pathLst>
+                  <a:path w="233" h="1141">
+                    <a:moveTo>
+                      <a:pt x="218" y="1141"/>
+                    </a:moveTo>
+                    <a:lnTo>
+                      <a:pt x="0" y="626"/>
+                    </a:lnTo>
+                    <a:lnTo>
+                      <a:pt x="0" y="0"/>
+                    </a:lnTo>
+                    <a:lnTo>
+                      <a:pt x="15" y="0"/>
+                    </a:lnTo>
+                    <a:lnTo>
+                      <a:pt x="15" y="623"/>
+                    </a:lnTo>
+                    <a:lnTo>
+                      <a:pt x="233" y="1135"/>
+                    </a:lnTo>
+                    <a:lnTo>
+                      <a:pt x="218" y="1141"/>
+                    </a:lnTo>
+                    <a:close/>
+                  </a:path>
+                </a:pathLst>
+              </a:custGeom>
+              <a:grpFill/>
+              <a:ln>
+                <a:noFill/>
+              </a:ln>
+              <a:extLst>
+                <a:ext uri="{91240B29-F687-4f45-9708-019B960494DF}">
+                  <a14:hiddenLine xmlns="" xmlns:a16="http://schemas.microsoft.com/office/drawing/2014/main" xmlns:p14="http://schemas.microsoft.com/office/powerpoint/2010/main" xmlns:a14="http://schemas.microsoft.com/office/drawing/2010/main" w="9525">
+                    <a:solidFill>
+                      <a:srgbClr val="000000"/>
+                    </a:solidFill>
+                    <a:round/>
+                    <a:headEnd/>
+                    <a:tailEnd/>
+                  </a14:hiddenLine>
+                </a:ext>
+              </a:extLst>
+            </p:spPr>
+          </p:sp>
+          <p:sp>
+            <p:nvSpPr>
+              <p:cNvPr id="83" name="Freeform 9">
+                <a:extLst>
+                  <a:ext uri="{FF2B5EF4-FFF2-40B4-BE49-F238E27FC236}">
+                    <a16:creationId xmlns:a16="http://schemas.microsoft.com/office/drawing/2014/main" id="{8BD7EBC0-69A4-4C27-88E6-6ABCA2B0CD6A}"/>
+                  </a:ext>
+                  <a:ext uri="{C183D7F6-B498-43B3-948B-1728B52AA6E4}">
+                    <adec:decorative xmlns:adec="http://schemas.microsoft.com/office/drawing/2017/decorative" val="1"/>
+                  </a:ext>
+                </a:extLst>
+              </p:cNvPr>
+              <p:cNvSpPr>
+                <a:spLocks noEditPoints="1"/>
+              </p:cNvSpPr>
+              <p:nvPr>
+                <p:extLst>
+                  <p:ext uri="{386F3935-93C4-4BCD-93E2-E3B085C9AB24}">
+                    <p16:designElem xmlns:p16="http://schemas.microsoft.com/office/powerpoint/2015/main" val="1"/>
+                  </p:ext>
+                </p:extLst>
+              </p:nvPr>
+            </p:nvSpPr>
+            <p:spPr bwMode="auto">
+              <a:xfrm>
+                <a:off x="503237" y="1801813"/>
+                <a:ext cx="190500" cy="188913"/>
+              </a:xfrm>
+              <a:custGeom>
+                <a:avLst/>
+                <a:gdLst/>
+                <a:ahLst/>
+                <a:cxnLst/>
+                <a:rect l="0" t="0" r="r" b="b"/>
+                <a:pathLst>
+                  <a:path w="40" h="40">
+                    <a:moveTo>
+                      <a:pt x="20" y="40"/>
+                    </a:moveTo>
+                    <a:cubicBezTo>
+                      <a:pt x="9" y="40"/>
+                      <a:pt x="0" y="31"/>
+                      <a:pt x="0" y="20"/>
+                    </a:cubicBezTo>
+                    <a:cubicBezTo>
+                      <a:pt x="0" y="9"/>
+                      <a:pt x="9" y="0"/>
+                      <a:pt x="20" y="0"/>
+                    </a:cubicBezTo>
+                    <a:cubicBezTo>
+                      <a:pt x="33" y="0"/>
+                      <a:pt x="40" y="6"/>
+                      <a:pt x="40" y="20"/>
+                    </a:cubicBezTo>
+                    <a:cubicBezTo>
+                      <a:pt x="40" y="31"/>
+                      <a:pt x="31" y="40"/>
+                      <a:pt x="20" y="40"/>
+                    </a:cubicBezTo>
+                    <a:close/>
+                    <a:moveTo>
+                      <a:pt x="20" y="4"/>
+                    </a:moveTo>
+                    <a:cubicBezTo>
+                      <a:pt x="11" y="4"/>
+                      <a:pt x="4" y="11"/>
+                      <a:pt x="4" y="20"/>
+                    </a:cubicBezTo>
+                    <a:cubicBezTo>
+                      <a:pt x="4" y="29"/>
+                      <a:pt x="11" y="36"/>
+                      <a:pt x="20" y="36"/>
+                    </a:cubicBezTo>
+                    <a:cubicBezTo>
+                      <a:pt x="28" y="36"/>
+                      <a:pt x="36" y="29"/>
+                      <a:pt x="36" y="20"/>
+                    </a:cubicBezTo>
+                    <a:cubicBezTo>
+                      <a:pt x="36" y="9"/>
+                      <a:pt x="31" y="4"/>
+                      <a:pt x="20" y="4"/>
+                    </a:cubicBezTo>
+                    <a:close/>
+                  </a:path>
+                </a:pathLst>
+              </a:custGeom>
+              <a:grpFill/>
+              <a:ln>
+                <a:noFill/>
+              </a:ln>
+              <a:extLst>
+                <a:ext uri="{91240B29-F687-4f45-9708-019B960494DF}">
+                  <a14:hiddenLine xmlns="" xmlns:a16="http://schemas.microsoft.com/office/drawing/2014/main" xmlns:p14="http://schemas.microsoft.com/office/powerpoint/2010/main" xmlns:a14="http://schemas.microsoft.com/office/drawing/2010/main" w="9525">
+                    <a:solidFill>
+                      <a:srgbClr val="000000"/>
+                    </a:solidFill>
+                    <a:round/>
+                    <a:headEnd/>
+                    <a:tailEnd/>
+                  </a14:hiddenLine>
+                </a:ext>
+              </a:extLst>
+            </p:spPr>
+          </p:sp>
+          <p:sp>
+            <p:nvSpPr>
+              <p:cNvPr id="84" name="Freeform 10">
+                <a:extLst>
+                  <a:ext uri="{FF2B5EF4-FFF2-40B4-BE49-F238E27FC236}">
+                    <a16:creationId xmlns:a16="http://schemas.microsoft.com/office/drawing/2014/main" id="{FE505354-A838-42F1-92E3-9B264070F3EA}"/>
+                  </a:ext>
+                  <a:ext uri="{C183D7F6-B498-43B3-948B-1728B52AA6E4}">
+                    <adec:decorative xmlns:adec="http://schemas.microsoft.com/office/drawing/2017/decorative" val="1"/>
+                  </a:ext>
+                </a:extLst>
+              </p:cNvPr>
+              <p:cNvSpPr/>
+              <p:nvPr>
+                <p:extLst>
+                  <p:ext uri="{386F3935-93C4-4BCD-93E2-E3B085C9AB24}">
+                    <p16:designElem xmlns:p16="http://schemas.microsoft.com/office/powerpoint/2015/main" val="1"/>
+                  </p:ext>
+                </p:extLst>
+              </p:nvPr>
+            </p:nvSpPr>
+            <p:spPr bwMode="auto">
+              <a:xfrm>
+                <a:off x="285750" y="4763"/>
+                <a:ext cx="369888" cy="1430338"/>
+              </a:xfrm>
+              <a:custGeom>
+                <a:avLst/>
+                <a:gdLst/>
+                <a:ahLst/>
+                <a:cxnLst/>
+                <a:rect l="0" t="0" r="r" b="b"/>
+                <a:pathLst>
+                  <a:path w="233" h="901">
+                    <a:moveTo>
+                      <a:pt x="221" y="901"/>
+                    </a:moveTo>
+                    <a:lnTo>
+                      <a:pt x="0" y="383"/>
+                    </a:lnTo>
+                    <a:lnTo>
+                      <a:pt x="0" y="0"/>
+                    </a:lnTo>
+                    <a:lnTo>
+                      <a:pt x="18" y="0"/>
+                    </a:lnTo>
+                    <a:lnTo>
+                      <a:pt x="18" y="380"/>
+                    </a:lnTo>
+                    <a:lnTo>
+                      <a:pt x="233" y="895"/>
+                    </a:lnTo>
+                    <a:lnTo>
+                      <a:pt x="221" y="901"/>
+                    </a:lnTo>
+                    <a:close/>
+                  </a:path>
+                </a:pathLst>
+              </a:custGeom>
+              <a:grpFill/>
+              <a:ln>
+                <a:noFill/>
+              </a:ln>
+              <a:extLst>
+                <a:ext uri="{91240B29-F687-4f45-9708-019B960494DF}">
+                  <a14:hiddenLine xmlns="" xmlns:a16="http://schemas.microsoft.com/office/drawing/2014/main" xmlns:p14="http://schemas.microsoft.com/office/powerpoint/2010/main" xmlns:a14="http://schemas.microsoft.com/office/drawing/2010/main" w="9525">
+                    <a:solidFill>
+                      <a:srgbClr val="000000"/>
+                    </a:solidFill>
+                    <a:round/>
+                    <a:headEnd/>
+                    <a:tailEnd/>
+                  </a14:hiddenLine>
+                </a:ext>
+              </a:extLst>
+            </p:spPr>
+          </p:sp>
+          <p:sp>
+            <p:nvSpPr>
+              <p:cNvPr id="85" name="Freeform 11">
+                <a:extLst>
+                  <a:ext uri="{FF2B5EF4-FFF2-40B4-BE49-F238E27FC236}">
+                    <a16:creationId xmlns:a16="http://schemas.microsoft.com/office/drawing/2014/main" id="{D65D5754-ED80-4597-822D-DCB1B4399A3E}"/>
+                  </a:ext>
+                  <a:ext uri="{C183D7F6-B498-43B3-948B-1728B52AA6E4}">
+                    <adec:decorative xmlns:adec="http://schemas.microsoft.com/office/drawing/2017/decorative" val="1"/>
+                  </a:ext>
+                </a:extLst>
+              </p:cNvPr>
+              <p:cNvSpPr/>
+              <p:nvPr>
+                <p:extLst>
+                  <p:ext uri="{386F3935-93C4-4BCD-93E2-E3B085C9AB24}">
+                    <p16:designElem xmlns:p16="http://schemas.microsoft.com/office/powerpoint/2015/main" val="1"/>
+                  </p:ext>
+                </p:extLst>
+              </p:nvPr>
+            </p:nvSpPr>
+            <p:spPr bwMode="auto">
+              <a:xfrm>
+                <a:off x="546100" y="0"/>
+                <a:ext cx="152400" cy="912813"/>
+              </a:xfrm>
+              <a:custGeom>
+                <a:avLst/>
+                <a:gdLst/>
+                <a:ahLst/>
+                <a:cxnLst/>
+                <a:rect l="0" t="0" r="r" b="b"/>
+                <a:pathLst>
+                  <a:path w="96" h="575">
+                    <a:moveTo>
+                      <a:pt x="96" y="575"/>
+                    </a:moveTo>
+                    <a:lnTo>
+                      <a:pt x="78" y="575"/>
+                    </a:lnTo>
+                    <a:lnTo>
+                      <a:pt x="78" y="192"/>
+                    </a:lnTo>
+                    <a:lnTo>
+                      <a:pt x="0" y="6"/>
+                    </a:lnTo>
+                    <a:lnTo>
+                      <a:pt x="15" y="0"/>
+                    </a:lnTo>
+                    <a:lnTo>
+                      <a:pt x="96" y="189"/>
+                    </a:lnTo>
+                    <a:lnTo>
+                      <a:pt x="96" y="575"/>
+                    </a:lnTo>
+                    <a:close/>
+                  </a:path>
+                </a:pathLst>
+              </a:custGeom>
+              <a:grpFill/>
+              <a:ln>
+                <a:noFill/>
+              </a:ln>
+              <a:extLst>
+                <a:ext uri="{91240B29-F687-4f45-9708-019B960494DF}">
+                  <a14:hiddenLine xmlns="" xmlns:a16="http://schemas.microsoft.com/office/drawing/2014/main" xmlns:p14="http://schemas.microsoft.com/office/powerpoint/2010/main" xmlns:a14="http://schemas.microsoft.com/office/drawing/2010/main" w="9525">
+                    <a:solidFill>
+                      <a:srgbClr val="000000"/>
+                    </a:solidFill>
+                    <a:round/>
+                    <a:headEnd/>
+                    <a:tailEnd/>
+                  </a14:hiddenLine>
+                </a:ext>
+              </a:extLst>
+            </p:spPr>
+          </p:sp>
+          <p:sp>
+            <p:nvSpPr>
+              <p:cNvPr id="86" name="Freeform 12">
+                <a:extLst>
+                  <a:ext uri="{FF2B5EF4-FFF2-40B4-BE49-F238E27FC236}">
+                    <a16:creationId xmlns:a16="http://schemas.microsoft.com/office/drawing/2014/main" id="{7C1E1A10-B151-4BBC-8CCF-4EBB296CF7F9}"/>
+                  </a:ext>
+                  <a:ext uri="{C183D7F6-B498-43B3-948B-1728B52AA6E4}">
+                    <adec:decorative xmlns:adec="http://schemas.microsoft.com/office/drawing/2017/decorative" val="1"/>
+                  </a:ext>
+                </a:extLst>
+              </p:cNvPr>
+              <p:cNvSpPr>
+                <a:spLocks noEditPoints="1"/>
+              </p:cNvSpPr>
+              <p:nvPr>
+                <p:extLst>
+                  <p:ext uri="{386F3935-93C4-4BCD-93E2-E3B085C9AB24}">
+                    <p16:designElem xmlns:p16="http://schemas.microsoft.com/office/powerpoint/2015/main" val="1"/>
+                  </p:ext>
+                </p:extLst>
+              </p:nvPr>
+            </p:nvSpPr>
+            <p:spPr bwMode="auto">
+              <a:xfrm>
+                <a:off x="588962" y="1420813"/>
+                <a:ext cx="190500" cy="190500"/>
+              </a:xfrm>
+              <a:custGeom>
+                <a:avLst/>
+                <a:gdLst/>
+                <a:ahLst/>
+                <a:cxnLst/>
+                <a:rect l="0" t="0" r="r" b="b"/>
+                <a:pathLst>
+                  <a:path w="40" h="40">
+                    <a:moveTo>
+                      <a:pt x="20" y="40"/>
+                    </a:moveTo>
+                    <a:cubicBezTo>
+                      <a:pt x="9" y="40"/>
+                      <a:pt x="0" y="31"/>
+                      <a:pt x="0" y="20"/>
+                    </a:cubicBezTo>
+                    <a:cubicBezTo>
+                      <a:pt x="0" y="9"/>
+                      <a:pt x="9" y="0"/>
+                      <a:pt x="20" y="0"/>
+                    </a:cubicBezTo>
+                    <a:cubicBezTo>
+                      <a:pt x="33" y="0"/>
+                      <a:pt x="40" y="7"/>
+                      <a:pt x="40" y="20"/>
+                    </a:cubicBezTo>
+                    <a:cubicBezTo>
+                      <a:pt x="40" y="31"/>
+                      <a:pt x="31" y="40"/>
+                      <a:pt x="20" y="40"/>
+                    </a:cubicBezTo>
+                    <a:close/>
+                    <a:moveTo>
+                      <a:pt x="20" y="4"/>
+                    </a:moveTo>
+                    <a:cubicBezTo>
+                      <a:pt x="11" y="4"/>
+                      <a:pt x="4" y="11"/>
+                      <a:pt x="4" y="20"/>
+                    </a:cubicBezTo>
+                    <a:cubicBezTo>
+                      <a:pt x="4" y="29"/>
+                      <a:pt x="11" y="36"/>
+                      <a:pt x="20" y="36"/>
+                    </a:cubicBezTo>
+                    <a:cubicBezTo>
+                      <a:pt x="29" y="36"/>
+                      <a:pt x="36" y="29"/>
+                      <a:pt x="36" y="20"/>
+                    </a:cubicBezTo>
+                    <a:cubicBezTo>
+                      <a:pt x="36" y="9"/>
+                      <a:pt x="31" y="4"/>
+                      <a:pt x="20" y="4"/>
+                    </a:cubicBezTo>
+                    <a:close/>
+                  </a:path>
+                </a:pathLst>
+              </a:custGeom>
+              <a:grpFill/>
+              <a:ln>
+                <a:noFill/>
+              </a:ln>
+              <a:extLst>
+                <a:ext uri="{91240B29-F687-4f45-9708-019B960494DF}">
+                  <a14:hiddenLine xmlns="" xmlns:a16="http://schemas.microsoft.com/office/drawing/2014/main" xmlns:p14="http://schemas.microsoft.com/office/powerpoint/2010/main" xmlns:a14="http://schemas.microsoft.com/office/drawing/2010/main" w="9525">
+                    <a:solidFill>
+                      <a:srgbClr val="000000"/>
+                    </a:solidFill>
+                    <a:round/>
+                    <a:headEnd/>
+                    <a:tailEnd/>
+                  </a14:hiddenLine>
+                </a:ext>
+              </a:extLst>
+            </p:spPr>
+          </p:sp>
+          <p:sp>
+            <p:nvSpPr>
+              <p:cNvPr id="87" name="Freeform 13">
+                <a:extLst>
+                  <a:ext uri="{FF2B5EF4-FFF2-40B4-BE49-F238E27FC236}">
+                    <a16:creationId xmlns:a16="http://schemas.microsoft.com/office/drawing/2014/main" id="{2FCE248B-44A4-4A9A-82A5-40C37B71427C}"/>
+                  </a:ext>
+                  <a:ext uri="{C183D7F6-B498-43B3-948B-1728B52AA6E4}">
+                    <adec:decorative xmlns:adec="http://schemas.microsoft.com/office/drawing/2017/decorative" val="1"/>
+                  </a:ext>
+                </a:extLst>
+              </p:cNvPr>
+              <p:cNvSpPr>
+                <a:spLocks noEditPoints="1"/>
+              </p:cNvSpPr>
+              <p:nvPr>
+                <p:extLst>
+                  <p:ext uri="{386F3935-93C4-4BCD-93E2-E3B085C9AB24}">
+                    <p16:designElem xmlns:p16="http://schemas.microsoft.com/office/powerpoint/2015/main" val="1"/>
+                  </p:ext>
+                </p:extLst>
+              </p:nvPr>
+            </p:nvSpPr>
+            <p:spPr bwMode="auto">
+              <a:xfrm>
+                <a:off x="588962" y="903288"/>
+                <a:ext cx="190500" cy="190500"/>
+              </a:xfrm>
+              <a:custGeom>
+                <a:avLst/>
+                <a:gdLst/>
+                <a:ahLst/>
+                <a:cxnLst/>
+                <a:rect l="0" t="0" r="r" b="b"/>
+                <a:pathLst>
+                  <a:path w="40" h="40">
+                    <a:moveTo>
+                      <a:pt x="20" y="40"/>
+                    </a:moveTo>
+                    <a:cubicBezTo>
+                      <a:pt x="9" y="40"/>
+                      <a:pt x="0" y="31"/>
+                      <a:pt x="0" y="20"/>
+                    </a:cubicBezTo>
+                    <a:cubicBezTo>
+                      <a:pt x="0" y="9"/>
+                      <a:pt x="9" y="0"/>
+                      <a:pt x="20" y="0"/>
+                    </a:cubicBezTo>
+                    <a:cubicBezTo>
+                      <a:pt x="31" y="0"/>
+                      <a:pt x="40" y="9"/>
+                      <a:pt x="40" y="20"/>
+                    </a:cubicBezTo>
+                    <a:cubicBezTo>
+                      <a:pt x="40" y="31"/>
+                      <a:pt x="31" y="40"/>
+                      <a:pt x="20" y="40"/>
+                    </a:cubicBezTo>
+                    <a:close/>
+                    <a:moveTo>
+                      <a:pt x="20" y="4"/>
+                    </a:moveTo>
+                    <a:cubicBezTo>
+                      <a:pt x="11" y="4"/>
+                      <a:pt x="4" y="11"/>
+                      <a:pt x="4" y="20"/>
+                    </a:cubicBezTo>
+                    <a:cubicBezTo>
+                      <a:pt x="4" y="29"/>
+                      <a:pt x="11" y="36"/>
+                      <a:pt x="20" y="36"/>
+                    </a:cubicBezTo>
+                    <a:cubicBezTo>
+                      <a:pt x="29" y="36"/>
+                      <a:pt x="36" y="29"/>
+                      <a:pt x="36" y="20"/>
+                    </a:cubicBezTo>
+                    <a:cubicBezTo>
+                      <a:pt x="36" y="11"/>
+                      <a:pt x="29" y="4"/>
+                      <a:pt x="20" y="4"/>
+                    </a:cubicBezTo>
+                    <a:close/>
+                  </a:path>
+                </a:pathLst>
+              </a:custGeom>
+              <a:grpFill/>
+              <a:ln>
+                <a:noFill/>
+              </a:ln>
+              <a:extLst>
+                <a:ext uri="{91240B29-F687-4f45-9708-019B960494DF}">
+                  <a14:hiddenLine xmlns="" xmlns:a16="http://schemas.microsoft.com/office/drawing/2014/main" xmlns:p14="http://schemas.microsoft.com/office/powerpoint/2010/main" xmlns:a14="http://schemas.microsoft.com/office/drawing/2010/main" w="9525">
+                    <a:solidFill>
+                      <a:srgbClr val="000000"/>
+                    </a:solidFill>
+                    <a:round/>
+                    <a:headEnd/>
+                    <a:tailEnd/>
+                  </a14:hiddenLine>
+                </a:ext>
+              </a:extLst>
+            </p:spPr>
+          </p:sp>
+          <p:sp>
+            <p:nvSpPr>
+              <p:cNvPr id="88" name="Freeform 14">
+                <a:extLst>
+                  <a:ext uri="{FF2B5EF4-FFF2-40B4-BE49-F238E27FC236}">
+                    <a16:creationId xmlns:a16="http://schemas.microsoft.com/office/drawing/2014/main" id="{3DC6E423-3A9C-4544-A89E-554DB8F98A48}"/>
+                  </a:ext>
+                  <a:ext uri="{C183D7F6-B498-43B3-948B-1728B52AA6E4}">
+                    <adec:decorative xmlns:adec="http://schemas.microsoft.com/office/drawing/2017/decorative" val="1"/>
+                  </a:ext>
+                </a:extLst>
+              </p:cNvPr>
+              <p:cNvSpPr/>
+              <p:nvPr>
+                <p:extLst>
+                  <p:ext uri="{386F3935-93C4-4BCD-93E2-E3B085C9AB24}">
+                    <p16:designElem xmlns:p16="http://schemas.microsoft.com/office/powerpoint/2015/main" val="1"/>
+                  </p:ext>
+                </p:extLst>
+              </p:nvPr>
+            </p:nvSpPr>
+            <p:spPr bwMode="auto">
+              <a:xfrm>
+                <a:off x="641350" y="0"/>
+                <a:ext cx="422275" cy="527050"/>
+              </a:xfrm>
+              <a:custGeom>
+                <a:avLst/>
+                <a:gdLst/>
+                <a:ahLst/>
+                <a:cxnLst/>
+                <a:rect l="0" t="0" r="r" b="b"/>
+                <a:pathLst>
+                  <a:path w="266" h="332">
+                    <a:moveTo>
+                      <a:pt x="257" y="332"/>
+                    </a:moveTo>
+                    <a:lnTo>
+                      <a:pt x="48" y="123"/>
+                    </a:lnTo>
+                    <a:lnTo>
+                      <a:pt x="0" y="6"/>
+                    </a:lnTo>
+                    <a:lnTo>
+                      <a:pt x="15" y="0"/>
+                    </a:lnTo>
+                    <a:lnTo>
+                      <a:pt x="63" y="114"/>
+                    </a:lnTo>
+                    <a:lnTo>
+                      <a:pt x="266" y="320"/>
+                    </a:lnTo>
+                    <a:lnTo>
+                      <a:pt x="257" y="332"/>
+                    </a:lnTo>
+                    <a:close/>
+                  </a:path>
+                </a:pathLst>
+              </a:custGeom>
+              <a:grpFill/>
+              <a:ln>
+                <a:noFill/>
+              </a:ln>
+              <a:extLst>
+                <a:ext uri="{91240B29-F687-4f45-9708-019B960494DF}">
+                  <a14:hiddenLine xmlns="" xmlns:a16="http://schemas.microsoft.com/office/drawing/2014/main" xmlns:p14="http://schemas.microsoft.com/office/powerpoint/2010/main" xmlns:a14="http://schemas.microsoft.com/office/drawing/2010/main" w="9525">
+                    <a:solidFill>
+                      <a:srgbClr val="000000"/>
+                    </a:solidFill>
+                    <a:round/>
+                    <a:headEnd/>
+                    <a:tailEnd/>
+                  </a14:hiddenLine>
+                </a:ext>
+              </a:extLst>
+            </p:spPr>
+          </p:sp>
+          <p:sp>
+            <p:nvSpPr>
+              <p:cNvPr id="89" name="Freeform 15">
+                <a:extLst>
+                  <a:ext uri="{FF2B5EF4-FFF2-40B4-BE49-F238E27FC236}">
+                    <a16:creationId xmlns:a16="http://schemas.microsoft.com/office/drawing/2014/main" id="{0A313D48-054E-4510-8FDA-74939AFE10AA}"/>
+                  </a:ext>
+                  <a:ext uri="{C183D7F6-B498-43B3-948B-1728B52AA6E4}">
+                    <adec:decorative xmlns:adec="http://schemas.microsoft.com/office/drawing/2017/decorative" val="1"/>
+                  </a:ext>
+                </a:extLst>
+              </p:cNvPr>
+              <p:cNvSpPr>
+                <a:spLocks noEditPoints="1"/>
+              </p:cNvSpPr>
+              <p:nvPr>
+                <p:extLst>
+                  <p:ext uri="{386F3935-93C4-4BCD-93E2-E3B085C9AB24}">
+                    <p16:designElem xmlns:p16="http://schemas.microsoft.com/office/powerpoint/2015/main" val="1"/>
+                  </p:ext>
+                </p:extLst>
+              </p:nvPr>
+            </p:nvSpPr>
+            <p:spPr bwMode="auto">
+              <a:xfrm>
+                <a:off x="1020762" y="488950"/>
+                <a:ext cx="161925" cy="147638"/>
+              </a:xfrm>
+              <a:custGeom>
+                <a:avLst/>
+                <a:gdLst/>
+                <a:ahLst/>
+                <a:cxnLst/>
+                <a:rect l="0" t="0" r="r" b="b"/>
+                <a:pathLst>
+                  <a:path w="34" h="31">
+                    <a:moveTo>
+                      <a:pt x="17" y="31"/>
+                    </a:moveTo>
+                    <a:cubicBezTo>
+                      <a:pt x="13" y="31"/>
+                      <a:pt x="9" y="30"/>
+                      <a:pt x="6" y="27"/>
+                    </a:cubicBezTo>
+                    <a:cubicBezTo>
+                      <a:pt x="0" y="20"/>
+                      <a:pt x="0" y="10"/>
+                      <a:pt x="6" y="4"/>
+                    </a:cubicBezTo>
+                    <a:cubicBezTo>
+                      <a:pt x="9" y="1"/>
+                      <a:pt x="13" y="0"/>
+                      <a:pt x="17" y="0"/>
+                    </a:cubicBezTo>
+                    <a:cubicBezTo>
+                      <a:pt x="21" y="0"/>
+                      <a:pt x="25" y="1"/>
+                      <a:pt x="28" y="4"/>
+                    </a:cubicBezTo>
+                    <a:cubicBezTo>
+                      <a:pt x="34" y="10"/>
+                      <a:pt x="34" y="20"/>
+                      <a:pt x="28" y="27"/>
+                    </a:cubicBezTo>
+                    <a:cubicBezTo>
+                      <a:pt x="25" y="30"/>
+                      <a:pt x="21" y="31"/>
+                      <a:pt x="17" y="31"/>
+                    </a:cubicBezTo>
+                    <a:close/>
+                    <a:moveTo>
+                      <a:pt x="17" y="4"/>
+                    </a:moveTo>
+                    <a:cubicBezTo>
+                      <a:pt x="14" y="4"/>
+                      <a:pt x="11" y="5"/>
+                      <a:pt x="9" y="7"/>
+                    </a:cubicBezTo>
+                    <a:cubicBezTo>
+                      <a:pt x="4" y="12"/>
+                      <a:pt x="4" y="19"/>
+                      <a:pt x="9" y="24"/>
+                    </a:cubicBezTo>
+                    <a:cubicBezTo>
+                      <a:pt x="11" y="26"/>
+                      <a:pt x="14" y="27"/>
+                      <a:pt x="17" y="27"/>
+                    </a:cubicBezTo>
+                    <a:cubicBezTo>
+                      <a:pt x="20" y="27"/>
+                      <a:pt x="23" y="26"/>
+                      <a:pt x="25" y="24"/>
+                    </a:cubicBezTo>
+                    <a:cubicBezTo>
+                      <a:pt x="30" y="19"/>
+                      <a:pt x="30" y="12"/>
+                      <a:pt x="25" y="7"/>
+                    </a:cubicBezTo>
+                    <a:cubicBezTo>
+                      <a:pt x="23" y="5"/>
+                      <a:pt x="20" y="4"/>
+                      <a:pt x="17" y="4"/>
+                    </a:cubicBezTo>
+                    <a:close/>
+                  </a:path>
+                </a:pathLst>
+              </a:custGeom>
+              <a:grpFill/>
+              <a:ln>
+                <a:noFill/>
+              </a:ln>
+              <a:extLst>
+                <a:ext uri="{91240B29-F687-4f45-9708-019B960494DF}">
+                  <a14:hiddenLine xmlns="" xmlns:a16="http://schemas.microsoft.com/office/drawing/2014/main" xmlns:p14="http://schemas.microsoft.com/office/powerpoint/2010/main" xmlns:a14="http://schemas.microsoft.com/office/drawing/2010/main" w="9525">
+                    <a:solidFill>
+                      <a:srgbClr val="000000"/>
+                    </a:solidFill>
+                    <a:round/>
+                    <a:headEnd/>
+                    <a:tailEnd/>
+                  </a14:hiddenLine>
+                </a:ext>
+              </a:extLst>
+            </p:spPr>
+          </p:sp>
+          <p:sp>
+            <p:nvSpPr>
+              <p:cNvPr id="90" name="Line 16">
+                <a:extLst>
+                  <a:ext uri="{FF2B5EF4-FFF2-40B4-BE49-F238E27FC236}">
+                    <a16:creationId xmlns:a16="http://schemas.microsoft.com/office/drawing/2014/main" id="{01726606-7B90-4006-8736-BB4A60537F15}"/>
+                  </a:ext>
+                  <a:ext uri="{C183D7F6-B498-43B3-948B-1728B52AA6E4}">
+                    <adec:decorative xmlns:adec="http://schemas.microsoft.com/office/drawing/2017/decorative" val="1"/>
+                  </a:ext>
+                </a:extLst>
+              </p:cNvPr>
+              <p:cNvSpPr>
+                <a:spLocks noChangeShapeType="1"/>
+              </p:cNvSpPr>
+              <p:nvPr>
+                <p:extLst>
+                  <p:ext uri="{386F3935-93C4-4BCD-93E2-E3B085C9AB24}">
+                    <p16:designElem xmlns:p16="http://schemas.microsoft.com/office/powerpoint/2015/main" val="1"/>
+                  </p:ext>
+                </p:extLst>
+              </p:nvPr>
+            </p:nvSpPr>
+            <p:spPr bwMode="auto">
+              <a:xfrm>
+                <a:off x="-4763" y="9525"/>
+                <a:ext cx="0" cy="0"/>
+              </a:xfrm>
+              <a:prstGeom prst="line">
+                <a:avLst/>
+              </a:prstGeom>
+              <a:grpFill/>
+              <a:ln w="15" cap="flat">
+                <a:solidFill>
+                  <a:srgbClr val="FFFFFF"/>
+                </a:solidFill>
+                <a:prstDash val="solid"/>
+                <a:miter lim="800000"/>
+                <a:headEnd/>
+                <a:tailEnd/>
+              </a:ln>
+            </p:spPr>
+          </p:sp>
+          <p:sp>
+            <p:nvSpPr>
+              <p:cNvPr id="91" name="Freeform 17">
+                <a:extLst>
+                  <a:ext uri="{FF2B5EF4-FFF2-40B4-BE49-F238E27FC236}">
+                    <a16:creationId xmlns:a16="http://schemas.microsoft.com/office/drawing/2014/main" id="{DCF4C751-3743-496E-AF29-A15071A176F4}"/>
+                  </a:ext>
+                  <a:ext uri="{C183D7F6-B498-43B3-948B-1728B52AA6E4}">
+                    <adec:decorative xmlns:adec="http://schemas.microsoft.com/office/drawing/2017/decorative" val="1"/>
+                  </a:ext>
+                </a:extLst>
+              </p:cNvPr>
+              <p:cNvSpPr/>
+              <p:nvPr>
+                <p:extLst>
+                  <p:ext uri="{386F3935-93C4-4BCD-93E2-E3B085C9AB24}">
+                    <p16:designElem xmlns:p16="http://schemas.microsoft.com/office/powerpoint/2015/main" val="1"/>
+                  </p:ext>
+                </p:extLst>
+              </p:nvPr>
+            </p:nvSpPr>
+            <p:spPr bwMode="auto">
+              <a:xfrm>
+                <a:off x="9525" y="1801813"/>
+                <a:ext cx="123825" cy="127000"/>
+              </a:xfrm>
+              <a:custGeom>
+                <a:avLst/>
+                <a:gdLst/>
+                <a:ahLst/>
+                <a:cxnLst/>
+                <a:rect l="0" t="0" r="r" b="b"/>
+                <a:pathLst>
+                  <a:path w="78" h="80">
+                    <a:moveTo>
+                      <a:pt x="6" y="80"/>
+                    </a:moveTo>
+                    <a:lnTo>
+                      <a:pt x="0" y="71"/>
+                    </a:lnTo>
+                    <a:lnTo>
+                      <a:pt x="69" y="0"/>
+                    </a:lnTo>
+                    <a:lnTo>
+                      <a:pt x="78" y="9"/>
+                    </a:lnTo>
+                    <a:lnTo>
+                      <a:pt x="6" y="80"/>
+                    </a:lnTo>
+                    <a:close/>
+                  </a:path>
+                </a:pathLst>
+              </a:custGeom>
+              <a:grpFill/>
+              <a:ln>
+                <a:noFill/>
+              </a:ln>
+              <a:extLst>
+                <a:ext uri="{91240B29-F687-4f45-9708-019B960494DF}">
+                  <a14:hiddenLine xmlns="" xmlns:a16="http://schemas.microsoft.com/office/drawing/2014/main" xmlns:p14="http://schemas.microsoft.com/office/powerpoint/2010/main" xmlns:a14="http://schemas.microsoft.com/office/drawing/2010/main" w="9525">
+                    <a:solidFill>
+                      <a:srgbClr val="000000"/>
+                    </a:solidFill>
+                    <a:round/>
+                    <a:headEnd/>
+                    <a:tailEnd/>
+                  </a14:hiddenLine>
+                </a:ext>
+              </a:extLst>
+            </p:spPr>
+          </p:sp>
+          <p:sp>
+            <p:nvSpPr>
+              <p:cNvPr id="92" name="Freeform 18">
+                <a:extLst>
+                  <a:ext uri="{FF2B5EF4-FFF2-40B4-BE49-F238E27FC236}">
+                    <a16:creationId xmlns:a16="http://schemas.microsoft.com/office/drawing/2014/main" id="{D002FA4C-C781-4BC8-B372-EADC8A13C190}"/>
+                  </a:ext>
+                  <a:ext uri="{C183D7F6-B498-43B3-948B-1728B52AA6E4}">
+                    <adec:decorative xmlns:adec="http://schemas.microsoft.com/office/drawing/2017/decorative" val="1"/>
+                  </a:ext>
+                </a:extLst>
+              </p:cNvPr>
+              <p:cNvSpPr/>
+              <p:nvPr>
+                <p:extLst>
+                  <p:ext uri="{386F3935-93C4-4BCD-93E2-E3B085C9AB24}">
+                    <p16:designElem xmlns:p16="http://schemas.microsoft.com/office/powerpoint/2015/main" val="1"/>
+                  </p:ext>
+                </p:extLst>
+              </p:nvPr>
+            </p:nvSpPr>
+            <p:spPr bwMode="auto">
+              <a:xfrm>
+                <a:off x="-9525" y="3549650"/>
+                <a:ext cx="147638" cy="481013"/>
+              </a:xfrm>
+              <a:custGeom>
+                <a:avLst/>
+                <a:gdLst/>
+                <a:ahLst/>
+                <a:cxnLst/>
+                <a:rect l="0" t="0" r="r" b="b"/>
+                <a:pathLst>
+                  <a:path w="93" h="303">
+                    <a:moveTo>
+                      <a:pt x="93" y="303"/>
+                    </a:moveTo>
+                    <a:lnTo>
+                      <a:pt x="78" y="303"/>
+                    </a:lnTo>
+                    <a:lnTo>
+                      <a:pt x="78" y="78"/>
+                    </a:lnTo>
+                    <a:lnTo>
+                      <a:pt x="0" y="12"/>
+                    </a:lnTo>
+                    <a:lnTo>
+                      <a:pt x="12" y="0"/>
+                    </a:lnTo>
+                    <a:lnTo>
+                      <a:pt x="93" y="69"/>
+                    </a:lnTo>
+                    <a:lnTo>
+                      <a:pt x="93" y="303"/>
+                    </a:lnTo>
+                    <a:close/>
+                  </a:path>
+                </a:pathLst>
+              </a:custGeom>
+              <a:grpFill/>
+              <a:ln>
+                <a:noFill/>
+              </a:ln>
+              <a:extLst>
+                <a:ext uri="{91240B29-F687-4f45-9708-019B960494DF}">
+                  <a14:hiddenLine xmlns="" xmlns:a16="http://schemas.microsoft.com/office/drawing/2014/main" xmlns:p14="http://schemas.microsoft.com/office/powerpoint/2010/main" xmlns:a14="http://schemas.microsoft.com/office/drawing/2010/main" w="9525">
+                    <a:solidFill>
+                      <a:srgbClr val="000000"/>
+                    </a:solidFill>
+                    <a:round/>
+                    <a:headEnd/>
+                    <a:tailEnd/>
+                  </a14:hiddenLine>
+                </a:ext>
+              </a:extLst>
+            </p:spPr>
+          </p:sp>
+          <p:sp>
+            <p:nvSpPr>
+              <p:cNvPr id="93" name="Freeform 19">
+                <a:extLst>
+                  <a:ext uri="{FF2B5EF4-FFF2-40B4-BE49-F238E27FC236}">
+                    <a16:creationId xmlns:a16="http://schemas.microsoft.com/office/drawing/2014/main" id="{3361E130-2032-447E-8C75-2AA00145E954}"/>
+                  </a:ext>
+                  <a:ext uri="{C183D7F6-B498-43B3-948B-1728B52AA6E4}">
+                    <adec:decorative xmlns:adec="http://schemas.microsoft.com/office/drawing/2017/decorative" val="1"/>
+                  </a:ext>
+                </a:extLst>
+              </p:cNvPr>
+              <p:cNvSpPr/>
+              <p:nvPr>
+                <p:extLst>
+                  <p:ext uri="{386F3935-93C4-4BCD-93E2-E3B085C9AB24}">
+                    <p16:designElem xmlns:p16="http://schemas.microsoft.com/office/powerpoint/2015/main" val="1"/>
+                  </p:ext>
+                </p:extLst>
+              </p:nvPr>
+            </p:nvSpPr>
+            <p:spPr bwMode="auto">
+              <a:xfrm>
+                <a:off x="128587" y="1382713"/>
+                <a:ext cx="142875" cy="476250"/>
+              </a:xfrm>
+              <a:custGeom>
+                <a:avLst/>
+                <a:gdLst/>
+                <a:ahLst/>
+                <a:cxnLst/>
+                <a:rect l="0" t="0" r="r" b="b"/>
+                <a:pathLst>
+                  <a:path w="90" h="300">
+                    <a:moveTo>
+                      <a:pt x="90" y="300"/>
+                    </a:moveTo>
+                    <a:lnTo>
+                      <a:pt x="78" y="300"/>
+                    </a:lnTo>
+                    <a:lnTo>
+                      <a:pt x="78" y="84"/>
+                    </a:lnTo>
+                    <a:lnTo>
+                      <a:pt x="0" y="9"/>
+                    </a:lnTo>
+                    <a:lnTo>
+                      <a:pt x="9" y="0"/>
+                    </a:lnTo>
+                    <a:lnTo>
+                      <a:pt x="90" y="81"/>
+                    </a:lnTo>
+                    <a:lnTo>
+                      <a:pt x="90" y="300"/>
+                    </a:lnTo>
+                    <a:close/>
+                  </a:path>
+                </a:pathLst>
+              </a:custGeom>
+              <a:grpFill/>
+              <a:ln>
+                <a:noFill/>
+              </a:ln>
+              <a:extLst>
+                <a:ext uri="{91240B29-F687-4f45-9708-019B960494DF}">
+                  <a14:hiddenLine xmlns="" xmlns:a16="http://schemas.microsoft.com/office/drawing/2014/main" xmlns:p14="http://schemas.microsoft.com/office/powerpoint/2010/main" xmlns:a14="http://schemas.microsoft.com/office/drawing/2010/main" w="9525">
+                    <a:solidFill>
+                      <a:srgbClr val="000000"/>
+                    </a:solidFill>
+                    <a:round/>
+                    <a:headEnd/>
+                    <a:tailEnd/>
+                  </a14:hiddenLine>
+                </a:ext>
+              </a:extLst>
+            </p:spPr>
+          </p:sp>
+          <p:sp>
+            <p:nvSpPr>
+              <p:cNvPr id="94" name="Freeform 20">
+                <a:extLst>
+                  <a:ext uri="{FF2B5EF4-FFF2-40B4-BE49-F238E27FC236}">
+                    <a16:creationId xmlns:a16="http://schemas.microsoft.com/office/drawing/2014/main" id="{9C86223F-5F43-4127-8226-04FA6431C368}"/>
+                  </a:ext>
+                  <a:ext uri="{C183D7F6-B498-43B3-948B-1728B52AA6E4}">
+                    <adec:decorative xmlns:adec="http://schemas.microsoft.com/office/drawing/2017/decorative" val="1"/>
+                  </a:ext>
+                </a:extLst>
+              </p:cNvPr>
+              <p:cNvSpPr>
+                <a:spLocks noEditPoints="1"/>
+              </p:cNvSpPr>
+              <p:nvPr>
+                <p:extLst>
+                  <p:ext uri="{386F3935-93C4-4BCD-93E2-E3B085C9AB24}">
+                    <p16:designElem xmlns:p16="http://schemas.microsoft.com/office/powerpoint/2015/main" val="1"/>
+                  </p:ext>
+                </p:extLst>
+              </p:nvPr>
+            </p:nvSpPr>
+            <p:spPr bwMode="auto">
+              <a:xfrm>
+                <a:off x="204787" y="1849438"/>
+                <a:ext cx="114300" cy="107950"/>
+              </a:xfrm>
+              <a:custGeom>
+                <a:avLst/>
+                <a:gdLst/>
+                <a:ahLst/>
+                <a:cxnLst/>
+                <a:rect l="0" t="0" r="r" b="b"/>
+                <a:pathLst>
+                  <a:path w="24" h="23">
+                    <a:moveTo>
+                      <a:pt x="12" y="23"/>
+                    </a:moveTo>
+                    <a:cubicBezTo>
+                      <a:pt x="6" y="23"/>
+                      <a:pt x="0" y="18"/>
+                      <a:pt x="0" y="12"/>
+                    </a:cubicBezTo>
+                    <a:cubicBezTo>
+                      <a:pt x="0" y="5"/>
+                      <a:pt x="6" y="0"/>
+                      <a:pt x="12" y="0"/>
+                    </a:cubicBezTo>
+                    <a:cubicBezTo>
+                      <a:pt x="18" y="0"/>
+                      <a:pt x="24" y="5"/>
+                      <a:pt x="24" y="12"/>
+                    </a:cubicBezTo>
+                    <a:cubicBezTo>
+                      <a:pt x="24" y="18"/>
+                      <a:pt x="18" y="23"/>
+                      <a:pt x="12" y="23"/>
+                    </a:cubicBezTo>
+                    <a:close/>
+                    <a:moveTo>
+                      <a:pt x="12" y="4"/>
+                    </a:moveTo>
+                    <a:cubicBezTo>
+                      <a:pt x="8" y="4"/>
+                      <a:pt x="4" y="8"/>
+                      <a:pt x="4" y="12"/>
+                    </a:cubicBezTo>
+                    <a:cubicBezTo>
+                      <a:pt x="4" y="16"/>
+                      <a:pt x="8" y="19"/>
+                      <a:pt x="12" y="19"/>
+                    </a:cubicBezTo>
+                    <a:cubicBezTo>
+                      <a:pt x="16" y="19"/>
+                      <a:pt x="20" y="16"/>
+                      <a:pt x="20" y="12"/>
+                    </a:cubicBezTo>
+                    <a:cubicBezTo>
+                      <a:pt x="20" y="8"/>
+                      <a:pt x="16" y="4"/>
+                      <a:pt x="12" y="4"/>
+                    </a:cubicBezTo>
+                    <a:close/>
+                  </a:path>
+                </a:pathLst>
+              </a:custGeom>
+              <a:grpFill/>
+              <a:ln>
+                <a:noFill/>
+              </a:ln>
+              <a:extLst>
+                <a:ext uri="{91240B29-F687-4f45-9708-019B960494DF}">
+                  <a14:hiddenLine xmlns="" xmlns:a16="http://schemas.microsoft.com/office/drawing/2014/main" xmlns:p14="http://schemas.microsoft.com/office/powerpoint/2010/main" xmlns:a14="http://schemas.microsoft.com/office/drawing/2010/main" w="9525">
+                    <a:solidFill>
+                      <a:srgbClr val="000000"/>
+                    </a:solidFill>
+                    <a:round/>
+                    <a:headEnd/>
+                    <a:tailEnd/>
+                  </a14:hiddenLine>
+                </a:ext>
+              </a:extLst>
+            </p:spPr>
+          </p:sp>
+          <p:sp>
+            <p:nvSpPr>
+              <p:cNvPr id="95" name="Rectangle 21">
+                <a:extLst>
+                  <a:ext uri="{FF2B5EF4-FFF2-40B4-BE49-F238E27FC236}">
+                    <a16:creationId xmlns:a16="http://schemas.microsoft.com/office/drawing/2014/main" id="{F9881277-F14B-473B-B251-7AC80DF7F610}"/>
+                  </a:ext>
+                  <a:ext uri="{C183D7F6-B498-43B3-948B-1728B52AA6E4}">
+                    <adec:decorative xmlns:adec="http://schemas.microsoft.com/office/drawing/2017/decorative" val="1"/>
+                  </a:ext>
+                </a:extLst>
+              </p:cNvPr>
+              <p:cNvSpPr>
+                <a:spLocks noChangeArrowheads="1"/>
+              </p:cNvSpPr>
+              <p:nvPr>
+                <p:extLst>
+                  <p:ext uri="{386F3935-93C4-4BCD-93E2-E3B085C9AB24}">
+                    <p16:designElem xmlns:p16="http://schemas.microsoft.com/office/powerpoint/2015/main" val="1"/>
+                  </p:ext>
+                </p:extLst>
+              </p:nvPr>
+            </p:nvSpPr>
+            <p:spPr bwMode="auto">
+              <a:xfrm>
+                <a:off x="133350" y="4662488"/>
+                <a:ext cx="23813" cy="2181225"/>
+              </a:xfrm>
+              <a:prstGeom prst="rect">
+                <a:avLst/>
+              </a:prstGeom>
+              <a:grpFill/>
+              <a:ln>
+                <a:noFill/>
+              </a:ln>
+              <a:extLst>
+                <a:ext uri="{91240B29-F687-4f45-9708-019B960494DF}">
+                  <a14:hiddenLine xmlns="" xmlns:a16="http://schemas.microsoft.com/office/drawing/2014/main" xmlns:p14="http://schemas.microsoft.com/office/powerpoint/2010/main" xmlns:a14="http://schemas.microsoft.com/office/drawing/2010/main" w="9525">
+                    <a:solidFill>
+                      <a:srgbClr val="000000"/>
+                    </a:solidFill>
+                    <a:miter lim="800000"/>
+                    <a:headEnd/>
+                    <a:tailEnd/>
+                  </a14:hiddenLine>
+                </a:ext>
+              </a:extLst>
+            </p:spPr>
+          </p:sp>
+          <p:sp>
+            <p:nvSpPr>
+              <p:cNvPr id="96" name="Freeform 22">
+                <a:extLst>
+                  <a:ext uri="{FF2B5EF4-FFF2-40B4-BE49-F238E27FC236}">
+                    <a16:creationId xmlns:a16="http://schemas.microsoft.com/office/drawing/2014/main" id="{2640B82C-068C-41B9-8C5F-1E34182CC64F}"/>
+                  </a:ext>
+                  <a:ext uri="{C183D7F6-B498-43B3-948B-1728B52AA6E4}">
+                    <adec:decorative xmlns:adec="http://schemas.microsoft.com/office/drawing/2017/decorative" val="1"/>
+                  </a:ext>
+                </a:extLst>
+              </p:cNvPr>
+              <p:cNvSpPr/>
+              <p:nvPr>
+                <p:extLst>
+                  <p:ext uri="{386F3935-93C4-4BCD-93E2-E3B085C9AB24}">
+                    <p16:designElem xmlns:p16="http://schemas.microsoft.com/office/powerpoint/2015/main" val="1"/>
+                  </p:ext>
+                </p:extLst>
+              </p:nvPr>
+            </p:nvSpPr>
+            <p:spPr bwMode="auto">
+              <a:xfrm>
+                <a:off x="223837" y="5041900"/>
+                <a:ext cx="369888" cy="1801813"/>
+              </a:xfrm>
+              <a:custGeom>
+                <a:avLst/>
+                <a:gdLst/>
+                <a:ahLst/>
+                <a:cxnLst/>
+                <a:rect l="0" t="0" r="r" b="b"/>
+                <a:pathLst>
+                  <a:path w="233" h="1135">
+                    <a:moveTo>
+                      <a:pt x="15" y="1135"/>
+                    </a:moveTo>
+                    <a:lnTo>
+                      <a:pt x="0" y="1135"/>
+                    </a:lnTo>
+                    <a:lnTo>
+                      <a:pt x="0" y="515"/>
+                    </a:lnTo>
+                    <a:lnTo>
+                      <a:pt x="0" y="512"/>
+                    </a:lnTo>
+                    <a:lnTo>
+                      <a:pt x="218" y="0"/>
+                    </a:lnTo>
+                    <a:lnTo>
+                      <a:pt x="233" y="6"/>
+                    </a:lnTo>
+                    <a:lnTo>
+                      <a:pt x="15" y="518"/>
+                    </a:lnTo>
+                    <a:lnTo>
+                      <a:pt x="15" y="1135"/>
+                    </a:lnTo>
+                    <a:close/>
+                  </a:path>
+                </a:pathLst>
+              </a:custGeom>
+              <a:grpFill/>
+              <a:ln>
+                <a:noFill/>
+              </a:ln>
+              <a:extLst>
+                <a:ext uri="{91240B29-F687-4f45-9708-019B960494DF}">
+                  <a14:hiddenLine xmlns="" xmlns:a16="http://schemas.microsoft.com/office/drawing/2014/main" xmlns:p14="http://schemas.microsoft.com/office/powerpoint/2010/main" xmlns:a14="http://schemas.microsoft.com/office/drawing/2010/main" w="9525">
+                    <a:solidFill>
+                      <a:srgbClr val="000000"/>
+                    </a:solidFill>
+                    <a:round/>
+                    <a:headEnd/>
+                    <a:tailEnd/>
+                  </a14:hiddenLine>
+                </a:ext>
+              </a:extLst>
+            </p:spPr>
+          </p:sp>
+          <p:sp>
+            <p:nvSpPr>
+              <p:cNvPr id="97" name="Freeform 23">
+                <a:extLst>
+                  <a:ext uri="{FF2B5EF4-FFF2-40B4-BE49-F238E27FC236}">
+                    <a16:creationId xmlns:a16="http://schemas.microsoft.com/office/drawing/2014/main" id="{5684A1F8-0801-4571-A6E8-EC6CC6243022}"/>
+                  </a:ext>
+                  <a:ext uri="{C183D7F6-B498-43B3-948B-1728B52AA6E4}">
+                    <adec:decorative xmlns:adec="http://schemas.microsoft.com/office/drawing/2017/decorative" val="1"/>
+                  </a:ext>
+                </a:extLst>
+              </p:cNvPr>
+              <p:cNvSpPr>
+                <a:spLocks noEditPoints="1"/>
+              </p:cNvSpPr>
+              <p:nvPr>
+                <p:extLst>
+                  <p:ext uri="{386F3935-93C4-4BCD-93E2-E3B085C9AB24}">
+                    <p16:designElem xmlns:p16="http://schemas.microsoft.com/office/powerpoint/2015/main" val="1"/>
+                  </p:ext>
+                </p:extLst>
+              </p:nvPr>
+            </p:nvSpPr>
+            <p:spPr bwMode="auto">
+              <a:xfrm>
+                <a:off x="52387" y="4481513"/>
+                <a:ext cx="190500" cy="190500"/>
+              </a:xfrm>
+              <a:custGeom>
+                <a:avLst/>
+                <a:gdLst/>
+                <a:ahLst/>
+                <a:cxnLst/>
+                <a:rect l="0" t="0" r="r" b="b"/>
+                <a:pathLst>
+                  <a:path w="40" h="40">
+                    <a:moveTo>
+                      <a:pt x="20" y="40"/>
+                    </a:moveTo>
+                    <a:cubicBezTo>
+                      <a:pt x="9" y="40"/>
+                      <a:pt x="0" y="31"/>
+                      <a:pt x="0" y="20"/>
+                    </a:cubicBezTo>
+                    <a:cubicBezTo>
+                      <a:pt x="0" y="9"/>
+                      <a:pt x="9" y="0"/>
+                      <a:pt x="20" y="0"/>
+                    </a:cubicBezTo>
+                    <a:cubicBezTo>
+                      <a:pt x="31" y="0"/>
+                      <a:pt x="40" y="9"/>
+                      <a:pt x="40" y="20"/>
+                    </a:cubicBezTo>
+                    <a:cubicBezTo>
+                      <a:pt x="40" y="31"/>
+                      <a:pt x="31" y="40"/>
+                      <a:pt x="20" y="40"/>
+                    </a:cubicBezTo>
+                    <a:close/>
+                    <a:moveTo>
+                      <a:pt x="20" y="4"/>
+                    </a:moveTo>
+                    <a:cubicBezTo>
+                      <a:pt x="11" y="4"/>
+                      <a:pt x="4" y="11"/>
+                      <a:pt x="4" y="20"/>
+                    </a:cubicBezTo>
+                    <a:cubicBezTo>
+                      <a:pt x="4" y="29"/>
+                      <a:pt x="11" y="36"/>
+                      <a:pt x="20" y="36"/>
+                    </a:cubicBezTo>
+                    <a:cubicBezTo>
+                      <a:pt x="28" y="36"/>
+                      <a:pt x="36" y="29"/>
+                      <a:pt x="36" y="20"/>
+                    </a:cubicBezTo>
+                    <a:cubicBezTo>
+                      <a:pt x="36" y="11"/>
+                      <a:pt x="28" y="4"/>
+                      <a:pt x="20" y="4"/>
+                    </a:cubicBezTo>
+                    <a:close/>
+                  </a:path>
+                </a:pathLst>
+              </a:custGeom>
+              <a:grpFill/>
+              <a:ln>
+                <a:noFill/>
+              </a:ln>
+              <a:extLst>
+                <a:ext uri="{91240B29-F687-4f45-9708-019B960494DF}">
+                  <a14:hiddenLine xmlns="" xmlns:a16="http://schemas.microsoft.com/office/drawing/2014/main" xmlns:p14="http://schemas.microsoft.com/office/powerpoint/2010/main" xmlns:a14="http://schemas.microsoft.com/office/drawing/2010/main" w="9525">
+                    <a:solidFill>
+                      <a:srgbClr val="000000"/>
+                    </a:solidFill>
+                    <a:round/>
+                    <a:headEnd/>
+                    <a:tailEnd/>
+                  </a14:hiddenLine>
+                </a:ext>
+              </a:extLst>
+            </p:spPr>
+          </p:sp>
+          <p:sp>
+            <p:nvSpPr>
+              <p:cNvPr id="98" name="Freeform 24">
+                <a:extLst>
+                  <a:ext uri="{FF2B5EF4-FFF2-40B4-BE49-F238E27FC236}">
+                    <a16:creationId xmlns:a16="http://schemas.microsoft.com/office/drawing/2014/main" id="{912F27C0-79D0-42FB-9A33-CAB6D00F222F}"/>
+                  </a:ext>
+                  <a:ext uri="{C183D7F6-B498-43B3-948B-1728B52AA6E4}">
+                    <adec:decorative xmlns:adec="http://schemas.microsoft.com/office/drawing/2017/decorative" val="1"/>
+                  </a:ext>
+                </a:extLst>
+              </p:cNvPr>
+              <p:cNvSpPr/>
+              <p:nvPr>
+                <p:extLst>
+                  <p:ext uri="{386F3935-93C4-4BCD-93E2-E3B085C9AB24}">
+                    <p16:designElem xmlns:p16="http://schemas.microsoft.com/office/powerpoint/2015/main" val="1"/>
+                  </p:ext>
+                </p:extLst>
+              </p:nvPr>
+            </p:nvSpPr>
+            <p:spPr bwMode="auto">
+              <a:xfrm>
+                <a:off x="-14288" y="5627688"/>
+                <a:ext cx="85725" cy="1216025"/>
+              </a:xfrm>
+              <a:custGeom>
+                <a:avLst/>
+                <a:gdLst/>
+                <a:ahLst/>
+                <a:cxnLst/>
+                <a:rect l="0" t="0" r="r" b="b"/>
+                <a:pathLst>
+                  <a:path w="54" h="766">
+                    <a:moveTo>
+                      <a:pt x="54" y="766"/>
+                    </a:moveTo>
+                    <a:lnTo>
+                      <a:pt x="36" y="766"/>
+                    </a:lnTo>
+                    <a:lnTo>
+                      <a:pt x="36" y="149"/>
+                    </a:lnTo>
+                    <a:lnTo>
+                      <a:pt x="0" y="3"/>
+                    </a:lnTo>
+                    <a:lnTo>
+                      <a:pt x="18" y="0"/>
+                    </a:lnTo>
+                    <a:lnTo>
+                      <a:pt x="54" y="146"/>
+                    </a:lnTo>
+                    <a:lnTo>
+                      <a:pt x="54" y="766"/>
+                    </a:lnTo>
+                    <a:close/>
+                  </a:path>
+                </a:pathLst>
+              </a:custGeom>
+              <a:grpFill/>
+              <a:ln>
+                <a:noFill/>
+              </a:ln>
+              <a:extLst>
+                <a:ext uri="{91240B29-F687-4f45-9708-019B960494DF}">
+                  <a14:hiddenLine xmlns="" xmlns:a16="http://schemas.microsoft.com/office/drawing/2014/main" xmlns:p14="http://schemas.microsoft.com/office/powerpoint/2010/main" xmlns:a14="http://schemas.microsoft.com/office/drawing/2010/main" w="9525">
+                    <a:solidFill>
+                      <a:srgbClr val="000000"/>
+                    </a:solidFill>
+                    <a:round/>
+                    <a:headEnd/>
+                    <a:tailEnd/>
+                  </a14:hiddenLine>
+                </a:ext>
+              </a:extLst>
+            </p:spPr>
+          </p:sp>
+          <p:sp>
+            <p:nvSpPr>
+              <p:cNvPr id="99" name="Freeform 25">
+                <a:extLst>
+                  <a:ext uri="{FF2B5EF4-FFF2-40B4-BE49-F238E27FC236}">
+                    <a16:creationId xmlns:a16="http://schemas.microsoft.com/office/drawing/2014/main" id="{61854A7D-1EFB-41B7-8AAC-70EE606DE4AC}"/>
+                  </a:ext>
+                  <a:ext uri="{C183D7F6-B498-43B3-948B-1728B52AA6E4}">
+                    <adec:decorative xmlns:adec="http://schemas.microsoft.com/office/drawing/2017/decorative" val="1"/>
+                  </a:ext>
+                </a:extLst>
+              </p:cNvPr>
+              <p:cNvSpPr>
+                <a:spLocks noEditPoints="1"/>
+              </p:cNvSpPr>
+              <p:nvPr>
+                <p:extLst>
+                  <p:ext uri="{386F3935-93C4-4BCD-93E2-E3B085C9AB24}">
+                    <p16:designElem xmlns:p16="http://schemas.microsoft.com/office/powerpoint/2015/main" val="1"/>
+                  </p:ext>
+                </p:extLst>
+              </p:nvPr>
+            </p:nvSpPr>
+            <p:spPr bwMode="auto">
+              <a:xfrm>
+                <a:off x="527050" y="4867275"/>
+                <a:ext cx="190500" cy="188913"/>
+              </a:xfrm>
+              <a:custGeom>
+                <a:avLst/>
+                <a:gdLst/>
+                <a:ahLst/>
+                <a:cxnLst/>
+                <a:rect l="0" t="0" r="r" b="b"/>
+                <a:pathLst>
+                  <a:path w="40" h="40">
+                    <a:moveTo>
+                      <a:pt x="20" y="40"/>
+                    </a:moveTo>
+                    <a:cubicBezTo>
+                      <a:pt x="9" y="40"/>
+                      <a:pt x="0" y="31"/>
+                      <a:pt x="0" y="20"/>
+                    </a:cubicBezTo>
+                    <a:cubicBezTo>
+                      <a:pt x="0" y="9"/>
+                      <a:pt x="9" y="0"/>
+                      <a:pt x="20" y="0"/>
+                    </a:cubicBezTo>
+                    <a:cubicBezTo>
+                      <a:pt x="31" y="0"/>
+                      <a:pt x="40" y="9"/>
+                      <a:pt x="40" y="20"/>
+                    </a:cubicBezTo>
+                    <a:cubicBezTo>
+                      <a:pt x="40" y="31"/>
+                      <a:pt x="31" y="40"/>
+                      <a:pt x="20" y="40"/>
+                    </a:cubicBezTo>
+                    <a:close/>
+                    <a:moveTo>
+                      <a:pt x="20" y="4"/>
+                    </a:moveTo>
+                    <a:cubicBezTo>
+                      <a:pt x="11" y="4"/>
+                      <a:pt x="4" y="11"/>
+                      <a:pt x="4" y="20"/>
+                    </a:cubicBezTo>
+                    <a:cubicBezTo>
+                      <a:pt x="4" y="29"/>
+                      <a:pt x="11" y="36"/>
+                      <a:pt x="20" y="36"/>
+                    </a:cubicBezTo>
+                    <a:cubicBezTo>
+                      <a:pt x="29" y="36"/>
+                      <a:pt x="36" y="29"/>
+                      <a:pt x="36" y="20"/>
+                    </a:cubicBezTo>
+                    <a:cubicBezTo>
+                      <a:pt x="36" y="11"/>
+                      <a:pt x="29" y="4"/>
+                      <a:pt x="20" y="4"/>
+                    </a:cubicBezTo>
+                    <a:close/>
+                  </a:path>
+                </a:pathLst>
+              </a:custGeom>
+              <a:grpFill/>
+              <a:ln>
+                <a:noFill/>
+              </a:ln>
+              <a:extLst>
+                <a:ext uri="{91240B29-F687-4f45-9708-019B960494DF}">
+                  <a14:hiddenLine xmlns="" xmlns:a16="http://schemas.microsoft.com/office/drawing/2014/main" xmlns:p14="http://schemas.microsoft.com/office/powerpoint/2010/main" xmlns:a14="http://schemas.microsoft.com/office/drawing/2010/main" w="9525">
+                    <a:solidFill>
+                      <a:srgbClr val="000000"/>
+                    </a:solidFill>
+                    <a:round/>
+                    <a:headEnd/>
+                    <a:tailEnd/>
+                  </a14:hiddenLine>
+                </a:ext>
+              </a:extLst>
+            </p:spPr>
+          </p:sp>
+          <p:sp>
+            <p:nvSpPr>
+              <p:cNvPr id="100" name="Freeform 26">
+                <a:extLst>
+                  <a:ext uri="{FF2B5EF4-FFF2-40B4-BE49-F238E27FC236}">
+                    <a16:creationId xmlns:a16="http://schemas.microsoft.com/office/drawing/2014/main" id="{5E9BF019-6D99-483F-AEE1-594DB370FBBF}"/>
+                  </a:ext>
+                  <a:ext uri="{C183D7F6-B498-43B3-948B-1728B52AA6E4}">
+                    <adec:decorative xmlns:adec="http://schemas.microsoft.com/office/drawing/2017/decorative" val="1"/>
+                  </a:ext>
+                </a:extLst>
+              </p:cNvPr>
+              <p:cNvSpPr/>
+              <p:nvPr>
+                <p:extLst>
+                  <p:ext uri="{386F3935-93C4-4BCD-93E2-E3B085C9AB24}">
+                    <p16:designElem xmlns:p16="http://schemas.microsoft.com/office/powerpoint/2015/main" val="1"/>
+                  </p:ext>
+                </p:extLst>
+              </p:nvPr>
+            </p:nvSpPr>
+            <p:spPr bwMode="auto">
+              <a:xfrm>
+                <a:off x="309562" y="5422900"/>
+                <a:ext cx="374650" cy="1425575"/>
+              </a:xfrm>
+              <a:custGeom>
+                <a:avLst/>
+                <a:gdLst/>
+                <a:ahLst/>
+                <a:cxnLst/>
+                <a:rect l="0" t="0" r="r" b="b"/>
+                <a:pathLst>
+                  <a:path w="236" h="898">
+                    <a:moveTo>
+                      <a:pt x="18" y="898"/>
+                    </a:moveTo>
+                    <a:lnTo>
+                      <a:pt x="0" y="898"/>
+                    </a:lnTo>
+                    <a:lnTo>
+                      <a:pt x="0" y="515"/>
+                    </a:lnTo>
+                    <a:lnTo>
+                      <a:pt x="3" y="512"/>
+                    </a:lnTo>
+                    <a:lnTo>
+                      <a:pt x="221" y="0"/>
+                    </a:lnTo>
+                    <a:lnTo>
+                      <a:pt x="236" y="6"/>
+                    </a:lnTo>
+                    <a:lnTo>
+                      <a:pt x="18" y="518"/>
+                    </a:lnTo>
+                    <a:lnTo>
+                      <a:pt x="18" y="898"/>
+                    </a:lnTo>
+                    <a:close/>
+                  </a:path>
+                </a:pathLst>
+              </a:custGeom>
+              <a:grpFill/>
+              <a:ln>
+                <a:noFill/>
+              </a:ln>
+              <a:extLst>
+                <a:ext uri="{91240B29-F687-4f45-9708-019B960494DF}">
+                  <a14:hiddenLine xmlns="" xmlns:a16="http://schemas.microsoft.com/office/drawing/2014/main" xmlns:p14="http://schemas.microsoft.com/office/powerpoint/2010/main" xmlns:a14="http://schemas.microsoft.com/office/drawing/2010/main" w="9525">
+                    <a:solidFill>
+                      <a:srgbClr val="000000"/>
+                    </a:solidFill>
+                    <a:round/>
+                    <a:headEnd/>
+                    <a:tailEnd/>
+                  </a14:hiddenLine>
+                </a:ext>
+              </a:extLst>
+            </p:spPr>
+          </p:sp>
+          <p:sp>
+            <p:nvSpPr>
+              <p:cNvPr id="101" name="Freeform 27">
+                <a:extLst>
+                  <a:ext uri="{FF2B5EF4-FFF2-40B4-BE49-F238E27FC236}">
+                    <a16:creationId xmlns:a16="http://schemas.microsoft.com/office/drawing/2014/main" id="{9646D587-CE1E-4EC6-A5D0-378640D41742}"/>
+                  </a:ext>
+                  <a:ext uri="{C183D7F6-B498-43B3-948B-1728B52AA6E4}">
+                    <adec:decorative xmlns:adec="http://schemas.microsoft.com/office/drawing/2017/decorative" val="1"/>
+                  </a:ext>
+                </a:extLst>
+              </p:cNvPr>
+              <p:cNvSpPr/>
+              <p:nvPr>
+                <p:extLst>
+                  <p:ext uri="{386F3935-93C4-4BCD-93E2-E3B085C9AB24}">
+                    <p16:designElem xmlns:p16="http://schemas.microsoft.com/office/powerpoint/2015/main" val="1"/>
+                  </p:ext>
+                </p:extLst>
+              </p:nvPr>
+            </p:nvSpPr>
+            <p:spPr bwMode="auto">
+              <a:xfrm>
+                <a:off x="569912" y="5945188"/>
+                <a:ext cx="152400" cy="912813"/>
+              </a:xfrm>
+              <a:custGeom>
+                <a:avLst/>
+                <a:gdLst/>
+                <a:ahLst/>
+                <a:cxnLst/>
+                <a:rect l="0" t="0" r="r" b="b"/>
+                <a:pathLst>
+                  <a:path w="96" h="575">
+                    <a:moveTo>
+                      <a:pt x="15" y="575"/>
+                    </a:moveTo>
+                    <a:lnTo>
+                      <a:pt x="0" y="569"/>
+                    </a:lnTo>
+                    <a:lnTo>
+                      <a:pt x="81" y="383"/>
+                    </a:lnTo>
+                    <a:lnTo>
+                      <a:pt x="81" y="0"/>
+                    </a:lnTo>
+                    <a:lnTo>
+                      <a:pt x="96" y="0"/>
+                    </a:lnTo>
+                    <a:lnTo>
+                      <a:pt x="96" y="386"/>
+                    </a:lnTo>
+                    <a:lnTo>
+                      <a:pt x="15" y="575"/>
+                    </a:lnTo>
+                    <a:close/>
+                  </a:path>
+                </a:pathLst>
+              </a:custGeom>
+              <a:grpFill/>
+              <a:ln>
+                <a:noFill/>
+              </a:ln>
+              <a:extLst>
+                <a:ext uri="{91240B29-F687-4f45-9708-019B960494DF}">
+                  <a14:hiddenLine xmlns="" xmlns:a16="http://schemas.microsoft.com/office/drawing/2014/main" xmlns:p14="http://schemas.microsoft.com/office/powerpoint/2010/main" xmlns:a14="http://schemas.microsoft.com/office/drawing/2010/main" w="9525">
+                    <a:solidFill>
+                      <a:srgbClr val="000000"/>
+                    </a:solidFill>
+                    <a:round/>
+                    <a:headEnd/>
+                    <a:tailEnd/>
+                  </a14:hiddenLine>
+                </a:ext>
+              </a:extLst>
+            </p:spPr>
+          </p:sp>
+          <p:sp>
+            <p:nvSpPr>
+              <p:cNvPr id="102" name="Freeform 28">
+                <a:extLst>
+                  <a:ext uri="{FF2B5EF4-FFF2-40B4-BE49-F238E27FC236}">
+                    <a16:creationId xmlns:a16="http://schemas.microsoft.com/office/drawing/2014/main" id="{08F8625D-C0C5-4339-B50D-FFAE6CE2CFFB}"/>
+                  </a:ext>
+                  <a:ext uri="{C183D7F6-B498-43B3-948B-1728B52AA6E4}">
+                    <adec:decorative xmlns:adec="http://schemas.microsoft.com/office/drawing/2017/decorative" val="1"/>
+                  </a:ext>
+                </a:extLst>
+              </p:cNvPr>
+              <p:cNvSpPr>
+                <a:spLocks noEditPoints="1"/>
+              </p:cNvSpPr>
+              <p:nvPr>
+                <p:extLst>
+                  <p:ext uri="{386F3935-93C4-4BCD-93E2-E3B085C9AB24}">
+                    <p16:designElem xmlns:p16="http://schemas.microsoft.com/office/powerpoint/2015/main" val="1"/>
+                  </p:ext>
+                </p:extLst>
+              </p:nvPr>
+            </p:nvSpPr>
+            <p:spPr bwMode="auto">
+              <a:xfrm>
+                <a:off x="612775" y="5246688"/>
+                <a:ext cx="190500" cy="190500"/>
+              </a:xfrm>
+              <a:custGeom>
+                <a:avLst/>
+                <a:gdLst/>
+                <a:ahLst/>
+                <a:cxnLst/>
+                <a:rect l="0" t="0" r="r" b="b"/>
+                <a:pathLst>
+                  <a:path w="40" h="40">
+                    <a:moveTo>
+                      <a:pt x="20" y="40"/>
+                    </a:moveTo>
+                    <a:cubicBezTo>
+                      <a:pt x="9" y="40"/>
+                      <a:pt x="0" y="31"/>
+                      <a:pt x="0" y="20"/>
+                    </a:cubicBezTo>
+                    <a:cubicBezTo>
+                      <a:pt x="0" y="9"/>
+                      <a:pt x="9" y="0"/>
+                      <a:pt x="20" y="0"/>
+                    </a:cubicBezTo>
+                    <a:cubicBezTo>
+                      <a:pt x="31" y="0"/>
+                      <a:pt x="40" y="9"/>
+                      <a:pt x="40" y="20"/>
+                    </a:cubicBezTo>
+                    <a:cubicBezTo>
+                      <a:pt x="40" y="31"/>
+                      <a:pt x="31" y="40"/>
+                      <a:pt x="20" y="40"/>
+                    </a:cubicBezTo>
+                    <a:close/>
+                    <a:moveTo>
+                      <a:pt x="20" y="4"/>
+                    </a:moveTo>
+                    <a:cubicBezTo>
+                      <a:pt x="12" y="4"/>
+                      <a:pt x="4" y="11"/>
+                      <a:pt x="4" y="20"/>
+                    </a:cubicBezTo>
+                    <a:cubicBezTo>
+                      <a:pt x="4" y="29"/>
+                      <a:pt x="12" y="36"/>
+                      <a:pt x="20" y="36"/>
+                    </a:cubicBezTo>
+                    <a:cubicBezTo>
+                      <a:pt x="29" y="36"/>
+                      <a:pt x="36" y="29"/>
+                      <a:pt x="36" y="20"/>
+                    </a:cubicBezTo>
+                    <a:cubicBezTo>
+                      <a:pt x="36" y="11"/>
+                      <a:pt x="29" y="4"/>
+                      <a:pt x="20" y="4"/>
+                    </a:cubicBezTo>
+                    <a:close/>
+                  </a:path>
+                </a:pathLst>
+              </a:custGeom>
+              <a:grpFill/>
+              <a:ln>
+                <a:noFill/>
+              </a:ln>
+              <a:extLst>
+                <a:ext uri="{91240B29-F687-4f45-9708-019B960494DF}">
+                  <a14:hiddenLine xmlns="" xmlns:a16="http://schemas.microsoft.com/office/drawing/2014/main" xmlns:p14="http://schemas.microsoft.com/office/powerpoint/2010/main" xmlns:a14="http://schemas.microsoft.com/office/drawing/2010/main" w="9525">
+                    <a:solidFill>
+                      <a:srgbClr val="000000"/>
+                    </a:solidFill>
+                    <a:round/>
+                    <a:headEnd/>
+                    <a:tailEnd/>
+                  </a14:hiddenLine>
+                </a:ext>
+              </a:extLst>
+            </p:spPr>
+          </p:sp>
+          <p:sp>
+            <p:nvSpPr>
+              <p:cNvPr id="103" name="Freeform 29">
+                <a:extLst>
+                  <a:ext uri="{FF2B5EF4-FFF2-40B4-BE49-F238E27FC236}">
+                    <a16:creationId xmlns:a16="http://schemas.microsoft.com/office/drawing/2014/main" id="{912A8E3A-FFFE-4C61-8469-1385C1AE493C}"/>
+                  </a:ext>
+                  <a:ext uri="{C183D7F6-B498-43B3-948B-1728B52AA6E4}">
+                    <adec:decorative xmlns:adec="http://schemas.microsoft.com/office/drawing/2017/decorative" val="1"/>
+                  </a:ext>
+                </a:extLst>
+              </p:cNvPr>
+              <p:cNvSpPr>
+                <a:spLocks noEditPoints="1"/>
+              </p:cNvSpPr>
+              <p:nvPr>
+                <p:extLst>
+                  <p:ext uri="{386F3935-93C4-4BCD-93E2-E3B085C9AB24}">
+                    <p16:designElem xmlns:p16="http://schemas.microsoft.com/office/powerpoint/2015/main" val="1"/>
+                  </p:ext>
+                </p:extLst>
+              </p:nvPr>
+            </p:nvSpPr>
+            <p:spPr bwMode="auto">
+              <a:xfrm>
+                <a:off x="612775" y="5764213"/>
+                <a:ext cx="190500" cy="190500"/>
+              </a:xfrm>
+              <a:custGeom>
+                <a:avLst/>
+                <a:gdLst/>
+                <a:ahLst/>
+                <a:cxnLst/>
+                <a:rect l="0" t="0" r="r" b="b"/>
+                <a:pathLst>
+                  <a:path w="40" h="40">
+                    <a:moveTo>
+                      <a:pt x="20" y="40"/>
+                    </a:moveTo>
+                    <a:cubicBezTo>
+                      <a:pt x="9" y="40"/>
+                      <a:pt x="0" y="31"/>
+                      <a:pt x="0" y="20"/>
+                    </a:cubicBezTo>
+                    <a:cubicBezTo>
+                      <a:pt x="0" y="9"/>
+                      <a:pt x="9" y="0"/>
+                      <a:pt x="20" y="0"/>
+                    </a:cubicBezTo>
+                    <a:cubicBezTo>
+                      <a:pt x="31" y="0"/>
+                      <a:pt x="40" y="9"/>
+                      <a:pt x="40" y="20"/>
+                    </a:cubicBezTo>
+                    <a:cubicBezTo>
+                      <a:pt x="40" y="31"/>
+                      <a:pt x="31" y="40"/>
+                      <a:pt x="20" y="40"/>
+                    </a:cubicBezTo>
+                    <a:close/>
+                    <a:moveTo>
+                      <a:pt x="20" y="4"/>
+                    </a:moveTo>
+                    <a:cubicBezTo>
+                      <a:pt x="12" y="4"/>
+                      <a:pt x="4" y="11"/>
+                      <a:pt x="4" y="20"/>
+                    </a:cubicBezTo>
+                    <a:cubicBezTo>
+                      <a:pt x="4" y="29"/>
+                      <a:pt x="12" y="36"/>
+                      <a:pt x="20" y="36"/>
+                    </a:cubicBezTo>
+                    <a:cubicBezTo>
+                      <a:pt x="29" y="36"/>
+                      <a:pt x="36" y="29"/>
+                      <a:pt x="36" y="20"/>
+                    </a:cubicBezTo>
+                    <a:cubicBezTo>
+                      <a:pt x="36" y="11"/>
+                      <a:pt x="29" y="4"/>
+                      <a:pt x="20" y="4"/>
+                    </a:cubicBezTo>
+                    <a:close/>
+                  </a:path>
+                </a:pathLst>
+              </a:custGeom>
+              <a:grpFill/>
+              <a:ln>
+                <a:noFill/>
+              </a:ln>
+              <a:extLst>
+                <a:ext uri="{91240B29-F687-4f45-9708-019B960494DF}">
+                  <a14:hiddenLine xmlns="" xmlns:a16="http://schemas.microsoft.com/office/drawing/2014/main" xmlns:p14="http://schemas.microsoft.com/office/powerpoint/2010/main" xmlns:a14="http://schemas.microsoft.com/office/drawing/2010/main" w="9525">
+                    <a:solidFill>
+                      <a:srgbClr val="000000"/>
+                    </a:solidFill>
+                    <a:round/>
+                    <a:headEnd/>
+                    <a:tailEnd/>
+                  </a14:hiddenLine>
+                </a:ext>
+              </a:extLst>
+            </p:spPr>
+          </p:sp>
+          <p:sp>
+            <p:nvSpPr>
+              <p:cNvPr id="104" name="Freeform 30">
+                <a:extLst>
+                  <a:ext uri="{FF2B5EF4-FFF2-40B4-BE49-F238E27FC236}">
+                    <a16:creationId xmlns:a16="http://schemas.microsoft.com/office/drawing/2014/main" id="{FE2886B6-6F3E-4023-9D27-DA5C4196301E}"/>
+                  </a:ext>
+                  <a:ext uri="{C183D7F6-B498-43B3-948B-1728B52AA6E4}">
+                    <adec:decorative xmlns:adec="http://schemas.microsoft.com/office/drawing/2017/decorative" val="1"/>
+                  </a:ext>
+                </a:extLst>
+              </p:cNvPr>
+              <p:cNvSpPr/>
+              <p:nvPr>
+                <p:extLst>
+                  <p:ext uri="{386F3935-93C4-4BCD-93E2-E3B085C9AB24}">
+                    <p16:designElem xmlns:p16="http://schemas.microsoft.com/office/powerpoint/2015/main" val="1"/>
+                  </p:ext>
+                </p:extLst>
+              </p:nvPr>
+            </p:nvSpPr>
+            <p:spPr bwMode="auto">
+              <a:xfrm>
+                <a:off x="669925" y="6330950"/>
+                <a:ext cx="417513" cy="517525"/>
+              </a:xfrm>
+              <a:custGeom>
+                <a:avLst/>
+                <a:gdLst/>
+                <a:ahLst/>
+                <a:cxnLst/>
+                <a:rect l="0" t="0" r="r" b="b"/>
+                <a:pathLst>
+                  <a:path w="263" h="326">
+                    <a:moveTo>
+                      <a:pt x="15" y="326"/>
+                    </a:moveTo>
+                    <a:lnTo>
+                      <a:pt x="0" y="320"/>
+                    </a:lnTo>
+                    <a:lnTo>
+                      <a:pt x="45" y="206"/>
+                    </a:lnTo>
+                    <a:lnTo>
+                      <a:pt x="48" y="206"/>
+                    </a:lnTo>
+                    <a:lnTo>
+                      <a:pt x="254" y="0"/>
+                    </a:lnTo>
+                    <a:lnTo>
+                      <a:pt x="263" y="12"/>
+                    </a:lnTo>
+                    <a:lnTo>
+                      <a:pt x="60" y="215"/>
+                    </a:lnTo>
+                    <a:lnTo>
+                      <a:pt x="15" y="326"/>
+                    </a:lnTo>
+                    <a:close/>
+                  </a:path>
+                </a:pathLst>
+              </a:custGeom>
+              <a:grpFill/>
+              <a:ln>
+                <a:noFill/>
+              </a:ln>
+              <a:extLst>
+                <a:ext uri="{91240B29-F687-4f45-9708-019B960494DF}">
+                  <a14:hiddenLine xmlns="" xmlns:a16="http://schemas.microsoft.com/office/drawing/2014/main" xmlns:p14="http://schemas.microsoft.com/office/powerpoint/2010/main" xmlns:a14="http://schemas.microsoft.com/office/drawing/2010/main" w="9525">
+                    <a:solidFill>
+                      <a:srgbClr val="000000"/>
+                    </a:solidFill>
+                    <a:round/>
+                    <a:headEnd/>
+                    <a:tailEnd/>
+                  </a14:hiddenLine>
+                </a:ext>
+              </a:extLst>
+            </p:spPr>
+          </p:sp>
+          <p:sp>
+            <p:nvSpPr>
+              <p:cNvPr id="105" name="Freeform 31">
+                <a:extLst>
+                  <a:ext uri="{FF2B5EF4-FFF2-40B4-BE49-F238E27FC236}">
+                    <a16:creationId xmlns:a16="http://schemas.microsoft.com/office/drawing/2014/main" id="{BD1E0D1F-BC15-4A4E-8137-67CBC2067825}"/>
+                  </a:ext>
+                  <a:ext uri="{C183D7F6-B498-43B3-948B-1728B52AA6E4}">
+                    <adec:decorative xmlns:adec="http://schemas.microsoft.com/office/drawing/2017/decorative" val="1"/>
+                  </a:ext>
+                </a:extLst>
+              </p:cNvPr>
+              <p:cNvSpPr>
+                <a:spLocks noEditPoints="1"/>
+              </p:cNvSpPr>
+              <p:nvPr>
+                <p:extLst>
+                  <p:ext uri="{386F3935-93C4-4BCD-93E2-E3B085C9AB24}">
+                    <p16:designElem xmlns:p16="http://schemas.microsoft.com/office/powerpoint/2015/main" val="1"/>
+                  </p:ext>
+                </p:extLst>
+              </p:nvPr>
+            </p:nvSpPr>
+            <p:spPr bwMode="auto">
+              <a:xfrm>
+                <a:off x="1049337" y="6221413"/>
+                <a:ext cx="157163" cy="147638"/>
+              </a:xfrm>
+              <a:custGeom>
+                <a:avLst/>
+                <a:gdLst/>
+                <a:ahLst/>
+                <a:cxnLst/>
+                <a:rect l="0" t="0" r="r" b="b"/>
+                <a:pathLst>
+                  <a:path w="33" h="31">
+                    <a:moveTo>
+                      <a:pt x="16" y="31"/>
+                    </a:moveTo>
+                    <a:cubicBezTo>
+                      <a:pt x="12" y="31"/>
+                      <a:pt x="8" y="29"/>
+                      <a:pt x="5" y="26"/>
+                    </a:cubicBezTo>
+                    <a:cubicBezTo>
+                      <a:pt x="2" y="24"/>
+                      <a:pt x="0" y="20"/>
+                      <a:pt x="0" y="15"/>
+                    </a:cubicBezTo>
+                    <a:cubicBezTo>
+                      <a:pt x="0" y="11"/>
+                      <a:pt x="2" y="7"/>
+                      <a:pt x="5" y="4"/>
+                    </a:cubicBezTo>
+                    <a:cubicBezTo>
+                      <a:pt x="8" y="1"/>
+                      <a:pt x="12" y="0"/>
+                      <a:pt x="16" y="0"/>
+                    </a:cubicBezTo>
+                    <a:cubicBezTo>
+                      <a:pt x="20" y="0"/>
+                      <a:pt x="24" y="1"/>
+                      <a:pt x="27" y="4"/>
+                    </a:cubicBezTo>
+                    <a:cubicBezTo>
+                      <a:pt x="33" y="10"/>
+                      <a:pt x="33" y="20"/>
+                      <a:pt x="27" y="26"/>
+                    </a:cubicBezTo>
+                    <a:cubicBezTo>
+                      <a:pt x="24" y="29"/>
+                      <a:pt x="20" y="31"/>
+                      <a:pt x="16" y="31"/>
+                    </a:cubicBezTo>
+                    <a:close/>
+                    <a:moveTo>
+                      <a:pt x="16" y="4"/>
+                    </a:moveTo>
+                    <a:cubicBezTo>
+                      <a:pt x="13" y="4"/>
+                      <a:pt x="10" y="5"/>
+                      <a:pt x="8" y="7"/>
+                    </a:cubicBezTo>
+                    <a:cubicBezTo>
+                      <a:pt x="6" y="9"/>
+                      <a:pt x="4" y="12"/>
+                      <a:pt x="4" y="15"/>
+                    </a:cubicBezTo>
+                    <a:cubicBezTo>
+                      <a:pt x="4" y="19"/>
+                      <a:pt x="6" y="21"/>
+                      <a:pt x="8" y="24"/>
+                    </a:cubicBezTo>
+                    <a:cubicBezTo>
+                      <a:pt x="10" y="26"/>
+                      <a:pt x="13" y="27"/>
+                      <a:pt x="16" y="27"/>
+                    </a:cubicBezTo>
+                    <a:cubicBezTo>
+                      <a:pt x="19" y="27"/>
+                      <a:pt x="22" y="26"/>
+                      <a:pt x="24" y="24"/>
+                    </a:cubicBezTo>
+                    <a:cubicBezTo>
+                      <a:pt x="29" y="19"/>
+                      <a:pt x="29" y="12"/>
+                      <a:pt x="24" y="7"/>
+                    </a:cubicBezTo>
+                    <a:cubicBezTo>
+                      <a:pt x="22" y="5"/>
+                      <a:pt x="19" y="4"/>
+                      <a:pt x="16" y="4"/>
+                    </a:cubicBezTo>
+                    <a:close/>
+                  </a:path>
+                </a:pathLst>
+              </a:custGeom>
+              <a:grpFill/>
+              <a:ln>
+                <a:noFill/>
+              </a:ln>
+              <a:extLst>
+                <a:ext uri="{91240B29-F687-4f45-9708-019B960494DF}">
+                  <a14:hiddenLine xmlns="" xmlns:a16="http://schemas.microsoft.com/office/drawing/2014/main" xmlns:p14="http://schemas.microsoft.com/office/powerpoint/2010/main" xmlns:a14="http://schemas.microsoft.com/office/drawing/2010/main" w="9525">
+                    <a:solidFill>
+                      <a:srgbClr val="000000"/>
+                    </a:solidFill>
+                    <a:round/>
+                    <a:headEnd/>
+                    <a:tailEnd/>
+                  </a14:hiddenLine>
+                </a:ext>
+              </a:extLst>
+            </p:spPr>
+          </p:sp>
+        </p:grpSp>
+        <p:grpSp>
+          <p:nvGrpSpPr>
+            <p:cNvPr id="68" name="Group 67">
+              <a:extLst>
+                <a:ext uri="{FF2B5EF4-FFF2-40B4-BE49-F238E27FC236}">
+                  <a16:creationId xmlns:a16="http://schemas.microsoft.com/office/drawing/2014/main" id="{A520E0D8-A6B7-47F3-B4F2-632B5C919E87}"/>
+                </a:ext>
+                <a:ext uri="{C183D7F6-B498-43B3-948B-1728B52AA6E4}">
+                  <adec:decorative xmlns:adec="http://schemas.microsoft.com/office/drawing/2017/decorative" val="1"/>
+                </a:ext>
+              </a:extLst>
+            </p:cNvPr>
+            <p:cNvGrpSpPr/>
+            <p:nvPr>
+              <p:extLst>
+                <p:ext uri="{386F3935-93C4-4BCD-93E2-E3B085C9AB24}">
+                  <p16:designElem xmlns:p16="http://schemas.microsoft.com/office/powerpoint/2015/main" val="1"/>
+                </p:ext>
+              </p:extLst>
+            </p:nvPr>
+          </p:nvGrpSpPr>
+          <p:grpSpPr>
+            <a:xfrm>
+              <a:off x="11364912" y="0"/>
+              <a:ext cx="674688" cy="6848476"/>
+              <a:chOff x="11364912" y="0"/>
+              <a:chExt cx="674688" cy="6848476"/>
+            </a:xfrm>
+            <a:gradFill flip="none" rotWithShape="1">
+              <a:gsLst>
+                <a:gs pos="0">
+                  <a:schemeClr val="tx2">
+                    <a:alpha val="80000"/>
+                  </a:schemeClr>
+                </a:gs>
+                <a:gs pos="100000">
+                  <a:schemeClr val="bg2">
+                    <a:lumMod val="60000"/>
+                    <a:lumOff val="40000"/>
+                    <a:alpha val="60000"/>
+                  </a:schemeClr>
+                </a:gs>
+              </a:gsLst>
+              <a:lin ang="5400000" scaled="0"/>
+              <a:tileRect/>
+            </a:gradFill>
+          </p:grpSpPr>
+          <p:sp>
+            <p:nvSpPr>
+              <p:cNvPr id="69" name="Freeform 32">
+                <a:extLst>
+                  <a:ext uri="{FF2B5EF4-FFF2-40B4-BE49-F238E27FC236}">
+                    <a16:creationId xmlns:a16="http://schemas.microsoft.com/office/drawing/2014/main" id="{4E35229F-7E0C-45D5-8488-F55AEAB140A4}"/>
+                  </a:ext>
+                  <a:ext uri="{C183D7F6-B498-43B3-948B-1728B52AA6E4}">
+                    <adec:decorative xmlns:adec="http://schemas.microsoft.com/office/drawing/2017/decorative" val="1"/>
+                  </a:ext>
+                </a:extLst>
+              </p:cNvPr>
+              <p:cNvSpPr/>
+              <p:nvPr>
+                <p:extLst>
+                  <p:ext uri="{386F3935-93C4-4BCD-93E2-E3B085C9AB24}">
+                    <p16:designElem xmlns:p16="http://schemas.microsoft.com/office/powerpoint/2015/main" val="1"/>
+                  </p:ext>
+                </p:extLst>
+              </p:nvPr>
+            </p:nvSpPr>
+            <p:spPr bwMode="auto">
+              <a:xfrm>
+                <a:off x="11483975" y="0"/>
+                <a:ext cx="417513" cy="512763"/>
+              </a:xfrm>
+              <a:custGeom>
+                <a:avLst/>
+                <a:gdLst/>
+                <a:ahLst/>
+                <a:cxnLst/>
+                <a:rect l="0" t="0" r="r" b="b"/>
+                <a:pathLst>
+                  <a:path w="263" h="323">
+                    <a:moveTo>
+                      <a:pt x="12" y="323"/>
+                    </a:moveTo>
+                    <a:lnTo>
+                      <a:pt x="0" y="314"/>
+                    </a:lnTo>
+                    <a:lnTo>
+                      <a:pt x="203" y="108"/>
+                    </a:lnTo>
+                    <a:lnTo>
+                      <a:pt x="248" y="0"/>
+                    </a:lnTo>
+                    <a:lnTo>
+                      <a:pt x="263" y="6"/>
+                    </a:lnTo>
+                    <a:lnTo>
+                      <a:pt x="218" y="117"/>
+                    </a:lnTo>
+                    <a:lnTo>
+                      <a:pt x="218" y="117"/>
+                    </a:lnTo>
+                    <a:lnTo>
+                      <a:pt x="12" y="323"/>
+                    </a:lnTo>
+                    <a:close/>
+                  </a:path>
+                </a:pathLst>
+              </a:custGeom>
+              <a:grpFill/>
+              <a:ln>
+                <a:noFill/>
+              </a:ln>
+              <a:extLst>
+                <a:ext uri="{91240B29-F687-4f45-9708-019B960494DF}">
+                  <a14:hiddenLine xmlns="" xmlns:a16="http://schemas.microsoft.com/office/drawing/2014/main" xmlns:p14="http://schemas.microsoft.com/office/powerpoint/2010/main" xmlns:a14="http://schemas.microsoft.com/office/drawing/2010/main" w="9525">
+                    <a:solidFill>
+                      <a:srgbClr val="000000"/>
+                    </a:solidFill>
+                    <a:round/>
+                    <a:headEnd/>
+                    <a:tailEnd/>
+                  </a14:hiddenLine>
+                </a:ext>
+              </a:extLst>
+            </p:spPr>
+          </p:sp>
+          <p:sp>
+            <p:nvSpPr>
+              <p:cNvPr id="70" name="Freeform 33">
+                <a:extLst>
+                  <a:ext uri="{FF2B5EF4-FFF2-40B4-BE49-F238E27FC236}">
+                    <a16:creationId xmlns:a16="http://schemas.microsoft.com/office/drawing/2014/main" id="{3D4F504E-4016-466E-9574-80F7203C15AF}"/>
+                  </a:ext>
+                  <a:ext uri="{C183D7F6-B498-43B3-948B-1728B52AA6E4}">
+                    <adec:decorative xmlns:adec="http://schemas.microsoft.com/office/drawing/2017/decorative" val="1"/>
+                  </a:ext>
+                </a:extLst>
+              </p:cNvPr>
+              <p:cNvSpPr>
+                <a:spLocks noEditPoints="1"/>
+              </p:cNvSpPr>
+              <p:nvPr>
+                <p:extLst>
+                  <p:ext uri="{386F3935-93C4-4BCD-93E2-E3B085C9AB24}">
+                    <p16:designElem xmlns:p16="http://schemas.microsoft.com/office/powerpoint/2015/main" val="1"/>
+                  </p:ext>
+                </p:extLst>
+              </p:nvPr>
+            </p:nvSpPr>
+            <p:spPr bwMode="auto">
+              <a:xfrm>
+                <a:off x="11364912" y="474663"/>
+                <a:ext cx="157163" cy="152400"/>
+              </a:xfrm>
+              <a:custGeom>
+                <a:avLst/>
+                <a:gdLst/>
+                <a:ahLst/>
+                <a:cxnLst/>
+                <a:rect l="0" t="0" r="r" b="b"/>
+                <a:pathLst>
+                  <a:path w="33" h="32">
+                    <a:moveTo>
+                      <a:pt x="17" y="32"/>
+                    </a:moveTo>
+                    <a:cubicBezTo>
+                      <a:pt x="13" y="32"/>
+                      <a:pt x="9" y="30"/>
+                      <a:pt x="6" y="27"/>
+                    </a:cubicBezTo>
+                    <a:cubicBezTo>
+                      <a:pt x="0" y="21"/>
+                      <a:pt x="0" y="11"/>
+                      <a:pt x="6" y="5"/>
+                    </a:cubicBezTo>
+                    <a:cubicBezTo>
+                      <a:pt x="9" y="2"/>
+                      <a:pt x="13" y="0"/>
+                      <a:pt x="17" y="0"/>
+                    </a:cubicBezTo>
+                    <a:cubicBezTo>
+                      <a:pt x="21" y="0"/>
+                      <a:pt x="25" y="2"/>
+                      <a:pt x="28" y="5"/>
+                    </a:cubicBezTo>
+                    <a:cubicBezTo>
+                      <a:pt x="31" y="8"/>
+                      <a:pt x="33" y="12"/>
+                      <a:pt x="33" y="16"/>
+                    </a:cubicBezTo>
+                    <a:cubicBezTo>
+                      <a:pt x="33" y="20"/>
+                      <a:pt x="31" y="24"/>
+                      <a:pt x="28" y="27"/>
+                    </a:cubicBezTo>
+                    <a:cubicBezTo>
+                      <a:pt x="25" y="30"/>
+                      <a:pt x="21" y="32"/>
+                      <a:pt x="17" y="32"/>
+                    </a:cubicBezTo>
+                    <a:close/>
+                    <a:moveTo>
+                      <a:pt x="17" y="4"/>
+                    </a:moveTo>
+                    <a:cubicBezTo>
+                      <a:pt x="14" y="4"/>
+                      <a:pt x="11" y="6"/>
+                      <a:pt x="9" y="8"/>
+                    </a:cubicBezTo>
+                    <a:cubicBezTo>
+                      <a:pt x="4" y="12"/>
+                      <a:pt x="4" y="20"/>
+                      <a:pt x="9" y="24"/>
+                    </a:cubicBezTo>
+                    <a:cubicBezTo>
+                      <a:pt x="11" y="27"/>
+                      <a:pt x="14" y="28"/>
+                      <a:pt x="17" y="28"/>
+                    </a:cubicBezTo>
+                    <a:cubicBezTo>
+                      <a:pt x="20" y="28"/>
+                      <a:pt x="23" y="27"/>
+                      <a:pt x="26" y="24"/>
+                    </a:cubicBezTo>
+                    <a:cubicBezTo>
+                      <a:pt x="30" y="20"/>
+                      <a:pt x="30" y="12"/>
+                      <a:pt x="26" y="8"/>
+                    </a:cubicBezTo>
+                    <a:cubicBezTo>
+                      <a:pt x="23" y="6"/>
+                      <a:pt x="20" y="4"/>
+                      <a:pt x="17" y="4"/>
+                    </a:cubicBezTo>
+                    <a:close/>
+                  </a:path>
+                </a:pathLst>
+              </a:custGeom>
+              <a:grpFill/>
+              <a:ln>
+                <a:noFill/>
+              </a:ln>
+              <a:extLst>
+                <a:ext uri="{91240B29-F687-4f45-9708-019B960494DF}">
+                  <a14:hiddenLine xmlns="" xmlns:a16="http://schemas.microsoft.com/office/drawing/2014/main" xmlns:p14="http://schemas.microsoft.com/office/powerpoint/2010/main" xmlns:a14="http://schemas.microsoft.com/office/drawing/2010/main" w="9525">
+                    <a:solidFill>
+                      <a:srgbClr val="000000"/>
+                    </a:solidFill>
+                    <a:round/>
+                    <a:headEnd/>
+                    <a:tailEnd/>
+                  </a14:hiddenLine>
+                </a:ext>
+              </a:extLst>
+            </p:spPr>
+          </p:sp>
+          <p:sp>
+            <p:nvSpPr>
+              <p:cNvPr id="71" name="Freeform 34">
+                <a:extLst>
+                  <a:ext uri="{FF2B5EF4-FFF2-40B4-BE49-F238E27FC236}">
+                    <a16:creationId xmlns:a16="http://schemas.microsoft.com/office/drawing/2014/main" id="{FEB4771B-2D31-49EF-BFD7-15E6B70EE02C}"/>
+                  </a:ext>
+                  <a:ext uri="{C183D7F6-B498-43B3-948B-1728B52AA6E4}">
+                    <adec:decorative xmlns:adec="http://schemas.microsoft.com/office/drawing/2017/decorative" val="1"/>
+                  </a:ext>
+                </a:extLst>
+              </p:cNvPr>
+              <p:cNvSpPr>
+                <a:spLocks noEditPoints="1"/>
+              </p:cNvSpPr>
+              <p:nvPr>
+                <p:extLst>
+                  <p:ext uri="{386F3935-93C4-4BCD-93E2-E3B085C9AB24}">
+                    <p16:designElem xmlns:p16="http://schemas.microsoft.com/office/powerpoint/2015/main" val="1"/>
+                  </p:ext>
+                </p:extLst>
+              </p:nvPr>
+            </p:nvSpPr>
+            <p:spPr bwMode="auto">
+              <a:xfrm>
+                <a:off x="11631612" y="1539875"/>
+                <a:ext cx="188913" cy="190500"/>
+              </a:xfrm>
+              <a:custGeom>
+                <a:avLst/>
+                <a:gdLst/>
+                <a:ahLst/>
+                <a:cxnLst/>
+                <a:rect l="0" t="0" r="r" b="b"/>
+                <a:pathLst>
+                  <a:path w="40" h="40">
+                    <a:moveTo>
+                      <a:pt x="20" y="40"/>
+                    </a:moveTo>
+                    <a:cubicBezTo>
+                      <a:pt x="9" y="40"/>
+                      <a:pt x="0" y="31"/>
+                      <a:pt x="0" y="20"/>
+                    </a:cubicBezTo>
+                    <a:cubicBezTo>
+                      <a:pt x="0" y="9"/>
+                      <a:pt x="9" y="0"/>
+                      <a:pt x="20" y="0"/>
+                    </a:cubicBezTo>
+                    <a:cubicBezTo>
+                      <a:pt x="31" y="0"/>
+                      <a:pt x="40" y="9"/>
+                      <a:pt x="40" y="20"/>
+                    </a:cubicBezTo>
+                    <a:cubicBezTo>
+                      <a:pt x="40" y="31"/>
+                      <a:pt x="31" y="40"/>
+                      <a:pt x="20" y="40"/>
+                    </a:cubicBezTo>
+                    <a:close/>
+                    <a:moveTo>
+                      <a:pt x="20" y="4"/>
+                    </a:moveTo>
+                    <a:cubicBezTo>
+                      <a:pt x="11" y="4"/>
+                      <a:pt x="4" y="11"/>
+                      <a:pt x="4" y="20"/>
+                    </a:cubicBezTo>
+                    <a:cubicBezTo>
+                      <a:pt x="4" y="29"/>
+                      <a:pt x="11" y="36"/>
+                      <a:pt x="20" y="36"/>
+                    </a:cubicBezTo>
+                    <a:cubicBezTo>
+                      <a:pt x="29" y="36"/>
+                      <a:pt x="36" y="29"/>
+                      <a:pt x="36" y="20"/>
+                    </a:cubicBezTo>
+                    <a:cubicBezTo>
+                      <a:pt x="36" y="11"/>
+                      <a:pt x="29" y="4"/>
+                      <a:pt x="20" y="4"/>
+                    </a:cubicBezTo>
+                    <a:close/>
+                  </a:path>
+                </a:pathLst>
+              </a:custGeom>
+              <a:grpFill/>
+              <a:ln>
+                <a:noFill/>
+              </a:ln>
+              <a:extLst>
+                <a:ext uri="{91240B29-F687-4f45-9708-019B960494DF}">
+                  <a14:hiddenLine xmlns="" xmlns:a16="http://schemas.microsoft.com/office/drawing/2014/main" xmlns:p14="http://schemas.microsoft.com/office/powerpoint/2010/main" xmlns:a14="http://schemas.microsoft.com/office/drawing/2010/main" w="9525">
+                    <a:solidFill>
+                      <a:srgbClr val="000000"/>
+                    </a:solidFill>
+                    <a:round/>
+                    <a:headEnd/>
+                    <a:tailEnd/>
+                  </a14:hiddenLine>
+                </a:ext>
+              </a:extLst>
+            </p:spPr>
+          </p:sp>
+          <p:sp>
+            <p:nvSpPr>
+              <p:cNvPr id="72" name="Freeform 35">
+                <a:extLst>
+                  <a:ext uri="{FF2B5EF4-FFF2-40B4-BE49-F238E27FC236}">
+                    <a16:creationId xmlns:a16="http://schemas.microsoft.com/office/drawing/2014/main" id="{E91527D6-DFC1-47BD-9A94-BA497DC65FC8}"/>
+                  </a:ext>
+                  <a:ext uri="{C183D7F6-B498-43B3-948B-1728B52AA6E4}">
+                    <adec:decorative xmlns:adec="http://schemas.microsoft.com/office/drawing/2017/decorative" val="1"/>
+                  </a:ext>
+                </a:extLst>
+              </p:cNvPr>
+              <p:cNvSpPr/>
+              <p:nvPr>
+                <p:extLst>
+                  <p:ext uri="{386F3935-93C4-4BCD-93E2-E3B085C9AB24}">
+                    <p16:designElem xmlns:p16="http://schemas.microsoft.com/office/powerpoint/2015/main" val="1"/>
+                  </p:ext>
+                </p:extLst>
+              </p:nvPr>
+            </p:nvSpPr>
+            <p:spPr bwMode="auto">
+              <a:xfrm>
+                <a:off x="11531600" y="5694363"/>
+                <a:ext cx="298450" cy="1154113"/>
+              </a:xfrm>
+              <a:custGeom>
+                <a:avLst/>
+                <a:gdLst/>
+                <a:ahLst/>
+                <a:cxnLst/>
+                <a:rect l="0" t="0" r="r" b="b"/>
+                <a:pathLst>
+                  <a:path w="188" h="727">
+                    <a:moveTo>
+                      <a:pt x="15" y="727"/>
+                    </a:moveTo>
+                    <a:lnTo>
+                      <a:pt x="0" y="727"/>
+                    </a:lnTo>
+                    <a:lnTo>
+                      <a:pt x="0" y="407"/>
+                    </a:lnTo>
+                    <a:lnTo>
+                      <a:pt x="0" y="407"/>
+                    </a:lnTo>
+                    <a:lnTo>
+                      <a:pt x="176" y="0"/>
+                    </a:lnTo>
+                    <a:lnTo>
+                      <a:pt x="188" y="6"/>
+                    </a:lnTo>
+                    <a:lnTo>
+                      <a:pt x="15" y="410"/>
+                    </a:lnTo>
+                    <a:lnTo>
+                      <a:pt x="15" y="727"/>
+                    </a:lnTo>
+                    <a:close/>
+                  </a:path>
+                </a:pathLst>
+              </a:custGeom>
+              <a:grpFill/>
+              <a:ln>
+                <a:noFill/>
+              </a:ln>
+              <a:extLst>
+                <a:ext uri="{91240B29-F687-4f45-9708-019B960494DF}">
+                  <a14:hiddenLine xmlns="" xmlns:a16="http://schemas.microsoft.com/office/drawing/2014/main" xmlns:p14="http://schemas.microsoft.com/office/powerpoint/2010/main" xmlns:a14="http://schemas.microsoft.com/office/drawing/2010/main" w="9525">
+                    <a:solidFill>
+                      <a:srgbClr val="000000"/>
+                    </a:solidFill>
+                    <a:round/>
+                    <a:headEnd/>
+                    <a:tailEnd/>
+                  </a14:hiddenLine>
+                </a:ext>
+              </a:extLst>
+            </p:spPr>
+          </p:sp>
+          <p:sp>
+            <p:nvSpPr>
+              <p:cNvPr id="73" name="Freeform 36">
+                <a:extLst>
+                  <a:ext uri="{FF2B5EF4-FFF2-40B4-BE49-F238E27FC236}">
+                    <a16:creationId xmlns:a16="http://schemas.microsoft.com/office/drawing/2014/main" id="{1F0DD079-98A3-4C8A-ADBF-77EB4235FDC6}"/>
+                  </a:ext>
+                  <a:ext uri="{C183D7F6-B498-43B3-948B-1728B52AA6E4}">
+                    <adec:decorative xmlns:adec="http://schemas.microsoft.com/office/drawing/2017/decorative" val="1"/>
+                  </a:ext>
+                </a:extLst>
+              </p:cNvPr>
+              <p:cNvSpPr>
+                <a:spLocks noEditPoints="1"/>
+              </p:cNvSpPr>
+              <p:nvPr>
+                <p:extLst>
+                  <p:ext uri="{386F3935-93C4-4BCD-93E2-E3B085C9AB24}">
+                    <p16:designElem xmlns:p16="http://schemas.microsoft.com/office/powerpoint/2015/main" val="1"/>
+                  </p:ext>
+                </p:extLst>
+              </p:nvPr>
+            </p:nvSpPr>
+            <p:spPr bwMode="auto">
+              <a:xfrm>
+                <a:off x="11772900" y="5551488"/>
+                <a:ext cx="157163" cy="155575"/>
+              </a:xfrm>
+              <a:custGeom>
+                <a:avLst/>
+                <a:gdLst/>
+                <a:ahLst/>
+                <a:cxnLst/>
+                <a:rect l="0" t="0" r="r" b="b"/>
+                <a:pathLst>
+                  <a:path w="33" h="33">
+                    <a:moveTo>
+                      <a:pt x="17" y="33"/>
+                    </a:moveTo>
+                    <a:cubicBezTo>
+                      <a:pt x="8" y="33"/>
+                      <a:pt x="0" y="25"/>
+                      <a:pt x="0" y="16"/>
+                    </a:cubicBezTo>
+                    <a:cubicBezTo>
+                      <a:pt x="0" y="7"/>
+                      <a:pt x="8" y="0"/>
+                      <a:pt x="17" y="0"/>
+                    </a:cubicBezTo>
+                    <a:cubicBezTo>
+                      <a:pt x="26" y="0"/>
+                      <a:pt x="33" y="7"/>
+                      <a:pt x="33" y="16"/>
+                    </a:cubicBezTo>
+                    <a:cubicBezTo>
+                      <a:pt x="33" y="25"/>
+                      <a:pt x="26" y="33"/>
+                      <a:pt x="17" y="33"/>
+                    </a:cubicBezTo>
+                    <a:close/>
+                    <a:moveTo>
+                      <a:pt x="17" y="4"/>
+                    </a:moveTo>
+                    <a:cubicBezTo>
+                      <a:pt x="10" y="4"/>
+                      <a:pt x="4" y="9"/>
+                      <a:pt x="4" y="16"/>
+                    </a:cubicBezTo>
+                    <a:cubicBezTo>
+                      <a:pt x="4" y="23"/>
+                      <a:pt x="10" y="29"/>
+                      <a:pt x="17" y="29"/>
+                    </a:cubicBezTo>
+                    <a:cubicBezTo>
+                      <a:pt x="23" y="29"/>
+                      <a:pt x="29" y="23"/>
+                      <a:pt x="29" y="16"/>
+                    </a:cubicBezTo>
+                    <a:cubicBezTo>
+                      <a:pt x="29" y="9"/>
+                      <a:pt x="23" y="4"/>
+                      <a:pt x="17" y="4"/>
+                    </a:cubicBezTo>
+                    <a:close/>
+                  </a:path>
+                </a:pathLst>
+              </a:custGeom>
+              <a:grpFill/>
+              <a:ln>
+                <a:noFill/>
+              </a:ln>
+              <a:extLst>
+                <a:ext uri="{91240B29-F687-4f45-9708-019B960494DF}">
+                  <a14:hiddenLine xmlns="" xmlns:a16="http://schemas.microsoft.com/office/drawing/2014/main" xmlns:p14="http://schemas.microsoft.com/office/powerpoint/2010/main" xmlns:a14="http://schemas.microsoft.com/office/drawing/2010/main" w="9525">
+                    <a:solidFill>
+                      <a:srgbClr val="000000"/>
+                    </a:solidFill>
+                    <a:round/>
+                    <a:headEnd/>
+                    <a:tailEnd/>
+                  </a14:hiddenLine>
+                </a:ext>
+              </a:extLst>
+            </p:spPr>
+          </p:sp>
+          <p:sp>
+            <p:nvSpPr>
+              <p:cNvPr id="74" name="Freeform 37">
+                <a:extLst>
+                  <a:ext uri="{FF2B5EF4-FFF2-40B4-BE49-F238E27FC236}">
+                    <a16:creationId xmlns:a16="http://schemas.microsoft.com/office/drawing/2014/main" id="{5434E8F5-4A6D-4051-906C-A4F09FB0E738}"/>
+                  </a:ext>
+                  <a:ext uri="{C183D7F6-B498-43B3-948B-1728B52AA6E4}">
+                    <adec:decorative xmlns:adec="http://schemas.microsoft.com/office/drawing/2017/decorative" val="1"/>
+                  </a:ext>
+                </a:extLst>
+              </p:cNvPr>
+              <p:cNvSpPr/>
+              <p:nvPr>
+                <p:extLst>
+                  <p:ext uri="{386F3935-93C4-4BCD-93E2-E3B085C9AB24}">
+                    <p16:designElem xmlns:p16="http://schemas.microsoft.com/office/powerpoint/2015/main" val="1"/>
+                  </p:ext>
+                </p:extLst>
+              </p:nvPr>
+            </p:nvSpPr>
+            <p:spPr bwMode="auto">
+              <a:xfrm>
+                <a:off x="11710987" y="4763"/>
+                <a:ext cx="304800" cy="1544638"/>
+              </a:xfrm>
+              <a:custGeom>
+                <a:avLst/>
+                <a:gdLst/>
+                <a:ahLst/>
+                <a:cxnLst/>
+                <a:rect l="0" t="0" r="r" b="b"/>
+                <a:pathLst>
+                  <a:path w="192" h="973">
+                    <a:moveTo>
+                      <a:pt x="15" y="973"/>
+                    </a:moveTo>
+                    <a:lnTo>
+                      <a:pt x="0" y="973"/>
+                    </a:lnTo>
+                    <a:lnTo>
+                      <a:pt x="0" y="790"/>
+                    </a:lnTo>
+                    <a:lnTo>
+                      <a:pt x="174" y="614"/>
+                    </a:lnTo>
+                    <a:lnTo>
+                      <a:pt x="174" y="0"/>
+                    </a:lnTo>
+                    <a:lnTo>
+                      <a:pt x="192" y="0"/>
+                    </a:lnTo>
+                    <a:lnTo>
+                      <a:pt x="192" y="620"/>
+                    </a:lnTo>
+                    <a:lnTo>
+                      <a:pt x="15" y="796"/>
+                    </a:lnTo>
+                    <a:lnTo>
+                      <a:pt x="15" y="973"/>
+                    </a:lnTo>
+                    <a:close/>
+                  </a:path>
+                </a:pathLst>
+              </a:custGeom>
+              <a:grpFill/>
+              <a:ln>
+                <a:noFill/>
+              </a:ln>
+              <a:extLst>
+                <a:ext uri="{91240B29-F687-4f45-9708-019B960494DF}">
+                  <a14:hiddenLine xmlns="" xmlns:a16="http://schemas.microsoft.com/office/drawing/2014/main" xmlns:p14="http://schemas.microsoft.com/office/powerpoint/2010/main" xmlns:a14="http://schemas.microsoft.com/office/drawing/2010/main" w="9525">
+                    <a:solidFill>
+                      <a:srgbClr val="000000"/>
+                    </a:solidFill>
+                    <a:round/>
+                    <a:headEnd/>
+                    <a:tailEnd/>
+                  </a14:hiddenLine>
+                </a:ext>
+              </a:extLst>
+            </p:spPr>
+          </p:sp>
+          <p:sp>
+            <p:nvSpPr>
+              <p:cNvPr id="75" name="Freeform 38">
+                <a:extLst>
+                  <a:ext uri="{FF2B5EF4-FFF2-40B4-BE49-F238E27FC236}">
+                    <a16:creationId xmlns:a16="http://schemas.microsoft.com/office/drawing/2014/main" id="{F5EB89CB-AF76-428F-9FEB-2D1C14F34C61}"/>
+                  </a:ext>
+                  <a:ext uri="{C183D7F6-B498-43B3-948B-1728B52AA6E4}">
+                    <adec:decorative xmlns:adec="http://schemas.microsoft.com/office/drawing/2017/decorative" val="1"/>
+                  </a:ext>
+                </a:extLst>
+              </p:cNvPr>
+              <p:cNvSpPr>
+                <a:spLocks noEditPoints="1"/>
+              </p:cNvSpPr>
+              <p:nvPr>
+                <p:extLst>
+                  <p:ext uri="{386F3935-93C4-4BCD-93E2-E3B085C9AB24}">
+                    <p16:designElem xmlns:p16="http://schemas.microsoft.com/office/powerpoint/2015/main" val="1"/>
+                  </p:ext>
+                </p:extLst>
+              </p:nvPr>
+            </p:nvSpPr>
+            <p:spPr bwMode="auto">
+              <a:xfrm>
+                <a:off x="11636375" y="4867275"/>
+                <a:ext cx="188913" cy="188913"/>
+              </a:xfrm>
+              <a:custGeom>
+                <a:avLst/>
+                <a:gdLst/>
+                <a:ahLst/>
+                <a:cxnLst/>
+                <a:rect l="0" t="0" r="r" b="b"/>
+                <a:pathLst>
+                  <a:path w="40" h="40">
+                    <a:moveTo>
+                      <a:pt x="20" y="40"/>
+                    </a:moveTo>
+                    <a:cubicBezTo>
+                      <a:pt x="9" y="40"/>
+                      <a:pt x="0" y="31"/>
+                      <a:pt x="0" y="20"/>
+                    </a:cubicBezTo>
+                    <a:cubicBezTo>
+                      <a:pt x="0" y="9"/>
+                      <a:pt x="9" y="0"/>
+                      <a:pt x="20" y="0"/>
+                    </a:cubicBezTo>
+                    <a:cubicBezTo>
+                      <a:pt x="31" y="0"/>
+                      <a:pt x="40" y="9"/>
+                      <a:pt x="40" y="20"/>
+                    </a:cubicBezTo>
+                    <a:cubicBezTo>
+                      <a:pt x="40" y="31"/>
+                      <a:pt x="31" y="40"/>
+                      <a:pt x="20" y="40"/>
+                    </a:cubicBezTo>
+                    <a:close/>
+                    <a:moveTo>
+                      <a:pt x="20" y="4"/>
+                    </a:moveTo>
+                    <a:cubicBezTo>
+                      <a:pt x="11" y="4"/>
+                      <a:pt x="4" y="11"/>
+                      <a:pt x="4" y="20"/>
+                    </a:cubicBezTo>
+                    <a:cubicBezTo>
+                      <a:pt x="4" y="29"/>
+                      <a:pt x="11" y="36"/>
+                      <a:pt x="20" y="36"/>
+                    </a:cubicBezTo>
+                    <a:cubicBezTo>
+                      <a:pt x="29" y="36"/>
+                      <a:pt x="36" y="29"/>
+                      <a:pt x="36" y="20"/>
+                    </a:cubicBezTo>
+                    <a:cubicBezTo>
+                      <a:pt x="36" y="11"/>
+                      <a:pt x="29" y="4"/>
+                      <a:pt x="20" y="4"/>
+                    </a:cubicBezTo>
+                    <a:close/>
+                  </a:path>
+                </a:pathLst>
+              </a:custGeom>
+              <a:grpFill/>
+              <a:ln>
+                <a:noFill/>
+              </a:ln>
+              <a:extLst>
+                <a:ext uri="{91240B29-F687-4f45-9708-019B960494DF}">
+                  <a14:hiddenLine xmlns="" xmlns:a16="http://schemas.microsoft.com/office/drawing/2014/main" xmlns:p14="http://schemas.microsoft.com/office/powerpoint/2010/main" xmlns:a14="http://schemas.microsoft.com/office/drawing/2010/main" w="9525">
+                    <a:solidFill>
+                      <a:srgbClr val="000000"/>
+                    </a:solidFill>
+                    <a:round/>
+                    <a:headEnd/>
+                    <a:tailEnd/>
+                  </a14:hiddenLine>
+                </a:ext>
+              </a:extLst>
+            </p:spPr>
+          </p:sp>
+          <p:sp>
+            <p:nvSpPr>
+              <p:cNvPr id="76" name="Freeform 39">
+                <a:extLst>
+                  <a:ext uri="{FF2B5EF4-FFF2-40B4-BE49-F238E27FC236}">
+                    <a16:creationId xmlns:a16="http://schemas.microsoft.com/office/drawing/2014/main" id="{5C6AD7DA-2FB0-4FA1-A047-C2120F8161B2}"/>
+                  </a:ext>
+                  <a:ext uri="{C183D7F6-B498-43B3-948B-1728B52AA6E4}">
+                    <adec:decorative xmlns:adec="http://schemas.microsoft.com/office/drawing/2017/decorative" val="1"/>
+                  </a:ext>
+                </a:extLst>
+              </p:cNvPr>
+              <p:cNvSpPr/>
+              <p:nvPr>
+                <p:extLst>
+                  <p:ext uri="{386F3935-93C4-4BCD-93E2-E3B085C9AB24}">
+                    <p16:designElem xmlns:p16="http://schemas.microsoft.com/office/powerpoint/2015/main" val="1"/>
+                  </p:ext>
+                </p:extLst>
+              </p:nvPr>
+            </p:nvSpPr>
+            <p:spPr bwMode="auto">
+              <a:xfrm>
+                <a:off x="11441112" y="5046663"/>
+                <a:ext cx="307975" cy="1801813"/>
+              </a:xfrm>
+              <a:custGeom>
+                <a:avLst/>
+                <a:gdLst/>
+                <a:ahLst/>
+                <a:cxnLst/>
+                <a:rect l="0" t="0" r="r" b="b"/>
+                <a:pathLst>
+                  <a:path w="194" h="1135">
+                    <a:moveTo>
+                      <a:pt x="18" y="1135"/>
+                    </a:moveTo>
+                    <a:lnTo>
+                      <a:pt x="0" y="1135"/>
+                    </a:lnTo>
+                    <a:lnTo>
+                      <a:pt x="0" y="354"/>
+                    </a:lnTo>
+                    <a:lnTo>
+                      <a:pt x="176" y="177"/>
+                    </a:lnTo>
+                    <a:lnTo>
+                      <a:pt x="176" y="0"/>
+                    </a:lnTo>
+                    <a:lnTo>
+                      <a:pt x="194" y="0"/>
+                    </a:lnTo>
+                    <a:lnTo>
+                      <a:pt x="194" y="183"/>
+                    </a:lnTo>
+                    <a:lnTo>
+                      <a:pt x="18" y="360"/>
+                    </a:lnTo>
+                    <a:lnTo>
+                      <a:pt x="18" y="1135"/>
+                    </a:lnTo>
+                    <a:close/>
+                  </a:path>
+                </a:pathLst>
+              </a:custGeom>
+              <a:grpFill/>
+              <a:ln>
+                <a:noFill/>
+              </a:ln>
+              <a:extLst>
+                <a:ext uri="{91240B29-F687-4f45-9708-019B960494DF}">
+                  <a14:hiddenLine xmlns="" xmlns:a16="http://schemas.microsoft.com/office/drawing/2014/main" xmlns:p14="http://schemas.microsoft.com/office/powerpoint/2010/main" xmlns:a14="http://schemas.microsoft.com/office/drawing/2010/main" w="9525">
+                    <a:solidFill>
+                      <a:srgbClr val="000000"/>
+                    </a:solidFill>
+                    <a:round/>
+                    <a:headEnd/>
+                    <a:tailEnd/>
+                  </a14:hiddenLine>
+                </a:ext>
+              </a:extLst>
+            </p:spPr>
+          </p:sp>
+          <p:sp>
+            <p:nvSpPr>
+              <p:cNvPr id="77" name="Freeform 40">
+                <a:extLst>
+                  <a:ext uri="{FF2B5EF4-FFF2-40B4-BE49-F238E27FC236}">
+                    <a16:creationId xmlns:a16="http://schemas.microsoft.com/office/drawing/2014/main" id="{D5D391E3-5068-42E7-949D-387BBB01E8D8}"/>
+                  </a:ext>
+                  <a:ext uri="{C183D7F6-B498-43B3-948B-1728B52AA6E4}">
+                    <adec:decorative xmlns:adec="http://schemas.microsoft.com/office/drawing/2017/decorative" val="1"/>
+                  </a:ext>
+                </a:extLst>
+              </p:cNvPr>
+              <p:cNvSpPr>
+                <a:spLocks noEditPoints="1"/>
+              </p:cNvSpPr>
+              <p:nvPr>
+                <p:extLst>
+                  <p:ext uri="{386F3935-93C4-4BCD-93E2-E3B085C9AB24}">
+                    <p16:designElem xmlns:p16="http://schemas.microsoft.com/office/powerpoint/2015/main" val="1"/>
+                  </p:ext>
+                </p:extLst>
+              </p:nvPr>
+            </p:nvSpPr>
+            <p:spPr bwMode="auto">
+              <a:xfrm>
+                <a:off x="11849100" y="6416675"/>
+                <a:ext cx="190500" cy="188913"/>
+              </a:xfrm>
+              <a:custGeom>
+                <a:avLst/>
+                <a:gdLst/>
+                <a:ahLst/>
+                <a:cxnLst/>
+                <a:rect l="0" t="0" r="r" b="b"/>
+                <a:pathLst>
+                  <a:path w="40" h="40">
+                    <a:moveTo>
+                      <a:pt x="20" y="40"/>
+                    </a:moveTo>
+                    <a:cubicBezTo>
+                      <a:pt x="9" y="40"/>
+                      <a:pt x="0" y="31"/>
+                      <a:pt x="0" y="20"/>
+                    </a:cubicBezTo>
+                    <a:cubicBezTo>
+                      <a:pt x="0" y="9"/>
+                      <a:pt x="9" y="0"/>
+                      <a:pt x="20" y="0"/>
+                    </a:cubicBezTo>
+                    <a:cubicBezTo>
+                      <a:pt x="31" y="0"/>
+                      <a:pt x="40" y="9"/>
+                      <a:pt x="40" y="20"/>
+                    </a:cubicBezTo>
+                    <a:cubicBezTo>
+                      <a:pt x="40" y="31"/>
+                      <a:pt x="31" y="40"/>
+                      <a:pt x="20" y="40"/>
+                    </a:cubicBezTo>
+                    <a:close/>
+                    <a:moveTo>
+                      <a:pt x="20" y="4"/>
+                    </a:moveTo>
+                    <a:cubicBezTo>
+                      <a:pt x="12" y="4"/>
+                      <a:pt x="4" y="11"/>
+                      <a:pt x="4" y="20"/>
+                    </a:cubicBezTo>
+                    <a:cubicBezTo>
+                      <a:pt x="4" y="29"/>
+                      <a:pt x="12" y="36"/>
+                      <a:pt x="20" y="36"/>
+                    </a:cubicBezTo>
+                    <a:cubicBezTo>
+                      <a:pt x="29" y="36"/>
+                      <a:pt x="36" y="29"/>
+                      <a:pt x="36" y="20"/>
+                    </a:cubicBezTo>
+                    <a:cubicBezTo>
+                      <a:pt x="36" y="11"/>
+                      <a:pt x="29" y="4"/>
+                      <a:pt x="20" y="4"/>
+                    </a:cubicBezTo>
+                    <a:close/>
+                  </a:path>
+                </a:pathLst>
+              </a:custGeom>
+              <a:grpFill/>
+              <a:ln>
+                <a:noFill/>
+              </a:ln>
+              <a:extLst>
+                <a:ext uri="{91240B29-F687-4f45-9708-019B960494DF}">
+                  <a14:hiddenLine xmlns="" xmlns:a16="http://schemas.microsoft.com/office/drawing/2014/main" xmlns:p14="http://schemas.microsoft.com/office/powerpoint/2010/main" xmlns:a14="http://schemas.microsoft.com/office/drawing/2010/main" w="9525">
+                    <a:solidFill>
+                      <a:srgbClr val="000000"/>
+                    </a:solidFill>
+                    <a:round/>
+                    <a:headEnd/>
+                    <a:tailEnd/>
+                  </a14:hiddenLine>
+                </a:ext>
+              </a:extLst>
+            </p:spPr>
+          </p:sp>
+          <p:sp>
+            <p:nvSpPr>
+              <p:cNvPr id="78" name="Rectangle 41">
+                <a:extLst>
+                  <a:ext uri="{FF2B5EF4-FFF2-40B4-BE49-F238E27FC236}">
+                    <a16:creationId xmlns:a16="http://schemas.microsoft.com/office/drawing/2014/main" id="{36FA708B-2DB3-4F54-9B92-B8CAEC34AEAD}"/>
+                  </a:ext>
+                  <a:ext uri="{C183D7F6-B498-43B3-948B-1728B52AA6E4}">
+                    <adec:decorative xmlns:adec="http://schemas.microsoft.com/office/drawing/2017/decorative" val="1"/>
+                  </a:ext>
+                </a:extLst>
+              </p:cNvPr>
+              <p:cNvSpPr>
+                <a:spLocks noChangeArrowheads="1"/>
+              </p:cNvSpPr>
+              <p:nvPr>
+                <p:extLst>
+                  <p:ext uri="{386F3935-93C4-4BCD-93E2-E3B085C9AB24}">
+                    <p16:designElem xmlns:p16="http://schemas.microsoft.com/office/powerpoint/2015/main" val="1"/>
+                  </p:ext>
+                </p:extLst>
+              </p:nvPr>
+            </p:nvSpPr>
+            <p:spPr bwMode="auto">
+              <a:xfrm>
+                <a:off x="11939587" y="6596063"/>
+                <a:ext cx="23813" cy="252413"/>
+              </a:xfrm>
+              <a:prstGeom prst="rect">
+                <a:avLst/>
+              </a:prstGeom>
+              <a:grpFill/>
+              <a:ln>
+                <a:noFill/>
+              </a:ln>
+              <a:extLst>
+                <a:ext uri="{91240B29-F687-4f45-9708-019B960494DF}">
+                  <a14:hiddenLine xmlns="" xmlns:a16="http://schemas.microsoft.com/office/drawing/2014/main" xmlns:p14="http://schemas.microsoft.com/office/powerpoint/2010/main" xmlns:a14="http://schemas.microsoft.com/office/drawing/2010/main" w="9525">
+                    <a:solidFill>
+                      <a:srgbClr val="000000"/>
+                    </a:solidFill>
+                    <a:miter lim="800000"/>
+                    <a:headEnd/>
+                    <a:tailEnd/>
+                  </a14:hiddenLine>
+                </a:ext>
+              </a:extLst>
+            </p:spPr>
+          </p:sp>
+        </p:grpSp>
+      </p:grpSp>
       <p:sp>
         <p:nvSpPr>
           <p:cNvPr id="2" name="Заголовок 1">
@@ -14142,15 +17508,19 @@
           </p:nvPr>
         </p:nvSpPr>
         <p:spPr>
-          <a:effectLst/>
+          <a:xfrm>
+            <a:off x="6569957" y="618518"/>
+            <a:ext cx="4747088" cy="1478570"/>
+          </a:xfrm>
         </p:spPr>
         <p:txBody>
-          <a:bodyPr/>
+          <a:bodyPr vert="horz" lIns="91440" tIns="45720" rIns="91440" bIns="45720" rtlCol="0" anchor="ctr">
+            <a:normAutofit/>
+          </a:bodyPr>
           <a:lstStyle/>
           <a:p>
-            <a:pPr algn="ctr"/>
-            <a:r>
-              <a:rPr lang="ru-RU" b="1" cap="none" dirty="0">
+            <a:r>
+              <a:rPr lang="en-US" b="1" dirty="0">
                 <a:ln w="9525">
                   <a:solidFill>
                     <a:schemeClr val="bg1"/>
@@ -14158,236 +17528,421 @@
                   <a:prstDash val="solid"/>
                 </a:ln>
               </a:rPr>
-              <a:t>6</a:t>
-            </a:r>
-            <a:r>
-              <a:rPr lang="en-US" b="1" cap="none" dirty="0">
-                <a:ln w="9525">
-                  <a:solidFill>
-                    <a:schemeClr val="bg1"/>
-                  </a:solidFill>
-                  <a:prstDash val="solid"/>
-                </a:ln>
-              </a:rPr>
-              <a:t>) </a:t>
-            </a:r>
-            <a:r>
-              <a:rPr lang="ru-RU" b="1" cap="none" dirty="0">
-                <a:ln w="9525">
-                  <a:solidFill>
-                    <a:schemeClr val="bg1"/>
-                  </a:solidFill>
-                  <a:prstDash val="solid"/>
-                </a:ln>
-              </a:rPr>
-              <a:t>ИНСТРУМЕНТЫ РАЗРАБОТКИ</a:t>
+              <a:t>6) ИНСТРУМЕНТЫ РАЗРАБОТКИ</a:t>
             </a:r>
           </a:p>
         </p:txBody>
       </p:sp>
       <p:sp>
         <p:nvSpPr>
-          <p:cNvPr id="3" name="TextBox 2">
+          <p:cNvPr id="107" name="Round Single Corner Rectangle 14">
             <a:extLst>
               <a:ext uri="{FF2B5EF4-FFF2-40B4-BE49-F238E27FC236}">
-                <a16:creationId xmlns:a16="http://schemas.microsoft.com/office/drawing/2014/main" id="{56B6CC15-2DFF-4F4B-9511-1ECF1CF316BB}"/>
+                <a16:creationId xmlns:a16="http://schemas.microsoft.com/office/drawing/2014/main" id="{73A5F373-DA91-410B-A319-A10086920212}"/>
+              </a:ext>
+              <a:ext uri="{C183D7F6-B498-43B3-948B-1728B52AA6E4}">
+                <adec:decorative xmlns:adec="http://schemas.microsoft.com/office/drawing/2017/decorative" val="1"/>
               </a:ext>
             </a:extLst>
           </p:cNvPr>
-          <p:cNvSpPr txBox="1"/>
-          <p:nvPr/>
+          <p:cNvSpPr>
+            <a:spLocks noGrp="1" noRot="1" noChangeAspect="1" noMove="1" noResize="1" noEditPoints="1" noAdjustHandles="1" noChangeArrowheads="1" noChangeShapeType="1" noTextEdit="1"/>
+          </p:cNvSpPr>
+          <p:nvPr>
+            <p:extLst>
+              <p:ext uri="{386F3935-93C4-4BCD-93E2-E3B085C9AB24}">
+                <p16:designElem xmlns:p16="http://schemas.microsoft.com/office/powerpoint/2015/main" val="1"/>
+              </p:ext>
+            </p:extLst>
+          </p:nvPr>
         </p:nvSpPr>
         <p:spPr>
+          <a:xfrm flipH="1">
+            <a:off x="804973" y="808058"/>
+            <a:ext cx="2559744" cy="2536764"/>
+          </a:xfrm>
+          <a:prstGeom prst="round1Rect">
+            <a:avLst>
+              <a:gd name="adj" fmla="val 6363"/>
+            </a:avLst>
+          </a:prstGeom>
+          <a:solidFill>
+            <a:srgbClr val="FFFFFF"/>
+          </a:solidFill>
+          <a:ln w="19050" cap="sq">
+            <a:solidFill>
+              <a:schemeClr val="tx2">
+                <a:lumMod val="60000"/>
+                <a:lumOff val="40000"/>
+                <a:alpha val="60000"/>
+              </a:schemeClr>
+            </a:solidFill>
+            <a:miter lim="800000"/>
+          </a:ln>
+          <a:effectLst>
+            <a:outerShdw blurRad="88900" dist="38100" dir="5400000" algn="t" rotWithShape="0">
+              <a:prstClr val="black">
+                <a:alpha val="40000"/>
+              </a:prstClr>
+            </a:outerShdw>
+          </a:effectLst>
+        </p:spPr>
+        <p:style>
+          <a:lnRef idx="2">
+            <a:schemeClr val="accent1">
+              <a:shade val="50000"/>
+            </a:schemeClr>
+          </a:lnRef>
+          <a:fillRef idx="1">
+            <a:schemeClr val="accent1"/>
+          </a:fillRef>
+          <a:effectRef idx="0">
+            <a:schemeClr val="accent1"/>
+          </a:effectRef>
+          <a:fontRef idx="minor">
+            <a:schemeClr val="lt1"/>
+          </a:fontRef>
+        </p:style>
+        <p:txBody>
+          <a:bodyPr rtlCol="0" anchor="ctr"/>
+          <a:lstStyle/>
+          <a:p>
+            <a:pPr algn="ctr"/>
+            <a:endParaRPr lang="en-US"/>
+          </a:p>
+        </p:txBody>
+      </p:sp>
+      <p:pic>
+        <p:nvPicPr>
+          <p:cNvPr id="7" name="Рисунок 6">
+            <a:extLst>
+              <a:ext uri="{FF2B5EF4-FFF2-40B4-BE49-F238E27FC236}">
+                <a16:creationId xmlns:a16="http://schemas.microsoft.com/office/drawing/2014/main" id="{CFAC2B2F-8367-4BE2-95A8-FE7C709B5FD3}"/>
+              </a:ext>
+            </a:extLst>
+          </p:cNvPr>
+          <p:cNvPicPr>
+            <a:picLocks noChangeAspect="1"/>
+          </p:cNvPicPr>
+          <p:nvPr/>
+        </p:nvPicPr>
+        <p:blipFill>
+          <a:blip r:embed="rId4"/>
+          <a:stretch>
+            <a:fillRect/>
+          </a:stretch>
+        </p:blipFill>
+        <p:spPr>
           <a:xfrm>
-            <a:off x="1340463" y="1924560"/>
-            <a:ext cx="9507897" cy="1569660"/>
+            <a:off x="1122573" y="1222686"/>
+            <a:ext cx="1923954" cy="1707509"/>
           </a:xfrm>
           <a:prstGeom prst="rect">
             <a:avLst/>
           </a:prstGeom>
-          <a:noFill/>
-          <a:effectLst/>
         </p:spPr>
+      </p:pic>
+      <p:sp>
+        <p:nvSpPr>
+          <p:cNvPr id="109" name="Round Diagonal Corner Rectangle 12">
+            <a:extLst>
+              <a:ext uri="{FF2B5EF4-FFF2-40B4-BE49-F238E27FC236}">
+                <a16:creationId xmlns:a16="http://schemas.microsoft.com/office/drawing/2014/main" id="{BA137F13-D77E-438E-98D9-1A7D0300990E}"/>
+              </a:ext>
+              <a:ext uri="{C183D7F6-B498-43B3-948B-1728B52AA6E4}">
+                <adec:decorative xmlns:adec="http://schemas.microsoft.com/office/drawing/2017/decorative" val="1"/>
+              </a:ext>
+            </a:extLst>
+          </p:cNvPr>
+          <p:cNvSpPr>
+            <a:spLocks noGrp="1" noRot="1" noChangeAspect="1" noMove="1" noResize="1" noEditPoints="1" noAdjustHandles="1" noChangeArrowheads="1" noChangeShapeType="1" noTextEdit="1"/>
+          </p:cNvSpPr>
+          <p:nvPr>
+            <p:extLst>
+              <p:ext uri="{386F3935-93C4-4BCD-93E2-E3B085C9AB24}">
+                <p16:designElem xmlns:p16="http://schemas.microsoft.com/office/powerpoint/2015/main" val="1"/>
+              </p:ext>
+            </p:extLst>
+          </p:nvPr>
+        </p:nvSpPr>
+        <p:spPr>
+          <a:xfrm>
+            <a:off x="3525582" y="807934"/>
+            <a:ext cx="2565764" cy="2536763"/>
+          </a:xfrm>
+          <a:prstGeom prst="round2DiagRect">
+            <a:avLst>
+              <a:gd name="adj1" fmla="val 0"/>
+              <a:gd name="adj2" fmla="val 0"/>
+            </a:avLst>
+          </a:prstGeom>
+          <a:solidFill>
+            <a:srgbClr val="FFFFFF"/>
+          </a:solidFill>
+          <a:ln w="19050" cap="sq">
+            <a:solidFill>
+              <a:schemeClr val="tx2">
+                <a:lumMod val="60000"/>
+                <a:lumOff val="40000"/>
+                <a:alpha val="60000"/>
+              </a:schemeClr>
+            </a:solidFill>
+            <a:miter lim="800000"/>
+          </a:ln>
+          <a:effectLst>
+            <a:outerShdw blurRad="88900" dist="38100" dir="5400000" algn="t" rotWithShape="0">
+              <a:prstClr val="black">
+                <a:alpha val="40000"/>
+              </a:prstClr>
+            </a:outerShdw>
+          </a:effectLst>
+        </p:spPr>
+        <p:style>
+          <a:lnRef idx="2">
+            <a:schemeClr val="accent1">
+              <a:shade val="50000"/>
+            </a:schemeClr>
+          </a:lnRef>
+          <a:fillRef idx="1">
+            <a:schemeClr val="accent1"/>
+          </a:fillRef>
+          <a:effectRef idx="0">
+            <a:schemeClr val="accent1"/>
+          </a:effectRef>
+          <a:fontRef idx="minor">
+            <a:schemeClr val="lt1"/>
+          </a:fontRef>
+        </p:style>
         <p:txBody>
-          <a:bodyPr wrap="square" rtlCol="0">
-            <a:spAutoFit/>
+          <a:bodyPr rtlCol="0" anchor="ctr"/>
+          <a:lstStyle/>
+          <a:p>
+            <a:pPr algn="ctr"/>
+            <a:endParaRPr lang="en-US"/>
+          </a:p>
+        </p:txBody>
+      </p:sp>
+      <p:pic>
+        <p:nvPicPr>
+          <p:cNvPr id="10" name="Рисунок 9">
+            <a:extLst>
+              <a:ext uri="{FF2B5EF4-FFF2-40B4-BE49-F238E27FC236}">
+                <a16:creationId xmlns:a16="http://schemas.microsoft.com/office/drawing/2014/main" id="{A0A60CC0-B9A2-F16D-CB40-14CE6E492329}"/>
+              </a:ext>
+            </a:extLst>
+          </p:cNvPr>
+          <p:cNvPicPr>
+            <a:picLocks noChangeAspect="1"/>
+          </p:cNvPicPr>
+          <p:nvPr/>
+        </p:nvPicPr>
+        <p:blipFill>
+          <a:blip r:embed="rId5"/>
+          <a:stretch>
+            <a:fillRect/>
+          </a:stretch>
+        </p:blipFill>
+        <p:spPr>
+          <a:xfrm>
+            <a:off x="3542391" y="1354158"/>
+            <a:ext cx="2526123" cy="1420944"/>
+          </a:xfrm>
+          <a:prstGeom prst="rect">
+            <a:avLst/>
+          </a:prstGeom>
+        </p:spPr>
+      </p:pic>
+      <p:sp>
+        <p:nvSpPr>
+          <p:cNvPr id="111" name="Round Diagonal Corner Rectangle 13">
+            <a:extLst>
+              <a:ext uri="{FF2B5EF4-FFF2-40B4-BE49-F238E27FC236}">
+                <a16:creationId xmlns:a16="http://schemas.microsoft.com/office/drawing/2014/main" id="{C70C3F68-92CF-4DB5-B74E-F156FFFEF14C}"/>
+              </a:ext>
+              <a:ext uri="{C183D7F6-B498-43B3-948B-1728B52AA6E4}">
+                <adec:decorative xmlns:adec="http://schemas.microsoft.com/office/drawing/2017/decorative" val="1"/>
+              </a:ext>
+            </a:extLst>
+          </p:cNvPr>
+          <p:cNvSpPr>
+            <a:spLocks noGrp="1" noRot="1" noChangeAspect="1" noMove="1" noResize="1" noEditPoints="1" noAdjustHandles="1" noChangeArrowheads="1" noChangeShapeType="1" noTextEdit="1"/>
+          </p:cNvSpPr>
+          <p:nvPr>
+            <p:extLst>
+              <p:ext uri="{386F3935-93C4-4BCD-93E2-E3B085C9AB24}">
+                <p16:designElem xmlns:p16="http://schemas.microsoft.com/office/powerpoint/2015/main" val="1"/>
+              </p:ext>
+            </p:extLst>
+          </p:nvPr>
+        </p:nvSpPr>
+        <p:spPr>
+          <a:xfrm>
+            <a:off x="798953" y="3505687"/>
+            <a:ext cx="2565764" cy="2536763"/>
+          </a:xfrm>
+          <a:prstGeom prst="round2DiagRect">
+            <a:avLst>
+              <a:gd name="adj1" fmla="val 0"/>
+              <a:gd name="adj2" fmla="val 0"/>
+            </a:avLst>
+          </a:prstGeom>
+          <a:solidFill>
+            <a:srgbClr val="FFFFFF"/>
+          </a:solidFill>
+          <a:ln w="19050" cap="sq">
+            <a:solidFill>
+              <a:schemeClr val="tx2">
+                <a:lumMod val="60000"/>
+                <a:lumOff val="40000"/>
+                <a:alpha val="60000"/>
+              </a:schemeClr>
+            </a:solidFill>
+            <a:miter lim="800000"/>
+          </a:ln>
+          <a:effectLst>
+            <a:outerShdw blurRad="88900" dist="38100" dir="5400000" algn="t" rotWithShape="0">
+              <a:prstClr val="black">
+                <a:alpha val="40000"/>
+              </a:prstClr>
+            </a:outerShdw>
+          </a:effectLst>
+        </p:spPr>
+        <p:style>
+          <a:lnRef idx="2">
+            <a:schemeClr val="accent1">
+              <a:shade val="50000"/>
+            </a:schemeClr>
+          </a:lnRef>
+          <a:fillRef idx="1">
+            <a:schemeClr val="accent1"/>
+          </a:fillRef>
+          <a:effectRef idx="0">
+            <a:schemeClr val="accent1"/>
+          </a:effectRef>
+          <a:fontRef idx="minor">
+            <a:schemeClr val="lt1"/>
+          </a:fontRef>
+        </p:style>
+        <p:txBody>
+          <a:bodyPr rtlCol="0" anchor="ctr"/>
+          <a:lstStyle/>
+          <a:p>
+            <a:pPr algn="ctr"/>
+            <a:endParaRPr lang="en-US"/>
+          </a:p>
+        </p:txBody>
+      </p:sp>
+      <p:pic>
+        <p:nvPicPr>
+          <p:cNvPr id="6" name="Рисунок 5">
+            <a:extLst>
+              <a:ext uri="{FF2B5EF4-FFF2-40B4-BE49-F238E27FC236}">
+                <a16:creationId xmlns:a16="http://schemas.microsoft.com/office/drawing/2014/main" id="{AFCBC30B-B8A4-7C97-B7E0-45CC0E931934}"/>
+              </a:ext>
+            </a:extLst>
+          </p:cNvPr>
+          <p:cNvPicPr>
+            <a:picLocks noChangeAspect="1"/>
+          </p:cNvPicPr>
+          <p:nvPr/>
+        </p:nvPicPr>
+        <p:blipFill>
+          <a:blip r:embed="rId6"/>
+          <a:stretch>
+            <a:fillRect/>
+          </a:stretch>
+        </p:blipFill>
+        <p:spPr>
+          <a:xfrm>
+            <a:off x="869491" y="4090779"/>
+            <a:ext cx="2425552" cy="1364372"/>
+          </a:xfrm>
+          <a:prstGeom prst="rect">
+            <a:avLst/>
+          </a:prstGeom>
+        </p:spPr>
+      </p:pic>
+      <p:sp>
+        <p:nvSpPr>
+          <p:cNvPr id="113" name="Round Single Corner Rectangle 15">
+            <a:extLst>
+              <a:ext uri="{FF2B5EF4-FFF2-40B4-BE49-F238E27FC236}">
+                <a16:creationId xmlns:a16="http://schemas.microsoft.com/office/drawing/2014/main" id="{FB3B8D77-B5FC-4FBE-87EE-A85F0CB01A06}"/>
+              </a:ext>
+              <a:ext uri="{C183D7F6-B498-43B3-948B-1728B52AA6E4}">
+                <adec:decorative xmlns:adec="http://schemas.microsoft.com/office/drawing/2017/decorative" val="1"/>
+              </a:ext>
+            </a:extLst>
+          </p:cNvPr>
+          <p:cNvSpPr>
+            <a:spLocks noGrp="1" noRot="1" noChangeAspect="1" noMove="1" noResize="1" noEditPoints="1" noAdjustHandles="1" noChangeArrowheads="1" noChangeShapeType="1" noTextEdit="1"/>
+          </p:cNvSpPr>
+          <p:nvPr>
+            <p:extLst>
+              <p:ext uri="{386F3935-93C4-4BCD-93E2-E3B085C9AB24}">
+                <p16:designElem xmlns:p16="http://schemas.microsoft.com/office/powerpoint/2015/main" val="1"/>
+              </p:ext>
+            </p:extLst>
+          </p:nvPr>
+        </p:nvSpPr>
+        <p:spPr>
+          <a:xfrm flipV="1">
+            <a:off x="3525582" y="3505686"/>
+            <a:ext cx="2559743" cy="2536763"/>
+          </a:xfrm>
+          <a:prstGeom prst="round1Rect">
+            <a:avLst>
+              <a:gd name="adj" fmla="val 9975"/>
+            </a:avLst>
+          </a:prstGeom>
+          <a:solidFill>
+            <a:srgbClr val="FFFFFF"/>
+          </a:solidFill>
+          <a:ln w="19050" cap="sq">
+            <a:solidFill>
+              <a:schemeClr val="tx2">
+                <a:lumMod val="60000"/>
+                <a:lumOff val="40000"/>
+                <a:alpha val="60000"/>
+              </a:schemeClr>
+            </a:solidFill>
+            <a:miter lim="800000"/>
+          </a:ln>
+          <a:effectLst>
+            <a:outerShdw blurRad="88900" dist="38100" dir="5400000" algn="t" rotWithShape="0">
+              <a:prstClr val="black">
+                <a:alpha val="40000"/>
+              </a:prstClr>
+            </a:outerShdw>
+          </a:effectLst>
+        </p:spPr>
+        <p:style>
+          <a:lnRef idx="2">
+            <a:schemeClr val="accent1">
+              <a:shade val="50000"/>
+            </a:schemeClr>
+          </a:lnRef>
+          <a:fillRef idx="1">
+            <a:schemeClr val="accent1"/>
+          </a:fillRef>
+          <a:effectRef idx="0">
+            <a:schemeClr val="accent1"/>
+          </a:effectRef>
+          <a:fontRef idx="minor">
+            <a:schemeClr val="lt1"/>
+          </a:fontRef>
+        </p:style>
+        <p:txBody>
+          <a:bodyPr rot="0" spcFirstLastPara="0" vertOverflow="overflow" horzOverflow="overflow" vert="horz" wrap="square" lIns="91440" tIns="45720" rIns="91440" bIns="45720" numCol="1" spcCol="0" rtlCol="0" fromWordArt="0" anchor="ctr" anchorCtr="0" forceAA="0" compatLnSpc="1">
+            <a:prstTxWarp prst="textNoShape">
+              <a:avLst/>
+            </a:prstTxWarp>
+            <a:noAutofit/>
           </a:bodyPr>
           <a:lstStyle/>
           <a:p>
-            <a:r>
-              <a:rPr lang="ru-RU" sz="2400" b="1" dirty="0">
-                <a:ln w="9525">
-                  <a:solidFill>
-                    <a:schemeClr val="bg1"/>
-                  </a:solidFill>
-                  <a:prstDash val="solid"/>
-                </a:ln>
-                <a:ea typeface="Calibri" panose="020F0502020204030204" pitchFamily="34" charset="0"/>
-              </a:rPr>
-              <a:t>Серверная часть приложения должна использовать </a:t>
-            </a:r>
-            <a:r>
-              <a:rPr lang="ru-RU" sz="2400" b="1" dirty="0" err="1">
-                <a:ln w="9525">
-                  <a:solidFill>
-                    <a:schemeClr val="bg1"/>
-                  </a:solidFill>
-                  <a:prstDash val="solid"/>
-                </a:ln>
-                <a:ea typeface="Calibri" panose="020F0502020204030204" pitchFamily="34" charset="0"/>
-              </a:rPr>
-              <a:t>фрэймворк</a:t>
-            </a:r>
-            <a:r>
-              <a:rPr lang="ru-RU" sz="2400" b="1" dirty="0">
-                <a:ln w="9525">
-                  <a:solidFill>
-                    <a:schemeClr val="bg1"/>
-                  </a:solidFill>
-                  <a:prstDash val="solid"/>
-                </a:ln>
-                <a:ea typeface="Calibri" panose="020F0502020204030204" pitchFamily="34" charset="0"/>
-              </a:rPr>
-              <a:t> </a:t>
-            </a:r>
-            <a:r>
-              <a:rPr lang="en-US" sz="2400" b="1" dirty="0">
-                <a:ln w="9525">
-                  <a:solidFill>
-                    <a:schemeClr val="bg1"/>
-                  </a:solidFill>
-                  <a:prstDash val="solid"/>
-                </a:ln>
-                <a:ea typeface="Calibri" panose="020F0502020204030204" pitchFamily="34" charset="0"/>
-              </a:rPr>
-              <a:t>Spring</a:t>
-            </a:r>
-            <a:endParaRPr lang="ru-RU" sz="2400" b="1" dirty="0">
-              <a:ln w="9525">
-                <a:solidFill>
-                  <a:schemeClr val="bg1"/>
-                </a:solidFill>
-                <a:prstDash val="solid"/>
-              </a:ln>
-              <a:ea typeface="Calibri" panose="020F0502020204030204" pitchFamily="34" charset="0"/>
-            </a:endParaRPr>
-          </a:p>
-          <a:p>
-            <a:r>
-              <a:rPr lang="ru-RU" sz="2400" b="1" dirty="0">
-                <a:ln w="9525">
-                  <a:solidFill>
-                    <a:schemeClr val="bg1"/>
-                  </a:solidFill>
-                  <a:prstDash val="solid"/>
-                </a:ln>
-                <a:ea typeface="Calibri" panose="020F0502020204030204" pitchFamily="34" charset="0"/>
-              </a:rPr>
-              <a:t>СУБД — </a:t>
-            </a:r>
-            <a:r>
-              <a:rPr lang="en-US" sz="2400" b="1" dirty="0">
-                <a:ln w="9525">
-                  <a:solidFill>
-                    <a:schemeClr val="bg1"/>
-                  </a:solidFill>
-                  <a:prstDash val="solid"/>
-                </a:ln>
-                <a:ea typeface="Calibri" panose="020F0502020204030204" pitchFamily="34" charset="0"/>
-              </a:rPr>
-              <a:t>PostgreSQL</a:t>
-            </a:r>
-            <a:endParaRPr lang="ru-RU" sz="2400" b="1" dirty="0">
-              <a:ln w="9525">
-                <a:solidFill>
-                  <a:schemeClr val="bg1"/>
-                </a:solidFill>
-                <a:prstDash val="solid"/>
-              </a:ln>
-              <a:ea typeface="Calibri" panose="020F0502020204030204" pitchFamily="34" charset="0"/>
-            </a:endParaRPr>
-          </a:p>
-          <a:p>
-            <a:r>
-              <a:rPr lang="ru-RU" sz="2400" b="1" dirty="0">
-                <a:ln w="9525">
-                  <a:solidFill>
-                    <a:schemeClr val="bg1"/>
-                  </a:solidFill>
-                  <a:prstDash val="solid"/>
-                </a:ln>
-                <a:ea typeface="Calibri" panose="020F0502020204030204" pitchFamily="34" charset="0"/>
-              </a:rPr>
-              <a:t>Клиентская часть должна использовать </a:t>
-            </a:r>
-            <a:r>
-              <a:rPr lang="ru-RU" sz="2400" b="1" dirty="0" err="1">
-                <a:ln w="9525">
-                  <a:solidFill>
-                    <a:schemeClr val="bg1"/>
-                  </a:solidFill>
-                  <a:prstDash val="solid"/>
-                </a:ln>
-                <a:ea typeface="Calibri" panose="020F0502020204030204" pitchFamily="34" charset="0"/>
-              </a:rPr>
-              <a:t>фрэймворк</a:t>
-            </a:r>
-            <a:r>
-              <a:rPr lang="ru-RU" sz="2400" b="1" dirty="0">
-                <a:ln w="9525">
-                  <a:solidFill>
-                    <a:schemeClr val="bg1"/>
-                  </a:solidFill>
-                  <a:prstDash val="solid"/>
-                </a:ln>
-                <a:ea typeface="Calibri" panose="020F0502020204030204" pitchFamily="34" charset="0"/>
-              </a:rPr>
-              <a:t> </a:t>
-            </a:r>
-            <a:r>
-              <a:rPr lang="en-US" sz="2400" b="1" dirty="0">
-                <a:ln w="9525">
-                  <a:solidFill>
-                    <a:schemeClr val="bg1"/>
-                  </a:solidFill>
-                  <a:prstDash val="solid"/>
-                </a:ln>
-                <a:ea typeface="Calibri" panose="020F0502020204030204" pitchFamily="34" charset="0"/>
-              </a:rPr>
-              <a:t>Vue</a:t>
-            </a:r>
-            <a:r>
-              <a:rPr lang="ru-RU" sz="2400" b="1" dirty="0">
-                <a:ln w="9525">
-                  <a:solidFill>
-                    <a:schemeClr val="bg1"/>
-                  </a:solidFill>
-                  <a:prstDash val="solid"/>
-                </a:ln>
-                <a:ea typeface="Calibri" panose="020F0502020204030204" pitchFamily="34" charset="0"/>
-              </a:rPr>
-              <a:t>.</a:t>
-            </a:r>
-            <a:r>
-              <a:rPr lang="en-US" sz="2400" b="1" dirty="0" err="1">
-                <a:ln w="9525">
-                  <a:solidFill>
-                    <a:schemeClr val="bg1"/>
-                  </a:solidFill>
-                  <a:prstDash val="solid"/>
-                </a:ln>
-                <a:ea typeface="Calibri" panose="020F0502020204030204" pitchFamily="34" charset="0"/>
-              </a:rPr>
-              <a:t>js</a:t>
-            </a:r>
-            <a:endParaRPr lang="ru-RU" sz="2400" b="1" dirty="0">
-              <a:ln w="9525">
-                <a:solidFill>
-                  <a:schemeClr val="bg1"/>
-                </a:solidFill>
-                <a:prstDash val="solid"/>
-              </a:ln>
-            </a:endParaRPr>
+            <a:pPr algn="ctr"/>
+            <a:endParaRPr lang="en-US"/>
           </a:p>
         </p:txBody>
       </p:sp>
@@ -14406,81 +17961,620 @@
           <p:nvPr/>
         </p:nvPicPr>
         <p:blipFill>
-          <a:blip r:embed="rId2"/>
+          <a:blip r:embed="rId7"/>
           <a:stretch>
             <a:fillRect/>
           </a:stretch>
         </p:blipFill>
         <p:spPr>
           <a:xfrm>
-            <a:off x="0" y="3916604"/>
-            <a:ext cx="4219575" cy="1085850"/>
+            <a:off x="3840761" y="4525817"/>
+            <a:ext cx="1929384" cy="496500"/>
           </a:xfrm>
           <a:prstGeom prst="rect">
             <a:avLst/>
           </a:prstGeom>
         </p:spPr>
       </p:pic>
-      <p:pic>
-        <p:nvPicPr>
-          <p:cNvPr id="7" name="Рисунок 6">
+      <p:sp>
+        <p:nvSpPr>
+          <p:cNvPr id="3" name="TextBox 2">
             <a:extLst>
               <a:ext uri="{FF2B5EF4-FFF2-40B4-BE49-F238E27FC236}">
-                <a16:creationId xmlns:a16="http://schemas.microsoft.com/office/drawing/2014/main" id="{CFAC2B2F-8367-4BE2-95A8-FE7C709B5FD3}"/>
+                <a16:creationId xmlns:a16="http://schemas.microsoft.com/office/drawing/2014/main" id="{56B6CC15-2DFF-4F4B-9511-1ECF1CF316BB}"/>
               </a:ext>
             </a:extLst>
           </p:cNvPr>
-          <p:cNvPicPr>
-            <a:picLocks noChangeAspect="1"/>
-          </p:cNvPicPr>
+          <p:cNvSpPr txBox="1"/>
           <p:nvPr/>
-        </p:nvPicPr>
-        <p:blipFill>
-          <a:blip r:embed="rId3"/>
-          <a:stretch>
-            <a:fillRect/>
-          </a:stretch>
-        </p:blipFill>
+        </p:nvSpPr>
         <p:spPr>
           <a:xfrm>
-            <a:off x="4219575" y="3916603"/>
-            <a:ext cx="3317044" cy="2941396"/>
+            <a:off x="6280589" y="1957388"/>
+            <a:ext cx="5036456" cy="4638675"/>
           </a:xfrm>
           <a:prstGeom prst="rect">
             <a:avLst/>
           </a:prstGeom>
         </p:spPr>
-      </p:pic>
-      <p:pic>
-        <p:nvPicPr>
-          <p:cNvPr id="9" name="Рисунок 8">
-            <a:extLst>
-              <a:ext uri="{FF2B5EF4-FFF2-40B4-BE49-F238E27FC236}">
-                <a16:creationId xmlns:a16="http://schemas.microsoft.com/office/drawing/2014/main" id="{8E1CEA0F-98D5-4FDA-A5D0-B87FAA0F3CAE}"/>
-              </a:ext>
-            </a:extLst>
-          </p:cNvPr>
-          <p:cNvPicPr>
-            <a:picLocks noChangeAspect="1"/>
-          </p:cNvPicPr>
-          <p:nvPr/>
-        </p:nvPicPr>
-        <p:blipFill>
-          <a:blip r:embed="rId4"/>
-          <a:stretch>
-            <a:fillRect/>
-          </a:stretch>
-        </p:blipFill>
-        <p:spPr>
-          <a:xfrm>
-            <a:off x="7378806" y="3916603"/>
-            <a:ext cx="4813194" cy="2941397"/>
-          </a:xfrm>
-          <a:prstGeom prst="rect">
-            <a:avLst/>
-          </a:prstGeom>
-        </p:spPr>
-      </p:pic>
+        <p:txBody>
+          <a:bodyPr vert="horz" lIns="91440" tIns="45720" rIns="91440" bIns="45720" rtlCol="0">
+            <a:normAutofit fontScale="92500"/>
+          </a:bodyPr>
+          <a:lstStyle/>
+          <a:p>
+            <a:pPr marL="342900" indent="-342900" defTabSz="914400">
+              <a:lnSpc>
+                <a:spcPct val="120000"/>
+              </a:lnSpc>
+              <a:spcAft>
+                <a:spcPts val="600"/>
+              </a:spcAft>
+              <a:buSzPct val="125000"/>
+              <a:buFont typeface="+mj-lt"/>
+              <a:buAutoNum type="arabicPeriod"/>
+            </a:pPr>
+            <a:r>
+              <a:rPr lang="en-US" sz="2400" b="1" dirty="0" err="1">
+                <a:ln w="9525">
+                  <a:solidFill>
+                    <a:schemeClr val="bg1"/>
+                  </a:solidFill>
+                  <a:prstDash val="solid"/>
+                </a:ln>
+              </a:rPr>
+              <a:t>Серверная</a:t>
+            </a:r>
+            <a:r>
+              <a:rPr lang="en-US" sz="2400" b="1" dirty="0">
+                <a:ln w="9525">
+                  <a:solidFill>
+                    <a:schemeClr val="bg1"/>
+                  </a:solidFill>
+                  <a:prstDash val="solid"/>
+                </a:ln>
+              </a:rPr>
+              <a:t> </a:t>
+            </a:r>
+            <a:r>
+              <a:rPr lang="en-US" sz="2400" b="1" dirty="0" err="1">
+                <a:ln w="9525">
+                  <a:solidFill>
+                    <a:schemeClr val="bg1"/>
+                  </a:solidFill>
+                  <a:prstDash val="solid"/>
+                </a:ln>
+              </a:rPr>
+              <a:t>часть</a:t>
+            </a:r>
+            <a:r>
+              <a:rPr lang="en-US" sz="2400" b="1" dirty="0">
+                <a:ln w="9525">
+                  <a:solidFill>
+                    <a:schemeClr val="bg1"/>
+                  </a:solidFill>
+                  <a:prstDash val="solid"/>
+                </a:ln>
+              </a:rPr>
+              <a:t> (REST API) </a:t>
+            </a:r>
+            <a:r>
+              <a:rPr lang="en-US" sz="2400" b="1" dirty="0" err="1">
+                <a:ln w="9525">
+                  <a:solidFill>
+                    <a:schemeClr val="bg1"/>
+                  </a:solidFill>
+                  <a:prstDash val="solid"/>
+                </a:ln>
+              </a:rPr>
+              <a:t>приложения</a:t>
+            </a:r>
+            <a:r>
+              <a:rPr lang="en-US" sz="2400" b="1" dirty="0">
+                <a:ln w="9525">
+                  <a:solidFill>
+                    <a:schemeClr val="bg1"/>
+                  </a:solidFill>
+                  <a:prstDash val="solid"/>
+                </a:ln>
+              </a:rPr>
+              <a:t> </a:t>
+            </a:r>
+            <a:r>
+              <a:rPr lang="en-US" sz="2400" b="1" dirty="0" err="1">
+                <a:ln w="9525">
+                  <a:solidFill>
+                    <a:schemeClr val="bg1"/>
+                  </a:solidFill>
+                  <a:prstDash val="solid"/>
+                </a:ln>
+              </a:rPr>
+              <a:t>должна</a:t>
+            </a:r>
+            <a:r>
+              <a:rPr lang="en-US" sz="2400" b="1" dirty="0">
+                <a:ln w="9525">
+                  <a:solidFill>
+                    <a:schemeClr val="bg1"/>
+                  </a:solidFill>
+                  <a:prstDash val="solid"/>
+                </a:ln>
+              </a:rPr>
+              <a:t> </a:t>
+            </a:r>
+            <a:r>
+              <a:rPr lang="en-US" sz="2400" b="1" dirty="0" err="1">
+                <a:ln w="9525">
+                  <a:solidFill>
+                    <a:schemeClr val="bg1"/>
+                  </a:solidFill>
+                  <a:prstDash val="solid"/>
+                </a:ln>
+              </a:rPr>
+              <a:t>использовать</a:t>
+            </a:r>
+            <a:r>
+              <a:rPr lang="en-US" sz="2400" b="1" dirty="0">
+                <a:ln w="9525">
+                  <a:solidFill>
+                    <a:schemeClr val="bg1"/>
+                  </a:solidFill>
+                  <a:prstDash val="solid"/>
+                </a:ln>
+              </a:rPr>
+              <a:t> </a:t>
+            </a:r>
+            <a:r>
+              <a:rPr lang="en-US" sz="2400" b="1" dirty="0" err="1">
+                <a:ln w="9525">
+                  <a:solidFill>
+                    <a:schemeClr val="bg1"/>
+                  </a:solidFill>
+                  <a:prstDash val="solid"/>
+                </a:ln>
+              </a:rPr>
+              <a:t>фрэймворк</a:t>
+            </a:r>
+            <a:r>
+              <a:rPr lang="en-US" sz="2400" b="1" dirty="0">
+                <a:ln w="9525">
+                  <a:solidFill>
+                    <a:schemeClr val="bg1"/>
+                  </a:solidFill>
+                  <a:prstDash val="solid"/>
+                </a:ln>
+              </a:rPr>
+              <a:t> Spring</a:t>
+            </a:r>
+            <a:r>
+              <a:rPr lang="ru-RU" sz="2400" b="1" dirty="0">
+                <a:ln w="9525">
+                  <a:solidFill>
+                    <a:schemeClr val="bg1"/>
+                  </a:solidFill>
+                  <a:prstDash val="solid"/>
+                </a:ln>
+              </a:rPr>
+              <a:t>;</a:t>
+            </a:r>
+            <a:endParaRPr lang="en-US" sz="2400" b="1" dirty="0">
+              <a:ln w="9525">
+                <a:solidFill>
+                  <a:schemeClr val="bg1"/>
+                </a:solidFill>
+                <a:prstDash val="solid"/>
+              </a:ln>
+            </a:endParaRPr>
+          </a:p>
+          <a:p>
+            <a:pPr marL="342900" indent="-342900" defTabSz="914400">
+              <a:lnSpc>
+                <a:spcPct val="120000"/>
+              </a:lnSpc>
+              <a:spcAft>
+                <a:spcPts val="600"/>
+              </a:spcAft>
+              <a:buSzPct val="125000"/>
+              <a:buFont typeface="+mj-lt"/>
+              <a:buAutoNum type="arabicPeriod"/>
+            </a:pPr>
+            <a:r>
+              <a:rPr lang="en-US" sz="2400" b="1" dirty="0">
+                <a:ln w="9525">
+                  <a:solidFill>
+                    <a:schemeClr val="bg1"/>
+                  </a:solidFill>
+                  <a:prstDash val="solid"/>
+                </a:ln>
+              </a:rPr>
+              <a:t>СУБД </a:t>
+            </a:r>
+            <a:r>
+              <a:rPr lang="en-US" sz="2400" b="1" dirty="0" err="1">
+                <a:ln w="9525">
+                  <a:solidFill>
+                    <a:schemeClr val="bg1"/>
+                  </a:solidFill>
+                  <a:prstDash val="solid"/>
+                </a:ln>
+              </a:rPr>
+              <a:t>на</a:t>
+            </a:r>
+            <a:r>
+              <a:rPr lang="en-US" sz="2400" b="1" dirty="0">
+                <a:ln w="9525">
+                  <a:solidFill>
+                    <a:schemeClr val="bg1"/>
+                  </a:solidFill>
+                  <a:prstDash val="solid"/>
+                </a:ln>
+              </a:rPr>
+              <a:t> </a:t>
+            </a:r>
+            <a:r>
+              <a:rPr lang="en-US" sz="2400" b="1" dirty="0" err="1">
+                <a:ln w="9525">
+                  <a:solidFill>
+                    <a:schemeClr val="bg1"/>
+                  </a:solidFill>
+                  <a:prstDash val="solid"/>
+                </a:ln>
+              </a:rPr>
+              <a:t>стороне</a:t>
+            </a:r>
+            <a:r>
+              <a:rPr lang="en-US" sz="2400" b="1" dirty="0">
+                <a:ln w="9525">
+                  <a:solidFill>
+                    <a:schemeClr val="bg1"/>
+                  </a:solidFill>
+                  <a:prstDash val="solid"/>
+                </a:ln>
+              </a:rPr>
+              <a:t> </a:t>
+            </a:r>
+            <a:r>
+              <a:rPr lang="en-US" sz="2400" b="1" dirty="0" err="1">
+                <a:ln w="9525">
+                  <a:solidFill>
+                    <a:schemeClr val="bg1"/>
+                  </a:solidFill>
+                  <a:prstDash val="solid"/>
+                </a:ln>
+              </a:rPr>
+              <a:t>сервера</a:t>
+            </a:r>
+            <a:r>
+              <a:rPr lang="en-US" sz="2400" b="1" dirty="0">
+                <a:ln w="9525">
+                  <a:solidFill>
+                    <a:schemeClr val="bg1"/>
+                  </a:solidFill>
+                  <a:prstDash val="solid"/>
+                </a:ln>
+              </a:rPr>
+              <a:t> — PostgreSQL</a:t>
+            </a:r>
+            <a:r>
+              <a:rPr lang="ru-RU" sz="2400" b="1" dirty="0">
+                <a:ln w="9525">
+                  <a:solidFill>
+                    <a:schemeClr val="bg1"/>
+                  </a:solidFill>
+                  <a:prstDash val="solid"/>
+                </a:ln>
+              </a:rPr>
+              <a:t>;</a:t>
+            </a:r>
+            <a:endParaRPr lang="en-US" sz="2400" b="1" dirty="0">
+              <a:ln w="9525">
+                <a:solidFill>
+                  <a:schemeClr val="bg1"/>
+                </a:solidFill>
+                <a:prstDash val="solid"/>
+              </a:ln>
+            </a:endParaRPr>
+          </a:p>
+          <a:p>
+            <a:pPr marL="342900" indent="-342900" defTabSz="914400">
+              <a:lnSpc>
+                <a:spcPct val="120000"/>
+              </a:lnSpc>
+              <a:spcAft>
+                <a:spcPts val="600"/>
+              </a:spcAft>
+              <a:buSzPct val="125000"/>
+              <a:buFont typeface="+mj-lt"/>
+              <a:buAutoNum type="arabicPeriod"/>
+            </a:pPr>
+            <a:r>
+              <a:rPr lang="en-US" sz="2400" b="1" dirty="0">
+                <a:ln w="9525">
+                  <a:solidFill>
+                    <a:schemeClr val="bg1"/>
+                  </a:solidFill>
+                  <a:prstDash val="solid"/>
+                </a:ln>
+              </a:rPr>
+              <a:t>СУБД </a:t>
+            </a:r>
+            <a:r>
+              <a:rPr lang="en-US" sz="2400" b="1" dirty="0" err="1">
+                <a:ln w="9525">
+                  <a:solidFill>
+                    <a:schemeClr val="bg1"/>
+                  </a:solidFill>
+                  <a:prstDash val="solid"/>
+                </a:ln>
+              </a:rPr>
+              <a:t>на</a:t>
+            </a:r>
+            <a:r>
+              <a:rPr lang="en-US" sz="2400" b="1" dirty="0">
+                <a:ln w="9525">
+                  <a:solidFill>
+                    <a:schemeClr val="bg1"/>
+                  </a:solidFill>
+                  <a:prstDash val="solid"/>
+                </a:ln>
+              </a:rPr>
+              <a:t> </a:t>
+            </a:r>
+            <a:r>
+              <a:rPr lang="en-US" sz="2400" b="1" dirty="0" err="1">
+                <a:ln w="9525">
+                  <a:solidFill>
+                    <a:schemeClr val="bg1"/>
+                  </a:solidFill>
+                  <a:prstDash val="solid"/>
+                </a:ln>
+              </a:rPr>
+              <a:t>стороне</a:t>
+            </a:r>
+            <a:r>
+              <a:rPr lang="en-US" sz="2400" b="1" dirty="0">
+                <a:ln w="9525">
+                  <a:solidFill>
+                    <a:schemeClr val="bg1"/>
+                  </a:solidFill>
+                  <a:prstDash val="solid"/>
+                </a:ln>
+              </a:rPr>
+              <a:t> </a:t>
+            </a:r>
+            <a:r>
+              <a:rPr lang="en-US" sz="2400" b="1" dirty="0" err="1">
+                <a:ln w="9525">
+                  <a:solidFill>
+                    <a:schemeClr val="bg1"/>
+                  </a:solidFill>
+                  <a:prstDash val="solid"/>
+                </a:ln>
+              </a:rPr>
+              <a:t>клиента</a:t>
+            </a:r>
+            <a:r>
+              <a:rPr lang="en-US" sz="2400" b="1" dirty="0">
+                <a:ln w="9525">
+                  <a:solidFill>
+                    <a:schemeClr val="bg1"/>
+                  </a:solidFill>
+                  <a:prstDash val="solid"/>
+                </a:ln>
+              </a:rPr>
+              <a:t> — SQLite</a:t>
+            </a:r>
+            <a:r>
+              <a:rPr lang="ru-RU" sz="2400" b="1" dirty="0">
+                <a:ln w="9525">
+                  <a:solidFill>
+                    <a:schemeClr val="bg1"/>
+                  </a:solidFill>
+                  <a:prstDash val="solid"/>
+                </a:ln>
+              </a:rPr>
+              <a:t>;</a:t>
+            </a:r>
+            <a:endParaRPr lang="en-US" sz="2400" b="1" dirty="0">
+              <a:ln w="9525">
+                <a:solidFill>
+                  <a:schemeClr val="bg1"/>
+                </a:solidFill>
+                <a:prstDash val="solid"/>
+              </a:ln>
+            </a:endParaRPr>
+          </a:p>
+          <a:p>
+            <a:pPr marL="342900" indent="-342900" defTabSz="914400">
+              <a:lnSpc>
+                <a:spcPct val="120000"/>
+              </a:lnSpc>
+              <a:spcAft>
+                <a:spcPts val="600"/>
+              </a:spcAft>
+              <a:buSzPct val="125000"/>
+              <a:buFont typeface="+mj-lt"/>
+              <a:buAutoNum type="arabicPeriod"/>
+            </a:pPr>
+            <a:r>
+              <a:rPr lang="en-US" sz="2400" b="1" dirty="0" err="1">
+                <a:ln w="9525">
+                  <a:solidFill>
+                    <a:schemeClr val="bg1"/>
+                  </a:solidFill>
+                  <a:prstDash val="solid"/>
+                </a:ln>
+              </a:rPr>
+              <a:t>Клиентская</a:t>
+            </a:r>
+            <a:r>
+              <a:rPr lang="en-US" sz="2400" b="1" dirty="0">
+                <a:ln w="9525">
+                  <a:solidFill>
+                    <a:schemeClr val="bg1"/>
+                  </a:solidFill>
+                  <a:prstDash val="solid"/>
+                </a:ln>
+              </a:rPr>
+              <a:t> </a:t>
+            </a:r>
+            <a:r>
+              <a:rPr lang="en-US" sz="2400" b="1" dirty="0" err="1">
+                <a:ln w="9525">
+                  <a:solidFill>
+                    <a:schemeClr val="bg1"/>
+                  </a:solidFill>
+                  <a:prstDash val="solid"/>
+                </a:ln>
+              </a:rPr>
+              <a:t>часть</a:t>
+            </a:r>
+            <a:r>
+              <a:rPr lang="en-US" sz="2400" b="1" dirty="0">
+                <a:ln w="9525">
+                  <a:solidFill>
+                    <a:schemeClr val="bg1"/>
+                  </a:solidFill>
+                  <a:prstDash val="solid"/>
+                </a:ln>
+              </a:rPr>
+              <a:t> </a:t>
+            </a:r>
+            <a:r>
+              <a:rPr lang="en-US" sz="2400" b="1" dirty="0" err="1">
+                <a:ln w="9525">
+                  <a:solidFill>
+                    <a:schemeClr val="bg1"/>
+                  </a:solidFill>
+                  <a:prstDash val="solid"/>
+                </a:ln>
+              </a:rPr>
+              <a:t>должна</a:t>
+            </a:r>
+            <a:r>
+              <a:rPr lang="en-US" sz="2400" b="1" dirty="0">
+                <a:ln w="9525">
+                  <a:solidFill>
+                    <a:schemeClr val="bg1"/>
+                  </a:solidFill>
+                  <a:prstDash val="solid"/>
+                </a:ln>
+              </a:rPr>
+              <a:t> </a:t>
+            </a:r>
+            <a:r>
+              <a:rPr lang="en-US" sz="2400" b="1" dirty="0" err="1">
+                <a:ln w="9525">
+                  <a:solidFill>
+                    <a:schemeClr val="bg1"/>
+                  </a:solidFill>
+                  <a:prstDash val="solid"/>
+                </a:ln>
+              </a:rPr>
+              <a:t>использовать</a:t>
+            </a:r>
+            <a:r>
+              <a:rPr lang="en-US" sz="2400" b="1" dirty="0">
+                <a:ln w="9525">
+                  <a:solidFill>
+                    <a:schemeClr val="bg1"/>
+                  </a:solidFill>
+                  <a:prstDash val="solid"/>
+                </a:ln>
+              </a:rPr>
+              <a:t> REST-</a:t>
+            </a:r>
+            <a:r>
+              <a:rPr lang="en-US" sz="2400" b="1" dirty="0" err="1">
+                <a:ln w="9525">
+                  <a:solidFill>
+                    <a:schemeClr val="bg1"/>
+                  </a:solidFill>
+                  <a:prstDash val="solid"/>
+                </a:ln>
+              </a:rPr>
+              <a:t>клиент</a:t>
+            </a:r>
+            <a:r>
+              <a:rPr lang="en-US" sz="2400" b="1" dirty="0">
+                <a:ln w="9525">
+                  <a:solidFill>
+                    <a:schemeClr val="bg1"/>
+                  </a:solidFill>
+                  <a:prstDash val="solid"/>
+                </a:ln>
+              </a:rPr>
+              <a:t> </a:t>
+            </a:r>
+            <a:r>
+              <a:rPr lang="en-US" sz="2400" b="1" dirty="0" err="1">
+                <a:ln w="9525">
+                  <a:solidFill>
+                    <a:schemeClr val="bg1"/>
+                  </a:solidFill>
+                  <a:prstDash val="solid"/>
+                </a:ln>
+              </a:rPr>
+              <a:t>для</a:t>
+            </a:r>
+            <a:r>
+              <a:rPr lang="en-US" sz="2400" b="1" dirty="0">
+                <a:ln w="9525">
+                  <a:solidFill>
+                    <a:schemeClr val="bg1"/>
+                  </a:solidFill>
+                  <a:prstDash val="solid"/>
+                </a:ln>
+              </a:rPr>
+              <a:t> Android и Java </a:t>
+            </a:r>
+            <a:r>
+              <a:rPr lang="en-US" sz="2400" b="1" dirty="0" err="1">
+                <a:ln w="9525">
+                  <a:solidFill>
+                    <a:schemeClr val="bg1"/>
+                  </a:solidFill>
+                  <a:prstDash val="solid"/>
+                </a:ln>
+              </a:rPr>
+              <a:t>под</a:t>
+            </a:r>
+            <a:r>
+              <a:rPr lang="en-US" sz="2400" b="1" dirty="0">
+                <a:ln w="9525">
+                  <a:solidFill>
+                    <a:schemeClr val="bg1"/>
+                  </a:solidFill>
+                  <a:prstDash val="solid"/>
+                </a:ln>
+              </a:rPr>
+              <a:t> </a:t>
+            </a:r>
+            <a:r>
+              <a:rPr lang="en-US" sz="2400" b="1" dirty="0" err="1">
+                <a:ln w="9525">
+                  <a:solidFill>
+                    <a:schemeClr val="bg1"/>
+                  </a:solidFill>
+                  <a:prstDash val="solid"/>
+                </a:ln>
+              </a:rPr>
+              <a:t>названием</a:t>
+            </a:r>
+            <a:r>
+              <a:rPr lang="en-US" sz="2400" b="1" dirty="0">
+                <a:ln w="9525">
+                  <a:solidFill>
+                    <a:schemeClr val="bg1"/>
+                  </a:solidFill>
+                  <a:prstDash val="solid"/>
+                </a:ln>
+              </a:rPr>
+              <a:t> Retrofit</a:t>
+            </a:r>
+          </a:p>
+        </p:txBody>
+      </p:sp>
     </p:spTree>
     <p:extLst>
       <p:ext uri="{BB962C8B-B14F-4D97-AF65-F5344CB8AC3E}">
@@ -14762,482 +18856,6 @@
     <p:extLst>
       <p:ext uri="{BB962C8B-B14F-4D97-AF65-F5344CB8AC3E}">
         <p14:creationId xmlns:p14="http://schemas.microsoft.com/office/powerpoint/2010/main" val="1761922892"/>
-      </p:ext>
-    </p:extLst>
-  </p:cSld>
-  <p:clrMapOvr>
-    <a:masterClrMapping/>
-  </p:clrMapOvr>
-</p:sld>
-</file>
-
-<file path=ppt/slides/slide8.xml><?xml version="1.0" encoding="utf-8"?>
-<p:sld xmlns:a="http://schemas.openxmlformats.org/drawingml/2006/main" xmlns:r="http://schemas.openxmlformats.org/officeDocument/2006/relationships" xmlns:p="http://schemas.openxmlformats.org/presentationml/2006/main">
-  <p:cSld>
-    <p:spTree>
-      <p:nvGrpSpPr>
-        <p:cNvPr id="1" name=""/>
-        <p:cNvGrpSpPr/>
-        <p:nvPr/>
-      </p:nvGrpSpPr>
-      <p:grpSpPr>
-        <a:xfrm>
-          <a:off x="0" y="0"/>
-          <a:ext cx="0" cy="0"/>
-          <a:chOff x="0" y="0"/>
-          <a:chExt cx="0" cy="0"/>
-        </a:xfrm>
-      </p:grpSpPr>
-      <p:sp>
-        <p:nvSpPr>
-          <p:cNvPr id="8" name="Заголовок 7">
-            <a:extLst>
-              <a:ext uri="{FF2B5EF4-FFF2-40B4-BE49-F238E27FC236}">
-                <a16:creationId xmlns:a16="http://schemas.microsoft.com/office/drawing/2014/main" id="{59498CB7-A9C5-0F58-46B6-BAFBA7795D96}"/>
-              </a:ext>
-            </a:extLst>
-          </p:cNvPr>
-          <p:cNvSpPr>
-            <a:spLocks noGrp="1"/>
-          </p:cNvSpPr>
-          <p:nvPr>
-            <p:ph type="title"/>
-          </p:nvPr>
-        </p:nvSpPr>
-        <p:spPr/>
-        <p:txBody>
-          <a:bodyPr/>
-          <a:lstStyle/>
-          <a:p>
-            <a:endParaRPr lang="ru-RU"/>
-          </a:p>
-        </p:txBody>
-      </p:sp>
-      <p:pic>
-        <p:nvPicPr>
-          <p:cNvPr id="9" name="1">
-            <a:hlinkClick r:id="" action="ppaction://media"/>
-            <a:extLst>
-              <a:ext uri="{FF2B5EF4-FFF2-40B4-BE49-F238E27FC236}">
-                <a16:creationId xmlns:a16="http://schemas.microsoft.com/office/drawing/2014/main" id="{D1BC7DB0-00B9-FF54-81B0-8D892DBD5039}"/>
-              </a:ext>
-            </a:extLst>
-          </p:cNvPr>
-          <p:cNvPicPr>
-            <a:picLocks noChangeAspect="1"/>
-          </p:cNvPicPr>
-          <p:nvPr>
-            <a:videoFile r:link="rId2"/>
-            <p:extLst>
-              <p:ext uri="{DAA4B4D4-6D71-4841-9C94-3DE7FCFB9230}">
-                <p14:media xmlns:p14="http://schemas.microsoft.com/office/powerpoint/2010/main" r:embed="rId1"/>
-              </p:ext>
-            </p:extLst>
-          </p:nvPr>
-        </p:nvPicPr>
-        <p:blipFill>
-          <a:blip r:embed="rId4"/>
-          <a:stretch>
-            <a:fillRect/>
-          </a:stretch>
-        </p:blipFill>
-        <p:spPr>
-          <a:xfrm>
-            <a:off x="0" y="0"/>
-            <a:ext cx="12192000" cy="6858000"/>
-          </a:xfrm>
-          <a:prstGeom prst="rect">
-            <a:avLst/>
-          </a:prstGeom>
-        </p:spPr>
-      </p:pic>
-    </p:spTree>
-    <p:extLst>
-      <p:ext uri="{BB962C8B-B14F-4D97-AF65-F5344CB8AC3E}">
-        <p14:creationId xmlns:p14="http://schemas.microsoft.com/office/powerpoint/2010/main" val="2744490996"/>
-      </p:ext>
-    </p:extLst>
-  </p:cSld>
-  <p:clrMapOvr>
-    <a:masterClrMapping/>
-  </p:clrMapOvr>
-  <p:timing>
-    <p:tnLst>
-      <p:par>
-        <p:cTn id="1" dur="indefinite" restart="never" nodeType="tmRoot">
-          <p:childTnLst>
-            <p:seq concurrent="1" nextAc="seek">
-              <p:cTn id="2" dur="indefinite" nodeType="mainSeq">
-                <p:childTnLst>
-                  <p:par>
-                    <p:cTn id="3" fill="hold">
-                      <p:stCondLst>
-                        <p:cond delay="indefinite"/>
-                      </p:stCondLst>
-                      <p:childTnLst>
-                        <p:par>
-                          <p:cTn id="4" fill="hold">
-                            <p:stCondLst>
-                              <p:cond delay="0"/>
-                            </p:stCondLst>
-                            <p:childTnLst>
-                              <p:par>
-                                <p:cTn id="5" presetID="1" presetClass="mediacall" presetSubtype="0" fill="hold" nodeType="clickEffect">
-                                  <p:stCondLst>
-                                    <p:cond delay="0"/>
-                                  </p:stCondLst>
-                                  <p:childTnLst>
-                                    <p:cmd type="call" cmd="playFrom(0.0)">
-                                      <p:cBhvr>
-                                        <p:cTn id="6" dur="52223" fill="hold"/>
-                                        <p:tgtEl>
-                                          <p:spTgt spid="9"/>
-                                        </p:tgtEl>
-                                      </p:cBhvr>
-                                    </p:cmd>
-                                  </p:childTnLst>
-                                </p:cTn>
-                              </p:par>
-                            </p:childTnLst>
-                          </p:cTn>
-                        </p:par>
-                      </p:childTnLst>
-                    </p:cTn>
-                  </p:par>
-                </p:childTnLst>
-              </p:cTn>
-              <p:prevCondLst>
-                <p:cond evt="onPrev" delay="0">
-                  <p:tgtEl>
-                    <p:sldTgt/>
-                  </p:tgtEl>
-                </p:cond>
-              </p:prevCondLst>
-              <p:nextCondLst>
-                <p:cond evt="onNext" delay="0">
-                  <p:tgtEl>
-                    <p:sldTgt/>
-                  </p:tgtEl>
-                </p:cond>
-              </p:nextCondLst>
-            </p:seq>
-            <p:video>
-              <p:cMediaNode vol="80000">
-                <p:cTn id="7" fill="hold" display="0">
-                  <p:stCondLst>
-                    <p:cond delay="indefinite"/>
-                  </p:stCondLst>
-                </p:cTn>
-                <p:tgtEl>
-                  <p:spTgt spid="9"/>
-                </p:tgtEl>
-              </p:cMediaNode>
-            </p:video>
-            <p:seq concurrent="1" nextAc="seek">
-              <p:cTn id="8" restart="whenNotActive" fill="hold" evtFilter="cancelBubble" nodeType="interactiveSeq">
-                <p:stCondLst>
-                  <p:cond evt="onClick" delay="0">
-                    <p:tgtEl>
-                      <p:spTgt spid="9"/>
-                    </p:tgtEl>
-                  </p:cond>
-                </p:stCondLst>
-                <p:endSync evt="end" delay="0">
-                  <p:rtn val="all"/>
-                </p:endSync>
-                <p:childTnLst>
-                  <p:par>
-                    <p:cTn id="9" fill="hold">
-                      <p:stCondLst>
-                        <p:cond delay="0"/>
-                      </p:stCondLst>
-                      <p:childTnLst>
-                        <p:par>
-                          <p:cTn id="10" fill="hold">
-                            <p:stCondLst>
-                              <p:cond delay="0"/>
-                            </p:stCondLst>
-                            <p:childTnLst>
-                              <p:par>
-                                <p:cTn id="11" presetID="2" presetClass="mediacall" presetSubtype="0" fill="hold" nodeType="clickEffect">
-                                  <p:stCondLst>
-                                    <p:cond delay="0"/>
-                                  </p:stCondLst>
-                                  <p:childTnLst>
-                                    <p:cmd type="call" cmd="togglePause">
-                                      <p:cBhvr>
-                                        <p:cTn id="12" dur="1" fill="hold"/>
-                                        <p:tgtEl>
-                                          <p:spTgt spid="9"/>
-                                        </p:tgtEl>
-                                      </p:cBhvr>
-                                    </p:cmd>
-                                  </p:childTnLst>
-                                </p:cTn>
-                              </p:par>
-                            </p:childTnLst>
-                          </p:cTn>
-                        </p:par>
-                      </p:childTnLst>
-                    </p:cTn>
-                  </p:par>
-                </p:childTnLst>
-              </p:cTn>
-              <p:nextCondLst>
-                <p:cond evt="onClick" delay="0">
-                  <p:tgtEl>
-                    <p:spTgt spid="9"/>
-                  </p:tgtEl>
-                </p:cond>
-              </p:nextCondLst>
-            </p:seq>
-          </p:childTnLst>
-        </p:cTn>
-      </p:par>
-    </p:tnLst>
-  </p:timing>
-</p:sld>
-</file>
-
-<file path=ppt/slides/slide9.xml><?xml version="1.0" encoding="utf-8"?>
-<p:sld xmlns:a="http://schemas.openxmlformats.org/drawingml/2006/main" xmlns:r="http://schemas.openxmlformats.org/officeDocument/2006/relationships" xmlns:p="http://schemas.openxmlformats.org/presentationml/2006/main">
-  <p:cSld>
-    <p:spTree>
-      <p:nvGrpSpPr>
-        <p:cNvPr id="1" name=""/>
-        <p:cNvGrpSpPr/>
-        <p:nvPr/>
-      </p:nvGrpSpPr>
-      <p:grpSpPr>
-        <a:xfrm>
-          <a:off x="0" y="0"/>
-          <a:ext cx="0" cy="0"/>
-          <a:chOff x="0" y="0"/>
-          <a:chExt cx="0" cy="0"/>
-        </a:xfrm>
-      </p:grpSpPr>
-      <p:sp>
-        <p:nvSpPr>
-          <p:cNvPr id="2" name="Заголовок 1">
-            <a:extLst>
-              <a:ext uri="{FF2B5EF4-FFF2-40B4-BE49-F238E27FC236}">
-                <a16:creationId xmlns:a16="http://schemas.microsoft.com/office/drawing/2014/main" id="{BDEA2A95-F280-4927-971B-6FA22E670D3F}"/>
-              </a:ext>
-            </a:extLst>
-          </p:cNvPr>
-          <p:cNvSpPr>
-            <a:spLocks noGrp="1"/>
-          </p:cNvSpPr>
-          <p:nvPr>
-            <p:ph type="title"/>
-          </p:nvPr>
-        </p:nvSpPr>
-        <p:spPr>
-          <a:effectLst/>
-        </p:spPr>
-        <p:txBody>
-          <a:bodyPr/>
-          <a:lstStyle/>
-          <a:p>
-            <a:pPr algn="ctr"/>
-            <a:r>
-              <a:rPr lang="ru-RU" b="1" cap="none" dirty="0">
-                <a:ln w="9525">
-                  <a:solidFill>
-                    <a:schemeClr val="bg1"/>
-                  </a:solidFill>
-                  <a:prstDash val="solid"/>
-                </a:ln>
-              </a:rPr>
-              <a:t>9</a:t>
-            </a:r>
-            <a:r>
-              <a:rPr lang="en-US" b="1" cap="none" dirty="0">
-                <a:ln w="9525">
-                  <a:solidFill>
-                    <a:schemeClr val="bg1"/>
-                  </a:solidFill>
-                  <a:prstDash val="solid"/>
-                </a:ln>
-              </a:rPr>
-              <a:t>) </a:t>
-            </a:r>
-            <a:r>
-              <a:rPr lang="ru-RU" b="1" cap="none" dirty="0">
-                <a:ln w="9525">
-                  <a:solidFill>
-                    <a:schemeClr val="bg1"/>
-                  </a:solidFill>
-                  <a:prstDash val="solid"/>
-                </a:ln>
-              </a:rPr>
-              <a:t>ТЕСТИРОВАНИЕ</a:t>
-            </a:r>
-          </a:p>
-        </p:txBody>
-      </p:sp>
-      <p:sp>
-        <p:nvSpPr>
-          <p:cNvPr id="3" name="TextBox 2">
-            <a:extLst>
-              <a:ext uri="{FF2B5EF4-FFF2-40B4-BE49-F238E27FC236}">
-                <a16:creationId xmlns:a16="http://schemas.microsoft.com/office/drawing/2014/main" id="{A4E84C45-7EA9-F137-C41D-4B8131072456}"/>
-              </a:ext>
-            </a:extLst>
-          </p:cNvPr>
-          <p:cNvSpPr txBox="1"/>
-          <p:nvPr/>
-        </p:nvSpPr>
-        <p:spPr>
-          <a:xfrm>
-            <a:off x="1276709" y="1828800"/>
-            <a:ext cx="9770702" cy="4154984"/>
-          </a:xfrm>
-          <a:prstGeom prst="rect">
-            <a:avLst/>
-          </a:prstGeom>
-          <a:noFill/>
-          <a:effectLst/>
-        </p:spPr>
-        <p:txBody>
-          <a:bodyPr wrap="square" rtlCol="0">
-            <a:spAutoFit/>
-          </a:bodyPr>
-          <a:lstStyle/>
-          <a:p>
-            <a:r>
-              <a:rPr lang="ru-RU" sz="2400" dirty="0">
-                <a:ea typeface="Calibri" panose="020F0502020204030204" pitchFamily="34" charset="0"/>
-              </a:rPr>
-              <a:t>	</a:t>
-            </a:r>
-            <a:r>
-              <a:rPr lang="ru-RU" sz="2400" b="1" dirty="0">
-                <a:ln w="9525">
-                  <a:solidFill>
-                    <a:schemeClr val="bg1"/>
-                  </a:solidFill>
-                  <a:prstDash val="solid"/>
-                </a:ln>
-                <a:ea typeface="Calibri" panose="020F0502020204030204" pitchFamily="34" charset="0"/>
-              </a:rPr>
-              <a:t>Проведено тестирование модуля серверной части, модуля клавиатуры и модуля взаимодействия. Тестирование модуля клавиатуры проводилось с помощью фреймворка </a:t>
-            </a:r>
-            <a:r>
-              <a:rPr lang="ru-RU" sz="2400" b="1" dirty="0" err="1">
-                <a:ln w="9525">
-                  <a:solidFill>
-                    <a:schemeClr val="bg1"/>
-                  </a:solidFill>
-                  <a:prstDash val="solid"/>
-                </a:ln>
-                <a:ea typeface="Calibri" panose="020F0502020204030204" pitchFamily="34" charset="0"/>
-              </a:rPr>
-              <a:t>Selenide</a:t>
-            </a:r>
-            <a:r>
-              <a:rPr lang="ru-RU" sz="2400" b="1" dirty="0">
-                <a:ln w="9525">
-                  <a:solidFill>
-                    <a:schemeClr val="bg1"/>
-                  </a:solidFill>
-                  <a:prstDash val="solid"/>
-                </a:ln>
-                <a:ea typeface="Calibri" panose="020F0502020204030204" pitchFamily="34" charset="0"/>
-              </a:rPr>
-              <a:t> в качестве обертки вокруг </a:t>
-            </a:r>
-            <a:r>
-              <a:rPr lang="ru-RU" sz="2400" b="1" dirty="0" err="1">
-                <a:ln w="9525">
-                  <a:solidFill>
-                    <a:schemeClr val="bg1"/>
-                  </a:solidFill>
-                  <a:prstDash val="solid"/>
-                </a:ln>
-                <a:ea typeface="Calibri" panose="020F0502020204030204" pitchFamily="34" charset="0"/>
-              </a:rPr>
-              <a:t>Selenium</a:t>
-            </a:r>
-            <a:r>
-              <a:rPr lang="ru-RU" sz="2400" b="1" dirty="0">
-                <a:ln w="9525">
-                  <a:solidFill>
-                    <a:schemeClr val="bg1"/>
-                  </a:solidFill>
-                  <a:prstDash val="solid"/>
-                </a:ln>
-                <a:ea typeface="Calibri" panose="020F0502020204030204" pitchFamily="34" charset="0"/>
-              </a:rPr>
-              <a:t> </a:t>
-            </a:r>
-            <a:r>
-              <a:rPr lang="ru-RU" sz="2400" b="1" dirty="0" err="1">
-                <a:ln w="9525">
-                  <a:solidFill>
-                    <a:schemeClr val="bg1"/>
-                  </a:solidFill>
-                  <a:prstDash val="solid"/>
-                </a:ln>
-                <a:ea typeface="Calibri" panose="020F0502020204030204" pitchFamily="34" charset="0"/>
-              </a:rPr>
-              <a:t>WebDriver</a:t>
-            </a:r>
-            <a:r>
-              <a:rPr lang="ru-RU" sz="2400" b="1" dirty="0">
-                <a:ln w="9525">
-                  <a:solidFill>
-                    <a:schemeClr val="bg1"/>
-                  </a:solidFill>
-                  <a:prstDash val="solid"/>
-                </a:ln>
-                <a:ea typeface="Calibri" panose="020F0502020204030204" pitchFamily="34" charset="0"/>
-              </a:rPr>
-              <a:t>. Остальные модули тестировались вручную</a:t>
-            </a:r>
-          </a:p>
-          <a:p>
-            <a:r>
-              <a:rPr lang="ru-RU" sz="2400" b="1" dirty="0">
-                <a:ln w="9525">
-                  <a:solidFill>
-                    <a:schemeClr val="bg1"/>
-                  </a:solidFill>
-                  <a:prstDash val="solid"/>
-                </a:ln>
-                <a:ea typeface="Calibri" panose="020F0502020204030204" pitchFamily="34" charset="0"/>
-              </a:rPr>
-              <a:t>	Для тестирования модуля серверной части и модуля клавиатуры был проведен тест на обучаемость клавиатуры под стиль написания определенного пользователя</a:t>
-            </a:r>
-          </a:p>
-          <a:p>
-            <a:r>
-              <a:rPr lang="ru-RU" sz="2400" b="1" dirty="0">
-                <a:ln w="9525">
-                  <a:solidFill>
-                    <a:schemeClr val="bg1"/>
-                  </a:solidFill>
-                  <a:prstDash val="solid"/>
-                </a:ln>
-                <a:ea typeface="Calibri" panose="020F0502020204030204" pitchFamily="34" charset="0"/>
-              </a:rPr>
-              <a:t>	При тестировании модуля взаимодействия проверялась корректность реакции клавиатуры по нажатию на подсказки и различные клавиши пользователем</a:t>
-            </a:r>
-            <a:endParaRPr lang="ru-RU" sz="3200" b="1" dirty="0">
-              <a:ln w="9525">
-                <a:solidFill>
-                  <a:schemeClr val="bg1"/>
-                </a:solidFill>
-                <a:prstDash val="solid"/>
-              </a:ln>
-            </a:endParaRPr>
-          </a:p>
-        </p:txBody>
-      </p:sp>
-    </p:spTree>
-    <p:extLst>
-      <p:ext uri="{BB962C8B-B14F-4D97-AF65-F5344CB8AC3E}">
-        <p14:creationId xmlns:p14="http://schemas.microsoft.com/office/powerpoint/2010/main" val="595979969"/>
       </p:ext>
     </p:extLst>
   </p:cSld>

--- a/Фархетдинов - Презентация по ВКР.pptx
+++ b/Фархетдинов - Презентация по ВКР.pptx
@@ -11,7 +11,6 @@
     <p:sldId id="259" r:id="rId5"/>
     <p:sldId id="261" r:id="rId6"/>
     <p:sldId id="264" r:id="rId7"/>
-    <p:sldId id="266" r:id="rId8"/>
   </p:sldIdLst>
   <p:sldSz cx="12192000" cy="6858000"/>
   <p:notesSz cx="6858000" cy="9144000"/>
@@ -12380,17 +12379,6 @@
           <a:lstStyle/>
           <a:p>
             <a:r>
-              <a:rPr lang="ru-RU" b="1" cap="none">
-                <a:ln w="9525">
-                  <a:solidFill>
-                    <a:schemeClr val="bg1"/>
-                  </a:solidFill>
-                  <a:prstDash val="solid"/>
-                </a:ln>
-              </a:rPr>
-              <a:t>ЭКРАННАЯ КЛАВИАТУРА </a:t>
-            </a:r>
-            <a:r>
               <a:rPr lang="ru-RU" b="1" cap="none" dirty="0">
                 <a:ln w="9525">
                   <a:solidFill>
@@ -12399,7 +12387,7 @@
                   <a:prstDash val="solid"/>
                 </a:ln>
               </a:rPr>
-              <a:t>ДЛЯ МОБИЛЬНЫХ УСТРОЙСТВ С ПОДДЕРЖКОЙ ЛИНГВИСТИЧЕСКИХ СЕРВИСОВ</a:t>
+              <a:t>ЭКРАННАЯ КЛАВИАТУРА ДЛЯ МОБИЛЬНЫХ УСТРОЙСТВ С ПОДДЕРЖКОЙ ЛИНГВИСТИЧЕСКИХ СЕРВИСОВ</a:t>
             </a:r>
           </a:p>
         </p:txBody>
@@ -12943,7 +12931,7 @@
         </p:nvSpPr>
         <p:spPr>
           <a:xfrm>
-            <a:off x="1082465" y="1673524"/>
+            <a:off x="1082465" y="1897811"/>
             <a:ext cx="10023894" cy="4043671"/>
           </a:xfrm>
           <a:prstGeom prst="rect">
@@ -12958,7 +12946,7 @@
           </a:bodyPr>
           <a:lstStyle/>
           <a:p>
-            <a:pPr indent="449580" algn="just">
+            <a:pPr indent="449580">
               <a:lnSpc>
                 <a:spcPct val="107000"/>
               </a:lnSpc>
@@ -12981,7 +12969,7 @@
             </a:r>
           </a:p>
           <a:p>
-            <a:pPr marL="457200" indent="-457200" algn="just">
+            <a:pPr marL="457200" indent="-457200">
               <a:lnSpc>
                 <a:spcPct val="107000"/>
               </a:lnSpc>
@@ -13015,11 +13003,11 @@
                 <a:ea typeface="Calibri" panose="020F0502020204030204" pitchFamily="34" charset="0"/>
                 <a:cs typeface="Times New Roman" panose="02020603050405020304" pitchFamily="18" charset="0"/>
               </a:rPr>
-              <a:t> – дает рекомендации по исправлению слова;</a:t>
-            </a:r>
-          </a:p>
-          <a:p>
-            <a:pPr marL="457200" indent="-457200" algn="just">
+              <a:t> — дает рекомендации по исправлению слова;</a:t>
+            </a:r>
+          </a:p>
+          <a:p>
+            <a:pPr marL="457200" indent="-457200">
               <a:lnSpc>
                 <a:spcPct val="107000"/>
               </a:lnSpc>
@@ -13040,7 +13028,7 @@
                 <a:ea typeface="Calibri" panose="020F0502020204030204" pitchFamily="34" charset="0"/>
                 <a:cs typeface="Times New Roman" panose="02020603050405020304" pitchFamily="18" charset="0"/>
               </a:rPr>
-              <a:t>Предиктивный ввод – дает рекомендации по продолжению слова</a:t>
+              <a:t>Предиктивный ввод — дает рекомендации по продолжению слова</a:t>
             </a:r>
             <a:r>
               <a:rPr lang="en-US" sz="2400" b="1" dirty="0">
@@ -13067,7 +13055,7 @@
             </a:endParaRPr>
           </a:p>
           <a:p>
-            <a:pPr marL="457200" indent="-457200" algn="just">
+            <a:pPr marL="457200" indent="-457200">
               <a:lnSpc>
                 <a:spcPct val="107000"/>
               </a:lnSpc>
@@ -13101,11 +13089,11 @@
                 <a:ea typeface="Calibri" panose="020F0502020204030204" pitchFamily="34" charset="0"/>
                 <a:cs typeface="Times New Roman" panose="02020603050405020304" pitchFamily="18" charset="0"/>
               </a:rPr>
-              <a:t> – дает рекомендации по завершению слова</a:t>
-            </a:r>
-          </a:p>
-          <a:p>
-            <a:pPr indent="449580" algn="just">
+              <a:t> — дает рекомендации по завершению слова</a:t>
+            </a:r>
+          </a:p>
+          <a:p>
+            <a:pPr indent="449580">
               <a:lnSpc>
                 <a:spcPct val="107000"/>
               </a:lnSpc>
@@ -13132,53 +13120,6 @@
           </a:p>
         </p:txBody>
       </p:sp>
-      <p:pic>
-        <p:nvPicPr>
-          <p:cNvPr id="112" name="Picture 2" descr="Как установить сервисы Google на новые смартфоны Huawei — Российская газета">
-            <a:extLst>
-              <a:ext uri="{FF2B5EF4-FFF2-40B4-BE49-F238E27FC236}">
-                <a16:creationId xmlns:a16="http://schemas.microsoft.com/office/drawing/2014/main" id="{A64EE0E2-3A81-45B0-AF11-B6062584F4B1}"/>
-              </a:ext>
-            </a:extLst>
-          </p:cNvPr>
-          <p:cNvPicPr>
-            <a:picLocks noChangeAspect="1" noChangeArrowheads="1"/>
-          </p:cNvPicPr>
-          <p:nvPr/>
-        </p:nvPicPr>
-        <p:blipFill>
-          <a:blip r:embed="rId2">
-            <a:extLst>
-              <a:ext uri="{28A0092B-C50C-407E-A947-70E740481C1C}">
-                <a14:useLocalDpi xmlns:a14="http://schemas.microsoft.com/office/drawing/2010/main" val="0"/>
-              </a:ext>
-            </a:extLst>
-          </a:blip>
-          <a:srcRect/>
-          <a:stretch>
-            <a:fillRect/>
-          </a:stretch>
-        </p:blipFill>
-        <p:spPr bwMode="auto">
-          <a:xfrm>
-            <a:off x="6987397" y="4986068"/>
-            <a:ext cx="5204604" cy="1871931"/>
-          </a:xfrm>
-          <a:prstGeom prst="rect">
-            <a:avLst/>
-          </a:prstGeom>
-          <a:noFill/>
-          <a:extLst>
-            <a:ext uri="{909E8E84-426E-40DD-AFC4-6F175D3DCCD1}">
-              <a14:hiddenFill xmlns:a14="http://schemas.microsoft.com/office/drawing/2010/main">
-                <a:solidFill>
-                  <a:srgbClr val="FFFFFF"/>
-                </a:solidFill>
-              </a14:hiddenFill>
-            </a:ext>
-          </a:extLst>
-        </p:spPr>
-      </p:pic>
     </p:spTree>
     <p:extLst>
       <p:ext uri="{BB962C8B-B14F-4D97-AF65-F5344CB8AC3E}">
@@ -13299,7 +13240,7 @@
           </a:bodyPr>
           <a:lstStyle/>
           <a:p>
-            <a:pPr algn="just">
+            <a:pPr>
               <a:lnSpc>
                 <a:spcPct val="107000"/>
               </a:lnSpc>
@@ -13343,7 +13284,7 @@
             </a:r>
           </a:p>
           <a:p>
-            <a:pPr algn="just">
+            <a:pPr>
               <a:lnSpc>
                 <a:spcPct val="107000"/>
               </a:lnSpc>
@@ -13392,7 +13333,7 @@
             </a:r>
           </a:p>
           <a:p>
-            <a:pPr marL="457200" indent="-457200" algn="just">
+            <a:pPr marL="457200" indent="-457200">
               <a:lnSpc>
                 <a:spcPct val="107000"/>
               </a:lnSpc>
@@ -13414,7 +13355,7 @@
             </a:r>
           </a:p>
           <a:p>
-            <a:pPr marL="457200" indent="-457200" algn="just">
+            <a:pPr marL="457200" indent="-457200">
               <a:lnSpc>
                 <a:spcPct val="107000"/>
               </a:lnSpc>
@@ -13462,7 +13403,7 @@
             </a:r>
           </a:p>
           <a:p>
-            <a:pPr marL="457200" indent="-457200" algn="just">
+            <a:pPr marL="457200" indent="-457200">
               <a:lnSpc>
                 <a:spcPct val="107000"/>
               </a:lnSpc>
@@ -13624,7 +13565,7 @@
             </a:endParaRPr>
           </a:p>
           <a:p>
-            <a:pPr indent="449580" algn="just">
+            <a:pPr indent="449580">
               <a:spcAft>
                 <a:spcPts val="800"/>
               </a:spcAft>
@@ -13796,7 +13737,7 @@
         </p:nvSpPr>
         <p:spPr>
           <a:xfrm>
-            <a:off x="1141413" y="2097088"/>
+            <a:off x="1141413" y="1829669"/>
             <a:ext cx="9905998" cy="4523803"/>
           </a:xfrm>
           <a:prstGeom prst="rect">
@@ -13811,7 +13752,7 @@
           </a:bodyPr>
           <a:lstStyle/>
           <a:p>
-            <a:pPr indent="228600" algn="just">
+            <a:pPr indent="228600">
               <a:lnSpc>
                 <a:spcPct val="107000"/>
               </a:lnSpc>
@@ -13842,7 +13783,7 @@
             </a:r>
           </a:p>
           <a:p>
-            <a:pPr marL="914400" lvl="1" indent="-457200" algn="just">
+            <a:pPr marL="914400" lvl="1" indent="-457200">
               <a:lnSpc>
                 <a:spcPct val="107000"/>
               </a:lnSpc>
@@ -13863,7 +13804,7 @@
             </a:r>
           </a:p>
           <a:p>
-            <a:pPr marL="914400" lvl="1" indent="-457200" algn="just">
+            <a:pPr marL="914400" lvl="1" indent="-457200">
               <a:lnSpc>
                 <a:spcPct val="107000"/>
               </a:lnSpc>
@@ -13885,7 +13826,7 @@
             </a:r>
           </a:p>
           <a:p>
-            <a:pPr marL="914400" lvl="1" indent="-457200" algn="just">
+            <a:pPr marL="914400" lvl="1" indent="-457200">
               <a:lnSpc>
                 <a:spcPct val="107000"/>
               </a:lnSpc>
@@ -13907,7 +13848,7 @@
             </a:r>
           </a:p>
           <a:p>
-            <a:pPr marL="914400" lvl="1" indent="-457200" algn="just">
+            <a:pPr marL="914400" lvl="1" indent="-457200">
               <a:lnSpc>
                 <a:spcPct val="107000"/>
               </a:lnSpc>
@@ -13929,7 +13870,7 @@
             </a:r>
           </a:p>
           <a:p>
-            <a:pPr marL="914400" lvl="1" indent="-457200" algn="just">
+            <a:pPr marL="914400" lvl="1" indent="-457200">
               <a:lnSpc>
                 <a:spcPct val="107000"/>
               </a:lnSpc>
@@ -18588,283 +18529,6 @@
 </p:sld>
 </file>
 
-<file path=ppt/slides/slide7.xml><?xml version="1.0" encoding="utf-8"?>
-<p:sld xmlns:a="http://schemas.openxmlformats.org/drawingml/2006/main" xmlns:r="http://schemas.openxmlformats.org/officeDocument/2006/relationships" xmlns:p="http://schemas.openxmlformats.org/presentationml/2006/main">
-  <p:cSld>
-    <p:spTree>
-      <p:nvGrpSpPr>
-        <p:cNvPr id="1" name=""/>
-        <p:cNvGrpSpPr/>
-        <p:nvPr/>
-      </p:nvGrpSpPr>
-      <p:grpSpPr>
-        <a:xfrm>
-          <a:off x="0" y="0"/>
-          <a:ext cx="0" cy="0"/>
-          <a:chOff x="0" y="0"/>
-          <a:chExt cx="0" cy="0"/>
-        </a:xfrm>
-      </p:grpSpPr>
-      <p:sp>
-        <p:nvSpPr>
-          <p:cNvPr id="2" name="Заголовок 1">
-            <a:extLst>
-              <a:ext uri="{FF2B5EF4-FFF2-40B4-BE49-F238E27FC236}">
-                <a16:creationId xmlns:a16="http://schemas.microsoft.com/office/drawing/2014/main" id="{BDEA2A95-F280-4927-971B-6FA22E670D3F}"/>
-              </a:ext>
-            </a:extLst>
-          </p:cNvPr>
-          <p:cNvSpPr>
-            <a:spLocks noGrp="1"/>
-          </p:cNvSpPr>
-          <p:nvPr>
-            <p:ph type="title"/>
-          </p:nvPr>
-        </p:nvSpPr>
-        <p:spPr>
-          <a:effectLst/>
-        </p:spPr>
-        <p:txBody>
-          <a:bodyPr/>
-          <a:lstStyle/>
-          <a:p>
-            <a:pPr algn="ctr"/>
-            <a:r>
-              <a:rPr lang="ru-RU" b="1" cap="none" dirty="0">
-                <a:ln w="9525">
-                  <a:solidFill>
-                    <a:schemeClr val="bg1"/>
-                  </a:solidFill>
-                  <a:prstDash val="solid"/>
-                </a:ln>
-              </a:rPr>
-              <a:t>7</a:t>
-            </a:r>
-            <a:r>
-              <a:rPr lang="en-US" b="1" cap="none" dirty="0">
-                <a:ln w="9525">
-                  <a:solidFill>
-                    <a:schemeClr val="bg1"/>
-                  </a:solidFill>
-                  <a:prstDash val="solid"/>
-                </a:ln>
-              </a:rPr>
-              <a:t>) </a:t>
-            </a:r>
-            <a:r>
-              <a:rPr lang="ru-RU" b="1" cap="none" dirty="0">
-                <a:ln w="9525">
-                  <a:solidFill>
-                    <a:schemeClr val="bg1"/>
-                  </a:solidFill>
-                  <a:prstDash val="solid"/>
-                </a:ln>
-              </a:rPr>
-              <a:t>ПРОЕКТИРОВАНИЕ И КОНСТРУИРОВАНИЕ</a:t>
-            </a:r>
-          </a:p>
-        </p:txBody>
-      </p:sp>
-      <p:pic>
-        <p:nvPicPr>
-          <p:cNvPr id="4" name="Рисунок 3" descr="Изображение выглядит как текст, внутренний, общедоступный, с плиткой&#10;&#10;Автоматически созданное описание">
-            <a:extLst>
-              <a:ext uri="{FF2B5EF4-FFF2-40B4-BE49-F238E27FC236}">
-                <a16:creationId xmlns:a16="http://schemas.microsoft.com/office/drawing/2014/main" id="{AA5036E4-A396-4213-AAA4-C52F26A474DF}"/>
-              </a:ext>
-            </a:extLst>
-          </p:cNvPr>
-          <p:cNvPicPr>
-            <a:picLocks noChangeAspect="1"/>
-          </p:cNvPicPr>
-          <p:nvPr/>
-        </p:nvPicPr>
-        <p:blipFill>
-          <a:blip r:embed="rId2"/>
-          <a:stretch>
-            <a:fillRect/>
-          </a:stretch>
-        </p:blipFill>
-        <p:spPr>
-          <a:xfrm>
-            <a:off x="-1" y="3165894"/>
-            <a:ext cx="5905111" cy="3692106"/>
-          </a:xfrm>
-          <a:prstGeom prst="rect">
-            <a:avLst/>
-          </a:prstGeom>
-        </p:spPr>
-      </p:pic>
-      <p:sp>
-        <p:nvSpPr>
-          <p:cNvPr id="5" name="TextBox 4">
-            <a:extLst>
-              <a:ext uri="{FF2B5EF4-FFF2-40B4-BE49-F238E27FC236}">
-                <a16:creationId xmlns:a16="http://schemas.microsoft.com/office/drawing/2014/main" id="{E19AC6FE-F348-4FD5-82C3-8A7EACAA937A}"/>
-              </a:ext>
-            </a:extLst>
-          </p:cNvPr>
-          <p:cNvSpPr txBox="1"/>
-          <p:nvPr/>
-        </p:nvSpPr>
-        <p:spPr>
-          <a:xfrm>
-            <a:off x="1000064" y="2355879"/>
-            <a:ext cx="3904980" cy="461665"/>
-          </a:xfrm>
-          <a:prstGeom prst="rect">
-            <a:avLst/>
-          </a:prstGeom>
-          <a:noFill/>
-          <a:effectLst/>
-        </p:spPr>
-        <p:txBody>
-          <a:bodyPr wrap="none" rtlCol="0">
-            <a:spAutoFit/>
-          </a:bodyPr>
-          <a:lstStyle/>
-          <a:p>
-            <a:r>
-              <a:rPr lang="ru-RU" sz="2400" b="1" dirty="0">
-                <a:ln w="9525">
-                  <a:solidFill>
-                    <a:schemeClr val="bg1"/>
-                  </a:solidFill>
-                  <a:prstDash val="solid"/>
-                </a:ln>
-              </a:rPr>
-              <a:t>Общая архитектура — </a:t>
-            </a:r>
-            <a:r>
-              <a:rPr lang="en-US" sz="2400" b="1" dirty="0">
-                <a:ln w="9525">
-                  <a:solidFill>
-                    <a:schemeClr val="bg1"/>
-                  </a:solidFill>
-                  <a:prstDash val="solid"/>
-                </a:ln>
-              </a:rPr>
-              <a:t>MVC</a:t>
-            </a:r>
-            <a:endParaRPr lang="ru-RU" sz="2400" b="1" dirty="0">
-              <a:ln w="9525">
-                <a:solidFill>
-                  <a:schemeClr val="bg1"/>
-                </a:solidFill>
-                <a:prstDash val="solid"/>
-              </a:ln>
-            </a:endParaRPr>
-          </a:p>
-        </p:txBody>
-      </p:sp>
-      <p:pic>
-        <p:nvPicPr>
-          <p:cNvPr id="6" name="Рисунок 5">
-            <a:extLst>
-              <a:ext uri="{FF2B5EF4-FFF2-40B4-BE49-F238E27FC236}">
-                <a16:creationId xmlns:a16="http://schemas.microsoft.com/office/drawing/2014/main" id="{C48A62F2-8A0E-4F04-A885-F8FAB8193489}"/>
-              </a:ext>
-            </a:extLst>
-          </p:cNvPr>
-          <p:cNvPicPr>
-            <a:picLocks noChangeAspect="1"/>
-          </p:cNvPicPr>
-          <p:nvPr/>
-        </p:nvPicPr>
-        <p:blipFill>
-          <a:blip r:embed="rId3">
-            <a:extLst>
-              <a:ext uri="{28A0092B-C50C-407E-A947-70E740481C1C}">
-                <a14:useLocalDpi xmlns:a14="http://schemas.microsoft.com/office/drawing/2010/main" val="0"/>
-              </a:ext>
-            </a:extLst>
-          </a:blip>
-          <a:srcRect/>
-          <a:stretch>
-            <a:fillRect/>
-          </a:stretch>
-        </p:blipFill>
-        <p:spPr bwMode="auto">
-          <a:xfrm>
-            <a:off x="6702725" y="3165894"/>
-            <a:ext cx="5489275" cy="3703121"/>
-          </a:xfrm>
-          <a:prstGeom prst="rect">
-            <a:avLst/>
-          </a:prstGeom>
-          <a:noFill/>
-          <a:ln>
-            <a:noFill/>
-          </a:ln>
-        </p:spPr>
-      </p:pic>
-      <p:sp>
-        <p:nvSpPr>
-          <p:cNvPr id="3" name="TextBox 2">
-            <a:extLst>
-              <a:ext uri="{FF2B5EF4-FFF2-40B4-BE49-F238E27FC236}">
-                <a16:creationId xmlns:a16="http://schemas.microsoft.com/office/drawing/2014/main" id="{231F9848-66E8-448B-B981-8D7C512145AB}"/>
-              </a:ext>
-            </a:extLst>
-          </p:cNvPr>
-          <p:cNvSpPr txBox="1"/>
-          <p:nvPr/>
-        </p:nvSpPr>
-        <p:spPr>
-          <a:xfrm>
-            <a:off x="9040483" y="2355880"/>
-            <a:ext cx="3062378" cy="461665"/>
-          </a:xfrm>
-          <a:prstGeom prst="rect">
-            <a:avLst/>
-          </a:prstGeom>
-          <a:noFill/>
-          <a:effectLst/>
-        </p:spPr>
-        <p:txBody>
-          <a:bodyPr wrap="square" rtlCol="0">
-            <a:spAutoFit/>
-          </a:bodyPr>
-          <a:lstStyle/>
-          <a:p>
-            <a:r>
-              <a:rPr lang="en-US" sz="2400" b="1" dirty="0">
-                <a:ln w="9525">
-                  <a:solidFill>
-                    <a:schemeClr val="bg1"/>
-                  </a:solidFill>
-                  <a:prstDash val="solid"/>
-                </a:ln>
-              </a:rPr>
-              <a:t>ER-</a:t>
-            </a:r>
-            <a:r>
-              <a:rPr lang="ru-RU" sz="2400" b="1" dirty="0">
-                <a:ln w="9525">
-                  <a:solidFill>
-                    <a:schemeClr val="bg1"/>
-                  </a:solidFill>
-                  <a:prstDash val="solid"/>
-                </a:ln>
-              </a:rPr>
-              <a:t>диаграмма</a:t>
-            </a:r>
-          </a:p>
-        </p:txBody>
-      </p:sp>
-    </p:spTree>
-    <p:extLst>
-      <p:ext uri="{BB962C8B-B14F-4D97-AF65-F5344CB8AC3E}">
-        <p14:creationId xmlns:p14="http://schemas.microsoft.com/office/powerpoint/2010/main" val="1761922892"/>
-      </p:ext>
-    </p:extLst>
-  </p:cSld>
-  <p:clrMapOvr>
-    <a:masterClrMapping/>
-  </p:clrMapOvr>
-</p:sld>
-</file>
-
 <file path=ppt/theme/theme1.xml><?xml version="1.0" encoding="utf-8"?>
 <a:theme xmlns:a="http://schemas.openxmlformats.org/drawingml/2006/main" name="Контур">
   <a:themeElements>

--- a/Фархетдинов - Презентация по ВКР.pptx
+++ b/Фархетдинов - Презентация по ВКР.pptx
@@ -9,7 +9,7 @@
     <p:sldId id="257" r:id="rId3"/>
     <p:sldId id="258" r:id="rId4"/>
     <p:sldId id="259" r:id="rId5"/>
-    <p:sldId id="261" r:id="rId6"/>
+    <p:sldId id="265" r:id="rId6"/>
     <p:sldId id="264" r:id="rId7"/>
   </p:sldIdLst>
   <p:sldSz cx="12192000" cy="6858000"/>
@@ -4393,7 +4393,7 @@
           <a:p>
             <a:fld id="{48A87A34-81AB-432B-8DAE-1953F412C126}" type="datetimeFigureOut">
               <a:rPr lang="en-US" dirty="0"/>
-              <a:t>12/12/2022</a:t>
+              <a:t>12/13/2022</a:t>
             </a:fld>
             <a:endParaRPr lang="en-US" dirty="0"/>
           </a:p>
@@ -4655,7 +4655,7 @@
           <a:p>
             <a:fld id="{48A87A34-81AB-432B-8DAE-1953F412C126}" type="datetimeFigureOut">
               <a:rPr lang="en-US" dirty="0"/>
-              <a:t>12/12/2022</a:t>
+              <a:t>12/13/2022</a:t>
             </a:fld>
             <a:endParaRPr lang="en-US" dirty="0"/>
           </a:p>
@@ -4846,7 +4846,7 @@
           <a:p>
             <a:fld id="{48A87A34-81AB-432B-8DAE-1953F412C126}" type="datetimeFigureOut">
               <a:rPr lang="en-US" dirty="0"/>
-              <a:t>12/12/2022</a:t>
+              <a:t>12/13/2022</a:t>
             </a:fld>
             <a:endParaRPr lang="en-US" dirty="0"/>
           </a:p>
@@ -5104,7 +5104,7 @@
           <a:p>
             <a:fld id="{48A87A34-81AB-432B-8DAE-1953F412C126}" type="datetimeFigureOut">
               <a:rPr lang="en-US" dirty="0"/>
-              <a:t>12/12/2022</a:t>
+              <a:t>12/13/2022</a:t>
             </a:fld>
             <a:endParaRPr lang="en-US" dirty="0"/>
           </a:p>
@@ -5533,7 +5533,7 @@
           <a:p>
             <a:fld id="{48A87A34-81AB-432B-8DAE-1953F412C126}" type="datetimeFigureOut">
               <a:rPr lang="en-US" dirty="0"/>
-              <a:t>12/12/2022</a:t>
+              <a:t>12/13/2022</a:t>
             </a:fld>
             <a:endParaRPr lang="en-US" dirty="0"/>
           </a:p>
@@ -6074,7 +6074,7 @@
           <a:p>
             <a:fld id="{48A87A34-81AB-432B-8DAE-1953F412C126}" type="datetimeFigureOut">
               <a:rPr lang="en-US" dirty="0"/>
-              <a:t>12/12/2022</a:t>
+              <a:t>12/13/2022</a:t>
             </a:fld>
             <a:endParaRPr lang="en-US" dirty="0"/>
           </a:p>
@@ -6789,7 +6789,7 @@
           <a:p>
             <a:fld id="{48A87A34-81AB-432B-8DAE-1953F412C126}" type="datetimeFigureOut">
               <a:rPr lang="en-US" dirty="0"/>
-              <a:t>12/12/2022</a:t>
+              <a:t>12/13/2022</a:t>
             </a:fld>
             <a:endParaRPr lang="en-US" dirty="0"/>
           </a:p>
@@ -6954,7 +6954,7 @@
           <a:p>
             <a:fld id="{48A87A34-81AB-432B-8DAE-1953F412C126}" type="datetimeFigureOut">
               <a:rPr lang="en-US" dirty="0"/>
-              <a:t>12/12/2022</a:t>
+              <a:t>12/13/2022</a:t>
             </a:fld>
             <a:endParaRPr lang="en-US" dirty="0"/>
           </a:p>
@@ -7129,7 +7129,7 @@
           <a:p>
             <a:fld id="{48A87A34-81AB-432B-8DAE-1953F412C126}" type="datetimeFigureOut">
               <a:rPr lang="en-US" dirty="0"/>
-              <a:t>12/12/2022</a:t>
+              <a:t>12/13/2022</a:t>
             </a:fld>
             <a:endParaRPr lang="en-US" dirty="0"/>
           </a:p>
@@ -7294,7 +7294,7 @@
           <a:p>
             <a:fld id="{48A87A34-81AB-432B-8DAE-1953F412C126}" type="datetimeFigureOut">
               <a:rPr lang="en-US" dirty="0"/>
-              <a:t>12/12/2022</a:t>
+              <a:t>12/13/2022</a:t>
             </a:fld>
             <a:endParaRPr lang="en-US" dirty="0"/>
           </a:p>
@@ -7539,7 +7539,7 @@
           <a:p>
             <a:fld id="{48A87A34-81AB-432B-8DAE-1953F412C126}" type="datetimeFigureOut">
               <a:rPr lang="en-US" dirty="0"/>
-              <a:t>12/12/2022</a:t>
+              <a:t>12/13/2022</a:t>
             </a:fld>
             <a:endParaRPr lang="en-US" dirty="0"/>
           </a:p>
@@ -7766,7 +7766,7 @@
           <a:p>
             <a:fld id="{48A87A34-81AB-432B-8DAE-1953F412C126}" type="datetimeFigureOut">
               <a:rPr lang="en-US" dirty="0"/>
-              <a:t>12/12/2022</a:t>
+              <a:t>12/13/2022</a:t>
             </a:fld>
             <a:endParaRPr lang="en-US" dirty="0"/>
           </a:p>
@@ -8142,7 +8142,7 @@
           <a:p>
             <a:fld id="{48A87A34-81AB-432B-8DAE-1953F412C126}" type="datetimeFigureOut">
               <a:rPr lang="en-US" dirty="0"/>
-              <a:t>12/12/2022</a:t>
+              <a:t>12/13/2022</a:t>
             </a:fld>
             <a:endParaRPr lang="en-US" dirty="0"/>
           </a:p>
@@ -8255,7 +8255,7 @@
           <a:p>
             <a:fld id="{48A87A34-81AB-432B-8DAE-1953F412C126}" type="datetimeFigureOut">
               <a:rPr lang="en-US" dirty="0"/>
-              <a:t>12/12/2022</a:t>
+              <a:t>12/13/2022</a:t>
             </a:fld>
             <a:endParaRPr lang="en-US" dirty="0"/>
           </a:p>
@@ -8345,7 +8345,7 @@
           <a:p>
             <a:fld id="{48A87A34-81AB-432B-8DAE-1953F412C126}" type="datetimeFigureOut">
               <a:rPr lang="en-US" dirty="0"/>
-              <a:t>12/12/2022</a:t>
+              <a:t>12/13/2022</a:t>
             </a:fld>
             <a:endParaRPr lang="en-US" dirty="0"/>
           </a:p>
@@ -8589,7 +8589,7 @@
           <a:p>
             <a:fld id="{48A87A34-81AB-432B-8DAE-1953F412C126}" type="datetimeFigureOut">
               <a:rPr lang="en-US" dirty="0"/>
-              <a:t>12/12/2022</a:t>
+              <a:t>12/13/2022</a:t>
             </a:fld>
             <a:endParaRPr lang="en-US" dirty="0"/>
           </a:p>
@@ -8864,7 +8864,7 @@
           <a:p>
             <a:fld id="{48A87A34-81AB-432B-8DAE-1953F412C126}" type="datetimeFigureOut">
               <a:rPr lang="en-US" dirty="0"/>
-              <a:t>12/12/2022</a:t>
+              <a:t>12/13/2022</a:t>
             </a:fld>
             <a:endParaRPr lang="en-US" dirty="0"/>
           </a:p>
@@ -11937,7 +11937,7 @@
             <a:fld id="{48A87A34-81AB-432B-8DAE-1953F412C126}" type="datetimeFigureOut">
               <a:rPr lang="en-US" dirty="0"/>
               <a:pPr/>
-              <a:t>12/12/2022</a:t>
+              <a:t>12/13/2022</a:t>
             </a:fld>
             <a:endParaRPr lang="en-US" dirty="0"/>
           </a:p>
@@ -12497,6 +12497,10 @@
           </p:nvPr>
         </p:nvSpPr>
         <p:spPr>
+          <a:xfrm>
+            <a:off x="1001826" y="263411"/>
+            <a:ext cx="9905998" cy="1478570"/>
+          </a:xfrm>
           <a:effectLst/>
         </p:spPr>
         <p:txBody>
@@ -12504,17 +12508,6 @@
           <a:lstStyle/>
           <a:p>
             <a:pPr algn="ctr"/>
-            <a:r>
-              <a:rPr lang="en-US" b="1" cap="none" dirty="0">
-                <a:ln w="9525">
-                  <a:solidFill>
-                    <a:schemeClr val="bg1"/>
-                  </a:solidFill>
-                  <a:prstDash val="solid"/>
-                </a:ln>
-              </a:rPr>
-              <a:t>2) </a:t>
-            </a:r>
             <a:r>
               <a:rPr lang="ru-RU" b="1" cap="none" dirty="0">
                 <a:ln w="9525">
@@ -12524,7 +12517,7 @@
                   <a:prstDash val="solid"/>
                 </a:ln>
               </a:rPr>
-              <a:t>ВВЕДЕНИЕ</a:t>
+              <a:t>Цели и задачи</a:t>
             </a:r>
           </a:p>
         </p:txBody>
@@ -12544,7 +12537,7 @@
         <p:spPr>
           <a:xfrm>
             <a:off x="850736" y="1579504"/>
-            <a:ext cx="10208179" cy="5346977"/>
+            <a:ext cx="10201963" cy="4746620"/>
           </a:xfrm>
           <a:prstGeom prst="rect">
             <a:avLst/>
@@ -12553,7 +12546,7 @@
           <a:effectLst/>
         </p:spPr>
         <p:txBody>
-          <a:bodyPr wrap="none" rtlCol="0">
+          <a:bodyPr wrap="square" rtlCol="0">
             <a:spAutoFit/>
           </a:bodyPr>
           <a:lstStyle/>
@@ -12585,30 +12578,7 @@
                 <a:ea typeface="Calibri" panose="020F0502020204030204" pitchFamily="34" charset="0"/>
                 <a:cs typeface="Times New Roman" panose="02020603050405020304" pitchFamily="18" charset="0"/>
               </a:rPr>
-              <a:t>Целью выпускной квалификационной работы является разработка</a:t>
-            </a:r>
-          </a:p>
-          <a:p>
-            <a:pPr indent="449580">
-              <a:lnSpc>
-                <a:spcPct val="107000"/>
-              </a:lnSpc>
-              <a:spcAft>
-                <a:spcPts val="800"/>
-              </a:spcAft>
-            </a:pPr>
-            <a:r>
-              <a:rPr lang="ru-RU" sz="2400" b="1" dirty="0">
-                <a:ln w="9525">
-                  <a:solidFill>
-                    <a:schemeClr val="bg1"/>
-                  </a:solidFill>
-                  <a:prstDash val="solid"/>
-                </a:ln>
-                <a:ea typeface="Calibri" panose="020F0502020204030204" pitchFamily="34" charset="0"/>
-                <a:cs typeface="Times New Roman" panose="02020603050405020304" pitchFamily="18" charset="0"/>
-              </a:rPr>
-              <a:t>экранной клавиатуры для мобильных устройств</a:t>
+              <a:t>Цель – разработка экранной клавиатуры для мобильных устройств</a:t>
             </a:r>
             <a:r>
               <a:rPr lang="en-US" sz="2400" b="1" dirty="0">
@@ -12634,30 +12604,7 @@
                 <a:ea typeface="Calibri" panose="020F0502020204030204" pitchFamily="34" charset="0"/>
                 <a:cs typeface="Times New Roman" panose="02020603050405020304" pitchFamily="18" charset="0"/>
               </a:rPr>
-              <a:t>с поддержкой</a:t>
-            </a:r>
-          </a:p>
-          <a:p>
-            <a:pPr indent="449580">
-              <a:lnSpc>
-                <a:spcPct val="107000"/>
-              </a:lnSpc>
-              <a:spcAft>
-                <a:spcPts val="800"/>
-              </a:spcAft>
-            </a:pPr>
-            <a:r>
-              <a:rPr lang="ru-RU" sz="2400" b="1" dirty="0">
-                <a:ln w="9525">
-                  <a:solidFill>
-                    <a:schemeClr val="bg1"/>
-                  </a:solidFill>
-                  <a:prstDash val="solid"/>
-                </a:ln>
-                <a:ea typeface="Calibri" panose="020F0502020204030204" pitchFamily="34" charset="0"/>
-                <a:cs typeface="Times New Roman" panose="02020603050405020304" pitchFamily="18" charset="0"/>
-              </a:rPr>
-              <a:t>лингвистических сервисов</a:t>
+              <a:t>с поддержкой лингвистических сервисов</a:t>
             </a:r>
           </a:p>
           <a:p>
@@ -12885,6 +12832,10 @@
           </p:nvPr>
         </p:nvSpPr>
         <p:spPr>
+          <a:xfrm>
+            <a:off x="1141413" y="618518"/>
+            <a:ext cx="9905998" cy="1478570"/>
+          </a:xfrm>
           <a:effectLst/>
         </p:spPr>
         <p:txBody>
@@ -12892,17 +12843,6 @@
           <a:lstStyle/>
           <a:p>
             <a:pPr algn="ctr"/>
-            <a:r>
-              <a:rPr lang="en-US" b="1" cap="none" dirty="0">
-                <a:ln w="9525">
-                  <a:solidFill>
-                    <a:schemeClr val="bg1"/>
-                  </a:solidFill>
-                  <a:prstDash val="solid"/>
-                </a:ln>
-              </a:rPr>
-              <a:t>3) </a:t>
-            </a:r>
             <a:r>
               <a:rPr lang="ru-RU" b="1" cap="none" dirty="0">
                 <a:ln w="9525">
@@ -12931,8 +12871,8 @@
         </p:nvSpPr>
         <p:spPr>
           <a:xfrm>
-            <a:off x="1082465" y="1897811"/>
-            <a:ext cx="10023894" cy="4043671"/>
+            <a:off x="1141413" y="3429000"/>
+            <a:ext cx="10023894" cy="2755563"/>
           </a:xfrm>
           <a:prstGeom prst="rect">
             <a:avLst/>
@@ -12965,7 +12905,7 @@
                 <a:ea typeface="Calibri" panose="020F0502020204030204" pitchFamily="34" charset="0"/>
                 <a:cs typeface="Times New Roman" panose="02020603050405020304" pitchFamily="18" charset="0"/>
               </a:rPr>
-              <a:t>В данной предметной области будут задействованы три основных лингвистических сервиса:</a:t>
+              <a:t>Для решения проблемы будут задействованы три основных лингвистических сервиса:</a:t>
             </a:r>
           </a:p>
           <a:p>
@@ -13066,19 +13006,6 @@
               <a:buAutoNum type="arabicPeriod"/>
             </a:pPr>
             <a:r>
-              <a:rPr lang="ru-RU" sz="2400" b="1" dirty="0" err="1">
-                <a:ln w="9525">
-                  <a:solidFill>
-                    <a:schemeClr val="bg1"/>
-                  </a:solidFill>
-                  <a:prstDash val="solid"/>
-                </a:ln>
-                <a:ea typeface="Calibri" panose="020F0502020204030204" pitchFamily="34" charset="0"/>
-                <a:cs typeface="Times New Roman" panose="02020603050405020304" pitchFamily="18" charset="0"/>
-              </a:rPr>
-              <a:t>Автодополнение</a:t>
-            </a:r>
-            <a:r>
               <a:rPr lang="ru-RU" sz="2400" b="1" dirty="0">
                 <a:ln w="9525">
                   <a:solidFill>
@@ -13089,9 +13016,40 @@
                 <a:ea typeface="Calibri" panose="020F0502020204030204" pitchFamily="34" charset="0"/>
                 <a:cs typeface="Times New Roman" panose="02020603050405020304" pitchFamily="18" charset="0"/>
               </a:rPr>
-              <a:t> — дает рекомендации по завершению слова</a:t>
+              <a:t>Дополнение — дает рекомендации по завершению слова</a:t>
             </a:r>
           </a:p>
+          <a:p>
+            <a:endParaRPr lang="ru-RU" dirty="0"/>
+          </a:p>
+        </p:txBody>
+      </p:sp>
+      <p:sp>
+        <p:nvSpPr>
+          <p:cNvPr id="4" name="Прямоугольник 3">
+            <a:extLst>
+              <a:ext uri="{FF2B5EF4-FFF2-40B4-BE49-F238E27FC236}">
+                <a16:creationId xmlns:a16="http://schemas.microsoft.com/office/drawing/2014/main" id="{18660D42-5D61-40E2-B7D0-241B38DD043B}"/>
+              </a:ext>
+            </a:extLst>
+          </p:cNvPr>
+          <p:cNvSpPr/>
+          <p:nvPr/>
+        </p:nvSpPr>
+        <p:spPr>
+          <a:xfrm>
+            <a:off x="1141413" y="1935738"/>
+            <a:ext cx="9478393" cy="1259832"/>
+          </a:xfrm>
+          <a:prstGeom prst="rect">
+            <a:avLst/>
+          </a:prstGeom>
+        </p:spPr>
+        <p:txBody>
+          <a:bodyPr wrap="square">
+            <a:spAutoFit/>
+          </a:bodyPr>
+          <a:lstStyle/>
           <a:p>
             <a:pPr indent="449580">
               <a:lnSpc>
@@ -13109,14 +13067,10 @@
                   </a:solidFill>
                   <a:prstDash val="solid"/>
                 </a:ln>
-                <a:ea typeface="Calibri" panose="020F0502020204030204" pitchFamily="34" charset="0"/>
                 <a:cs typeface="Times New Roman" panose="02020603050405020304" pitchFamily="18" charset="0"/>
               </a:rPr>
               <a:t>Разработка экранной клавиатуры призвана решить проблему с набором текста на мобильных устройствах: утомительное исправление ошибок и медленный набор текста</a:t>
             </a:r>
-          </a:p>
-          <a:p>
-            <a:endParaRPr lang="ru-RU" dirty="0"/>
           </a:p>
         </p:txBody>
       </p:sp>
@@ -13136,6 +13090,30 @@
 <file path=ppt/slides/slide4.xml><?xml version="1.0" encoding="utf-8"?>
 <p:sld xmlns:a="http://schemas.openxmlformats.org/drawingml/2006/main" xmlns:r="http://schemas.openxmlformats.org/officeDocument/2006/relationships" xmlns:p="http://schemas.openxmlformats.org/presentationml/2006/main">
   <p:cSld>
+    <p:bg>
+      <p:bgPr>
+        <a:blipFill>
+          <a:blip r:embed="rId2">
+            <a:duotone>
+              <a:schemeClr val="bg2">
+                <a:shade val="88000"/>
+                <a:hueMod val="106000"/>
+                <a:satMod val="140000"/>
+                <a:lumMod val="54000"/>
+              </a:schemeClr>
+              <a:schemeClr val="bg2">
+                <a:tint val="98000"/>
+                <a:hueMod val="90000"/>
+                <a:satMod val="150000"/>
+                <a:lumMod val="160000"/>
+              </a:schemeClr>
+            </a:duotone>
+          </a:blip>
+          <a:stretch/>
+        </a:blipFill>
+        <a:effectLst/>
+      </p:bgPr>
+    </p:bg>
     <p:spTree>
       <p:nvGrpSpPr>
         <p:cNvPr id="1" name=""/>
@@ -13150,6 +13128,3491 @@
           <a:chExt cx="0" cy="0"/>
         </a:xfrm>
       </p:grpSpPr>
+      <p:pic>
+        <p:nvPicPr>
+          <p:cNvPr id="15" name="Picture 2">
+            <a:extLst>
+              <a:ext uri="{FF2B5EF4-FFF2-40B4-BE49-F238E27FC236}">
+                <a16:creationId xmlns:a16="http://schemas.microsoft.com/office/drawing/2014/main" id="{BD682E6D-6B2A-4E23-9DB2-A87CFD5EF6A9}"/>
+              </a:ext>
+              <a:ext uri="{C183D7F6-B498-43B3-948B-1728B52AA6E4}">
+                <adec:decorative xmlns:adec="http://schemas.microsoft.com/office/drawing/2017/decorative" val="1"/>
+              </a:ext>
+            </a:extLst>
+          </p:cNvPr>
+          <p:cNvPicPr>
+            <a:picLocks noGrp="1" noRot="1" noChangeAspect="1" noMove="1" noResize="1" noEditPoints="1" noAdjustHandles="1" noChangeArrowheads="1" noChangeShapeType="1" noCrop="1"/>
+          </p:cNvPicPr>
+          <p:nvPr>
+            <p:extLst>
+              <p:ext uri="{386F3935-93C4-4BCD-93E2-E3B085C9AB24}">
+                <p16:designElem xmlns:p16="http://schemas.microsoft.com/office/powerpoint/2015/main" val="1"/>
+              </p:ext>
+            </p:extLst>
+          </p:nvPr>
+        </p:nvPicPr>
+        <p:blipFill>
+          <a:blip r:embed="rId3">
+            <a:alphaModFix amt="30000"/>
+            <a:extLst>
+              <a:ext uri="{28A0092B-C50C-407E-A947-70E740481C1C}">
+                <a14:useLocalDpi xmlns:a14="http://schemas.microsoft.com/office/drawing/2010/main" val="0"/>
+              </a:ext>
+            </a:extLst>
+          </a:blip>
+          <a:srcRect/>
+          <a:stretch>
+            <a:fillRect/>
+          </a:stretch>
+        </p:blipFill>
+        <p:spPr bwMode="auto">
+          <a:xfrm>
+            <a:off x="0" y="-1"/>
+            <a:ext cx="12192003" cy="6858001"/>
+          </a:xfrm>
+          <a:prstGeom prst="rect">
+            <a:avLst/>
+          </a:prstGeom>
+          <a:noFill/>
+          <a:extLst>
+            <a:ext uri="{909E8E84-426E-40dd-AFC4-6F175D3DCCD1}">
+              <a14:hiddenFill xmlns:a14="http://schemas.microsoft.com/office/drawing/2010/main" xmlns:p14="http://schemas.microsoft.com/office/powerpoint/2010/main" xmlns:a16="http://schemas.microsoft.com/office/drawing/2014/main" xmlns="">
+                <a:solidFill>
+                  <a:srgbClr val="FFFFFF"/>
+                </a:solidFill>
+              </a14:hiddenFill>
+            </a:ext>
+          </a:extLst>
+        </p:spPr>
+      </p:pic>
+      <p:grpSp>
+        <p:nvGrpSpPr>
+          <p:cNvPr id="17" name="Group 16">
+            <a:extLst>
+              <a:ext uri="{FF2B5EF4-FFF2-40B4-BE49-F238E27FC236}">
+                <a16:creationId xmlns:a16="http://schemas.microsoft.com/office/drawing/2014/main" id="{82818B62-F7FE-4423-B47F-BEADB95859CD}"/>
+              </a:ext>
+              <a:ext uri="{C183D7F6-B498-43B3-948B-1728B52AA6E4}">
+                <adec:decorative xmlns:adec="http://schemas.microsoft.com/office/drawing/2017/decorative" val="1"/>
+              </a:ext>
+            </a:extLst>
+          </p:cNvPr>
+          <p:cNvGrpSpPr>
+            <a:grpSpLocks noGrp="1" noUngrp="1" noRot="1" noChangeAspect="1" noMove="1" noResize="1"/>
+          </p:cNvGrpSpPr>
+          <p:nvPr>
+            <p:extLst>
+              <p:ext uri="{386F3935-93C4-4BCD-93E2-E3B085C9AB24}">
+                <p16:designElem xmlns:p16="http://schemas.microsoft.com/office/powerpoint/2015/main" val="1"/>
+              </p:ext>
+            </p:extLst>
+          </p:nvPr>
+        </p:nvGrpSpPr>
+        <p:grpSpPr>
+          <a:xfrm>
+            <a:off x="-14288" y="0"/>
+            <a:ext cx="12053888" cy="6858001"/>
+            <a:chOff x="-14288" y="0"/>
+            <a:chExt cx="12053888" cy="6858001"/>
+          </a:xfrm>
+        </p:grpSpPr>
+        <p:grpSp>
+          <p:nvGrpSpPr>
+            <p:cNvPr id="18" name="Group 17">
+              <a:extLst>
+                <a:ext uri="{FF2B5EF4-FFF2-40B4-BE49-F238E27FC236}">
+                  <a16:creationId xmlns:a16="http://schemas.microsoft.com/office/drawing/2014/main" id="{08D8F34A-2048-4710-885B-6020E3A52AAC}"/>
+                </a:ext>
+                <a:ext uri="{C183D7F6-B498-43B3-948B-1728B52AA6E4}">
+                  <adec:decorative xmlns:adec="http://schemas.microsoft.com/office/drawing/2017/decorative" val="1"/>
+                </a:ext>
+              </a:extLst>
+            </p:cNvPr>
+            <p:cNvGrpSpPr/>
+            <p:nvPr>
+              <p:extLst>
+                <p:ext uri="{386F3935-93C4-4BCD-93E2-E3B085C9AB24}">
+                  <p16:designElem xmlns:p16="http://schemas.microsoft.com/office/powerpoint/2015/main" val="1"/>
+                </p:ext>
+              </p:extLst>
+            </p:nvPr>
+          </p:nvGrpSpPr>
+          <p:grpSpPr>
+            <a:xfrm>
+              <a:off x="-14288" y="0"/>
+              <a:ext cx="1220788" cy="6858001"/>
+              <a:chOff x="-14288" y="0"/>
+              <a:chExt cx="1220788" cy="6858001"/>
+            </a:xfrm>
+            <a:gradFill flip="none" rotWithShape="1">
+              <a:gsLst>
+                <a:gs pos="0">
+                  <a:schemeClr val="tx2"/>
+                </a:gs>
+                <a:gs pos="100000">
+                  <a:schemeClr val="bg2">
+                    <a:lumMod val="60000"/>
+                    <a:lumOff val="40000"/>
+                  </a:schemeClr>
+                </a:gs>
+              </a:gsLst>
+              <a:lin ang="5400000" scaled="0"/>
+              <a:tileRect/>
+            </a:gradFill>
+          </p:grpSpPr>
+          <p:sp>
+            <p:nvSpPr>
+              <p:cNvPr id="30" name="Rectangle 5">
+                <a:extLst>
+                  <a:ext uri="{FF2B5EF4-FFF2-40B4-BE49-F238E27FC236}">
+                    <a16:creationId xmlns:a16="http://schemas.microsoft.com/office/drawing/2014/main" id="{2BD59528-B946-437E-964B-E07B68C39568}"/>
+                  </a:ext>
+                  <a:ext uri="{C183D7F6-B498-43B3-948B-1728B52AA6E4}">
+                    <adec:decorative xmlns:adec="http://schemas.microsoft.com/office/drawing/2017/decorative" val="1"/>
+                  </a:ext>
+                </a:extLst>
+              </p:cNvPr>
+              <p:cNvSpPr>
+                <a:spLocks noChangeArrowheads="1"/>
+              </p:cNvSpPr>
+              <p:nvPr>
+                <p:extLst>
+                  <p:ext uri="{386F3935-93C4-4BCD-93E2-E3B085C9AB24}">
+                    <p16:designElem xmlns:p16="http://schemas.microsoft.com/office/powerpoint/2015/main" val="1"/>
+                  </p:ext>
+                </p:extLst>
+              </p:nvPr>
+            </p:nvSpPr>
+            <p:spPr bwMode="auto">
+              <a:xfrm>
+                <a:off x="114300" y="4763"/>
+                <a:ext cx="23813" cy="2181225"/>
+              </a:xfrm>
+              <a:prstGeom prst="rect">
+                <a:avLst/>
+              </a:prstGeom>
+              <a:grpFill/>
+              <a:ln>
+                <a:noFill/>
+              </a:ln>
+              <a:extLst>
+                <a:ext uri="{91240B29-F687-4f45-9708-019B960494DF}">
+                  <a14:hiddenLine xmlns:a14="http://schemas.microsoft.com/office/drawing/2010/main" xmlns:p14="http://schemas.microsoft.com/office/powerpoint/2010/main" xmlns:a16="http://schemas.microsoft.com/office/drawing/2014/main" xmlns="" w="9525">
+                    <a:solidFill>
+                      <a:srgbClr val="000000"/>
+                    </a:solidFill>
+                    <a:miter lim="800000"/>
+                    <a:headEnd/>
+                    <a:tailEnd/>
+                  </a14:hiddenLine>
+                </a:ext>
+              </a:extLst>
+            </p:spPr>
+          </p:sp>
+          <p:sp>
+            <p:nvSpPr>
+              <p:cNvPr id="31" name="Freeform 6">
+                <a:extLst>
+                  <a:ext uri="{FF2B5EF4-FFF2-40B4-BE49-F238E27FC236}">
+                    <a16:creationId xmlns:a16="http://schemas.microsoft.com/office/drawing/2014/main" id="{E501D201-A6EF-40DD-A904-37280298A27B}"/>
+                  </a:ext>
+                  <a:ext uri="{C183D7F6-B498-43B3-948B-1728B52AA6E4}">
+                    <adec:decorative xmlns:adec="http://schemas.microsoft.com/office/drawing/2017/decorative" val="1"/>
+                  </a:ext>
+                </a:extLst>
+              </p:cNvPr>
+              <p:cNvSpPr>
+                <a:spLocks noEditPoints="1"/>
+              </p:cNvSpPr>
+              <p:nvPr>
+                <p:extLst>
+                  <p:ext uri="{386F3935-93C4-4BCD-93E2-E3B085C9AB24}">
+                    <p16:designElem xmlns:p16="http://schemas.microsoft.com/office/powerpoint/2015/main" val="1"/>
+                  </p:ext>
+                </p:extLst>
+              </p:nvPr>
+            </p:nvSpPr>
+            <p:spPr bwMode="auto">
+              <a:xfrm>
+                <a:off x="33337" y="2176463"/>
+                <a:ext cx="190500" cy="190500"/>
+              </a:xfrm>
+              <a:custGeom>
+                <a:avLst/>
+                <a:gdLst/>
+                <a:ahLst/>
+                <a:cxnLst/>
+                <a:rect l="0" t="0" r="r" b="b"/>
+                <a:pathLst>
+                  <a:path w="40" h="40">
+                    <a:moveTo>
+                      <a:pt x="20" y="40"/>
+                    </a:moveTo>
+                    <a:cubicBezTo>
+                      <a:pt x="9" y="40"/>
+                      <a:pt x="0" y="31"/>
+                      <a:pt x="0" y="20"/>
+                    </a:cubicBezTo>
+                    <a:cubicBezTo>
+                      <a:pt x="0" y="9"/>
+                      <a:pt x="9" y="0"/>
+                      <a:pt x="20" y="0"/>
+                    </a:cubicBezTo>
+                    <a:cubicBezTo>
+                      <a:pt x="31" y="0"/>
+                      <a:pt x="40" y="9"/>
+                      <a:pt x="40" y="20"/>
+                    </a:cubicBezTo>
+                    <a:cubicBezTo>
+                      <a:pt x="40" y="31"/>
+                      <a:pt x="31" y="40"/>
+                      <a:pt x="20" y="40"/>
+                    </a:cubicBezTo>
+                    <a:close/>
+                    <a:moveTo>
+                      <a:pt x="20" y="4"/>
+                    </a:moveTo>
+                    <a:cubicBezTo>
+                      <a:pt x="11" y="4"/>
+                      <a:pt x="4" y="11"/>
+                      <a:pt x="4" y="20"/>
+                    </a:cubicBezTo>
+                    <a:cubicBezTo>
+                      <a:pt x="4" y="29"/>
+                      <a:pt x="11" y="36"/>
+                      <a:pt x="20" y="36"/>
+                    </a:cubicBezTo>
+                    <a:cubicBezTo>
+                      <a:pt x="28" y="36"/>
+                      <a:pt x="36" y="29"/>
+                      <a:pt x="36" y="20"/>
+                    </a:cubicBezTo>
+                    <a:cubicBezTo>
+                      <a:pt x="36" y="11"/>
+                      <a:pt x="28" y="4"/>
+                      <a:pt x="20" y="4"/>
+                    </a:cubicBezTo>
+                    <a:close/>
+                  </a:path>
+                </a:pathLst>
+              </a:custGeom>
+              <a:grpFill/>
+              <a:ln>
+                <a:noFill/>
+              </a:ln>
+              <a:extLst>
+                <a:ext uri="{91240B29-F687-4f45-9708-019B960494DF}">
+                  <a14:hiddenLine xmlns:a14="http://schemas.microsoft.com/office/drawing/2010/main" xmlns:p14="http://schemas.microsoft.com/office/powerpoint/2010/main" xmlns:a16="http://schemas.microsoft.com/office/drawing/2014/main" xmlns="" w="9525">
+                    <a:solidFill>
+                      <a:srgbClr val="000000"/>
+                    </a:solidFill>
+                    <a:round/>
+                    <a:headEnd/>
+                    <a:tailEnd/>
+                  </a14:hiddenLine>
+                </a:ext>
+              </a:extLst>
+            </p:spPr>
+          </p:sp>
+          <p:sp>
+            <p:nvSpPr>
+              <p:cNvPr id="32" name="Freeform 7">
+                <a:extLst>
+                  <a:ext uri="{FF2B5EF4-FFF2-40B4-BE49-F238E27FC236}">
+                    <a16:creationId xmlns:a16="http://schemas.microsoft.com/office/drawing/2014/main" id="{700C9926-C507-4642-A28B-4381982F2746}"/>
+                  </a:ext>
+                  <a:ext uri="{C183D7F6-B498-43B3-948B-1728B52AA6E4}">
+                    <adec:decorative xmlns:adec="http://schemas.microsoft.com/office/drawing/2017/decorative" val="1"/>
+                  </a:ext>
+                </a:extLst>
+              </p:cNvPr>
+              <p:cNvSpPr>
+                <a:spLocks noEditPoints="1"/>
+              </p:cNvSpPr>
+              <p:nvPr>
+                <p:extLst>
+                  <p:ext uri="{386F3935-93C4-4BCD-93E2-E3B085C9AB24}">
+                    <p16:designElem xmlns:p16="http://schemas.microsoft.com/office/powerpoint/2015/main" val="1"/>
+                  </p:ext>
+                </p:extLst>
+              </p:nvPr>
+            </p:nvSpPr>
+            <p:spPr bwMode="auto">
+              <a:xfrm>
+                <a:off x="28575" y="4021138"/>
+                <a:ext cx="190500" cy="188913"/>
+              </a:xfrm>
+              <a:custGeom>
+                <a:avLst/>
+                <a:gdLst/>
+                <a:ahLst/>
+                <a:cxnLst/>
+                <a:rect l="0" t="0" r="r" b="b"/>
+                <a:pathLst>
+                  <a:path w="40" h="40">
+                    <a:moveTo>
+                      <a:pt x="20" y="40"/>
+                    </a:moveTo>
+                    <a:cubicBezTo>
+                      <a:pt x="9" y="40"/>
+                      <a:pt x="0" y="31"/>
+                      <a:pt x="0" y="20"/>
+                    </a:cubicBezTo>
+                    <a:cubicBezTo>
+                      <a:pt x="0" y="9"/>
+                      <a:pt x="9" y="0"/>
+                      <a:pt x="20" y="0"/>
+                    </a:cubicBezTo>
+                    <a:cubicBezTo>
+                      <a:pt x="31" y="0"/>
+                      <a:pt x="40" y="9"/>
+                      <a:pt x="40" y="20"/>
+                    </a:cubicBezTo>
+                    <a:cubicBezTo>
+                      <a:pt x="40" y="31"/>
+                      <a:pt x="31" y="40"/>
+                      <a:pt x="20" y="40"/>
+                    </a:cubicBezTo>
+                    <a:close/>
+                    <a:moveTo>
+                      <a:pt x="20" y="4"/>
+                    </a:moveTo>
+                    <a:cubicBezTo>
+                      <a:pt x="12" y="4"/>
+                      <a:pt x="4" y="11"/>
+                      <a:pt x="4" y="20"/>
+                    </a:cubicBezTo>
+                    <a:cubicBezTo>
+                      <a:pt x="4" y="29"/>
+                      <a:pt x="12" y="36"/>
+                      <a:pt x="20" y="36"/>
+                    </a:cubicBezTo>
+                    <a:cubicBezTo>
+                      <a:pt x="29" y="36"/>
+                      <a:pt x="36" y="29"/>
+                      <a:pt x="36" y="20"/>
+                    </a:cubicBezTo>
+                    <a:cubicBezTo>
+                      <a:pt x="36" y="11"/>
+                      <a:pt x="29" y="4"/>
+                      <a:pt x="20" y="4"/>
+                    </a:cubicBezTo>
+                    <a:close/>
+                  </a:path>
+                </a:pathLst>
+              </a:custGeom>
+              <a:grpFill/>
+              <a:ln>
+                <a:noFill/>
+              </a:ln>
+              <a:extLst>
+                <a:ext uri="{91240B29-F687-4f45-9708-019B960494DF}">
+                  <a14:hiddenLine xmlns:a14="http://schemas.microsoft.com/office/drawing/2010/main" xmlns:p14="http://schemas.microsoft.com/office/powerpoint/2010/main" xmlns:a16="http://schemas.microsoft.com/office/drawing/2014/main" xmlns="" w="9525">
+                    <a:solidFill>
+                      <a:srgbClr val="000000"/>
+                    </a:solidFill>
+                    <a:round/>
+                    <a:headEnd/>
+                    <a:tailEnd/>
+                  </a14:hiddenLine>
+                </a:ext>
+              </a:extLst>
+            </p:spPr>
+          </p:sp>
+          <p:sp>
+            <p:nvSpPr>
+              <p:cNvPr id="33" name="Freeform 8">
+                <a:extLst>
+                  <a:ext uri="{FF2B5EF4-FFF2-40B4-BE49-F238E27FC236}">
+                    <a16:creationId xmlns:a16="http://schemas.microsoft.com/office/drawing/2014/main" id="{F9C0AC4B-084B-44C7-9BB3-84B1AA7A6ECD}"/>
+                  </a:ext>
+                  <a:ext uri="{C183D7F6-B498-43B3-948B-1728B52AA6E4}">
+                    <adec:decorative xmlns:adec="http://schemas.microsoft.com/office/drawing/2017/decorative" val="1"/>
+                  </a:ext>
+                </a:extLst>
+              </p:cNvPr>
+              <p:cNvSpPr/>
+              <p:nvPr>
+                <p:extLst>
+                  <p:ext uri="{386F3935-93C4-4BCD-93E2-E3B085C9AB24}">
+                    <p16:designElem xmlns:p16="http://schemas.microsoft.com/office/powerpoint/2015/main" val="1"/>
+                  </p:ext>
+                </p:extLst>
+              </p:nvPr>
+            </p:nvSpPr>
+            <p:spPr bwMode="auto">
+              <a:xfrm>
+                <a:off x="200025" y="4763"/>
+                <a:ext cx="369888" cy="1811338"/>
+              </a:xfrm>
+              <a:custGeom>
+                <a:avLst/>
+                <a:gdLst/>
+                <a:ahLst/>
+                <a:cxnLst/>
+                <a:rect l="0" t="0" r="r" b="b"/>
+                <a:pathLst>
+                  <a:path w="233" h="1141">
+                    <a:moveTo>
+                      <a:pt x="218" y="1141"/>
+                    </a:moveTo>
+                    <a:lnTo>
+                      <a:pt x="0" y="626"/>
+                    </a:lnTo>
+                    <a:lnTo>
+                      <a:pt x="0" y="0"/>
+                    </a:lnTo>
+                    <a:lnTo>
+                      <a:pt x="15" y="0"/>
+                    </a:lnTo>
+                    <a:lnTo>
+                      <a:pt x="15" y="623"/>
+                    </a:lnTo>
+                    <a:lnTo>
+                      <a:pt x="233" y="1135"/>
+                    </a:lnTo>
+                    <a:lnTo>
+                      <a:pt x="218" y="1141"/>
+                    </a:lnTo>
+                    <a:close/>
+                  </a:path>
+                </a:pathLst>
+              </a:custGeom>
+              <a:grpFill/>
+              <a:ln>
+                <a:noFill/>
+              </a:ln>
+              <a:extLst>
+                <a:ext uri="{91240B29-F687-4f45-9708-019B960494DF}">
+                  <a14:hiddenLine xmlns:a14="http://schemas.microsoft.com/office/drawing/2010/main" xmlns:p14="http://schemas.microsoft.com/office/powerpoint/2010/main" xmlns:a16="http://schemas.microsoft.com/office/drawing/2014/main" xmlns="" w="9525">
+                    <a:solidFill>
+                      <a:srgbClr val="000000"/>
+                    </a:solidFill>
+                    <a:round/>
+                    <a:headEnd/>
+                    <a:tailEnd/>
+                  </a14:hiddenLine>
+                </a:ext>
+              </a:extLst>
+            </p:spPr>
+          </p:sp>
+          <p:sp>
+            <p:nvSpPr>
+              <p:cNvPr id="34" name="Freeform 9">
+                <a:extLst>
+                  <a:ext uri="{FF2B5EF4-FFF2-40B4-BE49-F238E27FC236}">
+                    <a16:creationId xmlns:a16="http://schemas.microsoft.com/office/drawing/2014/main" id="{765B71B8-526D-4CE9-9B29-380B4A63D641}"/>
+                  </a:ext>
+                  <a:ext uri="{C183D7F6-B498-43B3-948B-1728B52AA6E4}">
+                    <adec:decorative xmlns:adec="http://schemas.microsoft.com/office/drawing/2017/decorative" val="1"/>
+                  </a:ext>
+                </a:extLst>
+              </p:cNvPr>
+              <p:cNvSpPr>
+                <a:spLocks noEditPoints="1"/>
+              </p:cNvSpPr>
+              <p:nvPr>
+                <p:extLst>
+                  <p:ext uri="{386F3935-93C4-4BCD-93E2-E3B085C9AB24}">
+                    <p16:designElem xmlns:p16="http://schemas.microsoft.com/office/powerpoint/2015/main" val="1"/>
+                  </p:ext>
+                </p:extLst>
+              </p:nvPr>
+            </p:nvSpPr>
+            <p:spPr bwMode="auto">
+              <a:xfrm>
+                <a:off x="503237" y="1801813"/>
+                <a:ext cx="190500" cy="188913"/>
+              </a:xfrm>
+              <a:custGeom>
+                <a:avLst/>
+                <a:gdLst/>
+                <a:ahLst/>
+                <a:cxnLst/>
+                <a:rect l="0" t="0" r="r" b="b"/>
+                <a:pathLst>
+                  <a:path w="40" h="40">
+                    <a:moveTo>
+                      <a:pt x="20" y="40"/>
+                    </a:moveTo>
+                    <a:cubicBezTo>
+                      <a:pt x="9" y="40"/>
+                      <a:pt x="0" y="31"/>
+                      <a:pt x="0" y="20"/>
+                    </a:cubicBezTo>
+                    <a:cubicBezTo>
+                      <a:pt x="0" y="9"/>
+                      <a:pt x="9" y="0"/>
+                      <a:pt x="20" y="0"/>
+                    </a:cubicBezTo>
+                    <a:cubicBezTo>
+                      <a:pt x="33" y="0"/>
+                      <a:pt x="40" y="6"/>
+                      <a:pt x="40" y="20"/>
+                    </a:cubicBezTo>
+                    <a:cubicBezTo>
+                      <a:pt x="40" y="31"/>
+                      <a:pt x="31" y="40"/>
+                      <a:pt x="20" y="40"/>
+                    </a:cubicBezTo>
+                    <a:close/>
+                    <a:moveTo>
+                      <a:pt x="20" y="4"/>
+                    </a:moveTo>
+                    <a:cubicBezTo>
+                      <a:pt x="11" y="4"/>
+                      <a:pt x="4" y="11"/>
+                      <a:pt x="4" y="20"/>
+                    </a:cubicBezTo>
+                    <a:cubicBezTo>
+                      <a:pt x="4" y="29"/>
+                      <a:pt x="11" y="36"/>
+                      <a:pt x="20" y="36"/>
+                    </a:cubicBezTo>
+                    <a:cubicBezTo>
+                      <a:pt x="28" y="36"/>
+                      <a:pt x="36" y="29"/>
+                      <a:pt x="36" y="20"/>
+                    </a:cubicBezTo>
+                    <a:cubicBezTo>
+                      <a:pt x="36" y="9"/>
+                      <a:pt x="31" y="4"/>
+                      <a:pt x="20" y="4"/>
+                    </a:cubicBezTo>
+                    <a:close/>
+                  </a:path>
+                </a:pathLst>
+              </a:custGeom>
+              <a:grpFill/>
+              <a:ln>
+                <a:noFill/>
+              </a:ln>
+              <a:extLst>
+                <a:ext uri="{91240B29-F687-4f45-9708-019B960494DF}">
+                  <a14:hiddenLine xmlns:a14="http://schemas.microsoft.com/office/drawing/2010/main" xmlns:p14="http://schemas.microsoft.com/office/powerpoint/2010/main" xmlns:a16="http://schemas.microsoft.com/office/drawing/2014/main" xmlns="" w="9525">
+                    <a:solidFill>
+                      <a:srgbClr val="000000"/>
+                    </a:solidFill>
+                    <a:round/>
+                    <a:headEnd/>
+                    <a:tailEnd/>
+                  </a14:hiddenLine>
+                </a:ext>
+              </a:extLst>
+            </p:spPr>
+          </p:sp>
+          <p:sp>
+            <p:nvSpPr>
+              <p:cNvPr id="35" name="Freeform 10">
+                <a:extLst>
+                  <a:ext uri="{FF2B5EF4-FFF2-40B4-BE49-F238E27FC236}">
+                    <a16:creationId xmlns:a16="http://schemas.microsoft.com/office/drawing/2014/main" id="{A5E131F6-E6F7-4C93-B2AC-6BEE7210A375}"/>
+                  </a:ext>
+                  <a:ext uri="{C183D7F6-B498-43B3-948B-1728B52AA6E4}">
+                    <adec:decorative xmlns:adec="http://schemas.microsoft.com/office/drawing/2017/decorative" val="1"/>
+                  </a:ext>
+                </a:extLst>
+              </p:cNvPr>
+              <p:cNvSpPr/>
+              <p:nvPr>
+                <p:extLst>
+                  <p:ext uri="{386F3935-93C4-4BCD-93E2-E3B085C9AB24}">
+                    <p16:designElem xmlns:p16="http://schemas.microsoft.com/office/powerpoint/2015/main" val="1"/>
+                  </p:ext>
+                </p:extLst>
+              </p:nvPr>
+            </p:nvSpPr>
+            <p:spPr bwMode="auto">
+              <a:xfrm>
+                <a:off x="285750" y="4763"/>
+                <a:ext cx="369888" cy="1430338"/>
+              </a:xfrm>
+              <a:custGeom>
+                <a:avLst/>
+                <a:gdLst/>
+                <a:ahLst/>
+                <a:cxnLst/>
+                <a:rect l="0" t="0" r="r" b="b"/>
+                <a:pathLst>
+                  <a:path w="233" h="901">
+                    <a:moveTo>
+                      <a:pt x="221" y="901"/>
+                    </a:moveTo>
+                    <a:lnTo>
+                      <a:pt x="0" y="383"/>
+                    </a:lnTo>
+                    <a:lnTo>
+                      <a:pt x="0" y="0"/>
+                    </a:lnTo>
+                    <a:lnTo>
+                      <a:pt x="18" y="0"/>
+                    </a:lnTo>
+                    <a:lnTo>
+                      <a:pt x="18" y="380"/>
+                    </a:lnTo>
+                    <a:lnTo>
+                      <a:pt x="233" y="895"/>
+                    </a:lnTo>
+                    <a:lnTo>
+                      <a:pt x="221" y="901"/>
+                    </a:lnTo>
+                    <a:close/>
+                  </a:path>
+                </a:pathLst>
+              </a:custGeom>
+              <a:grpFill/>
+              <a:ln>
+                <a:noFill/>
+              </a:ln>
+              <a:extLst>
+                <a:ext uri="{91240B29-F687-4f45-9708-019B960494DF}">
+                  <a14:hiddenLine xmlns:a14="http://schemas.microsoft.com/office/drawing/2010/main" xmlns:p14="http://schemas.microsoft.com/office/powerpoint/2010/main" xmlns:a16="http://schemas.microsoft.com/office/drawing/2014/main" xmlns="" w="9525">
+                    <a:solidFill>
+                      <a:srgbClr val="000000"/>
+                    </a:solidFill>
+                    <a:round/>
+                    <a:headEnd/>
+                    <a:tailEnd/>
+                  </a14:hiddenLine>
+                </a:ext>
+              </a:extLst>
+            </p:spPr>
+          </p:sp>
+          <p:sp>
+            <p:nvSpPr>
+              <p:cNvPr id="36" name="Freeform 11">
+                <a:extLst>
+                  <a:ext uri="{FF2B5EF4-FFF2-40B4-BE49-F238E27FC236}">
+                    <a16:creationId xmlns:a16="http://schemas.microsoft.com/office/drawing/2014/main" id="{36F8025F-A8BE-4215-AD98-F0E163D56E03}"/>
+                  </a:ext>
+                  <a:ext uri="{C183D7F6-B498-43B3-948B-1728B52AA6E4}">
+                    <adec:decorative xmlns:adec="http://schemas.microsoft.com/office/drawing/2017/decorative" val="1"/>
+                  </a:ext>
+                </a:extLst>
+              </p:cNvPr>
+              <p:cNvSpPr/>
+              <p:nvPr>
+                <p:extLst>
+                  <p:ext uri="{386F3935-93C4-4BCD-93E2-E3B085C9AB24}">
+                    <p16:designElem xmlns:p16="http://schemas.microsoft.com/office/powerpoint/2015/main" val="1"/>
+                  </p:ext>
+                </p:extLst>
+              </p:nvPr>
+            </p:nvSpPr>
+            <p:spPr bwMode="auto">
+              <a:xfrm>
+                <a:off x="546100" y="0"/>
+                <a:ext cx="152400" cy="912813"/>
+              </a:xfrm>
+              <a:custGeom>
+                <a:avLst/>
+                <a:gdLst/>
+                <a:ahLst/>
+                <a:cxnLst/>
+                <a:rect l="0" t="0" r="r" b="b"/>
+                <a:pathLst>
+                  <a:path w="96" h="575">
+                    <a:moveTo>
+                      <a:pt x="96" y="575"/>
+                    </a:moveTo>
+                    <a:lnTo>
+                      <a:pt x="78" y="575"/>
+                    </a:lnTo>
+                    <a:lnTo>
+                      <a:pt x="78" y="192"/>
+                    </a:lnTo>
+                    <a:lnTo>
+                      <a:pt x="0" y="6"/>
+                    </a:lnTo>
+                    <a:lnTo>
+                      <a:pt x="15" y="0"/>
+                    </a:lnTo>
+                    <a:lnTo>
+                      <a:pt x="96" y="189"/>
+                    </a:lnTo>
+                    <a:lnTo>
+                      <a:pt x="96" y="575"/>
+                    </a:lnTo>
+                    <a:close/>
+                  </a:path>
+                </a:pathLst>
+              </a:custGeom>
+              <a:grpFill/>
+              <a:ln>
+                <a:noFill/>
+              </a:ln>
+              <a:extLst>
+                <a:ext uri="{91240B29-F687-4f45-9708-019B960494DF}">
+                  <a14:hiddenLine xmlns:a14="http://schemas.microsoft.com/office/drawing/2010/main" xmlns:p14="http://schemas.microsoft.com/office/powerpoint/2010/main" xmlns:a16="http://schemas.microsoft.com/office/drawing/2014/main" xmlns="" w="9525">
+                    <a:solidFill>
+                      <a:srgbClr val="000000"/>
+                    </a:solidFill>
+                    <a:round/>
+                    <a:headEnd/>
+                    <a:tailEnd/>
+                  </a14:hiddenLine>
+                </a:ext>
+              </a:extLst>
+            </p:spPr>
+          </p:sp>
+          <p:sp>
+            <p:nvSpPr>
+              <p:cNvPr id="37" name="Freeform 12">
+                <a:extLst>
+                  <a:ext uri="{FF2B5EF4-FFF2-40B4-BE49-F238E27FC236}">
+                    <a16:creationId xmlns:a16="http://schemas.microsoft.com/office/drawing/2014/main" id="{3FEE64BF-FE95-4329-8B60-ADB566F8C4B0}"/>
+                  </a:ext>
+                  <a:ext uri="{C183D7F6-B498-43B3-948B-1728B52AA6E4}">
+                    <adec:decorative xmlns:adec="http://schemas.microsoft.com/office/drawing/2017/decorative" val="1"/>
+                  </a:ext>
+                </a:extLst>
+              </p:cNvPr>
+              <p:cNvSpPr>
+                <a:spLocks noEditPoints="1"/>
+              </p:cNvSpPr>
+              <p:nvPr>
+                <p:extLst>
+                  <p:ext uri="{386F3935-93C4-4BCD-93E2-E3B085C9AB24}">
+                    <p16:designElem xmlns:p16="http://schemas.microsoft.com/office/powerpoint/2015/main" val="1"/>
+                  </p:ext>
+                </p:extLst>
+              </p:nvPr>
+            </p:nvSpPr>
+            <p:spPr bwMode="auto">
+              <a:xfrm>
+                <a:off x="588962" y="1420813"/>
+                <a:ext cx="190500" cy="190500"/>
+              </a:xfrm>
+              <a:custGeom>
+                <a:avLst/>
+                <a:gdLst/>
+                <a:ahLst/>
+                <a:cxnLst/>
+                <a:rect l="0" t="0" r="r" b="b"/>
+                <a:pathLst>
+                  <a:path w="40" h="40">
+                    <a:moveTo>
+                      <a:pt x="20" y="40"/>
+                    </a:moveTo>
+                    <a:cubicBezTo>
+                      <a:pt x="9" y="40"/>
+                      <a:pt x="0" y="31"/>
+                      <a:pt x="0" y="20"/>
+                    </a:cubicBezTo>
+                    <a:cubicBezTo>
+                      <a:pt x="0" y="9"/>
+                      <a:pt x="9" y="0"/>
+                      <a:pt x="20" y="0"/>
+                    </a:cubicBezTo>
+                    <a:cubicBezTo>
+                      <a:pt x="33" y="0"/>
+                      <a:pt x="40" y="7"/>
+                      <a:pt x="40" y="20"/>
+                    </a:cubicBezTo>
+                    <a:cubicBezTo>
+                      <a:pt x="40" y="31"/>
+                      <a:pt x="31" y="40"/>
+                      <a:pt x="20" y="40"/>
+                    </a:cubicBezTo>
+                    <a:close/>
+                    <a:moveTo>
+                      <a:pt x="20" y="4"/>
+                    </a:moveTo>
+                    <a:cubicBezTo>
+                      <a:pt x="11" y="4"/>
+                      <a:pt x="4" y="11"/>
+                      <a:pt x="4" y="20"/>
+                    </a:cubicBezTo>
+                    <a:cubicBezTo>
+                      <a:pt x="4" y="29"/>
+                      <a:pt x="11" y="36"/>
+                      <a:pt x="20" y="36"/>
+                    </a:cubicBezTo>
+                    <a:cubicBezTo>
+                      <a:pt x="29" y="36"/>
+                      <a:pt x="36" y="29"/>
+                      <a:pt x="36" y="20"/>
+                    </a:cubicBezTo>
+                    <a:cubicBezTo>
+                      <a:pt x="36" y="9"/>
+                      <a:pt x="31" y="4"/>
+                      <a:pt x="20" y="4"/>
+                    </a:cubicBezTo>
+                    <a:close/>
+                  </a:path>
+                </a:pathLst>
+              </a:custGeom>
+              <a:grpFill/>
+              <a:ln>
+                <a:noFill/>
+              </a:ln>
+              <a:extLst>
+                <a:ext uri="{91240B29-F687-4f45-9708-019B960494DF}">
+                  <a14:hiddenLine xmlns:a14="http://schemas.microsoft.com/office/drawing/2010/main" xmlns:p14="http://schemas.microsoft.com/office/powerpoint/2010/main" xmlns:a16="http://schemas.microsoft.com/office/drawing/2014/main" xmlns="" w="9525">
+                    <a:solidFill>
+                      <a:srgbClr val="000000"/>
+                    </a:solidFill>
+                    <a:round/>
+                    <a:headEnd/>
+                    <a:tailEnd/>
+                  </a14:hiddenLine>
+                </a:ext>
+              </a:extLst>
+            </p:spPr>
+          </p:sp>
+          <p:sp>
+            <p:nvSpPr>
+              <p:cNvPr id="38" name="Freeform 13">
+                <a:extLst>
+                  <a:ext uri="{FF2B5EF4-FFF2-40B4-BE49-F238E27FC236}">
+                    <a16:creationId xmlns:a16="http://schemas.microsoft.com/office/drawing/2014/main" id="{742D24D5-73EA-4F42-A61D-FE001B1A9B9B}"/>
+                  </a:ext>
+                  <a:ext uri="{C183D7F6-B498-43B3-948B-1728B52AA6E4}">
+                    <adec:decorative xmlns:adec="http://schemas.microsoft.com/office/drawing/2017/decorative" val="1"/>
+                  </a:ext>
+                </a:extLst>
+              </p:cNvPr>
+              <p:cNvSpPr>
+                <a:spLocks noEditPoints="1"/>
+              </p:cNvSpPr>
+              <p:nvPr>
+                <p:extLst>
+                  <p:ext uri="{386F3935-93C4-4BCD-93E2-E3B085C9AB24}">
+                    <p16:designElem xmlns:p16="http://schemas.microsoft.com/office/powerpoint/2015/main" val="1"/>
+                  </p:ext>
+                </p:extLst>
+              </p:nvPr>
+            </p:nvSpPr>
+            <p:spPr bwMode="auto">
+              <a:xfrm>
+                <a:off x="588962" y="903288"/>
+                <a:ext cx="190500" cy="190500"/>
+              </a:xfrm>
+              <a:custGeom>
+                <a:avLst/>
+                <a:gdLst/>
+                <a:ahLst/>
+                <a:cxnLst/>
+                <a:rect l="0" t="0" r="r" b="b"/>
+                <a:pathLst>
+                  <a:path w="40" h="40">
+                    <a:moveTo>
+                      <a:pt x="20" y="40"/>
+                    </a:moveTo>
+                    <a:cubicBezTo>
+                      <a:pt x="9" y="40"/>
+                      <a:pt x="0" y="31"/>
+                      <a:pt x="0" y="20"/>
+                    </a:cubicBezTo>
+                    <a:cubicBezTo>
+                      <a:pt x="0" y="9"/>
+                      <a:pt x="9" y="0"/>
+                      <a:pt x="20" y="0"/>
+                    </a:cubicBezTo>
+                    <a:cubicBezTo>
+                      <a:pt x="31" y="0"/>
+                      <a:pt x="40" y="9"/>
+                      <a:pt x="40" y="20"/>
+                    </a:cubicBezTo>
+                    <a:cubicBezTo>
+                      <a:pt x="40" y="31"/>
+                      <a:pt x="31" y="40"/>
+                      <a:pt x="20" y="40"/>
+                    </a:cubicBezTo>
+                    <a:close/>
+                    <a:moveTo>
+                      <a:pt x="20" y="4"/>
+                    </a:moveTo>
+                    <a:cubicBezTo>
+                      <a:pt x="11" y="4"/>
+                      <a:pt x="4" y="11"/>
+                      <a:pt x="4" y="20"/>
+                    </a:cubicBezTo>
+                    <a:cubicBezTo>
+                      <a:pt x="4" y="29"/>
+                      <a:pt x="11" y="36"/>
+                      <a:pt x="20" y="36"/>
+                    </a:cubicBezTo>
+                    <a:cubicBezTo>
+                      <a:pt x="29" y="36"/>
+                      <a:pt x="36" y="29"/>
+                      <a:pt x="36" y="20"/>
+                    </a:cubicBezTo>
+                    <a:cubicBezTo>
+                      <a:pt x="36" y="11"/>
+                      <a:pt x="29" y="4"/>
+                      <a:pt x="20" y="4"/>
+                    </a:cubicBezTo>
+                    <a:close/>
+                  </a:path>
+                </a:pathLst>
+              </a:custGeom>
+              <a:grpFill/>
+              <a:ln>
+                <a:noFill/>
+              </a:ln>
+              <a:extLst>
+                <a:ext uri="{91240B29-F687-4f45-9708-019B960494DF}">
+                  <a14:hiddenLine xmlns:a14="http://schemas.microsoft.com/office/drawing/2010/main" xmlns:p14="http://schemas.microsoft.com/office/powerpoint/2010/main" xmlns:a16="http://schemas.microsoft.com/office/drawing/2014/main" xmlns="" w="9525">
+                    <a:solidFill>
+                      <a:srgbClr val="000000"/>
+                    </a:solidFill>
+                    <a:round/>
+                    <a:headEnd/>
+                    <a:tailEnd/>
+                  </a14:hiddenLine>
+                </a:ext>
+              </a:extLst>
+            </p:spPr>
+          </p:sp>
+          <p:sp>
+            <p:nvSpPr>
+              <p:cNvPr id="39" name="Freeform 14">
+                <a:extLst>
+                  <a:ext uri="{FF2B5EF4-FFF2-40B4-BE49-F238E27FC236}">
+                    <a16:creationId xmlns:a16="http://schemas.microsoft.com/office/drawing/2014/main" id="{DC35DA0C-8EC9-48BE-A38B-B626CD2DB29A}"/>
+                  </a:ext>
+                  <a:ext uri="{C183D7F6-B498-43B3-948B-1728B52AA6E4}">
+                    <adec:decorative xmlns:adec="http://schemas.microsoft.com/office/drawing/2017/decorative" val="1"/>
+                  </a:ext>
+                </a:extLst>
+              </p:cNvPr>
+              <p:cNvSpPr/>
+              <p:nvPr>
+                <p:extLst>
+                  <p:ext uri="{386F3935-93C4-4BCD-93E2-E3B085C9AB24}">
+                    <p16:designElem xmlns:p16="http://schemas.microsoft.com/office/powerpoint/2015/main" val="1"/>
+                  </p:ext>
+                </p:extLst>
+              </p:nvPr>
+            </p:nvSpPr>
+            <p:spPr bwMode="auto">
+              <a:xfrm>
+                <a:off x="641350" y="0"/>
+                <a:ext cx="422275" cy="527050"/>
+              </a:xfrm>
+              <a:custGeom>
+                <a:avLst/>
+                <a:gdLst/>
+                <a:ahLst/>
+                <a:cxnLst/>
+                <a:rect l="0" t="0" r="r" b="b"/>
+                <a:pathLst>
+                  <a:path w="266" h="332">
+                    <a:moveTo>
+                      <a:pt x="257" y="332"/>
+                    </a:moveTo>
+                    <a:lnTo>
+                      <a:pt x="48" y="123"/>
+                    </a:lnTo>
+                    <a:lnTo>
+                      <a:pt x="0" y="6"/>
+                    </a:lnTo>
+                    <a:lnTo>
+                      <a:pt x="15" y="0"/>
+                    </a:lnTo>
+                    <a:lnTo>
+                      <a:pt x="63" y="114"/>
+                    </a:lnTo>
+                    <a:lnTo>
+                      <a:pt x="266" y="320"/>
+                    </a:lnTo>
+                    <a:lnTo>
+                      <a:pt x="257" y="332"/>
+                    </a:lnTo>
+                    <a:close/>
+                  </a:path>
+                </a:pathLst>
+              </a:custGeom>
+              <a:grpFill/>
+              <a:ln>
+                <a:noFill/>
+              </a:ln>
+              <a:extLst>
+                <a:ext uri="{91240B29-F687-4f45-9708-019B960494DF}">
+                  <a14:hiddenLine xmlns:a14="http://schemas.microsoft.com/office/drawing/2010/main" xmlns:p14="http://schemas.microsoft.com/office/powerpoint/2010/main" xmlns:a16="http://schemas.microsoft.com/office/drawing/2014/main" xmlns="" w="9525">
+                    <a:solidFill>
+                      <a:srgbClr val="000000"/>
+                    </a:solidFill>
+                    <a:round/>
+                    <a:headEnd/>
+                    <a:tailEnd/>
+                  </a14:hiddenLine>
+                </a:ext>
+              </a:extLst>
+            </p:spPr>
+          </p:sp>
+          <p:sp>
+            <p:nvSpPr>
+              <p:cNvPr id="40" name="Freeform 15">
+                <a:extLst>
+                  <a:ext uri="{FF2B5EF4-FFF2-40B4-BE49-F238E27FC236}">
+                    <a16:creationId xmlns:a16="http://schemas.microsoft.com/office/drawing/2014/main" id="{FFD82B19-6C16-4221-83B3-40342C74D90C}"/>
+                  </a:ext>
+                  <a:ext uri="{C183D7F6-B498-43B3-948B-1728B52AA6E4}">
+                    <adec:decorative xmlns:adec="http://schemas.microsoft.com/office/drawing/2017/decorative" val="1"/>
+                  </a:ext>
+                </a:extLst>
+              </p:cNvPr>
+              <p:cNvSpPr>
+                <a:spLocks noEditPoints="1"/>
+              </p:cNvSpPr>
+              <p:nvPr>
+                <p:extLst>
+                  <p:ext uri="{386F3935-93C4-4BCD-93E2-E3B085C9AB24}">
+                    <p16:designElem xmlns:p16="http://schemas.microsoft.com/office/powerpoint/2015/main" val="1"/>
+                  </p:ext>
+                </p:extLst>
+              </p:nvPr>
+            </p:nvSpPr>
+            <p:spPr bwMode="auto">
+              <a:xfrm>
+                <a:off x="1020762" y="488950"/>
+                <a:ext cx="161925" cy="147638"/>
+              </a:xfrm>
+              <a:custGeom>
+                <a:avLst/>
+                <a:gdLst/>
+                <a:ahLst/>
+                <a:cxnLst/>
+                <a:rect l="0" t="0" r="r" b="b"/>
+                <a:pathLst>
+                  <a:path w="34" h="31">
+                    <a:moveTo>
+                      <a:pt x="17" y="31"/>
+                    </a:moveTo>
+                    <a:cubicBezTo>
+                      <a:pt x="13" y="31"/>
+                      <a:pt x="9" y="30"/>
+                      <a:pt x="6" y="27"/>
+                    </a:cubicBezTo>
+                    <a:cubicBezTo>
+                      <a:pt x="0" y="20"/>
+                      <a:pt x="0" y="10"/>
+                      <a:pt x="6" y="4"/>
+                    </a:cubicBezTo>
+                    <a:cubicBezTo>
+                      <a:pt x="9" y="1"/>
+                      <a:pt x="13" y="0"/>
+                      <a:pt x="17" y="0"/>
+                    </a:cubicBezTo>
+                    <a:cubicBezTo>
+                      <a:pt x="21" y="0"/>
+                      <a:pt x="25" y="1"/>
+                      <a:pt x="28" y="4"/>
+                    </a:cubicBezTo>
+                    <a:cubicBezTo>
+                      <a:pt x="34" y="10"/>
+                      <a:pt x="34" y="20"/>
+                      <a:pt x="28" y="27"/>
+                    </a:cubicBezTo>
+                    <a:cubicBezTo>
+                      <a:pt x="25" y="30"/>
+                      <a:pt x="21" y="31"/>
+                      <a:pt x="17" y="31"/>
+                    </a:cubicBezTo>
+                    <a:close/>
+                    <a:moveTo>
+                      <a:pt x="17" y="4"/>
+                    </a:moveTo>
+                    <a:cubicBezTo>
+                      <a:pt x="14" y="4"/>
+                      <a:pt x="11" y="5"/>
+                      <a:pt x="9" y="7"/>
+                    </a:cubicBezTo>
+                    <a:cubicBezTo>
+                      <a:pt x="4" y="12"/>
+                      <a:pt x="4" y="19"/>
+                      <a:pt x="9" y="24"/>
+                    </a:cubicBezTo>
+                    <a:cubicBezTo>
+                      <a:pt x="11" y="26"/>
+                      <a:pt x="14" y="27"/>
+                      <a:pt x="17" y="27"/>
+                    </a:cubicBezTo>
+                    <a:cubicBezTo>
+                      <a:pt x="20" y="27"/>
+                      <a:pt x="23" y="26"/>
+                      <a:pt x="25" y="24"/>
+                    </a:cubicBezTo>
+                    <a:cubicBezTo>
+                      <a:pt x="30" y="19"/>
+                      <a:pt x="30" y="12"/>
+                      <a:pt x="25" y="7"/>
+                    </a:cubicBezTo>
+                    <a:cubicBezTo>
+                      <a:pt x="23" y="5"/>
+                      <a:pt x="20" y="4"/>
+                      <a:pt x="17" y="4"/>
+                    </a:cubicBezTo>
+                    <a:close/>
+                  </a:path>
+                </a:pathLst>
+              </a:custGeom>
+              <a:grpFill/>
+              <a:ln>
+                <a:noFill/>
+              </a:ln>
+              <a:extLst>
+                <a:ext uri="{91240B29-F687-4f45-9708-019B960494DF}">
+                  <a14:hiddenLine xmlns:a14="http://schemas.microsoft.com/office/drawing/2010/main" xmlns:p14="http://schemas.microsoft.com/office/powerpoint/2010/main" xmlns:a16="http://schemas.microsoft.com/office/drawing/2014/main" xmlns="" w="9525">
+                    <a:solidFill>
+                      <a:srgbClr val="000000"/>
+                    </a:solidFill>
+                    <a:round/>
+                    <a:headEnd/>
+                    <a:tailEnd/>
+                  </a14:hiddenLine>
+                </a:ext>
+              </a:extLst>
+            </p:spPr>
+          </p:sp>
+          <p:sp>
+            <p:nvSpPr>
+              <p:cNvPr id="41" name="Line 16">
+                <a:extLst>
+                  <a:ext uri="{FF2B5EF4-FFF2-40B4-BE49-F238E27FC236}">
+                    <a16:creationId xmlns:a16="http://schemas.microsoft.com/office/drawing/2014/main" id="{91BC2DD8-6333-4604-A9AD-AF058EBC6344}"/>
+                  </a:ext>
+                  <a:ext uri="{C183D7F6-B498-43B3-948B-1728B52AA6E4}">
+                    <adec:decorative xmlns:adec="http://schemas.microsoft.com/office/drawing/2017/decorative" val="1"/>
+                  </a:ext>
+                </a:extLst>
+              </p:cNvPr>
+              <p:cNvSpPr>
+                <a:spLocks noChangeShapeType="1"/>
+              </p:cNvSpPr>
+              <p:nvPr>
+                <p:extLst>
+                  <p:ext uri="{386F3935-93C4-4BCD-93E2-E3B085C9AB24}">
+                    <p16:designElem xmlns:p16="http://schemas.microsoft.com/office/powerpoint/2015/main" val="1"/>
+                  </p:ext>
+                </p:extLst>
+              </p:nvPr>
+            </p:nvSpPr>
+            <p:spPr bwMode="auto">
+              <a:xfrm>
+                <a:off x="-4763" y="9525"/>
+                <a:ext cx="0" cy="0"/>
+              </a:xfrm>
+              <a:prstGeom prst="line">
+                <a:avLst/>
+              </a:prstGeom>
+              <a:grpFill/>
+              <a:ln w="15" cap="flat">
+                <a:solidFill>
+                  <a:srgbClr val="FFFFFF"/>
+                </a:solidFill>
+                <a:prstDash val="solid"/>
+                <a:miter lim="800000"/>
+                <a:headEnd/>
+                <a:tailEnd/>
+              </a:ln>
+            </p:spPr>
+          </p:sp>
+          <p:sp>
+            <p:nvSpPr>
+              <p:cNvPr id="42" name="Freeform 17">
+                <a:extLst>
+                  <a:ext uri="{FF2B5EF4-FFF2-40B4-BE49-F238E27FC236}">
+                    <a16:creationId xmlns:a16="http://schemas.microsoft.com/office/drawing/2014/main" id="{867B3042-26EF-40D4-BB69-1CE99C56917D}"/>
+                  </a:ext>
+                  <a:ext uri="{C183D7F6-B498-43B3-948B-1728B52AA6E4}">
+                    <adec:decorative xmlns:adec="http://schemas.microsoft.com/office/drawing/2017/decorative" val="1"/>
+                  </a:ext>
+                </a:extLst>
+              </p:cNvPr>
+              <p:cNvSpPr/>
+              <p:nvPr>
+                <p:extLst>
+                  <p:ext uri="{386F3935-93C4-4BCD-93E2-E3B085C9AB24}">
+                    <p16:designElem xmlns:p16="http://schemas.microsoft.com/office/powerpoint/2015/main" val="1"/>
+                  </p:ext>
+                </p:extLst>
+              </p:nvPr>
+            </p:nvSpPr>
+            <p:spPr bwMode="auto">
+              <a:xfrm>
+                <a:off x="9525" y="1801813"/>
+                <a:ext cx="123825" cy="127000"/>
+              </a:xfrm>
+              <a:custGeom>
+                <a:avLst/>
+                <a:gdLst/>
+                <a:ahLst/>
+                <a:cxnLst/>
+                <a:rect l="0" t="0" r="r" b="b"/>
+                <a:pathLst>
+                  <a:path w="78" h="80">
+                    <a:moveTo>
+                      <a:pt x="6" y="80"/>
+                    </a:moveTo>
+                    <a:lnTo>
+                      <a:pt x="0" y="71"/>
+                    </a:lnTo>
+                    <a:lnTo>
+                      <a:pt x="69" y="0"/>
+                    </a:lnTo>
+                    <a:lnTo>
+                      <a:pt x="78" y="9"/>
+                    </a:lnTo>
+                    <a:lnTo>
+                      <a:pt x="6" y="80"/>
+                    </a:lnTo>
+                    <a:close/>
+                  </a:path>
+                </a:pathLst>
+              </a:custGeom>
+              <a:grpFill/>
+              <a:ln>
+                <a:noFill/>
+              </a:ln>
+              <a:extLst>
+                <a:ext uri="{91240B29-F687-4f45-9708-019B960494DF}">
+                  <a14:hiddenLine xmlns:a14="http://schemas.microsoft.com/office/drawing/2010/main" xmlns:p14="http://schemas.microsoft.com/office/powerpoint/2010/main" xmlns:a16="http://schemas.microsoft.com/office/drawing/2014/main" xmlns="" w="9525">
+                    <a:solidFill>
+                      <a:srgbClr val="000000"/>
+                    </a:solidFill>
+                    <a:round/>
+                    <a:headEnd/>
+                    <a:tailEnd/>
+                  </a14:hiddenLine>
+                </a:ext>
+              </a:extLst>
+            </p:spPr>
+          </p:sp>
+          <p:sp>
+            <p:nvSpPr>
+              <p:cNvPr id="43" name="Freeform 18">
+                <a:extLst>
+                  <a:ext uri="{FF2B5EF4-FFF2-40B4-BE49-F238E27FC236}">
+                    <a16:creationId xmlns:a16="http://schemas.microsoft.com/office/drawing/2014/main" id="{C54FD8EB-2552-4089-A064-A979E29F4631}"/>
+                  </a:ext>
+                  <a:ext uri="{C183D7F6-B498-43B3-948B-1728B52AA6E4}">
+                    <adec:decorative xmlns:adec="http://schemas.microsoft.com/office/drawing/2017/decorative" val="1"/>
+                  </a:ext>
+                </a:extLst>
+              </p:cNvPr>
+              <p:cNvSpPr/>
+              <p:nvPr>
+                <p:extLst>
+                  <p:ext uri="{386F3935-93C4-4BCD-93E2-E3B085C9AB24}">
+                    <p16:designElem xmlns:p16="http://schemas.microsoft.com/office/powerpoint/2015/main" val="1"/>
+                  </p:ext>
+                </p:extLst>
+              </p:nvPr>
+            </p:nvSpPr>
+            <p:spPr bwMode="auto">
+              <a:xfrm>
+                <a:off x="-9525" y="3549650"/>
+                <a:ext cx="147638" cy="481013"/>
+              </a:xfrm>
+              <a:custGeom>
+                <a:avLst/>
+                <a:gdLst/>
+                <a:ahLst/>
+                <a:cxnLst/>
+                <a:rect l="0" t="0" r="r" b="b"/>
+                <a:pathLst>
+                  <a:path w="93" h="303">
+                    <a:moveTo>
+                      <a:pt x="93" y="303"/>
+                    </a:moveTo>
+                    <a:lnTo>
+                      <a:pt x="78" y="303"/>
+                    </a:lnTo>
+                    <a:lnTo>
+                      <a:pt x="78" y="78"/>
+                    </a:lnTo>
+                    <a:lnTo>
+                      <a:pt x="0" y="12"/>
+                    </a:lnTo>
+                    <a:lnTo>
+                      <a:pt x="12" y="0"/>
+                    </a:lnTo>
+                    <a:lnTo>
+                      <a:pt x="93" y="69"/>
+                    </a:lnTo>
+                    <a:lnTo>
+                      <a:pt x="93" y="303"/>
+                    </a:lnTo>
+                    <a:close/>
+                  </a:path>
+                </a:pathLst>
+              </a:custGeom>
+              <a:grpFill/>
+              <a:ln>
+                <a:noFill/>
+              </a:ln>
+              <a:extLst>
+                <a:ext uri="{91240B29-F687-4f45-9708-019B960494DF}">
+                  <a14:hiddenLine xmlns:a14="http://schemas.microsoft.com/office/drawing/2010/main" xmlns:p14="http://schemas.microsoft.com/office/powerpoint/2010/main" xmlns:a16="http://schemas.microsoft.com/office/drawing/2014/main" xmlns="" w="9525">
+                    <a:solidFill>
+                      <a:srgbClr val="000000"/>
+                    </a:solidFill>
+                    <a:round/>
+                    <a:headEnd/>
+                    <a:tailEnd/>
+                  </a14:hiddenLine>
+                </a:ext>
+              </a:extLst>
+            </p:spPr>
+          </p:sp>
+          <p:sp>
+            <p:nvSpPr>
+              <p:cNvPr id="44" name="Freeform 19">
+                <a:extLst>
+                  <a:ext uri="{FF2B5EF4-FFF2-40B4-BE49-F238E27FC236}">
+                    <a16:creationId xmlns:a16="http://schemas.microsoft.com/office/drawing/2014/main" id="{B906D2FC-267D-4E9E-AB79-A3F9F71DD580}"/>
+                  </a:ext>
+                  <a:ext uri="{C183D7F6-B498-43B3-948B-1728B52AA6E4}">
+                    <adec:decorative xmlns:adec="http://schemas.microsoft.com/office/drawing/2017/decorative" val="1"/>
+                  </a:ext>
+                </a:extLst>
+              </p:cNvPr>
+              <p:cNvSpPr/>
+              <p:nvPr>
+                <p:extLst>
+                  <p:ext uri="{386F3935-93C4-4BCD-93E2-E3B085C9AB24}">
+                    <p16:designElem xmlns:p16="http://schemas.microsoft.com/office/powerpoint/2015/main" val="1"/>
+                  </p:ext>
+                </p:extLst>
+              </p:nvPr>
+            </p:nvSpPr>
+            <p:spPr bwMode="auto">
+              <a:xfrm>
+                <a:off x="128587" y="1382713"/>
+                <a:ext cx="142875" cy="476250"/>
+              </a:xfrm>
+              <a:custGeom>
+                <a:avLst/>
+                <a:gdLst/>
+                <a:ahLst/>
+                <a:cxnLst/>
+                <a:rect l="0" t="0" r="r" b="b"/>
+                <a:pathLst>
+                  <a:path w="90" h="300">
+                    <a:moveTo>
+                      <a:pt x="90" y="300"/>
+                    </a:moveTo>
+                    <a:lnTo>
+                      <a:pt x="78" y="300"/>
+                    </a:lnTo>
+                    <a:lnTo>
+                      <a:pt x="78" y="84"/>
+                    </a:lnTo>
+                    <a:lnTo>
+                      <a:pt x="0" y="9"/>
+                    </a:lnTo>
+                    <a:lnTo>
+                      <a:pt x="9" y="0"/>
+                    </a:lnTo>
+                    <a:lnTo>
+                      <a:pt x="90" y="81"/>
+                    </a:lnTo>
+                    <a:lnTo>
+                      <a:pt x="90" y="300"/>
+                    </a:lnTo>
+                    <a:close/>
+                  </a:path>
+                </a:pathLst>
+              </a:custGeom>
+              <a:grpFill/>
+              <a:ln>
+                <a:noFill/>
+              </a:ln>
+              <a:extLst>
+                <a:ext uri="{91240B29-F687-4f45-9708-019B960494DF}">
+                  <a14:hiddenLine xmlns:a14="http://schemas.microsoft.com/office/drawing/2010/main" xmlns:p14="http://schemas.microsoft.com/office/powerpoint/2010/main" xmlns:a16="http://schemas.microsoft.com/office/drawing/2014/main" xmlns="" w="9525">
+                    <a:solidFill>
+                      <a:srgbClr val="000000"/>
+                    </a:solidFill>
+                    <a:round/>
+                    <a:headEnd/>
+                    <a:tailEnd/>
+                  </a14:hiddenLine>
+                </a:ext>
+              </a:extLst>
+            </p:spPr>
+          </p:sp>
+          <p:sp>
+            <p:nvSpPr>
+              <p:cNvPr id="45" name="Freeform 20">
+                <a:extLst>
+                  <a:ext uri="{FF2B5EF4-FFF2-40B4-BE49-F238E27FC236}">
+                    <a16:creationId xmlns:a16="http://schemas.microsoft.com/office/drawing/2014/main" id="{0414425E-C29B-4586-B8DF-6868ECC2E1E5}"/>
+                  </a:ext>
+                  <a:ext uri="{C183D7F6-B498-43B3-948B-1728B52AA6E4}">
+                    <adec:decorative xmlns:adec="http://schemas.microsoft.com/office/drawing/2017/decorative" val="1"/>
+                  </a:ext>
+                </a:extLst>
+              </p:cNvPr>
+              <p:cNvSpPr>
+                <a:spLocks noEditPoints="1"/>
+              </p:cNvSpPr>
+              <p:nvPr>
+                <p:extLst>
+                  <p:ext uri="{386F3935-93C4-4BCD-93E2-E3B085C9AB24}">
+                    <p16:designElem xmlns:p16="http://schemas.microsoft.com/office/powerpoint/2015/main" val="1"/>
+                  </p:ext>
+                </p:extLst>
+              </p:nvPr>
+            </p:nvSpPr>
+            <p:spPr bwMode="auto">
+              <a:xfrm>
+                <a:off x="204787" y="1849438"/>
+                <a:ext cx="114300" cy="107950"/>
+              </a:xfrm>
+              <a:custGeom>
+                <a:avLst/>
+                <a:gdLst/>
+                <a:ahLst/>
+                <a:cxnLst/>
+                <a:rect l="0" t="0" r="r" b="b"/>
+                <a:pathLst>
+                  <a:path w="24" h="23">
+                    <a:moveTo>
+                      <a:pt x="12" y="23"/>
+                    </a:moveTo>
+                    <a:cubicBezTo>
+                      <a:pt x="6" y="23"/>
+                      <a:pt x="0" y="18"/>
+                      <a:pt x="0" y="12"/>
+                    </a:cubicBezTo>
+                    <a:cubicBezTo>
+                      <a:pt x="0" y="5"/>
+                      <a:pt x="6" y="0"/>
+                      <a:pt x="12" y="0"/>
+                    </a:cubicBezTo>
+                    <a:cubicBezTo>
+                      <a:pt x="18" y="0"/>
+                      <a:pt x="24" y="5"/>
+                      <a:pt x="24" y="12"/>
+                    </a:cubicBezTo>
+                    <a:cubicBezTo>
+                      <a:pt x="24" y="18"/>
+                      <a:pt x="18" y="23"/>
+                      <a:pt x="12" y="23"/>
+                    </a:cubicBezTo>
+                    <a:close/>
+                    <a:moveTo>
+                      <a:pt x="12" y="4"/>
+                    </a:moveTo>
+                    <a:cubicBezTo>
+                      <a:pt x="8" y="4"/>
+                      <a:pt x="4" y="8"/>
+                      <a:pt x="4" y="12"/>
+                    </a:cubicBezTo>
+                    <a:cubicBezTo>
+                      <a:pt x="4" y="16"/>
+                      <a:pt x="8" y="19"/>
+                      <a:pt x="12" y="19"/>
+                    </a:cubicBezTo>
+                    <a:cubicBezTo>
+                      <a:pt x="16" y="19"/>
+                      <a:pt x="20" y="16"/>
+                      <a:pt x="20" y="12"/>
+                    </a:cubicBezTo>
+                    <a:cubicBezTo>
+                      <a:pt x="20" y="8"/>
+                      <a:pt x="16" y="4"/>
+                      <a:pt x="12" y="4"/>
+                    </a:cubicBezTo>
+                    <a:close/>
+                  </a:path>
+                </a:pathLst>
+              </a:custGeom>
+              <a:grpFill/>
+              <a:ln>
+                <a:noFill/>
+              </a:ln>
+              <a:extLst>
+                <a:ext uri="{91240B29-F687-4f45-9708-019B960494DF}">
+                  <a14:hiddenLine xmlns:a14="http://schemas.microsoft.com/office/drawing/2010/main" xmlns:p14="http://schemas.microsoft.com/office/powerpoint/2010/main" xmlns:a16="http://schemas.microsoft.com/office/drawing/2014/main" xmlns="" w="9525">
+                    <a:solidFill>
+                      <a:srgbClr val="000000"/>
+                    </a:solidFill>
+                    <a:round/>
+                    <a:headEnd/>
+                    <a:tailEnd/>
+                  </a14:hiddenLine>
+                </a:ext>
+              </a:extLst>
+            </p:spPr>
+          </p:sp>
+          <p:sp>
+            <p:nvSpPr>
+              <p:cNvPr id="46" name="Rectangle 21">
+                <a:extLst>
+                  <a:ext uri="{FF2B5EF4-FFF2-40B4-BE49-F238E27FC236}">
+                    <a16:creationId xmlns:a16="http://schemas.microsoft.com/office/drawing/2014/main" id="{CDBE75E0-D1A8-46A2-BEAA-A0291988ADCE}"/>
+                  </a:ext>
+                  <a:ext uri="{C183D7F6-B498-43B3-948B-1728B52AA6E4}">
+                    <adec:decorative xmlns:adec="http://schemas.microsoft.com/office/drawing/2017/decorative" val="1"/>
+                  </a:ext>
+                </a:extLst>
+              </p:cNvPr>
+              <p:cNvSpPr>
+                <a:spLocks noChangeArrowheads="1"/>
+              </p:cNvSpPr>
+              <p:nvPr>
+                <p:extLst>
+                  <p:ext uri="{386F3935-93C4-4BCD-93E2-E3B085C9AB24}">
+                    <p16:designElem xmlns:p16="http://schemas.microsoft.com/office/powerpoint/2015/main" val="1"/>
+                  </p:ext>
+                </p:extLst>
+              </p:nvPr>
+            </p:nvSpPr>
+            <p:spPr bwMode="auto">
+              <a:xfrm>
+                <a:off x="133350" y="4662488"/>
+                <a:ext cx="23813" cy="2181225"/>
+              </a:xfrm>
+              <a:prstGeom prst="rect">
+                <a:avLst/>
+              </a:prstGeom>
+              <a:grpFill/>
+              <a:ln>
+                <a:noFill/>
+              </a:ln>
+              <a:extLst>
+                <a:ext uri="{91240B29-F687-4f45-9708-019B960494DF}">
+                  <a14:hiddenLine xmlns:a14="http://schemas.microsoft.com/office/drawing/2010/main" xmlns:p14="http://schemas.microsoft.com/office/powerpoint/2010/main" xmlns:a16="http://schemas.microsoft.com/office/drawing/2014/main" xmlns="" w="9525">
+                    <a:solidFill>
+                      <a:srgbClr val="000000"/>
+                    </a:solidFill>
+                    <a:miter lim="800000"/>
+                    <a:headEnd/>
+                    <a:tailEnd/>
+                  </a14:hiddenLine>
+                </a:ext>
+              </a:extLst>
+            </p:spPr>
+          </p:sp>
+          <p:sp>
+            <p:nvSpPr>
+              <p:cNvPr id="47" name="Freeform 22">
+                <a:extLst>
+                  <a:ext uri="{FF2B5EF4-FFF2-40B4-BE49-F238E27FC236}">
+                    <a16:creationId xmlns:a16="http://schemas.microsoft.com/office/drawing/2014/main" id="{43D2C92D-C4E9-4828-9F80-084603E71A55}"/>
+                  </a:ext>
+                  <a:ext uri="{C183D7F6-B498-43B3-948B-1728B52AA6E4}">
+                    <adec:decorative xmlns:adec="http://schemas.microsoft.com/office/drawing/2017/decorative" val="1"/>
+                  </a:ext>
+                </a:extLst>
+              </p:cNvPr>
+              <p:cNvSpPr/>
+              <p:nvPr>
+                <p:extLst>
+                  <p:ext uri="{386F3935-93C4-4BCD-93E2-E3B085C9AB24}">
+                    <p16:designElem xmlns:p16="http://schemas.microsoft.com/office/powerpoint/2015/main" val="1"/>
+                  </p:ext>
+                </p:extLst>
+              </p:nvPr>
+            </p:nvSpPr>
+            <p:spPr bwMode="auto">
+              <a:xfrm>
+                <a:off x="223837" y="5041900"/>
+                <a:ext cx="369888" cy="1801813"/>
+              </a:xfrm>
+              <a:custGeom>
+                <a:avLst/>
+                <a:gdLst/>
+                <a:ahLst/>
+                <a:cxnLst/>
+                <a:rect l="0" t="0" r="r" b="b"/>
+                <a:pathLst>
+                  <a:path w="233" h="1135">
+                    <a:moveTo>
+                      <a:pt x="15" y="1135"/>
+                    </a:moveTo>
+                    <a:lnTo>
+                      <a:pt x="0" y="1135"/>
+                    </a:lnTo>
+                    <a:lnTo>
+                      <a:pt x="0" y="515"/>
+                    </a:lnTo>
+                    <a:lnTo>
+                      <a:pt x="0" y="512"/>
+                    </a:lnTo>
+                    <a:lnTo>
+                      <a:pt x="218" y="0"/>
+                    </a:lnTo>
+                    <a:lnTo>
+                      <a:pt x="233" y="6"/>
+                    </a:lnTo>
+                    <a:lnTo>
+                      <a:pt x="15" y="518"/>
+                    </a:lnTo>
+                    <a:lnTo>
+                      <a:pt x="15" y="1135"/>
+                    </a:lnTo>
+                    <a:close/>
+                  </a:path>
+                </a:pathLst>
+              </a:custGeom>
+              <a:grpFill/>
+              <a:ln>
+                <a:noFill/>
+              </a:ln>
+              <a:extLst>
+                <a:ext uri="{91240B29-F687-4f45-9708-019B960494DF}">
+                  <a14:hiddenLine xmlns:a14="http://schemas.microsoft.com/office/drawing/2010/main" xmlns:p14="http://schemas.microsoft.com/office/powerpoint/2010/main" xmlns:a16="http://schemas.microsoft.com/office/drawing/2014/main" xmlns="" w="9525">
+                    <a:solidFill>
+                      <a:srgbClr val="000000"/>
+                    </a:solidFill>
+                    <a:round/>
+                    <a:headEnd/>
+                    <a:tailEnd/>
+                  </a14:hiddenLine>
+                </a:ext>
+              </a:extLst>
+            </p:spPr>
+          </p:sp>
+          <p:sp>
+            <p:nvSpPr>
+              <p:cNvPr id="48" name="Freeform 23">
+                <a:extLst>
+                  <a:ext uri="{FF2B5EF4-FFF2-40B4-BE49-F238E27FC236}">
+                    <a16:creationId xmlns:a16="http://schemas.microsoft.com/office/drawing/2014/main" id="{746EAB08-DCFC-4A40-99E8-E8E3ED92DCCD}"/>
+                  </a:ext>
+                  <a:ext uri="{C183D7F6-B498-43B3-948B-1728B52AA6E4}">
+                    <adec:decorative xmlns:adec="http://schemas.microsoft.com/office/drawing/2017/decorative" val="1"/>
+                  </a:ext>
+                </a:extLst>
+              </p:cNvPr>
+              <p:cNvSpPr>
+                <a:spLocks noEditPoints="1"/>
+              </p:cNvSpPr>
+              <p:nvPr>
+                <p:extLst>
+                  <p:ext uri="{386F3935-93C4-4BCD-93E2-E3B085C9AB24}">
+                    <p16:designElem xmlns:p16="http://schemas.microsoft.com/office/powerpoint/2015/main" val="1"/>
+                  </p:ext>
+                </p:extLst>
+              </p:nvPr>
+            </p:nvSpPr>
+            <p:spPr bwMode="auto">
+              <a:xfrm>
+                <a:off x="52387" y="4481513"/>
+                <a:ext cx="190500" cy="190500"/>
+              </a:xfrm>
+              <a:custGeom>
+                <a:avLst/>
+                <a:gdLst/>
+                <a:ahLst/>
+                <a:cxnLst/>
+                <a:rect l="0" t="0" r="r" b="b"/>
+                <a:pathLst>
+                  <a:path w="40" h="40">
+                    <a:moveTo>
+                      <a:pt x="20" y="40"/>
+                    </a:moveTo>
+                    <a:cubicBezTo>
+                      <a:pt x="9" y="40"/>
+                      <a:pt x="0" y="31"/>
+                      <a:pt x="0" y="20"/>
+                    </a:cubicBezTo>
+                    <a:cubicBezTo>
+                      <a:pt x="0" y="9"/>
+                      <a:pt x="9" y="0"/>
+                      <a:pt x="20" y="0"/>
+                    </a:cubicBezTo>
+                    <a:cubicBezTo>
+                      <a:pt x="31" y="0"/>
+                      <a:pt x="40" y="9"/>
+                      <a:pt x="40" y="20"/>
+                    </a:cubicBezTo>
+                    <a:cubicBezTo>
+                      <a:pt x="40" y="31"/>
+                      <a:pt x="31" y="40"/>
+                      <a:pt x="20" y="40"/>
+                    </a:cubicBezTo>
+                    <a:close/>
+                    <a:moveTo>
+                      <a:pt x="20" y="4"/>
+                    </a:moveTo>
+                    <a:cubicBezTo>
+                      <a:pt x="11" y="4"/>
+                      <a:pt x="4" y="11"/>
+                      <a:pt x="4" y="20"/>
+                    </a:cubicBezTo>
+                    <a:cubicBezTo>
+                      <a:pt x="4" y="29"/>
+                      <a:pt x="11" y="36"/>
+                      <a:pt x="20" y="36"/>
+                    </a:cubicBezTo>
+                    <a:cubicBezTo>
+                      <a:pt x="28" y="36"/>
+                      <a:pt x="36" y="29"/>
+                      <a:pt x="36" y="20"/>
+                    </a:cubicBezTo>
+                    <a:cubicBezTo>
+                      <a:pt x="36" y="11"/>
+                      <a:pt x="28" y="4"/>
+                      <a:pt x="20" y="4"/>
+                    </a:cubicBezTo>
+                    <a:close/>
+                  </a:path>
+                </a:pathLst>
+              </a:custGeom>
+              <a:grpFill/>
+              <a:ln>
+                <a:noFill/>
+              </a:ln>
+              <a:extLst>
+                <a:ext uri="{91240B29-F687-4f45-9708-019B960494DF}">
+                  <a14:hiddenLine xmlns:a14="http://schemas.microsoft.com/office/drawing/2010/main" xmlns:p14="http://schemas.microsoft.com/office/powerpoint/2010/main" xmlns:a16="http://schemas.microsoft.com/office/drawing/2014/main" xmlns="" w="9525">
+                    <a:solidFill>
+                      <a:srgbClr val="000000"/>
+                    </a:solidFill>
+                    <a:round/>
+                    <a:headEnd/>
+                    <a:tailEnd/>
+                  </a14:hiddenLine>
+                </a:ext>
+              </a:extLst>
+            </p:spPr>
+          </p:sp>
+          <p:sp>
+            <p:nvSpPr>
+              <p:cNvPr id="49" name="Freeform 24">
+                <a:extLst>
+                  <a:ext uri="{FF2B5EF4-FFF2-40B4-BE49-F238E27FC236}">
+                    <a16:creationId xmlns:a16="http://schemas.microsoft.com/office/drawing/2014/main" id="{C11CD8F1-C1C6-4E75-AC97-3EDEF9F33E95}"/>
+                  </a:ext>
+                  <a:ext uri="{C183D7F6-B498-43B3-948B-1728B52AA6E4}">
+                    <adec:decorative xmlns:adec="http://schemas.microsoft.com/office/drawing/2017/decorative" val="1"/>
+                  </a:ext>
+                </a:extLst>
+              </p:cNvPr>
+              <p:cNvSpPr/>
+              <p:nvPr>
+                <p:extLst>
+                  <p:ext uri="{386F3935-93C4-4BCD-93E2-E3B085C9AB24}">
+                    <p16:designElem xmlns:p16="http://schemas.microsoft.com/office/powerpoint/2015/main" val="1"/>
+                  </p:ext>
+                </p:extLst>
+              </p:nvPr>
+            </p:nvSpPr>
+            <p:spPr bwMode="auto">
+              <a:xfrm>
+                <a:off x="-14288" y="5627688"/>
+                <a:ext cx="85725" cy="1216025"/>
+              </a:xfrm>
+              <a:custGeom>
+                <a:avLst/>
+                <a:gdLst/>
+                <a:ahLst/>
+                <a:cxnLst/>
+                <a:rect l="0" t="0" r="r" b="b"/>
+                <a:pathLst>
+                  <a:path w="54" h="766">
+                    <a:moveTo>
+                      <a:pt x="54" y="766"/>
+                    </a:moveTo>
+                    <a:lnTo>
+                      <a:pt x="36" y="766"/>
+                    </a:lnTo>
+                    <a:lnTo>
+                      <a:pt x="36" y="149"/>
+                    </a:lnTo>
+                    <a:lnTo>
+                      <a:pt x="0" y="3"/>
+                    </a:lnTo>
+                    <a:lnTo>
+                      <a:pt x="18" y="0"/>
+                    </a:lnTo>
+                    <a:lnTo>
+                      <a:pt x="54" y="146"/>
+                    </a:lnTo>
+                    <a:lnTo>
+                      <a:pt x="54" y="766"/>
+                    </a:lnTo>
+                    <a:close/>
+                  </a:path>
+                </a:pathLst>
+              </a:custGeom>
+              <a:grpFill/>
+              <a:ln>
+                <a:noFill/>
+              </a:ln>
+              <a:extLst>
+                <a:ext uri="{91240B29-F687-4f45-9708-019B960494DF}">
+                  <a14:hiddenLine xmlns:a14="http://schemas.microsoft.com/office/drawing/2010/main" xmlns:p14="http://schemas.microsoft.com/office/powerpoint/2010/main" xmlns:a16="http://schemas.microsoft.com/office/drawing/2014/main" xmlns="" w="9525">
+                    <a:solidFill>
+                      <a:srgbClr val="000000"/>
+                    </a:solidFill>
+                    <a:round/>
+                    <a:headEnd/>
+                    <a:tailEnd/>
+                  </a14:hiddenLine>
+                </a:ext>
+              </a:extLst>
+            </p:spPr>
+          </p:sp>
+          <p:sp>
+            <p:nvSpPr>
+              <p:cNvPr id="50" name="Freeform 25">
+                <a:extLst>
+                  <a:ext uri="{FF2B5EF4-FFF2-40B4-BE49-F238E27FC236}">
+                    <a16:creationId xmlns:a16="http://schemas.microsoft.com/office/drawing/2014/main" id="{2C0D5227-1C13-4FC8-B5E4-8F31CE08F16C}"/>
+                  </a:ext>
+                  <a:ext uri="{C183D7F6-B498-43B3-948B-1728B52AA6E4}">
+                    <adec:decorative xmlns:adec="http://schemas.microsoft.com/office/drawing/2017/decorative" val="1"/>
+                  </a:ext>
+                </a:extLst>
+              </p:cNvPr>
+              <p:cNvSpPr>
+                <a:spLocks noEditPoints="1"/>
+              </p:cNvSpPr>
+              <p:nvPr>
+                <p:extLst>
+                  <p:ext uri="{386F3935-93C4-4BCD-93E2-E3B085C9AB24}">
+                    <p16:designElem xmlns:p16="http://schemas.microsoft.com/office/powerpoint/2015/main" val="1"/>
+                  </p:ext>
+                </p:extLst>
+              </p:nvPr>
+            </p:nvSpPr>
+            <p:spPr bwMode="auto">
+              <a:xfrm>
+                <a:off x="527050" y="4867275"/>
+                <a:ext cx="190500" cy="188913"/>
+              </a:xfrm>
+              <a:custGeom>
+                <a:avLst/>
+                <a:gdLst/>
+                <a:ahLst/>
+                <a:cxnLst/>
+                <a:rect l="0" t="0" r="r" b="b"/>
+                <a:pathLst>
+                  <a:path w="40" h="40">
+                    <a:moveTo>
+                      <a:pt x="20" y="40"/>
+                    </a:moveTo>
+                    <a:cubicBezTo>
+                      <a:pt x="9" y="40"/>
+                      <a:pt x="0" y="31"/>
+                      <a:pt x="0" y="20"/>
+                    </a:cubicBezTo>
+                    <a:cubicBezTo>
+                      <a:pt x="0" y="9"/>
+                      <a:pt x="9" y="0"/>
+                      <a:pt x="20" y="0"/>
+                    </a:cubicBezTo>
+                    <a:cubicBezTo>
+                      <a:pt x="31" y="0"/>
+                      <a:pt x="40" y="9"/>
+                      <a:pt x="40" y="20"/>
+                    </a:cubicBezTo>
+                    <a:cubicBezTo>
+                      <a:pt x="40" y="31"/>
+                      <a:pt x="31" y="40"/>
+                      <a:pt x="20" y="40"/>
+                    </a:cubicBezTo>
+                    <a:close/>
+                    <a:moveTo>
+                      <a:pt x="20" y="4"/>
+                    </a:moveTo>
+                    <a:cubicBezTo>
+                      <a:pt x="11" y="4"/>
+                      <a:pt x="4" y="11"/>
+                      <a:pt x="4" y="20"/>
+                    </a:cubicBezTo>
+                    <a:cubicBezTo>
+                      <a:pt x="4" y="29"/>
+                      <a:pt x="11" y="36"/>
+                      <a:pt x="20" y="36"/>
+                    </a:cubicBezTo>
+                    <a:cubicBezTo>
+                      <a:pt x="29" y="36"/>
+                      <a:pt x="36" y="29"/>
+                      <a:pt x="36" y="20"/>
+                    </a:cubicBezTo>
+                    <a:cubicBezTo>
+                      <a:pt x="36" y="11"/>
+                      <a:pt x="29" y="4"/>
+                      <a:pt x="20" y="4"/>
+                    </a:cubicBezTo>
+                    <a:close/>
+                  </a:path>
+                </a:pathLst>
+              </a:custGeom>
+              <a:grpFill/>
+              <a:ln>
+                <a:noFill/>
+              </a:ln>
+              <a:extLst>
+                <a:ext uri="{91240B29-F687-4f45-9708-019B960494DF}">
+                  <a14:hiddenLine xmlns:a14="http://schemas.microsoft.com/office/drawing/2010/main" xmlns:p14="http://schemas.microsoft.com/office/powerpoint/2010/main" xmlns:a16="http://schemas.microsoft.com/office/drawing/2014/main" xmlns="" w="9525">
+                    <a:solidFill>
+                      <a:srgbClr val="000000"/>
+                    </a:solidFill>
+                    <a:round/>
+                    <a:headEnd/>
+                    <a:tailEnd/>
+                  </a14:hiddenLine>
+                </a:ext>
+              </a:extLst>
+            </p:spPr>
+          </p:sp>
+          <p:sp>
+            <p:nvSpPr>
+              <p:cNvPr id="51" name="Freeform 26">
+                <a:extLst>
+                  <a:ext uri="{FF2B5EF4-FFF2-40B4-BE49-F238E27FC236}">
+                    <a16:creationId xmlns:a16="http://schemas.microsoft.com/office/drawing/2014/main" id="{FCE27CDF-D928-46AC-AA53-9B9D3A2D5C2C}"/>
+                  </a:ext>
+                  <a:ext uri="{C183D7F6-B498-43B3-948B-1728B52AA6E4}">
+                    <adec:decorative xmlns:adec="http://schemas.microsoft.com/office/drawing/2017/decorative" val="1"/>
+                  </a:ext>
+                </a:extLst>
+              </p:cNvPr>
+              <p:cNvSpPr/>
+              <p:nvPr>
+                <p:extLst>
+                  <p:ext uri="{386F3935-93C4-4BCD-93E2-E3B085C9AB24}">
+                    <p16:designElem xmlns:p16="http://schemas.microsoft.com/office/powerpoint/2015/main" val="1"/>
+                  </p:ext>
+                </p:extLst>
+              </p:nvPr>
+            </p:nvSpPr>
+            <p:spPr bwMode="auto">
+              <a:xfrm>
+                <a:off x="309562" y="5422900"/>
+                <a:ext cx="374650" cy="1425575"/>
+              </a:xfrm>
+              <a:custGeom>
+                <a:avLst/>
+                <a:gdLst/>
+                <a:ahLst/>
+                <a:cxnLst/>
+                <a:rect l="0" t="0" r="r" b="b"/>
+                <a:pathLst>
+                  <a:path w="236" h="898">
+                    <a:moveTo>
+                      <a:pt x="18" y="898"/>
+                    </a:moveTo>
+                    <a:lnTo>
+                      <a:pt x="0" y="898"/>
+                    </a:lnTo>
+                    <a:lnTo>
+                      <a:pt x="0" y="515"/>
+                    </a:lnTo>
+                    <a:lnTo>
+                      <a:pt x="3" y="512"/>
+                    </a:lnTo>
+                    <a:lnTo>
+                      <a:pt x="221" y="0"/>
+                    </a:lnTo>
+                    <a:lnTo>
+                      <a:pt x="236" y="6"/>
+                    </a:lnTo>
+                    <a:lnTo>
+                      <a:pt x="18" y="518"/>
+                    </a:lnTo>
+                    <a:lnTo>
+                      <a:pt x="18" y="898"/>
+                    </a:lnTo>
+                    <a:close/>
+                  </a:path>
+                </a:pathLst>
+              </a:custGeom>
+              <a:grpFill/>
+              <a:ln>
+                <a:noFill/>
+              </a:ln>
+              <a:extLst>
+                <a:ext uri="{91240B29-F687-4f45-9708-019B960494DF}">
+                  <a14:hiddenLine xmlns:a14="http://schemas.microsoft.com/office/drawing/2010/main" xmlns:p14="http://schemas.microsoft.com/office/powerpoint/2010/main" xmlns:a16="http://schemas.microsoft.com/office/drawing/2014/main" xmlns="" w="9525">
+                    <a:solidFill>
+                      <a:srgbClr val="000000"/>
+                    </a:solidFill>
+                    <a:round/>
+                    <a:headEnd/>
+                    <a:tailEnd/>
+                  </a14:hiddenLine>
+                </a:ext>
+              </a:extLst>
+            </p:spPr>
+          </p:sp>
+          <p:sp>
+            <p:nvSpPr>
+              <p:cNvPr id="52" name="Freeform 27">
+                <a:extLst>
+                  <a:ext uri="{FF2B5EF4-FFF2-40B4-BE49-F238E27FC236}">
+                    <a16:creationId xmlns:a16="http://schemas.microsoft.com/office/drawing/2014/main" id="{CA2F8135-1DDF-47CC-9187-B929982C5D9D}"/>
+                  </a:ext>
+                  <a:ext uri="{C183D7F6-B498-43B3-948B-1728B52AA6E4}">
+                    <adec:decorative xmlns:adec="http://schemas.microsoft.com/office/drawing/2017/decorative" val="1"/>
+                  </a:ext>
+                </a:extLst>
+              </p:cNvPr>
+              <p:cNvSpPr/>
+              <p:nvPr>
+                <p:extLst>
+                  <p:ext uri="{386F3935-93C4-4BCD-93E2-E3B085C9AB24}">
+                    <p16:designElem xmlns:p16="http://schemas.microsoft.com/office/powerpoint/2015/main" val="1"/>
+                  </p:ext>
+                </p:extLst>
+              </p:nvPr>
+            </p:nvSpPr>
+            <p:spPr bwMode="auto">
+              <a:xfrm>
+                <a:off x="569912" y="5945188"/>
+                <a:ext cx="152400" cy="912813"/>
+              </a:xfrm>
+              <a:custGeom>
+                <a:avLst/>
+                <a:gdLst/>
+                <a:ahLst/>
+                <a:cxnLst/>
+                <a:rect l="0" t="0" r="r" b="b"/>
+                <a:pathLst>
+                  <a:path w="96" h="575">
+                    <a:moveTo>
+                      <a:pt x="15" y="575"/>
+                    </a:moveTo>
+                    <a:lnTo>
+                      <a:pt x="0" y="569"/>
+                    </a:lnTo>
+                    <a:lnTo>
+                      <a:pt x="81" y="383"/>
+                    </a:lnTo>
+                    <a:lnTo>
+                      <a:pt x="81" y="0"/>
+                    </a:lnTo>
+                    <a:lnTo>
+                      <a:pt x="96" y="0"/>
+                    </a:lnTo>
+                    <a:lnTo>
+                      <a:pt x="96" y="386"/>
+                    </a:lnTo>
+                    <a:lnTo>
+                      <a:pt x="15" y="575"/>
+                    </a:lnTo>
+                    <a:close/>
+                  </a:path>
+                </a:pathLst>
+              </a:custGeom>
+              <a:grpFill/>
+              <a:ln>
+                <a:noFill/>
+              </a:ln>
+              <a:extLst>
+                <a:ext uri="{91240B29-F687-4f45-9708-019B960494DF}">
+                  <a14:hiddenLine xmlns:a14="http://schemas.microsoft.com/office/drawing/2010/main" xmlns:p14="http://schemas.microsoft.com/office/powerpoint/2010/main" xmlns:a16="http://schemas.microsoft.com/office/drawing/2014/main" xmlns="" w="9525">
+                    <a:solidFill>
+                      <a:srgbClr val="000000"/>
+                    </a:solidFill>
+                    <a:round/>
+                    <a:headEnd/>
+                    <a:tailEnd/>
+                  </a14:hiddenLine>
+                </a:ext>
+              </a:extLst>
+            </p:spPr>
+          </p:sp>
+          <p:sp>
+            <p:nvSpPr>
+              <p:cNvPr id="53" name="Freeform 28">
+                <a:extLst>
+                  <a:ext uri="{FF2B5EF4-FFF2-40B4-BE49-F238E27FC236}">
+                    <a16:creationId xmlns:a16="http://schemas.microsoft.com/office/drawing/2014/main" id="{9F3AE01D-F193-4221-9EFA-B46875265213}"/>
+                  </a:ext>
+                  <a:ext uri="{C183D7F6-B498-43B3-948B-1728B52AA6E4}">
+                    <adec:decorative xmlns:adec="http://schemas.microsoft.com/office/drawing/2017/decorative" val="1"/>
+                  </a:ext>
+                </a:extLst>
+              </p:cNvPr>
+              <p:cNvSpPr>
+                <a:spLocks noEditPoints="1"/>
+              </p:cNvSpPr>
+              <p:nvPr>
+                <p:extLst>
+                  <p:ext uri="{386F3935-93C4-4BCD-93E2-E3B085C9AB24}">
+                    <p16:designElem xmlns:p16="http://schemas.microsoft.com/office/powerpoint/2015/main" val="1"/>
+                  </p:ext>
+                </p:extLst>
+              </p:nvPr>
+            </p:nvSpPr>
+            <p:spPr bwMode="auto">
+              <a:xfrm>
+                <a:off x="612775" y="5246688"/>
+                <a:ext cx="190500" cy="190500"/>
+              </a:xfrm>
+              <a:custGeom>
+                <a:avLst/>
+                <a:gdLst/>
+                <a:ahLst/>
+                <a:cxnLst/>
+                <a:rect l="0" t="0" r="r" b="b"/>
+                <a:pathLst>
+                  <a:path w="40" h="40">
+                    <a:moveTo>
+                      <a:pt x="20" y="40"/>
+                    </a:moveTo>
+                    <a:cubicBezTo>
+                      <a:pt x="9" y="40"/>
+                      <a:pt x="0" y="31"/>
+                      <a:pt x="0" y="20"/>
+                    </a:cubicBezTo>
+                    <a:cubicBezTo>
+                      <a:pt x="0" y="9"/>
+                      <a:pt x="9" y="0"/>
+                      <a:pt x="20" y="0"/>
+                    </a:cubicBezTo>
+                    <a:cubicBezTo>
+                      <a:pt x="31" y="0"/>
+                      <a:pt x="40" y="9"/>
+                      <a:pt x="40" y="20"/>
+                    </a:cubicBezTo>
+                    <a:cubicBezTo>
+                      <a:pt x="40" y="31"/>
+                      <a:pt x="31" y="40"/>
+                      <a:pt x="20" y="40"/>
+                    </a:cubicBezTo>
+                    <a:close/>
+                    <a:moveTo>
+                      <a:pt x="20" y="4"/>
+                    </a:moveTo>
+                    <a:cubicBezTo>
+                      <a:pt x="12" y="4"/>
+                      <a:pt x="4" y="11"/>
+                      <a:pt x="4" y="20"/>
+                    </a:cubicBezTo>
+                    <a:cubicBezTo>
+                      <a:pt x="4" y="29"/>
+                      <a:pt x="12" y="36"/>
+                      <a:pt x="20" y="36"/>
+                    </a:cubicBezTo>
+                    <a:cubicBezTo>
+                      <a:pt x="29" y="36"/>
+                      <a:pt x="36" y="29"/>
+                      <a:pt x="36" y="20"/>
+                    </a:cubicBezTo>
+                    <a:cubicBezTo>
+                      <a:pt x="36" y="11"/>
+                      <a:pt x="29" y="4"/>
+                      <a:pt x="20" y="4"/>
+                    </a:cubicBezTo>
+                    <a:close/>
+                  </a:path>
+                </a:pathLst>
+              </a:custGeom>
+              <a:grpFill/>
+              <a:ln>
+                <a:noFill/>
+              </a:ln>
+              <a:extLst>
+                <a:ext uri="{91240B29-F687-4f45-9708-019B960494DF}">
+                  <a14:hiddenLine xmlns:a14="http://schemas.microsoft.com/office/drawing/2010/main" xmlns:p14="http://schemas.microsoft.com/office/powerpoint/2010/main" xmlns:a16="http://schemas.microsoft.com/office/drawing/2014/main" xmlns="" w="9525">
+                    <a:solidFill>
+                      <a:srgbClr val="000000"/>
+                    </a:solidFill>
+                    <a:round/>
+                    <a:headEnd/>
+                    <a:tailEnd/>
+                  </a14:hiddenLine>
+                </a:ext>
+              </a:extLst>
+            </p:spPr>
+          </p:sp>
+          <p:sp>
+            <p:nvSpPr>
+              <p:cNvPr id="54" name="Freeform 29">
+                <a:extLst>
+                  <a:ext uri="{FF2B5EF4-FFF2-40B4-BE49-F238E27FC236}">
+                    <a16:creationId xmlns:a16="http://schemas.microsoft.com/office/drawing/2014/main" id="{7808422C-2145-4A5B-BD80-D18FF720CB00}"/>
+                  </a:ext>
+                  <a:ext uri="{C183D7F6-B498-43B3-948B-1728B52AA6E4}">
+                    <adec:decorative xmlns:adec="http://schemas.microsoft.com/office/drawing/2017/decorative" val="1"/>
+                  </a:ext>
+                </a:extLst>
+              </p:cNvPr>
+              <p:cNvSpPr>
+                <a:spLocks noEditPoints="1"/>
+              </p:cNvSpPr>
+              <p:nvPr>
+                <p:extLst>
+                  <p:ext uri="{386F3935-93C4-4BCD-93E2-E3B085C9AB24}">
+                    <p16:designElem xmlns:p16="http://schemas.microsoft.com/office/powerpoint/2015/main" val="1"/>
+                  </p:ext>
+                </p:extLst>
+              </p:nvPr>
+            </p:nvSpPr>
+            <p:spPr bwMode="auto">
+              <a:xfrm>
+                <a:off x="612775" y="5764213"/>
+                <a:ext cx="190500" cy="190500"/>
+              </a:xfrm>
+              <a:custGeom>
+                <a:avLst/>
+                <a:gdLst/>
+                <a:ahLst/>
+                <a:cxnLst/>
+                <a:rect l="0" t="0" r="r" b="b"/>
+                <a:pathLst>
+                  <a:path w="40" h="40">
+                    <a:moveTo>
+                      <a:pt x="20" y="40"/>
+                    </a:moveTo>
+                    <a:cubicBezTo>
+                      <a:pt x="9" y="40"/>
+                      <a:pt x="0" y="31"/>
+                      <a:pt x="0" y="20"/>
+                    </a:cubicBezTo>
+                    <a:cubicBezTo>
+                      <a:pt x="0" y="9"/>
+                      <a:pt x="9" y="0"/>
+                      <a:pt x="20" y="0"/>
+                    </a:cubicBezTo>
+                    <a:cubicBezTo>
+                      <a:pt x="31" y="0"/>
+                      <a:pt x="40" y="9"/>
+                      <a:pt x="40" y="20"/>
+                    </a:cubicBezTo>
+                    <a:cubicBezTo>
+                      <a:pt x="40" y="31"/>
+                      <a:pt x="31" y="40"/>
+                      <a:pt x="20" y="40"/>
+                    </a:cubicBezTo>
+                    <a:close/>
+                    <a:moveTo>
+                      <a:pt x="20" y="4"/>
+                    </a:moveTo>
+                    <a:cubicBezTo>
+                      <a:pt x="12" y="4"/>
+                      <a:pt x="4" y="11"/>
+                      <a:pt x="4" y="20"/>
+                    </a:cubicBezTo>
+                    <a:cubicBezTo>
+                      <a:pt x="4" y="29"/>
+                      <a:pt x="12" y="36"/>
+                      <a:pt x="20" y="36"/>
+                    </a:cubicBezTo>
+                    <a:cubicBezTo>
+                      <a:pt x="29" y="36"/>
+                      <a:pt x="36" y="29"/>
+                      <a:pt x="36" y="20"/>
+                    </a:cubicBezTo>
+                    <a:cubicBezTo>
+                      <a:pt x="36" y="11"/>
+                      <a:pt x="29" y="4"/>
+                      <a:pt x="20" y="4"/>
+                    </a:cubicBezTo>
+                    <a:close/>
+                  </a:path>
+                </a:pathLst>
+              </a:custGeom>
+              <a:grpFill/>
+              <a:ln>
+                <a:noFill/>
+              </a:ln>
+              <a:extLst>
+                <a:ext uri="{91240B29-F687-4f45-9708-019B960494DF}">
+                  <a14:hiddenLine xmlns:a14="http://schemas.microsoft.com/office/drawing/2010/main" xmlns:p14="http://schemas.microsoft.com/office/powerpoint/2010/main" xmlns:a16="http://schemas.microsoft.com/office/drawing/2014/main" xmlns="" w="9525">
+                    <a:solidFill>
+                      <a:srgbClr val="000000"/>
+                    </a:solidFill>
+                    <a:round/>
+                    <a:headEnd/>
+                    <a:tailEnd/>
+                  </a14:hiddenLine>
+                </a:ext>
+              </a:extLst>
+            </p:spPr>
+          </p:sp>
+          <p:sp>
+            <p:nvSpPr>
+              <p:cNvPr id="55" name="Freeform 30">
+                <a:extLst>
+                  <a:ext uri="{FF2B5EF4-FFF2-40B4-BE49-F238E27FC236}">
+                    <a16:creationId xmlns:a16="http://schemas.microsoft.com/office/drawing/2014/main" id="{987F6D2E-7C49-41A2-9B29-C6E1A365F1F3}"/>
+                  </a:ext>
+                  <a:ext uri="{C183D7F6-B498-43B3-948B-1728B52AA6E4}">
+                    <adec:decorative xmlns:adec="http://schemas.microsoft.com/office/drawing/2017/decorative" val="1"/>
+                  </a:ext>
+                </a:extLst>
+              </p:cNvPr>
+              <p:cNvSpPr/>
+              <p:nvPr>
+                <p:extLst>
+                  <p:ext uri="{386F3935-93C4-4BCD-93E2-E3B085C9AB24}">
+                    <p16:designElem xmlns:p16="http://schemas.microsoft.com/office/powerpoint/2015/main" val="1"/>
+                  </p:ext>
+                </p:extLst>
+              </p:nvPr>
+            </p:nvSpPr>
+            <p:spPr bwMode="auto">
+              <a:xfrm>
+                <a:off x="669925" y="6330950"/>
+                <a:ext cx="417513" cy="517525"/>
+              </a:xfrm>
+              <a:custGeom>
+                <a:avLst/>
+                <a:gdLst/>
+                <a:ahLst/>
+                <a:cxnLst/>
+                <a:rect l="0" t="0" r="r" b="b"/>
+                <a:pathLst>
+                  <a:path w="263" h="326">
+                    <a:moveTo>
+                      <a:pt x="15" y="326"/>
+                    </a:moveTo>
+                    <a:lnTo>
+                      <a:pt x="0" y="320"/>
+                    </a:lnTo>
+                    <a:lnTo>
+                      <a:pt x="45" y="206"/>
+                    </a:lnTo>
+                    <a:lnTo>
+                      <a:pt x="48" y="206"/>
+                    </a:lnTo>
+                    <a:lnTo>
+                      <a:pt x="254" y="0"/>
+                    </a:lnTo>
+                    <a:lnTo>
+                      <a:pt x="263" y="12"/>
+                    </a:lnTo>
+                    <a:lnTo>
+                      <a:pt x="60" y="215"/>
+                    </a:lnTo>
+                    <a:lnTo>
+                      <a:pt x="15" y="326"/>
+                    </a:lnTo>
+                    <a:close/>
+                  </a:path>
+                </a:pathLst>
+              </a:custGeom>
+              <a:grpFill/>
+              <a:ln>
+                <a:noFill/>
+              </a:ln>
+              <a:extLst>
+                <a:ext uri="{91240B29-F687-4f45-9708-019B960494DF}">
+                  <a14:hiddenLine xmlns:a14="http://schemas.microsoft.com/office/drawing/2010/main" xmlns:p14="http://schemas.microsoft.com/office/powerpoint/2010/main" xmlns:a16="http://schemas.microsoft.com/office/drawing/2014/main" xmlns="" w="9525">
+                    <a:solidFill>
+                      <a:srgbClr val="000000"/>
+                    </a:solidFill>
+                    <a:round/>
+                    <a:headEnd/>
+                    <a:tailEnd/>
+                  </a14:hiddenLine>
+                </a:ext>
+              </a:extLst>
+            </p:spPr>
+          </p:sp>
+          <p:sp>
+            <p:nvSpPr>
+              <p:cNvPr id="56" name="Freeform 31">
+                <a:extLst>
+                  <a:ext uri="{FF2B5EF4-FFF2-40B4-BE49-F238E27FC236}">
+                    <a16:creationId xmlns:a16="http://schemas.microsoft.com/office/drawing/2014/main" id="{26F1D2B4-D9F2-4D30-AF5B-E0F0F8B4FED4}"/>
+                  </a:ext>
+                  <a:ext uri="{C183D7F6-B498-43B3-948B-1728B52AA6E4}">
+                    <adec:decorative xmlns:adec="http://schemas.microsoft.com/office/drawing/2017/decorative" val="1"/>
+                  </a:ext>
+                </a:extLst>
+              </p:cNvPr>
+              <p:cNvSpPr>
+                <a:spLocks noEditPoints="1"/>
+              </p:cNvSpPr>
+              <p:nvPr>
+                <p:extLst>
+                  <p:ext uri="{386F3935-93C4-4BCD-93E2-E3B085C9AB24}">
+                    <p16:designElem xmlns:p16="http://schemas.microsoft.com/office/powerpoint/2015/main" val="1"/>
+                  </p:ext>
+                </p:extLst>
+              </p:nvPr>
+            </p:nvSpPr>
+            <p:spPr bwMode="auto">
+              <a:xfrm>
+                <a:off x="1049337" y="6221413"/>
+                <a:ext cx="157163" cy="147638"/>
+              </a:xfrm>
+              <a:custGeom>
+                <a:avLst/>
+                <a:gdLst/>
+                <a:ahLst/>
+                <a:cxnLst/>
+                <a:rect l="0" t="0" r="r" b="b"/>
+                <a:pathLst>
+                  <a:path w="33" h="31">
+                    <a:moveTo>
+                      <a:pt x="16" y="31"/>
+                    </a:moveTo>
+                    <a:cubicBezTo>
+                      <a:pt x="12" y="31"/>
+                      <a:pt x="8" y="29"/>
+                      <a:pt x="5" y="26"/>
+                    </a:cubicBezTo>
+                    <a:cubicBezTo>
+                      <a:pt x="2" y="24"/>
+                      <a:pt x="0" y="20"/>
+                      <a:pt x="0" y="15"/>
+                    </a:cubicBezTo>
+                    <a:cubicBezTo>
+                      <a:pt x="0" y="11"/>
+                      <a:pt x="2" y="7"/>
+                      <a:pt x="5" y="4"/>
+                    </a:cubicBezTo>
+                    <a:cubicBezTo>
+                      <a:pt x="8" y="1"/>
+                      <a:pt x="12" y="0"/>
+                      <a:pt x="16" y="0"/>
+                    </a:cubicBezTo>
+                    <a:cubicBezTo>
+                      <a:pt x="20" y="0"/>
+                      <a:pt x="24" y="1"/>
+                      <a:pt x="27" y="4"/>
+                    </a:cubicBezTo>
+                    <a:cubicBezTo>
+                      <a:pt x="33" y="10"/>
+                      <a:pt x="33" y="20"/>
+                      <a:pt x="27" y="26"/>
+                    </a:cubicBezTo>
+                    <a:cubicBezTo>
+                      <a:pt x="24" y="29"/>
+                      <a:pt x="20" y="31"/>
+                      <a:pt x="16" y="31"/>
+                    </a:cubicBezTo>
+                    <a:close/>
+                    <a:moveTo>
+                      <a:pt x="16" y="4"/>
+                    </a:moveTo>
+                    <a:cubicBezTo>
+                      <a:pt x="13" y="4"/>
+                      <a:pt x="10" y="5"/>
+                      <a:pt x="8" y="7"/>
+                    </a:cubicBezTo>
+                    <a:cubicBezTo>
+                      <a:pt x="6" y="9"/>
+                      <a:pt x="4" y="12"/>
+                      <a:pt x="4" y="15"/>
+                    </a:cubicBezTo>
+                    <a:cubicBezTo>
+                      <a:pt x="4" y="19"/>
+                      <a:pt x="6" y="21"/>
+                      <a:pt x="8" y="24"/>
+                    </a:cubicBezTo>
+                    <a:cubicBezTo>
+                      <a:pt x="10" y="26"/>
+                      <a:pt x="13" y="27"/>
+                      <a:pt x="16" y="27"/>
+                    </a:cubicBezTo>
+                    <a:cubicBezTo>
+                      <a:pt x="19" y="27"/>
+                      <a:pt x="22" y="26"/>
+                      <a:pt x="24" y="24"/>
+                    </a:cubicBezTo>
+                    <a:cubicBezTo>
+                      <a:pt x="29" y="19"/>
+                      <a:pt x="29" y="12"/>
+                      <a:pt x="24" y="7"/>
+                    </a:cubicBezTo>
+                    <a:cubicBezTo>
+                      <a:pt x="22" y="5"/>
+                      <a:pt x="19" y="4"/>
+                      <a:pt x="16" y="4"/>
+                    </a:cubicBezTo>
+                    <a:close/>
+                  </a:path>
+                </a:pathLst>
+              </a:custGeom>
+              <a:grpFill/>
+              <a:ln>
+                <a:noFill/>
+              </a:ln>
+              <a:extLst>
+                <a:ext uri="{91240B29-F687-4f45-9708-019B960494DF}">
+                  <a14:hiddenLine xmlns:a14="http://schemas.microsoft.com/office/drawing/2010/main" xmlns:p14="http://schemas.microsoft.com/office/powerpoint/2010/main" xmlns:a16="http://schemas.microsoft.com/office/drawing/2014/main" xmlns="" w="9525">
+                    <a:solidFill>
+                      <a:srgbClr val="000000"/>
+                    </a:solidFill>
+                    <a:round/>
+                    <a:headEnd/>
+                    <a:tailEnd/>
+                  </a14:hiddenLine>
+                </a:ext>
+              </a:extLst>
+            </p:spPr>
+          </p:sp>
+        </p:grpSp>
+        <p:grpSp>
+          <p:nvGrpSpPr>
+            <p:cNvPr id="19" name="Group 18">
+              <a:extLst>
+                <a:ext uri="{FF2B5EF4-FFF2-40B4-BE49-F238E27FC236}">
+                  <a16:creationId xmlns:a16="http://schemas.microsoft.com/office/drawing/2014/main" id="{E8E1273E-EDE2-4A3A-B711-7C633D6F04D3}"/>
+                </a:ext>
+                <a:ext uri="{C183D7F6-B498-43B3-948B-1728B52AA6E4}">
+                  <adec:decorative xmlns:adec="http://schemas.microsoft.com/office/drawing/2017/decorative" val="1"/>
+                </a:ext>
+              </a:extLst>
+            </p:cNvPr>
+            <p:cNvGrpSpPr/>
+            <p:nvPr>
+              <p:extLst>
+                <p:ext uri="{386F3935-93C4-4BCD-93E2-E3B085C9AB24}">
+                  <p16:designElem xmlns:p16="http://schemas.microsoft.com/office/powerpoint/2015/main" val="1"/>
+                </p:ext>
+              </p:extLst>
+            </p:nvPr>
+          </p:nvGrpSpPr>
+          <p:grpSpPr>
+            <a:xfrm>
+              <a:off x="11364912" y="0"/>
+              <a:ext cx="674688" cy="6848476"/>
+              <a:chOff x="11364912" y="0"/>
+              <a:chExt cx="674688" cy="6848476"/>
+            </a:xfrm>
+            <a:gradFill flip="none" rotWithShape="1">
+              <a:gsLst>
+                <a:gs pos="0">
+                  <a:schemeClr val="tx2">
+                    <a:alpha val="80000"/>
+                  </a:schemeClr>
+                </a:gs>
+                <a:gs pos="100000">
+                  <a:schemeClr val="bg2">
+                    <a:lumMod val="60000"/>
+                    <a:lumOff val="40000"/>
+                    <a:alpha val="60000"/>
+                  </a:schemeClr>
+                </a:gs>
+              </a:gsLst>
+              <a:lin ang="5400000" scaled="0"/>
+              <a:tileRect/>
+            </a:gradFill>
+          </p:grpSpPr>
+          <p:sp>
+            <p:nvSpPr>
+              <p:cNvPr id="20" name="Freeform 32">
+                <a:extLst>
+                  <a:ext uri="{FF2B5EF4-FFF2-40B4-BE49-F238E27FC236}">
+                    <a16:creationId xmlns:a16="http://schemas.microsoft.com/office/drawing/2014/main" id="{B63B0065-EB02-4B15-A2D1-8BF654B8A388}"/>
+                  </a:ext>
+                  <a:ext uri="{C183D7F6-B498-43B3-948B-1728B52AA6E4}">
+                    <adec:decorative xmlns:adec="http://schemas.microsoft.com/office/drawing/2017/decorative" val="1"/>
+                  </a:ext>
+                </a:extLst>
+              </p:cNvPr>
+              <p:cNvSpPr/>
+              <p:nvPr>
+                <p:extLst>
+                  <p:ext uri="{386F3935-93C4-4BCD-93E2-E3B085C9AB24}">
+                    <p16:designElem xmlns:p16="http://schemas.microsoft.com/office/powerpoint/2015/main" val="1"/>
+                  </p:ext>
+                </p:extLst>
+              </p:nvPr>
+            </p:nvSpPr>
+            <p:spPr bwMode="auto">
+              <a:xfrm>
+                <a:off x="11483975" y="0"/>
+                <a:ext cx="417513" cy="512763"/>
+              </a:xfrm>
+              <a:custGeom>
+                <a:avLst/>
+                <a:gdLst/>
+                <a:ahLst/>
+                <a:cxnLst/>
+                <a:rect l="0" t="0" r="r" b="b"/>
+                <a:pathLst>
+                  <a:path w="263" h="323">
+                    <a:moveTo>
+                      <a:pt x="12" y="323"/>
+                    </a:moveTo>
+                    <a:lnTo>
+                      <a:pt x="0" y="314"/>
+                    </a:lnTo>
+                    <a:lnTo>
+                      <a:pt x="203" y="108"/>
+                    </a:lnTo>
+                    <a:lnTo>
+                      <a:pt x="248" y="0"/>
+                    </a:lnTo>
+                    <a:lnTo>
+                      <a:pt x="263" y="6"/>
+                    </a:lnTo>
+                    <a:lnTo>
+                      <a:pt x="218" y="117"/>
+                    </a:lnTo>
+                    <a:lnTo>
+                      <a:pt x="218" y="117"/>
+                    </a:lnTo>
+                    <a:lnTo>
+                      <a:pt x="12" y="323"/>
+                    </a:lnTo>
+                    <a:close/>
+                  </a:path>
+                </a:pathLst>
+              </a:custGeom>
+              <a:grpFill/>
+              <a:ln>
+                <a:noFill/>
+              </a:ln>
+              <a:extLst>
+                <a:ext uri="{91240B29-F687-4f45-9708-019B960494DF}">
+                  <a14:hiddenLine xmlns:a14="http://schemas.microsoft.com/office/drawing/2010/main" xmlns:p14="http://schemas.microsoft.com/office/powerpoint/2010/main" xmlns:a16="http://schemas.microsoft.com/office/drawing/2014/main" xmlns="" w="9525">
+                    <a:solidFill>
+                      <a:srgbClr val="000000"/>
+                    </a:solidFill>
+                    <a:round/>
+                    <a:headEnd/>
+                    <a:tailEnd/>
+                  </a14:hiddenLine>
+                </a:ext>
+              </a:extLst>
+            </p:spPr>
+          </p:sp>
+          <p:sp>
+            <p:nvSpPr>
+              <p:cNvPr id="21" name="Freeform 33">
+                <a:extLst>
+                  <a:ext uri="{FF2B5EF4-FFF2-40B4-BE49-F238E27FC236}">
+                    <a16:creationId xmlns:a16="http://schemas.microsoft.com/office/drawing/2014/main" id="{E57426CB-66F7-4E49-A669-66628242C999}"/>
+                  </a:ext>
+                  <a:ext uri="{C183D7F6-B498-43B3-948B-1728B52AA6E4}">
+                    <adec:decorative xmlns:adec="http://schemas.microsoft.com/office/drawing/2017/decorative" val="1"/>
+                  </a:ext>
+                </a:extLst>
+              </p:cNvPr>
+              <p:cNvSpPr>
+                <a:spLocks noEditPoints="1"/>
+              </p:cNvSpPr>
+              <p:nvPr>
+                <p:extLst>
+                  <p:ext uri="{386F3935-93C4-4BCD-93E2-E3B085C9AB24}">
+                    <p16:designElem xmlns:p16="http://schemas.microsoft.com/office/powerpoint/2015/main" val="1"/>
+                  </p:ext>
+                </p:extLst>
+              </p:nvPr>
+            </p:nvSpPr>
+            <p:spPr bwMode="auto">
+              <a:xfrm>
+                <a:off x="11364912" y="474663"/>
+                <a:ext cx="157163" cy="152400"/>
+              </a:xfrm>
+              <a:custGeom>
+                <a:avLst/>
+                <a:gdLst/>
+                <a:ahLst/>
+                <a:cxnLst/>
+                <a:rect l="0" t="0" r="r" b="b"/>
+                <a:pathLst>
+                  <a:path w="33" h="32">
+                    <a:moveTo>
+                      <a:pt x="17" y="32"/>
+                    </a:moveTo>
+                    <a:cubicBezTo>
+                      <a:pt x="13" y="32"/>
+                      <a:pt x="9" y="30"/>
+                      <a:pt x="6" y="27"/>
+                    </a:cubicBezTo>
+                    <a:cubicBezTo>
+                      <a:pt x="0" y="21"/>
+                      <a:pt x="0" y="11"/>
+                      <a:pt x="6" y="5"/>
+                    </a:cubicBezTo>
+                    <a:cubicBezTo>
+                      <a:pt x="9" y="2"/>
+                      <a:pt x="13" y="0"/>
+                      <a:pt x="17" y="0"/>
+                    </a:cubicBezTo>
+                    <a:cubicBezTo>
+                      <a:pt x="21" y="0"/>
+                      <a:pt x="25" y="2"/>
+                      <a:pt x="28" y="5"/>
+                    </a:cubicBezTo>
+                    <a:cubicBezTo>
+                      <a:pt x="31" y="8"/>
+                      <a:pt x="33" y="12"/>
+                      <a:pt x="33" y="16"/>
+                    </a:cubicBezTo>
+                    <a:cubicBezTo>
+                      <a:pt x="33" y="20"/>
+                      <a:pt x="31" y="24"/>
+                      <a:pt x="28" y="27"/>
+                    </a:cubicBezTo>
+                    <a:cubicBezTo>
+                      <a:pt x="25" y="30"/>
+                      <a:pt x="21" y="32"/>
+                      <a:pt x="17" y="32"/>
+                    </a:cubicBezTo>
+                    <a:close/>
+                    <a:moveTo>
+                      <a:pt x="17" y="4"/>
+                    </a:moveTo>
+                    <a:cubicBezTo>
+                      <a:pt x="14" y="4"/>
+                      <a:pt x="11" y="6"/>
+                      <a:pt x="9" y="8"/>
+                    </a:cubicBezTo>
+                    <a:cubicBezTo>
+                      <a:pt x="4" y="12"/>
+                      <a:pt x="4" y="20"/>
+                      <a:pt x="9" y="24"/>
+                    </a:cubicBezTo>
+                    <a:cubicBezTo>
+                      <a:pt x="11" y="27"/>
+                      <a:pt x="14" y="28"/>
+                      <a:pt x="17" y="28"/>
+                    </a:cubicBezTo>
+                    <a:cubicBezTo>
+                      <a:pt x="20" y="28"/>
+                      <a:pt x="23" y="27"/>
+                      <a:pt x="26" y="24"/>
+                    </a:cubicBezTo>
+                    <a:cubicBezTo>
+                      <a:pt x="30" y="20"/>
+                      <a:pt x="30" y="12"/>
+                      <a:pt x="26" y="8"/>
+                    </a:cubicBezTo>
+                    <a:cubicBezTo>
+                      <a:pt x="23" y="6"/>
+                      <a:pt x="20" y="4"/>
+                      <a:pt x="17" y="4"/>
+                    </a:cubicBezTo>
+                    <a:close/>
+                  </a:path>
+                </a:pathLst>
+              </a:custGeom>
+              <a:grpFill/>
+              <a:ln>
+                <a:noFill/>
+              </a:ln>
+              <a:extLst>
+                <a:ext uri="{91240B29-F687-4f45-9708-019B960494DF}">
+                  <a14:hiddenLine xmlns:a14="http://schemas.microsoft.com/office/drawing/2010/main" xmlns:p14="http://schemas.microsoft.com/office/powerpoint/2010/main" xmlns:a16="http://schemas.microsoft.com/office/drawing/2014/main" xmlns="" w="9525">
+                    <a:solidFill>
+                      <a:srgbClr val="000000"/>
+                    </a:solidFill>
+                    <a:round/>
+                    <a:headEnd/>
+                    <a:tailEnd/>
+                  </a14:hiddenLine>
+                </a:ext>
+              </a:extLst>
+            </p:spPr>
+          </p:sp>
+          <p:sp>
+            <p:nvSpPr>
+              <p:cNvPr id="22" name="Freeform 34">
+                <a:extLst>
+                  <a:ext uri="{FF2B5EF4-FFF2-40B4-BE49-F238E27FC236}">
+                    <a16:creationId xmlns:a16="http://schemas.microsoft.com/office/drawing/2014/main" id="{13E7D034-6F93-4C3D-B0D4-5C7112065EF6}"/>
+                  </a:ext>
+                  <a:ext uri="{C183D7F6-B498-43B3-948B-1728B52AA6E4}">
+                    <adec:decorative xmlns:adec="http://schemas.microsoft.com/office/drawing/2017/decorative" val="1"/>
+                  </a:ext>
+                </a:extLst>
+              </p:cNvPr>
+              <p:cNvSpPr>
+                <a:spLocks noEditPoints="1"/>
+              </p:cNvSpPr>
+              <p:nvPr>
+                <p:extLst>
+                  <p:ext uri="{386F3935-93C4-4BCD-93E2-E3B085C9AB24}">
+                    <p16:designElem xmlns:p16="http://schemas.microsoft.com/office/powerpoint/2015/main" val="1"/>
+                  </p:ext>
+                </p:extLst>
+              </p:nvPr>
+            </p:nvSpPr>
+            <p:spPr bwMode="auto">
+              <a:xfrm>
+                <a:off x="11631612" y="1539875"/>
+                <a:ext cx="188913" cy="190500"/>
+              </a:xfrm>
+              <a:custGeom>
+                <a:avLst/>
+                <a:gdLst/>
+                <a:ahLst/>
+                <a:cxnLst/>
+                <a:rect l="0" t="0" r="r" b="b"/>
+                <a:pathLst>
+                  <a:path w="40" h="40">
+                    <a:moveTo>
+                      <a:pt x="20" y="40"/>
+                    </a:moveTo>
+                    <a:cubicBezTo>
+                      <a:pt x="9" y="40"/>
+                      <a:pt x="0" y="31"/>
+                      <a:pt x="0" y="20"/>
+                    </a:cubicBezTo>
+                    <a:cubicBezTo>
+                      <a:pt x="0" y="9"/>
+                      <a:pt x="9" y="0"/>
+                      <a:pt x="20" y="0"/>
+                    </a:cubicBezTo>
+                    <a:cubicBezTo>
+                      <a:pt x="31" y="0"/>
+                      <a:pt x="40" y="9"/>
+                      <a:pt x="40" y="20"/>
+                    </a:cubicBezTo>
+                    <a:cubicBezTo>
+                      <a:pt x="40" y="31"/>
+                      <a:pt x="31" y="40"/>
+                      <a:pt x="20" y="40"/>
+                    </a:cubicBezTo>
+                    <a:close/>
+                    <a:moveTo>
+                      <a:pt x="20" y="4"/>
+                    </a:moveTo>
+                    <a:cubicBezTo>
+                      <a:pt x="11" y="4"/>
+                      <a:pt x="4" y="11"/>
+                      <a:pt x="4" y="20"/>
+                    </a:cubicBezTo>
+                    <a:cubicBezTo>
+                      <a:pt x="4" y="29"/>
+                      <a:pt x="11" y="36"/>
+                      <a:pt x="20" y="36"/>
+                    </a:cubicBezTo>
+                    <a:cubicBezTo>
+                      <a:pt x="29" y="36"/>
+                      <a:pt x="36" y="29"/>
+                      <a:pt x="36" y="20"/>
+                    </a:cubicBezTo>
+                    <a:cubicBezTo>
+                      <a:pt x="36" y="11"/>
+                      <a:pt x="29" y="4"/>
+                      <a:pt x="20" y="4"/>
+                    </a:cubicBezTo>
+                    <a:close/>
+                  </a:path>
+                </a:pathLst>
+              </a:custGeom>
+              <a:grpFill/>
+              <a:ln>
+                <a:noFill/>
+              </a:ln>
+              <a:extLst>
+                <a:ext uri="{91240B29-F687-4f45-9708-019B960494DF}">
+                  <a14:hiddenLine xmlns:a14="http://schemas.microsoft.com/office/drawing/2010/main" xmlns:p14="http://schemas.microsoft.com/office/powerpoint/2010/main" xmlns:a16="http://schemas.microsoft.com/office/drawing/2014/main" xmlns="" w="9525">
+                    <a:solidFill>
+                      <a:srgbClr val="000000"/>
+                    </a:solidFill>
+                    <a:round/>
+                    <a:headEnd/>
+                    <a:tailEnd/>
+                  </a14:hiddenLine>
+                </a:ext>
+              </a:extLst>
+            </p:spPr>
+          </p:sp>
+          <p:sp>
+            <p:nvSpPr>
+              <p:cNvPr id="23" name="Freeform 35">
+                <a:extLst>
+                  <a:ext uri="{FF2B5EF4-FFF2-40B4-BE49-F238E27FC236}">
+                    <a16:creationId xmlns:a16="http://schemas.microsoft.com/office/drawing/2014/main" id="{544587B9-2C96-4F49-9D32-4B9561513F8D}"/>
+                  </a:ext>
+                  <a:ext uri="{C183D7F6-B498-43B3-948B-1728B52AA6E4}">
+                    <adec:decorative xmlns:adec="http://schemas.microsoft.com/office/drawing/2017/decorative" val="1"/>
+                  </a:ext>
+                </a:extLst>
+              </p:cNvPr>
+              <p:cNvSpPr/>
+              <p:nvPr>
+                <p:extLst>
+                  <p:ext uri="{386F3935-93C4-4BCD-93E2-E3B085C9AB24}">
+                    <p16:designElem xmlns:p16="http://schemas.microsoft.com/office/powerpoint/2015/main" val="1"/>
+                  </p:ext>
+                </p:extLst>
+              </p:nvPr>
+            </p:nvSpPr>
+            <p:spPr bwMode="auto">
+              <a:xfrm>
+                <a:off x="11531600" y="5694363"/>
+                <a:ext cx="298450" cy="1154113"/>
+              </a:xfrm>
+              <a:custGeom>
+                <a:avLst/>
+                <a:gdLst/>
+                <a:ahLst/>
+                <a:cxnLst/>
+                <a:rect l="0" t="0" r="r" b="b"/>
+                <a:pathLst>
+                  <a:path w="188" h="727">
+                    <a:moveTo>
+                      <a:pt x="15" y="727"/>
+                    </a:moveTo>
+                    <a:lnTo>
+                      <a:pt x="0" y="727"/>
+                    </a:lnTo>
+                    <a:lnTo>
+                      <a:pt x="0" y="407"/>
+                    </a:lnTo>
+                    <a:lnTo>
+                      <a:pt x="0" y="407"/>
+                    </a:lnTo>
+                    <a:lnTo>
+                      <a:pt x="176" y="0"/>
+                    </a:lnTo>
+                    <a:lnTo>
+                      <a:pt x="188" y="6"/>
+                    </a:lnTo>
+                    <a:lnTo>
+                      <a:pt x="15" y="410"/>
+                    </a:lnTo>
+                    <a:lnTo>
+                      <a:pt x="15" y="727"/>
+                    </a:lnTo>
+                    <a:close/>
+                  </a:path>
+                </a:pathLst>
+              </a:custGeom>
+              <a:grpFill/>
+              <a:ln>
+                <a:noFill/>
+              </a:ln>
+              <a:extLst>
+                <a:ext uri="{91240B29-F687-4f45-9708-019B960494DF}">
+                  <a14:hiddenLine xmlns:a14="http://schemas.microsoft.com/office/drawing/2010/main" xmlns:p14="http://schemas.microsoft.com/office/powerpoint/2010/main" xmlns:a16="http://schemas.microsoft.com/office/drawing/2014/main" xmlns="" w="9525">
+                    <a:solidFill>
+                      <a:srgbClr val="000000"/>
+                    </a:solidFill>
+                    <a:round/>
+                    <a:headEnd/>
+                    <a:tailEnd/>
+                  </a14:hiddenLine>
+                </a:ext>
+              </a:extLst>
+            </p:spPr>
+          </p:sp>
+          <p:sp>
+            <p:nvSpPr>
+              <p:cNvPr id="24" name="Freeform 36">
+                <a:extLst>
+                  <a:ext uri="{FF2B5EF4-FFF2-40B4-BE49-F238E27FC236}">
+                    <a16:creationId xmlns:a16="http://schemas.microsoft.com/office/drawing/2014/main" id="{89C0C949-76C7-4C92-9296-CD1C2EF760FA}"/>
+                  </a:ext>
+                  <a:ext uri="{C183D7F6-B498-43B3-948B-1728B52AA6E4}">
+                    <adec:decorative xmlns:adec="http://schemas.microsoft.com/office/drawing/2017/decorative" val="1"/>
+                  </a:ext>
+                </a:extLst>
+              </p:cNvPr>
+              <p:cNvSpPr>
+                <a:spLocks noEditPoints="1"/>
+              </p:cNvSpPr>
+              <p:nvPr>
+                <p:extLst>
+                  <p:ext uri="{386F3935-93C4-4BCD-93E2-E3B085C9AB24}">
+                    <p16:designElem xmlns:p16="http://schemas.microsoft.com/office/powerpoint/2015/main" val="1"/>
+                  </p:ext>
+                </p:extLst>
+              </p:nvPr>
+            </p:nvSpPr>
+            <p:spPr bwMode="auto">
+              <a:xfrm>
+                <a:off x="11772900" y="5551488"/>
+                <a:ext cx="157163" cy="155575"/>
+              </a:xfrm>
+              <a:custGeom>
+                <a:avLst/>
+                <a:gdLst/>
+                <a:ahLst/>
+                <a:cxnLst/>
+                <a:rect l="0" t="0" r="r" b="b"/>
+                <a:pathLst>
+                  <a:path w="33" h="33">
+                    <a:moveTo>
+                      <a:pt x="17" y="33"/>
+                    </a:moveTo>
+                    <a:cubicBezTo>
+                      <a:pt x="8" y="33"/>
+                      <a:pt x="0" y="25"/>
+                      <a:pt x="0" y="16"/>
+                    </a:cubicBezTo>
+                    <a:cubicBezTo>
+                      <a:pt x="0" y="7"/>
+                      <a:pt x="8" y="0"/>
+                      <a:pt x="17" y="0"/>
+                    </a:cubicBezTo>
+                    <a:cubicBezTo>
+                      <a:pt x="26" y="0"/>
+                      <a:pt x="33" y="7"/>
+                      <a:pt x="33" y="16"/>
+                    </a:cubicBezTo>
+                    <a:cubicBezTo>
+                      <a:pt x="33" y="25"/>
+                      <a:pt x="26" y="33"/>
+                      <a:pt x="17" y="33"/>
+                    </a:cubicBezTo>
+                    <a:close/>
+                    <a:moveTo>
+                      <a:pt x="17" y="4"/>
+                    </a:moveTo>
+                    <a:cubicBezTo>
+                      <a:pt x="10" y="4"/>
+                      <a:pt x="4" y="9"/>
+                      <a:pt x="4" y="16"/>
+                    </a:cubicBezTo>
+                    <a:cubicBezTo>
+                      <a:pt x="4" y="23"/>
+                      <a:pt x="10" y="29"/>
+                      <a:pt x="17" y="29"/>
+                    </a:cubicBezTo>
+                    <a:cubicBezTo>
+                      <a:pt x="23" y="29"/>
+                      <a:pt x="29" y="23"/>
+                      <a:pt x="29" y="16"/>
+                    </a:cubicBezTo>
+                    <a:cubicBezTo>
+                      <a:pt x="29" y="9"/>
+                      <a:pt x="23" y="4"/>
+                      <a:pt x="17" y="4"/>
+                    </a:cubicBezTo>
+                    <a:close/>
+                  </a:path>
+                </a:pathLst>
+              </a:custGeom>
+              <a:grpFill/>
+              <a:ln>
+                <a:noFill/>
+              </a:ln>
+              <a:extLst>
+                <a:ext uri="{91240B29-F687-4f45-9708-019B960494DF}">
+                  <a14:hiddenLine xmlns:a14="http://schemas.microsoft.com/office/drawing/2010/main" xmlns:p14="http://schemas.microsoft.com/office/powerpoint/2010/main" xmlns:a16="http://schemas.microsoft.com/office/drawing/2014/main" xmlns="" w="9525">
+                    <a:solidFill>
+                      <a:srgbClr val="000000"/>
+                    </a:solidFill>
+                    <a:round/>
+                    <a:headEnd/>
+                    <a:tailEnd/>
+                  </a14:hiddenLine>
+                </a:ext>
+              </a:extLst>
+            </p:spPr>
+          </p:sp>
+          <p:sp>
+            <p:nvSpPr>
+              <p:cNvPr id="25" name="Freeform 37">
+                <a:extLst>
+                  <a:ext uri="{FF2B5EF4-FFF2-40B4-BE49-F238E27FC236}">
+                    <a16:creationId xmlns:a16="http://schemas.microsoft.com/office/drawing/2014/main" id="{88A24927-AAB9-451E-B0A0-A405AA62A8ED}"/>
+                  </a:ext>
+                  <a:ext uri="{C183D7F6-B498-43B3-948B-1728B52AA6E4}">
+                    <adec:decorative xmlns:adec="http://schemas.microsoft.com/office/drawing/2017/decorative" val="1"/>
+                  </a:ext>
+                </a:extLst>
+              </p:cNvPr>
+              <p:cNvSpPr/>
+              <p:nvPr>
+                <p:extLst>
+                  <p:ext uri="{386F3935-93C4-4BCD-93E2-E3B085C9AB24}">
+                    <p16:designElem xmlns:p16="http://schemas.microsoft.com/office/powerpoint/2015/main" val="1"/>
+                  </p:ext>
+                </p:extLst>
+              </p:nvPr>
+            </p:nvSpPr>
+            <p:spPr bwMode="auto">
+              <a:xfrm>
+                <a:off x="11710987" y="4763"/>
+                <a:ext cx="304800" cy="1544638"/>
+              </a:xfrm>
+              <a:custGeom>
+                <a:avLst/>
+                <a:gdLst/>
+                <a:ahLst/>
+                <a:cxnLst/>
+                <a:rect l="0" t="0" r="r" b="b"/>
+                <a:pathLst>
+                  <a:path w="192" h="973">
+                    <a:moveTo>
+                      <a:pt x="15" y="973"/>
+                    </a:moveTo>
+                    <a:lnTo>
+                      <a:pt x="0" y="973"/>
+                    </a:lnTo>
+                    <a:lnTo>
+                      <a:pt x="0" y="790"/>
+                    </a:lnTo>
+                    <a:lnTo>
+                      <a:pt x="174" y="614"/>
+                    </a:lnTo>
+                    <a:lnTo>
+                      <a:pt x="174" y="0"/>
+                    </a:lnTo>
+                    <a:lnTo>
+                      <a:pt x="192" y="0"/>
+                    </a:lnTo>
+                    <a:lnTo>
+                      <a:pt x="192" y="620"/>
+                    </a:lnTo>
+                    <a:lnTo>
+                      <a:pt x="15" y="796"/>
+                    </a:lnTo>
+                    <a:lnTo>
+                      <a:pt x="15" y="973"/>
+                    </a:lnTo>
+                    <a:close/>
+                  </a:path>
+                </a:pathLst>
+              </a:custGeom>
+              <a:grpFill/>
+              <a:ln>
+                <a:noFill/>
+              </a:ln>
+              <a:extLst>
+                <a:ext uri="{91240B29-F687-4f45-9708-019B960494DF}">
+                  <a14:hiddenLine xmlns:a14="http://schemas.microsoft.com/office/drawing/2010/main" xmlns:p14="http://schemas.microsoft.com/office/powerpoint/2010/main" xmlns:a16="http://schemas.microsoft.com/office/drawing/2014/main" xmlns="" w="9525">
+                    <a:solidFill>
+                      <a:srgbClr val="000000"/>
+                    </a:solidFill>
+                    <a:round/>
+                    <a:headEnd/>
+                    <a:tailEnd/>
+                  </a14:hiddenLine>
+                </a:ext>
+              </a:extLst>
+            </p:spPr>
+          </p:sp>
+          <p:sp>
+            <p:nvSpPr>
+              <p:cNvPr id="26" name="Freeform 38">
+                <a:extLst>
+                  <a:ext uri="{FF2B5EF4-FFF2-40B4-BE49-F238E27FC236}">
+                    <a16:creationId xmlns:a16="http://schemas.microsoft.com/office/drawing/2014/main" id="{EB081E7B-E0CD-441B-B79D-E93D2AEBD607}"/>
+                  </a:ext>
+                  <a:ext uri="{C183D7F6-B498-43B3-948B-1728B52AA6E4}">
+                    <adec:decorative xmlns:adec="http://schemas.microsoft.com/office/drawing/2017/decorative" val="1"/>
+                  </a:ext>
+                </a:extLst>
+              </p:cNvPr>
+              <p:cNvSpPr>
+                <a:spLocks noEditPoints="1"/>
+              </p:cNvSpPr>
+              <p:nvPr>
+                <p:extLst>
+                  <p:ext uri="{386F3935-93C4-4BCD-93E2-E3B085C9AB24}">
+                    <p16:designElem xmlns:p16="http://schemas.microsoft.com/office/powerpoint/2015/main" val="1"/>
+                  </p:ext>
+                </p:extLst>
+              </p:nvPr>
+            </p:nvSpPr>
+            <p:spPr bwMode="auto">
+              <a:xfrm>
+                <a:off x="11636375" y="4867275"/>
+                <a:ext cx="188913" cy="188913"/>
+              </a:xfrm>
+              <a:custGeom>
+                <a:avLst/>
+                <a:gdLst/>
+                <a:ahLst/>
+                <a:cxnLst/>
+                <a:rect l="0" t="0" r="r" b="b"/>
+                <a:pathLst>
+                  <a:path w="40" h="40">
+                    <a:moveTo>
+                      <a:pt x="20" y="40"/>
+                    </a:moveTo>
+                    <a:cubicBezTo>
+                      <a:pt x="9" y="40"/>
+                      <a:pt x="0" y="31"/>
+                      <a:pt x="0" y="20"/>
+                    </a:cubicBezTo>
+                    <a:cubicBezTo>
+                      <a:pt x="0" y="9"/>
+                      <a:pt x="9" y="0"/>
+                      <a:pt x="20" y="0"/>
+                    </a:cubicBezTo>
+                    <a:cubicBezTo>
+                      <a:pt x="31" y="0"/>
+                      <a:pt x="40" y="9"/>
+                      <a:pt x="40" y="20"/>
+                    </a:cubicBezTo>
+                    <a:cubicBezTo>
+                      <a:pt x="40" y="31"/>
+                      <a:pt x="31" y="40"/>
+                      <a:pt x="20" y="40"/>
+                    </a:cubicBezTo>
+                    <a:close/>
+                    <a:moveTo>
+                      <a:pt x="20" y="4"/>
+                    </a:moveTo>
+                    <a:cubicBezTo>
+                      <a:pt x="11" y="4"/>
+                      <a:pt x="4" y="11"/>
+                      <a:pt x="4" y="20"/>
+                    </a:cubicBezTo>
+                    <a:cubicBezTo>
+                      <a:pt x="4" y="29"/>
+                      <a:pt x="11" y="36"/>
+                      <a:pt x="20" y="36"/>
+                    </a:cubicBezTo>
+                    <a:cubicBezTo>
+                      <a:pt x="29" y="36"/>
+                      <a:pt x="36" y="29"/>
+                      <a:pt x="36" y="20"/>
+                    </a:cubicBezTo>
+                    <a:cubicBezTo>
+                      <a:pt x="36" y="11"/>
+                      <a:pt x="29" y="4"/>
+                      <a:pt x="20" y="4"/>
+                    </a:cubicBezTo>
+                    <a:close/>
+                  </a:path>
+                </a:pathLst>
+              </a:custGeom>
+              <a:grpFill/>
+              <a:ln>
+                <a:noFill/>
+              </a:ln>
+              <a:extLst>
+                <a:ext uri="{91240B29-F687-4f45-9708-019B960494DF}">
+                  <a14:hiddenLine xmlns:a14="http://schemas.microsoft.com/office/drawing/2010/main" xmlns:p14="http://schemas.microsoft.com/office/powerpoint/2010/main" xmlns:a16="http://schemas.microsoft.com/office/drawing/2014/main" xmlns="" w="9525">
+                    <a:solidFill>
+                      <a:srgbClr val="000000"/>
+                    </a:solidFill>
+                    <a:round/>
+                    <a:headEnd/>
+                    <a:tailEnd/>
+                  </a14:hiddenLine>
+                </a:ext>
+              </a:extLst>
+            </p:spPr>
+          </p:sp>
+          <p:sp>
+            <p:nvSpPr>
+              <p:cNvPr id="27" name="Freeform 39">
+                <a:extLst>
+                  <a:ext uri="{FF2B5EF4-FFF2-40B4-BE49-F238E27FC236}">
+                    <a16:creationId xmlns:a16="http://schemas.microsoft.com/office/drawing/2014/main" id="{7D5730F8-66D4-4B1F-B8ED-FF90B6DF2D33}"/>
+                  </a:ext>
+                  <a:ext uri="{C183D7F6-B498-43B3-948B-1728B52AA6E4}">
+                    <adec:decorative xmlns:adec="http://schemas.microsoft.com/office/drawing/2017/decorative" val="1"/>
+                  </a:ext>
+                </a:extLst>
+              </p:cNvPr>
+              <p:cNvSpPr/>
+              <p:nvPr>
+                <p:extLst>
+                  <p:ext uri="{386F3935-93C4-4BCD-93E2-E3B085C9AB24}">
+                    <p16:designElem xmlns:p16="http://schemas.microsoft.com/office/powerpoint/2015/main" val="1"/>
+                  </p:ext>
+                </p:extLst>
+              </p:nvPr>
+            </p:nvSpPr>
+            <p:spPr bwMode="auto">
+              <a:xfrm>
+                <a:off x="11441112" y="5046663"/>
+                <a:ext cx="307975" cy="1801813"/>
+              </a:xfrm>
+              <a:custGeom>
+                <a:avLst/>
+                <a:gdLst/>
+                <a:ahLst/>
+                <a:cxnLst/>
+                <a:rect l="0" t="0" r="r" b="b"/>
+                <a:pathLst>
+                  <a:path w="194" h="1135">
+                    <a:moveTo>
+                      <a:pt x="18" y="1135"/>
+                    </a:moveTo>
+                    <a:lnTo>
+                      <a:pt x="0" y="1135"/>
+                    </a:lnTo>
+                    <a:lnTo>
+                      <a:pt x="0" y="354"/>
+                    </a:lnTo>
+                    <a:lnTo>
+                      <a:pt x="176" y="177"/>
+                    </a:lnTo>
+                    <a:lnTo>
+                      <a:pt x="176" y="0"/>
+                    </a:lnTo>
+                    <a:lnTo>
+                      <a:pt x="194" y="0"/>
+                    </a:lnTo>
+                    <a:lnTo>
+                      <a:pt x="194" y="183"/>
+                    </a:lnTo>
+                    <a:lnTo>
+                      <a:pt x="18" y="360"/>
+                    </a:lnTo>
+                    <a:lnTo>
+                      <a:pt x="18" y="1135"/>
+                    </a:lnTo>
+                    <a:close/>
+                  </a:path>
+                </a:pathLst>
+              </a:custGeom>
+              <a:grpFill/>
+              <a:ln>
+                <a:noFill/>
+              </a:ln>
+              <a:extLst>
+                <a:ext uri="{91240B29-F687-4f45-9708-019B960494DF}">
+                  <a14:hiddenLine xmlns:a14="http://schemas.microsoft.com/office/drawing/2010/main" xmlns:p14="http://schemas.microsoft.com/office/powerpoint/2010/main" xmlns:a16="http://schemas.microsoft.com/office/drawing/2014/main" xmlns="" w="9525">
+                    <a:solidFill>
+                      <a:srgbClr val="000000"/>
+                    </a:solidFill>
+                    <a:round/>
+                    <a:headEnd/>
+                    <a:tailEnd/>
+                  </a14:hiddenLine>
+                </a:ext>
+              </a:extLst>
+            </p:spPr>
+          </p:sp>
+          <p:sp>
+            <p:nvSpPr>
+              <p:cNvPr id="28" name="Freeform 40">
+                <a:extLst>
+                  <a:ext uri="{FF2B5EF4-FFF2-40B4-BE49-F238E27FC236}">
+                    <a16:creationId xmlns:a16="http://schemas.microsoft.com/office/drawing/2014/main" id="{889A6C05-5677-4961-9C01-68C74E42B784}"/>
+                  </a:ext>
+                  <a:ext uri="{C183D7F6-B498-43B3-948B-1728B52AA6E4}">
+                    <adec:decorative xmlns:adec="http://schemas.microsoft.com/office/drawing/2017/decorative" val="1"/>
+                  </a:ext>
+                </a:extLst>
+              </p:cNvPr>
+              <p:cNvSpPr>
+                <a:spLocks noEditPoints="1"/>
+              </p:cNvSpPr>
+              <p:nvPr>
+                <p:extLst>
+                  <p:ext uri="{386F3935-93C4-4BCD-93E2-E3B085C9AB24}">
+                    <p16:designElem xmlns:p16="http://schemas.microsoft.com/office/powerpoint/2015/main" val="1"/>
+                  </p:ext>
+                </p:extLst>
+              </p:nvPr>
+            </p:nvSpPr>
+            <p:spPr bwMode="auto">
+              <a:xfrm>
+                <a:off x="11849100" y="6416675"/>
+                <a:ext cx="190500" cy="188913"/>
+              </a:xfrm>
+              <a:custGeom>
+                <a:avLst/>
+                <a:gdLst/>
+                <a:ahLst/>
+                <a:cxnLst/>
+                <a:rect l="0" t="0" r="r" b="b"/>
+                <a:pathLst>
+                  <a:path w="40" h="40">
+                    <a:moveTo>
+                      <a:pt x="20" y="40"/>
+                    </a:moveTo>
+                    <a:cubicBezTo>
+                      <a:pt x="9" y="40"/>
+                      <a:pt x="0" y="31"/>
+                      <a:pt x="0" y="20"/>
+                    </a:cubicBezTo>
+                    <a:cubicBezTo>
+                      <a:pt x="0" y="9"/>
+                      <a:pt x="9" y="0"/>
+                      <a:pt x="20" y="0"/>
+                    </a:cubicBezTo>
+                    <a:cubicBezTo>
+                      <a:pt x="31" y="0"/>
+                      <a:pt x="40" y="9"/>
+                      <a:pt x="40" y="20"/>
+                    </a:cubicBezTo>
+                    <a:cubicBezTo>
+                      <a:pt x="40" y="31"/>
+                      <a:pt x="31" y="40"/>
+                      <a:pt x="20" y="40"/>
+                    </a:cubicBezTo>
+                    <a:close/>
+                    <a:moveTo>
+                      <a:pt x="20" y="4"/>
+                    </a:moveTo>
+                    <a:cubicBezTo>
+                      <a:pt x="12" y="4"/>
+                      <a:pt x="4" y="11"/>
+                      <a:pt x="4" y="20"/>
+                    </a:cubicBezTo>
+                    <a:cubicBezTo>
+                      <a:pt x="4" y="29"/>
+                      <a:pt x="12" y="36"/>
+                      <a:pt x="20" y="36"/>
+                    </a:cubicBezTo>
+                    <a:cubicBezTo>
+                      <a:pt x="29" y="36"/>
+                      <a:pt x="36" y="29"/>
+                      <a:pt x="36" y="20"/>
+                    </a:cubicBezTo>
+                    <a:cubicBezTo>
+                      <a:pt x="36" y="11"/>
+                      <a:pt x="29" y="4"/>
+                      <a:pt x="20" y="4"/>
+                    </a:cubicBezTo>
+                    <a:close/>
+                  </a:path>
+                </a:pathLst>
+              </a:custGeom>
+              <a:grpFill/>
+              <a:ln>
+                <a:noFill/>
+              </a:ln>
+              <a:extLst>
+                <a:ext uri="{91240B29-F687-4f45-9708-019B960494DF}">
+                  <a14:hiddenLine xmlns:a14="http://schemas.microsoft.com/office/drawing/2010/main" xmlns:p14="http://schemas.microsoft.com/office/powerpoint/2010/main" xmlns:a16="http://schemas.microsoft.com/office/drawing/2014/main" xmlns="" w="9525">
+                    <a:solidFill>
+                      <a:srgbClr val="000000"/>
+                    </a:solidFill>
+                    <a:round/>
+                    <a:headEnd/>
+                    <a:tailEnd/>
+                  </a14:hiddenLine>
+                </a:ext>
+              </a:extLst>
+            </p:spPr>
+          </p:sp>
+          <p:sp>
+            <p:nvSpPr>
+              <p:cNvPr id="29" name="Rectangle 41">
+                <a:extLst>
+                  <a:ext uri="{FF2B5EF4-FFF2-40B4-BE49-F238E27FC236}">
+                    <a16:creationId xmlns:a16="http://schemas.microsoft.com/office/drawing/2014/main" id="{8C7CB0DC-7079-4F28-81F7-057DE28ED852}"/>
+                  </a:ext>
+                  <a:ext uri="{C183D7F6-B498-43B3-948B-1728B52AA6E4}">
+                    <adec:decorative xmlns:adec="http://schemas.microsoft.com/office/drawing/2017/decorative" val="1"/>
+                  </a:ext>
+                </a:extLst>
+              </p:cNvPr>
+              <p:cNvSpPr>
+                <a:spLocks noChangeArrowheads="1"/>
+              </p:cNvSpPr>
+              <p:nvPr>
+                <p:extLst>
+                  <p:ext uri="{386F3935-93C4-4BCD-93E2-E3B085C9AB24}">
+                    <p16:designElem xmlns:p16="http://schemas.microsoft.com/office/powerpoint/2015/main" val="1"/>
+                  </p:ext>
+                </p:extLst>
+              </p:nvPr>
+            </p:nvSpPr>
+            <p:spPr bwMode="auto">
+              <a:xfrm>
+                <a:off x="11939587" y="6596063"/>
+                <a:ext cx="23813" cy="252413"/>
+              </a:xfrm>
+              <a:prstGeom prst="rect">
+                <a:avLst/>
+              </a:prstGeom>
+              <a:grpFill/>
+              <a:ln>
+                <a:noFill/>
+              </a:ln>
+              <a:extLst>
+                <a:ext uri="{91240B29-F687-4f45-9708-019B960494DF}">
+                  <a14:hiddenLine xmlns:a14="http://schemas.microsoft.com/office/drawing/2010/main" xmlns:p14="http://schemas.microsoft.com/office/powerpoint/2010/main" xmlns:a16="http://schemas.microsoft.com/office/drawing/2014/main" xmlns="" w="9525">
+                    <a:solidFill>
+                      <a:srgbClr val="000000"/>
+                    </a:solidFill>
+                    <a:miter lim="800000"/>
+                    <a:headEnd/>
+                    <a:tailEnd/>
+                  </a14:hiddenLine>
+                </a:ext>
+              </a:extLst>
+            </p:spPr>
+          </p:sp>
+        </p:grpSp>
+      </p:grpSp>
       <p:sp>
         <p:nvSpPr>
           <p:cNvPr id="2" name="Заголовок 1">
@@ -13167,50 +16630,364 @@
           </p:nvPr>
         </p:nvSpPr>
         <p:spPr>
-          <a:effectLst/>
+          <a:xfrm>
+            <a:off x="6372312" y="589077"/>
+            <a:ext cx="5331531" cy="1400628"/>
+          </a:xfrm>
         </p:spPr>
         <p:txBody>
-          <a:bodyPr>
-            <a:normAutofit/>
+          <a:bodyPr vert="horz" lIns="91440" tIns="45720" rIns="91440" bIns="45720" rtlCol="0" anchor="ctr">
+            <a:noAutofit/>
           </a:bodyPr>
           <a:lstStyle/>
           <a:p>
-            <a:pPr algn="ctr"/>
             <a:r>
-              <a:rPr lang="en-US" b="1" cap="none" dirty="0">
+              <a:rPr lang="en-US" b="1" dirty="0">
                 <a:ln w="9525">
                   <a:solidFill>
                     <a:schemeClr val="bg1"/>
                   </a:solidFill>
                   <a:prstDash val="solid"/>
                 </a:ln>
-                <a:ea typeface="Calibri" panose="020F0502020204030204" pitchFamily="34" charset="0"/>
               </a:rPr>
-              <a:t>4) </a:t>
+              <a:t>АНАЛИЗ КЛАВИАТУР С ПОДДЕРЖКОЙ СЕРВИСОВ</a:t>
             </a:r>
-            <a:r>
-              <a:rPr lang="ru-RU" b="1" cap="none" dirty="0">
-                <a:ln w="9525">
-                  <a:solidFill>
-                    <a:schemeClr val="bg1"/>
-                  </a:solidFill>
-                  <a:prstDash val="solid"/>
-                </a:ln>
-                <a:ea typeface="Calibri" panose="020F0502020204030204" pitchFamily="34" charset="0"/>
-              </a:rPr>
-              <a:t>АНАЛИЗ СУЩЕСТВУЮЩИХ КЛАВИАТУР С ПОДДЕРЖКОЙ ЛИНГВИСТИЧЕСКИХ СЕРВИСОВ</a:t>
-            </a:r>
-            <a:endParaRPr lang="ru-RU" b="1" cap="none" dirty="0">
-              <a:ln w="9525">
-                <a:solidFill>
-                  <a:schemeClr val="bg1"/>
-                </a:solidFill>
-                <a:prstDash val="solid"/>
-              </a:ln>
-            </a:endParaRPr>
           </a:p>
         </p:txBody>
       </p:sp>
+      <p:sp>
+        <p:nvSpPr>
+          <p:cNvPr id="58" name="Round Single Corner Rectangle 14">
+            <a:extLst>
+              <a:ext uri="{FF2B5EF4-FFF2-40B4-BE49-F238E27FC236}">
+                <a16:creationId xmlns:a16="http://schemas.microsoft.com/office/drawing/2014/main" id="{905C2250-9F9C-46B0-9B2B-A8A0C7BA3C83}"/>
+              </a:ext>
+              <a:ext uri="{C183D7F6-B498-43B3-948B-1728B52AA6E4}">
+                <adec:decorative xmlns:adec="http://schemas.microsoft.com/office/drawing/2017/decorative" val="1"/>
+              </a:ext>
+            </a:extLst>
+          </p:cNvPr>
+          <p:cNvSpPr>
+            <a:spLocks noGrp="1" noRot="1" noChangeAspect="1" noMove="1" noResize="1" noEditPoints="1" noAdjustHandles="1" noChangeArrowheads="1" noChangeShapeType="1" noTextEdit="1"/>
+          </p:cNvSpPr>
+          <p:nvPr>
+            <p:extLst>
+              <p:ext uri="{386F3935-93C4-4BCD-93E2-E3B085C9AB24}">
+                <p16:designElem xmlns:p16="http://schemas.microsoft.com/office/powerpoint/2015/main" val="1"/>
+              </p:ext>
+            </p:extLst>
+          </p:nvPr>
+        </p:nvSpPr>
+        <p:spPr>
+          <a:xfrm flipH="1">
+            <a:off x="804973" y="808058"/>
+            <a:ext cx="5280353" cy="2536764"/>
+          </a:xfrm>
+          <a:prstGeom prst="round1Rect">
+            <a:avLst>
+              <a:gd name="adj" fmla="val 6363"/>
+            </a:avLst>
+          </a:prstGeom>
+          <a:solidFill>
+            <a:srgbClr val="FFFFFF"/>
+          </a:solidFill>
+          <a:ln w="19050" cap="sq">
+            <a:solidFill>
+              <a:schemeClr val="tx2">
+                <a:lumMod val="60000"/>
+                <a:lumOff val="40000"/>
+                <a:alpha val="60000"/>
+              </a:schemeClr>
+            </a:solidFill>
+            <a:miter lim="800000"/>
+          </a:ln>
+          <a:effectLst>
+            <a:outerShdw blurRad="88900" dist="38100" dir="5400000" algn="t" rotWithShape="0">
+              <a:prstClr val="black">
+                <a:alpha val="40000"/>
+              </a:prstClr>
+            </a:outerShdw>
+          </a:effectLst>
+        </p:spPr>
+        <p:style>
+          <a:lnRef idx="2">
+            <a:schemeClr val="accent1">
+              <a:shade val="50000"/>
+            </a:schemeClr>
+          </a:lnRef>
+          <a:fillRef idx="1">
+            <a:schemeClr val="accent1"/>
+          </a:fillRef>
+          <a:effectRef idx="0">
+            <a:schemeClr val="accent1"/>
+          </a:effectRef>
+          <a:fontRef idx="minor">
+            <a:schemeClr val="lt1"/>
+          </a:fontRef>
+        </p:style>
+        <p:txBody>
+          <a:bodyPr rtlCol="0" anchor="ctr"/>
+          <a:lstStyle/>
+          <a:p>
+            <a:pPr algn="ctr"/>
+            <a:endParaRPr lang="en-US"/>
+          </a:p>
+        </p:txBody>
+      </p:sp>
+      <p:pic>
+        <p:nvPicPr>
+          <p:cNvPr id="8" name="Рисунок 7">
+            <a:extLst>
+              <a:ext uri="{FF2B5EF4-FFF2-40B4-BE49-F238E27FC236}">
+                <a16:creationId xmlns:a16="http://schemas.microsoft.com/office/drawing/2014/main" id="{77BFAE1B-A731-A59D-9775-C834AAA3FF72}"/>
+              </a:ext>
+            </a:extLst>
+          </p:cNvPr>
+          <p:cNvPicPr>
+            <a:picLocks noChangeAspect="1"/>
+          </p:cNvPicPr>
+          <p:nvPr/>
+        </p:nvPicPr>
+        <p:blipFill>
+          <a:blip r:embed="rId4"/>
+          <a:stretch>
+            <a:fillRect/>
+          </a:stretch>
+        </p:blipFill>
+        <p:spPr>
+          <a:xfrm>
+            <a:off x="1621016" y="1118771"/>
+            <a:ext cx="3648265" cy="1915339"/>
+          </a:xfrm>
+          <a:prstGeom prst="rect">
+            <a:avLst/>
+          </a:prstGeom>
+        </p:spPr>
+      </p:pic>
+      <p:sp>
+        <p:nvSpPr>
+          <p:cNvPr id="60" name="Round Diagonal Corner Rectangle 13">
+            <a:extLst>
+              <a:ext uri="{FF2B5EF4-FFF2-40B4-BE49-F238E27FC236}">
+                <a16:creationId xmlns:a16="http://schemas.microsoft.com/office/drawing/2014/main" id="{A1BCB55D-00A6-44C7-ADA5-422438AAEF7A}"/>
+              </a:ext>
+              <a:ext uri="{C183D7F6-B498-43B3-948B-1728B52AA6E4}">
+                <adec:decorative xmlns:adec="http://schemas.microsoft.com/office/drawing/2017/decorative" val="1"/>
+              </a:ext>
+            </a:extLst>
+          </p:cNvPr>
+          <p:cNvSpPr>
+            <a:spLocks noGrp="1" noRot="1" noChangeAspect="1" noMove="1" noResize="1" noEditPoints="1" noAdjustHandles="1" noChangeArrowheads="1" noChangeShapeType="1" noTextEdit="1"/>
+          </p:cNvSpPr>
+          <p:nvPr>
+            <p:extLst>
+              <p:ext uri="{386F3935-93C4-4BCD-93E2-E3B085C9AB24}">
+                <p16:designElem xmlns:p16="http://schemas.microsoft.com/office/powerpoint/2015/main" val="1"/>
+              </p:ext>
+            </p:extLst>
+          </p:nvPr>
+        </p:nvSpPr>
+        <p:spPr>
+          <a:xfrm>
+            <a:off x="798953" y="3505687"/>
+            <a:ext cx="2565764" cy="2536763"/>
+          </a:xfrm>
+          <a:prstGeom prst="round2DiagRect">
+            <a:avLst>
+              <a:gd name="adj1" fmla="val 0"/>
+              <a:gd name="adj2" fmla="val 0"/>
+            </a:avLst>
+          </a:prstGeom>
+          <a:solidFill>
+            <a:srgbClr val="FFFFFF"/>
+          </a:solidFill>
+          <a:ln w="19050" cap="sq">
+            <a:solidFill>
+              <a:schemeClr val="tx2">
+                <a:lumMod val="60000"/>
+                <a:lumOff val="40000"/>
+                <a:alpha val="60000"/>
+              </a:schemeClr>
+            </a:solidFill>
+            <a:miter lim="800000"/>
+          </a:ln>
+          <a:effectLst>
+            <a:outerShdw blurRad="88900" dist="38100" dir="5400000" algn="t" rotWithShape="0">
+              <a:prstClr val="black">
+                <a:alpha val="40000"/>
+              </a:prstClr>
+            </a:outerShdw>
+          </a:effectLst>
+        </p:spPr>
+        <p:style>
+          <a:lnRef idx="2">
+            <a:schemeClr val="accent1">
+              <a:shade val="50000"/>
+            </a:schemeClr>
+          </a:lnRef>
+          <a:fillRef idx="1">
+            <a:schemeClr val="accent1"/>
+          </a:fillRef>
+          <a:effectRef idx="0">
+            <a:schemeClr val="accent1"/>
+          </a:effectRef>
+          <a:fontRef idx="minor">
+            <a:schemeClr val="lt1"/>
+          </a:fontRef>
+        </p:style>
+        <p:txBody>
+          <a:bodyPr rtlCol="0" anchor="ctr"/>
+          <a:lstStyle/>
+          <a:p>
+            <a:pPr algn="ctr"/>
+            <a:endParaRPr lang="en-US"/>
+          </a:p>
+        </p:txBody>
+      </p:sp>
+      <p:pic>
+        <p:nvPicPr>
+          <p:cNvPr id="6" name="Рисунок 5">
+            <a:extLst>
+              <a:ext uri="{FF2B5EF4-FFF2-40B4-BE49-F238E27FC236}">
+                <a16:creationId xmlns:a16="http://schemas.microsoft.com/office/drawing/2014/main" id="{2ED54233-8D98-656D-D886-D7F4502C9B08}"/>
+              </a:ext>
+            </a:extLst>
+          </p:cNvPr>
+          <p:cNvPicPr>
+            <a:picLocks noChangeAspect="1"/>
+          </p:cNvPicPr>
+          <p:nvPr/>
+        </p:nvPicPr>
+        <p:blipFill>
+          <a:blip r:embed="rId5"/>
+          <a:stretch>
+            <a:fillRect/>
+          </a:stretch>
+        </p:blipFill>
+        <p:spPr>
+          <a:xfrm>
+            <a:off x="1135431" y="3827664"/>
+            <a:ext cx="1892808" cy="1892808"/>
+          </a:xfrm>
+          <a:prstGeom prst="rect">
+            <a:avLst/>
+          </a:prstGeom>
+        </p:spPr>
+      </p:pic>
+      <p:sp>
+        <p:nvSpPr>
+          <p:cNvPr id="62" name="Round Single Corner Rectangle 15">
+            <a:extLst>
+              <a:ext uri="{FF2B5EF4-FFF2-40B4-BE49-F238E27FC236}">
+                <a16:creationId xmlns:a16="http://schemas.microsoft.com/office/drawing/2014/main" id="{E007B31B-4CC0-4D45-8865-F0FEE8ABA94B}"/>
+              </a:ext>
+              <a:ext uri="{C183D7F6-B498-43B3-948B-1728B52AA6E4}">
+                <adec:decorative xmlns:adec="http://schemas.microsoft.com/office/drawing/2017/decorative" val="1"/>
+              </a:ext>
+            </a:extLst>
+          </p:cNvPr>
+          <p:cNvSpPr>
+            <a:spLocks noGrp="1" noRot="1" noChangeAspect="1" noMove="1" noResize="1" noEditPoints="1" noAdjustHandles="1" noChangeArrowheads="1" noChangeShapeType="1" noTextEdit="1"/>
+          </p:cNvSpPr>
+          <p:nvPr>
+            <p:extLst>
+              <p:ext uri="{386F3935-93C4-4BCD-93E2-E3B085C9AB24}">
+                <p16:designElem xmlns:p16="http://schemas.microsoft.com/office/powerpoint/2015/main" val="1"/>
+              </p:ext>
+            </p:extLst>
+          </p:nvPr>
+        </p:nvSpPr>
+        <p:spPr>
+          <a:xfrm flipV="1">
+            <a:off x="3525582" y="3505686"/>
+            <a:ext cx="2559743" cy="2536763"/>
+          </a:xfrm>
+          <a:prstGeom prst="round1Rect">
+            <a:avLst>
+              <a:gd name="adj" fmla="val 9975"/>
+            </a:avLst>
+          </a:prstGeom>
+          <a:solidFill>
+            <a:srgbClr val="FFFFFF"/>
+          </a:solidFill>
+          <a:ln w="19050" cap="sq">
+            <a:solidFill>
+              <a:schemeClr val="tx2">
+                <a:lumMod val="60000"/>
+                <a:lumOff val="40000"/>
+                <a:alpha val="60000"/>
+              </a:schemeClr>
+            </a:solidFill>
+            <a:miter lim="800000"/>
+          </a:ln>
+          <a:effectLst>
+            <a:outerShdw blurRad="88900" dist="38100" dir="5400000" algn="t" rotWithShape="0">
+              <a:prstClr val="black">
+                <a:alpha val="40000"/>
+              </a:prstClr>
+            </a:outerShdw>
+          </a:effectLst>
+        </p:spPr>
+        <p:style>
+          <a:lnRef idx="2">
+            <a:schemeClr val="accent1">
+              <a:shade val="50000"/>
+            </a:schemeClr>
+          </a:lnRef>
+          <a:fillRef idx="1">
+            <a:schemeClr val="accent1"/>
+          </a:fillRef>
+          <a:effectRef idx="0">
+            <a:schemeClr val="accent1"/>
+          </a:effectRef>
+          <a:fontRef idx="minor">
+            <a:schemeClr val="lt1"/>
+          </a:fontRef>
+        </p:style>
+        <p:txBody>
+          <a:bodyPr rot="0" spcFirstLastPara="0" vertOverflow="overflow" horzOverflow="overflow" vert="horz" wrap="square" lIns="91440" tIns="45720" rIns="91440" bIns="45720" numCol="1" spcCol="0" rtlCol="0" fromWordArt="0" anchor="ctr" anchorCtr="0" forceAA="0" compatLnSpc="1">
+            <a:prstTxWarp prst="textNoShape">
+              <a:avLst/>
+            </a:prstTxWarp>
+            <a:noAutofit/>
+          </a:bodyPr>
+          <a:lstStyle/>
+          <a:p>
+            <a:pPr algn="ctr"/>
+            <a:endParaRPr lang="en-US"/>
+          </a:p>
+        </p:txBody>
+      </p:sp>
+      <p:pic>
+        <p:nvPicPr>
+          <p:cNvPr id="10" name="Рисунок 9" descr="Изображение выглядит как текст, дисплей&#10;&#10;Автоматически созданное описание">
+            <a:extLst>
+              <a:ext uri="{FF2B5EF4-FFF2-40B4-BE49-F238E27FC236}">
+                <a16:creationId xmlns:a16="http://schemas.microsoft.com/office/drawing/2014/main" id="{B24A55D3-FECC-11F1-124F-1F9EA71B4AD7}"/>
+              </a:ext>
+            </a:extLst>
+          </p:cNvPr>
+          <p:cNvPicPr>
+            <a:picLocks noChangeAspect="1"/>
+          </p:cNvPicPr>
+          <p:nvPr/>
+        </p:nvPicPr>
+        <p:blipFill>
+          <a:blip r:embed="rId6"/>
+          <a:stretch>
+            <a:fillRect/>
+          </a:stretch>
+        </p:blipFill>
+        <p:spPr>
+          <a:xfrm>
+            <a:off x="3859049" y="3827663"/>
+            <a:ext cx="1892808" cy="1892808"/>
+          </a:xfrm>
+          <a:prstGeom prst="rect">
+            <a:avLst/>
+          </a:prstGeom>
+        </p:spPr>
+      </p:pic>
       <p:sp>
         <p:nvSpPr>
           <p:cNvPr id="3" name="TextBox 2">
@@ -13225,422 +17002,277 @@
         </p:nvSpPr>
         <p:spPr>
           <a:xfrm>
-            <a:off x="733246" y="1897811"/>
-            <a:ext cx="10964173" cy="4668137"/>
+            <a:off x="6613062" y="2211386"/>
+            <a:ext cx="5288426" cy="3145618"/>
           </a:xfrm>
           <a:prstGeom prst="rect">
             <a:avLst/>
           </a:prstGeom>
-          <a:noFill/>
-          <a:effectLst/>
         </p:spPr>
         <p:txBody>
-          <a:bodyPr wrap="square" rtlCol="0">
-            <a:spAutoFit/>
+          <a:bodyPr vert="horz" lIns="91440" tIns="45720" rIns="91440" bIns="45720" rtlCol="0">
+            <a:normAutofit/>
           </a:bodyPr>
           <a:lstStyle/>
           <a:p>
-            <a:pPr>
+            <a:pPr defTabSz="914400">
               <a:lnSpc>
-                <a:spcPct val="107000"/>
+                <a:spcPct val="120000"/>
               </a:lnSpc>
               <a:spcAft>
                 <a:spcPts val="800"/>
               </a:spcAft>
+              <a:buSzPct val="125000"/>
             </a:pPr>
             <a:r>
-              <a:rPr lang="en-US" sz="2400" dirty="0">
-                <a:effectLst/>
-                <a:ea typeface="Calibri" panose="020F0502020204030204" pitchFamily="34" charset="0"/>
-                <a:cs typeface="Times New Roman" panose="02020603050405020304" pitchFamily="18" charset="0"/>
-              </a:rPr>
-              <a:t>	</a:t>
-            </a:r>
-            <a:r>
-              <a:rPr lang="en-US" sz="2000" b="1" dirty="0">
+              <a:rPr lang="en-US" sz="2400" b="1" dirty="0">
                 <a:ln w="9525">
                   <a:solidFill>
                     <a:schemeClr val="bg1"/>
                   </a:solidFill>
                   <a:prstDash val="solid"/>
                 </a:ln>
-                <a:ea typeface="Calibri" panose="020F0502020204030204" pitchFamily="34" charset="0"/>
-                <a:cs typeface="Times New Roman" panose="02020603050405020304" pitchFamily="18" charset="0"/>
               </a:rPr>
-              <a:t>Microsoft SwiftKey</a:t>
+              <a:t>      </a:t>
             </a:r>
             <a:r>
-              <a:rPr lang="ru-RU" sz="2000" b="1" dirty="0">
+              <a:rPr lang="en-US" sz="2400" b="1" dirty="0" err="1">
                 <a:ln w="9525">
                   <a:solidFill>
                     <a:schemeClr val="bg1"/>
                   </a:solidFill>
                   <a:prstDash val="solid"/>
                 </a:ln>
-                <a:ea typeface="Calibri" panose="020F0502020204030204" pitchFamily="34" charset="0"/>
-                <a:cs typeface="Times New Roman" panose="02020603050405020304" pitchFamily="18" charset="0"/>
               </a:rPr>
-              <a:t> — это интеллектуальная клавиатура, которая изучает стиль письма определенного пользователя, помогая ему печатать быстрее</a:t>
+              <a:t>Будут</a:t>
             </a:r>
-          </a:p>
-          <a:p>
-            <a:pPr>
-              <a:lnSpc>
-                <a:spcPct val="107000"/>
-              </a:lnSpc>
-              <a:spcAft>
-                <a:spcPts val="800"/>
-              </a:spcAft>
-            </a:pPr>
             <a:r>
-              <a:rPr lang="ru-RU" sz="2000" b="1" dirty="0">
+              <a:rPr lang="en-US" sz="2400" b="1" dirty="0">
                 <a:ln w="9525">
                   <a:solidFill>
                     <a:schemeClr val="bg1"/>
                   </a:solidFill>
                   <a:prstDash val="solid"/>
                 </a:ln>
-                <a:ea typeface="Calibri" panose="020F0502020204030204" pitchFamily="34" charset="0"/>
-                <a:cs typeface="Times New Roman" panose="02020603050405020304" pitchFamily="18" charset="0"/>
               </a:rPr>
-              <a:t>	Список основных функций клавиатуры </a:t>
+              <a:t> </a:t>
             </a:r>
             <a:r>
-              <a:rPr lang="en-US" sz="2000" b="1" dirty="0">
+              <a:rPr lang="en-US" sz="2400" b="1" dirty="0" err="1">
                 <a:ln w="9525">
                   <a:solidFill>
                     <a:schemeClr val="bg1"/>
                   </a:solidFill>
                   <a:prstDash val="solid"/>
                 </a:ln>
-                <a:ea typeface="Calibri" panose="020F0502020204030204" pitchFamily="34" charset="0"/>
-                <a:cs typeface="Times New Roman" panose="02020603050405020304" pitchFamily="18" charset="0"/>
               </a:rPr>
-              <a:t>Microsoft SwiftKey</a:t>
+              <a:t>рассмотрены</a:t>
             </a:r>
             <a:r>
-              <a:rPr lang="ru-RU" sz="2000" b="1" dirty="0">
+              <a:rPr lang="en-US" sz="2400" b="1" dirty="0">
                 <a:ln w="9525">
                   <a:solidFill>
                     <a:schemeClr val="bg1"/>
                   </a:solidFill>
                   <a:prstDash val="solid"/>
                 </a:ln>
-                <a:ea typeface="Calibri" panose="020F0502020204030204" pitchFamily="34" charset="0"/>
-                <a:cs typeface="Times New Roman" panose="02020603050405020304" pitchFamily="18" charset="0"/>
               </a:rPr>
-              <a:t>:</a:t>
+              <a:t> в </a:t>
             </a:r>
-          </a:p>
-          <a:p>
-            <a:pPr marL="457200" indent="-457200">
-              <a:lnSpc>
-                <a:spcPct val="107000"/>
-              </a:lnSpc>
-              <a:buFont typeface="+mj-lt"/>
-              <a:buAutoNum type="arabicPeriod"/>
-            </a:pPr>
             <a:r>
-              <a:rPr lang="ru-RU" sz="2000" b="1" dirty="0">
+              <a:rPr lang="en-US" sz="2400" b="1" dirty="0" err="1">
                 <a:ln w="9525">
                   <a:solidFill>
                     <a:schemeClr val="bg1"/>
                   </a:solidFill>
                   <a:prstDash val="solid"/>
                 </a:ln>
-                <a:ea typeface="Calibri" panose="020F0502020204030204" pitchFamily="34" charset="0"/>
-                <a:cs typeface="Times New Roman" panose="02020603050405020304" pitchFamily="18" charset="0"/>
               </a:rPr>
-              <a:t>Проверка правописания и автоматическая подстановка текста;</a:t>
+              <a:t>качестве</a:t>
             </a:r>
-          </a:p>
-          <a:p>
-            <a:pPr marL="457200" indent="-457200">
-              <a:lnSpc>
-                <a:spcPct val="107000"/>
-              </a:lnSpc>
-              <a:buFont typeface="+mj-lt"/>
-              <a:buAutoNum type="arabicPeriod"/>
-            </a:pPr>
             <a:r>
-              <a:rPr lang="ru-RU" sz="2000" b="1" dirty="0">
+              <a:rPr lang="en-US" sz="2400" b="1" dirty="0">
                 <a:ln w="9525">
                   <a:solidFill>
                     <a:schemeClr val="bg1"/>
                   </a:solidFill>
                   <a:prstDash val="solid"/>
                 </a:ln>
-                <a:ea typeface="Calibri" panose="020F0502020204030204" pitchFamily="34" charset="0"/>
-                <a:cs typeface="Times New Roman" panose="02020603050405020304" pitchFamily="18" charset="0"/>
               </a:rPr>
-              <a:t>Клавиатура </a:t>
+              <a:t> </a:t>
             </a:r>
             <a:r>
-              <a:rPr lang="en-US" sz="2000" b="1" dirty="0">
+              <a:rPr lang="en-US" sz="2400" b="1" dirty="0" err="1">
                 <a:ln w="9525">
                   <a:solidFill>
                     <a:schemeClr val="bg1"/>
                   </a:solidFill>
                   <a:prstDash val="solid"/>
                 </a:ln>
-                <a:ea typeface="Calibri" panose="020F0502020204030204" pitchFamily="34" charset="0"/>
-                <a:cs typeface="Times New Roman" panose="02020603050405020304" pitchFamily="18" charset="0"/>
               </a:rPr>
-              <a:t>Emoji </a:t>
+              <a:t>примера</a:t>
             </a:r>
             <a:r>
-              <a:rPr lang="ru-RU" sz="2000" b="1" dirty="0">
+              <a:rPr lang="en-US" sz="2400" b="1" dirty="0">
                 <a:ln w="9525">
                   <a:solidFill>
                     <a:schemeClr val="bg1"/>
                   </a:solidFill>
                   <a:prstDash val="solid"/>
                 </a:ln>
-                <a:ea typeface="Calibri" panose="020F0502020204030204" pitchFamily="34" charset="0"/>
-                <a:cs typeface="Times New Roman" panose="02020603050405020304" pitchFamily="18" charset="0"/>
               </a:rPr>
-              <a:t>адаптируется к стилю печати пользователя;</a:t>
+              <a:t> </a:t>
             </a:r>
-          </a:p>
-          <a:p>
-            <a:pPr marL="457200" indent="-457200">
-              <a:lnSpc>
-                <a:spcPct val="107000"/>
-              </a:lnSpc>
-              <a:spcAft>
-                <a:spcPts val="800"/>
-              </a:spcAft>
-              <a:buFont typeface="+mj-lt"/>
-              <a:buAutoNum type="arabicPeriod"/>
-            </a:pPr>
             <a:r>
-              <a:rPr lang="ru-RU" sz="2000" b="1" dirty="0">
+              <a:rPr lang="en-US" sz="2400" b="1" dirty="0" err="1">
                 <a:ln w="9525">
                   <a:solidFill>
                     <a:schemeClr val="bg1"/>
                   </a:solidFill>
                   <a:prstDash val="solid"/>
                 </a:ln>
-                <a:ea typeface="Calibri" panose="020F0502020204030204" pitchFamily="34" charset="0"/>
-                <a:cs typeface="Times New Roman" panose="02020603050405020304" pitchFamily="18" charset="0"/>
               </a:rPr>
-              <a:t>Поддерживает более 400 языков</a:t>
+              <a:t>три</a:t>
             </a:r>
-          </a:p>
-          <a:p>
             <a:r>
-              <a:rPr lang="ru-RU" sz="2000" b="1" dirty="0">
+              <a:rPr lang="en-US" sz="2400" b="1" dirty="0">
                 <a:ln w="9525">
                   <a:solidFill>
                     <a:schemeClr val="bg1"/>
                   </a:solidFill>
                   <a:prstDash val="solid"/>
                 </a:ln>
-                <a:ea typeface="Calibri" panose="020F0502020204030204" pitchFamily="34" charset="0"/>
               </a:rPr>
-              <a:t>	Стандартная клавиатура поддерживает только сервис </a:t>
+              <a:t> </a:t>
             </a:r>
             <a:r>
-              <a:rPr lang="ru-RU" sz="2000" b="1" dirty="0" err="1">
+              <a:rPr lang="en-US" sz="2400" b="1" dirty="0" err="1">
                 <a:ln w="9525">
                   <a:solidFill>
                     <a:schemeClr val="bg1"/>
                   </a:solidFill>
                   <a:prstDash val="solid"/>
                 </a:ln>
-                <a:ea typeface="Calibri" panose="020F0502020204030204" pitchFamily="34" charset="0"/>
               </a:rPr>
-              <a:t>автодополнения</a:t>
+              <a:t>экранные</a:t>
             </a:r>
             <a:r>
-              <a:rPr lang="ru-RU" sz="2000" b="1" dirty="0">
+              <a:rPr lang="en-US" sz="2400" b="1" dirty="0">
                 <a:ln w="9525">
                   <a:solidFill>
                     <a:schemeClr val="bg1"/>
                   </a:solidFill>
                   <a:prstDash val="solid"/>
                 </a:ln>
-                <a:ea typeface="Calibri" panose="020F0502020204030204" pitchFamily="34" charset="0"/>
               </a:rPr>
-              <a:t> и абсолютно не обучаема под определенного пользователя</a:t>
+              <a:t> </a:t>
             </a:r>
-            <a:endParaRPr lang="en-US" sz="2000" b="1" dirty="0">
-              <a:ln w="9525">
-                <a:solidFill>
-                  <a:schemeClr val="bg1"/>
-                </a:solidFill>
-                <a:prstDash val="solid"/>
-              </a:ln>
-              <a:ea typeface="Calibri" panose="020F0502020204030204" pitchFamily="34" charset="0"/>
-            </a:endParaRPr>
-          </a:p>
-          <a:p>
             <a:r>
-              <a:rPr lang="en-US" sz="2000" b="1" dirty="0">
+              <a:rPr lang="en-US" sz="2400" b="1" dirty="0" err="1">
                 <a:ln w="9525">
                   <a:solidFill>
                     <a:schemeClr val="bg1"/>
                   </a:solidFill>
                   <a:prstDash val="solid"/>
                 </a:ln>
-                <a:ea typeface="Calibri" panose="020F0502020204030204" pitchFamily="34" charset="0"/>
-                <a:cs typeface="Times New Roman" panose="02020603050405020304" pitchFamily="18" charset="0"/>
               </a:rPr>
-              <a:t>	</a:t>
+              <a:t>клавиатуры</a:t>
             </a:r>
             <a:r>
-              <a:rPr lang="ru-RU" sz="2000" b="1" dirty="0">
+              <a:rPr lang="en-US" sz="2400" b="1" dirty="0">
                 <a:ln w="9525">
                   <a:solidFill>
                     <a:schemeClr val="bg1"/>
                   </a:solidFill>
                   <a:prstDash val="solid"/>
                 </a:ln>
-                <a:ea typeface="Calibri" panose="020F0502020204030204" pitchFamily="34" charset="0"/>
-                <a:cs typeface="Times New Roman" panose="02020603050405020304" pitchFamily="18" charset="0"/>
               </a:rPr>
-              <a:t>Экранная клавиатура </a:t>
+              <a:t>:</a:t>
             </a:r>
+          </a:p>
+          <a:p>
+            <a:pPr marL="457200" indent="-457200" defTabSz="914400">
+              <a:lnSpc>
+                <a:spcPct val="120000"/>
+              </a:lnSpc>
+              <a:spcAft>
+                <a:spcPts val="800"/>
+              </a:spcAft>
+              <a:buSzPct val="125000"/>
+              <a:buFont typeface="+mj-lt"/>
+              <a:buAutoNum type="arabicPeriod"/>
+            </a:pPr>
             <a:r>
-              <a:rPr lang="en-US" sz="2000" b="1" dirty="0">
+              <a:rPr lang="en-US" sz="2400" b="1" dirty="0">
                 <a:ln w="9525">
                   <a:solidFill>
                     <a:schemeClr val="bg1"/>
                   </a:solidFill>
                   <a:prstDash val="solid"/>
                 </a:ln>
-                <a:ea typeface="Calibri" panose="020F0502020204030204" pitchFamily="34" charset="0"/>
-                <a:cs typeface="Times New Roman" panose="02020603050405020304" pitchFamily="18" charset="0"/>
               </a:rPr>
-              <a:t>windows </a:t>
+              <a:t>Microsoft SwiftKey;</a:t>
             </a:r>
+          </a:p>
+          <a:p>
+            <a:pPr marL="457200" indent="-457200" defTabSz="914400">
+              <a:lnSpc>
+                <a:spcPct val="120000"/>
+              </a:lnSpc>
+              <a:spcAft>
+                <a:spcPts val="800"/>
+              </a:spcAft>
+              <a:buSzPct val="125000"/>
+              <a:buFont typeface="+mj-lt"/>
+              <a:buAutoNum type="arabicPeriod"/>
+            </a:pPr>
             <a:r>
-              <a:rPr lang="ru-RU" sz="2000" b="1" dirty="0">
+              <a:rPr lang="en-US" sz="2400" b="1" dirty="0" err="1">
                 <a:ln w="9525">
                   <a:solidFill>
                     <a:schemeClr val="bg1"/>
                   </a:solidFill>
                   <a:prstDash val="solid"/>
                 </a:ln>
-                <a:ea typeface="Calibri" panose="020F0502020204030204" pitchFamily="34" charset="0"/>
-                <a:cs typeface="Times New Roman" panose="02020603050405020304" pitchFamily="18" charset="0"/>
               </a:rPr>
-              <a:t>10 поддерживает не только </a:t>
+              <a:t>Gboard</a:t>
             </a:r>
             <a:r>
-              <a:rPr lang="ru-RU" sz="2000" b="1" dirty="0" err="1">
+              <a:rPr lang="en-US" sz="2400" b="1" dirty="0">
                 <a:ln w="9525">
                   <a:solidFill>
                     <a:schemeClr val="bg1"/>
                   </a:solidFill>
                   <a:prstDash val="solid"/>
                 </a:ln>
-                <a:ea typeface="Calibri" panose="020F0502020204030204" pitchFamily="34" charset="0"/>
-                <a:cs typeface="Times New Roman" panose="02020603050405020304" pitchFamily="18" charset="0"/>
               </a:rPr>
-              <a:t>автодополнение</a:t>
+              <a:t>;</a:t>
             </a:r>
+          </a:p>
+          <a:p>
+            <a:pPr marL="457200" indent="-457200" defTabSz="914400">
+              <a:lnSpc>
+                <a:spcPct val="120000"/>
+              </a:lnSpc>
+              <a:spcAft>
+                <a:spcPts val="800"/>
+              </a:spcAft>
+              <a:buSzPct val="125000"/>
+              <a:buFont typeface="+mj-lt"/>
+              <a:buAutoNum type="arabicPeriod"/>
+            </a:pPr>
             <a:r>
-              <a:rPr lang="ru-RU" sz="2000" b="1" dirty="0">
+              <a:rPr lang="en-US" sz="2400" b="1" dirty="0">
                 <a:ln w="9525">
                   <a:solidFill>
                     <a:schemeClr val="bg1"/>
                   </a:solidFill>
                   <a:prstDash val="solid"/>
                 </a:ln>
-                <a:ea typeface="Calibri" panose="020F0502020204030204" pitchFamily="34" charset="0"/>
-                <a:cs typeface="Times New Roman" panose="02020603050405020304" pitchFamily="18" charset="0"/>
               </a:rPr>
-              <a:t>, но и предиктивный ввод, и, как и стандартные клавиатуры, не обучаема</a:t>
+              <a:t>Windows 10</a:t>
             </a:r>
-            <a:endParaRPr lang="en-US" sz="2000" b="1" dirty="0">
-              <a:ln w="9525">
-                <a:solidFill>
-                  <a:schemeClr val="bg1"/>
-                </a:solidFill>
-                <a:prstDash val="solid"/>
-              </a:ln>
-              <a:ea typeface="Calibri" panose="020F0502020204030204" pitchFamily="34" charset="0"/>
-              <a:cs typeface="Times New Roman" panose="02020603050405020304" pitchFamily="18" charset="0"/>
-            </a:endParaRPr>
-          </a:p>
-          <a:p>
-            <a:pPr indent="449580">
-              <a:spcAft>
-                <a:spcPts val="800"/>
-              </a:spcAft>
-            </a:pPr>
-            <a:r>
-              <a:rPr lang="ru-RU" sz="2000" b="1" dirty="0">
-                <a:ln w="9525">
-                  <a:solidFill>
-                    <a:schemeClr val="bg1"/>
-                  </a:solidFill>
-                  <a:prstDash val="solid"/>
-                </a:ln>
-                <a:ea typeface="Calibri" panose="020F0502020204030204" pitchFamily="34" charset="0"/>
-              </a:rPr>
-              <a:t>Некоторые особенности клавиатуры </a:t>
-            </a:r>
-            <a:r>
-              <a:rPr lang="en-US" sz="2000" b="1" dirty="0">
-                <a:ln w="9525">
-                  <a:solidFill>
-                    <a:schemeClr val="bg1"/>
-                  </a:solidFill>
-                  <a:prstDash val="solid"/>
-                </a:ln>
-                <a:ea typeface="Calibri" panose="020F0502020204030204" pitchFamily="34" charset="0"/>
-              </a:rPr>
-              <a:t>Microsoft SwiftKey </a:t>
-            </a:r>
-            <a:r>
-              <a:rPr lang="ru-RU" sz="2000" b="1" dirty="0">
-                <a:ln w="9525">
-                  <a:solidFill>
-                    <a:schemeClr val="bg1"/>
-                  </a:solidFill>
-                  <a:prstDash val="solid"/>
-                </a:ln>
-                <a:ea typeface="Calibri" panose="020F0502020204030204" pitchFamily="34" charset="0"/>
-              </a:rPr>
-              <a:t>будут позаимствованы</a:t>
-            </a:r>
-            <a:r>
-              <a:rPr lang="en-US" sz="2000" b="1" dirty="0">
-                <a:ln w="9525">
-                  <a:solidFill>
-                    <a:schemeClr val="bg1"/>
-                  </a:solidFill>
-                  <a:prstDash val="solid"/>
-                </a:ln>
-                <a:ea typeface="Calibri" panose="020F0502020204030204" pitchFamily="34" charset="0"/>
-              </a:rPr>
-              <a:t> </a:t>
-            </a:r>
-            <a:r>
-              <a:rPr lang="ru-RU" sz="2000" b="1" dirty="0">
-                <a:ln w="9525">
-                  <a:solidFill>
-                    <a:schemeClr val="bg1"/>
-                  </a:solidFill>
-                  <a:prstDash val="solid"/>
-                </a:ln>
-                <a:ea typeface="Calibri" panose="020F0502020204030204" pitchFamily="34" charset="0"/>
-              </a:rPr>
-              <a:t>при выполнении данной выпускной квалификационной работы</a:t>
-            </a:r>
-            <a:endParaRPr lang="ru-RU" sz="2000" b="1" dirty="0">
-              <a:ln w="9525">
-                <a:solidFill>
-                  <a:schemeClr val="bg1"/>
-                </a:solidFill>
-                <a:prstDash val="solid"/>
-              </a:ln>
-            </a:endParaRPr>
-          </a:p>
-          <a:p>
-            <a:endParaRPr lang="ru-RU" dirty="0"/>
+            <a:endParaRPr lang="en-US" sz="2400" dirty="0"/>
           </a:p>
         </p:txBody>
       </p:sp>
@@ -13691,6 +17323,10 @@
           </p:nvPr>
         </p:nvSpPr>
         <p:spPr>
+          <a:xfrm>
+            <a:off x="1141413" y="310551"/>
+            <a:ext cx="9905998" cy="1207698"/>
+          </a:xfrm>
           <a:effectLst/>
         </p:spPr>
         <p:txBody>
@@ -13698,17 +17334,6 @@
           <a:lstStyle/>
           <a:p>
             <a:pPr algn="ctr"/>
-            <a:r>
-              <a:rPr lang="en-US" b="1" cap="none" dirty="0">
-                <a:ln w="9525">
-                  <a:solidFill>
-                    <a:schemeClr val="bg1"/>
-                  </a:solidFill>
-                  <a:prstDash val="solid"/>
-                </a:ln>
-              </a:rPr>
-              <a:t>5) </a:t>
-            </a:r>
             <a:r>
               <a:rPr lang="ru-RU" b="1" cap="none" dirty="0">
                 <a:ln w="9525">
@@ -13737,8 +17362,8 @@
         </p:nvSpPr>
         <p:spPr>
           <a:xfrm>
-            <a:off x="1141413" y="1829669"/>
-            <a:ext cx="9905998" cy="4523803"/>
+            <a:off x="457050" y="1415601"/>
+            <a:ext cx="11274724" cy="5314147"/>
           </a:xfrm>
           <a:prstGeom prst="rect">
             <a:avLst/>
@@ -13890,13 +17515,224 @@
               </a:rPr>
               <a:t>Должна обучаться под конкретного пользователя, анализируя его набор текста и его использование рекомендаций, предложенных клавиатурой</a:t>
             </a:r>
+            <a:r>
+              <a:rPr lang="en-US" sz="2400" b="1" dirty="0">
+                <a:ln w="9525">
+                  <a:solidFill>
+                    <a:schemeClr val="bg1"/>
+                  </a:solidFill>
+                  <a:prstDash val="solid"/>
+                </a:ln>
+                <a:ea typeface="Calibri" panose="020F0502020204030204" pitchFamily="34" charset="0"/>
+                <a:cs typeface="Times New Roman" panose="02020603050405020304" pitchFamily="18" charset="0"/>
+              </a:rPr>
+              <a:t>;</a:t>
+            </a:r>
+          </a:p>
+          <a:p>
+            <a:pPr marL="914400" lvl="1" indent="-457200">
+              <a:lnSpc>
+                <a:spcPct val="107000"/>
+              </a:lnSpc>
+              <a:buFontTx/>
+              <a:buAutoNum type="arabicPeriod"/>
+            </a:pPr>
+            <a:r>
+              <a:rPr lang="ru-RU" sz="2400" b="1" dirty="0">
+                <a:ln w="9525">
+                  <a:solidFill>
+                    <a:schemeClr val="bg1"/>
+                  </a:solidFill>
+                  <a:prstDash val="solid"/>
+                </a:ln>
+                <a:ea typeface="Calibri" panose="020F0502020204030204" pitchFamily="34" charset="0"/>
+                <a:cs typeface="Times New Roman" panose="02020603050405020304" pitchFamily="18" charset="0"/>
+              </a:rPr>
+              <a:t>Должна иметься возможность менять в настройках приложения цвет, шрифт и раскладку клавиатуры;</a:t>
+            </a:r>
+          </a:p>
+          <a:p>
+            <a:pPr marL="914400" lvl="1" indent="-457200">
+              <a:lnSpc>
+                <a:spcPct val="107000"/>
+              </a:lnSpc>
+              <a:buFontTx/>
+              <a:buAutoNum type="arabicPeriod"/>
+            </a:pPr>
+            <a:r>
+              <a:rPr lang="ru-RU" sz="2400" b="1" dirty="0">
+                <a:ln w="9525">
+                  <a:solidFill>
+                    <a:schemeClr val="bg1"/>
+                  </a:solidFill>
+                  <a:prstDash val="solid"/>
+                </a:ln>
+                <a:ea typeface="Calibri" panose="020F0502020204030204" pitchFamily="34" charset="0"/>
+                <a:cs typeface="Times New Roman" panose="02020603050405020304" pitchFamily="18" charset="0"/>
+              </a:rPr>
+              <a:t>Должна иметься возможность авторизации и регистрации в приложении</a:t>
+            </a:r>
+            <a:endParaRPr lang="en-US" sz="2400" b="1" dirty="0">
+              <a:ln w="9525">
+                <a:solidFill>
+                  <a:schemeClr val="bg1"/>
+                </a:solidFill>
+                <a:prstDash val="solid"/>
+              </a:ln>
+              <a:ea typeface="Calibri" panose="020F0502020204030204" pitchFamily="34" charset="0"/>
+              <a:cs typeface="Times New Roman" panose="02020603050405020304" pitchFamily="18" charset="0"/>
+            </a:endParaRPr>
           </a:p>
         </p:txBody>
       </p:sp>
+      <p:pic>
+        <p:nvPicPr>
+          <p:cNvPr id="5" name="Рисунок 4" descr="Флажок со сплошной заливкой">
+            <a:extLst>
+              <a:ext uri="{FF2B5EF4-FFF2-40B4-BE49-F238E27FC236}">
+                <a16:creationId xmlns:a16="http://schemas.microsoft.com/office/drawing/2014/main" id="{F8CF3850-DFBA-807A-B35B-3EDD103B4087}"/>
+              </a:ext>
+            </a:extLst>
+          </p:cNvPr>
+          <p:cNvPicPr>
+            <a:picLocks noChangeAspect="1"/>
+          </p:cNvPicPr>
+          <p:nvPr/>
+        </p:nvPicPr>
+        <p:blipFill>
+          <a:blip r:embed="rId2">
+            <a:extLst>
+              <a:ext uri="{96DAC541-7B7A-43D3-8B79-37D633B846F1}">
+                <asvg:svgBlip xmlns:asvg="http://schemas.microsoft.com/office/drawing/2016/SVG/main" r:embed="rId3"/>
+              </a:ext>
+            </a:extLst>
+          </a:blip>
+          <a:stretch>
+            <a:fillRect/>
+          </a:stretch>
+        </p:blipFill>
+        <p:spPr>
+          <a:xfrm>
+            <a:off x="517284" y="1930880"/>
+            <a:ext cx="445696" cy="445696"/>
+          </a:xfrm>
+          <a:prstGeom prst="rect">
+            <a:avLst/>
+          </a:prstGeom>
+        </p:spPr>
+      </p:pic>
+      <p:pic>
+        <p:nvPicPr>
+          <p:cNvPr id="6" name="Рисунок 5" descr="Флажок со сплошной заливкой">
+            <a:extLst>
+              <a:ext uri="{FF2B5EF4-FFF2-40B4-BE49-F238E27FC236}">
+                <a16:creationId xmlns:a16="http://schemas.microsoft.com/office/drawing/2014/main" id="{B1976CCF-7416-20A2-7384-2E7FB1863C0B}"/>
+              </a:ext>
+            </a:extLst>
+          </p:cNvPr>
+          <p:cNvPicPr>
+            <a:picLocks noChangeAspect="1"/>
+          </p:cNvPicPr>
+          <p:nvPr/>
+        </p:nvPicPr>
+        <p:blipFill>
+          <a:blip r:embed="rId2">
+            <a:extLst>
+              <a:ext uri="{96DAC541-7B7A-43D3-8B79-37D633B846F1}">
+                <asvg:svgBlip xmlns:asvg="http://schemas.microsoft.com/office/drawing/2016/SVG/main" r:embed="rId3"/>
+              </a:ext>
+            </a:extLst>
+          </a:blip>
+          <a:stretch>
+            <a:fillRect/>
+          </a:stretch>
+        </p:blipFill>
+        <p:spPr>
+          <a:xfrm>
+            <a:off x="517284" y="2307564"/>
+            <a:ext cx="445696" cy="445696"/>
+          </a:xfrm>
+          <a:prstGeom prst="rect">
+            <a:avLst/>
+          </a:prstGeom>
+        </p:spPr>
+      </p:pic>
+      <p:pic>
+        <p:nvPicPr>
+          <p:cNvPr id="7" name="Рисунок 6" descr="Флажок со сплошной заливкой">
+            <a:extLst>
+              <a:ext uri="{FF2B5EF4-FFF2-40B4-BE49-F238E27FC236}">
+                <a16:creationId xmlns:a16="http://schemas.microsoft.com/office/drawing/2014/main" id="{CF40D0C4-A462-B5EF-0261-B862C70B4724}"/>
+              </a:ext>
+            </a:extLst>
+          </p:cNvPr>
+          <p:cNvPicPr>
+            <a:picLocks noChangeAspect="1"/>
+          </p:cNvPicPr>
+          <p:nvPr/>
+        </p:nvPicPr>
+        <p:blipFill>
+          <a:blip r:embed="rId2">
+            <a:extLst>
+              <a:ext uri="{96DAC541-7B7A-43D3-8B79-37D633B846F1}">
+                <asvg:svgBlip xmlns:asvg="http://schemas.microsoft.com/office/drawing/2016/SVG/main" r:embed="rId3"/>
+              </a:ext>
+            </a:extLst>
+          </a:blip>
+          <a:stretch>
+            <a:fillRect/>
+          </a:stretch>
+        </p:blipFill>
+        <p:spPr>
+          <a:xfrm>
+            <a:off x="517284" y="3071869"/>
+            <a:ext cx="445696" cy="445696"/>
+          </a:xfrm>
+          <a:prstGeom prst="rect">
+            <a:avLst/>
+          </a:prstGeom>
+        </p:spPr>
+      </p:pic>
+      <p:pic>
+        <p:nvPicPr>
+          <p:cNvPr id="8" name="Рисунок 7" descr="Флажок со сплошной заливкой">
+            <a:extLst>
+              <a:ext uri="{FF2B5EF4-FFF2-40B4-BE49-F238E27FC236}">
+                <a16:creationId xmlns:a16="http://schemas.microsoft.com/office/drawing/2014/main" id="{F3DEBD8F-9309-A377-C7E2-568B64E0BBAE}"/>
+              </a:ext>
+            </a:extLst>
+          </p:cNvPr>
+          <p:cNvPicPr>
+            <a:picLocks noChangeAspect="1"/>
+          </p:cNvPicPr>
+          <p:nvPr/>
+        </p:nvPicPr>
+        <p:blipFill>
+          <a:blip r:embed="rId2">
+            <a:extLst>
+              <a:ext uri="{96DAC541-7B7A-43D3-8B79-37D633B846F1}">
+                <asvg:svgBlip xmlns:asvg="http://schemas.microsoft.com/office/drawing/2016/SVG/main" r:embed="rId3"/>
+              </a:ext>
+            </a:extLst>
+          </a:blip>
+          <a:stretch>
+            <a:fillRect/>
+          </a:stretch>
+        </p:blipFill>
+        <p:spPr>
+          <a:xfrm>
+            <a:off x="517284" y="4622615"/>
+            <a:ext cx="445696" cy="445696"/>
+          </a:xfrm>
+          <a:prstGeom prst="rect">
+            <a:avLst/>
+          </a:prstGeom>
+        </p:spPr>
+      </p:pic>
     </p:spTree>
     <p:extLst>
       <p:ext uri="{BB962C8B-B14F-4D97-AF65-F5344CB8AC3E}">
-        <p14:creationId xmlns:p14="http://schemas.microsoft.com/office/powerpoint/2010/main" val="3250987582"/>
+        <p14:creationId xmlns:p14="http://schemas.microsoft.com/office/powerpoint/2010/main" val="3853851908"/>
       </p:ext>
     </p:extLst>
   </p:cSld>
@@ -17469,7 +21305,7 @@
                   <a:prstDash val="solid"/>
                 </a:ln>
               </a:rPr>
-              <a:t>6) ИНСТРУМЕНТЫ РАЗРАБОТКИ</a:t>
+              <a:t>ИНСТРУМЕНТЫ РАЗРАБОТКИ</a:t>
             </a:r>
           </a:p>
         </p:txBody>

--- a/Фархетдинов - Презентация по ВКР.pptx
+++ b/Фархетдинов - Презентация по ВКР.pptx
@@ -167,7 +167,7 @@
           <a:noFill/>
           <a:extLst>
             <a:ext uri="{909E8E84-426E-40dd-AFC4-6F175D3DCCD1}">
-              <a14:hiddenFill xmlns="" xmlns:a14="http://schemas.microsoft.com/office/drawing/2010/main">
+              <a14:hiddenFill xmlns:a14="http://schemas.microsoft.com/office/drawing/2010/main" xmlns="">
                 <a:solidFill>
                   <a:srgbClr val="FFFFFF"/>
                 </a:solidFill>
@@ -227,7 +227,7 @@
             </a:ln>
             <a:extLst>
               <a:ext uri="{91240B29-F687-4f45-9708-019B960494DF}">
-                <a14:hiddenLine xmlns="" xmlns:a14="http://schemas.microsoft.com/office/drawing/2010/main" w="9525">
+                <a14:hiddenLine xmlns:a14="http://schemas.microsoft.com/office/drawing/2010/main" xmlns="" w="9525">
                   <a:solidFill>
                     <a:srgbClr val="000000"/>
                   </a:solidFill>
@@ -317,7 +317,7 @@
             </a:ln>
             <a:extLst>
               <a:ext uri="{91240B29-F687-4f45-9708-019B960494DF}">
-                <a14:hiddenLine xmlns="" xmlns:a14="http://schemas.microsoft.com/office/drawing/2010/main" w="9525">
+                <a14:hiddenLine xmlns:a14="http://schemas.microsoft.com/office/drawing/2010/main" xmlns="" w="9525">
                   <a:solidFill>
                     <a:srgbClr val="000000"/>
                   </a:solidFill>
@@ -407,7 +407,7 @@
             </a:ln>
             <a:extLst>
               <a:ext uri="{91240B29-F687-4f45-9708-019B960494DF}">
-                <a14:hiddenLine xmlns="" xmlns:a14="http://schemas.microsoft.com/office/drawing/2010/main" w="9525">
+                <a14:hiddenLine xmlns:a14="http://schemas.microsoft.com/office/drawing/2010/main" xmlns="" w="9525">
                   <a:solidFill>
                     <a:srgbClr val="000000"/>
                   </a:solidFill>
@@ -441,7 +441,7 @@
             </a:ln>
             <a:extLst>
               <a:ext uri="{91240B29-F687-4f45-9708-019B960494DF}">
-                <a14:hiddenLine xmlns="" xmlns:a14="http://schemas.microsoft.com/office/drawing/2010/main" w="9525">
+                <a14:hiddenLine xmlns:a14="http://schemas.microsoft.com/office/drawing/2010/main" xmlns="" w="9525">
                   <a:solidFill>
                     <a:srgbClr val="000000"/>
                   </a:solidFill>
@@ -531,7 +531,7 @@
             </a:ln>
             <a:extLst>
               <a:ext uri="{91240B29-F687-4f45-9708-019B960494DF}">
-                <a14:hiddenLine xmlns="" xmlns:a14="http://schemas.microsoft.com/office/drawing/2010/main" w="9525">
+                <a14:hiddenLine xmlns:a14="http://schemas.microsoft.com/office/drawing/2010/main" xmlns="" w="9525">
                   <a:solidFill>
                     <a:srgbClr val="000000"/>
                   </a:solidFill>
@@ -593,7 +593,7 @@
             </a:ln>
             <a:extLst>
               <a:ext uri="{91240B29-F687-4f45-9708-019B960494DF}">
-                <a14:hiddenLine xmlns="" xmlns:a14="http://schemas.microsoft.com/office/drawing/2010/main" w="9525">
+                <a14:hiddenLine xmlns:a14="http://schemas.microsoft.com/office/drawing/2010/main" xmlns="" w="9525">
                   <a:solidFill>
                     <a:srgbClr val="000000"/>
                   </a:solidFill>
@@ -655,7 +655,7 @@
             </a:ln>
             <a:extLst>
               <a:ext uri="{91240B29-F687-4f45-9708-019B960494DF}">
-                <a14:hiddenLine xmlns="" xmlns:a14="http://schemas.microsoft.com/office/drawing/2010/main" w="9525">
+                <a14:hiddenLine xmlns:a14="http://schemas.microsoft.com/office/drawing/2010/main" xmlns="" w="9525">
                   <a:solidFill>
                     <a:srgbClr val="000000"/>
                   </a:solidFill>
@@ -745,7 +745,7 @@
             </a:ln>
             <a:extLst>
               <a:ext uri="{91240B29-F687-4f45-9708-019B960494DF}">
-                <a14:hiddenLine xmlns="" xmlns:a14="http://schemas.microsoft.com/office/drawing/2010/main" w="9525">
+                <a14:hiddenLine xmlns:a14="http://schemas.microsoft.com/office/drawing/2010/main" xmlns="" w="9525">
                   <a:solidFill>
                     <a:srgbClr val="000000"/>
                   </a:solidFill>
@@ -807,7 +807,7 @@
             </a:ln>
             <a:extLst>
               <a:ext uri="{91240B29-F687-4f45-9708-019B960494DF}">
-                <a14:hiddenLine xmlns="" xmlns:a14="http://schemas.microsoft.com/office/drawing/2010/main" w="9525">
+                <a14:hiddenLine xmlns:a14="http://schemas.microsoft.com/office/drawing/2010/main" xmlns="" w="9525">
                   <a:solidFill>
                     <a:srgbClr val="000000"/>
                   </a:solidFill>
@@ -869,7 +869,7 @@
             </a:ln>
             <a:extLst>
               <a:ext uri="{91240B29-F687-4f45-9708-019B960494DF}">
-                <a14:hiddenLine xmlns="" xmlns:a14="http://schemas.microsoft.com/office/drawing/2010/main" w="9525">
+                <a14:hiddenLine xmlns:a14="http://schemas.microsoft.com/office/drawing/2010/main" xmlns="" w="9525">
                   <a:solidFill>
                     <a:srgbClr val="000000"/>
                   </a:solidFill>
@@ -959,7 +959,7 @@
             </a:ln>
             <a:extLst>
               <a:ext uri="{91240B29-F687-4f45-9708-019B960494DF}">
-                <a14:hiddenLine xmlns="" xmlns:a14="http://schemas.microsoft.com/office/drawing/2010/main" w="9525">
+                <a14:hiddenLine xmlns:a14="http://schemas.microsoft.com/office/drawing/2010/main" xmlns="" w="9525">
                   <a:solidFill>
                     <a:srgbClr val="000000"/>
                   </a:solidFill>
@@ -1049,7 +1049,7 @@
             </a:ln>
             <a:extLst>
               <a:ext uri="{91240B29-F687-4f45-9708-019B960494DF}">
-                <a14:hiddenLine xmlns="" xmlns:a14="http://schemas.microsoft.com/office/drawing/2010/main" w="9525">
+                <a14:hiddenLine xmlns:a14="http://schemas.microsoft.com/office/drawing/2010/main" xmlns="" w="9525">
                   <a:solidFill>
                     <a:srgbClr val="000000"/>
                   </a:solidFill>
@@ -1111,7 +1111,7 @@
             </a:ln>
             <a:extLst>
               <a:ext uri="{91240B29-F687-4f45-9708-019B960494DF}">
-                <a14:hiddenLine xmlns="" xmlns:a14="http://schemas.microsoft.com/office/drawing/2010/main" w="9525">
+                <a14:hiddenLine xmlns:a14="http://schemas.microsoft.com/office/drawing/2010/main" xmlns="" w="9525">
                   <a:solidFill>
                     <a:srgbClr val="000000"/>
                   </a:solidFill>
@@ -1221,7 +1221,7 @@
             </a:ln>
             <a:extLst>
               <a:ext uri="{91240B29-F687-4f45-9708-019B960494DF}">
-                <a14:hiddenLine xmlns="" xmlns:a14="http://schemas.microsoft.com/office/drawing/2010/main" w="9525">
+                <a14:hiddenLine xmlns:a14="http://schemas.microsoft.com/office/drawing/2010/main" xmlns="" w="9525">
                   <a:solidFill>
                     <a:srgbClr val="000000"/>
                   </a:solidFill>
@@ -1283,7 +1283,7 @@
             </a:ln>
             <a:extLst>
               <a:ext uri="{91240B29-F687-4f45-9708-019B960494DF}">
-                <a14:hiddenLine xmlns="" xmlns:a14="http://schemas.microsoft.com/office/drawing/2010/main" w="9525">
+                <a14:hiddenLine xmlns:a14="http://schemas.microsoft.com/office/drawing/2010/main" xmlns="" w="9525">
                   <a:solidFill>
                     <a:srgbClr val="000000"/>
                   </a:solidFill>
@@ -1373,7 +1373,7 @@
             </a:ln>
             <a:extLst>
               <a:ext uri="{91240B29-F687-4f45-9708-019B960494DF}">
-                <a14:hiddenLine xmlns="" xmlns:a14="http://schemas.microsoft.com/office/drawing/2010/main" w="9525">
+                <a14:hiddenLine xmlns:a14="http://schemas.microsoft.com/office/drawing/2010/main" xmlns="" w="9525">
                   <a:solidFill>
                     <a:srgbClr val="000000"/>
                   </a:solidFill>
@@ -1463,7 +1463,7 @@
             </a:ln>
             <a:extLst>
               <a:ext uri="{91240B29-F687-4f45-9708-019B960494DF}">
-                <a14:hiddenLine xmlns="" xmlns:a14="http://schemas.microsoft.com/office/drawing/2010/main" w="9525">
+                <a14:hiddenLine xmlns:a14="http://schemas.microsoft.com/office/drawing/2010/main" xmlns="" w="9525">
                   <a:solidFill>
                     <a:srgbClr val="000000"/>
                   </a:solidFill>
@@ -1525,7 +1525,7 @@
             </a:ln>
             <a:extLst>
               <a:ext uri="{91240B29-F687-4f45-9708-019B960494DF}">
-                <a14:hiddenLine xmlns="" xmlns:a14="http://schemas.microsoft.com/office/drawing/2010/main" w="9525">
+                <a14:hiddenLine xmlns:a14="http://schemas.microsoft.com/office/drawing/2010/main" xmlns="" w="9525">
                   <a:solidFill>
                     <a:srgbClr val="000000"/>
                   </a:solidFill>
@@ -1615,7 +1615,7 @@
             </a:ln>
             <a:extLst>
               <a:ext uri="{91240B29-F687-4f45-9708-019B960494DF}">
-                <a14:hiddenLine xmlns="" xmlns:a14="http://schemas.microsoft.com/office/drawing/2010/main" w="9525">
+                <a14:hiddenLine xmlns:a14="http://schemas.microsoft.com/office/drawing/2010/main" xmlns="" w="9525">
                   <a:solidFill>
                     <a:srgbClr val="000000"/>
                   </a:solidFill>
@@ -1705,7 +1705,7 @@
             </a:ln>
             <a:extLst>
               <a:ext uri="{91240B29-F687-4f45-9708-019B960494DF}">
-                <a14:hiddenLine xmlns="" xmlns:a14="http://schemas.microsoft.com/office/drawing/2010/main" w="9525">
+                <a14:hiddenLine xmlns:a14="http://schemas.microsoft.com/office/drawing/2010/main" xmlns="" w="9525">
                   <a:solidFill>
                     <a:srgbClr val="000000"/>
                   </a:solidFill>
@@ -1761,7 +1761,7 @@
             </a:ln>
             <a:extLst>
               <a:ext uri="{91240B29-F687-4f45-9708-019B960494DF}">
-                <a14:hiddenLine xmlns="" xmlns:a14="http://schemas.microsoft.com/office/drawing/2010/main" w="9525">
+                <a14:hiddenLine xmlns:a14="http://schemas.microsoft.com/office/drawing/2010/main" xmlns="" w="9525">
                   <a:solidFill>
                     <a:srgbClr val="000000"/>
                   </a:solidFill>
@@ -1851,7 +1851,7 @@
             </a:ln>
             <a:extLst>
               <a:ext uri="{91240B29-F687-4f45-9708-019B960494DF}">
-                <a14:hiddenLine xmlns="" xmlns:a14="http://schemas.microsoft.com/office/drawing/2010/main" w="9525">
+                <a14:hiddenLine xmlns:a14="http://schemas.microsoft.com/office/drawing/2010/main" xmlns="" w="9525">
                   <a:solidFill>
                     <a:srgbClr val="000000"/>
                   </a:solidFill>
@@ -1907,7 +1907,7 @@
             </a:ln>
             <a:extLst>
               <a:ext uri="{91240B29-F687-4f45-9708-019B960494DF}">
-                <a14:hiddenLine xmlns="" xmlns:a14="http://schemas.microsoft.com/office/drawing/2010/main" w="9525">
+                <a14:hiddenLine xmlns:a14="http://schemas.microsoft.com/office/drawing/2010/main" xmlns="" w="9525">
                   <a:solidFill>
                     <a:srgbClr val="000000"/>
                   </a:solidFill>
@@ -1997,7 +1997,7 @@
             </a:ln>
             <a:extLst>
               <a:ext uri="{91240B29-F687-4f45-9708-019B960494DF}">
-                <a14:hiddenLine xmlns="" xmlns:a14="http://schemas.microsoft.com/office/drawing/2010/main" w="9525">
+                <a14:hiddenLine xmlns:a14="http://schemas.microsoft.com/office/drawing/2010/main" xmlns="" w="9525">
                   <a:solidFill>
                     <a:srgbClr val="000000"/>
                   </a:solidFill>
@@ -2065,7 +2065,7 @@
             </a:ln>
             <a:extLst>
               <a:ext uri="{91240B29-F687-4f45-9708-019B960494DF}">
-                <a14:hiddenLine xmlns="" xmlns:a14="http://schemas.microsoft.com/office/drawing/2010/main" w="9525">
+                <a14:hiddenLine xmlns:a14="http://schemas.microsoft.com/office/drawing/2010/main" xmlns="" w="9525">
                   <a:solidFill>
                     <a:srgbClr val="000000"/>
                   </a:solidFill>
@@ -2155,7 +2155,7 @@
             </a:ln>
             <a:extLst>
               <a:ext uri="{91240B29-F687-4f45-9708-019B960494DF}">
-                <a14:hiddenLine xmlns="" xmlns:a14="http://schemas.microsoft.com/office/drawing/2010/main" w="9525">
+                <a14:hiddenLine xmlns:a14="http://schemas.microsoft.com/office/drawing/2010/main" xmlns="" w="9525">
                   <a:solidFill>
                     <a:srgbClr val="000000"/>
                   </a:solidFill>
@@ -2223,7 +2223,7 @@
             </a:ln>
             <a:extLst>
               <a:ext uri="{91240B29-F687-4f45-9708-019B960494DF}">
-                <a14:hiddenLine xmlns="" xmlns:a14="http://schemas.microsoft.com/office/drawing/2010/main" w="9525">
+                <a14:hiddenLine xmlns:a14="http://schemas.microsoft.com/office/drawing/2010/main" xmlns="" w="9525">
                   <a:solidFill>
                     <a:srgbClr val="000000"/>
                   </a:solidFill>
@@ -2313,7 +2313,7 @@
             </a:ln>
             <a:extLst>
               <a:ext uri="{91240B29-F687-4f45-9708-019B960494DF}">
-                <a14:hiddenLine xmlns="" xmlns:a14="http://schemas.microsoft.com/office/drawing/2010/main" w="9525">
+                <a14:hiddenLine xmlns:a14="http://schemas.microsoft.com/office/drawing/2010/main" xmlns="" w="9525">
                   <a:solidFill>
                     <a:srgbClr val="000000"/>
                   </a:solidFill>
@@ -2347,7 +2347,7 @@
             </a:ln>
             <a:extLst>
               <a:ext uri="{91240B29-F687-4f45-9708-019B960494DF}">
-                <a14:hiddenLine xmlns="" xmlns:a14="http://schemas.microsoft.com/office/drawing/2010/main" w="9525">
+                <a14:hiddenLine xmlns:a14="http://schemas.microsoft.com/office/drawing/2010/main" xmlns="" w="9525">
                   <a:solidFill>
                     <a:srgbClr val="000000"/>
                   </a:solidFill>
@@ -2437,7 +2437,7 @@
             </a:ln>
             <a:extLst>
               <a:ext uri="{91240B29-F687-4f45-9708-019B960494DF}">
-                <a14:hiddenLine xmlns="" xmlns:a14="http://schemas.microsoft.com/office/drawing/2010/main" w="9525">
+                <a14:hiddenLine xmlns:a14="http://schemas.microsoft.com/office/drawing/2010/main" xmlns="" w="9525">
                   <a:solidFill>
                     <a:srgbClr val="000000"/>
                   </a:solidFill>
@@ -2499,7 +2499,7 @@
             </a:ln>
             <a:extLst>
               <a:ext uri="{91240B29-F687-4f45-9708-019B960494DF}">
-                <a14:hiddenLine xmlns="" xmlns:a14="http://schemas.microsoft.com/office/drawing/2010/main" w="9525">
+                <a14:hiddenLine xmlns:a14="http://schemas.microsoft.com/office/drawing/2010/main" xmlns="" w="9525">
                   <a:solidFill>
                     <a:srgbClr val="000000"/>
                   </a:solidFill>
@@ -2561,7 +2561,7 @@
             </a:ln>
             <a:extLst>
               <a:ext uri="{91240B29-F687-4f45-9708-019B960494DF}">
-                <a14:hiddenLine xmlns="" xmlns:a14="http://schemas.microsoft.com/office/drawing/2010/main" w="9525">
+                <a14:hiddenLine xmlns:a14="http://schemas.microsoft.com/office/drawing/2010/main" xmlns="" w="9525">
                   <a:solidFill>
                     <a:srgbClr val="000000"/>
                   </a:solidFill>
@@ -2651,7 +2651,7 @@
             </a:ln>
             <a:extLst>
               <a:ext uri="{91240B29-F687-4f45-9708-019B960494DF}">
-                <a14:hiddenLine xmlns="" xmlns:a14="http://schemas.microsoft.com/office/drawing/2010/main" w="9525">
+                <a14:hiddenLine xmlns:a14="http://schemas.microsoft.com/office/drawing/2010/main" xmlns="" w="9525">
                   <a:solidFill>
                     <a:srgbClr val="000000"/>
                   </a:solidFill>
@@ -2719,7 +2719,7 @@
             </a:ln>
             <a:extLst>
               <a:ext uri="{91240B29-F687-4f45-9708-019B960494DF}">
-                <a14:hiddenLine xmlns="" xmlns:a14="http://schemas.microsoft.com/office/drawing/2010/main" w="9525">
+                <a14:hiddenLine xmlns:a14="http://schemas.microsoft.com/office/drawing/2010/main" xmlns="" w="9525">
                   <a:solidFill>
                     <a:srgbClr val="000000"/>
                   </a:solidFill>
@@ -2781,7 +2781,7 @@
             </a:ln>
             <a:extLst>
               <a:ext uri="{91240B29-F687-4f45-9708-019B960494DF}">
-                <a14:hiddenLine xmlns="" xmlns:a14="http://schemas.microsoft.com/office/drawing/2010/main" w="9525">
+                <a14:hiddenLine xmlns:a14="http://schemas.microsoft.com/office/drawing/2010/main" xmlns="" w="9525">
                   <a:solidFill>
                     <a:srgbClr val="000000"/>
                   </a:solidFill>
@@ -2871,7 +2871,7 @@
             </a:ln>
             <a:extLst>
               <a:ext uri="{91240B29-F687-4f45-9708-019B960494DF}">
-                <a14:hiddenLine xmlns="" xmlns:a14="http://schemas.microsoft.com/office/drawing/2010/main" w="9525">
+                <a14:hiddenLine xmlns:a14="http://schemas.microsoft.com/office/drawing/2010/main" xmlns="" w="9525">
                   <a:solidFill>
                     <a:srgbClr val="000000"/>
                   </a:solidFill>
@@ -2933,7 +2933,7 @@
             </a:ln>
             <a:extLst>
               <a:ext uri="{91240B29-F687-4f45-9708-019B960494DF}">
-                <a14:hiddenLine xmlns="" xmlns:a14="http://schemas.microsoft.com/office/drawing/2010/main" w="9525">
+                <a14:hiddenLine xmlns:a14="http://schemas.microsoft.com/office/drawing/2010/main" xmlns="" w="9525">
                   <a:solidFill>
                     <a:srgbClr val="000000"/>
                   </a:solidFill>
@@ -3023,7 +3023,7 @@
             </a:ln>
             <a:extLst>
               <a:ext uri="{91240B29-F687-4f45-9708-019B960494DF}">
-                <a14:hiddenLine xmlns="" xmlns:a14="http://schemas.microsoft.com/office/drawing/2010/main" w="9525">
+                <a14:hiddenLine xmlns:a14="http://schemas.microsoft.com/office/drawing/2010/main" xmlns="" w="9525">
                   <a:solidFill>
                     <a:srgbClr val="000000"/>
                   </a:solidFill>
@@ -3085,7 +3085,7 @@
             </a:ln>
             <a:extLst>
               <a:ext uri="{91240B29-F687-4f45-9708-019B960494DF}">
-                <a14:hiddenLine xmlns="" xmlns:a14="http://schemas.microsoft.com/office/drawing/2010/main" w="9525">
+                <a14:hiddenLine xmlns:a14="http://schemas.microsoft.com/office/drawing/2010/main" xmlns="" w="9525">
                   <a:solidFill>
                     <a:srgbClr val="000000"/>
                   </a:solidFill>
@@ -3175,7 +3175,7 @@
             </a:ln>
             <a:extLst>
               <a:ext uri="{91240B29-F687-4f45-9708-019B960494DF}">
-                <a14:hiddenLine xmlns="" xmlns:a14="http://schemas.microsoft.com/office/drawing/2010/main" w="9525">
+                <a14:hiddenLine xmlns:a14="http://schemas.microsoft.com/office/drawing/2010/main" xmlns="" w="9525">
                   <a:solidFill>
                     <a:srgbClr val="000000"/>
                   </a:solidFill>
@@ -3209,7 +3209,7 @@
             </a:ln>
             <a:extLst>
               <a:ext uri="{91240B29-F687-4f45-9708-019B960494DF}">
-                <a14:hiddenLine xmlns="" xmlns:a14="http://schemas.microsoft.com/office/drawing/2010/main" w="9525">
+                <a14:hiddenLine xmlns:a14="http://schemas.microsoft.com/office/drawing/2010/main" xmlns="" w="9525">
                   <a:solidFill>
                     <a:srgbClr val="000000"/>
                   </a:solidFill>
@@ -3274,7 +3274,7 @@
             </a:ln>
             <a:extLst>
               <a:ext uri="{91240B29-F687-4f45-9708-019B960494DF}">
-                <a14:hiddenLine xmlns="" xmlns:a14="http://schemas.microsoft.com/office/drawing/2010/main" w="9525">
+                <a14:hiddenLine xmlns:a14="http://schemas.microsoft.com/office/drawing/2010/main" xmlns="" w="9525">
                   <a:solidFill>
                     <a:srgbClr val="000000"/>
                   </a:solidFill>
@@ -3364,7 +3364,7 @@
             </a:ln>
             <a:extLst>
               <a:ext uri="{91240B29-F687-4f45-9708-019B960494DF}">
-                <a14:hiddenLine xmlns="" xmlns:a14="http://schemas.microsoft.com/office/drawing/2010/main" w="9525">
+                <a14:hiddenLine xmlns:a14="http://schemas.microsoft.com/office/drawing/2010/main" xmlns="" w="9525">
                   <a:solidFill>
                     <a:srgbClr val="000000"/>
                   </a:solidFill>
@@ -3426,7 +3426,7 @@
             </a:ln>
             <a:extLst>
               <a:ext uri="{91240B29-F687-4f45-9708-019B960494DF}">
-                <a14:hiddenLine xmlns="" xmlns:a14="http://schemas.microsoft.com/office/drawing/2010/main" w="9525">
+                <a14:hiddenLine xmlns:a14="http://schemas.microsoft.com/office/drawing/2010/main" xmlns="" w="9525">
                   <a:solidFill>
                     <a:srgbClr val="000000"/>
                   </a:solidFill>
@@ -3516,7 +3516,7 @@
             </a:ln>
             <a:extLst>
               <a:ext uri="{91240B29-F687-4f45-9708-019B960494DF}">
-                <a14:hiddenLine xmlns="" xmlns:a14="http://schemas.microsoft.com/office/drawing/2010/main" w="9525">
+                <a14:hiddenLine xmlns:a14="http://schemas.microsoft.com/office/drawing/2010/main" xmlns="" w="9525">
                   <a:solidFill>
                     <a:srgbClr val="000000"/>
                   </a:solidFill>
@@ -3606,7 +3606,7 @@
             </a:ln>
             <a:extLst>
               <a:ext uri="{91240B29-F687-4f45-9708-019B960494DF}">
-                <a14:hiddenLine xmlns="" xmlns:a14="http://schemas.microsoft.com/office/drawing/2010/main" w="9525">
+                <a14:hiddenLine xmlns:a14="http://schemas.microsoft.com/office/drawing/2010/main" xmlns="" w="9525">
                   <a:solidFill>
                     <a:srgbClr val="000000"/>
                   </a:solidFill>
@@ -3671,7 +3671,7 @@
             </a:ln>
             <a:extLst>
               <a:ext uri="{91240B29-F687-4f45-9708-019B960494DF}">
-                <a14:hiddenLine xmlns="" xmlns:a14="http://schemas.microsoft.com/office/drawing/2010/main" w="9525">
+                <a14:hiddenLine xmlns:a14="http://schemas.microsoft.com/office/drawing/2010/main" xmlns="" w="9525">
                   <a:solidFill>
                     <a:srgbClr val="000000"/>
                   </a:solidFill>
@@ -3733,7 +3733,7 @@
             </a:ln>
             <a:extLst>
               <a:ext uri="{91240B29-F687-4f45-9708-019B960494DF}">
-                <a14:hiddenLine xmlns="" xmlns:a14="http://schemas.microsoft.com/office/drawing/2010/main" w="9525">
+                <a14:hiddenLine xmlns:a14="http://schemas.microsoft.com/office/drawing/2010/main" xmlns="" w="9525">
                   <a:solidFill>
                     <a:srgbClr val="000000"/>
                   </a:solidFill>
@@ -3823,7 +3823,7 @@
             </a:ln>
             <a:extLst>
               <a:ext uri="{91240B29-F687-4f45-9708-019B960494DF}">
-                <a14:hiddenLine xmlns="" xmlns:a14="http://schemas.microsoft.com/office/drawing/2010/main" w="9525">
+                <a14:hiddenLine xmlns:a14="http://schemas.microsoft.com/office/drawing/2010/main" xmlns="" w="9525">
                   <a:solidFill>
                     <a:srgbClr val="000000"/>
                   </a:solidFill>
@@ -3913,7 +3913,7 @@
             </a:ln>
             <a:extLst>
               <a:ext uri="{91240B29-F687-4f45-9708-019B960494DF}">
-                <a14:hiddenLine xmlns="" xmlns:a14="http://schemas.microsoft.com/office/drawing/2010/main" w="9525">
+                <a14:hiddenLine xmlns:a14="http://schemas.microsoft.com/office/drawing/2010/main" xmlns="" w="9525">
                   <a:solidFill>
                     <a:srgbClr val="000000"/>
                   </a:solidFill>
@@ -3975,7 +3975,7 @@
             </a:ln>
             <a:extLst>
               <a:ext uri="{91240B29-F687-4f45-9708-019B960494DF}">
-                <a14:hiddenLine xmlns="" xmlns:a14="http://schemas.microsoft.com/office/drawing/2010/main" w="9525">
+                <a14:hiddenLine xmlns:a14="http://schemas.microsoft.com/office/drawing/2010/main" xmlns="" w="9525">
                   <a:solidFill>
                     <a:srgbClr val="000000"/>
                   </a:solidFill>
@@ -4095,7 +4095,7 @@
             </a:ln>
             <a:extLst>
               <a:ext uri="{91240B29-F687-4f45-9708-019B960494DF}">
-                <a14:hiddenLine xmlns="" xmlns:a14="http://schemas.microsoft.com/office/drawing/2010/main" w="9525">
+                <a14:hiddenLine xmlns:a14="http://schemas.microsoft.com/office/drawing/2010/main" xmlns="" w="9525">
                   <a:solidFill>
                     <a:srgbClr val="000000"/>
                   </a:solidFill>
@@ -4163,7 +4163,7 @@
             </a:ln>
             <a:extLst>
               <a:ext uri="{91240B29-F687-4f45-9708-019B960494DF}">
-                <a14:hiddenLine xmlns="" xmlns:a14="http://schemas.microsoft.com/office/drawing/2010/main" w="9525">
+                <a14:hiddenLine xmlns:a14="http://schemas.microsoft.com/office/drawing/2010/main" xmlns="" w="9525">
                   <a:solidFill>
                     <a:srgbClr val="000000"/>
                   </a:solidFill>
@@ -4253,7 +4253,7 @@
             </a:ln>
             <a:extLst>
               <a:ext uri="{91240B29-F687-4f45-9708-019B960494DF}">
-                <a14:hiddenLine xmlns="" xmlns:a14="http://schemas.microsoft.com/office/drawing/2010/main" w="9525">
+                <a14:hiddenLine xmlns:a14="http://schemas.microsoft.com/office/drawing/2010/main" xmlns="" w="9525">
                   <a:solidFill>
                     <a:srgbClr val="000000"/>
                   </a:solidFill>
@@ -4393,7 +4393,7 @@
           <a:p>
             <a:fld id="{48A87A34-81AB-432B-8DAE-1953F412C126}" type="datetimeFigureOut">
               <a:rPr lang="en-US" dirty="0"/>
-              <a:t>12/13/2022</a:t>
+              <a:t>12/14/2022</a:t>
             </a:fld>
             <a:endParaRPr lang="en-US" dirty="0"/>
           </a:p>
@@ -4655,7 +4655,7 @@
           <a:p>
             <a:fld id="{48A87A34-81AB-432B-8DAE-1953F412C126}" type="datetimeFigureOut">
               <a:rPr lang="en-US" dirty="0"/>
-              <a:t>12/13/2022</a:t>
+              <a:t>12/14/2022</a:t>
             </a:fld>
             <a:endParaRPr lang="en-US" dirty="0"/>
           </a:p>
@@ -4846,7 +4846,7 @@
           <a:p>
             <a:fld id="{48A87A34-81AB-432B-8DAE-1953F412C126}" type="datetimeFigureOut">
               <a:rPr lang="en-US" dirty="0"/>
-              <a:t>12/13/2022</a:t>
+              <a:t>12/14/2022</a:t>
             </a:fld>
             <a:endParaRPr lang="en-US" dirty="0"/>
           </a:p>
@@ -5104,7 +5104,7 @@
           <a:p>
             <a:fld id="{48A87A34-81AB-432B-8DAE-1953F412C126}" type="datetimeFigureOut">
               <a:rPr lang="en-US" dirty="0"/>
-              <a:t>12/13/2022</a:t>
+              <a:t>12/14/2022</a:t>
             </a:fld>
             <a:endParaRPr lang="en-US" dirty="0"/>
           </a:p>
@@ -5533,7 +5533,7 @@
           <a:p>
             <a:fld id="{48A87A34-81AB-432B-8DAE-1953F412C126}" type="datetimeFigureOut">
               <a:rPr lang="en-US" dirty="0"/>
-              <a:t>12/13/2022</a:t>
+              <a:t>12/14/2022</a:t>
             </a:fld>
             <a:endParaRPr lang="en-US" dirty="0"/>
           </a:p>
@@ -6074,7 +6074,7 @@
           <a:p>
             <a:fld id="{48A87A34-81AB-432B-8DAE-1953F412C126}" type="datetimeFigureOut">
               <a:rPr lang="en-US" dirty="0"/>
-              <a:t>12/13/2022</a:t>
+              <a:t>12/14/2022</a:t>
             </a:fld>
             <a:endParaRPr lang="en-US" dirty="0"/>
           </a:p>
@@ -6789,7 +6789,7 @@
           <a:p>
             <a:fld id="{48A87A34-81AB-432B-8DAE-1953F412C126}" type="datetimeFigureOut">
               <a:rPr lang="en-US" dirty="0"/>
-              <a:t>12/13/2022</a:t>
+              <a:t>12/14/2022</a:t>
             </a:fld>
             <a:endParaRPr lang="en-US" dirty="0"/>
           </a:p>
@@ -6954,7 +6954,7 @@
           <a:p>
             <a:fld id="{48A87A34-81AB-432B-8DAE-1953F412C126}" type="datetimeFigureOut">
               <a:rPr lang="en-US" dirty="0"/>
-              <a:t>12/13/2022</a:t>
+              <a:t>12/14/2022</a:t>
             </a:fld>
             <a:endParaRPr lang="en-US" dirty="0"/>
           </a:p>
@@ -7129,7 +7129,7 @@
           <a:p>
             <a:fld id="{48A87A34-81AB-432B-8DAE-1953F412C126}" type="datetimeFigureOut">
               <a:rPr lang="en-US" dirty="0"/>
-              <a:t>12/13/2022</a:t>
+              <a:t>12/14/2022</a:t>
             </a:fld>
             <a:endParaRPr lang="en-US" dirty="0"/>
           </a:p>
@@ -7294,7 +7294,7 @@
           <a:p>
             <a:fld id="{48A87A34-81AB-432B-8DAE-1953F412C126}" type="datetimeFigureOut">
               <a:rPr lang="en-US" dirty="0"/>
-              <a:t>12/13/2022</a:t>
+              <a:t>12/14/2022</a:t>
             </a:fld>
             <a:endParaRPr lang="en-US" dirty="0"/>
           </a:p>
@@ -7539,7 +7539,7 @@
           <a:p>
             <a:fld id="{48A87A34-81AB-432B-8DAE-1953F412C126}" type="datetimeFigureOut">
               <a:rPr lang="en-US" dirty="0"/>
-              <a:t>12/13/2022</a:t>
+              <a:t>12/14/2022</a:t>
             </a:fld>
             <a:endParaRPr lang="en-US" dirty="0"/>
           </a:p>
@@ -7766,7 +7766,7 @@
           <a:p>
             <a:fld id="{48A87A34-81AB-432B-8DAE-1953F412C126}" type="datetimeFigureOut">
               <a:rPr lang="en-US" dirty="0"/>
-              <a:t>12/13/2022</a:t>
+              <a:t>12/14/2022</a:t>
             </a:fld>
             <a:endParaRPr lang="en-US" dirty="0"/>
           </a:p>
@@ -8142,7 +8142,7 @@
           <a:p>
             <a:fld id="{48A87A34-81AB-432B-8DAE-1953F412C126}" type="datetimeFigureOut">
               <a:rPr lang="en-US" dirty="0"/>
-              <a:t>12/13/2022</a:t>
+              <a:t>12/14/2022</a:t>
             </a:fld>
             <a:endParaRPr lang="en-US" dirty="0"/>
           </a:p>
@@ -8255,7 +8255,7 @@
           <a:p>
             <a:fld id="{48A87A34-81AB-432B-8DAE-1953F412C126}" type="datetimeFigureOut">
               <a:rPr lang="en-US" dirty="0"/>
-              <a:t>12/13/2022</a:t>
+              <a:t>12/14/2022</a:t>
             </a:fld>
             <a:endParaRPr lang="en-US" dirty="0"/>
           </a:p>
@@ -8345,7 +8345,7 @@
           <a:p>
             <a:fld id="{48A87A34-81AB-432B-8DAE-1953F412C126}" type="datetimeFigureOut">
               <a:rPr lang="en-US" dirty="0"/>
-              <a:t>12/13/2022</a:t>
+              <a:t>12/14/2022</a:t>
             </a:fld>
             <a:endParaRPr lang="en-US" dirty="0"/>
           </a:p>
@@ -8589,7 +8589,7 @@
           <a:p>
             <a:fld id="{48A87A34-81AB-432B-8DAE-1953F412C126}" type="datetimeFigureOut">
               <a:rPr lang="en-US" dirty="0"/>
-              <a:t>12/13/2022</a:t>
+              <a:t>12/14/2022</a:t>
             </a:fld>
             <a:endParaRPr lang="en-US" dirty="0"/>
           </a:p>
@@ -8864,7 +8864,7 @@
           <a:p>
             <a:fld id="{48A87A34-81AB-432B-8DAE-1953F412C126}" type="datetimeFigureOut">
               <a:rPr lang="en-US" dirty="0"/>
-              <a:t>12/13/2022</a:t>
+              <a:t>12/14/2022</a:t>
             </a:fld>
             <a:endParaRPr lang="en-US" dirty="0"/>
           </a:p>
@@ -8975,7 +8975,7 @@
           <a:noFill/>
           <a:extLst>
             <a:ext uri="{909E8E84-426E-40dd-AFC4-6F175D3DCCD1}">
-              <a14:hiddenFill xmlns="" xmlns:a14="http://schemas.microsoft.com/office/drawing/2010/main">
+              <a14:hiddenFill xmlns:a14="http://schemas.microsoft.com/office/drawing/2010/main" xmlns="">
                 <a:solidFill>
                   <a:srgbClr val="FFFFFF"/>
                 </a:solidFill>
@@ -9049,7 +9049,7 @@
               </a:ln>
               <a:extLst>
                 <a:ext uri="{91240B29-F687-4f45-9708-019B960494DF}">
-                  <a14:hiddenLine xmlns="" xmlns:a14="http://schemas.microsoft.com/office/drawing/2010/main" w="9525">
+                  <a14:hiddenLine xmlns:a14="http://schemas.microsoft.com/office/drawing/2010/main" xmlns="" w="9525">
                     <a:solidFill>
                       <a:srgbClr val="000000"/>
                     </a:solidFill>
@@ -9139,7 +9139,7 @@
               </a:ln>
               <a:extLst>
                 <a:ext uri="{91240B29-F687-4f45-9708-019B960494DF}">
-                  <a14:hiddenLine xmlns="" xmlns:a14="http://schemas.microsoft.com/office/drawing/2010/main" w="9525">
+                  <a14:hiddenLine xmlns:a14="http://schemas.microsoft.com/office/drawing/2010/main" xmlns="" w="9525">
                     <a:solidFill>
                       <a:srgbClr val="000000"/>
                     </a:solidFill>
@@ -9229,7 +9229,7 @@
               </a:ln>
               <a:extLst>
                 <a:ext uri="{91240B29-F687-4f45-9708-019B960494DF}">
-                  <a14:hiddenLine xmlns="" xmlns:a14="http://schemas.microsoft.com/office/drawing/2010/main" w="9525">
+                  <a14:hiddenLine xmlns:a14="http://schemas.microsoft.com/office/drawing/2010/main" xmlns="" w="9525">
                     <a:solidFill>
                       <a:srgbClr val="000000"/>
                     </a:solidFill>
@@ -9291,7 +9291,7 @@
               </a:ln>
               <a:extLst>
                 <a:ext uri="{91240B29-F687-4f45-9708-019B960494DF}">
-                  <a14:hiddenLine xmlns="" xmlns:a14="http://schemas.microsoft.com/office/drawing/2010/main" w="9525">
+                  <a14:hiddenLine xmlns:a14="http://schemas.microsoft.com/office/drawing/2010/main" xmlns="" w="9525">
                     <a:solidFill>
                       <a:srgbClr val="000000"/>
                     </a:solidFill>
@@ -9381,7 +9381,7 @@
               </a:ln>
               <a:extLst>
                 <a:ext uri="{91240B29-F687-4f45-9708-019B960494DF}">
-                  <a14:hiddenLine xmlns="" xmlns:a14="http://schemas.microsoft.com/office/drawing/2010/main" w="9525">
+                  <a14:hiddenLine xmlns:a14="http://schemas.microsoft.com/office/drawing/2010/main" xmlns="" w="9525">
                     <a:solidFill>
                       <a:srgbClr val="000000"/>
                     </a:solidFill>
@@ -9443,7 +9443,7 @@
               </a:ln>
               <a:extLst>
                 <a:ext uri="{91240B29-F687-4f45-9708-019B960494DF}">
-                  <a14:hiddenLine xmlns="" xmlns:a14="http://schemas.microsoft.com/office/drawing/2010/main" w="9525">
+                  <a14:hiddenLine xmlns:a14="http://schemas.microsoft.com/office/drawing/2010/main" xmlns="" w="9525">
                     <a:solidFill>
                       <a:srgbClr val="000000"/>
                     </a:solidFill>
@@ -9505,7 +9505,7 @@
               </a:ln>
               <a:extLst>
                 <a:ext uri="{91240B29-F687-4f45-9708-019B960494DF}">
-                  <a14:hiddenLine xmlns="" xmlns:a14="http://schemas.microsoft.com/office/drawing/2010/main" w="9525">
+                  <a14:hiddenLine xmlns:a14="http://schemas.microsoft.com/office/drawing/2010/main" xmlns="" w="9525">
                     <a:solidFill>
                       <a:srgbClr val="000000"/>
                     </a:solidFill>
@@ -9595,7 +9595,7 @@
               </a:ln>
               <a:extLst>
                 <a:ext uri="{91240B29-F687-4f45-9708-019B960494DF}">
-                  <a14:hiddenLine xmlns="" xmlns:a14="http://schemas.microsoft.com/office/drawing/2010/main" w="9525">
+                  <a14:hiddenLine xmlns:a14="http://schemas.microsoft.com/office/drawing/2010/main" xmlns="" w="9525">
                     <a:solidFill>
                       <a:srgbClr val="000000"/>
                     </a:solidFill>
@@ -9685,7 +9685,7 @@
               </a:ln>
               <a:extLst>
                 <a:ext uri="{91240B29-F687-4f45-9708-019B960494DF}">
-                  <a14:hiddenLine xmlns="" xmlns:a14="http://schemas.microsoft.com/office/drawing/2010/main" w="9525">
+                  <a14:hiddenLine xmlns:a14="http://schemas.microsoft.com/office/drawing/2010/main" xmlns="" w="9525">
                     <a:solidFill>
                       <a:srgbClr val="000000"/>
                     </a:solidFill>
@@ -9747,7 +9747,7 @@
               </a:ln>
               <a:extLst>
                 <a:ext uri="{91240B29-F687-4f45-9708-019B960494DF}">
-                  <a14:hiddenLine xmlns="" xmlns:a14="http://schemas.microsoft.com/office/drawing/2010/main" w="9525">
+                  <a14:hiddenLine xmlns:a14="http://schemas.microsoft.com/office/drawing/2010/main" xmlns="" w="9525">
                     <a:solidFill>
                       <a:srgbClr val="000000"/>
                     </a:solidFill>
@@ -9857,7 +9857,7 @@
               </a:ln>
               <a:extLst>
                 <a:ext uri="{91240B29-F687-4f45-9708-019B960494DF}">
-                  <a14:hiddenLine xmlns="" xmlns:a14="http://schemas.microsoft.com/office/drawing/2010/main" w="9525">
+                  <a14:hiddenLine xmlns:a14="http://schemas.microsoft.com/office/drawing/2010/main" xmlns="" w="9525">
                     <a:solidFill>
                       <a:srgbClr val="000000"/>
                     </a:solidFill>
@@ -9941,7 +9941,7 @@
               </a:ln>
               <a:extLst>
                 <a:ext uri="{91240B29-F687-4f45-9708-019B960494DF}">
-                  <a14:hiddenLine xmlns="" xmlns:a14="http://schemas.microsoft.com/office/drawing/2010/main" w="9525">
+                  <a14:hiddenLine xmlns:a14="http://schemas.microsoft.com/office/drawing/2010/main" xmlns="" w="9525">
                     <a:solidFill>
                       <a:srgbClr val="000000"/>
                     </a:solidFill>
@@ -10003,7 +10003,7 @@
               </a:ln>
               <a:extLst>
                 <a:ext uri="{91240B29-F687-4f45-9708-019B960494DF}">
-                  <a14:hiddenLine xmlns="" xmlns:a14="http://schemas.microsoft.com/office/drawing/2010/main" w="9525">
+                  <a14:hiddenLine xmlns:a14="http://schemas.microsoft.com/office/drawing/2010/main" xmlns="" w="9525">
                     <a:solidFill>
                       <a:srgbClr val="000000"/>
                     </a:solidFill>
@@ -10065,7 +10065,7 @@
               </a:ln>
               <a:extLst>
                 <a:ext uri="{91240B29-F687-4f45-9708-019B960494DF}">
-                  <a14:hiddenLine xmlns="" xmlns:a14="http://schemas.microsoft.com/office/drawing/2010/main" w="9525">
+                  <a14:hiddenLine xmlns:a14="http://schemas.microsoft.com/office/drawing/2010/main" xmlns="" w="9525">
                     <a:solidFill>
                       <a:srgbClr val="000000"/>
                     </a:solidFill>
@@ -10155,7 +10155,7 @@
               </a:ln>
               <a:extLst>
                 <a:ext uri="{91240B29-F687-4f45-9708-019B960494DF}">
-                  <a14:hiddenLine xmlns="" xmlns:a14="http://schemas.microsoft.com/office/drawing/2010/main" w="9525">
+                  <a14:hiddenLine xmlns:a14="http://schemas.microsoft.com/office/drawing/2010/main" xmlns="" w="9525">
                     <a:solidFill>
                       <a:srgbClr val="000000"/>
                     </a:solidFill>
@@ -10189,7 +10189,7 @@
               </a:ln>
               <a:extLst>
                 <a:ext uri="{91240B29-F687-4f45-9708-019B960494DF}">
-                  <a14:hiddenLine xmlns="" xmlns:a14="http://schemas.microsoft.com/office/drawing/2010/main" w="9525">
+                  <a14:hiddenLine xmlns:a14="http://schemas.microsoft.com/office/drawing/2010/main" xmlns="" w="9525">
                     <a:solidFill>
                       <a:srgbClr val="000000"/>
                     </a:solidFill>
@@ -10254,7 +10254,7 @@
               </a:ln>
               <a:extLst>
                 <a:ext uri="{91240B29-F687-4f45-9708-019B960494DF}">
-                  <a14:hiddenLine xmlns="" xmlns:a14="http://schemas.microsoft.com/office/drawing/2010/main" w="9525">
+                  <a14:hiddenLine xmlns:a14="http://schemas.microsoft.com/office/drawing/2010/main" xmlns="" w="9525">
                     <a:solidFill>
                       <a:srgbClr val="000000"/>
                     </a:solidFill>
@@ -10344,7 +10344,7 @@
               </a:ln>
               <a:extLst>
                 <a:ext uri="{91240B29-F687-4f45-9708-019B960494DF}">
-                  <a14:hiddenLine xmlns="" xmlns:a14="http://schemas.microsoft.com/office/drawing/2010/main" w="9525">
+                  <a14:hiddenLine xmlns:a14="http://schemas.microsoft.com/office/drawing/2010/main" xmlns="" w="9525">
                     <a:solidFill>
                       <a:srgbClr val="000000"/>
                     </a:solidFill>
@@ -10406,7 +10406,7 @@
               </a:ln>
               <a:extLst>
                 <a:ext uri="{91240B29-F687-4f45-9708-019B960494DF}">
-                  <a14:hiddenLine xmlns="" xmlns:a14="http://schemas.microsoft.com/office/drawing/2010/main" w="9525">
+                  <a14:hiddenLine xmlns:a14="http://schemas.microsoft.com/office/drawing/2010/main" xmlns="" w="9525">
                     <a:solidFill>
                       <a:srgbClr val="000000"/>
                     </a:solidFill>
@@ -10496,7 +10496,7 @@
               </a:ln>
               <a:extLst>
                 <a:ext uri="{91240B29-F687-4f45-9708-019B960494DF}">
-                  <a14:hiddenLine xmlns="" xmlns:a14="http://schemas.microsoft.com/office/drawing/2010/main" w="9525">
+                  <a14:hiddenLine xmlns:a14="http://schemas.microsoft.com/office/drawing/2010/main" xmlns="" w="9525">
                     <a:solidFill>
                       <a:srgbClr val="000000"/>
                     </a:solidFill>
@@ -10561,7 +10561,7 @@
               </a:ln>
               <a:extLst>
                 <a:ext uri="{91240B29-F687-4f45-9708-019B960494DF}">
-                  <a14:hiddenLine xmlns="" xmlns:a14="http://schemas.microsoft.com/office/drawing/2010/main" w="9525">
+                  <a14:hiddenLine xmlns:a14="http://schemas.microsoft.com/office/drawing/2010/main" xmlns="" w="9525">
                     <a:solidFill>
                       <a:srgbClr val="000000"/>
                     </a:solidFill>
@@ -10623,7 +10623,7 @@
               </a:ln>
               <a:extLst>
                 <a:ext uri="{91240B29-F687-4f45-9708-019B960494DF}">
-                  <a14:hiddenLine xmlns="" xmlns:a14="http://schemas.microsoft.com/office/drawing/2010/main" w="9525">
+                  <a14:hiddenLine xmlns:a14="http://schemas.microsoft.com/office/drawing/2010/main" xmlns="" w="9525">
                     <a:solidFill>
                       <a:srgbClr val="000000"/>
                     </a:solidFill>
@@ -10713,7 +10713,7 @@
               </a:ln>
               <a:extLst>
                 <a:ext uri="{91240B29-F687-4f45-9708-019B960494DF}">
-                  <a14:hiddenLine xmlns="" xmlns:a14="http://schemas.microsoft.com/office/drawing/2010/main" w="9525">
+                  <a14:hiddenLine xmlns:a14="http://schemas.microsoft.com/office/drawing/2010/main" xmlns="" w="9525">
                     <a:solidFill>
                       <a:srgbClr val="000000"/>
                     </a:solidFill>
@@ -10803,7 +10803,7 @@
               </a:ln>
               <a:extLst>
                 <a:ext uri="{91240B29-F687-4f45-9708-019B960494DF}">
-                  <a14:hiddenLine xmlns="" xmlns:a14="http://schemas.microsoft.com/office/drawing/2010/main" w="9525">
+                  <a14:hiddenLine xmlns:a14="http://schemas.microsoft.com/office/drawing/2010/main" xmlns="" w="9525">
                     <a:solidFill>
                       <a:srgbClr val="000000"/>
                     </a:solidFill>
@@ -10868,7 +10868,7 @@
               </a:ln>
               <a:extLst>
                 <a:ext uri="{91240B29-F687-4f45-9708-019B960494DF}">
-                  <a14:hiddenLine xmlns="" xmlns:a14="http://schemas.microsoft.com/office/drawing/2010/main" w="9525">
+                  <a14:hiddenLine xmlns:a14="http://schemas.microsoft.com/office/drawing/2010/main" xmlns="" w="9525">
                     <a:solidFill>
                       <a:srgbClr val="000000"/>
                     </a:solidFill>
@@ -10988,7 +10988,7 @@
               </a:ln>
               <a:extLst>
                 <a:ext uri="{91240B29-F687-4f45-9708-019B960494DF}">
-                  <a14:hiddenLine xmlns="" xmlns:a14="http://schemas.microsoft.com/office/drawing/2010/main" w="9525">
+                  <a14:hiddenLine xmlns:a14="http://schemas.microsoft.com/office/drawing/2010/main" xmlns="" w="9525">
                     <a:solidFill>
                       <a:srgbClr val="000000"/>
                     </a:solidFill>
@@ -11086,7 +11086,7 @@
               </a:ln>
               <a:extLst>
                 <a:ext uri="{91240B29-F687-4f45-9708-019B960494DF}">
-                  <a14:hiddenLine xmlns="" xmlns:a14="http://schemas.microsoft.com/office/drawing/2010/main" w="9525">
+                  <a14:hiddenLine xmlns:a14="http://schemas.microsoft.com/office/drawing/2010/main" xmlns="" w="9525">
                     <a:solidFill>
                       <a:srgbClr val="000000"/>
                     </a:solidFill>
@@ -11201,7 +11201,7 @@
               </a:ln>
               <a:extLst>
                 <a:ext uri="{91240B29-F687-4f45-9708-019B960494DF}">
-                  <a14:hiddenLine xmlns="" xmlns:a14="http://schemas.microsoft.com/office/drawing/2010/main" w="9525">
+                  <a14:hiddenLine xmlns:a14="http://schemas.microsoft.com/office/drawing/2010/main" xmlns="" w="9525">
                     <a:solidFill>
                       <a:srgbClr val="000000"/>
                     </a:solidFill>
@@ -11291,7 +11291,7 @@
               </a:ln>
               <a:extLst>
                 <a:ext uri="{91240B29-F687-4f45-9708-019B960494DF}">
-                  <a14:hiddenLine xmlns="" xmlns:a14="http://schemas.microsoft.com/office/drawing/2010/main" w="9525">
+                  <a14:hiddenLine xmlns:a14="http://schemas.microsoft.com/office/drawing/2010/main" xmlns="" w="9525">
                     <a:solidFill>
                       <a:srgbClr val="000000"/>
                     </a:solidFill>
@@ -11356,7 +11356,7 @@
               </a:ln>
               <a:extLst>
                 <a:ext uri="{91240B29-F687-4f45-9708-019B960494DF}">
-                  <a14:hiddenLine xmlns="" xmlns:a14="http://schemas.microsoft.com/office/drawing/2010/main" w="9525">
+                  <a14:hiddenLine xmlns:a14="http://schemas.microsoft.com/office/drawing/2010/main" xmlns="" w="9525">
                     <a:solidFill>
                       <a:srgbClr val="000000"/>
                     </a:solidFill>
@@ -11446,7 +11446,7 @@
               </a:ln>
               <a:extLst>
                 <a:ext uri="{91240B29-F687-4f45-9708-019B960494DF}">
-                  <a14:hiddenLine xmlns="" xmlns:a14="http://schemas.microsoft.com/office/drawing/2010/main" w="9525">
+                  <a14:hiddenLine xmlns:a14="http://schemas.microsoft.com/office/drawing/2010/main" xmlns="" w="9525">
                     <a:solidFill>
                       <a:srgbClr val="000000"/>
                     </a:solidFill>
@@ -11514,7 +11514,7 @@
               </a:ln>
               <a:extLst>
                 <a:ext uri="{91240B29-F687-4f45-9708-019B960494DF}">
-                  <a14:hiddenLine xmlns="" xmlns:a14="http://schemas.microsoft.com/office/drawing/2010/main" w="9525">
+                  <a14:hiddenLine xmlns:a14="http://schemas.microsoft.com/office/drawing/2010/main" xmlns="" w="9525">
                     <a:solidFill>
                       <a:srgbClr val="000000"/>
                     </a:solidFill>
@@ -11604,7 +11604,7 @@
               </a:ln>
               <a:extLst>
                 <a:ext uri="{91240B29-F687-4f45-9708-019B960494DF}">
-                  <a14:hiddenLine xmlns="" xmlns:a14="http://schemas.microsoft.com/office/drawing/2010/main" w="9525">
+                  <a14:hiddenLine xmlns:a14="http://schemas.microsoft.com/office/drawing/2010/main" xmlns="" w="9525">
                     <a:solidFill>
                       <a:srgbClr val="000000"/>
                     </a:solidFill>
@@ -11672,7 +11672,7 @@
               </a:ln>
               <a:extLst>
                 <a:ext uri="{91240B29-F687-4f45-9708-019B960494DF}">
-                  <a14:hiddenLine xmlns="" xmlns:a14="http://schemas.microsoft.com/office/drawing/2010/main" w="9525">
+                  <a14:hiddenLine xmlns:a14="http://schemas.microsoft.com/office/drawing/2010/main" xmlns="" w="9525">
                     <a:solidFill>
                       <a:srgbClr val="000000"/>
                     </a:solidFill>
@@ -11762,7 +11762,7 @@
               </a:ln>
               <a:extLst>
                 <a:ext uri="{91240B29-F687-4f45-9708-019B960494DF}">
-                  <a14:hiddenLine xmlns="" xmlns:a14="http://schemas.microsoft.com/office/drawing/2010/main" w="9525">
+                  <a14:hiddenLine xmlns:a14="http://schemas.microsoft.com/office/drawing/2010/main" xmlns="" w="9525">
                     <a:solidFill>
                       <a:srgbClr val="000000"/>
                     </a:solidFill>
@@ -11796,7 +11796,7 @@
               </a:ln>
               <a:extLst>
                 <a:ext uri="{91240B29-F687-4f45-9708-019B960494DF}">
-                  <a14:hiddenLine xmlns="" xmlns:a14="http://schemas.microsoft.com/office/drawing/2010/main" w="9525">
+                  <a14:hiddenLine xmlns:a14="http://schemas.microsoft.com/office/drawing/2010/main" xmlns="" w="9525">
                     <a:solidFill>
                       <a:srgbClr val="000000"/>
                     </a:solidFill>
@@ -11937,7 +11937,7 @@
             <a:fld id="{48A87A34-81AB-432B-8DAE-1953F412C126}" type="datetimeFigureOut">
               <a:rPr lang="en-US" dirty="0"/>
               <a:pPr/>
-              <a:t>12/13/2022</a:t>
+              <a:t>12/14/2022</a:t>
             </a:fld>
             <a:endParaRPr lang="en-US" dirty="0"/>
           </a:p>
@@ -12833,7 +12833,7 @@
         </p:nvSpPr>
         <p:spPr>
           <a:xfrm>
-            <a:off x="1141413" y="618518"/>
+            <a:off x="1141413" y="248867"/>
             <a:ext cx="9905998" cy="1478570"/>
           </a:xfrm>
           <a:effectLst/>
@@ -12872,7 +12872,7 @@
         <p:spPr>
           <a:xfrm>
             <a:off x="1141413" y="3429000"/>
-            <a:ext cx="10023894" cy="2755563"/>
+            <a:ext cx="10366408" cy="2953116"/>
           </a:xfrm>
           <a:prstGeom prst="rect">
             <a:avLst/>
@@ -12920,7 +12920,7 @@
               <a:buAutoNum type="arabicPeriod"/>
             </a:pPr>
             <a:r>
-              <a:rPr lang="ru-RU" sz="2400" b="1" dirty="0" err="1">
+              <a:rPr lang="ru-RU" sz="2800" b="1" dirty="0" err="1">
                 <a:ln w="9525">
                   <a:solidFill>
                     <a:schemeClr val="bg1"/>
@@ -12958,6 +12958,19 @@
               <a:buAutoNum type="arabicPeriod"/>
             </a:pPr>
             <a:r>
+              <a:rPr lang="ru-RU" sz="2800" b="1" dirty="0">
+                <a:ln w="9525">
+                  <a:solidFill>
+                    <a:schemeClr val="bg1"/>
+                  </a:solidFill>
+                  <a:prstDash val="solid"/>
+                </a:ln>
+                <a:ea typeface="Calibri" panose="020F0502020204030204" pitchFamily="34" charset="0"/>
+                <a:cs typeface="Times New Roman" panose="02020603050405020304" pitchFamily="18" charset="0"/>
+              </a:rPr>
+              <a:t>Предиктивный ввод </a:t>
+            </a:r>
+            <a:r>
               <a:rPr lang="ru-RU" sz="2400" b="1" dirty="0">
                 <a:ln w="9525">
                   <a:solidFill>
@@ -12968,7 +12981,7 @@
                 <a:ea typeface="Calibri" panose="020F0502020204030204" pitchFamily="34" charset="0"/>
                 <a:cs typeface="Times New Roman" panose="02020603050405020304" pitchFamily="18" charset="0"/>
               </a:rPr>
-              <a:t>Предиктивный ввод — дает рекомендации по продолжению слова</a:t>
+              <a:t>— дает рекомендации по продолжению слова</a:t>
             </a:r>
             <a:r>
               <a:rPr lang="en-US" sz="2400" b="1" dirty="0">
@@ -13006,6 +13019,19 @@
               <a:buAutoNum type="arabicPeriod"/>
             </a:pPr>
             <a:r>
+              <a:rPr lang="ru-RU" sz="2800" b="1" dirty="0">
+                <a:ln w="9525">
+                  <a:solidFill>
+                    <a:schemeClr val="bg1"/>
+                  </a:solidFill>
+                  <a:prstDash val="solid"/>
+                </a:ln>
+                <a:ea typeface="Calibri" panose="020F0502020204030204" pitchFamily="34" charset="0"/>
+                <a:cs typeface="Times New Roman" panose="02020603050405020304" pitchFamily="18" charset="0"/>
+              </a:rPr>
+              <a:t>Дополнение</a:t>
+            </a:r>
+            <a:r>
               <a:rPr lang="ru-RU" sz="2400" b="1" dirty="0">
                 <a:ln w="9525">
                   <a:solidFill>
@@ -13016,7 +13042,7 @@
                 <a:ea typeface="Calibri" panose="020F0502020204030204" pitchFamily="34" charset="0"/>
                 <a:cs typeface="Times New Roman" panose="02020603050405020304" pitchFamily="18" charset="0"/>
               </a:rPr>
-              <a:t>Дополнение — дает рекомендации по завершению слова</a:t>
+              <a:t> — дает рекомендации по завершению слова</a:t>
             </a:r>
           </a:p>
           <a:p>
@@ -13038,8 +13064,8 @@
         </p:nvSpPr>
         <p:spPr>
           <a:xfrm>
-            <a:off x="1141413" y="1935738"/>
-            <a:ext cx="9478393" cy="1259832"/>
+            <a:off x="1141413" y="1513604"/>
+            <a:ext cx="9905998" cy="1915396"/>
           </a:xfrm>
           <a:prstGeom prst="rect">
             <a:avLst/>
@@ -13060,7 +13086,7 @@
               </a:spcAft>
             </a:pPr>
             <a:r>
-              <a:rPr lang="ru-RU" sz="2400" b="1" dirty="0">
+              <a:rPr lang="ru-RU" sz="2800" b="1" dirty="0">
                 <a:ln w="9525">
                   <a:solidFill>
                     <a:schemeClr val="bg1"/>
@@ -13176,7 +13202,7 @@
           <a:noFill/>
           <a:extLst>
             <a:ext uri="{909E8E84-426E-40dd-AFC4-6F175D3DCCD1}">
-              <a14:hiddenFill xmlns:a14="http://schemas.microsoft.com/office/drawing/2010/main" xmlns:p14="http://schemas.microsoft.com/office/powerpoint/2010/main" xmlns:a16="http://schemas.microsoft.com/office/drawing/2014/main" xmlns="">
+              <a14:hiddenFill xmlns="" xmlns:a16="http://schemas.microsoft.com/office/drawing/2014/main" xmlns:p14="http://schemas.microsoft.com/office/powerpoint/2010/main" xmlns:a14="http://schemas.microsoft.com/office/drawing/2010/main">
                 <a:solidFill>
                   <a:srgbClr val="FFFFFF"/>
                 </a:solidFill>
@@ -13297,7 +13323,7 @@
               </a:ln>
               <a:extLst>
                 <a:ext uri="{91240B29-F687-4f45-9708-019B960494DF}">
-                  <a14:hiddenLine xmlns:a14="http://schemas.microsoft.com/office/drawing/2010/main" xmlns:p14="http://schemas.microsoft.com/office/powerpoint/2010/main" xmlns:a16="http://schemas.microsoft.com/office/drawing/2014/main" xmlns="" w="9525">
+                  <a14:hiddenLine xmlns="" xmlns:a16="http://schemas.microsoft.com/office/drawing/2014/main" xmlns:p14="http://schemas.microsoft.com/office/powerpoint/2010/main" xmlns:a14="http://schemas.microsoft.com/office/drawing/2010/main" w="9525">
                     <a:solidFill>
                       <a:srgbClr val="000000"/>
                     </a:solidFill>
@@ -13402,7 +13428,7 @@
               </a:ln>
               <a:extLst>
                 <a:ext uri="{91240B29-F687-4f45-9708-019B960494DF}">
-                  <a14:hiddenLine xmlns:a14="http://schemas.microsoft.com/office/drawing/2010/main" xmlns:p14="http://schemas.microsoft.com/office/powerpoint/2010/main" xmlns:a16="http://schemas.microsoft.com/office/drawing/2014/main" xmlns="" w="9525">
+                  <a14:hiddenLine xmlns="" xmlns:a16="http://schemas.microsoft.com/office/drawing/2014/main" xmlns:p14="http://schemas.microsoft.com/office/powerpoint/2010/main" xmlns:a14="http://schemas.microsoft.com/office/drawing/2010/main" w="9525">
                     <a:solidFill>
                       <a:srgbClr val="000000"/>
                     </a:solidFill>
@@ -13507,7 +13533,7 @@
               </a:ln>
               <a:extLst>
                 <a:ext uri="{91240B29-F687-4f45-9708-019B960494DF}">
-                  <a14:hiddenLine xmlns:a14="http://schemas.microsoft.com/office/drawing/2010/main" xmlns:p14="http://schemas.microsoft.com/office/powerpoint/2010/main" xmlns:a16="http://schemas.microsoft.com/office/drawing/2014/main" xmlns="" w="9525">
+                  <a14:hiddenLine xmlns="" xmlns:a16="http://schemas.microsoft.com/office/drawing/2014/main" xmlns:p14="http://schemas.microsoft.com/office/powerpoint/2010/main" xmlns:a14="http://schemas.microsoft.com/office/drawing/2010/main" w="9525">
                     <a:solidFill>
                       <a:srgbClr val="000000"/>
                     </a:solidFill>
@@ -13584,7 +13610,7 @@
               </a:ln>
               <a:extLst>
                 <a:ext uri="{91240B29-F687-4f45-9708-019B960494DF}">
-                  <a14:hiddenLine xmlns:a14="http://schemas.microsoft.com/office/drawing/2010/main" xmlns:p14="http://schemas.microsoft.com/office/powerpoint/2010/main" xmlns:a16="http://schemas.microsoft.com/office/drawing/2014/main" xmlns="" w="9525">
+                  <a14:hiddenLine xmlns="" xmlns:a16="http://schemas.microsoft.com/office/drawing/2014/main" xmlns:p14="http://schemas.microsoft.com/office/powerpoint/2010/main" xmlns:a14="http://schemas.microsoft.com/office/drawing/2010/main" w="9525">
                     <a:solidFill>
                       <a:srgbClr val="000000"/>
                     </a:solidFill>
@@ -13689,7 +13715,7 @@
               </a:ln>
               <a:extLst>
                 <a:ext uri="{91240B29-F687-4f45-9708-019B960494DF}">
-                  <a14:hiddenLine xmlns:a14="http://schemas.microsoft.com/office/drawing/2010/main" xmlns:p14="http://schemas.microsoft.com/office/powerpoint/2010/main" xmlns:a16="http://schemas.microsoft.com/office/drawing/2014/main" xmlns="" w="9525">
+                  <a14:hiddenLine xmlns="" xmlns:a16="http://schemas.microsoft.com/office/drawing/2014/main" xmlns:p14="http://schemas.microsoft.com/office/powerpoint/2010/main" xmlns:a14="http://schemas.microsoft.com/office/drawing/2010/main" w="9525">
                     <a:solidFill>
                       <a:srgbClr val="000000"/>
                     </a:solidFill>
@@ -13766,7 +13792,7 @@
               </a:ln>
               <a:extLst>
                 <a:ext uri="{91240B29-F687-4f45-9708-019B960494DF}">
-                  <a14:hiddenLine xmlns:a14="http://schemas.microsoft.com/office/drawing/2010/main" xmlns:p14="http://schemas.microsoft.com/office/powerpoint/2010/main" xmlns:a16="http://schemas.microsoft.com/office/drawing/2014/main" xmlns="" w="9525">
+                  <a14:hiddenLine xmlns="" xmlns:a16="http://schemas.microsoft.com/office/drawing/2014/main" xmlns:p14="http://schemas.microsoft.com/office/powerpoint/2010/main" xmlns:a14="http://schemas.microsoft.com/office/drawing/2010/main" w="9525">
                     <a:solidFill>
                       <a:srgbClr val="000000"/>
                     </a:solidFill>
@@ -13843,7 +13869,7 @@
               </a:ln>
               <a:extLst>
                 <a:ext uri="{91240B29-F687-4f45-9708-019B960494DF}">
-                  <a14:hiddenLine xmlns:a14="http://schemas.microsoft.com/office/drawing/2010/main" xmlns:p14="http://schemas.microsoft.com/office/powerpoint/2010/main" xmlns:a16="http://schemas.microsoft.com/office/drawing/2014/main" xmlns="" w="9525">
+                  <a14:hiddenLine xmlns="" xmlns:a16="http://schemas.microsoft.com/office/drawing/2014/main" xmlns:p14="http://schemas.microsoft.com/office/powerpoint/2010/main" xmlns:a14="http://schemas.microsoft.com/office/drawing/2010/main" w="9525">
                     <a:solidFill>
                       <a:srgbClr val="000000"/>
                     </a:solidFill>
@@ -13948,7 +13974,7 @@
               </a:ln>
               <a:extLst>
                 <a:ext uri="{91240B29-F687-4f45-9708-019B960494DF}">
-                  <a14:hiddenLine xmlns:a14="http://schemas.microsoft.com/office/drawing/2010/main" xmlns:p14="http://schemas.microsoft.com/office/powerpoint/2010/main" xmlns:a16="http://schemas.microsoft.com/office/drawing/2014/main" xmlns="" w="9525">
+                  <a14:hiddenLine xmlns="" xmlns:a16="http://schemas.microsoft.com/office/drawing/2014/main" xmlns:p14="http://schemas.microsoft.com/office/powerpoint/2010/main" xmlns:a14="http://schemas.microsoft.com/office/drawing/2010/main" w="9525">
                     <a:solidFill>
                       <a:srgbClr val="000000"/>
                     </a:solidFill>
@@ -14053,7 +14079,7 @@
               </a:ln>
               <a:extLst>
                 <a:ext uri="{91240B29-F687-4f45-9708-019B960494DF}">
-                  <a14:hiddenLine xmlns:a14="http://schemas.microsoft.com/office/drawing/2010/main" xmlns:p14="http://schemas.microsoft.com/office/powerpoint/2010/main" xmlns:a16="http://schemas.microsoft.com/office/drawing/2014/main" xmlns="" w="9525">
+                  <a14:hiddenLine xmlns="" xmlns:a16="http://schemas.microsoft.com/office/drawing/2014/main" xmlns:p14="http://schemas.microsoft.com/office/powerpoint/2010/main" xmlns:a14="http://schemas.microsoft.com/office/drawing/2010/main" w="9525">
                     <a:solidFill>
                       <a:srgbClr val="000000"/>
                     </a:solidFill>
@@ -14130,7 +14156,7 @@
               </a:ln>
               <a:extLst>
                 <a:ext uri="{91240B29-F687-4f45-9708-019B960494DF}">
-                  <a14:hiddenLine xmlns:a14="http://schemas.microsoft.com/office/drawing/2010/main" xmlns:p14="http://schemas.microsoft.com/office/powerpoint/2010/main" xmlns:a16="http://schemas.microsoft.com/office/drawing/2014/main" xmlns="" w="9525">
+                  <a14:hiddenLine xmlns="" xmlns:a16="http://schemas.microsoft.com/office/drawing/2014/main" xmlns:p14="http://schemas.microsoft.com/office/powerpoint/2010/main" xmlns:a14="http://schemas.microsoft.com/office/drawing/2010/main" w="9525">
                     <a:solidFill>
                       <a:srgbClr val="000000"/>
                     </a:solidFill>
@@ -14255,7 +14281,7 @@
               </a:ln>
               <a:extLst>
                 <a:ext uri="{91240B29-F687-4f45-9708-019B960494DF}">
-                  <a14:hiddenLine xmlns:a14="http://schemas.microsoft.com/office/drawing/2010/main" xmlns:p14="http://schemas.microsoft.com/office/powerpoint/2010/main" xmlns:a16="http://schemas.microsoft.com/office/drawing/2014/main" xmlns="" w="9525">
+                  <a14:hiddenLine xmlns="" xmlns:a16="http://schemas.microsoft.com/office/drawing/2014/main" xmlns:p14="http://schemas.microsoft.com/office/powerpoint/2010/main" xmlns:a14="http://schemas.microsoft.com/office/drawing/2010/main" w="9525">
                     <a:solidFill>
                       <a:srgbClr val="000000"/>
                     </a:solidFill>
@@ -14369,7 +14395,7 @@
               </a:ln>
               <a:extLst>
                 <a:ext uri="{91240B29-F687-4f45-9708-019B960494DF}">
-                  <a14:hiddenLine xmlns:a14="http://schemas.microsoft.com/office/drawing/2010/main" xmlns:p14="http://schemas.microsoft.com/office/powerpoint/2010/main" xmlns:a16="http://schemas.microsoft.com/office/drawing/2014/main" xmlns="" w="9525">
+                  <a14:hiddenLine xmlns="" xmlns:a16="http://schemas.microsoft.com/office/drawing/2014/main" xmlns:p14="http://schemas.microsoft.com/office/powerpoint/2010/main" xmlns:a14="http://schemas.microsoft.com/office/drawing/2010/main" w="9525">
                     <a:solidFill>
                       <a:srgbClr val="000000"/>
                     </a:solidFill>
@@ -14446,7 +14472,7 @@
               </a:ln>
               <a:extLst>
                 <a:ext uri="{91240B29-F687-4f45-9708-019B960494DF}">
-                  <a14:hiddenLine xmlns:a14="http://schemas.microsoft.com/office/drawing/2010/main" xmlns:p14="http://schemas.microsoft.com/office/powerpoint/2010/main" xmlns:a16="http://schemas.microsoft.com/office/drawing/2014/main" xmlns="" w="9525">
+                  <a14:hiddenLine xmlns="" xmlns:a16="http://schemas.microsoft.com/office/drawing/2014/main" xmlns:p14="http://schemas.microsoft.com/office/powerpoint/2010/main" xmlns:a14="http://schemas.microsoft.com/office/drawing/2010/main" w="9525">
                     <a:solidFill>
                       <a:srgbClr val="000000"/>
                     </a:solidFill>
@@ -14523,7 +14549,7 @@
               </a:ln>
               <a:extLst>
                 <a:ext uri="{91240B29-F687-4f45-9708-019B960494DF}">
-                  <a14:hiddenLine xmlns:a14="http://schemas.microsoft.com/office/drawing/2010/main" xmlns:p14="http://schemas.microsoft.com/office/powerpoint/2010/main" xmlns:a16="http://schemas.microsoft.com/office/drawing/2014/main" xmlns="" w="9525">
+                  <a14:hiddenLine xmlns="" xmlns:a16="http://schemas.microsoft.com/office/drawing/2014/main" xmlns:p14="http://schemas.microsoft.com/office/powerpoint/2010/main" xmlns:a14="http://schemas.microsoft.com/office/drawing/2010/main" w="9525">
                     <a:solidFill>
                       <a:srgbClr val="000000"/>
                     </a:solidFill>
@@ -14628,7 +14654,7 @@
               </a:ln>
               <a:extLst>
                 <a:ext uri="{91240B29-F687-4f45-9708-019B960494DF}">
-                  <a14:hiddenLine xmlns:a14="http://schemas.microsoft.com/office/drawing/2010/main" xmlns:p14="http://schemas.microsoft.com/office/powerpoint/2010/main" xmlns:a16="http://schemas.microsoft.com/office/drawing/2014/main" xmlns="" w="9525">
+                  <a14:hiddenLine xmlns="" xmlns:a16="http://schemas.microsoft.com/office/drawing/2014/main" xmlns:p14="http://schemas.microsoft.com/office/powerpoint/2010/main" xmlns:a14="http://schemas.microsoft.com/office/drawing/2010/main" w="9525">
                     <a:solidFill>
                       <a:srgbClr val="000000"/>
                     </a:solidFill>
@@ -14677,7 +14703,7 @@
               </a:ln>
               <a:extLst>
                 <a:ext uri="{91240B29-F687-4f45-9708-019B960494DF}">
-                  <a14:hiddenLine xmlns:a14="http://schemas.microsoft.com/office/drawing/2010/main" xmlns:p14="http://schemas.microsoft.com/office/powerpoint/2010/main" xmlns:a16="http://schemas.microsoft.com/office/drawing/2014/main" xmlns="" w="9525">
+                  <a14:hiddenLine xmlns="" xmlns:a16="http://schemas.microsoft.com/office/drawing/2014/main" xmlns:p14="http://schemas.microsoft.com/office/powerpoint/2010/main" xmlns:a14="http://schemas.microsoft.com/office/drawing/2010/main" w="9525">
                     <a:solidFill>
                       <a:srgbClr val="000000"/>
                     </a:solidFill>
@@ -14757,7 +14783,7 @@
               </a:ln>
               <a:extLst>
                 <a:ext uri="{91240B29-F687-4f45-9708-019B960494DF}">
-                  <a14:hiddenLine xmlns:a14="http://schemas.microsoft.com/office/drawing/2010/main" xmlns:p14="http://schemas.microsoft.com/office/powerpoint/2010/main" xmlns:a16="http://schemas.microsoft.com/office/drawing/2014/main" xmlns="" w="9525">
+                  <a14:hiddenLine xmlns="" xmlns:a16="http://schemas.microsoft.com/office/drawing/2014/main" xmlns:p14="http://schemas.microsoft.com/office/powerpoint/2010/main" xmlns:a14="http://schemas.microsoft.com/office/drawing/2010/main" w="9525">
                     <a:solidFill>
                       <a:srgbClr val="000000"/>
                     </a:solidFill>
@@ -14862,7 +14888,7 @@
               </a:ln>
               <a:extLst>
                 <a:ext uri="{91240B29-F687-4f45-9708-019B960494DF}">
-                  <a14:hiddenLine xmlns:a14="http://schemas.microsoft.com/office/drawing/2010/main" xmlns:p14="http://schemas.microsoft.com/office/powerpoint/2010/main" xmlns:a16="http://schemas.microsoft.com/office/drawing/2014/main" xmlns="" w="9525">
+                  <a14:hiddenLine xmlns="" xmlns:a16="http://schemas.microsoft.com/office/drawing/2014/main" xmlns:p14="http://schemas.microsoft.com/office/powerpoint/2010/main" xmlns:a14="http://schemas.microsoft.com/office/drawing/2010/main" w="9525">
                     <a:solidFill>
                       <a:srgbClr val="000000"/>
                     </a:solidFill>
@@ -14939,7 +14965,7 @@
               </a:ln>
               <a:extLst>
                 <a:ext uri="{91240B29-F687-4f45-9708-019B960494DF}">
-                  <a14:hiddenLine xmlns:a14="http://schemas.microsoft.com/office/drawing/2010/main" xmlns:p14="http://schemas.microsoft.com/office/powerpoint/2010/main" xmlns:a16="http://schemas.microsoft.com/office/drawing/2014/main" xmlns="" w="9525">
+                  <a14:hiddenLine xmlns="" xmlns:a16="http://schemas.microsoft.com/office/drawing/2014/main" xmlns:p14="http://schemas.microsoft.com/office/powerpoint/2010/main" xmlns:a14="http://schemas.microsoft.com/office/drawing/2010/main" w="9525">
                     <a:solidFill>
                       <a:srgbClr val="000000"/>
                     </a:solidFill>
@@ -15044,7 +15070,7 @@
               </a:ln>
               <a:extLst>
                 <a:ext uri="{91240B29-F687-4f45-9708-019B960494DF}">
-                  <a14:hiddenLine xmlns:a14="http://schemas.microsoft.com/office/drawing/2010/main" xmlns:p14="http://schemas.microsoft.com/office/powerpoint/2010/main" xmlns:a16="http://schemas.microsoft.com/office/drawing/2014/main" xmlns="" w="9525">
+                  <a14:hiddenLine xmlns="" xmlns:a16="http://schemas.microsoft.com/office/drawing/2014/main" xmlns:p14="http://schemas.microsoft.com/office/powerpoint/2010/main" xmlns:a14="http://schemas.microsoft.com/office/drawing/2010/main" w="9525">
                     <a:solidFill>
                       <a:srgbClr val="000000"/>
                     </a:solidFill>
@@ -15124,7 +15150,7 @@
               </a:ln>
               <a:extLst>
                 <a:ext uri="{91240B29-F687-4f45-9708-019B960494DF}">
-                  <a14:hiddenLine xmlns:a14="http://schemas.microsoft.com/office/drawing/2010/main" xmlns:p14="http://schemas.microsoft.com/office/powerpoint/2010/main" xmlns:a16="http://schemas.microsoft.com/office/drawing/2014/main" xmlns="" w="9525">
+                  <a14:hiddenLine xmlns="" xmlns:a16="http://schemas.microsoft.com/office/drawing/2014/main" xmlns:p14="http://schemas.microsoft.com/office/powerpoint/2010/main" xmlns:a14="http://schemas.microsoft.com/office/drawing/2010/main" w="9525">
                     <a:solidFill>
                       <a:srgbClr val="000000"/>
                     </a:solidFill>
@@ -15201,7 +15227,7 @@
               </a:ln>
               <a:extLst>
                 <a:ext uri="{91240B29-F687-4f45-9708-019B960494DF}">
-                  <a14:hiddenLine xmlns:a14="http://schemas.microsoft.com/office/drawing/2010/main" xmlns:p14="http://schemas.microsoft.com/office/powerpoint/2010/main" xmlns:a16="http://schemas.microsoft.com/office/drawing/2014/main" xmlns="" w="9525">
+                  <a14:hiddenLine xmlns="" xmlns:a16="http://schemas.microsoft.com/office/drawing/2014/main" xmlns:p14="http://schemas.microsoft.com/office/powerpoint/2010/main" xmlns:a14="http://schemas.microsoft.com/office/drawing/2010/main" w="9525">
                     <a:solidFill>
                       <a:srgbClr val="000000"/>
                     </a:solidFill>
@@ -15306,7 +15332,7 @@
               </a:ln>
               <a:extLst>
                 <a:ext uri="{91240B29-F687-4f45-9708-019B960494DF}">
-                  <a14:hiddenLine xmlns:a14="http://schemas.microsoft.com/office/drawing/2010/main" xmlns:p14="http://schemas.microsoft.com/office/powerpoint/2010/main" xmlns:a16="http://schemas.microsoft.com/office/drawing/2014/main" xmlns="" w="9525">
+                  <a14:hiddenLine xmlns="" xmlns:a16="http://schemas.microsoft.com/office/drawing/2014/main" xmlns:p14="http://schemas.microsoft.com/office/powerpoint/2010/main" xmlns:a14="http://schemas.microsoft.com/office/drawing/2010/main" w="9525">
                     <a:solidFill>
                       <a:srgbClr val="000000"/>
                     </a:solidFill>
@@ -15411,7 +15437,7 @@
               </a:ln>
               <a:extLst>
                 <a:ext uri="{91240B29-F687-4f45-9708-019B960494DF}">
-                  <a14:hiddenLine xmlns:a14="http://schemas.microsoft.com/office/drawing/2010/main" xmlns:p14="http://schemas.microsoft.com/office/powerpoint/2010/main" xmlns:a16="http://schemas.microsoft.com/office/drawing/2014/main" xmlns="" w="9525">
+                  <a14:hiddenLine xmlns="" xmlns:a16="http://schemas.microsoft.com/office/drawing/2014/main" xmlns:p14="http://schemas.microsoft.com/office/powerpoint/2010/main" xmlns:a14="http://schemas.microsoft.com/office/drawing/2010/main" w="9525">
                     <a:solidFill>
                       <a:srgbClr val="000000"/>
                     </a:solidFill>
@@ -15491,7 +15517,7 @@
               </a:ln>
               <a:extLst>
                 <a:ext uri="{91240B29-F687-4f45-9708-019B960494DF}">
-                  <a14:hiddenLine xmlns:a14="http://schemas.microsoft.com/office/drawing/2010/main" xmlns:p14="http://schemas.microsoft.com/office/powerpoint/2010/main" xmlns:a16="http://schemas.microsoft.com/office/drawing/2014/main" xmlns="" w="9525">
+                  <a14:hiddenLine xmlns="" xmlns:a16="http://schemas.microsoft.com/office/drawing/2014/main" xmlns:p14="http://schemas.microsoft.com/office/powerpoint/2010/main" xmlns:a14="http://schemas.microsoft.com/office/drawing/2010/main" w="9525">
                     <a:solidFill>
                       <a:srgbClr val="000000"/>
                     </a:solidFill>
@@ -15626,7 +15652,7 @@
               </a:ln>
               <a:extLst>
                 <a:ext uri="{91240B29-F687-4f45-9708-019B960494DF}">
-                  <a14:hiddenLine xmlns:a14="http://schemas.microsoft.com/office/drawing/2010/main" xmlns:p14="http://schemas.microsoft.com/office/powerpoint/2010/main" xmlns:a16="http://schemas.microsoft.com/office/drawing/2014/main" xmlns="" w="9525">
+                  <a14:hiddenLine xmlns="" xmlns:a16="http://schemas.microsoft.com/office/drawing/2014/main" xmlns:p14="http://schemas.microsoft.com/office/powerpoint/2010/main" xmlns:a14="http://schemas.microsoft.com/office/drawing/2010/main" w="9525">
                     <a:solidFill>
                       <a:srgbClr val="000000"/>
                     </a:solidFill>
@@ -15754,7 +15780,7 @@
               </a:ln>
               <a:extLst>
                 <a:ext uri="{91240B29-F687-4f45-9708-019B960494DF}">
-                  <a14:hiddenLine xmlns:a14="http://schemas.microsoft.com/office/drawing/2010/main" xmlns:p14="http://schemas.microsoft.com/office/powerpoint/2010/main" xmlns:a16="http://schemas.microsoft.com/office/drawing/2014/main" xmlns="" w="9525">
+                  <a14:hiddenLine xmlns="" xmlns:a16="http://schemas.microsoft.com/office/drawing/2014/main" xmlns:p14="http://schemas.microsoft.com/office/powerpoint/2010/main" xmlns:a14="http://schemas.microsoft.com/office/drawing/2010/main" w="9525">
                     <a:solidFill>
                       <a:srgbClr val="000000"/>
                     </a:solidFill>
@@ -15884,7 +15910,7 @@
               </a:ln>
               <a:extLst>
                 <a:ext uri="{91240B29-F687-4f45-9708-019B960494DF}">
-                  <a14:hiddenLine xmlns:a14="http://schemas.microsoft.com/office/drawing/2010/main" xmlns:p14="http://schemas.microsoft.com/office/powerpoint/2010/main" xmlns:a16="http://schemas.microsoft.com/office/drawing/2014/main" xmlns="" w="9525">
+                  <a14:hiddenLine xmlns="" xmlns:a16="http://schemas.microsoft.com/office/drawing/2014/main" xmlns:p14="http://schemas.microsoft.com/office/powerpoint/2010/main" xmlns:a14="http://schemas.microsoft.com/office/drawing/2010/main" w="9525">
                     <a:solidFill>
                       <a:srgbClr val="000000"/>
                     </a:solidFill>
@@ -15989,7 +16015,7 @@
               </a:ln>
               <a:extLst>
                 <a:ext uri="{91240B29-F687-4f45-9708-019B960494DF}">
-                  <a14:hiddenLine xmlns:a14="http://schemas.microsoft.com/office/drawing/2010/main" xmlns:p14="http://schemas.microsoft.com/office/powerpoint/2010/main" xmlns:a16="http://schemas.microsoft.com/office/drawing/2014/main" xmlns="" w="9525">
+                  <a14:hiddenLine xmlns="" xmlns:a16="http://schemas.microsoft.com/office/drawing/2014/main" xmlns:p14="http://schemas.microsoft.com/office/powerpoint/2010/main" xmlns:a14="http://schemas.microsoft.com/office/drawing/2010/main" w="9525">
                     <a:solidFill>
                       <a:srgbClr val="000000"/>
                     </a:solidFill>
@@ -16069,7 +16095,7 @@
               </a:ln>
               <a:extLst>
                 <a:ext uri="{91240B29-F687-4f45-9708-019B960494DF}">
-                  <a14:hiddenLine xmlns:a14="http://schemas.microsoft.com/office/drawing/2010/main" xmlns:p14="http://schemas.microsoft.com/office/powerpoint/2010/main" xmlns:a16="http://schemas.microsoft.com/office/drawing/2014/main" xmlns="" w="9525">
+                  <a14:hiddenLine xmlns="" xmlns:a16="http://schemas.microsoft.com/office/drawing/2014/main" xmlns:p14="http://schemas.microsoft.com/office/powerpoint/2010/main" xmlns:a14="http://schemas.microsoft.com/office/drawing/2010/main" w="9525">
                     <a:solidFill>
                       <a:srgbClr val="000000"/>
                     </a:solidFill>
@@ -16174,7 +16200,7 @@
               </a:ln>
               <a:extLst>
                 <a:ext uri="{91240B29-F687-4f45-9708-019B960494DF}">
-                  <a14:hiddenLine xmlns:a14="http://schemas.microsoft.com/office/drawing/2010/main" xmlns:p14="http://schemas.microsoft.com/office/powerpoint/2010/main" xmlns:a16="http://schemas.microsoft.com/office/drawing/2014/main" xmlns="" w="9525">
+                  <a14:hiddenLine xmlns="" xmlns:a16="http://schemas.microsoft.com/office/drawing/2014/main" xmlns:p14="http://schemas.microsoft.com/office/powerpoint/2010/main" xmlns:a14="http://schemas.microsoft.com/office/drawing/2010/main" w="9525">
                     <a:solidFill>
                       <a:srgbClr val="000000"/>
                     </a:solidFill>
@@ -16257,7 +16283,7 @@
               </a:ln>
               <a:extLst>
                 <a:ext uri="{91240B29-F687-4f45-9708-019B960494DF}">
-                  <a14:hiddenLine xmlns:a14="http://schemas.microsoft.com/office/drawing/2010/main" xmlns:p14="http://schemas.microsoft.com/office/powerpoint/2010/main" xmlns:a16="http://schemas.microsoft.com/office/drawing/2014/main" xmlns="" w="9525">
+                  <a14:hiddenLine xmlns="" xmlns:a16="http://schemas.microsoft.com/office/drawing/2014/main" xmlns:p14="http://schemas.microsoft.com/office/powerpoint/2010/main" xmlns:a14="http://schemas.microsoft.com/office/drawing/2010/main" w="9525">
                     <a:solidFill>
                       <a:srgbClr val="000000"/>
                     </a:solidFill>
@@ -16362,7 +16388,7 @@
               </a:ln>
               <a:extLst>
                 <a:ext uri="{91240B29-F687-4f45-9708-019B960494DF}">
-                  <a14:hiddenLine xmlns:a14="http://schemas.microsoft.com/office/drawing/2010/main" xmlns:p14="http://schemas.microsoft.com/office/powerpoint/2010/main" xmlns:a16="http://schemas.microsoft.com/office/drawing/2014/main" xmlns="" w="9525">
+                  <a14:hiddenLine xmlns="" xmlns:a16="http://schemas.microsoft.com/office/drawing/2014/main" xmlns:p14="http://schemas.microsoft.com/office/powerpoint/2010/main" xmlns:a14="http://schemas.microsoft.com/office/drawing/2010/main" w="9525">
                     <a:solidFill>
                       <a:srgbClr val="000000"/>
                     </a:solidFill>
@@ -16445,7 +16471,7 @@
               </a:ln>
               <a:extLst>
                 <a:ext uri="{91240B29-F687-4f45-9708-019B960494DF}">
-                  <a14:hiddenLine xmlns:a14="http://schemas.microsoft.com/office/drawing/2010/main" xmlns:p14="http://schemas.microsoft.com/office/powerpoint/2010/main" xmlns:a16="http://schemas.microsoft.com/office/drawing/2014/main" xmlns="" w="9525">
+                  <a14:hiddenLine xmlns="" xmlns:a16="http://schemas.microsoft.com/office/drawing/2014/main" xmlns:p14="http://schemas.microsoft.com/office/powerpoint/2010/main" xmlns:a14="http://schemas.microsoft.com/office/drawing/2010/main" w="9525">
                     <a:solidFill>
                       <a:srgbClr val="000000"/>
                     </a:solidFill>
@@ -16550,7 +16576,7 @@
               </a:ln>
               <a:extLst>
                 <a:ext uri="{91240B29-F687-4f45-9708-019B960494DF}">
-                  <a14:hiddenLine xmlns:a14="http://schemas.microsoft.com/office/drawing/2010/main" xmlns:p14="http://schemas.microsoft.com/office/powerpoint/2010/main" xmlns:a16="http://schemas.microsoft.com/office/drawing/2014/main" xmlns="" w="9525">
+                  <a14:hiddenLine xmlns="" xmlns:a16="http://schemas.microsoft.com/office/drawing/2014/main" xmlns:p14="http://schemas.microsoft.com/office/powerpoint/2010/main" xmlns:a14="http://schemas.microsoft.com/office/drawing/2010/main" w="9525">
                     <a:solidFill>
                       <a:srgbClr val="000000"/>
                     </a:solidFill>
@@ -16599,7 +16625,7 @@
               </a:ln>
               <a:extLst>
                 <a:ext uri="{91240B29-F687-4f45-9708-019B960494DF}">
-                  <a14:hiddenLine xmlns:a14="http://schemas.microsoft.com/office/drawing/2010/main" xmlns:p14="http://schemas.microsoft.com/office/powerpoint/2010/main" xmlns:a16="http://schemas.microsoft.com/office/drawing/2014/main" xmlns="" w="9525">
+                  <a14:hiddenLine xmlns="" xmlns:a16="http://schemas.microsoft.com/office/drawing/2014/main" xmlns:p14="http://schemas.microsoft.com/office/powerpoint/2010/main" xmlns:a14="http://schemas.microsoft.com/office/drawing/2010/main" w="9525">
                     <a:solidFill>
                       <a:srgbClr val="000000"/>
                     </a:solidFill>
@@ -17362,8 +17388,8 @@
         </p:nvSpPr>
         <p:spPr>
           <a:xfrm>
-            <a:off x="457050" y="1415601"/>
-            <a:ext cx="11274724" cy="5314147"/>
+            <a:off x="517283" y="1415601"/>
+            <a:ext cx="11447737" cy="4807598"/>
           </a:xfrm>
           <a:prstGeom prst="rect">
             <a:avLst/>
@@ -17377,37 +17403,6 @@
           </a:bodyPr>
           <a:lstStyle/>
           <a:p>
-            <a:pPr indent="228600">
-              <a:lnSpc>
-                <a:spcPct val="107000"/>
-              </a:lnSpc>
-              <a:spcAft>
-                <a:spcPts val="800"/>
-              </a:spcAft>
-            </a:pPr>
-            <a:r>
-              <a:rPr lang="ru-RU" sz="2400" dirty="0">
-                <a:effectLst/>
-                <a:ea typeface="Calibri" panose="020F0502020204030204" pitchFamily="34" charset="0"/>
-                <a:cs typeface="Times New Roman" panose="02020603050405020304" pitchFamily="18" charset="0"/>
-              </a:rPr>
-              <a:t>		</a:t>
-            </a:r>
-            <a:r>
-              <a:rPr lang="ru-RU" sz="2400" b="1" dirty="0">
-                <a:ln w="9525">
-                  <a:solidFill>
-                    <a:schemeClr val="bg1"/>
-                  </a:solidFill>
-                  <a:prstDash val="solid"/>
-                </a:ln>
-                <a:ea typeface="Calibri" panose="020F0502020204030204" pitchFamily="34" charset="0"/>
-                <a:cs typeface="Times New Roman" panose="02020603050405020304" pitchFamily="18" charset="0"/>
-              </a:rPr>
-              <a:t>Функциональные требования к проектируемой системе:</a:t>
-            </a:r>
-          </a:p>
-          <a:p>
             <a:pPr marL="914400" lvl="1" indent="-457200">
               <a:lnSpc>
                 <a:spcPct val="107000"/>
@@ -17415,17 +17410,22 @@
               <a:buAutoNum type="arabicPeriod"/>
             </a:pPr>
             <a:r>
-              <a:rPr lang="ru-RU" sz="2400" b="1" dirty="0">
+              <a:rPr lang="ru-RU" sz="3600" b="1" dirty="0">
                 <a:ln w="9525">
                   <a:solidFill>
                     <a:schemeClr val="bg1"/>
                   </a:solidFill>
                   <a:prstDash val="solid"/>
                 </a:ln>
-                <a:ea typeface="Calibri" panose="020F0502020204030204" pitchFamily="34" charset="0"/>
+                <a:solidFill>
+                  <a:schemeClr val="accent1">
+                    <a:lumMod val="60000"/>
+                    <a:lumOff val="40000"/>
+                  </a:schemeClr>
+                </a:solidFill>
                 <a:cs typeface="Times New Roman" panose="02020603050405020304" pitchFamily="18" charset="0"/>
               </a:rPr>
-              <a:t>Должна давать возможность набирать текст с помощью клавиш;</a:t>
+              <a:t>Набор текста с клавиатуры;</a:t>
             </a:r>
           </a:p>
           <a:p>
@@ -17437,17 +17437,22 @@
               <a:buAutoNum type="arabicPeriod"/>
             </a:pPr>
             <a:r>
-              <a:rPr lang="ru-RU" sz="2400" b="1" dirty="0">
+              <a:rPr lang="ru-RU" sz="3600" b="1" dirty="0">
                 <a:ln w="9525">
                   <a:solidFill>
                     <a:schemeClr val="bg1"/>
                   </a:solidFill>
                   <a:prstDash val="solid"/>
                 </a:ln>
-                <a:ea typeface="Calibri" panose="020F0502020204030204" pitchFamily="34" charset="0"/>
+                <a:solidFill>
+                  <a:schemeClr val="accent1">
+                    <a:lumMod val="60000"/>
+                    <a:lumOff val="40000"/>
+                  </a:schemeClr>
+                </a:solidFill>
                 <a:cs typeface="Times New Roman" panose="02020603050405020304" pitchFamily="18" charset="0"/>
               </a:rPr>
-              <a:t>Должна давать рекомендации по исправлению слова до трех правильных вариантов;</a:t>
+              <a:t>Рекомендации по исправлению слова;</a:t>
             </a:r>
           </a:p>
           <a:p>
@@ -17459,17 +17464,22 @@
               <a:buAutoNum type="arabicPeriod"/>
             </a:pPr>
             <a:r>
-              <a:rPr lang="ru-RU" sz="2400" b="1" dirty="0">
+              <a:rPr lang="ru-RU" sz="3600" b="1" dirty="0">
                 <a:ln w="9525">
                   <a:solidFill>
                     <a:schemeClr val="bg1"/>
                   </a:solidFill>
                   <a:prstDash val="solid"/>
                 </a:ln>
-                <a:ea typeface="Calibri" panose="020F0502020204030204" pitchFamily="34" charset="0"/>
+                <a:solidFill>
+                  <a:schemeClr val="accent1">
+                    <a:lumMod val="60000"/>
+                    <a:lumOff val="40000"/>
+                  </a:schemeClr>
+                </a:solidFill>
                 <a:cs typeface="Times New Roman" panose="02020603050405020304" pitchFamily="18" charset="0"/>
               </a:rPr>
-              <a:t>Должна давать рекомендации до трех слов на выбор, каждое из которых может идти за текущим словом;</a:t>
+              <a:t>Рекомендация следующего слова;</a:t>
             </a:r>
           </a:p>
           <a:p>
@@ -17481,17 +17491,16 @@
               <a:buAutoNum type="arabicPeriod"/>
             </a:pPr>
             <a:r>
-              <a:rPr lang="ru-RU" sz="2400" b="1" dirty="0">
+              <a:rPr lang="ru-RU" sz="3600" b="1" dirty="0">
                 <a:ln w="9525">
                   <a:solidFill>
                     <a:schemeClr val="bg1"/>
                   </a:solidFill>
                   <a:prstDash val="solid"/>
                 </a:ln>
-                <a:ea typeface="Calibri" panose="020F0502020204030204" pitchFamily="34" charset="0"/>
                 <a:cs typeface="Times New Roman" panose="02020603050405020304" pitchFamily="18" charset="0"/>
               </a:rPr>
-              <a:t>Должна давать рекомендации до трех слов на выбор, каждым из которых можно завершить написание текущего слова;</a:t>
+              <a:t>Рекомендация завершения слова;</a:t>
             </a:r>
           </a:p>
           <a:p>
@@ -17503,27 +17512,37 @@
               <a:buAutoNum type="arabicPeriod"/>
             </a:pPr>
             <a:r>
-              <a:rPr lang="ru-RU" sz="2400" b="1" dirty="0">
+              <a:rPr lang="ru-RU" sz="3600" b="1" dirty="0">
                 <a:ln w="9525">
                   <a:solidFill>
                     <a:schemeClr val="bg1"/>
                   </a:solidFill>
                   <a:prstDash val="solid"/>
                 </a:ln>
-                <a:ea typeface="Calibri" panose="020F0502020204030204" pitchFamily="34" charset="0"/>
+                <a:solidFill>
+                  <a:schemeClr val="accent1">
+                    <a:lumMod val="60000"/>
+                    <a:lumOff val="40000"/>
+                  </a:schemeClr>
+                </a:solidFill>
                 <a:cs typeface="Times New Roman" panose="02020603050405020304" pitchFamily="18" charset="0"/>
               </a:rPr>
-              <a:t>Должна обучаться под конкретного пользователя, анализируя его набор текста и его использование рекомендаций, предложенных клавиатурой</a:t>
+              <a:t>Персонализация</a:t>
             </a:r>
             <a:r>
-              <a:rPr lang="en-US" sz="2400" b="1" dirty="0">
+              <a:rPr lang="en-US" sz="3600" b="1" dirty="0">
                 <a:ln w="9525">
                   <a:solidFill>
                     <a:schemeClr val="bg1"/>
                   </a:solidFill>
                   <a:prstDash val="solid"/>
                 </a:ln>
-                <a:ea typeface="Calibri" panose="020F0502020204030204" pitchFamily="34" charset="0"/>
+                <a:solidFill>
+                  <a:schemeClr val="accent1">
+                    <a:lumMod val="60000"/>
+                    <a:lumOff val="40000"/>
+                  </a:schemeClr>
+                </a:solidFill>
                 <a:cs typeface="Times New Roman" panose="02020603050405020304" pitchFamily="18" charset="0"/>
               </a:rPr>
               <a:t>;</a:t>
@@ -17538,17 +17557,16 @@
               <a:buAutoNum type="arabicPeriod"/>
             </a:pPr>
             <a:r>
-              <a:rPr lang="ru-RU" sz="2400" b="1" dirty="0">
+              <a:rPr lang="ru-RU" sz="3600" b="1" dirty="0">
                 <a:ln w="9525">
                   <a:solidFill>
                     <a:schemeClr val="bg1"/>
                   </a:solidFill>
                   <a:prstDash val="solid"/>
                 </a:ln>
-                <a:ea typeface="Calibri" panose="020F0502020204030204" pitchFamily="34" charset="0"/>
                 <a:cs typeface="Times New Roman" panose="02020603050405020304" pitchFamily="18" charset="0"/>
               </a:rPr>
-              <a:t>Должна иметься возможность менять в настройках приложения цвет, шрифт и раскладку клавиатуры;</a:t>
+              <a:t>Изменение настроек клавиатуры – цвет, шрифт, раскладка;</a:t>
             </a:r>
           </a:p>
           <a:p>
@@ -17560,26 +17578,24 @@
               <a:buAutoNum type="arabicPeriod"/>
             </a:pPr>
             <a:r>
-              <a:rPr lang="ru-RU" sz="2400" b="1" dirty="0">
+              <a:rPr lang="ru-RU" sz="3600" b="1" dirty="0">
                 <a:ln w="9525">
                   <a:solidFill>
                     <a:schemeClr val="bg1"/>
                   </a:solidFill>
                   <a:prstDash val="solid"/>
                 </a:ln>
-                <a:ea typeface="Calibri" panose="020F0502020204030204" pitchFamily="34" charset="0"/>
                 <a:cs typeface="Times New Roman" panose="02020603050405020304" pitchFamily="18" charset="0"/>
               </a:rPr>
-              <a:t>Должна иметься возможность авторизации и регистрации в приложении</a:t>
+              <a:t>Регистрация и авторизация</a:t>
             </a:r>
-            <a:endParaRPr lang="en-US" sz="2400" b="1" dirty="0">
+            <a:endParaRPr lang="en-US" sz="3600" b="1" dirty="0">
               <a:ln w="9525">
                 <a:solidFill>
                   <a:schemeClr val="bg1"/>
                 </a:solidFill>
                 <a:prstDash val="solid"/>
               </a:ln>
-              <a:ea typeface="Calibri" panose="020F0502020204030204" pitchFamily="34" charset="0"/>
               <a:cs typeface="Times New Roman" panose="02020603050405020304" pitchFamily="18" charset="0"/>
             </a:endParaRPr>
           </a:p>
@@ -17613,7 +17629,7 @@
         </p:blipFill>
         <p:spPr>
           <a:xfrm>
-            <a:off x="517284" y="1930880"/>
+            <a:off x="567582" y="1599124"/>
             <a:ext cx="445696" cy="445696"/>
           </a:xfrm>
           <a:prstGeom prst="rect">
@@ -17649,7 +17665,7 @@
         </p:blipFill>
         <p:spPr>
           <a:xfrm>
-            <a:off x="517284" y="2307564"/>
+            <a:off x="557025" y="2159091"/>
             <a:ext cx="445696" cy="445696"/>
           </a:xfrm>
           <a:prstGeom prst="rect">
@@ -17685,7 +17701,7 @@
         </p:blipFill>
         <p:spPr>
           <a:xfrm>
-            <a:off x="517284" y="3071869"/>
+            <a:off x="557025" y="2719058"/>
             <a:ext cx="445696" cy="445696"/>
           </a:xfrm>
           <a:prstGeom prst="rect">
@@ -17721,7 +17737,7 @@
         </p:blipFill>
         <p:spPr>
           <a:xfrm>
-            <a:off x="517284" y="4622615"/>
+            <a:off x="577310" y="3916094"/>
             <a:ext cx="445696" cy="445696"/>
           </a:xfrm>
           <a:prstGeom prst="rect">
@@ -17831,7 +17847,7 @@
           <a:noFill/>
           <a:extLst>
             <a:ext uri="{909E8E84-426E-40dd-AFC4-6F175D3DCCD1}">
-              <a14:hiddenFill xmlns="" xmlns:a16="http://schemas.microsoft.com/office/drawing/2014/main" xmlns:p14="http://schemas.microsoft.com/office/powerpoint/2010/main" xmlns:a14="http://schemas.microsoft.com/office/drawing/2010/main">
+              <a14:hiddenFill xmlns:a14="http://schemas.microsoft.com/office/drawing/2010/main" xmlns:p14="http://schemas.microsoft.com/office/powerpoint/2010/main" xmlns:a16="http://schemas.microsoft.com/office/drawing/2014/main" xmlns="">
                 <a:solidFill>
                   <a:srgbClr val="FFFFFF"/>
                 </a:solidFill>
@@ -17952,7 +17968,7 @@
               </a:ln>
               <a:extLst>
                 <a:ext uri="{91240B29-F687-4f45-9708-019B960494DF}">
-                  <a14:hiddenLine xmlns="" xmlns:a16="http://schemas.microsoft.com/office/drawing/2014/main" xmlns:p14="http://schemas.microsoft.com/office/powerpoint/2010/main" xmlns:a14="http://schemas.microsoft.com/office/drawing/2010/main" w="9525">
+                  <a14:hiddenLine xmlns:a14="http://schemas.microsoft.com/office/drawing/2010/main" xmlns:p14="http://schemas.microsoft.com/office/powerpoint/2010/main" xmlns:a16="http://schemas.microsoft.com/office/drawing/2014/main" xmlns="" w="9525">
                     <a:solidFill>
                       <a:srgbClr val="000000"/>
                     </a:solidFill>
@@ -18057,7 +18073,7 @@
               </a:ln>
               <a:extLst>
                 <a:ext uri="{91240B29-F687-4f45-9708-019B960494DF}">
-                  <a14:hiddenLine xmlns="" xmlns:a16="http://schemas.microsoft.com/office/drawing/2014/main" xmlns:p14="http://schemas.microsoft.com/office/powerpoint/2010/main" xmlns:a14="http://schemas.microsoft.com/office/drawing/2010/main" w="9525">
+                  <a14:hiddenLine xmlns:a14="http://schemas.microsoft.com/office/drawing/2010/main" xmlns:p14="http://schemas.microsoft.com/office/powerpoint/2010/main" xmlns:a16="http://schemas.microsoft.com/office/drawing/2014/main" xmlns="" w="9525">
                     <a:solidFill>
                       <a:srgbClr val="000000"/>
                     </a:solidFill>
@@ -18162,7 +18178,7 @@
               </a:ln>
               <a:extLst>
                 <a:ext uri="{91240B29-F687-4f45-9708-019B960494DF}">
-                  <a14:hiddenLine xmlns="" xmlns:a16="http://schemas.microsoft.com/office/drawing/2014/main" xmlns:p14="http://schemas.microsoft.com/office/powerpoint/2010/main" xmlns:a14="http://schemas.microsoft.com/office/drawing/2010/main" w="9525">
+                  <a14:hiddenLine xmlns:a14="http://schemas.microsoft.com/office/drawing/2010/main" xmlns:p14="http://schemas.microsoft.com/office/powerpoint/2010/main" xmlns:a16="http://schemas.microsoft.com/office/drawing/2014/main" xmlns="" w="9525">
                     <a:solidFill>
                       <a:srgbClr val="000000"/>
                     </a:solidFill>
@@ -18239,7 +18255,7 @@
               </a:ln>
               <a:extLst>
                 <a:ext uri="{91240B29-F687-4f45-9708-019B960494DF}">
-                  <a14:hiddenLine xmlns="" xmlns:a16="http://schemas.microsoft.com/office/drawing/2014/main" xmlns:p14="http://schemas.microsoft.com/office/powerpoint/2010/main" xmlns:a14="http://schemas.microsoft.com/office/drawing/2010/main" w="9525">
+                  <a14:hiddenLine xmlns:a14="http://schemas.microsoft.com/office/drawing/2010/main" xmlns:p14="http://schemas.microsoft.com/office/powerpoint/2010/main" xmlns:a16="http://schemas.microsoft.com/office/drawing/2014/main" xmlns="" w="9525">
                     <a:solidFill>
                       <a:srgbClr val="000000"/>
                     </a:solidFill>
@@ -18344,7 +18360,7 @@
               </a:ln>
               <a:extLst>
                 <a:ext uri="{91240B29-F687-4f45-9708-019B960494DF}">
-                  <a14:hiddenLine xmlns="" xmlns:a16="http://schemas.microsoft.com/office/drawing/2014/main" xmlns:p14="http://schemas.microsoft.com/office/powerpoint/2010/main" xmlns:a14="http://schemas.microsoft.com/office/drawing/2010/main" w="9525">
+                  <a14:hiddenLine xmlns:a14="http://schemas.microsoft.com/office/drawing/2010/main" xmlns:p14="http://schemas.microsoft.com/office/powerpoint/2010/main" xmlns:a16="http://schemas.microsoft.com/office/drawing/2014/main" xmlns="" w="9525">
                     <a:solidFill>
                       <a:srgbClr val="000000"/>
                     </a:solidFill>
@@ -18421,7 +18437,7 @@
               </a:ln>
               <a:extLst>
                 <a:ext uri="{91240B29-F687-4f45-9708-019B960494DF}">
-                  <a14:hiddenLine xmlns="" xmlns:a16="http://schemas.microsoft.com/office/drawing/2014/main" xmlns:p14="http://schemas.microsoft.com/office/powerpoint/2010/main" xmlns:a14="http://schemas.microsoft.com/office/drawing/2010/main" w="9525">
+                  <a14:hiddenLine xmlns:a14="http://schemas.microsoft.com/office/drawing/2010/main" xmlns:p14="http://schemas.microsoft.com/office/powerpoint/2010/main" xmlns:a16="http://schemas.microsoft.com/office/drawing/2014/main" xmlns="" w="9525">
                     <a:solidFill>
                       <a:srgbClr val="000000"/>
                     </a:solidFill>
@@ -18498,7 +18514,7 @@
               </a:ln>
               <a:extLst>
                 <a:ext uri="{91240B29-F687-4f45-9708-019B960494DF}">
-                  <a14:hiddenLine xmlns="" xmlns:a16="http://schemas.microsoft.com/office/drawing/2014/main" xmlns:p14="http://schemas.microsoft.com/office/powerpoint/2010/main" xmlns:a14="http://schemas.microsoft.com/office/drawing/2010/main" w="9525">
+                  <a14:hiddenLine xmlns:a14="http://schemas.microsoft.com/office/drawing/2010/main" xmlns:p14="http://schemas.microsoft.com/office/powerpoint/2010/main" xmlns:a16="http://schemas.microsoft.com/office/drawing/2014/main" xmlns="" w="9525">
                     <a:solidFill>
                       <a:srgbClr val="000000"/>
                     </a:solidFill>
@@ -18603,7 +18619,7 @@
               </a:ln>
               <a:extLst>
                 <a:ext uri="{91240B29-F687-4f45-9708-019B960494DF}">
-                  <a14:hiddenLine xmlns="" xmlns:a16="http://schemas.microsoft.com/office/drawing/2014/main" xmlns:p14="http://schemas.microsoft.com/office/powerpoint/2010/main" xmlns:a14="http://schemas.microsoft.com/office/drawing/2010/main" w="9525">
+                  <a14:hiddenLine xmlns:a14="http://schemas.microsoft.com/office/drawing/2010/main" xmlns:p14="http://schemas.microsoft.com/office/powerpoint/2010/main" xmlns:a16="http://schemas.microsoft.com/office/drawing/2014/main" xmlns="" w="9525">
                     <a:solidFill>
                       <a:srgbClr val="000000"/>
                     </a:solidFill>
@@ -18708,7 +18724,7 @@
               </a:ln>
               <a:extLst>
                 <a:ext uri="{91240B29-F687-4f45-9708-019B960494DF}">
-                  <a14:hiddenLine xmlns="" xmlns:a16="http://schemas.microsoft.com/office/drawing/2014/main" xmlns:p14="http://schemas.microsoft.com/office/powerpoint/2010/main" xmlns:a14="http://schemas.microsoft.com/office/drawing/2010/main" w="9525">
+                  <a14:hiddenLine xmlns:a14="http://schemas.microsoft.com/office/drawing/2010/main" xmlns:p14="http://schemas.microsoft.com/office/powerpoint/2010/main" xmlns:a16="http://schemas.microsoft.com/office/drawing/2014/main" xmlns="" w="9525">
                     <a:solidFill>
                       <a:srgbClr val="000000"/>
                     </a:solidFill>
@@ -18785,7 +18801,7 @@
               </a:ln>
               <a:extLst>
                 <a:ext uri="{91240B29-F687-4f45-9708-019B960494DF}">
-                  <a14:hiddenLine xmlns="" xmlns:a16="http://schemas.microsoft.com/office/drawing/2014/main" xmlns:p14="http://schemas.microsoft.com/office/powerpoint/2010/main" xmlns:a14="http://schemas.microsoft.com/office/drawing/2010/main" w="9525">
+                  <a14:hiddenLine xmlns:a14="http://schemas.microsoft.com/office/drawing/2010/main" xmlns:p14="http://schemas.microsoft.com/office/powerpoint/2010/main" xmlns:a16="http://schemas.microsoft.com/office/drawing/2014/main" xmlns="" w="9525">
                     <a:solidFill>
                       <a:srgbClr val="000000"/>
                     </a:solidFill>
@@ -18910,7 +18926,7 @@
               </a:ln>
               <a:extLst>
                 <a:ext uri="{91240B29-F687-4f45-9708-019B960494DF}">
-                  <a14:hiddenLine xmlns="" xmlns:a16="http://schemas.microsoft.com/office/drawing/2014/main" xmlns:p14="http://schemas.microsoft.com/office/powerpoint/2010/main" xmlns:a14="http://schemas.microsoft.com/office/drawing/2010/main" w="9525">
+                  <a14:hiddenLine xmlns:a14="http://schemas.microsoft.com/office/drawing/2010/main" xmlns:p14="http://schemas.microsoft.com/office/powerpoint/2010/main" xmlns:a16="http://schemas.microsoft.com/office/drawing/2014/main" xmlns="" w="9525">
                     <a:solidFill>
                       <a:srgbClr val="000000"/>
                     </a:solidFill>
@@ -19024,7 +19040,7 @@
               </a:ln>
               <a:extLst>
                 <a:ext uri="{91240B29-F687-4f45-9708-019B960494DF}">
-                  <a14:hiddenLine xmlns="" xmlns:a16="http://schemas.microsoft.com/office/drawing/2014/main" xmlns:p14="http://schemas.microsoft.com/office/powerpoint/2010/main" xmlns:a14="http://schemas.microsoft.com/office/drawing/2010/main" w="9525">
+                  <a14:hiddenLine xmlns:a14="http://schemas.microsoft.com/office/drawing/2010/main" xmlns:p14="http://schemas.microsoft.com/office/powerpoint/2010/main" xmlns:a16="http://schemas.microsoft.com/office/drawing/2014/main" xmlns="" w="9525">
                     <a:solidFill>
                       <a:srgbClr val="000000"/>
                     </a:solidFill>
@@ -19101,7 +19117,7 @@
               </a:ln>
               <a:extLst>
                 <a:ext uri="{91240B29-F687-4f45-9708-019B960494DF}">
-                  <a14:hiddenLine xmlns="" xmlns:a16="http://schemas.microsoft.com/office/drawing/2014/main" xmlns:p14="http://schemas.microsoft.com/office/powerpoint/2010/main" xmlns:a14="http://schemas.microsoft.com/office/drawing/2010/main" w="9525">
+                  <a14:hiddenLine xmlns:a14="http://schemas.microsoft.com/office/drawing/2010/main" xmlns:p14="http://schemas.microsoft.com/office/powerpoint/2010/main" xmlns:a16="http://schemas.microsoft.com/office/drawing/2014/main" xmlns="" w="9525">
                     <a:solidFill>
                       <a:srgbClr val="000000"/>
                     </a:solidFill>
@@ -19178,7 +19194,7 @@
               </a:ln>
               <a:extLst>
                 <a:ext uri="{91240B29-F687-4f45-9708-019B960494DF}">
-                  <a14:hiddenLine xmlns="" xmlns:a16="http://schemas.microsoft.com/office/drawing/2014/main" xmlns:p14="http://schemas.microsoft.com/office/powerpoint/2010/main" xmlns:a14="http://schemas.microsoft.com/office/drawing/2010/main" w="9525">
+                  <a14:hiddenLine xmlns:a14="http://schemas.microsoft.com/office/drawing/2010/main" xmlns:p14="http://schemas.microsoft.com/office/powerpoint/2010/main" xmlns:a16="http://schemas.microsoft.com/office/drawing/2014/main" xmlns="" w="9525">
                     <a:solidFill>
                       <a:srgbClr val="000000"/>
                     </a:solidFill>
@@ -19283,7 +19299,7 @@
               </a:ln>
               <a:extLst>
                 <a:ext uri="{91240B29-F687-4f45-9708-019B960494DF}">
-                  <a14:hiddenLine xmlns="" xmlns:a16="http://schemas.microsoft.com/office/drawing/2014/main" xmlns:p14="http://schemas.microsoft.com/office/powerpoint/2010/main" xmlns:a14="http://schemas.microsoft.com/office/drawing/2010/main" w="9525">
+                  <a14:hiddenLine xmlns:a14="http://schemas.microsoft.com/office/drawing/2010/main" xmlns:p14="http://schemas.microsoft.com/office/powerpoint/2010/main" xmlns:a16="http://schemas.microsoft.com/office/drawing/2014/main" xmlns="" w="9525">
                     <a:solidFill>
                       <a:srgbClr val="000000"/>
                     </a:solidFill>
@@ -19332,7 +19348,7 @@
               </a:ln>
               <a:extLst>
                 <a:ext uri="{91240B29-F687-4f45-9708-019B960494DF}">
-                  <a14:hiddenLine xmlns="" xmlns:a16="http://schemas.microsoft.com/office/drawing/2014/main" xmlns:p14="http://schemas.microsoft.com/office/powerpoint/2010/main" xmlns:a14="http://schemas.microsoft.com/office/drawing/2010/main" w="9525">
+                  <a14:hiddenLine xmlns:a14="http://schemas.microsoft.com/office/drawing/2010/main" xmlns:p14="http://schemas.microsoft.com/office/powerpoint/2010/main" xmlns:a16="http://schemas.microsoft.com/office/drawing/2014/main" xmlns="" w="9525">
                     <a:solidFill>
                       <a:srgbClr val="000000"/>
                     </a:solidFill>
@@ -19412,7 +19428,7 @@
               </a:ln>
               <a:extLst>
                 <a:ext uri="{91240B29-F687-4f45-9708-019B960494DF}">
-                  <a14:hiddenLine xmlns="" xmlns:a16="http://schemas.microsoft.com/office/drawing/2014/main" xmlns:p14="http://schemas.microsoft.com/office/powerpoint/2010/main" xmlns:a14="http://schemas.microsoft.com/office/drawing/2010/main" w="9525">
+                  <a14:hiddenLine xmlns:a14="http://schemas.microsoft.com/office/drawing/2010/main" xmlns:p14="http://schemas.microsoft.com/office/powerpoint/2010/main" xmlns:a16="http://schemas.microsoft.com/office/drawing/2014/main" xmlns="" w="9525">
                     <a:solidFill>
                       <a:srgbClr val="000000"/>
                     </a:solidFill>
@@ -19517,7 +19533,7 @@
               </a:ln>
               <a:extLst>
                 <a:ext uri="{91240B29-F687-4f45-9708-019B960494DF}">
-                  <a14:hiddenLine xmlns="" xmlns:a16="http://schemas.microsoft.com/office/drawing/2014/main" xmlns:p14="http://schemas.microsoft.com/office/powerpoint/2010/main" xmlns:a14="http://schemas.microsoft.com/office/drawing/2010/main" w="9525">
+                  <a14:hiddenLine xmlns:a14="http://schemas.microsoft.com/office/drawing/2010/main" xmlns:p14="http://schemas.microsoft.com/office/powerpoint/2010/main" xmlns:a16="http://schemas.microsoft.com/office/drawing/2014/main" xmlns="" w="9525">
                     <a:solidFill>
                       <a:srgbClr val="000000"/>
                     </a:solidFill>
@@ -19594,7 +19610,7 @@
               </a:ln>
               <a:extLst>
                 <a:ext uri="{91240B29-F687-4f45-9708-019B960494DF}">
-                  <a14:hiddenLine xmlns="" xmlns:a16="http://schemas.microsoft.com/office/drawing/2014/main" xmlns:p14="http://schemas.microsoft.com/office/powerpoint/2010/main" xmlns:a14="http://schemas.microsoft.com/office/drawing/2010/main" w="9525">
+                  <a14:hiddenLine xmlns:a14="http://schemas.microsoft.com/office/drawing/2010/main" xmlns:p14="http://schemas.microsoft.com/office/powerpoint/2010/main" xmlns:a16="http://schemas.microsoft.com/office/drawing/2014/main" xmlns="" w="9525">
                     <a:solidFill>
                       <a:srgbClr val="000000"/>
                     </a:solidFill>
@@ -19699,7 +19715,7 @@
               </a:ln>
               <a:extLst>
                 <a:ext uri="{91240B29-F687-4f45-9708-019B960494DF}">
-                  <a14:hiddenLine xmlns="" xmlns:a16="http://schemas.microsoft.com/office/drawing/2014/main" xmlns:p14="http://schemas.microsoft.com/office/powerpoint/2010/main" xmlns:a14="http://schemas.microsoft.com/office/drawing/2010/main" w="9525">
+                  <a14:hiddenLine xmlns:a14="http://schemas.microsoft.com/office/drawing/2010/main" xmlns:p14="http://schemas.microsoft.com/office/powerpoint/2010/main" xmlns:a16="http://schemas.microsoft.com/office/drawing/2014/main" xmlns="" w="9525">
                     <a:solidFill>
                       <a:srgbClr val="000000"/>
                     </a:solidFill>
@@ -19779,7 +19795,7 @@
               </a:ln>
               <a:extLst>
                 <a:ext uri="{91240B29-F687-4f45-9708-019B960494DF}">
-                  <a14:hiddenLine xmlns="" xmlns:a16="http://schemas.microsoft.com/office/drawing/2014/main" xmlns:p14="http://schemas.microsoft.com/office/powerpoint/2010/main" xmlns:a14="http://schemas.microsoft.com/office/drawing/2010/main" w="9525">
+                  <a14:hiddenLine xmlns:a14="http://schemas.microsoft.com/office/drawing/2010/main" xmlns:p14="http://schemas.microsoft.com/office/powerpoint/2010/main" xmlns:a16="http://schemas.microsoft.com/office/drawing/2014/main" xmlns="" w="9525">
                     <a:solidFill>
                       <a:srgbClr val="000000"/>
                     </a:solidFill>
@@ -19856,7 +19872,7 @@
               </a:ln>
               <a:extLst>
                 <a:ext uri="{91240B29-F687-4f45-9708-019B960494DF}">
-                  <a14:hiddenLine xmlns="" xmlns:a16="http://schemas.microsoft.com/office/drawing/2014/main" xmlns:p14="http://schemas.microsoft.com/office/powerpoint/2010/main" xmlns:a14="http://schemas.microsoft.com/office/drawing/2010/main" w="9525">
+                  <a14:hiddenLine xmlns:a14="http://schemas.microsoft.com/office/drawing/2010/main" xmlns:p14="http://schemas.microsoft.com/office/powerpoint/2010/main" xmlns:a16="http://schemas.microsoft.com/office/drawing/2014/main" xmlns="" w="9525">
                     <a:solidFill>
                       <a:srgbClr val="000000"/>
                     </a:solidFill>
@@ -19961,7 +19977,7 @@
               </a:ln>
               <a:extLst>
                 <a:ext uri="{91240B29-F687-4f45-9708-019B960494DF}">
-                  <a14:hiddenLine xmlns="" xmlns:a16="http://schemas.microsoft.com/office/drawing/2014/main" xmlns:p14="http://schemas.microsoft.com/office/powerpoint/2010/main" xmlns:a14="http://schemas.microsoft.com/office/drawing/2010/main" w="9525">
+                  <a14:hiddenLine xmlns:a14="http://schemas.microsoft.com/office/drawing/2010/main" xmlns:p14="http://schemas.microsoft.com/office/powerpoint/2010/main" xmlns:a16="http://schemas.microsoft.com/office/drawing/2014/main" xmlns="" w="9525">
                     <a:solidFill>
                       <a:srgbClr val="000000"/>
                     </a:solidFill>
@@ -20066,7 +20082,7 @@
               </a:ln>
               <a:extLst>
                 <a:ext uri="{91240B29-F687-4f45-9708-019B960494DF}">
-                  <a14:hiddenLine xmlns="" xmlns:a16="http://schemas.microsoft.com/office/drawing/2014/main" xmlns:p14="http://schemas.microsoft.com/office/powerpoint/2010/main" xmlns:a14="http://schemas.microsoft.com/office/drawing/2010/main" w="9525">
+                  <a14:hiddenLine xmlns:a14="http://schemas.microsoft.com/office/drawing/2010/main" xmlns:p14="http://schemas.microsoft.com/office/powerpoint/2010/main" xmlns:a16="http://schemas.microsoft.com/office/drawing/2014/main" xmlns="" w="9525">
                     <a:solidFill>
                       <a:srgbClr val="000000"/>
                     </a:solidFill>
@@ -20146,7 +20162,7 @@
               </a:ln>
               <a:extLst>
                 <a:ext uri="{91240B29-F687-4f45-9708-019B960494DF}">
-                  <a14:hiddenLine xmlns="" xmlns:a16="http://schemas.microsoft.com/office/drawing/2014/main" xmlns:p14="http://schemas.microsoft.com/office/powerpoint/2010/main" xmlns:a14="http://schemas.microsoft.com/office/drawing/2010/main" w="9525">
+                  <a14:hiddenLine xmlns:a14="http://schemas.microsoft.com/office/drawing/2010/main" xmlns:p14="http://schemas.microsoft.com/office/powerpoint/2010/main" xmlns:a16="http://schemas.microsoft.com/office/drawing/2014/main" xmlns="" w="9525">
                     <a:solidFill>
                       <a:srgbClr val="000000"/>
                     </a:solidFill>
@@ -20281,7 +20297,7 @@
               </a:ln>
               <a:extLst>
                 <a:ext uri="{91240B29-F687-4f45-9708-019B960494DF}">
-                  <a14:hiddenLine xmlns="" xmlns:a16="http://schemas.microsoft.com/office/drawing/2014/main" xmlns:p14="http://schemas.microsoft.com/office/powerpoint/2010/main" xmlns:a14="http://schemas.microsoft.com/office/drawing/2010/main" w="9525">
+                  <a14:hiddenLine xmlns:a14="http://schemas.microsoft.com/office/drawing/2010/main" xmlns:p14="http://schemas.microsoft.com/office/powerpoint/2010/main" xmlns:a16="http://schemas.microsoft.com/office/drawing/2014/main" xmlns="" w="9525">
                     <a:solidFill>
                       <a:srgbClr val="000000"/>
                     </a:solidFill>
@@ -20409,7 +20425,7 @@
               </a:ln>
               <a:extLst>
                 <a:ext uri="{91240B29-F687-4f45-9708-019B960494DF}">
-                  <a14:hiddenLine xmlns="" xmlns:a16="http://schemas.microsoft.com/office/drawing/2014/main" xmlns:p14="http://schemas.microsoft.com/office/powerpoint/2010/main" xmlns:a14="http://schemas.microsoft.com/office/drawing/2010/main" w="9525">
+                  <a14:hiddenLine xmlns:a14="http://schemas.microsoft.com/office/drawing/2010/main" xmlns:p14="http://schemas.microsoft.com/office/powerpoint/2010/main" xmlns:a16="http://schemas.microsoft.com/office/drawing/2014/main" xmlns="" w="9525">
                     <a:solidFill>
                       <a:srgbClr val="000000"/>
                     </a:solidFill>
@@ -20539,7 +20555,7 @@
               </a:ln>
               <a:extLst>
                 <a:ext uri="{91240B29-F687-4f45-9708-019B960494DF}">
-                  <a14:hiddenLine xmlns="" xmlns:a16="http://schemas.microsoft.com/office/drawing/2014/main" xmlns:p14="http://schemas.microsoft.com/office/powerpoint/2010/main" xmlns:a14="http://schemas.microsoft.com/office/drawing/2010/main" w="9525">
+                  <a14:hiddenLine xmlns:a14="http://schemas.microsoft.com/office/drawing/2010/main" xmlns:p14="http://schemas.microsoft.com/office/powerpoint/2010/main" xmlns:a16="http://schemas.microsoft.com/office/drawing/2014/main" xmlns="" w="9525">
                     <a:solidFill>
                       <a:srgbClr val="000000"/>
                     </a:solidFill>
@@ -20644,7 +20660,7 @@
               </a:ln>
               <a:extLst>
                 <a:ext uri="{91240B29-F687-4f45-9708-019B960494DF}">
-                  <a14:hiddenLine xmlns="" xmlns:a16="http://schemas.microsoft.com/office/drawing/2014/main" xmlns:p14="http://schemas.microsoft.com/office/powerpoint/2010/main" xmlns:a14="http://schemas.microsoft.com/office/drawing/2010/main" w="9525">
+                  <a14:hiddenLine xmlns:a14="http://schemas.microsoft.com/office/drawing/2010/main" xmlns:p14="http://schemas.microsoft.com/office/powerpoint/2010/main" xmlns:a16="http://schemas.microsoft.com/office/drawing/2014/main" xmlns="" w="9525">
                     <a:solidFill>
                       <a:srgbClr val="000000"/>
                     </a:solidFill>
@@ -20724,7 +20740,7 @@
               </a:ln>
               <a:extLst>
                 <a:ext uri="{91240B29-F687-4f45-9708-019B960494DF}">
-                  <a14:hiddenLine xmlns="" xmlns:a16="http://schemas.microsoft.com/office/drawing/2014/main" xmlns:p14="http://schemas.microsoft.com/office/powerpoint/2010/main" xmlns:a14="http://schemas.microsoft.com/office/drawing/2010/main" w="9525">
+                  <a14:hiddenLine xmlns:a14="http://schemas.microsoft.com/office/drawing/2010/main" xmlns:p14="http://schemas.microsoft.com/office/powerpoint/2010/main" xmlns:a16="http://schemas.microsoft.com/office/drawing/2014/main" xmlns="" w="9525">
                     <a:solidFill>
                       <a:srgbClr val="000000"/>
                     </a:solidFill>
@@ -20829,7 +20845,7 @@
               </a:ln>
               <a:extLst>
                 <a:ext uri="{91240B29-F687-4f45-9708-019B960494DF}">
-                  <a14:hiddenLine xmlns="" xmlns:a16="http://schemas.microsoft.com/office/drawing/2014/main" xmlns:p14="http://schemas.microsoft.com/office/powerpoint/2010/main" xmlns:a14="http://schemas.microsoft.com/office/drawing/2010/main" w="9525">
+                  <a14:hiddenLine xmlns:a14="http://schemas.microsoft.com/office/drawing/2010/main" xmlns:p14="http://schemas.microsoft.com/office/powerpoint/2010/main" xmlns:a16="http://schemas.microsoft.com/office/drawing/2014/main" xmlns="" w="9525">
                     <a:solidFill>
                       <a:srgbClr val="000000"/>
                     </a:solidFill>
@@ -20912,7 +20928,7 @@
               </a:ln>
               <a:extLst>
                 <a:ext uri="{91240B29-F687-4f45-9708-019B960494DF}">
-                  <a14:hiddenLine xmlns="" xmlns:a16="http://schemas.microsoft.com/office/drawing/2014/main" xmlns:p14="http://schemas.microsoft.com/office/powerpoint/2010/main" xmlns:a14="http://schemas.microsoft.com/office/drawing/2010/main" w="9525">
+                  <a14:hiddenLine xmlns:a14="http://schemas.microsoft.com/office/drawing/2010/main" xmlns:p14="http://schemas.microsoft.com/office/powerpoint/2010/main" xmlns:a16="http://schemas.microsoft.com/office/drawing/2014/main" xmlns="" w="9525">
                     <a:solidFill>
                       <a:srgbClr val="000000"/>
                     </a:solidFill>
@@ -21017,7 +21033,7 @@
               </a:ln>
               <a:extLst>
                 <a:ext uri="{91240B29-F687-4f45-9708-019B960494DF}">
-                  <a14:hiddenLine xmlns="" xmlns:a16="http://schemas.microsoft.com/office/drawing/2014/main" xmlns:p14="http://schemas.microsoft.com/office/powerpoint/2010/main" xmlns:a14="http://schemas.microsoft.com/office/drawing/2010/main" w="9525">
+                  <a14:hiddenLine xmlns:a14="http://schemas.microsoft.com/office/drawing/2010/main" xmlns:p14="http://schemas.microsoft.com/office/powerpoint/2010/main" xmlns:a16="http://schemas.microsoft.com/office/drawing/2014/main" xmlns="" w="9525">
                     <a:solidFill>
                       <a:srgbClr val="000000"/>
                     </a:solidFill>
@@ -21100,7 +21116,7 @@
               </a:ln>
               <a:extLst>
                 <a:ext uri="{91240B29-F687-4f45-9708-019B960494DF}">
-                  <a14:hiddenLine xmlns="" xmlns:a16="http://schemas.microsoft.com/office/drawing/2014/main" xmlns:p14="http://schemas.microsoft.com/office/powerpoint/2010/main" xmlns:a14="http://schemas.microsoft.com/office/drawing/2010/main" w="9525">
+                  <a14:hiddenLine xmlns:a14="http://schemas.microsoft.com/office/drawing/2010/main" xmlns:p14="http://schemas.microsoft.com/office/powerpoint/2010/main" xmlns:a16="http://schemas.microsoft.com/office/drawing/2014/main" xmlns="" w="9525">
                     <a:solidFill>
                       <a:srgbClr val="000000"/>
                     </a:solidFill>
@@ -21205,7 +21221,7 @@
               </a:ln>
               <a:extLst>
                 <a:ext uri="{91240B29-F687-4f45-9708-019B960494DF}">
-                  <a14:hiddenLine xmlns="" xmlns:a16="http://schemas.microsoft.com/office/drawing/2014/main" xmlns:p14="http://schemas.microsoft.com/office/powerpoint/2010/main" xmlns:a14="http://schemas.microsoft.com/office/drawing/2010/main" w="9525">
+                  <a14:hiddenLine xmlns:a14="http://schemas.microsoft.com/office/drawing/2010/main" xmlns:p14="http://schemas.microsoft.com/office/powerpoint/2010/main" xmlns:a16="http://schemas.microsoft.com/office/drawing/2014/main" xmlns="" w="9525">
                     <a:solidFill>
                       <a:srgbClr val="000000"/>
                     </a:solidFill>
@@ -21254,7 +21270,7 @@
               </a:ln>
               <a:extLst>
                 <a:ext uri="{91240B29-F687-4f45-9708-019B960494DF}">
-                  <a14:hiddenLine xmlns="" xmlns:a16="http://schemas.microsoft.com/office/drawing/2014/main" xmlns:p14="http://schemas.microsoft.com/office/powerpoint/2010/main" xmlns:a14="http://schemas.microsoft.com/office/drawing/2010/main" w="9525">
+                  <a14:hiddenLine xmlns:a14="http://schemas.microsoft.com/office/drawing/2010/main" xmlns:p14="http://schemas.microsoft.com/office/powerpoint/2010/main" xmlns:a16="http://schemas.microsoft.com/office/drawing/2014/main" xmlns="" w="9525">
                     <a:solidFill>
                       <a:srgbClr val="000000"/>
                     </a:solidFill>

--- a/Фархетдинов - Презентация по ВКР.pptx
+++ b/Фархетдинов - Презентация по ВКР.pptx
@@ -11,6 +11,7 @@
     <p:sldId id="259" r:id="rId5"/>
     <p:sldId id="265" r:id="rId6"/>
     <p:sldId id="264" r:id="rId7"/>
+    <p:sldId id="267" r:id="rId8"/>
   </p:sldIdLst>
   <p:sldSz cx="12192000" cy="6858000"/>
   <p:notesSz cx="6858000" cy="9144000"/>
@@ -167,7 +168,7 @@
           <a:noFill/>
           <a:extLst>
             <a:ext uri="{909E8E84-426E-40dd-AFC4-6F175D3DCCD1}">
-              <a14:hiddenFill xmlns:a14="http://schemas.microsoft.com/office/drawing/2010/main" xmlns="">
+              <a14:hiddenFill xmlns="" xmlns:a14="http://schemas.microsoft.com/office/drawing/2010/main">
                 <a:solidFill>
                   <a:srgbClr val="FFFFFF"/>
                 </a:solidFill>
@@ -227,7 +228,7 @@
             </a:ln>
             <a:extLst>
               <a:ext uri="{91240B29-F687-4f45-9708-019B960494DF}">
-                <a14:hiddenLine xmlns:a14="http://schemas.microsoft.com/office/drawing/2010/main" xmlns="" w="9525">
+                <a14:hiddenLine xmlns="" xmlns:a14="http://schemas.microsoft.com/office/drawing/2010/main" w="9525">
                   <a:solidFill>
                     <a:srgbClr val="000000"/>
                   </a:solidFill>
@@ -317,7 +318,7 @@
             </a:ln>
             <a:extLst>
               <a:ext uri="{91240B29-F687-4f45-9708-019B960494DF}">
-                <a14:hiddenLine xmlns:a14="http://schemas.microsoft.com/office/drawing/2010/main" xmlns="" w="9525">
+                <a14:hiddenLine xmlns="" xmlns:a14="http://schemas.microsoft.com/office/drawing/2010/main" w="9525">
                   <a:solidFill>
                     <a:srgbClr val="000000"/>
                   </a:solidFill>
@@ -407,7 +408,7 @@
             </a:ln>
             <a:extLst>
               <a:ext uri="{91240B29-F687-4f45-9708-019B960494DF}">
-                <a14:hiddenLine xmlns:a14="http://schemas.microsoft.com/office/drawing/2010/main" xmlns="" w="9525">
+                <a14:hiddenLine xmlns="" xmlns:a14="http://schemas.microsoft.com/office/drawing/2010/main" w="9525">
                   <a:solidFill>
                     <a:srgbClr val="000000"/>
                   </a:solidFill>
@@ -441,7 +442,7 @@
             </a:ln>
             <a:extLst>
               <a:ext uri="{91240B29-F687-4f45-9708-019B960494DF}">
-                <a14:hiddenLine xmlns:a14="http://schemas.microsoft.com/office/drawing/2010/main" xmlns="" w="9525">
+                <a14:hiddenLine xmlns="" xmlns:a14="http://schemas.microsoft.com/office/drawing/2010/main" w="9525">
                   <a:solidFill>
                     <a:srgbClr val="000000"/>
                   </a:solidFill>
@@ -531,7 +532,7 @@
             </a:ln>
             <a:extLst>
               <a:ext uri="{91240B29-F687-4f45-9708-019B960494DF}">
-                <a14:hiddenLine xmlns:a14="http://schemas.microsoft.com/office/drawing/2010/main" xmlns="" w="9525">
+                <a14:hiddenLine xmlns="" xmlns:a14="http://schemas.microsoft.com/office/drawing/2010/main" w="9525">
                   <a:solidFill>
                     <a:srgbClr val="000000"/>
                   </a:solidFill>
@@ -593,7 +594,7 @@
             </a:ln>
             <a:extLst>
               <a:ext uri="{91240B29-F687-4f45-9708-019B960494DF}">
-                <a14:hiddenLine xmlns:a14="http://schemas.microsoft.com/office/drawing/2010/main" xmlns="" w="9525">
+                <a14:hiddenLine xmlns="" xmlns:a14="http://schemas.microsoft.com/office/drawing/2010/main" w="9525">
                   <a:solidFill>
                     <a:srgbClr val="000000"/>
                   </a:solidFill>
@@ -655,7 +656,7 @@
             </a:ln>
             <a:extLst>
               <a:ext uri="{91240B29-F687-4f45-9708-019B960494DF}">
-                <a14:hiddenLine xmlns:a14="http://schemas.microsoft.com/office/drawing/2010/main" xmlns="" w="9525">
+                <a14:hiddenLine xmlns="" xmlns:a14="http://schemas.microsoft.com/office/drawing/2010/main" w="9525">
                   <a:solidFill>
                     <a:srgbClr val="000000"/>
                   </a:solidFill>
@@ -745,7 +746,7 @@
             </a:ln>
             <a:extLst>
               <a:ext uri="{91240B29-F687-4f45-9708-019B960494DF}">
-                <a14:hiddenLine xmlns:a14="http://schemas.microsoft.com/office/drawing/2010/main" xmlns="" w="9525">
+                <a14:hiddenLine xmlns="" xmlns:a14="http://schemas.microsoft.com/office/drawing/2010/main" w="9525">
                   <a:solidFill>
                     <a:srgbClr val="000000"/>
                   </a:solidFill>
@@ -807,7 +808,7 @@
             </a:ln>
             <a:extLst>
               <a:ext uri="{91240B29-F687-4f45-9708-019B960494DF}">
-                <a14:hiddenLine xmlns:a14="http://schemas.microsoft.com/office/drawing/2010/main" xmlns="" w="9525">
+                <a14:hiddenLine xmlns="" xmlns:a14="http://schemas.microsoft.com/office/drawing/2010/main" w="9525">
                   <a:solidFill>
                     <a:srgbClr val="000000"/>
                   </a:solidFill>
@@ -869,7 +870,7 @@
             </a:ln>
             <a:extLst>
               <a:ext uri="{91240B29-F687-4f45-9708-019B960494DF}">
-                <a14:hiddenLine xmlns:a14="http://schemas.microsoft.com/office/drawing/2010/main" xmlns="" w="9525">
+                <a14:hiddenLine xmlns="" xmlns:a14="http://schemas.microsoft.com/office/drawing/2010/main" w="9525">
                   <a:solidFill>
                     <a:srgbClr val="000000"/>
                   </a:solidFill>
@@ -959,7 +960,7 @@
             </a:ln>
             <a:extLst>
               <a:ext uri="{91240B29-F687-4f45-9708-019B960494DF}">
-                <a14:hiddenLine xmlns:a14="http://schemas.microsoft.com/office/drawing/2010/main" xmlns="" w="9525">
+                <a14:hiddenLine xmlns="" xmlns:a14="http://schemas.microsoft.com/office/drawing/2010/main" w="9525">
                   <a:solidFill>
                     <a:srgbClr val="000000"/>
                   </a:solidFill>
@@ -1049,7 +1050,7 @@
             </a:ln>
             <a:extLst>
               <a:ext uri="{91240B29-F687-4f45-9708-019B960494DF}">
-                <a14:hiddenLine xmlns:a14="http://schemas.microsoft.com/office/drawing/2010/main" xmlns="" w="9525">
+                <a14:hiddenLine xmlns="" xmlns:a14="http://schemas.microsoft.com/office/drawing/2010/main" w="9525">
                   <a:solidFill>
                     <a:srgbClr val="000000"/>
                   </a:solidFill>
@@ -1111,7 +1112,7 @@
             </a:ln>
             <a:extLst>
               <a:ext uri="{91240B29-F687-4f45-9708-019B960494DF}">
-                <a14:hiddenLine xmlns:a14="http://schemas.microsoft.com/office/drawing/2010/main" xmlns="" w="9525">
+                <a14:hiddenLine xmlns="" xmlns:a14="http://schemas.microsoft.com/office/drawing/2010/main" w="9525">
                   <a:solidFill>
                     <a:srgbClr val="000000"/>
                   </a:solidFill>
@@ -1221,7 +1222,7 @@
             </a:ln>
             <a:extLst>
               <a:ext uri="{91240B29-F687-4f45-9708-019B960494DF}">
-                <a14:hiddenLine xmlns:a14="http://schemas.microsoft.com/office/drawing/2010/main" xmlns="" w="9525">
+                <a14:hiddenLine xmlns="" xmlns:a14="http://schemas.microsoft.com/office/drawing/2010/main" w="9525">
                   <a:solidFill>
                     <a:srgbClr val="000000"/>
                   </a:solidFill>
@@ -1283,7 +1284,7 @@
             </a:ln>
             <a:extLst>
               <a:ext uri="{91240B29-F687-4f45-9708-019B960494DF}">
-                <a14:hiddenLine xmlns:a14="http://schemas.microsoft.com/office/drawing/2010/main" xmlns="" w="9525">
+                <a14:hiddenLine xmlns="" xmlns:a14="http://schemas.microsoft.com/office/drawing/2010/main" w="9525">
                   <a:solidFill>
                     <a:srgbClr val="000000"/>
                   </a:solidFill>
@@ -1373,7 +1374,7 @@
             </a:ln>
             <a:extLst>
               <a:ext uri="{91240B29-F687-4f45-9708-019B960494DF}">
-                <a14:hiddenLine xmlns:a14="http://schemas.microsoft.com/office/drawing/2010/main" xmlns="" w="9525">
+                <a14:hiddenLine xmlns="" xmlns:a14="http://schemas.microsoft.com/office/drawing/2010/main" w="9525">
                   <a:solidFill>
                     <a:srgbClr val="000000"/>
                   </a:solidFill>
@@ -1463,7 +1464,7 @@
             </a:ln>
             <a:extLst>
               <a:ext uri="{91240B29-F687-4f45-9708-019B960494DF}">
-                <a14:hiddenLine xmlns:a14="http://schemas.microsoft.com/office/drawing/2010/main" xmlns="" w="9525">
+                <a14:hiddenLine xmlns="" xmlns:a14="http://schemas.microsoft.com/office/drawing/2010/main" w="9525">
                   <a:solidFill>
                     <a:srgbClr val="000000"/>
                   </a:solidFill>
@@ -1525,7 +1526,7 @@
             </a:ln>
             <a:extLst>
               <a:ext uri="{91240B29-F687-4f45-9708-019B960494DF}">
-                <a14:hiddenLine xmlns:a14="http://schemas.microsoft.com/office/drawing/2010/main" xmlns="" w="9525">
+                <a14:hiddenLine xmlns="" xmlns:a14="http://schemas.microsoft.com/office/drawing/2010/main" w="9525">
                   <a:solidFill>
                     <a:srgbClr val="000000"/>
                   </a:solidFill>
@@ -1615,7 +1616,7 @@
             </a:ln>
             <a:extLst>
               <a:ext uri="{91240B29-F687-4f45-9708-019B960494DF}">
-                <a14:hiddenLine xmlns:a14="http://schemas.microsoft.com/office/drawing/2010/main" xmlns="" w="9525">
+                <a14:hiddenLine xmlns="" xmlns:a14="http://schemas.microsoft.com/office/drawing/2010/main" w="9525">
                   <a:solidFill>
                     <a:srgbClr val="000000"/>
                   </a:solidFill>
@@ -1705,7 +1706,7 @@
             </a:ln>
             <a:extLst>
               <a:ext uri="{91240B29-F687-4f45-9708-019B960494DF}">
-                <a14:hiddenLine xmlns:a14="http://schemas.microsoft.com/office/drawing/2010/main" xmlns="" w="9525">
+                <a14:hiddenLine xmlns="" xmlns:a14="http://schemas.microsoft.com/office/drawing/2010/main" w="9525">
                   <a:solidFill>
                     <a:srgbClr val="000000"/>
                   </a:solidFill>
@@ -1761,7 +1762,7 @@
             </a:ln>
             <a:extLst>
               <a:ext uri="{91240B29-F687-4f45-9708-019B960494DF}">
-                <a14:hiddenLine xmlns:a14="http://schemas.microsoft.com/office/drawing/2010/main" xmlns="" w="9525">
+                <a14:hiddenLine xmlns="" xmlns:a14="http://schemas.microsoft.com/office/drawing/2010/main" w="9525">
                   <a:solidFill>
                     <a:srgbClr val="000000"/>
                   </a:solidFill>
@@ -1851,7 +1852,7 @@
             </a:ln>
             <a:extLst>
               <a:ext uri="{91240B29-F687-4f45-9708-019B960494DF}">
-                <a14:hiddenLine xmlns:a14="http://schemas.microsoft.com/office/drawing/2010/main" xmlns="" w="9525">
+                <a14:hiddenLine xmlns="" xmlns:a14="http://schemas.microsoft.com/office/drawing/2010/main" w="9525">
                   <a:solidFill>
                     <a:srgbClr val="000000"/>
                   </a:solidFill>
@@ -1907,7 +1908,7 @@
             </a:ln>
             <a:extLst>
               <a:ext uri="{91240B29-F687-4f45-9708-019B960494DF}">
-                <a14:hiddenLine xmlns:a14="http://schemas.microsoft.com/office/drawing/2010/main" xmlns="" w="9525">
+                <a14:hiddenLine xmlns="" xmlns:a14="http://schemas.microsoft.com/office/drawing/2010/main" w="9525">
                   <a:solidFill>
                     <a:srgbClr val="000000"/>
                   </a:solidFill>
@@ -1997,7 +1998,7 @@
             </a:ln>
             <a:extLst>
               <a:ext uri="{91240B29-F687-4f45-9708-019B960494DF}">
-                <a14:hiddenLine xmlns:a14="http://schemas.microsoft.com/office/drawing/2010/main" xmlns="" w="9525">
+                <a14:hiddenLine xmlns="" xmlns:a14="http://schemas.microsoft.com/office/drawing/2010/main" w="9525">
                   <a:solidFill>
                     <a:srgbClr val="000000"/>
                   </a:solidFill>
@@ -2065,7 +2066,7 @@
             </a:ln>
             <a:extLst>
               <a:ext uri="{91240B29-F687-4f45-9708-019B960494DF}">
-                <a14:hiddenLine xmlns:a14="http://schemas.microsoft.com/office/drawing/2010/main" xmlns="" w="9525">
+                <a14:hiddenLine xmlns="" xmlns:a14="http://schemas.microsoft.com/office/drawing/2010/main" w="9525">
                   <a:solidFill>
                     <a:srgbClr val="000000"/>
                   </a:solidFill>
@@ -2155,7 +2156,7 @@
             </a:ln>
             <a:extLst>
               <a:ext uri="{91240B29-F687-4f45-9708-019B960494DF}">
-                <a14:hiddenLine xmlns:a14="http://schemas.microsoft.com/office/drawing/2010/main" xmlns="" w="9525">
+                <a14:hiddenLine xmlns="" xmlns:a14="http://schemas.microsoft.com/office/drawing/2010/main" w="9525">
                   <a:solidFill>
                     <a:srgbClr val="000000"/>
                   </a:solidFill>
@@ -2223,7 +2224,7 @@
             </a:ln>
             <a:extLst>
               <a:ext uri="{91240B29-F687-4f45-9708-019B960494DF}">
-                <a14:hiddenLine xmlns:a14="http://schemas.microsoft.com/office/drawing/2010/main" xmlns="" w="9525">
+                <a14:hiddenLine xmlns="" xmlns:a14="http://schemas.microsoft.com/office/drawing/2010/main" w="9525">
                   <a:solidFill>
                     <a:srgbClr val="000000"/>
                   </a:solidFill>
@@ -2313,7 +2314,7 @@
             </a:ln>
             <a:extLst>
               <a:ext uri="{91240B29-F687-4f45-9708-019B960494DF}">
-                <a14:hiddenLine xmlns:a14="http://schemas.microsoft.com/office/drawing/2010/main" xmlns="" w="9525">
+                <a14:hiddenLine xmlns="" xmlns:a14="http://schemas.microsoft.com/office/drawing/2010/main" w="9525">
                   <a:solidFill>
                     <a:srgbClr val="000000"/>
                   </a:solidFill>
@@ -2347,7 +2348,7 @@
             </a:ln>
             <a:extLst>
               <a:ext uri="{91240B29-F687-4f45-9708-019B960494DF}">
-                <a14:hiddenLine xmlns:a14="http://schemas.microsoft.com/office/drawing/2010/main" xmlns="" w="9525">
+                <a14:hiddenLine xmlns="" xmlns:a14="http://schemas.microsoft.com/office/drawing/2010/main" w="9525">
                   <a:solidFill>
                     <a:srgbClr val="000000"/>
                   </a:solidFill>
@@ -2437,7 +2438,7 @@
             </a:ln>
             <a:extLst>
               <a:ext uri="{91240B29-F687-4f45-9708-019B960494DF}">
-                <a14:hiddenLine xmlns:a14="http://schemas.microsoft.com/office/drawing/2010/main" xmlns="" w="9525">
+                <a14:hiddenLine xmlns="" xmlns:a14="http://schemas.microsoft.com/office/drawing/2010/main" w="9525">
                   <a:solidFill>
                     <a:srgbClr val="000000"/>
                   </a:solidFill>
@@ -2499,7 +2500,7 @@
             </a:ln>
             <a:extLst>
               <a:ext uri="{91240B29-F687-4f45-9708-019B960494DF}">
-                <a14:hiddenLine xmlns:a14="http://schemas.microsoft.com/office/drawing/2010/main" xmlns="" w="9525">
+                <a14:hiddenLine xmlns="" xmlns:a14="http://schemas.microsoft.com/office/drawing/2010/main" w="9525">
                   <a:solidFill>
                     <a:srgbClr val="000000"/>
                   </a:solidFill>
@@ -2561,7 +2562,7 @@
             </a:ln>
             <a:extLst>
               <a:ext uri="{91240B29-F687-4f45-9708-019B960494DF}">
-                <a14:hiddenLine xmlns:a14="http://schemas.microsoft.com/office/drawing/2010/main" xmlns="" w="9525">
+                <a14:hiddenLine xmlns="" xmlns:a14="http://schemas.microsoft.com/office/drawing/2010/main" w="9525">
                   <a:solidFill>
                     <a:srgbClr val="000000"/>
                   </a:solidFill>
@@ -2651,7 +2652,7 @@
             </a:ln>
             <a:extLst>
               <a:ext uri="{91240B29-F687-4f45-9708-019B960494DF}">
-                <a14:hiddenLine xmlns:a14="http://schemas.microsoft.com/office/drawing/2010/main" xmlns="" w="9525">
+                <a14:hiddenLine xmlns="" xmlns:a14="http://schemas.microsoft.com/office/drawing/2010/main" w="9525">
                   <a:solidFill>
                     <a:srgbClr val="000000"/>
                   </a:solidFill>
@@ -2719,7 +2720,7 @@
             </a:ln>
             <a:extLst>
               <a:ext uri="{91240B29-F687-4f45-9708-019B960494DF}">
-                <a14:hiddenLine xmlns:a14="http://schemas.microsoft.com/office/drawing/2010/main" xmlns="" w="9525">
+                <a14:hiddenLine xmlns="" xmlns:a14="http://schemas.microsoft.com/office/drawing/2010/main" w="9525">
                   <a:solidFill>
                     <a:srgbClr val="000000"/>
                   </a:solidFill>
@@ -2781,7 +2782,7 @@
             </a:ln>
             <a:extLst>
               <a:ext uri="{91240B29-F687-4f45-9708-019B960494DF}">
-                <a14:hiddenLine xmlns:a14="http://schemas.microsoft.com/office/drawing/2010/main" xmlns="" w="9525">
+                <a14:hiddenLine xmlns="" xmlns:a14="http://schemas.microsoft.com/office/drawing/2010/main" w="9525">
                   <a:solidFill>
                     <a:srgbClr val="000000"/>
                   </a:solidFill>
@@ -2871,7 +2872,7 @@
             </a:ln>
             <a:extLst>
               <a:ext uri="{91240B29-F687-4f45-9708-019B960494DF}">
-                <a14:hiddenLine xmlns:a14="http://schemas.microsoft.com/office/drawing/2010/main" xmlns="" w="9525">
+                <a14:hiddenLine xmlns="" xmlns:a14="http://schemas.microsoft.com/office/drawing/2010/main" w="9525">
                   <a:solidFill>
                     <a:srgbClr val="000000"/>
                   </a:solidFill>
@@ -2933,7 +2934,7 @@
             </a:ln>
             <a:extLst>
               <a:ext uri="{91240B29-F687-4f45-9708-019B960494DF}">
-                <a14:hiddenLine xmlns:a14="http://schemas.microsoft.com/office/drawing/2010/main" xmlns="" w="9525">
+                <a14:hiddenLine xmlns="" xmlns:a14="http://schemas.microsoft.com/office/drawing/2010/main" w="9525">
                   <a:solidFill>
                     <a:srgbClr val="000000"/>
                   </a:solidFill>
@@ -3023,7 +3024,7 @@
             </a:ln>
             <a:extLst>
               <a:ext uri="{91240B29-F687-4f45-9708-019B960494DF}">
-                <a14:hiddenLine xmlns:a14="http://schemas.microsoft.com/office/drawing/2010/main" xmlns="" w="9525">
+                <a14:hiddenLine xmlns="" xmlns:a14="http://schemas.microsoft.com/office/drawing/2010/main" w="9525">
                   <a:solidFill>
                     <a:srgbClr val="000000"/>
                   </a:solidFill>
@@ -3085,7 +3086,7 @@
             </a:ln>
             <a:extLst>
               <a:ext uri="{91240B29-F687-4f45-9708-019B960494DF}">
-                <a14:hiddenLine xmlns:a14="http://schemas.microsoft.com/office/drawing/2010/main" xmlns="" w="9525">
+                <a14:hiddenLine xmlns="" xmlns:a14="http://schemas.microsoft.com/office/drawing/2010/main" w="9525">
                   <a:solidFill>
                     <a:srgbClr val="000000"/>
                   </a:solidFill>
@@ -3175,7 +3176,7 @@
             </a:ln>
             <a:extLst>
               <a:ext uri="{91240B29-F687-4f45-9708-019B960494DF}">
-                <a14:hiddenLine xmlns:a14="http://schemas.microsoft.com/office/drawing/2010/main" xmlns="" w="9525">
+                <a14:hiddenLine xmlns="" xmlns:a14="http://schemas.microsoft.com/office/drawing/2010/main" w="9525">
                   <a:solidFill>
                     <a:srgbClr val="000000"/>
                   </a:solidFill>
@@ -3209,7 +3210,7 @@
             </a:ln>
             <a:extLst>
               <a:ext uri="{91240B29-F687-4f45-9708-019B960494DF}">
-                <a14:hiddenLine xmlns:a14="http://schemas.microsoft.com/office/drawing/2010/main" xmlns="" w="9525">
+                <a14:hiddenLine xmlns="" xmlns:a14="http://schemas.microsoft.com/office/drawing/2010/main" w="9525">
                   <a:solidFill>
                     <a:srgbClr val="000000"/>
                   </a:solidFill>
@@ -3274,7 +3275,7 @@
             </a:ln>
             <a:extLst>
               <a:ext uri="{91240B29-F687-4f45-9708-019B960494DF}">
-                <a14:hiddenLine xmlns:a14="http://schemas.microsoft.com/office/drawing/2010/main" xmlns="" w="9525">
+                <a14:hiddenLine xmlns="" xmlns:a14="http://schemas.microsoft.com/office/drawing/2010/main" w="9525">
                   <a:solidFill>
                     <a:srgbClr val="000000"/>
                   </a:solidFill>
@@ -3364,7 +3365,7 @@
             </a:ln>
             <a:extLst>
               <a:ext uri="{91240B29-F687-4f45-9708-019B960494DF}">
-                <a14:hiddenLine xmlns:a14="http://schemas.microsoft.com/office/drawing/2010/main" xmlns="" w="9525">
+                <a14:hiddenLine xmlns="" xmlns:a14="http://schemas.microsoft.com/office/drawing/2010/main" w="9525">
                   <a:solidFill>
                     <a:srgbClr val="000000"/>
                   </a:solidFill>
@@ -3426,7 +3427,7 @@
             </a:ln>
             <a:extLst>
               <a:ext uri="{91240B29-F687-4f45-9708-019B960494DF}">
-                <a14:hiddenLine xmlns:a14="http://schemas.microsoft.com/office/drawing/2010/main" xmlns="" w="9525">
+                <a14:hiddenLine xmlns="" xmlns:a14="http://schemas.microsoft.com/office/drawing/2010/main" w="9525">
                   <a:solidFill>
                     <a:srgbClr val="000000"/>
                   </a:solidFill>
@@ -3516,7 +3517,7 @@
             </a:ln>
             <a:extLst>
               <a:ext uri="{91240B29-F687-4f45-9708-019B960494DF}">
-                <a14:hiddenLine xmlns:a14="http://schemas.microsoft.com/office/drawing/2010/main" xmlns="" w="9525">
+                <a14:hiddenLine xmlns="" xmlns:a14="http://schemas.microsoft.com/office/drawing/2010/main" w="9525">
                   <a:solidFill>
                     <a:srgbClr val="000000"/>
                   </a:solidFill>
@@ -3606,7 +3607,7 @@
             </a:ln>
             <a:extLst>
               <a:ext uri="{91240B29-F687-4f45-9708-019B960494DF}">
-                <a14:hiddenLine xmlns:a14="http://schemas.microsoft.com/office/drawing/2010/main" xmlns="" w="9525">
+                <a14:hiddenLine xmlns="" xmlns:a14="http://schemas.microsoft.com/office/drawing/2010/main" w="9525">
                   <a:solidFill>
                     <a:srgbClr val="000000"/>
                   </a:solidFill>
@@ -3671,7 +3672,7 @@
             </a:ln>
             <a:extLst>
               <a:ext uri="{91240B29-F687-4f45-9708-019B960494DF}">
-                <a14:hiddenLine xmlns:a14="http://schemas.microsoft.com/office/drawing/2010/main" xmlns="" w="9525">
+                <a14:hiddenLine xmlns="" xmlns:a14="http://schemas.microsoft.com/office/drawing/2010/main" w="9525">
                   <a:solidFill>
                     <a:srgbClr val="000000"/>
                   </a:solidFill>
@@ -3733,7 +3734,7 @@
             </a:ln>
             <a:extLst>
               <a:ext uri="{91240B29-F687-4f45-9708-019B960494DF}">
-                <a14:hiddenLine xmlns:a14="http://schemas.microsoft.com/office/drawing/2010/main" xmlns="" w="9525">
+                <a14:hiddenLine xmlns="" xmlns:a14="http://schemas.microsoft.com/office/drawing/2010/main" w="9525">
                   <a:solidFill>
                     <a:srgbClr val="000000"/>
                   </a:solidFill>
@@ -3823,7 +3824,7 @@
             </a:ln>
             <a:extLst>
               <a:ext uri="{91240B29-F687-4f45-9708-019B960494DF}">
-                <a14:hiddenLine xmlns:a14="http://schemas.microsoft.com/office/drawing/2010/main" xmlns="" w="9525">
+                <a14:hiddenLine xmlns="" xmlns:a14="http://schemas.microsoft.com/office/drawing/2010/main" w="9525">
                   <a:solidFill>
                     <a:srgbClr val="000000"/>
                   </a:solidFill>
@@ -3913,7 +3914,7 @@
             </a:ln>
             <a:extLst>
               <a:ext uri="{91240B29-F687-4f45-9708-019B960494DF}">
-                <a14:hiddenLine xmlns:a14="http://schemas.microsoft.com/office/drawing/2010/main" xmlns="" w="9525">
+                <a14:hiddenLine xmlns="" xmlns:a14="http://schemas.microsoft.com/office/drawing/2010/main" w="9525">
                   <a:solidFill>
                     <a:srgbClr val="000000"/>
                   </a:solidFill>
@@ -3975,7 +3976,7 @@
             </a:ln>
             <a:extLst>
               <a:ext uri="{91240B29-F687-4f45-9708-019B960494DF}">
-                <a14:hiddenLine xmlns:a14="http://schemas.microsoft.com/office/drawing/2010/main" xmlns="" w="9525">
+                <a14:hiddenLine xmlns="" xmlns:a14="http://schemas.microsoft.com/office/drawing/2010/main" w="9525">
                   <a:solidFill>
                     <a:srgbClr val="000000"/>
                   </a:solidFill>
@@ -4095,7 +4096,7 @@
             </a:ln>
             <a:extLst>
               <a:ext uri="{91240B29-F687-4f45-9708-019B960494DF}">
-                <a14:hiddenLine xmlns:a14="http://schemas.microsoft.com/office/drawing/2010/main" xmlns="" w="9525">
+                <a14:hiddenLine xmlns="" xmlns:a14="http://schemas.microsoft.com/office/drawing/2010/main" w="9525">
                   <a:solidFill>
                     <a:srgbClr val="000000"/>
                   </a:solidFill>
@@ -4163,7 +4164,7 @@
             </a:ln>
             <a:extLst>
               <a:ext uri="{91240B29-F687-4f45-9708-019B960494DF}">
-                <a14:hiddenLine xmlns:a14="http://schemas.microsoft.com/office/drawing/2010/main" xmlns="" w="9525">
+                <a14:hiddenLine xmlns="" xmlns:a14="http://schemas.microsoft.com/office/drawing/2010/main" w="9525">
                   <a:solidFill>
                     <a:srgbClr val="000000"/>
                   </a:solidFill>
@@ -4253,7 +4254,7 @@
             </a:ln>
             <a:extLst>
               <a:ext uri="{91240B29-F687-4f45-9708-019B960494DF}">
-                <a14:hiddenLine xmlns:a14="http://schemas.microsoft.com/office/drawing/2010/main" xmlns="" w="9525">
+                <a14:hiddenLine xmlns="" xmlns:a14="http://schemas.microsoft.com/office/drawing/2010/main" w="9525">
                   <a:solidFill>
                     <a:srgbClr val="000000"/>
                   </a:solidFill>
@@ -4393,7 +4394,7 @@
           <a:p>
             <a:fld id="{48A87A34-81AB-432B-8DAE-1953F412C126}" type="datetimeFigureOut">
               <a:rPr lang="en-US" dirty="0"/>
-              <a:t>12/14/2022</a:t>
+              <a:t>4/11/2023</a:t>
             </a:fld>
             <a:endParaRPr lang="en-US" dirty="0"/>
           </a:p>
@@ -4655,7 +4656,7 @@
           <a:p>
             <a:fld id="{48A87A34-81AB-432B-8DAE-1953F412C126}" type="datetimeFigureOut">
               <a:rPr lang="en-US" dirty="0"/>
-              <a:t>12/14/2022</a:t>
+              <a:t>4/11/2023</a:t>
             </a:fld>
             <a:endParaRPr lang="en-US" dirty="0"/>
           </a:p>
@@ -4846,7 +4847,7 @@
           <a:p>
             <a:fld id="{48A87A34-81AB-432B-8DAE-1953F412C126}" type="datetimeFigureOut">
               <a:rPr lang="en-US" dirty="0"/>
-              <a:t>12/14/2022</a:t>
+              <a:t>4/11/2023</a:t>
             </a:fld>
             <a:endParaRPr lang="en-US" dirty="0"/>
           </a:p>
@@ -5104,7 +5105,7 @@
           <a:p>
             <a:fld id="{48A87A34-81AB-432B-8DAE-1953F412C126}" type="datetimeFigureOut">
               <a:rPr lang="en-US" dirty="0"/>
-              <a:t>12/14/2022</a:t>
+              <a:t>4/11/2023</a:t>
             </a:fld>
             <a:endParaRPr lang="en-US" dirty="0"/>
           </a:p>
@@ -5533,7 +5534,7 @@
           <a:p>
             <a:fld id="{48A87A34-81AB-432B-8DAE-1953F412C126}" type="datetimeFigureOut">
               <a:rPr lang="en-US" dirty="0"/>
-              <a:t>12/14/2022</a:t>
+              <a:t>4/11/2023</a:t>
             </a:fld>
             <a:endParaRPr lang="en-US" dirty="0"/>
           </a:p>
@@ -6074,7 +6075,7 @@
           <a:p>
             <a:fld id="{48A87A34-81AB-432B-8DAE-1953F412C126}" type="datetimeFigureOut">
               <a:rPr lang="en-US" dirty="0"/>
-              <a:t>12/14/2022</a:t>
+              <a:t>4/11/2023</a:t>
             </a:fld>
             <a:endParaRPr lang="en-US" dirty="0"/>
           </a:p>
@@ -6789,7 +6790,7 @@
           <a:p>
             <a:fld id="{48A87A34-81AB-432B-8DAE-1953F412C126}" type="datetimeFigureOut">
               <a:rPr lang="en-US" dirty="0"/>
-              <a:t>12/14/2022</a:t>
+              <a:t>4/11/2023</a:t>
             </a:fld>
             <a:endParaRPr lang="en-US" dirty="0"/>
           </a:p>
@@ -6954,7 +6955,7 @@
           <a:p>
             <a:fld id="{48A87A34-81AB-432B-8DAE-1953F412C126}" type="datetimeFigureOut">
               <a:rPr lang="en-US" dirty="0"/>
-              <a:t>12/14/2022</a:t>
+              <a:t>4/11/2023</a:t>
             </a:fld>
             <a:endParaRPr lang="en-US" dirty="0"/>
           </a:p>
@@ -7129,7 +7130,7 @@
           <a:p>
             <a:fld id="{48A87A34-81AB-432B-8DAE-1953F412C126}" type="datetimeFigureOut">
               <a:rPr lang="en-US" dirty="0"/>
-              <a:t>12/14/2022</a:t>
+              <a:t>4/11/2023</a:t>
             </a:fld>
             <a:endParaRPr lang="en-US" dirty="0"/>
           </a:p>
@@ -7294,7 +7295,7 @@
           <a:p>
             <a:fld id="{48A87A34-81AB-432B-8DAE-1953F412C126}" type="datetimeFigureOut">
               <a:rPr lang="en-US" dirty="0"/>
-              <a:t>12/14/2022</a:t>
+              <a:t>4/11/2023</a:t>
             </a:fld>
             <a:endParaRPr lang="en-US" dirty="0"/>
           </a:p>
@@ -7539,7 +7540,7 @@
           <a:p>
             <a:fld id="{48A87A34-81AB-432B-8DAE-1953F412C126}" type="datetimeFigureOut">
               <a:rPr lang="en-US" dirty="0"/>
-              <a:t>12/14/2022</a:t>
+              <a:t>4/11/2023</a:t>
             </a:fld>
             <a:endParaRPr lang="en-US" dirty="0"/>
           </a:p>
@@ -7766,7 +7767,7 @@
           <a:p>
             <a:fld id="{48A87A34-81AB-432B-8DAE-1953F412C126}" type="datetimeFigureOut">
               <a:rPr lang="en-US" dirty="0"/>
-              <a:t>12/14/2022</a:t>
+              <a:t>4/11/2023</a:t>
             </a:fld>
             <a:endParaRPr lang="en-US" dirty="0"/>
           </a:p>
@@ -8142,7 +8143,7 @@
           <a:p>
             <a:fld id="{48A87A34-81AB-432B-8DAE-1953F412C126}" type="datetimeFigureOut">
               <a:rPr lang="en-US" dirty="0"/>
-              <a:t>12/14/2022</a:t>
+              <a:t>4/11/2023</a:t>
             </a:fld>
             <a:endParaRPr lang="en-US" dirty="0"/>
           </a:p>
@@ -8255,7 +8256,7 @@
           <a:p>
             <a:fld id="{48A87A34-81AB-432B-8DAE-1953F412C126}" type="datetimeFigureOut">
               <a:rPr lang="en-US" dirty="0"/>
-              <a:t>12/14/2022</a:t>
+              <a:t>4/11/2023</a:t>
             </a:fld>
             <a:endParaRPr lang="en-US" dirty="0"/>
           </a:p>
@@ -8345,7 +8346,7 @@
           <a:p>
             <a:fld id="{48A87A34-81AB-432B-8DAE-1953F412C126}" type="datetimeFigureOut">
               <a:rPr lang="en-US" dirty="0"/>
-              <a:t>12/14/2022</a:t>
+              <a:t>4/11/2023</a:t>
             </a:fld>
             <a:endParaRPr lang="en-US" dirty="0"/>
           </a:p>
@@ -8589,7 +8590,7 @@
           <a:p>
             <a:fld id="{48A87A34-81AB-432B-8DAE-1953F412C126}" type="datetimeFigureOut">
               <a:rPr lang="en-US" dirty="0"/>
-              <a:t>12/14/2022</a:t>
+              <a:t>4/11/2023</a:t>
             </a:fld>
             <a:endParaRPr lang="en-US" dirty="0"/>
           </a:p>
@@ -8864,7 +8865,7 @@
           <a:p>
             <a:fld id="{48A87A34-81AB-432B-8DAE-1953F412C126}" type="datetimeFigureOut">
               <a:rPr lang="en-US" dirty="0"/>
-              <a:t>12/14/2022</a:t>
+              <a:t>4/11/2023</a:t>
             </a:fld>
             <a:endParaRPr lang="en-US" dirty="0"/>
           </a:p>
@@ -8975,7 +8976,7 @@
           <a:noFill/>
           <a:extLst>
             <a:ext uri="{909E8E84-426E-40dd-AFC4-6F175D3DCCD1}">
-              <a14:hiddenFill xmlns:a14="http://schemas.microsoft.com/office/drawing/2010/main" xmlns="">
+              <a14:hiddenFill xmlns="" xmlns:a14="http://schemas.microsoft.com/office/drawing/2010/main">
                 <a:solidFill>
                   <a:srgbClr val="FFFFFF"/>
                 </a:solidFill>
@@ -9049,7 +9050,7 @@
               </a:ln>
               <a:extLst>
                 <a:ext uri="{91240B29-F687-4f45-9708-019B960494DF}">
-                  <a14:hiddenLine xmlns:a14="http://schemas.microsoft.com/office/drawing/2010/main" xmlns="" w="9525">
+                  <a14:hiddenLine xmlns="" xmlns:a14="http://schemas.microsoft.com/office/drawing/2010/main" w="9525">
                     <a:solidFill>
                       <a:srgbClr val="000000"/>
                     </a:solidFill>
@@ -9139,7 +9140,7 @@
               </a:ln>
               <a:extLst>
                 <a:ext uri="{91240B29-F687-4f45-9708-019B960494DF}">
-                  <a14:hiddenLine xmlns:a14="http://schemas.microsoft.com/office/drawing/2010/main" xmlns="" w="9525">
+                  <a14:hiddenLine xmlns="" xmlns:a14="http://schemas.microsoft.com/office/drawing/2010/main" w="9525">
                     <a:solidFill>
                       <a:srgbClr val="000000"/>
                     </a:solidFill>
@@ -9229,7 +9230,7 @@
               </a:ln>
               <a:extLst>
                 <a:ext uri="{91240B29-F687-4f45-9708-019B960494DF}">
-                  <a14:hiddenLine xmlns:a14="http://schemas.microsoft.com/office/drawing/2010/main" xmlns="" w="9525">
+                  <a14:hiddenLine xmlns="" xmlns:a14="http://schemas.microsoft.com/office/drawing/2010/main" w="9525">
                     <a:solidFill>
                       <a:srgbClr val="000000"/>
                     </a:solidFill>
@@ -9291,7 +9292,7 @@
               </a:ln>
               <a:extLst>
                 <a:ext uri="{91240B29-F687-4f45-9708-019B960494DF}">
-                  <a14:hiddenLine xmlns:a14="http://schemas.microsoft.com/office/drawing/2010/main" xmlns="" w="9525">
+                  <a14:hiddenLine xmlns="" xmlns:a14="http://schemas.microsoft.com/office/drawing/2010/main" w="9525">
                     <a:solidFill>
                       <a:srgbClr val="000000"/>
                     </a:solidFill>
@@ -9381,7 +9382,7 @@
               </a:ln>
               <a:extLst>
                 <a:ext uri="{91240B29-F687-4f45-9708-019B960494DF}">
-                  <a14:hiddenLine xmlns:a14="http://schemas.microsoft.com/office/drawing/2010/main" xmlns="" w="9525">
+                  <a14:hiddenLine xmlns="" xmlns:a14="http://schemas.microsoft.com/office/drawing/2010/main" w="9525">
                     <a:solidFill>
                       <a:srgbClr val="000000"/>
                     </a:solidFill>
@@ -9443,7 +9444,7 @@
               </a:ln>
               <a:extLst>
                 <a:ext uri="{91240B29-F687-4f45-9708-019B960494DF}">
-                  <a14:hiddenLine xmlns:a14="http://schemas.microsoft.com/office/drawing/2010/main" xmlns="" w="9525">
+                  <a14:hiddenLine xmlns="" xmlns:a14="http://schemas.microsoft.com/office/drawing/2010/main" w="9525">
                     <a:solidFill>
                       <a:srgbClr val="000000"/>
                     </a:solidFill>
@@ -9505,7 +9506,7 @@
               </a:ln>
               <a:extLst>
                 <a:ext uri="{91240B29-F687-4f45-9708-019B960494DF}">
-                  <a14:hiddenLine xmlns:a14="http://schemas.microsoft.com/office/drawing/2010/main" xmlns="" w="9525">
+                  <a14:hiddenLine xmlns="" xmlns:a14="http://schemas.microsoft.com/office/drawing/2010/main" w="9525">
                     <a:solidFill>
                       <a:srgbClr val="000000"/>
                     </a:solidFill>
@@ -9595,7 +9596,7 @@
               </a:ln>
               <a:extLst>
                 <a:ext uri="{91240B29-F687-4f45-9708-019B960494DF}">
-                  <a14:hiddenLine xmlns:a14="http://schemas.microsoft.com/office/drawing/2010/main" xmlns="" w="9525">
+                  <a14:hiddenLine xmlns="" xmlns:a14="http://schemas.microsoft.com/office/drawing/2010/main" w="9525">
                     <a:solidFill>
                       <a:srgbClr val="000000"/>
                     </a:solidFill>
@@ -9685,7 +9686,7 @@
               </a:ln>
               <a:extLst>
                 <a:ext uri="{91240B29-F687-4f45-9708-019B960494DF}">
-                  <a14:hiddenLine xmlns:a14="http://schemas.microsoft.com/office/drawing/2010/main" xmlns="" w="9525">
+                  <a14:hiddenLine xmlns="" xmlns:a14="http://schemas.microsoft.com/office/drawing/2010/main" w="9525">
                     <a:solidFill>
                       <a:srgbClr val="000000"/>
                     </a:solidFill>
@@ -9747,7 +9748,7 @@
               </a:ln>
               <a:extLst>
                 <a:ext uri="{91240B29-F687-4f45-9708-019B960494DF}">
-                  <a14:hiddenLine xmlns:a14="http://schemas.microsoft.com/office/drawing/2010/main" xmlns="" w="9525">
+                  <a14:hiddenLine xmlns="" xmlns:a14="http://schemas.microsoft.com/office/drawing/2010/main" w="9525">
                     <a:solidFill>
                       <a:srgbClr val="000000"/>
                     </a:solidFill>
@@ -9857,7 +9858,7 @@
               </a:ln>
               <a:extLst>
                 <a:ext uri="{91240B29-F687-4f45-9708-019B960494DF}">
-                  <a14:hiddenLine xmlns:a14="http://schemas.microsoft.com/office/drawing/2010/main" xmlns="" w="9525">
+                  <a14:hiddenLine xmlns="" xmlns:a14="http://schemas.microsoft.com/office/drawing/2010/main" w="9525">
                     <a:solidFill>
                       <a:srgbClr val="000000"/>
                     </a:solidFill>
@@ -9941,7 +9942,7 @@
               </a:ln>
               <a:extLst>
                 <a:ext uri="{91240B29-F687-4f45-9708-019B960494DF}">
-                  <a14:hiddenLine xmlns:a14="http://schemas.microsoft.com/office/drawing/2010/main" xmlns="" w="9525">
+                  <a14:hiddenLine xmlns="" xmlns:a14="http://schemas.microsoft.com/office/drawing/2010/main" w="9525">
                     <a:solidFill>
                       <a:srgbClr val="000000"/>
                     </a:solidFill>
@@ -10003,7 +10004,7 @@
               </a:ln>
               <a:extLst>
                 <a:ext uri="{91240B29-F687-4f45-9708-019B960494DF}">
-                  <a14:hiddenLine xmlns:a14="http://schemas.microsoft.com/office/drawing/2010/main" xmlns="" w="9525">
+                  <a14:hiddenLine xmlns="" xmlns:a14="http://schemas.microsoft.com/office/drawing/2010/main" w="9525">
                     <a:solidFill>
                       <a:srgbClr val="000000"/>
                     </a:solidFill>
@@ -10065,7 +10066,7 @@
               </a:ln>
               <a:extLst>
                 <a:ext uri="{91240B29-F687-4f45-9708-019B960494DF}">
-                  <a14:hiddenLine xmlns:a14="http://schemas.microsoft.com/office/drawing/2010/main" xmlns="" w="9525">
+                  <a14:hiddenLine xmlns="" xmlns:a14="http://schemas.microsoft.com/office/drawing/2010/main" w="9525">
                     <a:solidFill>
                       <a:srgbClr val="000000"/>
                     </a:solidFill>
@@ -10155,7 +10156,7 @@
               </a:ln>
               <a:extLst>
                 <a:ext uri="{91240B29-F687-4f45-9708-019B960494DF}">
-                  <a14:hiddenLine xmlns:a14="http://schemas.microsoft.com/office/drawing/2010/main" xmlns="" w="9525">
+                  <a14:hiddenLine xmlns="" xmlns:a14="http://schemas.microsoft.com/office/drawing/2010/main" w="9525">
                     <a:solidFill>
                       <a:srgbClr val="000000"/>
                     </a:solidFill>
@@ -10189,7 +10190,7 @@
               </a:ln>
               <a:extLst>
                 <a:ext uri="{91240B29-F687-4f45-9708-019B960494DF}">
-                  <a14:hiddenLine xmlns:a14="http://schemas.microsoft.com/office/drawing/2010/main" xmlns="" w="9525">
+                  <a14:hiddenLine xmlns="" xmlns:a14="http://schemas.microsoft.com/office/drawing/2010/main" w="9525">
                     <a:solidFill>
                       <a:srgbClr val="000000"/>
                     </a:solidFill>
@@ -10254,7 +10255,7 @@
               </a:ln>
               <a:extLst>
                 <a:ext uri="{91240B29-F687-4f45-9708-019B960494DF}">
-                  <a14:hiddenLine xmlns:a14="http://schemas.microsoft.com/office/drawing/2010/main" xmlns="" w="9525">
+                  <a14:hiddenLine xmlns="" xmlns:a14="http://schemas.microsoft.com/office/drawing/2010/main" w="9525">
                     <a:solidFill>
                       <a:srgbClr val="000000"/>
                     </a:solidFill>
@@ -10344,7 +10345,7 @@
               </a:ln>
               <a:extLst>
                 <a:ext uri="{91240B29-F687-4f45-9708-019B960494DF}">
-                  <a14:hiddenLine xmlns:a14="http://schemas.microsoft.com/office/drawing/2010/main" xmlns="" w="9525">
+                  <a14:hiddenLine xmlns="" xmlns:a14="http://schemas.microsoft.com/office/drawing/2010/main" w="9525">
                     <a:solidFill>
                       <a:srgbClr val="000000"/>
                     </a:solidFill>
@@ -10406,7 +10407,7 @@
               </a:ln>
               <a:extLst>
                 <a:ext uri="{91240B29-F687-4f45-9708-019B960494DF}">
-                  <a14:hiddenLine xmlns:a14="http://schemas.microsoft.com/office/drawing/2010/main" xmlns="" w="9525">
+                  <a14:hiddenLine xmlns="" xmlns:a14="http://schemas.microsoft.com/office/drawing/2010/main" w="9525">
                     <a:solidFill>
                       <a:srgbClr val="000000"/>
                     </a:solidFill>
@@ -10496,7 +10497,7 @@
               </a:ln>
               <a:extLst>
                 <a:ext uri="{91240B29-F687-4f45-9708-019B960494DF}">
-                  <a14:hiddenLine xmlns:a14="http://schemas.microsoft.com/office/drawing/2010/main" xmlns="" w="9525">
+                  <a14:hiddenLine xmlns="" xmlns:a14="http://schemas.microsoft.com/office/drawing/2010/main" w="9525">
                     <a:solidFill>
                       <a:srgbClr val="000000"/>
                     </a:solidFill>
@@ -10561,7 +10562,7 @@
               </a:ln>
               <a:extLst>
                 <a:ext uri="{91240B29-F687-4f45-9708-019B960494DF}">
-                  <a14:hiddenLine xmlns:a14="http://schemas.microsoft.com/office/drawing/2010/main" xmlns="" w="9525">
+                  <a14:hiddenLine xmlns="" xmlns:a14="http://schemas.microsoft.com/office/drawing/2010/main" w="9525">
                     <a:solidFill>
                       <a:srgbClr val="000000"/>
                     </a:solidFill>
@@ -10623,7 +10624,7 @@
               </a:ln>
               <a:extLst>
                 <a:ext uri="{91240B29-F687-4f45-9708-019B960494DF}">
-                  <a14:hiddenLine xmlns:a14="http://schemas.microsoft.com/office/drawing/2010/main" xmlns="" w="9525">
+                  <a14:hiddenLine xmlns="" xmlns:a14="http://schemas.microsoft.com/office/drawing/2010/main" w="9525">
                     <a:solidFill>
                       <a:srgbClr val="000000"/>
                     </a:solidFill>
@@ -10713,7 +10714,7 @@
               </a:ln>
               <a:extLst>
                 <a:ext uri="{91240B29-F687-4f45-9708-019B960494DF}">
-                  <a14:hiddenLine xmlns:a14="http://schemas.microsoft.com/office/drawing/2010/main" xmlns="" w="9525">
+                  <a14:hiddenLine xmlns="" xmlns:a14="http://schemas.microsoft.com/office/drawing/2010/main" w="9525">
                     <a:solidFill>
                       <a:srgbClr val="000000"/>
                     </a:solidFill>
@@ -10803,7 +10804,7 @@
               </a:ln>
               <a:extLst>
                 <a:ext uri="{91240B29-F687-4f45-9708-019B960494DF}">
-                  <a14:hiddenLine xmlns:a14="http://schemas.microsoft.com/office/drawing/2010/main" xmlns="" w="9525">
+                  <a14:hiddenLine xmlns="" xmlns:a14="http://schemas.microsoft.com/office/drawing/2010/main" w="9525">
                     <a:solidFill>
                       <a:srgbClr val="000000"/>
                     </a:solidFill>
@@ -10868,7 +10869,7 @@
               </a:ln>
               <a:extLst>
                 <a:ext uri="{91240B29-F687-4f45-9708-019B960494DF}">
-                  <a14:hiddenLine xmlns:a14="http://schemas.microsoft.com/office/drawing/2010/main" xmlns="" w="9525">
+                  <a14:hiddenLine xmlns="" xmlns:a14="http://schemas.microsoft.com/office/drawing/2010/main" w="9525">
                     <a:solidFill>
                       <a:srgbClr val="000000"/>
                     </a:solidFill>
@@ -10988,7 +10989,7 @@
               </a:ln>
               <a:extLst>
                 <a:ext uri="{91240B29-F687-4f45-9708-019B960494DF}">
-                  <a14:hiddenLine xmlns:a14="http://schemas.microsoft.com/office/drawing/2010/main" xmlns="" w="9525">
+                  <a14:hiddenLine xmlns="" xmlns:a14="http://schemas.microsoft.com/office/drawing/2010/main" w="9525">
                     <a:solidFill>
                       <a:srgbClr val="000000"/>
                     </a:solidFill>
@@ -11086,7 +11087,7 @@
               </a:ln>
               <a:extLst>
                 <a:ext uri="{91240B29-F687-4f45-9708-019B960494DF}">
-                  <a14:hiddenLine xmlns:a14="http://schemas.microsoft.com/office/drawing/2010/main" xmlns="" w="9525">
+                  <a14:hiddenLine xmlns="" xmlns:a14="http://schemas.microsoft.com/office/drawing/2010/main" w="9525">
                     <a:solidFill>
                       <a:srgbClr val="000000"/>
                     </a:solidFill>
@@ -11201,7 +11202,7 @@
               </a:ln>
               <a:extLst>
                 <a:ext uri="{91240B29-F687-4f45-9708-019B960494DF}">
-                  <a14:hiddenLine xmlns:a14="http://schemas.microsoft.com/office/drawing/2010/main" xmlns="" w="9525">
+                  <a14:hiddenLine xmlns="" xmlns:a14="http://schemas.microsoft.com/office/drawing/2010/main" w="9525">
                     <a:solidFill>
                       <a:srgbClr val="000000"/>
                     </a:solidFill>
@@ -11291,7 +11292,7 @@
               </a:ln>
               <a:extLst>
                 <a:ext uri="{91240B29-F687-4f45-9708-019B960494DF}">
-                  <a14:hiddenLine xmlns:a14="http://schemas.microsoft.com/office/drawing/2010/main" xmlns="" w="9525">
+                  <a14:hiddenLine xmlns="" xmlns:a14="http://schemas.microsoft.com/office/drawing/2010/main" w="9525">
                     <a:solidFill>
                       <a:srgbClr val="000000"/>
                     </a:solidFill>
@@ -11356,7 +11357,7 @@
               </a:ln>
               <a:extLst>
                 <a:ext uri="{91240B29-F687-4f45-9708-019B960494DF}">
-                  <a14:hiddenLine xmlns:a14="http://schemas.microsoft.com/office/drawing/2010/main" xmlns="" w="9525">
+                  <a14:hiddenLine xmlns="" xmlns:a14="http://schemas.microsoft.com/office/drawing/2010/main" w="9525">
                     <a:solidFill>
                       <a:srgbClr val="000000"/>
                     </a:solidFill>
@@ -11446,7 +11447,7 @@
               </a:ln>
               <a:extLst>
                 <a:ext uri="{91240B29-F687-4f45-9708-019B960494DF}">
-                  <a14:hiddenLine xmlns:a14="http://schemas.microsoft.com/office/drawing/2010/main" xmlns="" w="9525">
+                  <a14:hiddenLine xmlns="" xmlns:a14="http://schemas.microsoft.com/office/drawing/2010/main" w="9525">
                     <a:solidFill>
                       <a:srgbClr val="000000"/>
                     </a:solidFill>
@@ -11514,7 +11515,7 @@
               </a:ln>
               <a:extLst>
                 <a:ext uri="{91240B29-F687-4f45-9708-019B960494DF}">
-                  <a14:hiddenLine xmlns:a14="http://schemas.microsoft.com/office/drawing/2010/main" xmlns="" w="9525">
+                  <a14:hiddenLine xmlns="" xmlns:a14="http://schemas.microsoft.com/office/drawing/2010/main" w="9525">
                     <a:solidFill>
                       <a:srgbClr val="000000"/>
                     </a:solidFill>
@@ -11604,7 +11605,7 @@
               </a:ln>
               <a:extLst>
                 <a:ext uri="{91240B29-F687-4f45-9708-019B960494DF}">
-                  <a14:hiddenLine xmlns:a14="http://schemas.microsoft.com/office/drawing/2010/main" xmlns="" w="9525">
+                  <a14:hiddenLine xmlns="" xmlns:a14="http://schemas.microsoft.com/office/drawing/2010/main" w="9525">
                     <a:solidFill>
                       <a:srgbClr val="000000"/>
                     </a:solidFill>
@@ -11672,7 +11673,7 @@
               </a:ln>
               <a:extLst>
                 <a:ext uri="{91240B29-F687-4f45-9708-019B960494DF}">
-                  <a14:hiddenLine xmlns:a14="http://schemas.microsoft.com/office/drawing/2010/main" xmlns="" w="9525">
+                  <a14:hiddenLine xmlns="" xmlns:a14="http://schemas.microsoft.com/office/drawing/2010/main" w="9525">
                     <a:solidFill>
                       <a:srgbClr val="000000"/>
                     </a:solidFill>
@@ -11762,7 +11763,7 @@
               </a:ln>
               <a:extLst>
                 <a:ext uri="{91240B29-F687-4f45-9708-019B960494DF}">
-                  <a14:hiddenLine xmlns:a14="http://schemas.microsoft.com/office/drawing/2010/main" xmlns="" w="9525">
+                  <a14:hiddenLine xmlns="" xmlns:a14="http://schemas.microsoft.com/office/drawing/2010/main" w="9525">
                     <a:solidFill>
                       <a:srgbClr val="000000"/>
                     </a:solidFill>
@@ -11796,7 +11797,7 @@
               </a:ln>
               <a:extLst>
                 <a:ext uri="{91240B29-F687-4f45-9708-019B960494DF}">
-                  <a14:hiddenLine xmlns:a14="http://schemas.microsoft.com/office/drawing/2010/main" xmlns="" w="9525">
+                  <a14:hiddenLine xmlns="" xmlns:a14="http://schemas.microsoft.com/office/drawing/2010/main" w="9525">
                     <a:solidFill>
                       <a:srgbClr val="000000"/>
                     </a:solidFill>
@@ -11937,7 +11938,7 @@
             <a:fld id="{48A87A34-81AB-432B-8DAE-1953F412C126}" type="datetimeFigureOut">
               <a:rPr lang="en-US" dirty="0"/>
               <a:pPr/>
-              <a:t>12/14/2022</a:t>
+              <a:t>4/11/2023</a:t>
             </a:fld>
             <a:endParaRPr lang="en-US" dirty="0"/>
           </a:p>
@@ -13202,7 +13203,7 @@
           <a:noFill/>
           <a:extLst>
             <a:ext uri="{909E8E84-426E-40dd-AFC4-6F175D3DCCD1}">
-              <a14:hiddenFill xmlns="" xmlns:a16="http://schemas.microsoft.com/office/drawing/2014/main" xmlns:p14="http://schemas.microsoft.com/office/powerpoint/2010/main" xmlns:a14="http://schemas.microsoft.com/office/drawing/2010/main">
+              <a14:hiddenFill xmlns:a14="http://schemas.microsoft.com/office/drawing/2010/main" xmlns:p14="http://schemas.microsoft.com/office/powerpoint/2010/main" xmlns:a16="http://schemas.microsoft.com/office/drawing/2014/main" xmlns="">
                 <a:solidFill>
                   <a:srgbClr val="FFFFFF"/>
                 </a:solidFill>
@@ -13323,7 +13324,7 @@
               </a:ln>
               <a:extLst>
                 <a:ext uri="{91240B29-F687-4f45-9708-019B960494DF}">
-                  <a14:hiddenLine xmlns="" xmlns:a16="http://schemas.microsoft.com/office/drawing/2014/main" xmlns:p14="http://schemas.microsoft.com/office/powerpoint/2010/main" xmlns:a14="http://schemas.microsoft.com/office/drawing/2010/main" w="9525">
+                  <a14:hiddenLine xmlns:a14="http://schemas.microsoft.com/office/drawing/2010/main" xmlns:p14="http://schemas.microsoft.com/office/powerpoint/2010/main" xmlns:a16="http://schemas.microsoft.com/office/drawing/2014/main" xmlns="" w="9525">
                     <a:solidFill>
                       <a:srgbClr val="000000"/>
                     </a:solidFill>
@@ -13428,7 +13429,7 @@
               </a:ln>
               <a:extLst>
                 <a:ext uri="{91240B29-F687-4f45-9708-019B960494DF}">
-                  <a14:hiddenLine xmlns="" xmlns:a16="http://schemas.microsoft.com/office/drawing/2014/main" xmlns:p14="http://schemas.microsoft.com/office/powerpoint/2010/main" xmlns:a14="http://schemas.microsoft.com/office/drawing/2010/main" w="9525">
+                  <a14:hiddenLine xmlns:a14="http://schemas.microsoft.com/office/drawing/2010/main" xmlns:p14="http://schemas.microsoft.com/office/powerpoint/2010/main" xmlns:a16="http://schemas.microsoft.com/office/drawing/2014/main" xmlns="" w="9525">
                     <a:solidFill>
                       <a:srgbClr val="000000"/>
                     </a:solidFill>
@@ -13533,7 +13534,7 @@
               </a:ln>
               <a:extLst>
                 <a:ext uri="{91240B29-F687-4f45-9708-019B960494DF}">
-                  <a14:hiddenLine xmlns="" xmlns:a16="http://schemas.microsoft.com/office/drawing/2014/main" xmlns:p14="http://schemas.microsoft.com/office/powerpoint/2010/main" xmlns:a14="http://schemas.microsoft.com/office/drawing/2010/main" w="9525">
+                  <a14:hiddenLine xmlns:a14="http://schemas.microsoft.com/office/drawing/2010/main" xmlns:p14="http://schemas.microsoft.com/office/powerpoint/2010/main" xmlns:a16="http://schemas.microsoft.com/office/drawing/2014/main" xmlns="" w="9525">
                     <a:solidFill>
                       <a:srgbClr val="000000"/>
                     </a:solidFill>
@@ -13610,7 +13611,7 @@
               </a:ln>
               <a:extLst>
                 <a:ext uri="{91240B29-F687-4f45-9708-019B960494DF}">
-                  <a14:hiddenLine xmlns="" xmlns:a16="http://schemas.microsoft.com/office/drawing/2014/main" xmlns:p14="http://schemas.microsoft.com/office/powerpoint/2010/main" xmlns:a14="http://schemas.microsoft.com/office/drawing/2010/main" w="9525">
+                  <a14:hiddenLine xmlns:a14="http://schemas.microsoft.com/office/drawing/2010/main" xmlns:p14="http://schemas.microsoft.com/office/powerpoint/2010/main" xmlns:a16="http://schemas.microsoft.com/office/drawing/2014/main" xmlns="" w="9525">
                     <a:solidFill>
                       <a:srgbClr val="000000"/>
                     </a:solidFill>
@@ -13715,7 +13716,7 @@
               </a:ln>
               <a:extLst>
                 <a:ext uri="{91240B29-F687-4f45-9708-019B960494DF}">
-                  <a14:hiddenLine xmlns="" xmlns:a16="http://schemas.microsoft.com/office/drawing/2014/main" xmlns:p14="http://schemas.microsoft.com/office/powerpoint/2010/main" xmlns:a14="http://schemas.microsoft.com/office/drawing/2010/main" w="9525">
+                  <a14:hiddenLine xmlns:a14="http://schemas.microsoft.com/office/drawing/2010/main" xmlns:p14="http://schemas.microsoft.com/office/powerpoint/2010/main" xmlns:a16="http://schemas.microsoft.com/office/drawing/2014/main" xmlns="" w="9525">
                     <a:solidFill>
                       <a:srgbClr val="000000"/>
                     </a:solidFill>
@@ -13792,7 +13793,7 @@
               </a:ln>
               <a:extLst>
                 <a:ext uri="{91240B29-F687-4f45-9708-019B960494DF}">
-                  <a14:hiddenLine xmlns="" xmlns:a16="http://schemas.microsoft.com/office/drawing/2014/main" xmlns:p14="http://schemas.microsoft.com/office/powerpoint/2010/main" xmlns:a14="http://schemas.microsoft.com/office/drawing/2010/main" w="9525">
+                  <a14:hiddenLine xmlns:a14="http://schemas.microsoft.com/office/drawing/2010/main" xmlns:p14="http://schemas.microsoft.com/office/powerpoint/2010/main" xmlns:a16="http://schemas.microsoft.com/office/drawing/2014/main" xmlns="" w="9525">
                     <a:solidFill>
                       <a:srgbClr val="000000"/>
                     </a:solidFill>
@@ -13869,7 +13870,7 @@
               </a:ln>
               <a:extLst>
                 <a:ext uri="{91240B29-F687-4f45-9708-019B960494DF}">
-                  <a14:hiddenLine xmlns="" xmlns:a16="http://schemas.microsoft.com/office/drawing/2014/main" xmlns:p14="http://schemas.microsoft.com/office/powerpoint/2010/main" xmlns:a14="http://schemas.microsoft.com/office/drawing/2010/main" w="9525">
+                  <a14:hiddenLine xmlns:a14="http://schemas.microsoft.com/office/drawing/2010/main" xmlns:p14="http://schemas.microsoft.com/office/powerpoint/2010/main" xmlns:a16="http://schemas.microsoft.com/office/drawing/2014/main" xmlns="" w="9525">
                     <a:solidFill>
                       <a:srgbClr val="000000"/>
                     </a:solidFill>
@@ -13974,7 +13975,7 @@
               </a:ln>
               <a:extLst>
                 <a:ext uri="{91240B29-F687-4f45-9708-019B960494DF}">
-                  <a14:hiddenLine xmlns="" xmlns:a16="http://schemas.microsoft.com/office/drawing/2014/main" xmlns:p14="http://schemas.microsoft.com/office/powerpoint/2010/main" xmlns:a14="http://schemas.microsoft.com/office/drawing/2010/main" w="9525">
+                  <a14:hiddenLine xmlns:a14="http://schemas.microsoft.com/office/drawing/2010/main" xmlns:p14="http://schemas.microsoft.com/office/powerpoint/2010/main" xmlns:a16="http://schemas.microsoft.com/office/drawing/2014/main" xmlns="" w="9525">
                     <a:solidFill>
                       <a:srgbClr val="000000"/>
                     </a:solidFill>
@@ -14079,7 +14080,7 @@
               </a:ln>
               <a:extLst>
                 <a:ext uri="{91240B29-F687-4f45-9708-019B960494DF}">
-                  <a14:hiddenLine xmlns="" xmlns:a16="http://schemas.microsoft.com/office/drawing/2014/main" xmlns:p14="http://schemas.microsoft.com/office/powerpoint/2010/main" xmlns:a14="http://schemas.microsoft.com/office/drawing/2010/main" w="9525">
+                  <a14:hiddenLine xmlns:a14="http://schemas.microsoft.com/office/drawing/2010/main" xmlns:p14="http://schemas.microsoft.com/office/powerpoint/2010/main" xmlns:a16="http://schemas.microsoft.com/office/drawing/2014/main" xmlns="" w="9525">
                     <a:solidFill>
                       <a:srgbClr val="000000"/>
                     </a:solidFill>
@@ -14156,7 +14157,7 @@
               </a:ln>
               <a:extLst>
                 <a:ext uri="{91240B29-F687-4f45-9708-019B960494DF}">
-                  <a14:hiddenLine xmlns="" xmlns:a16="http://schemas.microsoft.com/office/drawing/2014/main" xmlns:p14="http://schemas.microsoft.com/office/powerpoint/2010/main" xmlns:a14="http://schemas.microsoft.com/office/drawing/2010/main" w="9525">
+                  <a14:hiddenLine xmlns:a14="http://schemas.microsoft.com/office/drawing/2010/main" xmlns:p14="http://schemas.microsoft.com/office/powerpoint/2010/main" xmlns:a16="http://schemas.microsoft.com/office/drawing/2014/main" xmlns="" w="9525">
                     <a:solidFill>
                       <a:srgbClr val="000000"/>
                     </a:solidFill>
@@ -14281,7 +14282,7 @@
               </a:ln>
               <a:extLst>
                 <a:ext uri="{91240B29-F687-4f45-9708-019B960494DF}">
-                  <a14:hiddenLine xmlns="" xmlns:a16="http://schemas.microsoft.com/office/drawing/2014/main" xmlns:p14="http://schemas.microsoft.com/office/powerpoint/2010/main" xmlns:a14="http://schemas.microsoft.com/office/drawing/2010/main" w="9525">
+                  <a14:hiddenLine xmlns:a14="http://schemas.microsoft.com/office/drawing/2010/main" xmlns:p14="http://schemas.microsoft.com/office/powerpoint/2010/main" xmlns:a16="http://schemas.microsoft.com/office/drawing/2014/main" xmlns="" w="9525">
                     <a:solidFill>
                       <a:srgbClr val="000000"/>
                     </a:solidFill>
@@ -14395,7 +14396,7 @@
               </a:ln>
               <a:extLst>
                 <a:ext uri="{91240B29-F687-4f45-9708-019B960494DF}">
-                  <a14:hiddenLine xmlns="" xmlns:a16="http://schemas.microsoft.com/office/drawing/2014/main" xmlns:p14="http://schemas.microsoft.com/office/powerpoint/2010/main" xmlns:a14="http://schemas.microsoft.com/office/drawing/2010/main" w="9525">
+                  <a14:hiddenLine xmlns:a14="http://schemas.microsoft.com/office/drawing/2010/main" xmlns:p14="http://schemas.microsoft.com/office/powerpoint/2010/main" xmlns:a16="http://schemas.microsoft.com/office/drawing/2014/main" xmlns="" w="9525">
                     <a:solidFill>
                       <a:srgbClr val="000000"/>
                     </a:solidFill>
@@ -14472,7 +14473,7 @@
               </a:ln>
               <a:extLst>
                 <a:ext uri="{91240B29-F687-4f45-9708-019B960494DF}">
-                  <a14:hiddenLine xmlns="" xmlns:a16="http://schemas.microsoft.com/office/drawing/2014/main" xmlns:p14="http://schemas.microsoft.com/office/powerpoint/2010/main" xmlns:a14="http://schemas.microsoft.com/office/drawing/2010/main" w="9525">
+                  <a14:hiddenLine xmlns:a14="http://schemas.microsoft.com/office/drawing/2010/main" xmlns:p14="http://schemas.microsoft.com/office/powerpoint/2010/main" xmlns:a16="http://schemas.microsoft.com/office/drawing/2014/main" xmlns="" w="9525">
                     <a:solidFill>
                       <a:srgbClr val="000000"/>
                     </a:solidFill>
@@ -14549,7 +14550,7 @@
               </a:ln>
               <a:extLst>
                 <a:ext uri="{91240B29-F687-4f45-9708-019B960494DF}">
-                  <a14:hiddenLine xmlns="" xmlns:a16="http://schemas.microsoft.com/office/drawing/2014/main" xmlns:p14="http://schemas.microsoft.com/office/powerpoint/2010/main" xmlns:a14="http://schemas.microsoft.com/office/drawing/2010/main" w="9525">
+                  <a14:hiddenLine xmlns:a14="http://schemas.microsoft.com/office/drawing/2010/main" xmlns:p14="http://schemas.microsoft.com/office/powerpoint/2010/main" xmlns:a16="http://schemas.microsoft.com/office/drawing/2014/main" xmlns="" w="9525">
                     <a:solidFill>
                       <a:srgbClr val="000000"/>
                     </a:solidFill>
@@ -14654,7 +14655,7 @@
               </a:ln>
               <a:extLst>
                 <a:ext uri="{91240B29-F687-4f45-9708-019B960494DF}">
-                  <a14:hiddenLine xmlns="" xmlns:a16="http://schemas.microsoft.com/office/drawing/2014/main" xmlns:p14="http://schemas.microsoft.com/office/powerpoint/2010/main" xmlns:a14="http://schemas.microsoft.com/office/drawing/2010/main" w="9525">
+                  <a14:hiddenLine xmlns:a14="http://schemas.microsoft.com/office/drawing/2010/main" xmlns:p14="http://schemas.microsoft.com/office/powerpoint/2010/main" xmlns:a16="http://schemas.microsoft.com/office/drawing/2014/main" xmlns="" w="9525">
                     <a:solidFill>
                       <a:srgbClr val="000000"/>
                     </a:solidFill>
@@ -14703,7 +14704,7 @@
               </a:ln>
               <a:extLst>
                 <a:ext uri="{91240B29-F687-4f45-9708-019B960494DF}">
-                  <a14:hiddenLine xmlns="" xmlns:a16="http://schemas.microsoft.com/office/drawing/2014/main" xmlns:p14="http://schemas.microsoft.com/office/powerpoint/2010/main" xmlns:a14="http://schemas.microsoft.com/office/drawing/2010/main" w="9525">
+                  <a14:hiddenLine xmlns:a14="http://schemas.microsoft.com/office/drawing/2010/main" xmlns:p14="http://schemas.microsoft.com/office/powerpoint/2010/main" xmlns:a16="http://schemas.microsoft.com/office/drawing/2014/main" xmlns="" w="9525">
                     <a:solidFill>
                       <a:srgbClr val="000000"/>
                     </a:solidFill>
@@ -14783,7 +14784,7 @@
               </a:ln>
               <a:extLst>
                 <a:ext uri="{91240B29-F687-4f45-9708-019B960494DF}">
-                  <a14:hiddenLine xmlns="" xmlns:a16="http://schemas.microsoft.com/office/drawing/2014/main" xmlns:p14="http://schemas.microsoft.com/office/powerpoint/2010/main" xmlns:a14="http://schemas.microsoft.com/office/drawing/2010/main" w="9525">
+                  <a14:hiddenLine xmlns:a14="http://schemas.microsoft.com/office/drawing/2010/main" xmlns:p14="http://schemas.microsoft.com/office/powerpoint/2010/main" xmlns:a16="http://schemas.microsoft.com/office/drawing/2014/main" xmlns="" w="9525">
                     <a:solidFill>
                       <a:srgbClr val="000000"/>
                     </a:solidFill>
@@ -14888,7 +14889,7 @@
               </a:ln>
               <a:extLst>
                 <a:ext uri="{91240B29-F687-4f45-9708-019B960494DF}">
-                  <a14:hiddenLine xmlns="" xmlns:a16="http://schemas.microsoft.com/office/drawing/2014/main" xmlns:p14="http://schemas.microsoft.com/office/powerpoint/2010/main" xmlns:a14="http://schemas.microsoft.com/office/drawing/2010/main" w="9525">
+                  <a14:hiddenLine xmlns:a14="http://schemas.microsoft.com/office/drawing/2010/main" xmlns:p14="http://schemas.microsoft.com/office/powerpoint/2010/main" xmlns:a16="http://schemas.microsoft.com/office/drawing/2014/main" xmlns="" w="9525">
                     <a:solidFill>
                       <a:srgbClr val="000000"/>
                     </a:solidFill>
@@ -14965,7 +14966,7 @@
               </a:ln>
               <a:extLst>
                 <a:ext uri="{91240B29-F687-4f45-9708-019B960494DF}">
-                  <a14:hiddenLine xmlns="" xmlns:a16="http://schemas.microsoft.com/office/drawing/2014/main" xmlns:p14="http://schemas.microsoft.com/office/powerpoint/2010/main" xmlns:a14="http://schemas.microsoft.com/office/drawing/2010/main" w="9525">
+                  <a14:hiddenLine xmlns:a14="http://schemas.microsoft.com/office/drawing/2010/main" xmlns:p14="http://schemas.microsoft.com/office/powerpoint/2010/main" xmlns:a16="http://schemas.microsoft.com/office/drawing/2014/main" xmlns="" w="9525">
                     <a:solidFill>
                       <a:srgbClr val="000000"/>
                     </a:solidFill>
@@ -15070,7 +15071,7 @@
               </a:ln>
               <a:extLst>
                 <a:ext uri="{91240B29-F687-4f45-9708-019B960494DF}">
-                  <a14:hiddenLine xmlns="" xmlns:a16="http://schemas.microsoft.com/office/drawing/2014/main" xmlns:p14="http://schemas.microsoft.com/office/powerpoint/2010/main" xmlns:a14="http://schemas.microsoft.com/office/drawing/2010/main" w="9525">
+                  <a14:hiddenLine xmlns:a14="http://schemas.microsoft.com/office/drawing/2010/main" xmlns:p14="http://schemas.microsoft.com/office/powerpoint/2010/main" xmlns:a16="http://schemas.microsoft.com/office/drawing/2014/main" xmlns="" w="9525">
                     <a:solidFill>
                       <a:srgbClr val="000000"/>
                     </a:solidFill>
@@ -15150,7 +15151,7 @@
               </a:ln>
               <a:extLst>
                 <a:ext uri="{91240B29-F687-4f45-9708-019B960494DF}">
-                  <a14:hiddenLine xmlns="" xmlns:a16="http://schemas.microsoft.com/office/drawing/2014/main" xmlns:p14="http://schemas.microsoft.com/office/powerpoint/2010/main" xmlns:a14="http://schemas.microsoft.com/office/drawing/2010/main" w="9525">
+                  <a14:hiddenLine xmlns:a14="http://schemas.microsoft.com/office/drawing/2010/main" xmlns:p14="http://schemas.microsoft.com/office/powerpoint/2010/main" xmlns:a16="http://schemas.microsoft.com/office/drawing/2014/main" xmlns="" w="9525">
                     <a:solidFill>
                       <a:srgbClr val="000000"/>
                     </a:solidFill>
@@ -15227,7 +15228,7 @@
               </a:ln>
               <a:extLst>
                 <a:ext uri="{91240B29-F687-4f45-9708-019B960494DF}">
-                  <a14:hiddenLine xmlns="" xmlns:a16="http://schemas.microsoft.com/office/drawing/2014/main" xmlns:p14="http://schemas.microsoft.com/office/powerpoint/2010/main" xmlns:a14="http://schemas.microsoft.com/office/drawing/2010/main" w="9525">
+                  <a14:hiddenLine xmlns:a14="http://schemas.microsoft.com/office/drawing/2010/main" xmlns:p14="http://schemas.microsoft.com/office/powerpoint/2010/main" xmlns:a16="http://schemas.microsoft.com/office/drawing/2014/main" xmlns="" w="9525">
                     <a:solidFill>
                       <a:srgbClr val="000000"/>
                     </a:solidFill>
@@ -15332,7 +15333,7 @@
               </a:ln>
               <a:extLst>
                 <a:ext uri="{91240B29-F687-4f45-9708-019B960494DF}">
-                  <a14:hiddenLine xmlns="" xmlns:a16="http://schemas.microsoft.com/office/drawing/2014/main" xmlns:p14="http://schemas.microsoft.com/office/powerpoint/2010/main" xmlns:a14="http://schemas.microsoft.com/office/drawing/2010/main" w="9525">
+                  <a14:hiddenLine xmlns:a14="http://schemas.microsoft.com/office/drawing/2010/main" xmlns:p14="http://schemas.microsoft.com/office/powerpoint/2010/main" xmlns:a16="http://schemas.microsoft.com/office/drawing/2014/main" xmlns="" w="9525">
                     <a:solidFill>
                       <a:srgbClr val="000000"/>
                     </a:solidFill>
@@ -15437,7 +15438,7 @@
               </a:ln>
               <a:extLst>
                 <a:ext uri="{91240B29-F687-4f45-9708-019B960494DF}">
-                  <a14:hiddenLine xmlns="" xmlns:a16="http://schemas.microsoft.com/office/drawing/2014/main" xmlns:p14="http://schemas.microsoft.com/office/powerpoint/2010/main" xmlns:a14="http://schemas.microsoft.com/office/drawing/2010/main" w="9525">
+                  <a14:hiddenLine xmlns:a14="http://schemas.microsoft.com/office/drawing/2010/main" xmlns:p14="http://schemas.microsoft.com/office/powerpoint/2010/main" xmlns:a16="http://schemas.microsoft.com/office/drawing/2014/main" xmlns="" w="9525">
                     <a:solidFill>
                       <a:srgbClr val="000000"/>
                     </a:solidFill>
@@ -15517,7 +15518,7 @@
               </a:ln>
               <a:extLst>
                 <a:ext uri="{91240B29-F687-4f45-9708-019B960494DF}">
-                  <a14:hiddenLine xmlns="" xmlns:a16="http://schemas.microsoft.com/office/drawing/2014/main" xmlns:p14="http://schemas.microsoft.com/office/powerpoint/2010/main" xmlns:a14="http://schemas.microsoft.com/office/drawing/2010/main" w="9525">
+                  <a14:hiddenLine xmlns:a14="http://schemas.microsoft.com/office/drawing/2010/main" xmlns:p14="http://schemas.microsoft.com/office/powerpoint/2010/main" xmlns:a16="http://schemas.microsoft.com/office/drawing/2014/main" xmlns="" w="9525">
                     <a:solidFill>
                       <a:srgbClr val="000000"/>
                     </a:solidFill>
@@ -15652,7 +15653,7 @@
               </a:ln>
               <a:extLst>
                 <a:ext uri="{91240B29-F687-4f45-9708-019B960494DF}">
-                  <a14:hiddenLine xmlns="" xmlns:a16="http://schemas.microsoft.com/office/drawing/2014/main" xmlns:p14="http://schemas.microsoft.com/office/powerpoint/2010/main" xmlns:a14="http://schemas.microsoft.com/office/drawing/2010/main" w="9525">
+                  <a14:hiddenLine xmlns:a14="http://schemas.microsoft.com/office/drawing/2010/main" xmlns:p14="http://schemas.microsoft.com/office/powerpoint/2010/main" xmlns:a16="http://schemas.microsoft.com/office/drawing/2014/main" xmlns="" w="9525">
                     <a:solidFill>
                       <a:srgbClr val="000000"/>
                     </a:solidFill>
@@ -15780,7 +15781,7 @@
               </a:ln>
               <a:extLst>
                 <a:ext uri="{91240B29-F687-4f45-9708-019B960494DF}">
-                  <a14:hiddenLine xmlns="" xmlns:a16="http://schemas.microsoft.com/office/drawing/2014/main" xmlns:p14="http://schemas.microsoft.com/office/powerpoint/2010/main" xmlns:a14="http://schemas.microsoft.com/office/drawing/2010/main" w="9525">
+                  <a14:hiddenLine xmlns:a14="http://schemas.microsoft.com/office/drawing/2010/main" xmlns:p14="http://schemas.microsoft.com/office/powerpoint/2010/main" xmlns:a16="http://schemas.microsoft.com/office/drawing/2014/main" xmlns="" w="9525">
                     <a:solidFill>
                       <a:srgbClr val="000000"/>
                     </a:solidFill>
@@ -15910,7 +15911,7 @@
               </a:ln>
               <a:extLst>
                 <a:ext uri="{91240B29-F687-4f45-9708-019B960494DF}">
-                  <a14:hiddenLine xmlns="" xmlns:a16="http://schemas.microsoft.com/office/drawing/2014/main" xmlns:p14="http://schemas.microsoft.com/office/powerpoint/2010/main" xmlns:a14="http://schemas.microsoft.com/office/drawing/2010/main" w="9525">
+                  <a14:hiddenLine xmlns:a14="http://schemas.microsoft.com/office/drawing/2010/main" xmlns:p14="http://schemas.microsoft.com/office/powerpoint/2010/main" xmlns:a16="http://schemas.microsoft.com/office/drawing/2014/main" xmlns="" w="9525">
                     <a:solidFill>
                       <a:srgbClr val="000000"/>
                     </a:solidFill>
@@ -16015,7 +16016,7 @@
               </a:ln>
               <a:extLst>
                 <a:ext uri="{91240B29-F687-4f45-9708-019B960494DF}">
-                  <a14:hiddenLine xmlns="" xmlns:a16="http://schemas.microsoft.com/office/drawing/2014/main" xmlns:p14="http://schemas.microsoft.com/office/powerpoint/2010/main" xmlns:a14="http://schemas.microsoft.com/office/drawing/2010/main" w="9525">
+                  <a14:hiddenLine xmlns:a14="http://schemas.microsoft.com/office/drawing/2010/main" xmlns:p14="http://schemas.microsoft.com/office/powerpoint/2010/main" xmlns:a16="http://schemas.microsoft.com/office/drawing/2014/main" xmlns="" w="9525">
                     <a:solidFill>
                       <a:srgbClr val="000000"/>
                     </a:solidFill>
@@ -16095,7 +16096,7 @@
               </a:ln>
               <a:extLst>
                 <a:ext uri="{91240B29-F687-4f45-9708-019B960494DF}">
-                  <a14:hiddenLine xmlns="" xmlns:a16="http://schemas.microsoft.com/office/drawing/2014/main" xmlns:p14="http://schemas.microsoft.com/office/powerpoint/2010/main" xmlns:a14="http://schemas.microsoft.com/office/drawing/2010/main" w="9525">
+                  <a14:hiddenLine xmlns:a14="http://schemas.microsoft.com/office/drawing/2010/main" xmlns:p14="http://schemas.microsoft.com/office/powerpoint/2010/main" xmlns:a16="http://schemas.microsoft.com/office/drawing/2014/main" xmlns="" w="9525">
                     <a:solidFill>
                       <a:srgbClr val="000000"/>
                     </a:solidFill>
@@ -16200,7 +16201,7 @@
               </a:ln>
               <a:extLst>
                 <a:ext uri="{91240B29-F687-4f45-9708-019B960494DF}">
-                  <a14:hiddenLine xmlns="" xmlns:a16="http://schemas.microsoft.com/office/drawing/2014/main" xmlns:p14="http://schemas.microsoft.com/office/powerpoint/2010/main" xmlns:a14="http://schemas.microsoft.com/office/drawing/2010/main" w="9525">
+                  <a14:hiddenLine xmlns:a14="http://schemas.microsoft.com/office/drawing/2010/main" xmlns:p14="http://schemas.microsoft.com/office/powerpoint/2010/main" xmlns:a16="http://schemas.microsoft.com/office/drawing/2014/main" xmlns="" w="9525">
                     <a:solidFill>
                       <a:srgbClr val="000000"/>
                     </a:solidFill>
@@ -16283,7 +16284,7 @@
               </a:ln>
               <a:extLst>
                 <a:ext uri="{91240B29-F687-4f45-9708-019B960494DF}">
-                  <a14:hiddenLine xmlns="" xmlns:a16="http://schemas.microsoft.com/office/drawing/2014/main" xmlns:p14="http://schemas.microsoft.com/office/powerpoint/2010/main" xmlns:a14="http://schemas.microsoft.com/office/drawing/2010/main" w="9525">
+                  <a14:hiddenLine xmlns:a14="http://schemas.microsoft.com/office/drawing/2010/main" xmlns:p14="http://schemas.microsoft.com/office/powerpoint/2010/main" xmlns:a16="http://schemas.microsoft.com/office/drawing/2014/main" xmlns="" w="9525">
                     <a:solidFill>
                       <a:srgbClr val="000000"/>
                     </a:solidFill>
@@ -16388,7 +16389,7 @@
               </a:ln>
               <a:extLst>
                 <a:ext uri="{91240B29-F687-4f45-9708-019B960494DF}">
-                  <a14:hiddenLine xmlns="" xmlns:a16="http://schemas.microsoft.com/office/drawing/2014/main" xmlns:p14="http://schemas.microsoft.com/office/powerpoint/2010/main" xmlns:a14="http://schemas.microsoft.com/office/drawing/2010/main" w="9525">
+                  <a14:hiddenLine xmlns:a14="http://schemas.microsoft.com/office/drawing/2010/main" xmlns:p14="http://schemas.microsoft.com/office/powerpoint/2010/main" xmlns:a16="http://schemas.microsoft.com/office/drawing/2014/main" xmlns="" w="9525">
                     <a:solidFill>
                       <a:srgbClr val="000000"/>
                     </a:solidFill>
@@ -16471,7 +16472,7 @@
               </a:ln>
               <a:extLst>
                 <a:ext uri="{91240B29-F687-4f45-9708-019B960494DF}">
-                  <a14:hiddenLine xmlns="" xmlns:a16="http://schemas.microsoft.com/office/drawing/2014/main" xmlns:p14="http://schemas.microsoft.com/office/powerpoint/2010/main" xmlns:a14="http://schemas.microsoft.com/office/drawing/2010/main" w="9525">
+                  <a14:hiddenLine xmlns:a14="http://schemas.microsoft.com/office/drawing/2010/main" xmlns:p14="http://schemas.microsoft.com/office/powerpoint/2010/main" xmlns:a16="http://schemas.microsoft.com/office/drawing/2014/main" xmlns="" w="9525">
                     <a:solidFill>
                       <a:srgbClr val="000000"/>
                     </a:solidFill>
@@ -16576,7 +16577,7 @@
               </a:ln>
               <a:extLst>
                 <a:ext uri="{91240B29-F687-4f45-9708-019B960494DF}">
-                  <a14:hiddenLine xmlns="" xmlns:a16="http://schemas.microsoft.com/office/drawing/2014/main" xmlns:p14="http://schemas.microsoft.com/office/powerpoint/2010/main" xmlns:a14="http://schemas.microsoft.com/office/drawing/2010/main" w="9525">
+                  <a14:hiddenLine xmlns:a14="http://schemas.microsoft.com/office/drawing/2010/main" xmlns:p14="http://schemas.microsoft.com/office/powerpoint/2010/main" xmlns:a16="http://schemas.microsoft.com/office/drawing/2014/main" xmlns="" w="9525">
                     <a:solidFill>
                       <a:srgbClr val="000000"/>
                     </a:solidFill>
@@ -16625,7 +16626,7 @@
               </a:ln>
               <a:extLst>
                 <a:ext uri="{91240B29-F687-4f45-9708-019B960494DF}">
-                  <a14:hiddenLine xmlns="" xmlns:a16="http://schemas.microsoft.com/office/drawing/2014/main" xmlns:p14="http://schemas.microsoft.com/office/powerpoint/2010/main" xmlns:a14="http://schemas.microsoft.com/office/drawing/2010/main" w="9525">
+                  <a14:hiddenLine xmlns:a14="http://schemas.microsoft.com/office/drawing/2010/main" xmlns:p14="http://schemas.microsoft.com/office/powerpoint/2010/main" xmlns:a16="http://schemas.microsoft.com/office/drawing/2014/main" xmlns="" w="9525">
                     <a:solidFill>
                       <a:srgbClr val="000000"/>
                     </a:solidFill>
@@ -17417,12 +17418,6 @@
                   </a:solidFill>
                   <a:prstDash val="solid"/>
                 </a:ln>
-                <a:solidFill>
-                  <a:schemeClr val="accent1">
-                    <a:lumMod val="60000"/>
-                    <a:lumOff val="40000"/>
-                  </a:schemeClr>
-                </a:solidFill>
                 <a:cs typeface="Times New Roman" panose="02020603050405020304" pitchFamily="18" charset="0"/>
               </a:rPr>
               <a:t>Набор текста с клавиатуры;</a:t>
@@ -17444,12 +17439,6 @@
                   </a:solidFill>
                   <a:prstDash val="solid"/>
                 </a:ln>
-                <a:solidFill>
-                  <a:schemeClr val="accent1">
-                    <a:lumMod val="60000"/>
-                    <a:lumOff val="40000"/>
-                  </a:schemeClr>
-                </a:solidFill>
                 <a:cs typeface="Times New Roman" panose="02020603050405020304" pitchFamily="18" charset="0"/>
               </a:rPr>
               <a:t>Рекомендации по исправлению слова;</a:t>
@@ -17471,12 +17460,6 @@
                   </a:solidFill>
                   <a:prstDash val="solid"/>
                 </a:ln>
-                <a:solidFill>
-                  <a:schemeClr val="accent1">
-                    <a:lumMod val="60000"/>
-                    <a:lumOff val="40000"/>
-                  </a:schemeClr>
-                </a:solidFill>
                 <a:cs typeface="Times New Roman" panose="02020603050405020304" pitchFamily="18" charset="0"/>
               </a:rPr>
               <a:t>Рекомендация следующего слова;</a:t>
@@ -17519,12 +17502,6 @@
                   </a:solidFill>
                   <a:prstDash val="solid"/>
                 </a:ln>
-                <a:solidFill>
-                  <a:schemeClr val="accent1">
-                    <a:lumMod val="60000"/>
-                    <a:lumOff val="40000"/>
-                  </a:schemeClr>
-                </a:solidFill>
                 <a:cs typeface="Times New Roman" panose="02020603050405020304" pitchFamily="18" charset="0"/>
               </a:rPr>
               <a:t>Персонализация</a:t>
@@ -17537,12 +17514,6 @@
                   </a:solidFill>
                   <a:prstDash val="solid"/>
                 </a:ln>
-                <a:solidFill>
-                  <a:schemeClr val="accent1">
-                    <a:lumMod val="60000"/>
-                    <a:lumOff val="40000"/>
-                  </a:schemeClr>
-                </a:solidFill>
                 <a:cs typeface="Times New Roman" panose="02020603050405020304" pitchFamily="18" charset="0"/>
               </a:rPr>
               <a:t>;</a:t>
@@ -17566,7 +17537,7 @@
                 </a:ln>
                 <a:cs typeface="Times New Roman" panose="02020603050405020304" pitchFamily="18" charset="0"/>
               </a:rPr>
-              <a:t>Изменение настроек клавиатуры – цвет, шрифт, раскладка;</a:t>
+              <a:t>Изменение параметров подсказок – фон, цвет текста, шрифт;</a:t>
             </a:r>
           </a:p>
           <a:p>
@@ -17601,150 +17572,6 @@
           </a:p>
         </p:txBody>
       </p:sp>
-      <p:pic>
-        <p:nvPicPr>
-          <p:cNvPr id="5" name="Рисунок 4" descr="Флажок со сплошной заливкой">
-            <a:extLst>
-              <a:ext uri="{FF2B5EF4-FFF2-40B4-BE49-F238E27FC236}">
-                <a16:creationId xmlns:a16="http://schemas.microsoft.com/office/drawing/2014/main" id="{F8CF3850-DFBA-807A-B35B-3EDD103B4087}"/>
-              </a:ext>
-            </a:extLst>
-          </p:cNvPr>
-          <p:cNvPicPr>
-            <a:picLocks noChangeAspect="1"/>
-          </p:cNvPicPr>
-          <p:nvPr/>
-        </p:nvPicPr>
-        <p:blipFill>
-          <a:blip r:embed="rId2">
-            <a:extLst>
-              <a:ext uri="{96DAC541-7B7A-43D3-8B79-37D633B846F1}">
-                <asvg:svgBlip xmlns:asvg="http://schemas.microsoft.com/office/drawing/2016/SVG/main" r:embed="rId3"/>
-              </a:ext>
-            </a:extLst>
-          </a:blip>
-          <a:stretch>
-            <a:fillRect/>
-          </a:stretch>
-        </p:blipFill>
-        <p:spPr>
-          <a:xfrm>
-            <a:off x="567582" y="1599124"/>
-            <a:ext cx="445696" cy="445696"/>
-          </a:xfrm>
-          <a:prstGeom prst="rect">
-            <a:avLst/>
-          </a:prstGeom>
-        </p:spPr>
-      </p:pic>
-      <p:pic>
-        <p:nvPicPr>
-          <p:cNvPr id="6" name="Рисунок 5" descr="Флажок со сплошной заливкой">
-            <a:extLst>
-              <a:ext uri="{FF2B5EF4-FFF2-40B4-BE49-F238E27FC236}">
-                <a16:creationId xmlns:a16="http://schemas.microsoft.com/office/drawing/2014/main" id="{B1976CCF-7416-20A2-7384-2E7FB1863C0B}"/>
-              </a:ext>
-            </a:extLst>
-          </p:cNvPr>
-          <p:cNvPicPr>
-            <a:picLocks noChangeAspect="1"/>
-          </p:cNvPicPr>
-          <p:nvPr/>
-        </p:nvPicPr>
-        <p:blipFill>
-          <a:blip r:embed="rId2">
-            <a:extLst>
-              <a:ext uri="{96DAC541-7B7A-43D3-8B79-37D633B846F1}">
-                <asvg:svgBlip xmlns:asvg="http://schemas.microsoft.com/office/drawing/2016/SVG/main" r:embed="rId3"/>
-              </a:ext>
-            </a:extLst>
-          </a:blip>
-          <a:stretch>
-            <a:fillRect/>
-          </a:stretch>
-        </p:blipFill>
-        <p:spPr>
-          <a:xfrm>
-            <a:off x="557025" y="2159091"/>
-            <a:ext cx="445696" cy="445696"/>
-          </a:xfrm>
-          <a:prstGeom prst="rect">
-            <a:avLst/>
-          </a:prstGeom>
-        </p:spPr>
-      </p:pic>
-      <p:pic>
-        <p:nvPicPr>
-          <p:cNvPr id="7" name="Рисунок 6" descr="Флажок со сплошной заливкой">
-            <a:extLst>
-              <a:ext uri="{FF2B5EF4-FFF2-40B4-BE49-F238E27FC236}">
-                <a16:creationId xmlns:a16="http://schemas.microsoft.com/office/drawing/2014/main" id="{CF40D0C4-A462-B5EF-0261-B862C70B4724}"/>
-              </a:ext>
-            </a:extLst>
-          </p:cNvPr>
-          <p:cNvPicPr>
-            <a:picLocks noChangeAspect="1"/>
-          </p:cNvPicPr>
-          <p:nvPr/>
-        </p:nvPicPr>
-        <p:blipFill>
-          <a:blip r:embed="rId2">
-            <a:extLst>
-              <a:ext uri="{96DAC541-7B7A-43D3-8B79-37D633B846F1}">
-                <asvg:svgBlip xmlns:asvg="http://schemas.microsoft.com/office/drawing/2016/SVG/main" r:embed="rId3"/>
-              </a:ext>
-            </a:extLst>
-          </a:blip>
-          <a:stretch>
-            <a:fillRect/>
-          </a:stretch>
-        </p:blipFill>
-        <p:spPr>
-          <a:xfrm>
-            <a:off x="557025" y="2719058"/>
-            <a:ext cx="445696" cy="445696"/>
-          </a:xfrm>
-          <a:prstGeom prst="rect">
-            <a:avLst/>
-          </a:prstGeom>
-        </p:spPr>
-      </p:pic>
-      <p:pic>
-        <p:nvPicPr>
-          <p:cNvPr id="8" name="Рисунок 7" descr="Флажок со сплошной заливкой">
-            <a:extLst>
-              <a:ext uri="{FF2B5EF4-FFF2-40B4-BE49-F238E27FC236}">
-                <a16:creationId xmlns:a16="http://schemas.microsoft.com/office/drawing/2014/main" id="{F3DEBD8F-9309-A377-C7E2-568B64E0BBAE}"/>
-              </a:ext>
-            </a:extLst>
-          </p:cNvPr>
-          <p:cNvPicPr>
-            <a:picLocks noChangeAspect="1"/>
-          </p:cNvPicPr>
-          <p:nvPr/>
-        </p:nvPicPr>
-        <p:blipFill>
-          <a:blip r:embed="rId2">
-            <a:extLst>
-              <a:ext uri="{96DAC541-7B7A-43D3-8B79-37D633B846F1}">
-                <asvg:svgBlip xmlns:asvg="http://schemas.microsoft.com/office/drawing/2016/SVG/main" r:embed="rId3"/>
-              </a:ext>
-            </a:extLst>
-          </a:blip>
-          <a:stretch>
-            <a:fillRect/>
-          </a:stretch>
-        </p:blipFill>
-        <p:spPr>
-          <a:xfrm>
-            <a:off x="577310" y="3916094"/>
-            <a:ext cx="445696" cy="445696"/>
-          </a:xfrm>
-          <a:prstGeom prst="rect">
-            <a:avLst/>
-          </a:prstGeom>
-        </p:spPr>
-      </p:pic>
     </p:spTree>
     <p:extLst>
       <p:ext uri="{BB962C8B-B14F-4D97-AF65-F5344CB8AC3E}">
@@ -17847,7 +17674,7 @@
           <a:noFill/>
           <a:extLst>
             <a:ext uri="{909E8E84-426E-40dd-AFC4-6F175D3DCCD1}">
-              <a14:hiddenFill xmlns:a14="http://schemas.microsoft.com/office/drawing/2010/main" xmlns:p14="http://schemas.microsoft.com/office/powerpoint/2010/main" xmlns:a16="http://schemas.microsoft.com/office/drawing/2014/main" xmlns="">
+              <a14:hiddenFill xmlns="" xmlns:a16="http://schemas.microsoft.com/office/drawing/2014/main" xmlns:p14="http://schemas.microsoft.com/office/powerpoint/2010/main" xmlns:a14="http://schemas.microsoft.com/office/drawing/2010/main">
                 <a:solidFill>
                   <a:srgbClr val="FFFFFF"/>
                 </a:solidFill>
@@ -17968,7 +17795,7 @@
               </a:ln>
               <a:extLst>
                 <a:ext uri="{91240B29-F687-4f45-9708-019B960494DF}">
-                  <a14:hiddenLine xmlns:a14="http://schemas.microsoft.com/office/drawing/2010/main" xmlns:p14="http://schemas.microsoft.com/office/powerpoint/2010/main" xmlns:a16="http://schemas.microsoft.com/office/drawing/2014/main" xmlns="" w="9525">
+                  <a14:hiddenLine xmlns="" xmlns:a16="http://schemas.microsoft.com/office/drawing/2014/main" xmlns:p14="http://schemas.microsoft.com/office/powerpoint/2010/main" xmlns:a14="http://schemas.microsoft.com/office/drawing/2010/main" w="9525">
                     <a:solidFill>
                       <a:srgbClr val="000000"/>
                     </a:solidFill>
@@ -18073,7 +17900,7 @@
               </a:ln>
               <a:extLst>
                 <a:ext uri="{91240B29-F687-4f45-9708-019B960494DF}">
-                  <a14:hiddenLine xmlns:a14="http://schemas.microsoft.com/office/drawing/2010/main" xmlns:p14="http://schemas.microsoft.com/office/powerpoint/2010/main" xmlns:a16="http://schemas.microsoft.com/office/drawing/2014/main" xmlns="" w="9525">
+                  <a14:hiddenLine xmlns="" xmlns:a16="http://schemas.microsoft.com/office/drawing/2014/main" xmlns:p14="http://schemas.microsoft.com/office/powerpoint/2010/main" xmlns:a14="http://schemas.microsoft.com/office/drawing/2010/main" w="9525">
                     <a:solidFill>
                       <a:srgbClr val="000000"/>
                     </a:solidFill>
@@ -18178,7 +18005,7 @@
               </a:ln>
               <a:extLst>
                 <a:ext uri="{91240B29-F687-4f45-9708-019B960494DF}">
-                  <a14:hiddenLine xmlns:a14="http://schemas.microsoft.com/office/drawing/2010/main" xmlns:p14="http://schemas.microsoft.com/office/powerpoint/2010/main" xmlns:a16="http://schemas.microsoft.com/office/drawing/2014/main" xmlns="" w="9525">
+                  <a14:hiddenLine xmlns="" xmlns:a16="http://schemas.microsoft.com/office/drawing/2014/main" xmlns:p14="http://schemas.microsoft.com/office/powerpoint/2010/main" xmlns:a14="http://schemas.microsoft.com/office/drawing/2010/main" w="9525">
                     <a:solidFill>
                       <a:srgbClr val="000000"/>
                     </a:solidFill>
@@ -18255,7 +18082,7 @@
               </a:ln>
               <a:extLst>
                 <a:ext uri="{91240B29-F687-4f45-9708-019B960494DF}">
-                  <a14:hiddenLine xmlns:a14="http://schemas.microsoft.com/office/drawing/2010/main" xmlns:p14="http://schemas.microsoft.com/office/powerpoint/2010/main" xmlns:a16="http://schemas.microsoft.com/office/drawing/2014/main" xmlns="" w="9525">
+                  <a14:hiddenLine xmlns="" xmlns:a16="http://schemas.microsoft.com/office/drawing/2014/main" xmlns:p14="http://schemas.microsoft.com/office/powerpoint/2010/main" xmlns:a14="http://schemas.microsoft.com/office/drawing/2010/main" w="9525">
                     <a:solidFill>
                       <a:srgbClr val="000000"/>
                     </a:solidFill>
@@ -18360,7 +18187,7 @@
               </a:ln>
               <a:extLst>
                 <a:ext uri="{91240B29-F687-4f45-9708-019B960494DF}">
-                  <a14:hiddenLine xmlns:a14="http://schemas.microsoft.com/office/drawing/2010/main" xmlns:p14="http://schemas.microsoft.com/office/powerpoint/2010/main" xmlns:a16="http://schemas.microsoft.com/office/drawing/2014/main" xmlns="" w="9525">
+                  <a14:hiddenLine xmlns="" xmlns:a16="http://schemas.microsoft.com/office/drawing/2014/main" xmlns:p14="http://schemas.microsoft.com/office/powerpoint/2010/main" xmlns:a14="http://schemas.microsoft.com/office/drawing/2010/main" w="9525">
                     <a:solidFill>
                       <a:srgbClr val="000000"/>
                     </a:solidFill>
@@ -18437,7 +18264,7 @@
               </a:ln>
               <a:extLst>
                 <a:ext uri="{91240B29-F687-4f45-9708-019B960494DF}">
-                  <a14:hiddenLine xmlns:a14="http://schemas.microsoft.com/office/drawing/2010/main" xmlns:p14="http://schemas.microsoft.com/office/powerpoint/2010/main" xmlns:a16="http://schemas.microsoft.com/office/drawing/2014/main" xmlns="" w="9525">
+                  <a14:hiddenLine xmlns="" xmlns:a16="http://schemas.microsoft.com/office/drawing/2014/main" xmlns:p14="http://schemas.microsoft.com/office/powerpoint/2010/main" xmlns:a14="http://schemas.microsoft.com/office/drawing/2010/main" w="9525">
                     <a:solidFill>
                       <a:srgbClr val="000000"/>
                     </a:solidFill>
@@ -18514,7 +18341,7 @@
               </a:ln>
               <a:extLst>
                 <a:ext uri="{91240B29-F687-4f45-9708-019B960494DF}">
-                  <a14:hiddenLine xmlns:a14="http://schemas.microsoft.com/office/drawing/2010/main" xmlns:p14="http://schemas.microsoft.com/office/powerpoint/2010/main" xmlns:a16="http://schemas.microsoft.com/office/drawing/2014/main" xmlns="" w="9525">
+                  <a14:hiddenLine xmlns="" xmlns:a16="http://schemas.microsoft.com/office/drawing/2014/main" xmlns:p14="http://schemas.microsoft.com/office/powerpoint/2010/main" xmlns:a14="http://schemas.microsoft.com/office/drawing/2010/main" w="9525">
                     <a:solidFill>
                       <a:srgbClr val="000000"/>
                     </a:solidFill>
@@ -18619,7 +18446,7 @@
               </a:ln>
               <a:extLst>
                 <a:ext uri="{91240B29-F687-4f45-9708-019B960494DF}">
-                  <a14:hiddenLine xmlns:a14="http://schemas.microsoft.com/office/drawing/2010/main" xmlns:p14="http://schemas.microsoft.com/office/powerpoint/2010/main" xmlns:a16="http://schemas.microsoft.com/office/drawing/2014/main" xmlns="" w="9525">
+                  <a14:hiddenLine xmlns="" xmlns:a16="http://schemas.microsoft.com/office/drawing/2014/main" xmlns:p14="http://schemas.microsoft.com/office/powerpoint/2010/main" xmlns:a14="http://schemas.microsoft.com/office/drawing/2010/main" w="9525">
                     <a:solidFill>
                       <a:srgbClr val="000000"/>
                     </a:solidFill>
@@ -18724,7 +18551,7 @@
               </a:ln>
               <a:extLst>
                 <a:ext uri="{91240B29-F687-4f45-9708-019B960494DF}">
-                  <a14:hiddenLine xmlns:a14="http://schemas.microsoft.com/office/drawing/2010/main" xmlns:p14="http://schemas.microsoft.com/office/powerpoint/2010/main" xmlns:a16="http://schemas.microsoft.com/office/drawing/2014/main" xmlns="" w="9525">
+                  <a14:hiddenLine xmlns="" xmlns:a16="http://schemas.microsoft.com/office/drawing/2014/main" xmlns:p14="http://schemas.microsoft.com/office/powerpoint/2010/main" xmlns:a14="http://schemas.microsoft.com/office/drawing/2010/main" w="9525">
                     <a:solidFill>
                       <a:srgbClr val="000000"/>
                     </a:solidFill>
@@ -18801,7 +18628,7 @@
               </a:ln>
               <a:extLst>
                 <a:ext uri="{91240B29-F687-4f45-9708-019B960494DF}">
-                  <a14:hiddenLine xmlns:a14="http://schemas.microsoft.com/office/drawing/2010/main" xmlns:p14="http://schemas.microsoft.com/office/powerpoint/2010/main" xmlns:a16="http://schemas.microsoft.com/office/drawing/2014/main" xmlns="" w="9525">
+                  <a14:hiddenLine xmlns="" xmlns:a16="http://schemas.microsoft.com/office/drawing/2014/main" xmlns:p14="http://schemas.microsoft.com/office/powerpoint/2010/main" xmlns:a14="http://schemas.microsoft.com/office/drawing/2010/main" w="9525">
                     <a:solidFill>
                       <a:srgbClr val="000000"/>
                     </a:solidFill>
@@ -18926,7 +18753,7 @@
               </a:ln>
               <a:extLst>
                 <a:ext uri="{91240B29-F687-4f45-9708-019B960494DF}">
-                  <a14:hiddenLine xmlns:a14="http://schemas.microsoft.com/office/drawing/2010/main" xmlns:p14="http://schemas.microsoft.com/office/powerpoint/2010/main" xmlns:a16="http://schemas.microsoft.com/office/drawing/2014/main" xmlns="" w="9525">
+                  <a14:hiddenLine xmlns="" xmlns:a16="http://schemas.microsoft.com/office/drawing/2014/main" xmlns:p14="http://schemas.microsoft.com/office/powerpoint/2010/main" xmlns:a14="http://schemas.microsoft.com/office/drawing/2010/main" w="9525">
                     <a:solidFill>
                       <a:srgbClr val="000000"/>
                     </a:solidFill>
@@ -19040,7 +18867,7 @@
               </a:ln>
               <a:extLst>
                 <a:ext uri="{91240B29-F687-4f45-9708-019B960494DF}">
-                  <a14:hiddenLine xmlns:a14="http://schemas.microsoft.com/office/drawing/2010/main" xmlns:p14="http://schemas.microsoft.com/office/powerpoint/2010/main" xmlns:a16="http://schemas.microsoft.com/office/drawing/2014/main" xmlns="" w="9525">
+                  <a14:hiddenLine xmlns="" xmlns:a16="http://schemas.microsoft.com/office/drawing/2014/main" xmlns:p14="http://schemas.microsoft.com/office/powerpoint/2010/main" xmlns:a14="http://schemas.microsoft.com/office/drawing/2010/main" w="9525">
                     <a:solidFill>
                       <a:srgbClr val="000000"/>
                     </a:solidFill>
@@ -19117,7 +18944,7 @@
               </a:ln>
               <a:extLst>
                 <a:ext uri="{91240B29-F687-4f45-9708-019B960494DF}">
-                  <a14:hiddenLine xmlns:a14="http://schemas.microsoft.com/office/drawing/2010/main" xmlns:p14="http://schemas.microsoft.com/office/powerpoint/2010/main" xmlns:a16="http://schemas.microsoft.com/office/drawing/2014/main" xmlns="" w="9525">
+                  <a14:hiddenLine xmlns="" xmlns:a16="http://schemas.microsoft.com/office/drawing/2014/main" xmlns:p14="http://schemas.microsoft.com/office/powerpoint/2010/main" xmlns:a14="http://schemas.microsoft.com/office/drawing/2010/main" w="9525">
                     <a:solidFill>
                       <a:srgbClr val="000000"/>
                     </a:solidFill>
@@ -19194,7 +19021,7 @@
               </a:ln>
               <a:extLst>
                 <a:ext uri="{91240B29-F687-4f45-9708-019B960494DF}">
-                  <a14:hiddenLine xmlns:a14="http://schemas.microsoft.com/office/drawing/2010/main" xmlns:p14="http://schemas.microsoft.com/office/powerpoint/2010/main" xmlns:a16="http://schemas.microsoft.com/office/drawing/2014/main" xmlns="" w="9525">
+                  <a14:hiddenLine xmlns="" xmlns:a16="http://schemas.microsoft.com/office/drawing/2014/main" xmlns:p14="http://schemas.microsoft.com/office/powerpoint/2010/main" xmlns:a14="http://schemas.microsoft.com/office/drawing/2010/main" w="9525">
                     <a:solidFill>
                       <a:srgbClr val="000000"/>
                     </a:solidFill>
@@ -19299,7 +19126,7 @@
               </a:ln>
               <a:extLst>
                 <a:ext uri="{91240B29-F687-4f45-9708-019B960494DF}">
-                  <a14:hiddenLine xmlns:a14="http://schemas.microsoft.com/office/drawing/2010/main" xmlns:p14="http://schemas.microsoft.com/office/powerpoint/2010/main" xmlns:a16="http://schemas.microsoft.com/office/drawing/2014/main" xmlns="" w="9525">
+                  <a14:hiddenLine xmlns="" xmlns:a16="http://schemas.microsoft.com/office/drawing/2014/main" xmlns:p14="http://schemas.microsoft.com/office/powerpoint/2010/main" xmlns:a14="http://schemas.microsoft.com/office/drawing/2010/main" w="9525">
                     <a:solidFill>
                       <a:srgbClr val="000000"/>
                     </a:solidFill>
@@ -19348,7 +19175,7 @@
               </a:ln>
               <a:extLst>
                 <a:ext uri="{91240B29-F687-4f45-9708-019B960494DF}">
-                  <a14:hiddenLine xmlns:a14="http://schemas.microsoft.com/office/drawing/2010/main" xmlns:p14="http://schemas.microsoft.com/office/powerpoint/2010/main" xmlns:a16="http://schemas.microsoft.com/office/drawing/2014/main" xmlns="" w="9525">
+                  <a14:hiddenLine xmlns="" xmlns:a16="http://schemas.microsoft.com/office/drawing/2014/main" xmlns:p14="http://schemas.microsoft.com/office/powerpoint/2010/main" xmlns:a14="http://schemas.microsoft.com/office/drawing/2010/main" w="9525">
                     <a:solidFill>
                       <a:srgbClr val="000000"/>
                     </a:solidFill>
@@ -19428,7 +19255,7 @@
               </a:ln>
               <a:extLst>
                 <a:ext uri="{91240B29-F687-4f45-9708-019B960494DF}">
-                  <a14:hiddenLine xmlns:a14="http://schemas.microsoft.com/office/drawing/2010/main" xmlns:p14="http://schemas.microsoft.com/office/powerpoint/2010/main" xmlns:a16="http://schemas.microsoft.com/office/drawing/2014/main" xmlns="" w="9525">
+                  <a14:hiddenLine xmlns="" xmlns:a16="http://schemas.microsoft.com/office/drawing/2014/main" xmlns:p14="http://schemas.microsoft.com/office/powerpoint/2010/main" xmlns:a14="http://schemas.microsoft.com/office/drawing/2010/main" w="9525">
                     <a:solidFill>
                       <a:srgbClr val="000000"/>
                     </a:solidFill>
@@ -19533,7 +19360,7 @@
               </a:ln>
               <a:extLst>
                 <a:ext uri="{91240B29-F687-4f45-9708-019B960494DF}">
-                  <a14:hiddenLine xmlns:a14="http://schemas.microsoft.com/office/drawing/2010/main" xmlns:p14="http://schemas.microsoft.com/office/powerpoint/2010/main" xmlns:a16="http://schemas.microsoft.com/office/drawing/2014/main" xmlns="" w="9525">
+                  <a14:hiddenLine xmlns="" xmlns:a16="http://schemas.microsoft.com/office/drawing/2014/main" xmlns:p14="http://schemas.microsoft.com/office/powerpoint/2010/main" xmlns:a14="http://schemas.microsoft.com/office/drawing/2010/main" w="9525">
                     <a:solidFill>
                       <a:srgbClr val="000000"/>
                     </a:solidFill>
@@ -19610,7 +19437,7 @@
               </a:ln>
               <a:extLst>
                 <a:ext uri="{91240B29-F687-4f45-9708-019B960494DF}">
-                  <a14:hiddenLine xmlns:a14="http://schemas.microsoft.com/office/drawing/2010/main" xmlns:p14="http://schemas.microsoft.com/office/powerpoint/2010/main" xmlns:a16="http://schemas.microsoft.com/office/drawing/2014/main" xmlns="" w="9525">
+                  <a14:hiddenLine xmlns="" xmlns:a16="http://schemas.microsoft.com/office/drawing/2014/main" xmlns:p14="http://schemas.microsoft.com/office/powerpoint/2010/main" xmlns:a14="http://schemas.microsoft.com/office/drawing/2010/main" w="9525">
                     <a:solidFill>
                       <a:srgbClr val="000000"/>
                     </a:solidFill>
@@ -19715,7 +19542,7 @@
               </a:ln>
               <a:extLst>
                 <a:ext uri="{91240B29-F687-4f45-9708-019B960494DF}">
-                  <a14:hiddenLine xmlns:a14="http://schemas.microsoft.com/office/drawing/2010/main" xmlns:p14="http://schemas.microsoft.com/office/powerpoint/2010/main" xmlns:a16="http://schemas.microsoft.com/office/drawing/2014/main" xmlns="" w="9525">
+                  <a14:hiddenLine xmlns="" xmlns:a16="http://schemas.microsoft.com/office/drawing/2014/main" xmlns:p14="http://schemas.microsoft.com/office/powerpoint/2010/main" xmlns:a14="http://schemas.microsoft.com/office/drawing/2010/main" w="9525">
                     <a:solidFill>
                       <a:srgbClr val="000000"/>
                     </a:solidFill>
@@ -19795,7 +19622,7 @@
               </a:ln>
               <a:extLst>
                 <a:ext uri="{91240B29-F687-4f45-9708-019B960494DF}">
-                  <a14:hiddenLine xmlns:a14="http://schemas.microsoft.com/office/drawing/2010/main" xmlns:p14="http://schemas.microsoft.com/office/powerpoint/2010/main" xmlns:a16="http://schemas.microsoft.com/office/drawing/2014/main" xmlns="" w="9525">
+                  <a14:hiddenLine xmlns="" xmlns:a16="http://schemas.microsoft.com/office/drawing/2014/main" xmlns:p14="http://schemas.microsoft.com/office/powerpoint/2010/main" xmlns:a14="http://schemas.microsoft.com/office/drawing/2010/main" w="9525">
                     <a:solidFill>
                       <a:srgbClr val="000000"/>
                     </a:solidFill>
@@ -19872,7 +19699,7 @@
               </a:ln>
               <a:extLst>
                 <a:ext uri="{91240B29-F687-4f45-9708-019B960494DF}">
-                  <a14:hiddenLine xmlns:a14="http://schemas.microsoft.com/office/drawing/2010/main" xmlns:p14="http://schemas.microsoft.com/office/powerpoint/2010/main" xmlns:a16="http://schemas.microsoft.com/office/drawing/2014/main" xmlns="" w="9525">
+                  <a14:hiddenLine xmlns="" xmlns:a16="http://schemas.microsoft.com/office/drawing/2014/main" xmlns:p14="http://schemas.microsoft.com/office/powerpoint/2010/main" xmlns:a14="http://schemas.microsoft.com/office/drawing/2010/main" w="9525">
                     <a:solidFill>
                       <a:srgbClr val="000000"/>
                     </a:solidFill>
@@ -19977,7 +19804,7 @@
               </a:ln>
               <a:extLst>
                 <a:ext uri="{91240B29-F687-4f45-9708-019B960494DF}">
-                  <a14:hiddenLine xmlns:a14="http://schemas.microsoft.com/office/drawing/2010/main" xmlns:p14="http://schemas.microsoft.com/office/powerpoint/2010/main" xmlns:a16="http://schemas.microsoft.com/office/drawing/2014/main" xmlns="" w="9525">
+                  <a14:hiddenLine xmlns="" xmlns:a16="http://schemas.microsoft.com/office/drawing/2014/main" xmlns:p14="http://schemas.microsoft.com/office/powerpoint/2010/main" xmlns:a14="http://schemas.microsoft.com/office/drawing/2010/main" w="9525">
                     <a:solidFill>
                       <a:srgbClr val="000000"/>
                     </a:solidFill>
@@ -20082,7 +19909,7 @@
               </a:ln>
               <a:extLst>
                 <a:ext uri="{91240B29-F687-4f45-9708-019B960494DF}">
-                  <a14:hiddenLine xmlns:a14="http://schemas.microsoft.com/office/drawing/2010/main" xmlns:p14="http://schemas.microsoft.com/office/powerpoint/2010/main" xmlns:a16="http://schemas.microsoft.com/office/drawing/2014/main" xmlns="" w="9525">
+                  <a14:hiddenLine xmlns="" xmlns:a16="http://schemas.microsoft.com/office/drawing/2014/main" xmlns:p14="http://schemas.microsoft.com/office/powerpoint/2010/main" xmlns:a14="http://schemas.microsoft.com/office/drawing/2010/main" w="9525">
                     <a:solidFill>
                       <a:srgbClr val="000000"/>
                     </a:solidFill>
@@ -20162,7 +19989,7 @@
               </a:ln>
               <a:extLst>
                 <a:ext uri="{91240B29-F687-4f45-9708-019B960494DF}">
-                  <a14:hiddenLine xmlns:a14="http://schemas.microsoft.com/office/drawing/2010/main" xmlns:p14="http://schemas.microsoft.com/office/powerpoint/2010/main" xmlns:a16="http://schemas.microsoft.com/office/drawing/2014/main" xmlns="" w="9525">
+                  <a14:hiddenLine xmlns="" xmlns:a16="http://schemas.microsoft.com/office/drawing/2014/main" xmlns:p14="http://schemas.microsoft.com/office/powerpoint/2010/main" xmlns:a14="http://schemas.microsoft.com/office/drawing/2010/main" w="9525">
                     <a:solidFill>
                       <a:srgbClr val="000000"/>
                     </a:solidFill>
@@ -20297,7 +20124,7 @@
               </a:ln>
               <a:extLst>
                 <a:ext uri="{91240B29-F687-4f45-9708-019B960494DF}">
-                  <a14:hiddenLine xmlns:a14="http://schemas.microsoft.com/office/drawing/2010/main" xmlns:p14="http://schemas.microsoft.com/office/powerpoint/2010/main" xmlns:a16="http://schemas.microsoft.com/office/drawing/2014/main" xmlns="" w="9525">
+                  <a14:hiddenLine xmlns="" xmlns:a16="http://schemas.microsoft.com/office/drawing/2014/main" xmlns:p14="http://schemas.microsoft.com/office/powerpoint/2010/main" xmlns:a14="http://schemas.microsoft.com/office/drawing/2010/main" w="9525">
                     <a:solidFill>
                       <a:srgbClr val="000000"/>
                     </a:solidFill>
@@ -20425,7 +20252,7 @@
               </a:ln>
               <a:extLst>
                 <a:ext uri="{91240B29-F687-4f45-9708-019B960494DF}">
-                  <a14:hiddenLine xmlns:a14="http://schemas.microsoft.com/office/drawing/2010/main" xmlns:p14="http://schemas.microsoft.com/office/powerpoint/2010/main" xmlns:a16="http://schemas.microsoft.com/office/drawing/2014/main" xmlns="" w="9525">
+                  <a14:hiddenLine xmlns="" xmlns:a16="http://schemas.microsoft.com/office/drawing/2014/main" xmlns:p14="http://schemas.microsoft.com/office/powerpoint/2010/main" xmlns:a14="http://schemas.microsoft.com/office/drawing/2010/main" w="9525">
                     <a:solidFill>
                       <a:srgbClr val="000000"/>
                     </a:solidFill>
@@ -20555,7 +20382,7 @@
               </a:ln>
               <a:extLst>
                 <a:ext uri="{91240B29-F687-4f45-9708-019B960494DF}">
-                  <a14:hiddenLine xmlns:a14="http://schemas.microsoft.com/office/drawing/2010/main" xmlns:p14="http://schemas.microsoft.com/office/powerpoint/2010/main" xmlns:a16="http://schemas.microsoft.com/office/drawing/2014/main" xmlns="" w="9525">
+                  <a14:hiddenLine xmlns="" xmlns:a16="http://schemas.microsoft.com/office/drawing/2014/main" xmlns:p14="http://schemas.microsoft.com/office/powerpoint/2010/main" xmlns:a14="http://schemas.microsoft.com/office/drawing/2010/main" w="9525">
                     <a:solidFill>
                       <a:srgbClr val="000000"/>
                     </a:solidFill>
@@ -20660,7 +20487,7 @@
               </a:ln>
               <a:extLst>
                 <a:ext uri="{91240B29-F687-4f45-9708-019B960494DF}">
-                  <a14:hiddenLine xmlns:a14="http://schemas.microsoft.com/office/drawing/2010/main" xmlns:p14="http://schemas.microsoft.com/office/powerpoint/2010/main" xmlns:a16="http://schemas.microsoft.com/office/drawing/2014/main" xmlns="" w="9525">
+                  <a14:hiddenLine xmlns="" xmlns:a16="http://schemas.microsoft.com/office/drawing/2014/main" xmlns:p14="http://schemas.microsoft.com/office/powerpoint/2010/main" xmlns:a14="http://schemas.microsoft.com/office/drawing/2010/main" w="9525">
                     <a:solidFill>
                       <a:srgbClr val="000000"/>
                     </a:solidFill>
@@ -20740,7 +20567,7 @@
               </a:ln>
               <a:extLst>
                 <a:ext uri="{91240B29-F687-4f45-9708-019B960494DF}">
-                  <a14:hiddenLine xmlns:a14="http://schemas.microsoft.com/office/drawing/2010/main" xmlns:p14="http://schemas.microsoft.com/office/powerpoint/2010/main" xmlns:a16="http://schemas.microsoft.com/office/drawing/2014/main" xmlns="" w="9525">
+                  <a14:hiddenLine xmlns="" xmlns:a16="http://schemas.microsoft.com/office/drawing/2014/main" xmlns:p14="http://schemas.microsoft.com/office/powerpoint/2010/main" xmlns:a14="http://schemas.microsoft.com/office/drawing/2010/main" w="9525">
                     <a:solidFill>
                       <a:srgbClr val="000000"/>
                     </a:solidFill>
@@ -20845,7 +20672,7 @@
               </a:ln>
               <a:extLst>
                 <a:ext uri="{91240B29-F687-4f45-9708-019B960494DF}">
-                  <a14:hiddenLine xmlns:a14="http://schemas.microsoft.com/office/drawing/2010/main" xmlns:p14="http://schemas.microsoft.com/office/powerpoint/2010/main" xmlns:a16="http://schemas.microsoft.com/office/drawing/2014/main" xmlns="" w="9525">
+                  <a14:hiddenLine xmlns="" xmlns:a16="http://schemas.microsoft.com/office/drawing/2014/main" xmlns:p14="http://schemas.microsoft.com/office/powerpoint/2010/main" xmlns:a14="http://schemas.microsoft.com/office/drawing/2010/main" w="9525">
                     <a:solidFill>
                       <a:srgbClr val="000000"/>
                     </a:solidFill>
@@ -20928,7 +20755,7 @@
               </a:ln>
               <a:extLst>
                 <a:ext uri="{91240B29-F687-4f45-9708-019B960494DF}">
-                  <a14:hiddenLine xmlns:a14="http://schemas.microsoft.com/office/drawing/2010/main" xmlns:p14="http://schemas.microsoft.com/office/powerpoint/2010/main" xmlns:a16="http://schemas.microsoft.com/office/drawing/2014/main" xmlns="" w="9525">
+                  <a14:hiddenLine xmlns="" xmlns:a16="http://schemas.microsoft.com/office/drawing/2014/main" xmlns:p14="http://schemas.microsoft.com/office/powerpoint/2010/main" xmlns:a14="http://schemas.microsoft.com/office/drawing/2010/main" w="9525">
                     <a:solidFill>
                       <a:srgbClr val="000000"/>
                     </a:solidFill>
@@ -21033,7 +20860,7 @@
               </a:ln>
               <a:extLst>
                 <a:ext uri="{91240B29-F687-4f45-9708-019B960494DF}">
-                  <a14:hiddenLine xmlns:a14="http://schemas.microsoft.com/office/drawing/2010/main" xmlns:p14="http://schemas.microsoft.com/office/powerpoint/2010/main" xmlns:a16="http://schemas.microsoft.com/office/drawing/2014/main" xmlns="" w="9525">
+                  <a14:hiddenLine xmlns="" xmlns:a16="http://schemas.microsoft.com/office/drawing/2014/main" xmlns:p14="http://schemas.microsoft.com/office/powerpoint/2010/main" xmlns:a14="http://schemas.microsoft.com/office/drawing/2010/main" w="9525">
                     <a:solidFill>
                       <a:srgbClr val="000000"/>
                     </a:solidFill>
@@ -21116,7 +20943,7 @@
               </a:ln>
               <a:extLst>
                 <a:ext uri="{91240B29-F687-4f45-9708-019B960494DF}">
-                  <a14:hiddenLine xmlns:a14="http://schemas.microsoft.com/office/drawing/2010/main" xmlns:p14="http://schemas.microsoft.com/office/powerpoint/2010/main" xmlns:a16="http://schemas.microsoft.com/office/drawing/2014/main" xmlns="" w="9525">
+                  <a14:hiddenLine xmlns="" xmlns:a16="http://schemas.microsoft.com/office/drawing/2014/main" xmlns:p14="http://schemas.microsoft.com/office/powerpoint/2010/main" xmlns:a14="http://schemas.microsoft.com/office/drawing/2010/main" w="9525">
                     <a:solidFill>
                       <a:srgbClr val="000000"/>
                     </a:solidFill>
@@ -21221,7 +21048,7 @@
               </a:ln>
               <a:extLst>
                 <a:ext uri="{91240B29-F687-4f45-9708-019B960494DF}">
-                  <a14:hiddenLine xmlns:a14="http://schemas.microsoft.com/office/drawing/2010/main" xmlns:p14="http://schemas.microsoft.com/office/powerpoint/2010/main" xmlns:a16="http://schemas.microsoft.com/office/drawing/2014/main" xmlns="" w="9525">
+                  <a14:hiddenLine xmlns="" xmlns:a16="http://schemas.microsoft.com/office/drawing/2014/main" xmlns:p14="http://schemas.microsoft.com/office/powerpoint/2010/main" xmlns:a14="http://schemas.microsoft.com/office/drawing/2010/main" w="9525">
                     <a:solidFill>
                       <a:srgbClr val="000000"/>
                     </a:solidFill>
@@ -21270,7 +21097,7 @@
               </a:ln>
               <a:extLst>
                 <a:ext uri="{91240B29-F687-4f45-9708-019B960494DF}">
-                  <a14:hiddenLine xmlns:a14="http://schemas.microsoft.com/office/drawing/2010/main" xmlns:p14="http://schemas.microsoft.com/office/powerpoint/2010/main" xmlns:a16="http://schemas.microsoft.com/office/drawing/2014/main" xmlns="" w="9525">
+                  <a14:hiddenLine xmlns="" xmlns:a16="http://schemas.microsoft.com/office/drawing/2014/main" xmlns:p14="http://schemas.microsoft.com/office/powerpoint/2010/main" xmlns:a14="http://schemas.microsoft.com/office/drawing/2010/main" w="9525">
                     <a:solidFill>
                       <a:srgbClr val="000000"/>
                     </a:solidFill>
@@ -22381,6 +22208,312 @@
 </p:sld>
 </file>
 
+<file path=ppt/slides/slide7.xml><?xml version="1.0" encoding="utf-8"?>
+<p:sld xmlns:a="http://schemas.openxmlformats.org/drawingml/2006/main" xmlns:r="http://schemas.openxmlformats.org/officeDocument/2006/relationships" xmlns:p="http://schemas.openxmlformats.org/presentationml/2006/main">
+  <p:cSld>
+    <p:spTree>
+      <p:nvGrpSpPr>
+        <p:cNvPr id="1" name=""/>
+        <p:cNvGrpSpPr/>
+        <p:nvPr/>
+      </p:nvGrpSpPr>
+      <p:grpSpPr>
+        <a:xfrm>
+          <a:off x="0" y="0"/>
+          <a:ext cx="0" cy="0"/>
+          <a:chOff x="0" y="0"/>
+          <a:chExt cx="0" cy="0"/>
+        </a:xfrm>
+      </p:grpSpPr>
+      <p:sp>
+        <p:nvSpPr>
+          <p:cNvPr id="2" name="Заголовок 1">
+            <a:extLst>
+              <a:ext uri="{FF2B5EF4-FFF2-40B4-BE49-F238E27FC236}">
+                <a16:creationId xmlns:a16="http://schemas.microsoft.com/office/drawing/2014/main" id="{E6CB0B61-D96B-1F86-D9DE-14B53B1E5E59}"/>
+              </a:ext>
+            </a:extLst>
+          </p:cNvPr>
+          <p:cNvSpPr>
+            <a:spLocks noGrp="1"/>
+          </p:cNvSpPr>
+          <p:nvPr>
+            <p:ph type="title"/>
+          </p:nvPr>
+        </p:nvSpPr>
+        <p:spPr>
+          <a:xfrm>
+            <a:off x="1066801" y="0"/>
+            <a:ext cx="9906000" cy="1477961"/>
+          </a:xfrm>
+        </p:spPr>
+        <p:txBody>
+          <a:bodyPr/>
+          <a:lstStyle/>
+          <a:p>
+            <a:pPr algn="ctr"/>
+            <a:r>
+              <a:rPr lang="ru-RU" b="1" cap="none" dirty="0">
+                <a:ln w="9525">
+                  <a:solidFill>
+                    <a:schemeClr val="bg1"/>
+                  </a:solidFill>
+                  <a:prstDash val="solid"/>
+                </a:ln>
+              </a:rPr>
+              <a:t>ПРОЕКТИРОВАНИЕ И КОНСТРУИРОВАНИЕ</a:t>
+            </a:r>
+            <a:endParaRPr lang="ru-RU" dirty="0"/>
+          </a:p>
+        </p:txBody>
+      </p:sp>
+      <p:sp>
+        <p:nvSpPr>
+          <p:cNvPr id="3" name="Текст 2">
+            <a:extLst>
+              <a:ext uri="{FF2B5EF4-FFF2-40B4-BE49-F238E27FC236}">
+                <a16:creationId xmlns:a16="http://schemas.microsoft.com/office/drawing/2014/main" id="{1080C221-9FC5-86C3-D7F2-AC2341707D6D}"/>
+              </a:ext>
+            </a:extLst>
+          </p:cNvPr>
+          <p:cNvSpPr>
+            <a:spLocks noGrp="1"/>
+          </p:cNvSpPr>
+          <p:nvPr>
+            <p:ph type="body" idx="1"/>
+          </p:nvPr>
+        </p:nvSpPr>
+        <p:spPr>
+          <a:xfrm>
+            <a:off x="1171621" y="1015919"/>
+            <a:ext cx="4649783" cy="823912"/>
+          </a:xfrm>
+        </p:spPr>
+        <p:txBody>
+          <a:bodyPr/>
+          <a:lstStyle/>
+          <a:p>
+            <a:pPr algn="ctr"/>
+            <a:r>
+              <a:rPr lang="ru-RU" b="1" dirty="0">
+                <a:ln w="9525">
+                  <a:solidFill>
+                    <a:schemeClr val="bg1"/>
+                  </a:solidFill>
+                  <a:prstDash val="solid"/>
+                </a:ln>
+                <a:cs typeface="Times New Roman" panose="02020603050405020304" pitchFamily="18" charset="0"/>
+              </a:rPr>
+              <a:t>серверная</a:t>
+            </a:r>
+            <a:r>
+              <a:rPr lang="ru-RU" sz="2400" b="1" dirty="0">
+                <a:ln w="9525">
+                  <a:solidFill>
+                    <a:schemeClr val="bg1"/>
+                  </a:solidFill>
+                  <a:prstDash val="solid"/>
+                </a:ln>
+                <a:cs typeface="Times New Roman" panose="02020603050405020304" pitchFamily="18" charset="0"/>
+              </a:rPr>
+              <a:t> </a:t>
+            </a:r>
+            <a:r>
+              <a:rPr lang="en-US" sz="2400" b="1" dirty="0">
+                <a:ln w="9525">
+                  <a:solidFill>
+                    <a:schemeClr val="bg1"/>
+                  </a:solidFill>
+                  <a:prstDash val="solid"/>
+                </a:ln>
+                <a:cs typeface="Times New Roman" panose="02020603050405020304" pitchFamily="18" charset="0"/>
+              </a:rPr>
+              <a:t>ER-</a:t>
+            </a:r>
+            <a:r>
+              <a:rPr lang="ru-RU" sz="2400" b="1" dirty="0">
+                <a:ln w="9525">
+                  <a:solidFill>
+                    <a:schemeClr val="bg1"/>
+                  </a:solidFill>
+                  <a:prstDash val="solid"/>
+                </a:ln>
+                <a:cs typeface="Times New Roman" panose="02020603050405020304" pitchFamily="18" charset="0"/>
+              </a:rPr>
+              <a:t>диаграмма</a:t>
+            </a:r>
+            <a:endParaRPr lang="en-US" sz="2400" b="1" dirty="0">
+              <a:ln w="9525">
+                <a:solidFill>
+                  <a:schemeClr val="bg1"/>
+                </a:solidFill>
+                <a:prstDash val="solid"/>
+              </a:ln>
+              <a:cs typeface="Times New Roman" panose="02020603050405020304" pitchFamily="18" charset="0"/>
+            </a:endParaRPr>
+          </a:p>
+        </p:txBody>
+      </p:sp>
+      <p:sp>
+        <p:nvSpPr>
+          <p:cNvPr id="5" name="Текст 4">
+            <a:extLst>
+              <a:ext uri="{FF2B5EF4-FFF2-40B4-BE49-F238E27FC236}">
+                <a16:creationId xmlns:a16="http://schemas.microsoft.com/office/drawing/2014/main" id="{D3A2DD2B-21FE-9A42-A17E-431F63076197}"/>
+              </a:ext>
+            </a:extLst>
+          </p:cNvPr>
+          <p:cNvSpPr>
+            <a:spLocks noGrp="1"/>
+          </p:cNvSpPr>
+          <p:nvPr>
+            <p:ph type="body" sz="quarter" idx="3"/>
+          </p:nvPr>
+        </p:nvSpPr>
+        <p:spPr>
+          <a:xfrm>
+            <a:off x="6400808" y="1015918"/>
+            <a:ext cx="4646602" cy="823912"/>
+          </a:xfrm>
+        </p:spPr>
+        <p:txBody>
+          <a:bodyPr/>
+          <a:lstStyle/>
+          <a:p>
+            <a:pPr algn="ctr"/>
+            <a:r>
+              <a:rPr lang="ru-RU" sz="2400" b="1" dirty="0">
+                <a:ln w="9525">
+                  <a:solidFill>
+                    <a:schemeClr val="bg1"/>
+                  </a:solidFill>
+                  <a:prstDash val="solid"/>
+                </a:ln>
+                <a:cs typeface="Times New Roman" panose="02020603050405020304" pitchFamily="18" charset="0"/>
+              </a:rPr>
+              <a:t>Локальная </a:t>
+            </a:r>
+            <a:r>
+              <a:rPr lang="en-US" sz="2400" b="1" dirty="0">
+                <a:ln w="9525">
+                  <a:solidFill>
+                    <a:schemeClr val="bg1"/>
+                  </a:solidFill>
+                  <a:prstDash val="solid"/>
+                </a:ln>
+                <a:cs typeface="Times New Roman" panose="02020603050405020304" pitchFamily="18" charset="0"/>
+              </a:rPr>
+              <a:t>ER-</a:t>
+            </a:r>
+            <a:r>
+              <a:rPr lang="ru-RU" sz="2400" b="1" dirty="0">
+                <a:ln w="9525">
+                  <a:solidFill>
+                    <a:schemeClr val="bg1"/>
+                  </a:solidFill>
+                  <a:prstDash val="solid"/>
+                </a:ln>
+                <a:cs typeface="Times New Roman" panose="02020603050405020304" pitchFamily="18" charset="0"/>
+              </a:rPr>
+              <a:t>диаграмма</a:t>
+            </a:r>
+            <a:endParaRPr lang="en-US" sz="2400" b="1" dirty="0">
+              <a:ln w="9525">
+                <a:solidFill>
+                  <a:schemeClr val="bg1"/>
+                </a:solidFill>
+                <a:prstDash val="solid"/>
+              </a:ln>
+              <a:cs typeface="Times New Roman" panose="02020603050405020304" pitchFamily="18" charset="0"/>
+            </a:endParaRPr>
+          </a:p>
+        </p:txBody>
+      </p:sp>
+      <p:pic>
+        <p:nvPicPr>
+          <p:cNvPr id="8" name="Объект 7" descr="Изображение выглядит как диаграмма, стол&#10;&#10;Автоматически созданное описание">
+            <a:extLst>
+              <a:ext uri="{FF2B5EF4-FFF2-40B4-BE49-F238E27FC236}">
+                <a16:creationId xmlns:a16="http://schemas.microsoft.com/office/drawing/2014/main" id="{5F3CDBAE-A6C7-4873-2C79-83DC1481DFAC}"/>
+              </a:ext>
+            </a:extLst>
+          </p:cNvPr>
+          <p:cNvPicPr>
+            <a:picLocks noGrp="1" noChangeAspect="1"/>
+          </p:cNvPicPr>
+          <p:nvPr>
+            <p:ph sz="quarter" idx="4"/>
+          </p:nvPr>
+        </p:nvPicPr>
+        <p:blipFill>
+          <a:blip r:embed="rId2"/>
+          <a:stretch>
+            <a:fillRect/>
+          </a:stretch>
+        </p:blipFill>
+        <p:spPr>
+          <a:xfrm>
+            <a:off x="6372378" y="1839830"/>
+            <a:ext cx="4574538" cy="5010670"/>
+          </a:xfrm>
+        </p:spPr>
+      </p:pic>
+      <p:pic>
+        <p:nvPicPr>
+          <p:cNvPr id="9" name="Объект 8" descr="Изображение выглядит как диаграмма&#10;&#10;Автоматически созданное описание">
+            <a:extLst>
+              <a:ext uri="{FF2B5EF4-FFF2-40B4-BE49-F238E27FC236}">
+                <a16:creationId xmlns:a16="http://schemas.microsoft.com/office/drawing/2014/main" id="{6DC8EED5-CECE-E9A8-1058-D7A4A3E37AF6}"/>
+              </a:ext>
+            </a:extLst>
+          </p:cNvPr>
+          <p:cNvPicPr>
+            <a:picLocks noGrp="1" noChangeAspect="1"/>
+          </p:cNvPicPr>
+          <p:nvPr>
+            <p:ph sz="half" idx="2"/>
+          </p:nvPr>
+        </p:nvPicPr>
+        <p:blipFill>
+          <a:blip r:embed="rId3">
+            <a:extLst>
+              <a:ext uri="{28A0092B-C50C-407E-A947-70E740481C1C}">
+                <a14:useLocalDpi xmlns:a14="http://schemas.microsoft.com/office/drawing/2010/main" val="0"/>
+              </a:ext>
+            </a:extLst>
+          </a:blip>
+          <a:srcRect/>
+          <a:stretch>
+            <a:fillRect/>
+          </a:stretch>
+        </p:blipFill>
+        <p:spPr bwMode="auto">
+          <a:xfrm>
+            <a:off x="641013" y="1839830"/>
+            <a:ext cx="5454987" cy="4147505"/>
+          </a:xfrm>
+          <a:prstGeom prst="rect">
+            <a:avLst/>
+          </a:prstGeom>
+          <a:noFill/>
+          <a:ln>
+            <a:noFill/>
+          </a:ln>
+        </p:spPr>
+      </p:pic>
+    </p:spTree>
+    <p:extLst>
+      <p:ext uri="{BB962C8B-B14F-4D97-AF65-F5344CB8AC3E}">
+        <p14:creationId xmlns:p14="http://schemas.microsoft.com/office/powerpoint/2010/main" val="3079269623"/>
+      </p:ext>
+    </p:extLst>
+  </p:cSld>
+  <p:clrMapOvr>
+    <a:masterClrMapping/>
+  </p:clrMapOvr>
+</p:sld>
+</file>
+
 <file path=ppt/theme/theme1.xml><?xml version="1.0" encoding="utf-8"?>
 <a:theme xmlns:a="http://schemas.openxmlformats.org/drawingml/2006/main" name="Контур">
   <a:themeElements>

--- a/Фархетдинов - Презентация по ВКР.pptx
+++ b/Фархетдинов - Презентация по ВКР.pptx
@@ -12,6 +12,7 @@
     <p:sldId id="265" r:id="rId6"/>
     <p:sldId id="264" r:id="rId7"/>
     <p:sldId id="267" r:id="rId8"/>
+    <p:sldId id="268" r:id="rId9"/>
   </p:sldIdLst>
   <p:sldSz cx="12192000" cy="6858000"/>
   <p:notesSz cx="6858000" cy="9144000"/>
@@ -4394,7 +4395,7 @@
           <a:p>
             <a:fld id="{48A87A34-81AB-432B-8DAE-1953F412C126}" type="datetimeFigureOut">
               <a:rPr lang="en-US" dirty="0"/>
-              <a:t>4/11/2023</a:t>
+              <a:t>4/12/2023</a:t>
             </a:fld>
             <a:endParaRPr lang="en-US" dirty="0"/>
           </a:p>
@@ -4656,7 +4657,7 @@
           <a:p>
             <a:fld id="{48A87A34-81AB-432B-8DAE-1953F412C126}" type="datetimeFigureOut">
               <a:rPr lang="en-US" dirty="0"/>
-              <a:t>4/11/2023</a:t>
+              <a:t>4/12/2023</a:t>
             </a:fld>
             <a:endParaRPr lang="en-US" dirty="0"/>
           </a:p>
@@ -4847,7 +4848,7 @@
           <a:p>
             <a:fld id="{48A87A34-81AB-432B-8DAE-1953F412C126}" type="datetimeFigureOut">
               <a:rPr lang="en-US" dirty="0"/>
-              <a:t>4/11/2023</a:t>
+              <a:t>4/12/2023</a:t>
             </a:fld>
             <a:endParaRPr lang="en-US" dirty="0"/>
           </a:p>
@@ -5105,7 +5106,7 @@
           <a:p>
             <a:fld id="{48A87A34-81AB-432B-8DAE-1953F412C126}" type="datetimeFigureOut">
               <a:rPr lang="en-US" dirty="0"/>
-              <a:t>4/11/2023</a:t>
+              <a:t>4/12/2023</a:t>
             </a:fld>
             <a:endParaRPr lang="en-US" dirty="0"/>
           </a:p>
@@ -5534,7 +5535,7 @@
           <a:p>
             <a:fld id="{48A87A34-81AB-432B-8DAE-1953F412C126}" type="datetimeFigureOut">
               <a:rPr lang="en-US" dirty="0"/>
-              <a:t>4/11/2023</a:t>
+              <a:t>4/12/2023</a:t>
             </a:fld>
             <a:endParaRPr lang="en-US" dirty="0"/>
           </a:p>
@@ -6075,7 +6076,7 @@
           <a:p>
             <a:fld id="{48A87A34-81AB-432B-8DAE-1953F412C126}" type="datetimeFigureOut">
               <a:rPr lang="en-US" dirty="0"/>
-              <a:t>4/11/2023</a:t>
+              <a:t>4/12/2023</a:t>
             </a:fld>
             <a:endParaRPr lang="en-US" dirty="0"/>
           </a:p>
@@ -6790,7 +6791,7 @@
           <a:p>
             <a:fld id="{48A87A34-81AB-432B-8DAE-1953F412C126}" type="datetimeFigureOut">
               <a:rPr lang="en-US" dirty="0"/>
-              <a:t>4/11/2023</a:t>
+              <a:t>4/12/2023</a:t>
             </a:fld>
             <a:endParaRPr lang="en-US" dirty="0"/>
           </a:p>
@@ -6955,7 +6956,7 @@
           <a:p>
             <a:fld id="{48A87A34-81AB-432B-8DAE-1953F412C126}" type="datetimeFigureOut">
               <a:rPr lang="en-US" dirty="0"/>
-              <a:t>4/11/2023</a:t>
+              <a:t>4/12/2023</a:t>
             </a:fld>
             <a:endParaRPr lang="en-US" dirty="0"/>
           </a:p>
@@ -7130,7 +7131,7 @@
           <a:p>
             <a:fld id="{48A87A34-81AB-432B-8DAE-1953F412C126}" type="datetimeFigureOut">
               <a:rPr lang="en-US" dirty="0"/>
-              <a:t>4/11/2023</a:t>
+              <a:t>4/12/2023</a:t>
             </a:fld>
             <a:endParaRPr lang="en-US" dirty="0"/>
           </a:p>
@@ -7295,7 +7296,7 @@
           <a:p>
             <a:fld id="{48A87A34-81AB-432B-8DAE-1953F412C126}" type="datetimeFigureOut">
               <a:rPr lang="en-US" dirty="0"/>
-              <a:t>4/11/2023</a:t>
+              <a:t>4/12/2023</a:t>
             </a:fld>
             <a:endParaRPr lang="en-US" dirty="0"/>
           </a:p>
@@ -7540,7 +7541,7 @@
           <a:p>
             <a:fld id="{48A87A34-81AB-432B-8DAE-1953F412C126}" type="datetimeFigureOut">
               <a:rPr lang="en-US" dirty="0"/>
-              <a:t>4/11/2023</a:t>
+              <a:t>4/12/2023</a:t>
             </a:fld>
             <a:endParaRPr lang="en-US" dirty="0"/>
           </a:p>
@@ -7767,7 +7768,7 @@
           <a:p>
             <a:fld id="{48A87A34-81AB-432B-8DAE-1953F412C126}" type="datetimeFigureOut">
               <a:rPr lang="en-US" dirty="0"/>
-              <a:t>4/11/2023</a:t>
+              <a:t>4/12/2023</a:t>
             </a:fld>
             <a:endParaRPr lang="en-US" dirty="0"/>
           </a:p>
@@ -8143,7 +8144,7 @@
           <a:p>
             <a:fld id="{48A87A34-81AB-432B-8DAE-1953F412C126}" type="datetimeFigureOut">
               <a:rPr lang="en-US" dirty="0"/>
-              <a:t>4/11/2023</a:t>
+              <a:t>4/12/2023</a:t>
             </a:fld>
             <a:endParaRPr lang="en-US" dirty="0"/>
           </a:p>
@@ -8256,7 +8257,7 @@
           <a:p>
             <a:fld id="{48A87A34-81AB-432B-8DAE-1953F412C126}" type="datetimeFigureOut">
               <a:rPr lang="en-US" dirty="0"/>
-              <a:t>4/11/2023</a:t>
+              <a:t>4/12/2023</a:t>
             </a:fld>
             <a:endParaRPr lang="en-US" dirty="0"/>
           </a:p>
@@ -8346,7 +8347,7 @@
           <a:p>
             <a:fld id="{48A87A34-81AB-432B-8DAE-1953F412C126}" type="datetimeFigureOut">
               <a:rPr lang="en-US" dirty="0"/>
-              <a:t>4/11/2023</a:t>
+              <a:t>4/12/2023</a:t>
             </a:fld>
             <a:endParaRPr lang="en-US" dirty="0"/>
           </a:p>
@@ -8590,7 +8591,7 @@
           <a:p>
             <a:fld id="{48A87A34-81AB-432B-8DAE-1953F412C126}" type="datetimeFigureOut">
               <a:rPr lang="en-US" dirty="0"/>
-              <a:t>4/11/2023</a:t>
+              <a:t>4/12/2023</a:t>
             </a:fld>
             <a:endParaRPr lang="en-US" dirty="0"/>
           </a:p>
@@ -8865,7 +8866,7 @@
           <a:p>
             <a:fld id="{48A87A34-81AB-432B-8DAE-1953F412C126}" type="datetimeFigureOut">
               <a:rPr lang="en-US" dirty="0"/>
-              <a:t>4/11/2023</a:t>
+              <a:t>4/12/2023</a:t>
             </a:fld>
             <a:endParaRPr lang="en-US" dirty="0"/>
           </a:p>
@@ -11938,7 +11939,7 @@
             <a:fld id="{48A87A34-81AB-432B-8DAE-1953F412C126}" type="datetimeFigureOut">
               <a:rPr lang="en-US" dirty="0"/>
               <a:pPr/>
-              <a:t>4/11/2023</a:t>
+              <a:t>4/12/2023</a:t>
             </a:fld>
             <a:endParaRPr lang="en-US" dirty="0"/>
           </a:p>
@@ -12518,7 +12519,7 @@
                   <a:prstDash val="solid"/>
                 </a:ln>
               </a:rPr>
-              <a:t>Цели и задачи</a:t>
+              <a:t>Цели и актуальность</a:t>
             </a:r>
           </a:p>
         </p:txBody>
@@ -12538,7 +12539,7 @@
         <p:spPr>
           <a:xfrm>
             <a:off x="850736" y="1579504"/>
-            <a:ext cx="10201963" cy="4746620"/>
+            <a:ext cx="10201963" cy="4336252"/>
           </a:xfrm>
           <a:prstGeom prst="rect">
             <a:avLst/>
@@ -12552,7 +12553,7 @@
           </a:bodyPr>
           <a:lstStyle/>
           <a:p>
-            <a:pPr indent="449580">
+            <a:pPr indent="449580" algn="just">
               <a:lnSpc>
                 <a:spcPct val="107000"/>
               </a:lnSpc>
@@ -12579,7 +12580,30 @@
                 <a:ea typeface="Calibri" panose="020F0502020204030204" pitchFamily="34" charset="0"/>
                 <a:cs typeface="Times New Roman" panose="02020603050405020304" pitchFamily="18" charset="0"/>
               </a:rPr>
-              <a:t>Цель – разработка экранной клавиатуры для мобильных устройств</a:t>
+              <a:t>Цель: </a:t>
+            </a:r>
+          </a:p>
+          <a:p>
+            <a:pPr indent="449580" algn="just">
+              <a:lnSpc>
+                <a:spcPct val="107000"/>
+              </a:lnSpc>
+              <a:spcAft>
+                <a:spcPts val="800"/>
+              </a:spcAft>
+            </a:pPr>
+            <a:r>
+              <a:rPr lang="ru-RU" sz="2400" b="1" dirty="0">
+                <a:ln w="9525">
+                  <a:solidFill>
+                    <a:schemeClr val="bg1"/>
+                  </a:solidFill>
+                  <a:prstDash val="solid"/>
+                </a:ln>
+                <a:ea typeface="Calibri" panose="020F0502020204030204" pitchFamily="34" charset="0"/>
+                <a:cs typeface="Times New Roman" panose="02020603050405020304" pitchFamily="18" charset="0"/>
+              </a:rPr>
+              <a:t>Разработка персонализированной экранной клавиатуры для мобильных устройств</a:t>
             </a:r>
             <a:r>
               <a:rPr lang="en-US" sz="2400" b="1" dirty="0">
@@ -12609,7 +12633,7 @@
             </a:r>
           </a:p>
           <a:p>
-            <a:pPr indent="449580">
+            <a:pPr indent="449580" algn="just">
               <a:lnSpc>
                 <a:spcPct val="107000"/>
               </a:lnSpc>
@@ -12628,19 +12652,17 @@
                 <a:ea typeface="Calibri" panose="020F0502020204030204" pitchFamily="34" charset="0"/>
                 <a:cs typeface="Times New Roman" panose="02020603050405020304" pitchFamily="18" charset="0"/>
               </a:rPr>
-              <a:t>		Задачи:</a:t>
+              <a:t>		Актуальность:</a:t>
             </a:r>
           </a:p>
           <a:p>
-            <a:pPr marL="914400" lvl="1" indent="-457200">
+            <a:pPr indent="449580" algn="just">
               <a:lnSpc>
                 <a:spcPct val="107000"/>
               </a:lnSpc>
               <a:spcAft>
                 <a:spcPts val="800"/>
               </a:spcAft>
-              <a:buFont typeface="+mj-lt"/>
-              <a:buAutoNum type="arabicPeriod"/>
             </a:pPr>
             <a:r>
               <a:rPr lang="ru-RU" sz="2400" b="1" dirty="0">
@@ -12653,135 +12675,11 @@
                 <a:ea typeface="Calibri" panose="020F0502020204030204" pitchFamily="34" charset="0"/>
                 <a:cs typeface="Times New Roman" panose="02020603050405020304" pitchFamily="18" charset="0"/>
               </a:rPr>
-              <a:t>Изучение предметной области и анализ существующих;</a:t>
+              <a:t>Популярность социальных сетей, мессенджеров, работы в гаджетах требует комфортное использование экранной клавиатуры. Поддержка лингвистических сервисов упрощает работу пользователя. Особенностью предложенной клавиатуры является персонализация под конкретного пользователя</a:t>
             </a:r>
           </a:p>
           <a:p>
-            <a:pPr marL="914400" lvl="1" indent="-457200">
-              <a:lnSpc>
-                <a:spcPct val="107000"/>
-              </a:lnSpc>
-              <a:spcAft>
-                <a:spcPts val="800"/>
-              </a:spcAft>
-              <a:buFont typeface="+mj-lt"/>
-              <a:buAutoNum type="arabicPeriod"/>
-            </a:pPr>
-            <a:r>
-              <a:rPr lang="ru-RU" sz="2400" b="1" dirty="0">
-                <a:ln w="9525">
-                  <a:solidFill>
-                    <a:schemeClr val="bg1"/>
-                  </a:solidFill>
-                  <a:prstDash val="solid"/>
-                </a:ln>
-                <a:ea typeface="Calibri" panose="020F0502020204030204" pitchFamily="34" charset="0"/>
-                <a:cs typeface="Times New Roman" panose="02020603050405020304" pitchFamily="18" charset="0"/>
-              </a:rPr>
-              <a:t>Составление технического задания;</a:t>
-            </a:r>
-          </a:p>
-          <a:p>
-            <a:pPr marL="914400" lvl="1" indent="-457200">
-              <a:lnSpc>
-                <a:spcPct val="107000"/>
-              </a:lnSpc>
-              <a:spcAft>
-                <a:spcPts val="800"/>
-              </a:spcAft>
-              <a:buFont typeface="+mj-lt"/>
-              <a:buAutoNum type="arabicPeriod"/>
-            </a:pPr>
-            <a:r>
-              <a:rPr lang="ru-RU" sz="2400" b="1" dirty="0">
-                <a:ln w="9525">
-                  <a:solidFill>
-                    <a:schemeClr val="bg1"/>
-                  </a:solidFill>
-                  <a:prstDash val="solid"/>
-                </a:ln>
-                <a:ea typeface="Calibri" panose="020F0502020204030204" pitchFamily="34" charset="0"/>
-                <a:cs typeface="Times New Roman" panose="02020603050405020304" pitchFamily="18" charset="0"/>
-              </a:rPr>
-              <a:t>Проектирование системы;</a:t>
-            </a:r>
-          </a:p>
-          <a:p>
-            <a:pPr marL="914400" lvl="1" indent="-457200">
-              <a:lnSpc>
-                <a:spcPct val="107000"/>
-              </a:lnSpc>
-              <a:spcAft>
-                <a:spcPts val="800"/>
-              </a:spcAft>
-              <a:buFont typeface="+mj-lt"/>
-              <a:buAutoNum type="arabicPeriod"/>
-            </a:pPr>
-            <a:r>
-              <a:rPr lang="ru-RU" sz="2400" b="1" dirty="0">
-                <a:ln w="9525">
-                  <a:solidFill>
-                    <a:schemeClr val="bg1"/>
-                  </a:solidFill>
-                  <a:prstDash val="solid"/>
-                </a:ln>
-                <a:ea typeface="Calibri" panose="020F0502020204030204" pitchFamily="34" charset="0"/>
-                <a:cs typeface="Times New Roman" panose="02020603050405020304" pitchFamily="18" charset="0"/>
-              </a:rPr>
-              <a:t>Выбор программных средств реализации;</a:t>
-            </a:r>
-          </a:p>
-          <a:p>
-            <a:pPr marL="914400" lvl="1" indent="-457200">
-              <a:lnSpc>
-                <a:spcPct val="107000"/>
-              </a:lnSpc>
-              <a:spcAft>
-                <a:spcPts val="800"/>
-              </a:spcAft>
-              <a:buFont typeface="+mj-lt"/>
-              <a:buAutoNum type="arabicPeriod"/>
-            </a:pPr>
-            <a:r>
-              <a:rPr lang="ru-RU" sz="2400" b="1" dirty="0">
-                <a:ln w="9525">
-                  <a:solidFill>
-                    <a:schemeClr val="bg1"/>
-                  </a:solidFill>
-                  <a:prstDash val="solid"/>
-                </a:ln>
-                <a:ea typeface="Calibri" panose="020F0502020204030204" pitchFamily="34" charset="0"/>
-                <a:cs typeface="Times New Roman" panose="02020603050405020304" pitchFamily="18" charset="0"/>
-              </a:rPr>
-              <a:t>Написание программного кода;</a:t>
-            </a:r>
-          </a:p>
-          <a:p>
-            <a:pPr marL="914400" lvl="1" indent="-457200">
-              <a:lnSpc>
-                <a:spcPct val="107000"/>
-              </a:lnSpc>
-              <a:spcAft>
-                <a:spcPts val="800"/>
-              </a:spcAft>
-              <a:buFont typeface="+mj-lt"/>
-              <a:buAutoNum type="arabicPeriod"/>
-            </a:pPr>
-            <a:r>
-              <a:rPr lang="ru-RU" sz="2400" b="1" dirty="0">
-                <a:ln w="9525">
-                  <a:solidFill>
-                    <a:schemeClr val="bg1"/>
-                  </a:solidFill>
-                  <a:prstDash val="solid"/>
-                </a:ln>
-                <a:ea typeface="Calibri" panose="020F0502020204030204" pitchFamily="34" charset="0"/>
-                <a:cs typeface="Times New Roman" panose="02020603050405020304" pitchFamily="18" charset="0"/>
-              </a:rPr>
-              <a:t>Тестирование приложения и его отладка</a:t>
-            </a:r>
-          </a:p>
-          <a:p>
+            <a:pPr algn="just"/>
             <a:endParaRPr lang="ru-RU" dirty="0"/>
           </a:p>
         </p:txBody>
@@ -12872,8 +12770,8 @@
         </p:nvSpPr>
         <p:spPr>
           <a:xfrm>
-            <a:off x="1141413" y="3429000"/>
-            <a:ext cx="10366408" cy="2953116"/>
+            <a:off x="1293779" y="1727437"/>
+            <a:ext cx="10214042" cy="4636397"/>
           </a:xfrm>
           <a:prstGeom prst="rect">
             <a:avLst/>
@@ -12887,7 +12785,39 @@
           </a:bodyPr>
           <a:lstStyle/>
           <a:p>
-            <a:pPr indent="449580">
+            <a:pPr indent="449580" algn="just">
+              <a:lnSpc>
+                <a:spcPct val="107000"/>
+              </a:lnSpc>
+              <a:spcAft>
+                <a:spcPts val="800"/>
+              </a:spcAft>
+            </a:pPr>
+            <a:r>
+              <a:rPr lang="ru-RU" sz="2400" b="1" dirty="0">
+                <a:ln w="9525">
+                  <a:solidFill>
+                    <a:schemeClr val="bg1"/>
+                  </a:solidFill>
+                  <a:prstDash val="solid"/>
+                </a:ln>
+                <a:cs typeface="Times New Roman" panose="02020603050405020304" pitchFamily="18" charset="0"/>
+              </a:rPr>
+              <a:t>Разработка экранной клавиатуры призвана решить проблему с набором текста на мобильных устройствах: утомительное исправление ошибок и медленный набор текста</a:t>
+            </a:r>
+            <a:endParaRPr lang="ru-RU" sz="2400" b="1" dirty="0">
+              <a:ln w="9525">
+                <a:solidFill>
+                  <a:schemeClr val="bg1"/>
+                </a:solidFill>
+                <a:prstDash val="solid"/>
+              </a:ln>
+              <a:ea typeface="Calibri" panose="020F0502020204030204" pitchFamily="34" charset="0"/>
+              <a:cs typeface="Times New Roman" panose="02020603050405020304" pitchFamily="18" charset="0"/>
+            </a:endParaRPr>
+          </a:p>
+          <a:p>
+            <a:pPr indent="449580" algn="just">
               <a:lnSpc>
                 <a:spcPct val="107000"/>
               </a:lnSpc>
@@ -12910,7 +12840,7 @@
             </a:r>
           </a:p>
           <a:p>
-            <a:pPr marL="457200" indent="-457200">
+            <a:pPr marL="457200" indent="-457200" algn="just">
               <a:lnSpc>
                 <a:spcPct val="107000"/>
               </a:lnSpc>
@@ -12948,7 +12878,7 @@
             </a:r>
           </a:p>
           <a:p>
-            <a:pPr marL="457200" indent="-457200">
+            <a:pPr marL="457200" indent="-457200" algn="just">
               <a:lnSpc>
                 <a:spcPct val="107000"/>
               </a:lnSpc>
@@ -13009,7 +12939,7 @@
             </a:endParaRPr>
           </a:p>
           <a:p>
-            <a:pPr marL="457200" indent="-457200">
+            <a:pPr marL="457200" indent="-457200" algn="just">
               <a:lnSpc>
                 <a:spcPct val="107000"/>
               </a:lnSpc>
@@ -13047,57 +12977,8 @@
             </a:r>
           </a:p>
           <a:p>
+            <a:pPr algn="just"/>
             <a:endParaRPr lang="ru-RU" dirty="0"/>
-          </a:p>
-        </p:txBody>
-      </p:sp>
-      <p:sp>
-        <p:nvSpPr>
-          <p:cNvPr id="4" name="Прямоугольник 3">
-            <a:extLst>
-              <a:ext uri="{FF2B5EF4-FFF2-40B4-BE49-F238E27FC236}">
-                <a16:creationId xmlns:a16="http://schemas.microsoft.com/office/drawing/2014/main" id="{18660D42-5D61-40E2-B7D0-241B38DD043B}"/>
-              </a:ext>
-            </a:extLst>
-          </p:cNvPr>
-          <p:cNvSpPr/>
-          <p:nvPr/>
-        </p:nvSpPr>
-        <p:spPr>
-          <a:xfrm>
-            <a:off x="1141413" y="1513604"/>
-            <a:ext cx="9905998" cy="1915396"/>
-          </a:xfrm>
-          <a:prstGeom prst="rect">
-            <a:avLst/>
-          </a:prstGeom>
-        </p:spPr>
-        <p:txBody>
-          <a:bodyPr wrap="square">
-            <a:spAutoFit/>
-          </a:bodyPr>
-          <a:lstStyle/>
-          <a:p>
-            <a:pPr indent="449580">
-              <a:lnSpc>
-                <a:spcPct val="107000"/>
-              </a:lnSpc>
-              <a:spcAft>
-                <a:spcPts val="800"/>
-              </a:spcAft>
-            </a:pPr>
-            <a:r>
-              <a:rPr lang="ru-RU" sz="2800" b="1" dirty="0">
-                <a:ln w="9525">
-                  <a:solidFill>
-                    <a:schemeClr val="bg1"/>
-                  </a:solidFill>
-                  <a:prstDash val="solid"/>
-                </a:ln>
-                <a:cs typeface="Times New Roman" panose="02020603050405020304" pitchFamily="18" charset="0"/>
-              </a:rPr>
-              <a:t>Разработка экранной клавиатуры призвана решить проблему с набором текста на мобильных устройствах: утомительное исправление ошибок и медленный набор текста</a:t>
-            </a:r>
           </a:p>
         </p:txBody>
       </p:sp>
@@ -17029,8 +16910,8 @@
         </p:nvSpPr>
         <p:spPr>
           <a:xfrm>
-            <a:off x="6613062" y="2211386"/>
-            <a:ext cx="5288426" cy="3145618"/>
+            <a:off x="6320386" y="2211386"/>
+            <a:ext cx="5581102" cy="3145618"/>
           </a:xfrm>
           <a:prstGeom prst="rect">
             <a:avLst/>
@@ -17063,7 +16944,7 @@
               <a:t>      </a:t>
             </a:r>
             <a:r>
-              <a:rPr lang="en-US" sz="2400" b="1" dirty="0" err="1">
+              <a:rPr lang="ru-RU" sz="2400" b="1" dirty="0">
                 <a:ln w="9525">
                   <a:solidFill>
                     <a:schemeClr val="bg1"/>
@@ -17071,139 +16952,7 @@
                   <a:prstDash val="solid"/>
                 </a:ln>
               </a:rPr>
-              <a:t>Будут</a:t>
-            </a:r>
-            <a:r>
-              <a:rPr lang="en-US" sz="2400" b="1" dirty="0">
-                <a:ln w="9525">
-                  <a:solidFill>
-                    <a:schemeClr val="bg1"/>
-                  </a:solidFill>
-                  <a:prstDash val="solid"/>
-                </a:ln>
-              </a:rPr>
-              <a:t> </a:t>
-            </a:r>
-            <a:r>
-              <a:rPr lang="en-US" sz="2400" b="1" dirty="0" err="1">
-                <a:ln w="9525">
-                  <a:solidFill>
-                    <a:schemeClr val="bg1"/>
-                  </a:solidFill>
-                  <a:prstDash val="solid"/>
-                </a:ln>
-              </a:rPr>
-              <a:t>рассмотрены</a:t>
-            </a:r>
-            <a:r>
-              <a:rPr lang="en-US" sz="2400" b="1" dirty="0">
-                <a:ln w="9525">
-                  <a:solidFill>
-                    <a:schemeClr val="bg1"/>
-                  </a:solidFill>
-                  <a:prstDash val="solid"/>
-                </a:ln>
-              </a:rPr>
-              <a:t> в </a:t>
-            </a:r>
-            <a:r>
-              <a:rPr lang="en-US" sz="2400" b="1" dirty="0" err="1">
-                <a:ln w="9525">
-                  <a:solidFill>
-                    <a:schemeClr val="bg1"/>
-                  </a:solidFill>
-                  <a:prstDash val="solid"/>
-                </a:ln>
-              </a:rPr>
-              <a:t>качестве</a:t>
-            </a:r>
-            <a:r>
-              <a:rPr lang="en-US" sz="2400" b="1" dirty="0">
-                <a:ln w="9525">
-                  <a:solidFill>
-                    <a:schemeClr val="bg1"/>
-                  </a:solidFill>
-                  <a:prstDash val="solid"/>
-                </a:ln>
-              </a:rPr>
-              <a:t> </a:t>
-            </a:r>
-            <a:r>
-              <a:rPr lang="en-US" sz="2400" b="1" dirty="0" err="1">
-                <a:ln w="9525">
-                  <a:solidFill>
-                    <a:schemeClr val="bg1"/>
-                  </a:solidFill>
-                  <a:prstDash val="solid"/>
-                </a:ln>
-              </a:rPr>
-              <a:t>примера</a:t>
-            </a:r>
-            <a:r>
-              <a:rPr lang="en-US" sz="2400" b="1" dirty="0">
-                <a:ln w="9525">
-                  <a:solidFill>
-                    <a:schemeClr val="bg1"/>
-                  </a:solidFill>
-                  <a:prstDash val="solid"/>
-                </a:ln>
-              </a:rPr>
-              <a:t> </a:t>
-            </a:r>
-            <a:r>
-              <a:rPr lang="en-US" sz="2400" b="1" dirty="0" err="1">
-                <a:ln w="9525">
-                  <a:solidFill>
-                    <a:schemeClr val="bg1"/>
-                  </a:solidFill>
-                  <a:prstDash val="solid"/>
-                </a:ln>
-              </a:rPr>
-              <a:t>три</a:t>
-            </a:r>
-            <a:r>
-              <a:rPr lang="en-US" sz="2400" b="1" dirty="0">
-                <a:ln w="9525">
-                  <a:solidFill>
-                    <a:schemeClr val="bg1"/>
-                  </a:solidFill>
-                  <a:prstDash val="solid"/>
-                </a:ln>
-              </a:rPr>
-              <a:t> </a:t>
-            </a:r>
-            <a:r>
-              <a:rPr lang="en-US" sz="2400" b="1" dirty="0" err="1">
-                <a:ln w="9525">
-                  <a:solidFill>
-                    <a:schemeClr val="bg1"/>
-                  </a:solidFill>
-                  <a:prstDash val="solid"/>
-                </a:ln>
-              </a:rPr>
-              <a:t>экранные</a:t>
-            </a:r>
-            <a:r>
-              <a:rPr lang="en-US" sz="2400" b="1" dirty="0">
-                <a:ln w="9525">
-                  <a:solidFill>
-                    <a:schemeClr val="bg1"/>
-                  </a:solidFill>
-                  <a:prstDash val="solid"/>
-                </a:ln>
-              </a:rPr>
-              <a:t> </a:t>
-            </a:r>
-            <a:r>
-              <a:rPr lang="en-US" sz="2400" b="1" dirty="0" err="1">
-                <a:ln w="9525">
-                  <a:solidFill>
-                    <a:schemeClr val="bg1"/>
-                  </a:solidFill>
-                  <a:prstDash val="solid"/>
-                </a:ln>
-              </a:rPr>
-              <a:t>клавиатуры</a:t>
+              <a:t>Популярные экранные клавиатуры</a:t>
             </a:r>
             <a:r>
               <a:rPr lang="en-US" sz="2400" b="1" dirty="0">
@@ -21619,7 +21368,7 @@
         </p:spPr>
         <p:txBody>
           <a:bodyPr vert="horz" lIns="91440" tIns="45720" rIns="91440" bIns="45720" rtlCol="0">
-            <a:normAutofit fontScale="92500"/>
+            <a:normAutofit lnSpcReduction="10000"/>
           </a:bodyPr>
           <a:lstStyle/>
           <a:p>
@@ -21701,7 +21450,7 @@
               <a:t> </a:t>
             </a:r>
             <a:r>
-              <a:rPr lang="en-US" sz="2400" b="1" dirty="0" err="1">
+              <a:rPr lang="ru-RU" sz="2400" b="1" dirty="0">
                 <a:ln w="9525">
                   <a:solidFill>
                     <a:schemeClr val="bg1"/>
@@ -21709,40 +21458,7 @@
                   <a:prstDash val="solid"/>
                 </a:ln>
               </a:rPr>
-              <a:t>должна</a:t>
-            </a:r>
-            <a:r>
-              <a:rPr lang="en-US" sz="2400" b="1" dirty="0">
-                <a:ln w="9525">
-                  <a:solidFill>
-                    <a:schemeClr val="bg1"/>
-                  </a:solidFill>
-                  <a:prstDash val="solid"/>
-                </a:ln>
-              </a:rPr>
-              <a:t> </a:t>
-            </a:r>
-            <a:r>
-              <a:rPr lang="en-US" sz="2400" b="1" dirty="0" err="1">
-                <a:ln w="9525">
-                  <a:solidFill>
-                    <a:schemeClr val="bg1"/>
-                  </a:solidFill>
-                  <a:prstDash val="solid"/>
-                </a:ln>
-              </a:rPr>
-              <a:t>использовать</a:t>
-            </a:r>
-            <a:r>
-              <a:rPr lang="en-US" sz="2400" b="1" dirty="0">
-                <a:ln w="9525">
-                  <a:solidFill>
-                    <a:schemeClr val="bg1"/>
-                  </a:solidFill>
-                  <a:prstDash val="solid"/>
-                </a:ln>
-              </a:rPr>
-              <a:t> </a:t>
+              <a:t>использует </a:t>
             </a:r>
             <a:r>
               <a:rPr lang="en-US" sz="2400" b="1" dirty="0" err="1">
@@ -22061,7 +21777,7 @@
               <a:t> </a:t>
             </a:r>
             <a:r>
-              <a:rPr lang="en-US" sz="2400" b="1" dirty="0" err="1">
+              <a:rPr lang="ru-RU" sz="2400" b="1" dirty="0">
                 <a:ln w="9525">
                   <a:solidFill>
                     <a:schemeClr val="bg1"/>
@@ -22069,29 +21785,7 @@
                   <a:prstDash val="solid"/>
                 </a:ln>
               </a:rPr>
-              <a:t>должна</a:t>
-            </a:r>
-            <a:r>
-              <a:rPr lang="en-US" sz="2400" b="1" dirty="0">
-                <a:ln w="9525">
-                  <a:solidFill>
-                    <a:schemeClr val="bg1"/>
-                  </a:solidFill>
-                  <a:prstDash val="solid"/>
-                </a:ln>
-              </a:rPr>
-              <a:t> </a:t>
-            </a:r>
-            <a:r>
-              <a:rPr lang="en-US" sz="2400" b="1" dirty="0" err="1">
-                <a:ln w="9525">
-                  <a:solidFill>
-                    <a:schemeClr val="bg1"/>
-                  </a:solidFill>
-                  <a:prstDash val="solid"/>
-                </a:ln>
-              </a:rPr>
-              <a:t>использовать</a:t>
+              <a:t>использует</a:t>
             </a:r>
             <a:r>
               <a:rPr lang="en-US" sz="2400" b="1" dirty="0">
@@ -22514,6 +22208,79 @@
 </p:sld>
 </file>
 
+<file path=ppt/slides/slide8.xml><?xml version="1.0" encoding="utf-8"?>
+<p:sld xmlns:a="http://schemas.openxmlformats.org/drawingml/2006/main" xmlns:r="http://schemas.openxmlformats.org/officeDocument/2006/relationships" xmlns:p="http://schemas.openxmlformats.org/presentationml/2006/main">
+  <p:cSld>
+    <p:spTree>
+      <p:nvGrpSpPr>
+        <p:cNvPr id="1" name=""/>
+        <p:cNvGrpSpPr/>
+        <p:nvPr/>
+      </p:nvGrpSpPr>
+      <p:grpSpPr>
+        <a:xfrm>
+          <a:off x="0" y="0"/>
+          <a:ext cx="0" cy="0"/>
+          <a:chOff x="0" y="0"/>
+          <a:chExt cx="0" cy="0"/>
+        </a:xfrm>
+      </p:grpSpPr>
+      <p:sp>
+        <p:nvSpPr>
+          <p:cNvPr id="2" name="Заголовок 1">
+            <a:extLst>
+              <a:ext uri="{FF2B5EF4-FFF2-40B4-BE49-F238E27FC236}">
+                <a16:creationId xmlns:a16="http://schemas.microsoft.com/office/drawing/2014/main" id="{0C8A0A82-6028-4341-9795-B70ABA2AC050}"/>
+              </a:ext>
+            </a:extLst>
+          </p:cNvPr>
+          <p:cNvSpPr>
+            <a:spLocks noGrp="1"/>
+          </p:cNvSpPr>
+          <p:nvPr>
+            <p:ph type="title"/>
+          </p:nvPr>
+        </p:nvSpPr>
+        <p:spPr>
+          <a:xfrm>
+            <a:off x="1365147" y="2584113"/>
+            <a:ext cx="9906000" cy="1477961"/>
+          </a:xfrm>
+        </p:spPr>
+        <p:txBody>
+          <a:bodyPr/>
+          <a:lstStyle/>
+          <a:p>
+            <a:pPr algn="ctr"/>
+            <a:r>
+              <a:rPr lang="ru-RU" b="1" dirty="0">
+                <a:ln w="9525">
+                  <a:solidFill>
+                    <a:schemeClr val="bg1"/>
+                  </a:solidFill>
+                  <a:prstDash val="solid"/>
+                </a:ln>
+                <a:cs typeface="Times New Roman" panose="02020603050405020304" pitchFamily="18" charset="0"/>
+              </a:rPr>
+              <a:t>Спасибо за внимание!</a:t>
+            </a:r>
+            <a:endParaRPr lang="ru-RU" dirty="0"/>
+          </a:p>
+        </p:txBody>
+      </p:sp>
+    </p:spTree>
+    <p:extLst>
+      <p:ext uri="{BB962C8B-B14F-4D97-AF65-F5344CB8AC3E}">
+        <p14:creationId xmlns:p14="http://schemas.microsoft.com/office/powerpoint/2010/main" val="1773626897"/>
+      </p:ext>
+    </p:extLst>
+  </p:cSld>
+  <p:clrMapOvr>
+    <a:masterClrMapping/>
+  </p:clrMapOvr>
+</p:sld>
+</file>
+
 <file path=ppt/theme/theme1.xml><?xml version="1.0" encoding="utf-8"?>
 <a:theme xmlns:a="http://schemas.openxmlformats.org/drawingml/2006/main" name="Контур">
   <a:themeElements>

--- a/Фархетдинов - Презентация по ВКР.pptx
+++ b/Фархетдинов - Презентация по ВКР.pptx
@@ -12,7 +12,9 @@
     <p:sldId id="265" r:id="rId6"/>
     <p:sldId id="264" r:id="rId7"/>
     <p:sldId id="267" r:id="rId8"/>
-    <p:sldId id="268" r:id="rId9"/>
+    <p:sldId id="270" r:id="rId9"/>
+    <p:sldId id="269" r:id="rId10"/>
+    <p:sldId id="268" r:id="rId11"/>
   </p:sldIdLst>
   <p:sldSz cx="12192000" cy="6858000"/>
   <p:notesSz cx="6858000" cy="9144000"/>
@@ -169,7 +171,7 @@
           <a:noFill/>
           <a:extLst>
             <a:ext uri="{909E8E84-426E-40dd-AFC4-6F175D3DCCD1}">
-              <a14:hiddenFill xmlns="" xmlns:a14="http://schemas.microsoft.com/office/drawing/2010/main">
+              <a14:hiddenFill xmlns:a14="http://schemas.microsoft.com/office/drawing/2010/main" xmlns="">
                 <a:solidFill>
                   <a:srgbClr val="FFFFFF"/>
                 </a:solidFill>
@@ -229,7 +231,7 @@
             </a:ln>
             <a:extLst>
               <a:ext uri="{91240B29-F687-4f45-9708-019B960494DF}">
-                <a14:hiddenLine xmlns="" xmlns:a14="http://schemas.microsoft.com/office/drawing/2010/main" w="9525">
+                <a14:hiddenLine xmlns:a14="http://schemas.microsoft.com/office/drawing/2010/main" xmlns="" w="9525">
                   <a:solidFill>
                     <a:srgbClr val="000000"/>
                   </a:solidFill>
@@ -319,7 +321,7 @@
             </a:ln>
             <a:extLst>
               <a:ext uri="{91240B29-F687-4f45-9708-019B960494DF}">
-                <a14:hiddenLine xmlns="" xmlns:a14="http://schemas.microsoft.com/office/drawing/2010/main" w="9525">
+                <a14:hiddenLine xmlns:a14="http://schemas.microsoft.com/office/drawing/2010/main" xmlns="" w="9525">
                   <a:solidFill>
                     <a:srgbClr val="000000"/>
                   </a:solidFill>
@@ -409,7 +411,7 @@
             </a:ln>
             <a:extLst>
               <a:ext uri="{91240B29-F687-4f45-9708-019B960494DF}">
-                <a14:hiddenLine xmlns="" xmlns:a14="http://schemas.microsoft.com/office/drawing/2010/main" w="9525">
+                <a14:hiddenLine xmlns:a14="http://schemas.microsoft.com/office/drawing/2010/main" xmlns="" w="9525">
                   <a:solidFill>
                     <a:srgbClr val="000000"/>
                   </a:solidFill>
@@ -443,7 +445,7 @@
             </a:ln>
             <a:extLst>
               <a:ext uri="{91240B29-F687-4f45-9708-019B960494DF}">
-                <a14:hiddenLine xmlns="" xmlns:a14="http://schemas.microsoft.com/office/drawing/2010/main" w="9525">
+                <a14:hiddenLine xmlns:a14="http://schemas.microsoft.com/office/drawing/2010/main" xmlns="" w="9525">
                   <a:solidFill>
                     <a:srgbClr val="000000"/>
                   </a:solidFill>
@@ -533,7 +535,7 @@
             </a:ln>
             <a:extLst>
               <a:ext uri="{91240B29-F687-4f45-9708-019B960494DF}">
-                <a14:hiddenLine xmlns="" xmlns:a14="http://schemas.microsoft.com/office/drawing/2010/main" w="9525">
+                <a14:hiddenLine xmlns:a14="http://schemas.microsoft.com/office/drawing/2010/main" xmlns="" w="9525">
                   <a:solidFill>
                     <a:srgbClr val="000000"/>
                   </a:solidFill>
@@ -595,7 +597,7 @@
             </a:ln>
             <a:extLst>
               <a:ext uri="{91240B29-F687-4f45-9708-019B960494DF}">
-                <a14:hiddenLine xmlns="" xmlns:a14="http://schemas.microsoft.com/office/drawing/2010/main" w="9525">
+                <a14:hiddenLine xmlns:a14="http://schemas.microsoft.com/office/drawing/2010/main" xmlns="" w="9525">
                   <a:solidFill>
                     <a:srgbClr val="000000"/>
                   </a:solidFill>
@@ -657,7 +659,7 @@
             </a:ln>
             <a:extLst>
               <a:ext uri="{91240B29-F687-4f45-9708-019B960494DF}">
-                <a14:hiddenLine xmlns="" xmlns:a14="http://schemas.microsoft.com/office/drawing/2010/main" w="9525">
+                <a14:hiddenLine xmlns:a14="http://schemas.microsoft.com/office/drawing/2010/main" xmlns="" w="9525">
                   <a:solidFill>
                     <a:srgbClr val="000000"/>
                   </a:solidFill>
@@ -747,7 +749,7 @@
             </a:ln>
             <a:extLst>
               <a:ext uri="{91240B29-F687-4f45-9708-019B960494DF}">
-                <a14:hiddenLine xmlns="" xmlns:a14="http://schemas.microsoft.com/office/drawing/2010/main" w="9525">
+                <a14:hiddenLine xmlns:a14="http://schemas.microsoft.com/office/drawing/2010/main" xmlns="" w="9525">
                   <a:solidFill>
                     <a:srgbClr val="000000"/>
                   </a:solidFill>
@@ -809,7 +811,7 @@
             </a:ln>
             <a:extLst>
               <a:ext uri="{91240B29-F687-4f45-9708-019B960494DF}">
-                <a14:hiddenLine xmlns="" xmlns:a14="http://schemas.microsoft.com/office/drawing/2010/main" w="9525">
+                <a14:hiddenLine xmlns:a14="http://schemas.microsoft.com/office/drawing/2010/main" xmlns="" w="9525">
                   <a:solidFill>
                     <a:srgbClr val="000000"/>
                   </a:solidFill>
@@ -871,7 +873,7 @@
             </a:ln>
             <a:extLst>
               <a:ext uri="{91240B29-F687-4f45-9708-019B960494DF}">
-                <a14:hiddenLine xmlns="" xmlns:a14="http://schemas.microsoft.com/office/drawing/2010/main" w="9525">
+                <a14:hiddenLine xmlns:a14="http://schemas.microsoft.com/office/drawing/2010/main" xmlns="" w="9525">
                   <a:solidFill>
                     <a:srgbClr val="000000"/>
                   </a:solidFill>
@@ -961,7 +963,7 @@
             </a:ln>
             <a:extLst>
               <a:ext uri="{91240B29-F687-4f45-9708-019B960494DF}">
-                <a14:hiddenLine xmlns="" xmlns:a14="http://schemas.microsoft.com/office/drawing/2010/main" w="9525">
+                <a14:hiddenLine xmlns:a14="http://schemas.microsoft.com/office/drawing/2010/main" xmlns="" w="9525">
                   <a:solidFill>
                     <a:srgbClr val="000000"/>
                   </a:solidFill>
@@ -1051,7 +1053,7 @@
             </a:ln>
             <a:extLst>
               <a:ext uri="{91240B29-F687-4f45-9708-019B960494DF}">
-                <a14:hiddenLine xmlns="" xmlns:a14="http://schemas.microsoft.com/office/drawing/2010/main" w="9525">
+                <a14:hiddenLine xmlns:a14="http://schemas.microsoft.com/office/drawing/2010/main" xmlns="" w="9525">
                   <a:solidFill>
                     <a:srgbClr val="000000"/>
                   </a:solidFill>
@@ -1113,7 +1115,7 @@
             </a:ln>
             <a:extLst>
               <a:ext uri="{91240B29-F687-4f45-9708-019B960494DF}">
-                <a14:hiddenLine xmlns="" xmlns:a14="http://schemas.microsoft.com/office/drawing/2010/main" w="9525">
+                <a14:hiddenLine xmlns:a14="http://schemas.microsoft.com/office/drawing/2010/main" xmlns="" w="9525">
                   <a:solidFill>
                     <a:srgbClr val="000000"/>
                   </a:solidFill>
@@ -1223,7 +1225,7 @@
             </a:ln>
             <a:extLst>
               <a:ext uri="{91240B29-F687-4f45-9708-019B960494DF}">
-                <a14:hiddenLine xmlns="" xmlns:a14="http://schemas.microsoft.com/office/drawing/2010/main" w="9525">
+                <a14:hiddenLine xmlns:a14="http://schemas.microsoft.com/office/drawing/2010/main" xmlns="" w="9525">
                   <a:solidFill>
                     <a:srgbClr val="000000"/>
                   </a:solidFill>
@@ -1285,7 +1287,7 @@
             </a:ln>
             <a:extLst>
               <a:ext uri="{91240B29-F687-4f45-9708-019B960494DF}">
-                <a14:hiddenLine xmlns="" xmlns:a14="http://schemas.microsoft.com/office/drawing/2010/main" w="9525">
+                <a14:hiddenLine xmlns:a14="http://schemas.microsoft.com/office/drawing/2010/main" xmlns="" w="9525">
                   <a:solidFill>
                     <a:srgbClr val="000000"/>
                   </a:solidFill>
@@ -1375,7 +1377,7 @@
             </a:ln>
             <a:extLst>
               <a:ext uri="{91240B29-F687-4f45-9708-019B960494DF}">
-                <a14:hiddenLine xmlns="" xmlns:a14="http://schemas.microsoft.com/office/drawing/2010/main" w="9525">
+                <a14:hiddenLine xmlns:a14="http://schemas.microsoft.com/office/drawing/2010/main" xmlns="" w="9525">
                   <a:solidFill>
                     <a:srgbClr val="000000"/>
                   </a:solidFill>
@@ -1465,7 +1467,7 @@
             </a:ln>
             <a:extLst>
               <a:ext uri="{91240B29-F687-4f45-9708-019B960494DF}">
-                <a14:hiddenLine xmlns="" xmlns:a14="http://schemas.microsoft.com/office/drawing/2010/main" w="9525">
+                <a14:hiddenLine xmlns:a14="http://schemas.microsoft.com/office/drawing/2010/main" xmlns="" w="9525">
                   <a:solidFill>
                     <a:srgbClr val="000000"/>
                   </a:solidFill>
@@ -1527,7 +1529,7 @@
             </a:ln>
             <a:extLst>
               <a:ext uri="{91240B29-F687-4f45-9708-019B960494DF}">
-                <a14:hiddenLine xmlns="" xmlns:a14="http://schemas.microsoft.com/office/drawing/2010/main" w="9525">
+                <a14:hiddenLine xmlns:a14="http://schemas.microsoft.com/office/drawing/2010/main" xmlns="" w="9525">
                   <a:solidFill>
                     <a:srgbClr val="000000"/>
                   </a:solidFill>
@@ -1617,7 +1619,7 @@
             </a:ln>
             <a:extLst>
               <a:ext uri="{91240B29-F687-4f45-9708-019B960494DF}">
-                <a14:hiddenLine xmlns="" xmlns:a14="http://schemas.microsoft.com/office/drawing/2010/main" w="9525">
+                <a14:hiddenLine xmlns:a14="http://schemas.microsoft.com/office/drawing/2010/main" xmlns="" w="9525">
                   <a:solidFill>
                     <a:srgbClr val="000000"/>
                   </a:solidFill>
@@ -1707,7 +1709,7 @@
             </a:ln>
             <a:extLst>
               <a:ext uri="{91240B29-F687-4f45-9708-019B960494DF}">
-                <a14:hiddenLine xmlns="" xmlns:a14="http://schemas.microsoft.com/office/drawing/2010/main" w="9525">
+                <a14:hiddenLine xmlns:a14="http://schemas.microsoft.com/office/drawing/2010/main" xmlns="" w="9525">
                   <a:solidFill>
                     <a:srgbClr val="000000"/>
                   </a:solidFill>
@@ -1763,7 +1765,7 @@
             </a:ln>
             <a:extLst>
               <a:ext uri="{91240B29-F687-4f45-9708-019B960494DF}">
-                <a14:hiddenLine xmlns="" xmlns:a14="http://schemas.microsoft.com/office/drawing/2010/main" w="9525">
+                <a14:hiddenLine xmlns:a14="http://schemas.microsoft.com/office/drawing/2010/main" xmlns="" w="9525">
                   <a:solidFill>
                     <a:srgbClr val="000000"/>
                   </a:solidFill>
@@ -1853,7 +1855,7 @@
             </a:ln>
             <a:extLst>
               <a:ext uri="{91240B29-F687-4f45-9708-019B960494DF}">
-                <a14:hiddenLine xmlns="" xmlns:a14="http://schemas.microsoft.com/office/drawing/2010/main" w="9525">
+                <a14:hiddenLine xmlns:a14="http://schemas.microsoft.com/office/drawing/2010/main" xmlns="" w="9525">
                   <a:solidFill>
                     <a:srgbClr val="000000"/>
                   </a:solidFill>
@@ -1909,7 +1911,7 @@
             </a:ln>
             <a:extLst>
               <a:ext uri="{91240B29-F687-4f45-9708-019B960494DF}">
-                <a14:hiddenLine xmlns="" xmlns:a14="http://schemas.microsoft.com/office/drawing/2010/main" w="9525">
+                <a14:hiddenLine xmlns:a14="http://schemas.microsoft.com/office/drawing/2010/main" xmlns="" w="9525">
                   <a:solidFill>
                     <a:srgbClr val="000000"/>
                   </a:solidFill>
@@ -1999,7 +2001,7 @@
             </a:ln>
             <a:extLst>
               <a:ext uri="{91240B29-F687-4f45-9708-019B960494DF}">
-                <a14:hiddenLine xmlns="" xmlns:a14="http://schemas.microsoft.com/office/drawing/2010/main" w="9525">
+                <a14:hiddenLine xmlns:a14="http://schemas.microsoft.com/office/drawing/2010/main" xmlns="" w="9525">
                   <a:solidFill>
                     <a:srgbClr val="000000"/>
                   </a:solidFill>
@@ -2067,7 +2069,7 @@
             </a:ln>
             <a:extLst>
               <a:ext uri="{91240B29-F687-4f45-9708-019B960494DF}">
-                <a14:hiddenLine xmlns="" xmlns:a14="http://schemas.microsoft.com/office/drawing/2010/main" w="9525">
+                <a14:hiddenLine xmlns:a14="http://schemas.microsoft.com/office/drawing/2010/main" xmlns="" w="9525">
                   <a:solidFill>
                     <a:srgbClr val="000000"/>
                   </a:solidFill>
@@ -2157,7 +2159,7 @@
             </a:ln>
             <a:extLst>
               <a:ext uri="{91240B29-F687-4f45-9708-019B960494DF}">
-                <a14:hiddenLine xmlns="" xmlns:a14="http://schemas.microsoft.com/office/drawing/2010/main" w="9525">
+                <a14:hiddenLine xmlns:a14="http://schemas.microsoft.com/office/drawing/2010/main" xmlns="" w="9525">
                   <a:solidFill>
                     <a:srgbClr val="000000"/>
                   </a:solidFill>
@@ -2225,7 +2227,7 @@
             </a:ln>
             <a:extLst>
               <a:ext uri="{91240B29-F687-4f45-9708-019B960494DF}">
-                <a14:hiddenLine xmlns="" xmlns:a14="http://schemas.microsoft.com/office/drawing/2010/main" w="9525">
+                <a14:hiddenLine xmlns:a14="http://schemas.microsoft.com/office/drawing/2010/main" xmlns="" w="9525">
                   <a:solidFill>
                     <a:srgbClr val="000000"/>
                   </a:solidFill>
@@ -2315,7 +2317,7 @@
             </a:ln>
             <a:extLst>
               <a:ext uri="{91240B29-F687-4f45-9708-019B960494DF}">
-                <a14:hiddenLine xmlns="" xmlns:a14="http://schemas.microsoft.com/office/drawing/2010/main" w="9525">
+                <a14:hiddenLine xmlns:a14="http://schemas.microsoft.com/office/drawing/2010/main" xmlns="" w="9525">
                   <a:solidFill>
                     <a:srgbClr val="000000"/>
                   </a:solidFill>
@@ -2349,7 +2351,7 @@
             </a:ln>
             <a:extLst>
               <a:ext uri="{91240B29-F687-4f45-9708-019B960494DF}">
-                <a14:hiddenLine xmlns="" xmlns:a14="http://schemas.microsoft.com/office/drawing/2010/main" w="9525">
+                <a14:hiddenLine xmlns:a14="http://schemas.microsoft.com/office/drawing/2010/main" xmlns="" w="9525">
                   <a:solidFill>
                     <a:srgbClr val="000000"/>
                   </a:solidFill>
@@ -2439,7 +2441,7 @@
             </a:ln>
             <a:extLst>
               <a:ext uri="{91240B29-F687-4f45-9708-019B960494DF}">
-                <a14:hiddenLine xmlns="" xmlns:a14="http://schemas.microsoft.com/office/drawing/2010/main" w="9525">
+                <a14:hiddenLine xmlns:a14="http://schemas.microsoft.com/office/drawing/2010/main" xmlns="" w="9525">
                   <a:solidFill>
                     <a:srgbClr val="000000"/>
                   </a:solidFill>
@@ -2501,7 +2503,7 @@
             </a:ln>
             <a:extLst>
               <a:ext uri="{91240B29-F687-4f45-9708-019B960494DF}">
-                <a14:hiddenLine xmlns="" xmlns:a14="http://schemas.microsoft.com/office/drawing/2010/main" w="9525">
+                <a14:hiddenLine xmlns:a14="http://schemas.microsoft.com/office/drawing/2010/main" xmlns="" w="9525">
                   <a:solidFill>
                     <a:srgbClr val="000000"/>
                   </a:solidFill>
@@ -2563,7 +2565,7 @@
             </a:ln>
             <a:extLst>
               <a:ext uri="{91240B29-F687-4f45-9708-019B960494DF}">
-                <a14:hiddenLine xmlns="" xmlns:a14="http://schemas.microsoft.com/office/drawing/2010/main" w="9525">
+                <a14:hiddenLine xmlns:a14="http://schemas.microsoft.com/office/drawing/2010/main" xmlns="" w="9525">
                   <a:solidFill>
                     <a:srgbClr val="000000"/>
                   </a:solidFill>
@@ -2653,7 +2655,7 @@
             </a:ln>
             <a:extLst>
               <a:ext uri="{91240B29-F687-4f45-9708-019B960494DF}">
-                <a14:hiddenLine xmlns="" xmlns:a14="http://schemas.microsoft.com/office/drawing/2010/main" w="9525">
+                <a14:hiddenLine xmlns:a14="http://schemas.microsoft.com/office/drawing/2010/main" xmlns="" w="9525">
                   <a:solidFill>
                     <a:srgbClr val="000000"/>
                   </a:solidFill>
@@ -2721,7 +2723,7 @@
             </a:ln>
             <a:extLst>
               <a:ext uri="{91240B29-F687-4f45-9708-019B960494DF}">
-                <a14:hiddenLine xmlns="" xmlns:a14="http://schemas.microsoft.com/office/drawing/2010/main" w="9525">
+                <a14:hiddenLine xmlns:a14="http://schemas.microsoft.com/office/drawing/2010/main" xmlns="" w="9525">
                   <a:solidFill>
                     <a:srgbClr val="000000"/>
                   </a:solidFill>
@@ -2783,7 +2785,7 @@
             </a:ln>
             <a:extLst>
               <a:ext uri="{91240B29-F687-4f45-9708-019B960494DF}">
-                <a14:hiddenLine xmlns="" xmlns:a14="http://schemas.microsoft.com/office/drawing/2010/main" w="9525">
+                <a14:hiddenLine xmlns:a14="http://schemas.microsoft.com/office/drawing/2010/main" xmlns="" w="9525">
                   <a:solidFill>
                     <a:srgbClr val="000000"/>
                   </a:solidFill>
@@ -2873,7 +2875,7 @@
             </a:ln>
             <a:extLst>
               <a:ext uri="{91240B29-F687-4f45-9708-019B960494DF}">
-                <a14:hiddenLine xmlns="" xmlns:a14="http://schemas.microsoft.com/office/drawing/2010/main" w="9525">
+                <a14:hiddenLine xmlns:a14="http://schemas.microsoft.com/office/drawing/2010/main" xmlns="" w="9525">
                   <a:solidFill>
                     <a:srgbClr val="000000"/>
                   </a:solidFill>
@@ -2935,7 +2937,7 @@
             </a:ln>
             <a:extLst>
               <a:ext uri="{91240B29-F687-4f45-9708-019B960494DF}">
-                <a14:hiddenLine xmlns="" xmlns:a14="http://schemas.microsoft.com/office/drawing/2010/main" w="9525">
+                <a14:hiddenLine xmlns:a14="http://schemas.microsoft.com/office/drawing/2010/main" xmlns="" w="9525">
                   <a:solidFill>
                     <a:srgbClr val="000000"/>
                   </a:solidFill>
@@ -3025,7 +3027,7 @@
             </a:ln>
             <a:extLst>
               <a:ext uri="{91240B29-F687-4f45-9708-019B960494DF}">
-                <a14:hiddenLine xmlns="" xmlns:a14="http://schemas.microsoft.com/office/drawing/2010/main" w="9525">
+                <a14:hiddenLine xmlns:a14="http://schemas.microsoft.com/office/drawing/2010/main" xmlns="" w="9525">
                   <a:solidFill>
                     <a:srgbClr val="000000"/>
                   </a:solidFill>
@@ -3087,7 +3089,7 @@
             </a:ln>
             <a:extLst>
               <a:ext uri="{91240B29-F687-4f45-9708-019B960494DF}">
-                <a14:hiddenLine xmlns="" xmlns:a14="http://schemas.microsoft.com/office/drawing/2010/main" w="9525">
+                <a14:hiddenLine xmlns:a14="http://schemas.microsoft.com/office/drawing/2010/main" xmlns="" w="9525">
                   <a:solidFill>
                     <a:srgbClr val="000000"/>
                   </a:solidFill>
@@ -3177,7 +3179,7 @@
             </a:ln>
             <a:extLst>
               <a:ext uri="{91240B29-F687-4f45-9708-019B960494DF}">
-                <a14:hiddenLine xmlns="" xmlns:a14="http://schemas.microsoft.com/office/drawing/2010/main" w="9525">
+                <a14:hiddenLine xmlns:a14="http://schemas.microsoft.com/office/drawing/2010/main" xmlns="" w="9525">
                   <a:solidFill>
                     <a:srgbClr val="000000"/>
                   </a:solidFill>
@@ -3211,7 +3213,7 @@
             </a:ln>
             <a:extLst>
               <a:ext uri="{91240B29-F687-4f45-9708-019B960494DF}">
-                <a14:hiddenLine xmlns="" xmlns:a14="http://schemas.microsoft.com/office/drawing/2010/main" w="9525">
+                <a14:hiddenLine xmlns:a14="http://schemas.microsoft.com/office/drawing/2010/main" xmlns="" w="9525">
                   <a:solidFill>
                     <a:srgbClr val="000000"/>
                   </a:solidFill>
@@ -3276,7 +3278,7 @@
             </a:ln>
             <a:extLst>
               <a:ext uri="{91240B29-F687-4f45-9708-019B960494DF}">
-                <a14:hiddenLine xmlns="" xmlns:a14="http://schemas.microsoft.com/office/drawing/2010/main" w="9525">
+                <a14:hiddenLine xmlns:a14="http://schemas.microsoft.com/office/drawing/2010/main" xmlns="" w="9525">
                   <a:solidFill>
                     <a:srgbClr val="000000"/>
                   </a:solidFill>
@@ -3366,7 +3368,7 @@
             </a:ln>
             <a:extLst>
               <a:ext uri="{91240B29-F687-4f45-9708-019B960494DF}">
-                <a14:hiddenLine xmlns="" xmlns:a14="http://schemas.microsoft.com/office/drawing/2010/main" w="9525">
+                <a14:hiddenLine xmlns:a14="http://schemas.microsoft.com/office/drawing/2010/main" xmlns="" w="9525">
                   <a:solidFill>
                     <a:srgbClr val="000000"/>
                   </a:solidFill>
@@ -3428,7 +3430,7 @@
             </a:ln>
             <a:extLst>
               <a:ext uri="{91240B29-F687-4f45-9708-019B960494DF}">
-                <a14:hiddenLine xmlns="" xmlns:a14="http://schemas.microsoft.com/office/drawing/2010/main" w="9525">
+                <a14:hiddenLine xmlns:a14="http://schemas.microsoft.com/office/drawing/2010/main" xmlns="" w="9525">
                   <a:solidFill>
                     <a:srgbClr val="000000"/>
                   </a:solidFill>
@@ -3518,7 +3520,7 @@
             </a:ln>
             <a:extLst>
               <a:ext uri="{91240B29-F687-4f45-9708-019B960494DF}">
-                <a14:hiddenLine xmlns="" xmlns:a14="http://schemas.microsoft.com/office/drawing/2010/main" w="9525">
+                <a14:hiddenLine xmlns:a14="http://schemas.microsoft.com/office/drawing/2010/main" xmlns="" w="9525">
                   <a:solidFill>
                     <a:srgbClr val="000000"/>
                   </a:solidFill>
@@ -3608,7 +3610,7 @@
             </a:ln>
             <a:extLst>
               <a:ext uri="{91240B29-F687-4f45-9708-019B960494DF}">
-                <a14:hiddenLine xmlns="" xmlns:a14="http://schemas.microsoft.com/office/drawing/2010/main" w="9525">
+                <a14:hiddenLine xmlns:a14="http://schemas.microsoft.com/office/drawing/2010/main" xmlns="" w="9525">
                   <a:solidFill>
                     <a:srgbClr val="000000"/>
                   </a:solidFill>
@@ -3673,7 +3675,7 @@
             </a:ln>
             <a:extLst>
               <a:ext uri="{91240B29-F687-4f45-9708-019B960494DF}">
-                <a14:hiddenLine xmlns="" xmlns:a14="http://schemas.microsoft.com/office/drawing/2010/main" w="9525">
+                <a14:hiddenLine xmlns:a14="http://schemas.microsoft.com/office/drawing/2010/main" xmlns="" w="9525">
                   <a:solidFill>
                     <a:srgbClr val="000000"/>
                   </a:solidFill>
@@ -3735,7 +3737,7 @@
             </a:ln>
             <a:extLst>
               <a:ext uri="{91240B29-F687-4f45-9708-019B960494DF}">
-                <a14:hiddenLine xmlns="" xmlns:a14="http://schemas.microsoft.com/office/drawing/2010/main" w="9525">
+                <a14:hiddenLine xmlns:a14="http://schemas.microsoft.com/office/drawing/2010/main" xmlns="" w="9525">
                   <a:solidFill>
                     <a:srgbClr val="000000"/>
                   </a:solidFill>
@@ -3825,7 +3827,7 @@
             </a:ln>
             <a:extLst>
               <a:ext uri="{91240B29-F687-4f45-9708-019B960494DF}">
-                <a14:hiddenLine xmlns="" xmlns:a14="http://schemas.microsoft.com/office/drawing/2010/main" w="9525">
+                <a14:hiddenLine xmlns:a14="http://schemas.microsoft.com/office/drawing/2010/main" xmlns="" w="9525">
                   <a:solidFill>
                     <a:srgbClr val="000000"/>
                   </a:solidFill>
@@ -3915,7 +3917,7 @@
             </a:ln>
             <a:extLst>
               <a:ext uri="{91240B29-F687-4f45-9708-019B960494DF}">
-                <a14:hiddenLine xmlns="" xmlns:a14="http://schemas.microsoft.com/office/drawing/2010/main" w="9525">
+                <a14:hiddenLine xmlns:a14="http://schemas.microsoft.com/office/drawing/2010/main" xmlns="" w="9525">
                   <a:solidFill>
                     <a:srgbClr val="000000"/>
                   </a:solidFill>
@@ -3977,7 +3979,7 @@
             </a:ln>
             <a:extLst>
               <a:ext uri="{91240B29-F687-4f45-9708-019B960494DF}">
-                <a14:hiddenLine xmlns="" xmlns:a14="http://schemas.microsoft.com/office/drawing/2010/main" w="9525">
+                <a14:hiddenLine xmlns:a14="http://schemas.microsoft.com/office/drawing/2010/main" xmlns="" w="9525">
                   <a:solidFill>
                     <a:srgbClr val="000000"/>
                   </a:solidFill>
@@ -4097,7 +4099,7 @@
             </a:ln>
             <a:extLst>
               <a:ext uri="{91240B29-F687-4f45-9708-019B960494DF}">
-                <a14:hiddenLine xmlns="" xmlns:a14="http://schemas.microsoft.com/office/drawing/2010/main" w="9525">
+                <a14:hiddenLine xmlns:a14="http://schemas.microsoft.com/office/drawing/2010/main" xmlns="" w="9525">
                   <a:solidFill>
                     <a:srgbClr val="000000"/>
                   </a:solidFill>
@@ -4165,7 +4167,7 @@
             </a:ln>
             <a:extLst>
               <a:ext uri="{91240B29-F687-4f45-9708-019B960494DF}">
-                <a14:hiddenLine xmlns="" xmlns:a14="http://schemas.microsoft.com/office/drawing/2010/main" w="9525">
+                <a14:hiddenLine xmlns:a14="http://schemas.microsoft.com/office/drawing/2010/main" xmlns="" w="9525">
                   <a:solidFill>
                     <a:srgbClr val="000000"/>
                   </a:solidFill>
@@ -4255,7 +4257,7 @@
             </a:ln>
             <a:extLst>
               <a:ext uri="{91240B29-F687-4f45-9708-019B960494DF}">
-                <a14:hiddenLine xmlns="" xmlns:a14="http://schemas.microsoft.com/office/drawing/2010/main" w="9525">
+                <a14:hiddenLine xmlns:a14="http://schemas.microsoft.com/office/drawing/2010/main" xmlns="" w="9525">
                   <a:solidFill>
                     <a:srgbClr val="000000"/>
                   </a:solidFill>
@@ -4395,7 +4397,7 @@
           <a:p>
             <a:fld id="{48A87A34-81AB-432B-8DAE-1953F412C126}" type="datetimeFigureOut">
               <a:rPr lang="en-US" dirty="0"/>
-              <a:t>4/12/2023</a:t>
+              <a:t>5/12/2023</a:t>
             </a:fld>
             <a:endParaRPr lang="en-US" dirty="0"/>
           </a:p>
@@ -4657,7 +4659,7 @@
           <a:p>
             <a:fld id="{48A87A34-81AB-432B-8DAE-1953F412C126}" type="datetimeFigureOut">
               <a:rPr lang="en-US" dirty="0"/>
-              <a:t>4/12/2023</a:t>
+              <a:t>5/12/2023</a:t>
             </a:fld>
             <a:endParaRPr lang="en-US" dirty="0"/>
           </a:p>
@@ -4848,7 +4850,7 @@
           <a:p>
             <a:fld id="{48A87A34-81AB-432B-8DAE-1953F412C126}" type="datetimeFigureOut">
               <a:rPr lang="en-US" dirty="0"/>
-              <a:t>4/12/2023</a:t>
+              <a:t>5/12/2023</a:t>
             </a:fld>
             <a:endParaRPr lang="en-US" dirty="0"/>
           </a:p>
@@ -5106,7 +5108,7 @@
           <a:p>
             <a:fld id="{48A87A34-81AB-432B-8DAE-1953F412C126}" type="datetimeFigureOut">
               <a:rPr lang="en-US" dirty="0"/>
-              <a:t>4/12/2023</a:t>
+              <a:t>5/12/2023</a:t>
             </a:fld>
             <a:endParaRPr lang="en-US" dirty="0"/>
           </a:p>
@@ -5535,7 +5537,7 @@
           <a:p>
             <a:fld id="{48A87A34-81AB-432B-8DAE-1953F412C126}" type="datetimeFigureOut">
               <a:rPr lang="en-US" dirty="0"/>
-              <a:t>4/12/2023</a:t>
+              <a:t>5/12/2023</a:t>
             </a:fld>
             <a:endParaRPr lang="en-US" dirty="0"/>
           </a:p>
@@ -6076,7 +6078,7 @@
           <a:p>
             <a:fld id="{48A87A34-81AB-432B-8DAE-1953F412C126}" type="datetimeFigureOut">
               <a:rPr lang="en-US" dirty="0"/>
-              <a:t>4/12/2023</a:t>
+              <a:t>5/12/2023</a:t>
             </a:fld>
             <a:endParaRPr lang="en-US" dirty="0"/>
           </a:p>
@@ -6791,7 +6793,7 @@
           <a:p>
             <a:fld id="{48A87A34-81AB-432B-8DAE-1953F412C126}" type="datetimeFigureOut">
               <a:rPr lang="en-US" dirty="0"/>
-              <a:t>4/12/2023</a:t>
+              <a:t>5/12/2023</a:t>
             </a:fld>
             <a:endParaRPr lang="en-US" dirty="0"/>
           </a:p>
@@ -6956,7 +6958,7 @@
           <a:p>
             <a:fld id="{48A87A34-81AB-432B-8DAE-1953F412C126}" type="datetimeFigureOut">
               <a:rPr lang="en-US" dirty="0"/>
-              <a:t>4/12/2023</a:t>
+              <a:t>5/12/2023</a:t>
             </a:fld>
             <a:endParaRPr lang="en-US" dirty="0"/>
           </a:p>
@@ -7131,7 +7133,7 @@
           <a:p>
             <a:fld id="{48A87A34-81AB-432B-8DAE-1953F412C126}" type="datetimeFigureOut">
               <a:rPr lang="en-US" dirty="0"/>
-              <a:t>4/12/2023</a:t>
+              <a:t>5/12/2023</a:t>
             </a:fld>
             <a:endParaRPr lang="en-US" dirty="0"/>
           </a:p>
@@ -7296,7 +7298,7 @@
           <a:p>
             <a:fld id="{48A87A34-81AB-432B-8DAE-1953F412C126}" type="datetimeFigureOut">
               <a:rPr lang="en-US" dirty="0"/>
-              <a:t>4/12/2023</a:t>
+              <a:t>5/12/2023</a:t>
             </a:fld>
             <a:endParaRPr lang="en-US" dirty="0"/>
           </a:p>
@@ -7541,7 +7543,7 @@
           <a:p>
             <a:fld id="{48A87A34-81AB-432B-8DAE-1953F412C126}" type="datetimeFigureOut">
               <a:rPr lang="en-US" dirty="0"/>
-              <a:t>4/12/2023</a:t>
+              <a:t>5/12/2023</a:t>
             </a:fld>
             <a:endParaRPr lang="en-US" dirty="0"/>
           </a:p>
@@ -7768,7 +7770,7 @@
           <a:p>
             <a:fld id="{48A87A34-81AB-432B-8DAE-1953F412C126}" type="datetimeFigureOut">
               <a:rPr lang="en-US" dirty="0"/>
-              <a:t>4/12/2023</a:t>
+              <a:t>5/12/2023</a:t>
             </a:fld>
             <a:endParaRPr lang="en-US" dirty="0"/>
           </a:p>
@@ -8144,7 +8146,7 @@
           <a:p>
             <a:fld id="{48A87A34-81AB-432B-8DAE-1953F412C126}" type="datetimeFigureOut">
               <a:rPr lang="en-US" dirty="0"/>
-              <a:t>4/12/2023</a:t>
+              <a:t>5/12/2023</a:t>
             </a:fld>
             <a:endParaRPr lang="en-US" dirty="0"/>
           </a:p>
@@ -8257,7 +8259,7 @@
           <a:p>
             <a:fld id="{48A87A34-81AB-432B-8DAE-1953F412C126}" type="datetimeFigureOut">
               <a:rPr lang="en-US" dirty="0"/>
-              <a:t>4/12/2023</a:t>
+              <a:t>5/12/2023</a:t>
             </a:fld>
             <a:endParaRPr lang="en-US" dirty="0"/>
           </a:p>
@@ -8347,7 +8349,7 @@
           <a:p>
             <a:fld id="{48A87A34-81AB-432B-8DAE-1953F412C126}" type="datetimeFigureOut">
               <a:rPr lang="en-US" dirty="0"/>
-              <a:t>4/12/2023</a:t>
+              <a:t>5/12/2023</a:t>
             </a:fld>
             <a:endParaRPr lang="en-US" dirty="0"/>
           </a:p>
@@ -8591,7 +8593,7 @@
           <a:p>
             <a:fld id="{48A87A34-81AB-432B-8DAE-1953F412C126}" type="datetimeFigureOut">
               <a:rPr lang="en-US" dirty="0"/>
-              <a:t>4/12/2023</a:t>
+              <a:t>5/12/2023</a:t>
             </a:fld>
             <a:endParaRPr lang="en-US" dirty="0"/>
           </a:p>
@@ -8866,7 +8868,7 @@
           <a:p>
             <a:fld id="{48A87A34-81AB-432B-8DAE-1953F412C126}" type="datetimeFigureOut">
               <a:rPr lang="en-US" dirty="0"/>
-              <a:t>4/12/2023</a:t>
+              <a:t>5/12/2023</a:t>
             </a:fld>
             <a:endParaRPr lang="en-US" dirty="0"/>
           </a:p>
@@ -8977,7 +8979,7 @@
           <a:noFill/>
           <a:extLst>
             <a:ext uri="{909E8E84-426E-40dd-AFC4-6F175D3DCCD1}">
-              <a14:hiddenFill xmlns="" xmlns:a14="http://schemas.microsoft.com/office/drawing/2010/main">
+              <a14:hiddenFill xmlns:a14="http://schemas.microsoft.com/office/drawing/2010/main" xmlns="">
                 <a:solidFill>
                   <a:srgbClr val="FFFFFF"/>
                 </a:solidFill>
@@ -9051,7 +9053,7 @@
               </a:ln>
               <a:extLst>
                 <a:ext uri="{91240B29-F687-4f45-9708-019B960494DF}">
-                  <a14:hiddenLine xmlns="" xmlns:a14="http://schemas.microsoft.com/office/drawing/2010/main" w="9525">
+                  <a14:hiddenLine xmlns:a14="http://schemas.microsoft.com/office/drawing/2010/main" xmlns="" w="9525">
                     <a:solidFill>
                       <a:srgbClr val="000000"/>
                     </a:solidFill>
@@ -9141,7 +9143,7 @@
               </a:ln>
               <a:extLst>
                 <a:ext uri="{91240B29-F687-4f45-9708-019B960494DF}">
-                  <a14:hiddenLine xmlns="" xmlns:a14="http://schemas.microsoft.com/office/drawing/2010/main" w="9525">
+                  <a14:hiddenLine xmlns:a14="http://schemas.microsoft.com/office/drawing/2010/main" xmlns="" w="9525">
                     <a:solidFill>
                       <a:srgbClr val="000000"/>
                     </a:solidFill>
@@ -9231,7 +9233,7 @@
               </a:ln>
               <a:extLst>
                 <a:ext uri="{91240B29-F687-4f45-9708-019B960494DF}">
-                  <a14:hiddenLine xmlns="" xmlns:a14="http://schemas.microsoft.com/office/drawing/2010/main" w="9525">
+                  <a14:hiddenLine xmlns:a14="http://schemas.microsoft.com/office/drawing/2010/main" xmlns="" w="9525">
                     <a:solidFill>
                       <a:srgbClr val="000000"/>
                     </a:solidFill>
@@ -9293,7 +9295,7 @@
               </a:ln>
               <a:extLst>
                 <a:ext uri="{91240B29-F687-4f45-9708-019B960494DF}">
-                  <a14:hiddenLine xmlns="" xmlns:a14="http://schemas.microsoft.com/office/drawing/2010/main" w="9525">
+                  <a14:hiddenLine xmlns:a14="http://schemas.microsoft.com/office/drawing/2010/main" xmlns="" w="9525">
                     <a:solidFill>
                       <a:srgbClr val="000000"/>
                     </a:solidFill>
@@ -9383,7 +9385,7 @@
               </a:ln>
               <a:extLst>
                 <a:ext uri="{91240B29-F687-4f45-9708-019B960494DF}">
-                  <a14:hiddenLine xmlns="" xmlns:a14="http://schemas.microsoft.com/office/drawing/2010/main" w="9525">
+                  <a14:hiddenLine xmlns:a14="http://schemas.microsoft.com/office/drawing/2010/main" xmlns="" w="9525">
                     <a:solidFill>
                       <a:srgbClr val="000000"/>
                     </a:solidFill>
@@ -9445,7 +9447,7 @@
               </a:ln>
               <a:extLst>
                 <a:ext uri="{91240B29-F687-4f45-9708-019B960494DF}">
-                  <a14:hiddenLine xmlns="" xmlns:a14="http://schemas.microsoft.com/office/drawing/2010/main" w="9525">
+                  <a14:hiddenLine xmlns:a14="http://schemas.microsoft.com/office/drawing/2010/main" xmlns="" w="9525">
                     <a:solidFill>
                       <a:srgbClr val="000000"/>
                     </a:solidFill>
@@ -9507,7 +9509,7 @@
               </a:ln>
               <a:extLst>
                 <a:ext uri="{91240B29-F687-4f45-9708-019B960494DF}">
-                  <a14:hiddenLine xmlns="" xmlns:a14="http://schemas.microsoft.com/office/drawing/2010/main" w="9525">
+                  <a14:hiddenLine xmlns:a14="http://schemas.microsoft.com/office/drawing/2010/main" xmlns="" w="9525">
                     <a:solidFill>
                       <a:srgbClr val="000000"/>
                     </a:solidFill>
@@ -9597,7 +9599,7 @@
               </a:ln>
               <a:extLst>
                 <a:ext uri="{91240B29-F687-4f45-9708-019B960494DF}">
-                  <a14:hiddenLine xmlns="" xmlns:a14="http://schemas.microsoft.com/office/drawing/2010/main" w="9525">
+                  <a14:hiddenLine xmlns:a14="http://schemas.microsoft.com/office/drawing/2010/main" xmlns="" w="9525">
                     <a:solidFill>
                       <a:srgbClr val="000000"/>
                     </a:solidFill>
@@ -9687,7 +9689,7 @@
               </a:ln>
               <a:extLst>
                 <a:ext uri="{91240B29-F687-4f45-9708-019B960494DF}">
-                  <a14:hiddenLine xmlns="" xmlns:a14="http://schemas.microsoft.com/office/drawing/2010/main" w="9525">
+                  <a14:hiddenLine xmlns:a14="http://schemas.microsoft.com/office/drawing/2010/main" xmlns="" w="9525">
                     <a:solidFill>
                       <a:srgbClr val="000000"/>
                     </a:solidFill>
@@ -9749,7 +9751,7 @@
               </a:ln>
               <a:extLst>
                 <a:ext uri="{91240B29-F687-4f45-9708-019B960494DF}">
-                  <a14:hiddenLine xmlns="" xmlns:a14="http://schemas.microsoft.com/office/drawing/2010/main" w="9525">
+                  <a14:hiddenLine xmlns:a14="http://schemas.microsoft.com/office/drawing/2010/main" xmlns="" w="9525">
                     <a:solidFill>
                       <a:srgbClr val="000000"/>
                     </a:solidFill>
@@ -9859,7 +9861,7 @@
               </a:ln>
               <a:extLst>
                 <a:ext uri="{91240B29-F687-4f45-9708-019B960494DF}">
-                  <a14:hiddenLine xmlns="" xmlns:a14="http://schemas.microsoft.com/office/drawing/2010/main" w="9525">
+                  <a14:hiddenLine xmlns:a14="http://schemas.microsoft.com/office/drawing/2010/main" xmlns="" w="9525">
                     <a:solidFill>
                       <a:srgbClr val="000000"/>
                     </a:solidFill>
@@ -9943,7 +9945,7 @@
               </a:ln>
               <a:extLst>
                 <a:ext uri="{91240B29-F687-4f45-9708-019B960494DF}">
-                  <a14:hiddenLine xmlns="" xmlns:a14="http://schemas.microsoft.com/office/drawing/2010/main" w="9525">
+                  <a14:hiddenLine xmlns:a14="http://schemas.microsoft.com/office/drawing/2010/main" xmlns="" w="9525">
                     <a:solidFill>
                       <a:srgbClr val="000000"/>
                     </a:solidFill>
@@ -10005,7 +10007,7 @@
               </a:ln>
               <a:extLst>
                 <a:ext uri="{91240B29-F687-4f45-9708-019B960494DF}">
-                  <a14:hiddenLine xmlns="" xmlns:a14="http://schemas.microsoft.com/office/drawing/2010/main" w="9525">
+                  <a14:hiddenLine xmlns:a14="http://schemas.microsoft.com/office/drawing/2010/main" xmlns="" w="9525">
                     <a:solidFill>
                       <a:srgbClr val="000000"/>
                     </a:solidFill>
@@ -10067,7 +10069,7 @@
               </a:ln>
               <a:extLst>
                 <a:ext uri="{91240B29-F687-4f45-9708-019B960494DF}">
-                  <a14:hiddenLine xmlns="" xmlns:a14="http://schemas.microsoft.com/office/drawing/2010/main" w="9525">
+                  <a14:hiddenLine xmlns:a14="http://schemas.microsoft.com/office/drawing/2010/main" xmlns="" w="9525">
                     <a:solidFill>
                       <a:srgbClr val="000000"/>
                     </a:solidFill>
@@ -10157,7 +10159,7 @@
               </a:ln>
               <a:extLst>
                 <a:ext uri="{91240B29-F687-4f45-9708-019B960494DF}">
-                  <a14:hiddenLine xmlns="" xmlns:a14="http://schemas.microsoft.com/office/drawing/2010/main" w="9525">
+                  <a14:hiddenLine xmlns:a14="http://schemas.microsoft.com/office/drawing/2010/main" xmlns="" w="9525">
                     <a:solidFill>
                       <a:srgbClr val="000000"/>
                     </a:solidFill>
@@ -10191,7 +10193,7 @@
               </a:ln>
               <a:extLst>
                 <a:ext uri="{91240B29-F687-4f45-9708-019B960494DF}">
-                  <a14:hiddenLine xmlns="" xmlns:a14="http://schemas.microsoft.com/office/drawing/2010/main" w="9525">
+                  <a14:hiddenLine xmlns:a14="http://schemas.microsoft.com/office/drawing/2010/main" xmlns="" w="9525">
                     <a:solidFill>
                       <a:srgbClr val="000000"/>
                     </a:solidFill>
@@ -10256,7 +10258,7 @@
               </a:ln>
               <a:extLst>
                 <a:ext uri="{91240B29-F687-4f45-9708-019B960494DF}">
-                  <a14:hiddenLine xmlns="" xmlns:a14="http://schemas.microsoft.com/office/drawing/2010/main" w="9525">
+                  <a14:hiddenLine xmlns:a14="http://schemas.microsoft.com/office/drawing/2010/main" xmlns="" w="9525">
                     <a:solidFill>
                       <a:srgbClr val="000000"/>
                     </a:solidFill>
@@ -10346,7 +10348,7 @@
               </a:ln>
               <a:extLst>
                 <a:ext uri="{91240B29-F687-4f45-9708-019B960494DF}">
-                  <a14:hiddenLine xmlns="" xmlns:a14="http://schemas.microsoft.com/office/drawing/2010/main" w="9525">
+                  <a14:hiddenLine xmlns:a14="http://schemas.microsoft.com/office/drawing/2010/main" xmlns="" w="9525">
                     <a:solidFill>
                       <a:srgbClr val="000000"/>
                     </a:solidFill>
@@ -10408,7 +10410,7 @@
               </a:ln>
               <a:extLst>
                 <a:ext uri="{91240B29-F687-4f45-9708-019B960494DF}">
-                  <a14:hiddenLine xmlns="" xmlns:a14="http://schemas.microsoft.com/office/drawing/2010/main" w="9525">
+                  <a14:hiddenLine xmlns:a14="http://schemas.microsoft.com/office/drawing/2010/main" xmlns="" w="9525">
                     <a:solidFill>
                       <a:srgbClr val="000000"/>
                     </a:solidFill>
@@ -10498,7 +10500,7 @@
               </a:ln>
               <a:extLst>
                 <a:ext uri="{91240B29-F687-4f45-9708-019B960494DF}">
-                  <a14:hiddenLine xmlns="" xmlns:a14="http://schemas.microsoft.com/office/drawing/2010/main" w="9525">
+                  <a14:hiddenLine xmlns:a14="http://schemas.microsoft.com/office/drawing/2010/main" xmlns="" w="9525">
                     <a:solidFill>
                       <a:srgbClr val="000000"/>
                     </a:solidFill>
@@ -10563,7 +10565,7 @@
               </a:ln>
               <a:extLst>
                 <a:ext uri="{91240B29-F687-4f45-9708-019B960494DF}">
-                  <a14:hiddenLine xmlns="" xmlns:a14="http://schemas.microsoft.com/office/drawing/2010/main" w="9525">
+                  <a14:hiddenLine xmlns:a14="http://schemas.microsoft.com/office/drawing/2010/main" xmlns="" w="9525">
                     <a:solidFill>
                       <a:srgbClr val="000000"/>
                     </a:solidFill>
@@ -10625,7 +10627,7 @@
               </a:ln>
               <a:extLst>
                 <a:ext uri="{91240B29-F687-4f45-9708-019B960494DF}">
-                  <a14:hiddenLine xmlns="" xmlns:a14="http://schemas.microsoft.com/office/drawing/2010/main" w="9525">
+                  <a14:hiddenLine xmlns:a14="http://schemas.microsoft.com/office/drawing/2010/main" xmlns="" w="9525">
                     <a:solidFill>
                       <a:srgbClr val="000000"/>
                     </a:solidFill>
@@ -10715,7 +10717,7 @@
               </a:ln>
               <a:extLst>
                 <a:ext uri="{91240B29-F687-4f45-9708-019B960494DF}">
-                  <a14:hiddenLine xmlns="" xmlns:a14="http://schemas.microsoft.com/office/drawing/2010/main" w="9525">
+                  <a14:hiddenLine xmlns:a14="http://schemas.microsoft.com/office/drawing/2010/main" xmlns="" w="9525">
                     <a:solidFill>
                       <a:srgbClr val="000000"/>
                     </a:solidFill>
@@ -10805,7 +10807,7 @@
               </a:ln>
               <a:extLst>
                 <a:ext uri="{91240B29-F687-4f45-9708-019B960494DF}">
-                  <a14:hiddenLine xmlns="" xmlns:a14="http://schemas.microsoft.com/office/drawing/2010/main" w="9525">
+                  <a14:hiddenLine xmlns:a14="http://schemas.microsoft.com/office/drawing/2010/main" xmlns="" w="9525">
                     <a:solidFill>
                       <a:srgbClr val="000000"/>
                     </a:solidFill>
@@ -10870,7 +10872,7 @@
               </a:ln>
               <a:extLst>
                 <a:ext uri="{91240B29-F687-4f45-9708-019B960494DF}">
-                  <a14:hiddenLine xmlns="" xmlns:a14="http://schemas.microsoft.com/office/drawing/2010/main" w="9525">
+                  <a14:hiddenLine xmlns:a14="http://schemas.microsoft.com/office/drawing/2010/main" xmlns="" w="9525">
                     <a:solidFill>
                       <a:srgbClr val="000000"/>
                     </a:solidFill>
@@ -10990,7 +10992,7 @@
               </a:ln>
               <a:extLst>
                 <a:ext uri="{91240B29-F687-4f45-9708-019B960494DF}">
-                  <a14:hiddenLine xmlns="" xmlns:a14="http://schemas.microsoft.com/office/drawing/2010/main" w="9525">
+                  <a14:hiddenLine xmlns:a14="http://schemas.microsoft.com/office/drawing/2010/main" xmlns="" w="9525">
                     <a:solidFill>
                       <a:srgbClr val="000000"/>
                     </a:solidFill>
@@ -11088,7 +11090,7 @@
               </a:ln>
               <a:extLst>
                 <a:ext uri="{91240B29-F687-4f45-9708-019B960494DF}">
-                  <a14:hiddenLine xmlns="" xmlns:a14="http://schemas.microsoft.com/office/drawing/2010/main" w="9525">
+                  <a14:hiddenLine xmlns:a14="http://schemas.microsoft.com/office/drawing/2010/main" xmlns="" w="9525">
                     <a:solidFill>
                       <a:srgbClr val="000000"/>
                     </a:solidFill>
@@ -11203,7 +11205,7 @@
               </a:ln>
               <a:extLst>
                 <a:ext uri="{91240B29-F687-4f45-9708-019B960494DF}">
-                  <a14:hiddenLine xmlns="" xmlns:a14="http://schemas.microsoft.com/office/drawing/2010/main" w="9525">
+                  <a14:hiddenLine xmlns:a14="http://schemas.microsoft.com/office/drawing/2010/main" xmlns="" w="9525">
                     <a:solidFill>
                       <a:srgbClr val="000000"/>
                     </a:solidFill>
@@ -11293,7 +11295,7 @@
               </a:ln>
               <a:extLst>
                 <a:ext uri="{91240B29-F687-4f45-9708-019B960494DF}">
-                  <a14:hiddenLine xmlns="" xmlns:a14="http://schemas.microsoft.com/office/drawing/2010/main" w="9525">
+                  <a14:hiddenLine xmlns:a14="http://schemas.microsoft.com/office/drawing/2010/main" xmlns="" w="9525">
                     <a:solidFill>
                       <a:srgbClr val="000000"/>
                     </a:solidFill>
@@ -11358,7 +11360,7 @@
               </a:ln>
               <a:extLst>
                 <a:ext uri="{91240B29-F687-4f45-9708-019B960494DF}">
-                  <a14:hiddenLine xmlns="" xmlns:a14="http://schemas.microsoft.com/office/drawing/2010/main" w="9525">
+                  <a14:hiddenLine xmlns:a14="http://schemas.microsoft.com/office/drawing/2010/main" xmlns="" w="9525">
                     <a:solidFill>
                       <a:srgbClr val="000000"/>
                     </a:solidFill>
@@ -11448,7 +11450,7 @@
               </a:ln>
               <a:extLst>
                 <a:ext uri="{91240B29-F687-4f45-9708-019B960494DF}">
-                  <a14:hiddenLine xmlns="" xmlns:a14="http://schemas.microsoft.com/office/drawing/2010/main" w="9525">
+                  <a14:hiddenLine xmlns:a14="http://schemas.microsoft.com/office/drawing/2010/main" xmlns="" w="9525">
                     <a:solidFill>
                       <a:srgbClr val="000000"/>
                     </a:solidFill>
@@ -11516,7 +11518,7 @@
               </a:ln>
               <a:extLst>
                 <a:ext uri="{91240B29-F687-4f45-9708-019B960494DF}">
-                  <a14:hiddenLine xmlns="" xmlns:a14="http://schemas.microsoft.com/office/drawing/2010/main" w="9525">
+                  <a14:hiddenLine xmlns:a14="http://schemas.microsoft.com/office/drawing/2010/main" xmlns="" w="9525">
                     <a:solidFill>
                       <a:srgbClr val="000000"/>
                     </a:solidFill>
@@ -11606,7 +11608,7 @@
               </a:ln>
               <a:extLst>
                 <a:ext uri="{91240B29-F687-4f45-9708-019B960494DF}">
-                  <a14:hiddenLine xmlns="" xmlns:a14="http://schemas.microsoft.com/office/drawing/2010/main" w="9525">
+                  <a14:hiddenLine xmlns:a14="http://schemas.microsoft.com/office/drawing/2010/main" xmlns="" w="9525">
                     <a:solidFill>
                       <a:srgbClr val="000000"/>
                     </a:solidFill>
@@ -11674,7 +11676,7 @@
               </a:ln>
               <a:extLst>
                 <a:ext uri="{91240B29-F687-4f45-9708-019B960494DF}">
-                  <a14:hiddenLine xmlns="" xmlns:a14="http://schemas.microsoft.com/office/drawing/2010/main" w="9525">
+                  <a14:hiddenLine xmlns:a14="http://schemas.microsoft.com/office/drawing/2010/main" xmlns="" w="9525">
                     <a:solidFill>
                       <a:srgbClr val="000000"/>
                     </a:solidFill>
@@ -11764,7 +11766,7 @@
               </a:ln>
               <a:extLst>
                 <a:ext uri="{91240B29-F687-4f45-9708-019B960494DF}">
-                  <a14:hiddenLine xmlns="" xmlns:a14="http://schemas.microsoft.com/office/drawing/2010/main" w="9525">
+                  <a14:hiddenLine xmlns:a14="http://schemas.microsoft.com/office/drawing/2010/main" xmlns="" w="9525">
                     <a:solidFill>
                       <a:srgbClr val="000000"/>
                     </a:solidFill>
@@ -11798,7 +11800,7 @@
               </a:ln>
               <a:extLst>
                 <a:ext uri="{91240B29-F687-4f45-9708-019B960494DF}">
-                  <a14:hiddenLine xmlns="" xmlns:a14="http://schemas.microsoft.com/office/drawing/2010/main" w="9525">
+                  <a14:hiddenLine xmlns:a14="http://schemas.microsoft.com/office/drawing/2010/main" xmlns="" w="9525">
                     <a:solidFill>
                       <a:srgbClr val="000000"/>
                     </a:solidFill>
@@ -11939,7 +11941,7 @@
             <a:fld id="{48A87A34-81AB-432B-8DAE-1953F412C126}" type="datetimeFigureOut">
               <a:rPr lang="en-US" dirty="0"/>
               <a:pPr/>
-              <a:t>4/12/2023</a:t>
+              <a:t>5/12/2023</a:t>
             </a:fld>
             <a:endParaRPr lang="en-US" dirty="0"/>
           </a:p>
@@ -12465,6 +12467,79 @@
 </p:sld>
 </file>
 
+<file path=ppt/slides/slide10.xml><?xml version="1.0" encoding="utf-8"?>
+<p:sld xmlns:a="http://schemas.openxmlformats.org/drawingml/2006/main" xmlns:r="http://schemas.openxmlformats.org/officeDocument/2006/relationships" xmlns:p="http://schemas.openxmlformats.org/presentationml/2006/main">
+  <p:cSld>
+    <p:spTree>
+      <p:nvGrpSpPr>
+        <p:cNvPr id="1" name=""/>
+        <p:cNvGrpSpPr/>
+        <p:nvPr/>
+      </p:nvGrpSpPr>
+      <p:grpSpPr>
+        <a:xfrm>
+          <a:off x="0" y="0"/>
+          <a:ext cx="0" cy="0"/>
+          <a:chOff x="0" y="0"/>
+          <a:chExt cx="0" cy="0"/>
+        </a:xfrm>
+      </p:grpSpPr>
+      <p:sp>
+        <p:nvSpPr>
+          <p:cNvPr id="2" name="Заголовок 1">
+            <a:extLst>
+              <a:ext uri="{FF2B5EF4-FFF2-40B4-BE49-F238E27FC236}">
+                <a16:creationId xmlns:a16="http://schemas.microsoft.com/office/drawing/2014/main" id="{0C8A0A82-6028-4341-9795-B70ABA2AC050}"/>
+              </a:ext>
+            </a:extLst>
+          </p:cNvPr>
+          <p:cNvSpPr>
+            <a:spLocks noGrp="1"/>
+          </p:cNvSpPr>
+          <p:nvPr>
+            <p:ph type="title"/>
+          </p:nvPr>
+        </p:nvSpPr>
+        <p:spPr>
+          <a:xfrm>
+            <a:off x="1365147" y="2584113"/>
+            <a:ext cx="9906000" cy="1477961"/>
+          </a:xfrm>
+        </p:spPr>
+        <p:txBody>
+          <a:bodyPr/>
+          <a:lstStyle/>
+          <a:p>
+            <a:pPr algn="ctr"/>
+            <a:r>
+              <a:rPr lang="ru-RU" b="1" dirty="0">
+                <a:ln w="9525">
+                  <a:solidFill>
+                    <a:schemeClr val="bg1"/>
+                  </a:solidFill>
+                  <a:prstDash val="solid"/>
+                </a:ln>
+                <a:cs typeface="Times New Roman" panose="02020603050405020304" pitchFamily="18" charset="0"/>
+              </a:rPr>
+              <a:t>Спасибо за внимание!</a:t>
+            </a:r>
+            <a:endParaRPr lang="ru-RU" dirty="0"/>
+          </a:p>
+        </p:txBody>
+      </p:sp>
+    </p:spTree>
+    <p:extLst>
+      <p:ext uri="{BB962C8B-B14F-4D97-AF65-F5344CB8AC3E}">
+        <p14:creationId xmlns:p14="http://schemas.microsoft.com/office/powerpoint/2010/main" val="1773626897"/>
+      </p:ext>
+    </p:extLst>
+  </p:cSld>
+  <p:clrMapOvr>
+    <a:masterClrMapping/>
+  </p:clrMapOvr>
+</p:sld>
+</file>
+
 <file path=ppt/slides/slide2.xml><?xml version="1.0" encoding="utf-8"?>
 <p:sld xmlns:a="http://schemas.openxmlformats.org/drawingml/2006/main" xmlns:r="http://schemas.openxmlformats.org/officeDocument/2006/relationships" xmlns:p="http://schemas.openxmlformats.org/presentationml/2006/main">
   <p:cSld>
@@ -12519,7 +12594,7 @@
                   <a:prstDash val="solid"/>
                 </a:ln>
               </a:rPr>
-              <a:t>Цели и актуальность</a:t>
+              <a:t>ЦЕЛЬ И АКТУАЛЬНОСТЬ</a:t>
             </a:r>
           </a:p>
         </p:txBody>
@@ -12553,7 +12628,7 @@
           </a:bodyPr>
           <a:lstStyle/>
           <a:p>
-            <a:pPr indent="449580" algn="just">
+            <a:pPr indent="449580">
               <a:lnSpc>
                 <a:spcPct val="107000"/>
               </a:lnSpc>
@@ -12584,7 +12659,7 @@
             </a:r>
           </a:p>
           <a:p>
-            <a:pPr indent="449580" algn="just">
+            <a:pPr indent="449580">
               <a:lnSpc>
                 <a:spcPct val="107000"/>
               </a:lnSpc>
@@ -12633,7 +12708,7 @@
             </a:r>
           </a:p>
           <a:p>
-            <a:pPr indent="449580" algn="just">
+            <a:pPr indent="449580">
               <a:lnSpc>
                 <a:spcPct val="107000"/>
               </a:lnSpc>
@@ -12656,7 +12731,7 @@
             </a:r>
           </a:p>
           <a:p>
-            <a:pPr indent="449580" algn="just">
+            <a:pPr indent="449580">
               <a:lnSpc>
                 <a:spcPct val="107000"/>
               </a:lnSpc>
@@ -12785,7 +12860,7 @@
           </a:bodyPr>
           <a:lstStyle/>
           <a:p>
-            <a:pPr indent="449580" algn="just">
+            <a:pPr indent="449580">
               <a:lnSpc>
                 <a:spcPct val="107000"/>
               </a:lnSpc>
@@ -12817,7 +12892,7 @@
             </a:endParaRPr>
           </a:p>
           <a:p>
-            <a:pPr indent="449580" algn="just">
+            <a:pPr indent="449580">
               <a:lnSpc>
                 <a:spcPct val="107000"/>
               </a:lnSpc>
@@ -12840,7 +12915,7 @@
             </a:r>
           </a:p>
           <a:p>
-            <a:pPr marL="457200" indent="-457200" algn="just">
+            <a:pPr marL="457200" indent="-457200">
               <a:lnSpc>
                 <a:spcPct val="107000"/>
               </a:lnSpc>
@@ -12878,7 +12953,7 @@
             </a:r>
           </a:p>
           <a:p>
-            <a:pPr marL="457200" indent="-457200" algn="just">
+            <a:pPr marL="457200" indent="-457200">
               <a:lnSpc>
                 <a:spcPct val="107000"/>
               </a:lnSpc>
@@ -12939,7 +13014,7 @@
             </a:endParaRPr>
           </a:p>
           <a:p>
-            <a:pPr marL="457200" indent="-457200" algn="just">
+            <a:pPr marL="457200" indent="-457200">
               <a:lnSpc>
                 <a:spcPct val="107000"/>
               </a:lnSpc>
@@ -13084,7 +13159,7 @@
           <a:noFill/>
           <a:extLst>
             <a:ext uri="{909E8E84-426E-40dd-AFC4-6F175D3DCCD1}">
-              <a14:hiddenFill xmlns:a14="http://schemas.microsoft.com/office/drawing/2010/main" xmlns:p14="http://schemas.microsoft.com/office/powerpoint/2010/main" xmlns:a16="http://schemas.microsoft.com/office/drawing/2014/main" xmlns="">
+              <a14:hiddenFill xmlns="" xmlns:a16="http://schemas.microsoft.com/office/drawing/2014/main" xmlns:p14="http://schemas.microsoft.com/office/powerpoint/2010/main" xmlns:a14="http://schemas.microsoft.com/office/drawing/2010/main">
                 <a:solidFill>
                   <a:srgbClr val="FFFFFF"/>
                 </a:solidFill>
@@ -13205,7 +13280,7 @@
               </a:ln>
               <a:extLst>
                 <a:ext uri="{91240B29-F687-4f45-9708-019B960494DF}">
-                  <a14:hiddenLine xmlns:a14="http://schemas.microsoft.com/office/drawing/2010/main" xmlns:p14="http://schemas.microsoft.com/office/powerpoint/2010/main" xmlns:a16="http://schemas.microsoft.com/office/drawing/2014/main" xmlns="" w="9525">
+                  <a14:hiddenLine xmlns="" xmlns:a16="http://schemas.microsoft.com/office/drawing/2014/main" xmlns:p14="http://schemas.microsoft.com/office/powerpoint/2010/main" xmlns:a14="http://schemas.microsoft.com/office/drawing/2010/main" w="9525">
                     <a:solidFill>
                       <a:srgbClr val="000000"/>
                     </a:solidFill>
@@ -13310,7 +13385,7 @@
               </a:ln>
               <a:extLst>
                 <a:ext uri="{91240B29-F687-4f45-9708-019B960494DF}">
-                  <a14:hiddenLine xmlns:a14="http://schemas.microsoft.com/office/drawing/2010/main" xmlns:p14="http://schemas.microsoft.com/office/powerpoint/2010/main" xmlns:a16="http://schemas.microsoft.com/office/drawing/2014/main" xmlns="" w="9525">
+                  <a14:hiddenLine xmlns="" xmlns:a16="http://schemas.microsoft.com/office/drawing/2014/main" xmlns:p14="http://schemas.microsoft.com/office/powerpoint/2010/main" xmlns:a14="http://schemas.microsoft.com/office/drawing/2010/main" w="9525">
                     <a:solidFill>
                       <a:srgbClr val="000000"/>
                     </a:solidFill>
@@ -13415,7 +13490,7 @@
               </a:ln>
               <a:extLst>
                 <a:ext uri="{91240B29-F687-4f45-9708-019B960494DF}">
-                  <a14:hiddenLine xmlns:a14="http://schemas.microsoft.com/office/drawing/2010/main" xmlns:p14="http://schemas.microsoft.com/office/powerpoint/2010/main" xmlns:a16="http://schemas.microsoft.com/office/drawing/2014/main" xmlns="" w="9525">
+                  <a14:hiddenLine xmlns="" xmlns:a16="http://schemas.microsoft.com/office/drawing/2014/main" xmlns:p14="http://schemas.microsoft.com/office/powerpoint/2010/main" xmlns:a14="http://schemas.microsoft.com/office/drawing/2010/main" w="9525">
                     <a:solidFill>
                       <a:srgbClr val="000000"/>
                     </a:solidFill>
@@ -13492,7 +13567,7 @@
               </a:ln>
               <a:extLst>
                 <a:ext uri="{91240B29-F687-4f45-9708-019B960494DF}">
-                  <a14:hiddenLine xmlns:a14="http://schemas.microsoft.com/office/drawing/2010/main" xmlns:p14="http://schemas.microsoft.com/office/powerpoint/2010/main" xmlns:a16="http://schemas.microsoft.com/office/drawing/2014/main" xmlns="" w="9525">
+                  <a14:hiddenLine xmlns="" xmlns:a16="http://schemas.microsoft.com/office/drawing/2014/main" xmlns:p14="http://schemas.microsoft.com/office/powerpoint/2010/main" xmlns:a14="http://schemas.microsoft.com/office/drawing/2010/main" w="9525">
                     <a:solidFill>
                       <a:srgbClr val="000000"/>
                     </a:solidFill>
@@ -13597,7 +13672,7 @@
               </a:ln>
               <a:extLst>
                 <a:ext uri="{91240B29-F687-4f45-9708-019B960494DF}">
-                  <a14:hiddenLine xmlns:a14="http://schemas.microsoft.com/office/drawing/2010/main" xmlns:p14="http://schemas.microsoft.com/office/powerpoint/2010/main" xmlns:a16="http://schemas.microsoft.com/office/drawing/2014/main" xmlns="" w="9525">
+                  <a14:hiddenLine xmlns="" xmlns:a16="http://schemas.microsoft.com/office/drawing/2014/main" xmlns:p14="http://schemas.microsoft.com/office/powerpoint/2010/main" xmlns:a14="http://schemas.microsoft.com/office/drawing/2010/main" w="9525">
                     <a:solidFill>
                       <a:srgbClr val="000000"/>
                     </a:solidFill>
@@ -13674,7 +13749,7 @@
               </a:ln>
               <a:extLst>
                 <a:ext uri="{91240B29-F687-4f45-9708-019B960494DF}">
-                  <a14:hiddenLine xmlns:a14="http://schemas.microsoft.com/office/drawing/2010/main" xmlns:p14="http://schemas.microsoft.com/office/powerpoint/2010/main" xmlns:a16="http://schemas.microsoft.com/office/drawing/2014/main" xmlns="" w="9525">
+                  <a14:hiddenLine xmlns="" xmlns:a16="http://schemas.microsoft.com/office/drawing/2014/main" xmlns:p14="http://schemas.microsoft.com/office/powerpoint/2010/main" xmlns:a14="http://schemas.microsoft.com/office/drawing/2010/main" w="9525">
                     <a:solidFill>
                       <a:srgbClr val="000000"/>
                     </a:solidFill>
@@ -13751,7 +13826,7 @@
               </a:ln>
               <a:extLst>
                 <a:ext uri="{91240B29-F687-4f45-9708-019B960494DF}">
-                  <a14:hiddenLine xmlns:a14="http://schemas.microsoft.com/office/drawing/2010/main" xmlns:p14="http://schemas.microsoft.com/office/powerpoint/2010/main" xmlns:a16="http://schemas.microsoft.com/office/drawing/2014/main" xmlns="" w="9525">
+                  <a14:hiddenLine xmlns="" xmlns:a16="http://schemas.microsoft.com/office/drawing/2014/main" xmlns:p14="http://schemas.microsoft.com/office/powerpoint/2010/main" xmlns:a14="http://schemas.microsoft.com/office/drawing/2010/main" w="9525">
                     <a:solidFill>
                       <a:srgbClr val="000000"/>
                     </a:solidFill>
@@ -13856,7 +13931,7 @@
               </a:ln>
               <a:extLst>
                 <a:ext uri="{91240B29-F687-4f45-9708-019B960494DF}">
-                  <a14:hiddenLine xmlns:a14="http://schemas.microsoft.com/office/drawing/2010/main" xmlns:p14="http://schemas.microsoft.com/office/powerpoint/2010/main" xmlns:a16="http://schemas.microsoft.com/office/drawing/2014/main" xmlns="" w="9525">
+                  <a14:hiddenLine xmlns="" xmlns:a16="http://schemas.microsoft.com/office/drawing/2014/main" xmlns:p14="http://schemas.microsoft.com/office/powerpoint/2010/main" xmlns:a14="http://schemas.microsoft.com/office/drawing/2010/main" w="9525">
                     <a:solidFill>
                       <a:srgbClr val="000000"/>
                     </a:solidFill>
@@ -13961,7 +14036,7 @@
               </a:ln>
               <a:extLst>
                 <a:ext uri="{91240B29-F687-4f45-9708-019B960494DF}">
-                  <a14:hiddenLine xmlns:a14="http://schemas.microsoft.com/office/drawing/2010/main" xmlns:p14="http://schemas.microsoft.com/office/powerpoint/2010/main" xmlns:a16="http://schemas.microsoft.com/office/drawing/2014/main" xmlns="" w="9525">
+                  <a14:hiddenLine xmlns="" xmlns:a16="http://schemas.microsoft.com/office/drawing/2014/main" xmlns:p14="http://schemas.microsoft.com/office/powerpoint/2010/main" xmlns:a14="http://schemas.microsoft.com/office/drawing/2010/main" w="9525">
                     <a:solidFill>
                       <a:srgbClr val="000000"/>
                     </a:solidFill>
@@ -14038,7 +14113,7 @@
               </a:ln>
               <a:extLst>
                 <a:ext uri="{91240B29-F687-4f45-9708-019B960494DF}">
-                  <a14:hiddenLine xmlns:a14="http://schemas.microsoft.com/office/drawing/2010/main" xmlns:p14="http://schemas.microsoft.com/office/powerpoint/2010/main" xmlns:a16="http://schemas.microsoft.com/office/drawing/2014/main" xmlns="" w="9525">
+                  <a14:hiddenLine xmlns="" xmlns:a16="http://schemas.microsoft.com/office/drawing/2014/main" xmlns:p14="http://schemas.microsoft.com/office/powerpoint/2010/main" xmlns:a14="http://schemas.microsoft.com/office/drawing/2010/main" w="9525">
                     <a:solidFill>
                       <a:srgbClr val="000000"/>
                     </a:solidFill>
@@ -14163,7 +14238,7 @@
               </a:ln>
               <a:extLst>
                 <a:ext uri="{91240B29-F687-4f45-9708-019B960494DF}">
-                  <a14:hiddenLine xmlns:a14="http://schemas.microsoft.com/office/drawing/2010/main" xmlns:p14="http://schemas.microsoft.com/office/powerpoint/2010/main" xmlns:a16="http://schemas.microsoft.com/office/drawing/2014/main" xmlns="" w="9525">
+                  <a14:hiddenLine xmlns="" xmlns:a16="http://schemas.microsoft.com/office/drawing/2014/main" xmlns:p14="http://schemas.microsoft.com/office/powerpoint/2010/main" xmlns:a14="http://schemas.microsoft.com/office/drawing/2010/main" w="9525">
                     <a:solidFill>
                       <a:srgbClr val="000000"/>
                     </a:solidFill>
@@ -14277,7 +14352,7 @@
               </a:ln>
               <a:extLst>
                 <a:ext uri="{91240B29-F687-4f45-9708-019B960494DF}">
-                  <a14:hiddenLine xmlns:a14="http://schemas.microsoft.com/office/drawing/2010/main" xmlns:p14="http://schemas.microsoft.com/office/powerpoint/2010/main" xmlns:a16="http://schemas.microsoft.com/office/drawing/2014/main" xmlns="" w="9525">
+                  <a14:hiddenLine xmlns="" xmlns:a16="http://schemas.microsoft.com/office/drawing/2014/main" xmlns:p14="http://schemas.microsoft.com/office/powerpoint/2010/main" xmlns:a14="http://schemas.microsoft.com/office/drawing/2010/main" w="9525">
                     <a:solidFill>
                       <a:srgbClr val="000000"/>
                     </a:solidFill>
@@ -14354,7 +14429,7 @@
               </a:ln>
               <a:extLst>
                 <a:ext uri="{91240B29-F687-4f45-9708-019B960494DF}">
-                  <a14:hiddenLine xmlns:a14="http://schemas.microsoft.com/office/drawing/2010/main" xmlns:p14="http://schemas.microsoft.com/office/powerpoint/2010/main" xmlns:a16="http://schemas.microsoft.com/office/drawing/2014/main" xmlns="" w="9525">
+                  <a14:hiddenLine xmlns="" xmlns:a16="http://schemas.microsoft.com/office/drawing/2014/main" xmlns:p14="http://schemas.microsoft.com/office/powerpoint/2010/main" xmlns:a14="http://schemas.microsoft.com/office/drawing/2010/main" w="9525">
                     <a:solidFill>
                       <a:srgbClr val="000000"/>
                     </a:solidFill>
@@ -14431,7 +14506,7 @@
               </a:ln>
               <a:extLst>
                 <a:ext uri="{91240B29-F687-4f45-9708-019B960494DF}">
-                  <a14:hiddenLine xmlns:a14="http://schemas.microsoft.com/office/drawing/2010/main" xmlns:p14="http://schemas.microsoft.com/office/powerpoint/2010/main" xmlns:a16="http://schemas.microsoft.com/office/drawing/2014/main" xmlns="" w="9525">
+                  <a14:hiddenLine xmlns="" xmlns:a16="http://schemas.microsoft.com/office/drawing/2014/main" xmlns:p14="http://schemas.microsoft.com/office/powerpoint/2010/main" xmlns:a14="http://schemas.microsoft.com/office/drawing/2010/main" w="9525">
                     <a:solidFill>
                       <a:srgbClr val="000000"/>
                     </a:solidFill>
@@ -14536,7 +14611,7 @@
               </a:ln>
               <a:extLst>
                 <a:ext uri="{91240B29-F687-4f45-9708-019B960494DF}">
-                  <a14:hiddenLine xmlns:a14="http://schemas.microsoft.com/office/drawing/2010/main" xmlns:p14="http://schemas.microsoft.com/office/powerpoint/2010/main" xmlns:a16="http://schemas.microsoft.com/office/drawing/2014/main" xmlns="" w="9525">
+                  <a14:hiddenLine xmlns="" xmlns:a16="http://schemas.microsoft.com/office/drawing/2014/main" xmlns:p14="http://schemas.microsoft.com/office/powerpoint/2010/main" xmlns:a14="http://schemas.microsoft.com/office/drawing/2010/main" w="9525">
                     <a:solidFill>
                       <a:srgbClr val="000000"/>
                     </a:solidFill>
@@ -14585,7 +14660,7 @@
               </a:ln>
               <a:extLst>
                 <a:ext uri="{91240B29-F687-4f45-9708-019B960494DF}">
-                  <a14:hiddenLine xmlns:a14="http://schemas.microsoft.com/office/drawing/2010/main" xmlns:p14="http://schemas.microsoft.com/office/powerpoint/2010/main" xmlns:a16="http://schemas.microsoft.com/office/drawing/2014/main" xmlns="" w="9525">
+                  <a14:hiddenLine xmlns="" xmlns:a16="http://schemas.microsoft.com/office/drawing/2014/main" xmlns:p14="http://schemas.microsoft.com/office/powerpoint/2010/main" xmlns:a14="http://schemas.microsoft.com/office/drawing/2010/main" w="9525">
                     <a:solidFill>
                       <a:srgbClr val="000000"/>
                     </a:solidFill>
@@ -14665,7 +14740,7 @@
               </a:ln>
               <a:extLst>
                 <a:ext uri="{91240B29-F687-4f45-9708-019B960494DF}">
-                  <a14:hiddenLine xmlns:a14="http://schemas.microsoft.com/office/drawing/2010/main" xmlns:p14="http://schemas.microsoft.com/office/powerpoint/2010/main" xmlns:a16="http://schemas.microsoft.com/office/drawing/2014/main" xmlns="" w="9525">
+                  <a14:hiddenLine xmlns="" xmlns:a16="http://schemas.microsoft.com/office/drawing/2014/main" xmlns:p14="http://schemas.microsoft.com/office/powerpoint/2010/main" xmlns:a14="http://schemas.microsoft.com/office/drawing/2010/main" w="9525">
                     <a:solidFill>
                       <a:srgbClr val="000000"/>
                     </a:solidFill>
@@ -14770,7 +14845,7 @@
               </a:ln>
               <a:extLst>
                 <a:ext uri="{91240B29-F687-4f45-9708-019B960494DF}">
-                  <a14:hiddenLine xmlns:a14="http://schemas.microsoft.com/office/drawing/2010/main" xmlns:p14="http://schemas.microsoft.com/office/powerpoint/2010/main" xmlns:a16="http://schemas.microsoft.com/office/drawing/2014/main" xmlns="" w="9525">
+                  <a14:hiddenLine xmlns="" xmlns:a16="http://schemas.microsoft.com/office/drawing/2014/main" xmlns:p14="http://schemas.microsoft.com/office/powerpoint/2010/main" xmlns:a14="http://schemas.microsoft.com/office/drawing/2010/main" w="9525">
                     <a:solidFill>
                       <a:srgbClr val="000000"/>
                     </a:solidFill>
@@ -14847,7 +14922,7 @@
               </a:ln>
               <a:extLst>
                 <a:ext uri="{91240B29-F687-4f45-9708-019B960494DF}">
-                  <a14:hiddenLine xmlns:a14="http://schemas.microsoft.com/office/drawing/2010/main" xmlns:p14="http://schemas.microsoft.com/office/powerpoint/2010/main" xmlns:a16="http://schemas.microsoft.com/office/drawing/2014/main" xmlns="" w="9525">
+                  <a14:hiddenLine xmlns="" xmlns:a16="http://schemas.microsoft.com/office/drawing/2014/main" xmlns:p14="http://schemas.microsoft.com/office/powerpoint/2010/main" xmlns:a14="http://schemas.microsoft.com/office/drawing/2010/main" w="9525">
                     <a:solidFill>
                       <a:srgbClr val="000000"/>
                     </a:solidFill>
@@ -14952,7 +15027,7 @@
               </a:ln>
               <a:extLst>
                 <a:ext uri="{91240B29-F687-4f45-9708-019B960494DF}">
-                  <a14:hiddenLine xmlns:a14="http://schemas.microsoft.com/office/drawing/2010/main" xmlns:p14="http://schemas.microsoft.com/office/powerpoint/2010/main" xmlns:a16="http://schemas.microsoft.com/office/drawing/2014/main" xmlns="" w="9525">
+                  <a14:hiddenLine xmlns="" xmlns:a16="http://schemas.microsoft.com/office/drawing/2014/main" xmlns:p14="http://schemas.microsoft.com/office/powerpoint/2010/main" xmlns:a14="http://schemas.microsoft.com/office/drawing/2010/main" w="9525">
                     <a:solidFill>
                       <a:srgbClr val="000000"/>
                     </a:solidFill>
@@ -15032,7 +15107,7 @@
               </a:ln>
               <a:extLst>
                 <a:ext uri="{91240B29-F687-4f45-9708-019B960494DF}">
-                  <a14:hiddenLine xmlns:a14="http://schemas.microsoft.com/office/drawing/2010/main" xmlns:p14="http://schemas.microsoft.com/office/powerpoint/2010/main" xmlns:a16="http://schemas.microsoft.com/office/drawing/2014/main" xmlns="" w="9525">
+                  <a14:hiddenLine xmlns="" xmlns:a16="http://schemas.microsoft.com/office/drawing/2014/main" xmlns:p14="http://schemas.microsoft.com/office/powerpoint/2010/main" xmlns:a14="http://schemas.microsoft.com/office/drawing/2010/main" w="9525">
                     <a:solidFill>
                       <a:srgbClr val="000000"/>
                     </a:solidFill>
@@ -15109,7 +15184,7 @@
               </a:ln>
               <a:extLst>
                 <a:ext uri="{91240B29-F687-4f45-9708-019B960494DF}">
-                  <a14:hiddenLine xmlns:a14="http://schemas.microsoft.com/office/drawing/2010/main" xmlns:p14="http://schemas.microsoft.com/office/powerpoint/2010/main" xmlns:a16="http://schemas.microsoft.com/office/drawing/2014/main" xmlns="" w="9525">
+                  <a14:hiddenLine xmlns="" xmlns:a16="http://schemas.microsoft.com/office/drawing/2014/main" xmlns:p14="http://schemas.microsoft.com/office/powerpoint/2010/main" xmlns:a14="http://schemas.microsoft.com/office/drawing/2010/main" w="9525">
                     <a:solidFill>
                       <a:srgbClr val="000000"/>
                     </a:solidFill>
@@ -15214,7 +15289,7 @@
               </a:ln>
               <a:extLst>
                 <a:ext uri="{91240B29-F687-4f45-9708-019B960494DF}">
-                  <a14:hiddenLine xmlns:a14="http://schemas.microsoft.com/office/drawing/2010/main" xmlns:p14="http://schemas.microsoft.com/office/powerpoint/2010/main" xmlns:a16="http://schemas.microsoft.com/office/drawing/2014/main" xmlns="" w="9525">
+                  <a14:hiddenLine xmlns="" xmlns:a16="http://schemas.microsoft.com/office/drawing/2014/main" xmlns:p14="http://schemas.microsoft.com/office/powerpoint/2010/main" xmlns:a14="http://schemas.microsoft.com/office/drawing/2010/main" w="9525">
                     <a:solidFill>
                       <a:srgbClr val="000000"/>
                     </a:solidFill>
@@ -15319,7 +15394,7 @@
               </a:ln>
               <a:extLst>
                 <a:ext uri="{91240B29-F687-4f45-9708-019B960494DF}">
-                  <a14:hiddenLine xmlns:a14="http://schemas.microsoft.com/office/drawing/2010/main" xmlns:p14="http://schemas.microsoft.com/office/powerpoint/2010/main" xmlns:a16="http://schemas.microsoft.com/office/drawing/2014/main" xmlns="" w="9525">
+                  <a14:hiddenLine xmlns="" xmlns:a16="http://schemas.microsoft.com/office/drawing/2014/main" xmlns:p14="http://schemas.microsoft.com/office/powerpoint/2010/main" xmlns:a14="http://schemas.microsoft.com/office/drawing/2010/main" w="9525">
                     <a:solidFill>
                       <a:srgbClr val="000000"/>
                     </a:solidFill>
@@ -15399,7 +15474,7 @@
               </a:ln>
               <a:extLst>
                 <a:ext uri="{91240B29-F687-4f45-9708-019B960494DF}">
-                  <a14:hiddenLine xmlns:a14="http://schemas.microsoft.com/office/drawing/2010/main" xmlns:p14="http://schemas.microsoft.com/office/powerpoint/2010/main" xmlns:a16="http://schemas.microsoft.com/office/drawing/2014/main" xmlns="" w="9525">
+                  <a14:hiddenLine xmlns="" xmlns:a16="http://schemas.microsoft.com/office/drawing/2014/main" xmlns:p14="http://schemas.microsoft.com/office/powerpoint/2010/main" xmlns:a14="http://schemas.microsoft.com/office/drawing/2010/main" w="9525">
                     <a:solidFill>
                       <a:srgbClr val="000000"/>
                     </a:solidFill>
@@ -15534,7 +15609,7 @@
               </a:ln>
               <a:extLst>
                 <a:ext uri="{91240B29-F687-4f45-9708-019B960494DF}">
-                  <a14:hiddenLine xmlns:a14="http://schemas.microsoft.com/office/drawing/2010/main" xmlns:p14="http://schemas.microsoft.com/office/powerpoint/2010/main" xmlns:a16="http://schemas.microsoft.com/office/drawing/2014/main" xmlns="" w="9525">
+                  <a14:hiddenLine xmlns="" xmlns:a16="http://schemas.microsoft.com/office/drawing/2014/main" xmlns:p14="http://schemas.microsoft.com/office/powerpoint/2010/main" xmlns:a14="http://schemas.microsoft.com/office/drawing/2010/main" w="9525">
                     <a:solidFill>
                       <a:srgbClr val="000000"/>
                     </a:solidFill>
@@ -15662,7 +15737,7 @@
               </a:ln>
               <a:extLst>
                 <a:ext uri="{91240B29-F687-4f45-9708-019B960494DF}">
-                  <a14:hiddenLine xmlns:a14="http://schemas.microsoft.com/office/drawing/2010/main" xmlns:p14="http://schemas.microsoft.com/office/powerpoint/2010/main" xmlns:a16="http://schemas.microsoft.com/office/drawing/2014/main" xmlns="" w="9525">
+                  <a14:hiddenLine xmlns="" xmlns:a16="http://schemas.microsoft.com/office/drawing/2014/main" xmlns:p14="http://schemas.microsoft.com/office/powerpoint/2010/main" xmlns:a14="http://schemas.microsoft.com/office/drawing/2010/main" w="9525">
                     <a:solidFill>
                       <a:srgbClr val="000000"/>
                     </a:solidFill>
@@ -15792,7 +15867,7 @@
               </a:ln>
               <a:extLst>
                 <a:ext uri="{91240B29-F687-4f45-9708-019B960494DF}">
-                  <a14:hiddenLine xmlns:a14="http://schemas.microsoft.com/office/drawing/2010/main" xmlns:p14="http://schemas.microsoft.com/office/powerpoint/2010/main" xmlns:a16="http://schemas.microsoft.com/office/drawing/2014/main" xmlns="" w="9525">
+                  <a14:hiddenLine xmlns="" xmlns:a16="http://schemas.microsoft.com/office/drawing/2014/main" xmlns:p14="http://schemas.microsoft.com/office/powerpoint/2010/main" xmlns:a14="http://schemas.microsoft.com/office/drawing/2010/main" w="9525">
                     <a:solidFill>
                       <a:srgbClr val="000000"/>
                     </a:solidFill>
@@ -15897,7 +15972,7 @@
               </a:ln>
               <a:extLst>
                 <a:ext uri="{91240B29-F687-4f45-9708-019B960494DF}">
-                  <a14:hiddenLine xmlns:a14="http://schemas.microsoft.com/office/drawing/2010/main" xmlns:p14="http://schemas.microsoft.com/office/powerpoint/2010/main" xmlns:a16="http://schemas.microsoft.com/office/drawing/2014/main" xmlns="" w="9525">
+                  <a14:hiddenLine xmlns="" xmlns:a16="http://schemas.microsoft.com/office/drawing/2014/main" xmlns:p14="http://schemas.microsoft.com/office/powerpoint/2010/main" xmlns:a14="http://schemas.microsoft.com/office/drawing/2010/main" w="9525">
                     <a:solidFill>
                       <a:srgbClr val="000000"/>
                     </a:solidFill>
@@ -15977,7 +16052,7 @@
               </a:ln>
               <a:extLst>
                 <a:ext uri="{91240B29-F687-4f45-9708-019B960494DF}">
-                  <a14:hiddenLine xmlns:a14="http://schemas.microsoft.com/office/drawing/2010/main" xmlns:p14="http://schemas.microsoft.com/office/powerpoint/2010/main" xmlns:a16="http://schemas.microsoft.com/office/drawing/2014/main" xmlns="" w="9525">
+                  <a14:hiddenLine xmlns="" xmlns:a16="http://schemas.microsoft.com/office/drawing/2014/main" xmlns:p14="http://schemas.microsoft.com/office/powerpoint/2010/main" xmlns:a14="http://schemas.microsoft.com/office/drawing/2010/main" w="9525">
                     <a:solidFill>
                       <a:srgbClr val="000000"/>
                     </a:solidFill>
@@ -16082,7 +16157,7 @@
               </a:ln>
               <a:extLst>
                 <a:ext uri="{91240B29-F687-4f45-9708-019B960494DF}">
-                  <a14:hiddenLine xmlns:a14="http://schemas.microsoft.com/office/drawing/2010/main" xmlns:p14="http://schemas.microsoft.com/office/powerpoint/2010/main" xmlns:a16="http://schemas.microsoft.com/office/drawing/2014/main" xmlns="" w="9525">
+                  <a14:hiddenLine xmlns="" xmlns:a16="http://schemas.microsoft.com/office/drawing/2014/main" xmlns:p14="http://schemas.microsoft.com/office/powerpoint/2010/main" xmlns:a14="http://schemas.microsoft.com/office/drawing/2010/main" w="9525">
                     <a:solidFill>
                       <a:srgbClr val="000000"/>
                     </a:solidFill>
@@ -16165,7 +16240,7 @@
               </a:ln>
               <a:extLst>
                 <a:ext uri="{91240B29-F687-4f45-9708-019B960494DF}">
-                  <a14:hiddenLine xmlns:a14="http://schemas.microsoft.com/office/drawing/2010/main" xmlns:p14="http://schemas.microsoft.com/office/powerpoint/2010/main" xmlns:a16="http://schemas.microsoft.com/office/drawing/2014/main" xmlns="" w="9525">
+                  <a14:hiddenLine xmlns="" xmlns:a16="http://schemas.microsoft.com/office/drawing/2014/main" xmlns:p14="http://schemas.microsoft.com/office/powerpoint/2010/main" xmlns:a14="http://schemas.microsoft.com/office/drawing/2010/main" w="9525">
                     <a:solidFill>
                       <a:srgbClr val="000000"/>
                     </a:solidFill>
@@ -16270,7 +16345,7 @@
               </a:ln>
               <a:extLst>
                 <a:ext uri="{91240B29-F687-4f45-9708-019B960494DF}">
-                  <a14:hiddenLine xmlns:a14="http://schemas.microsoft.com/office/drawing/2010/main" xmlns:p14="http://schemas.microsoft.com/office/powerpoint/2010/main" xmlns:a16="http://schemas.microsoft.com/office/drawing/2014/main" xmlns="" w="9525">
+                  <a14:hiddenLine xmlns="" xmlns:a16="http://schemas.microsoft.com/office/drawing/2014/main" xmlns:p14="http://schemas.microsoft.com/office/powerpoint/2010/main" xmlns:a14="http://schemas.microsoft.com/office/drawing/2010/main" w="9525">
                     <a:solidFill>
                       <a:srgbClr val="000000"/>
                     </a:solidFill>
@@ -16353,7 +16428,7 @@
               </a:ln>
               <a:extLst>
                 <a:ext uri="{91240B29-F687-4f45-9708-019B960494DF}">
-                  <a14:hiddenLine xmlns:a14="http://schemas.microsoft.com/office/drawing/2010/main" xmlns:p14="http://schemas.microsoft.com/office/powerpoint/2010/main" xmlns:a16="http://schemas.microsoft.com/office/drawing/2014/main" xmlns="" w="9525">
+                  <a14:hiddenLine xmlns="" xmlns:a16="http://schemas.microsoft.com/office/drawing/2014/main" xmlns:p14="http://schemas.microsoft.com/office/powerpoint/2010/main" xmlns:a14="http://schemas.microsoft.com/office/drawing/2010/main" w="9525">
                     <a:solidFill>
                       <a:srgbClr val="000000"/>
                     </a:solidFill>
@@ -16458,7 +16533,7 @@
               </a:ln>
               <a:extLst>
                 <a:ext uri="{91240B29-F687-4f45-9708-019B960494DF}">
-                  <a14:hiddenLine xmlns:a14="http://schemas.microsoft.com/office/drawing/2010/main" xmlns:p14="http://schemas.microsoft.com/office/powerpoint/2010/main" xmlns:a16="http://schemas.microsoft.com/office/drawing/2014/main" xmlns="" w="9525">
+                  <a14:hiddenLine xmlns="" xmlns:a16="http://schemas.microsoft.com/office/drawing/2014/main" xmlns:p14="http://schemas.microsoft.com/office/powerpoint/2010/main" xmlns:a14="http://schemas.microsoft.com/office/drawing/2010/main" w="9525">
                     <a:solidFill>
                       <a:srgbClr val="000000"/>
                     </a:solidFill>
@@ -16507,7 +16582,7 @@
               </a:ln>
               <a:extLst>
                 <a:ext uri="{91240B29-F687-4f45-9708-019B960494DF}">
-                  <a14:hiddenLine xmlns:a14="http://schemas.microsoft.com/office/drawing/2010/main" xmlns:p14="http://schemas.microsoft.com/office/powerpoint/2010/main" xmlns:a16="http://schemas.microsoft.com/office/drawing/2014/main" xmlns="" w="9525">
+                  <a14:hiddenLine xmlns="" xmlns:a16="http://schemas.microsoft.com/office/drawing/2014/main" xmlns:p14="http://schemas.microsoft.com/office/powerpoint/2010/main" xmlns:a14="http://schemas.microsoft.com/office/drawing/2010/main" w="9525">
                     <a:solidFill>
                       <a:srgbClr val="000000"/>
                     </a:solidFill>
@@ -17423,7 +17498,7 @@
           <a:noFill/>
           <a:extLst>
             <a:ext uri="{909E8E84-426E-40dd-AFC4-6F175D3DCCD1}">
-              <a14:hiddenFill xmlns="" xmlns:a16="http://schemas.microsoft.com/office/drawing/2014/main" xmlns:p14="http://schemas.microsoft.com/office/powerpoint/2010/main" xmlns:a14="http://schemas.microsoft.com/office/drawing/2010/main">
+              <a14:hiddenFill xmlns:a14="http://schemas.microsoft.com/office/drawing/2010/main" xmlns:p14="http://schemas.microsoft.com/office/powerpoint/2010/main" xmlns:a16="http://schemas.microsoft.com/office/drawing/2014/main" xmlns="">
                 <a:solidFill>
                   <a:srgbClr val="FFFFFF"/>
                 </a:solidFill>
@@ -17544,7 +17619,7 @@
               </a:ln>
               <a:extLst>
                 <a:ext uri="{91240B29-F687-4f45-9708-019B960494DF}">
-                  <a14:hiddenLine xmlns="" xmlns:a16="http://schemas.microsoft.com/office/drawing/2014/main" xmlns:p14="http://schemas.microsoft.com/office/powerpoint/2010/main" xmlns:a14="http://schemas.microsoft.com/office/drawing/2010/main" w="9525">
+                  <a14:hiddenLine xmlns:a14="http://schemas.microsoft.com/office/drawing/2010/main" xmlns:p14="http://schemas.microsoft.com/office/powerpoint/2010/main" xmlns:a16="http://schemas.microsoft.com/office/drawing/2014/main" xmlns="" w="9525">
                     <a:solidFill>
                       <a:srgbClr val="000000"/>
                     </a:solidFill>
@@ -17649,7 +17724,7 @@
               </a:ln>
               <a:extLst>
                 <a:ext uri="{91240B29-F687-4f45-9708-019B960494DF}">
-                  <a14:hiddenLine xmlns="" xmlns:a16="http://schemas.microsoft.com/office/drawing/2014/main" xmlns:p14="http://schemas.microsoft.com/office/powerpoint/2010/main" xmlns:a14="http://schemas.microsoft.com/office/drawing/2010/main" w="9525">
+                  <a14:hiddenLine xmlns:a14="http://schemas.microsoft.com/office/drawing/2010/main" xmlns:p14="http://schemas.microsoft.com/office/powerpoint/2010/main" xmlns:a16="http://schemas.microsoft.com/office/drawing/2014/main" xmlns="" w="9525">
                     <a:solidFill>
                       <a:srgbClr val="000000"/>
                     </a:solidFill>
@@ -17754,7 +17829,7 @@
               </a:ln>
               <a:extLst>
                 <a:ext uri="{91240B29-F687-4f45-9708-019B960494DF}">
-                  <a14:hiddenLine xmlns="" xmlns:a16="http://schemas.microsoft.com/office/drawing/2014/main" xmlns:p14="http://schemas.microsoft.com/office/powerpoint/2010/main" xmlns:a14="http://schemas.microsoft.com/office/drawing/2010/main" w="9525">
+                  <a14:hiddenLine xmlns:a14="http://schemas.microsoft.com/office/drawing/2010/main" xmlns:p14="http://schemas.microsoft.com/office/powerpoint/2010/main" xmlns:a16="http://schemas.microsoft.com/office/drawing/2014/main" xmlns="" w="9525">
                     <a:solidFill>
                       <a:srgbClr val="000000"/>
                     </a:solidFill>
@@ -17831,7 +17906,7 @@
               </a:ln>
               <a:extLst>
                 <a:ext uri="{91240B29-F687-4f45-9708-019B960494DF}">
-                  <a14:hiddenLine xmlns="" xmlns:a16="http://schemas.microsoft.com/office/drawing/2014/main" xmlns:p14="http://schemas.microsoft.com/office/powerpoint/2010/main" xmlns:a14="http://schemas.microsoft.com/office/drawing/2010/main" w="9525">
+                  <a14:hiddenLine xmlns:a14="http://schemas.microsoft.com/office/drawing/2010/main" xmlns:p14="http://schemas.microsoft.com/office/powerpoint/2010/main" xmlns:a16="http://schemas.microsoft.com/office/drawing/2014/main" xmlns="" w="9525">
                     <a:solidFill>
                       <a:srgbClr val="000000"/>
                     </a:solidFill>
@@ -17936,7 +18011,7 @@
               </a:ln>
               <a:extLst>
                 <a:ext uri="{91240B29-F687-4f45-9708-019B960494DF}">
-                  <a14:hiddenLine xmlns="" xmlns:a16="http://schemas.microsoft.com/office/drawing/2014/main" xmlns:p14="http://schemas.microsoft.com/office/powerpoint/2010/main" xmlns:a14="http://schemas.microsoft.com/office/drawing/2010/main" w="9525">
+                  <a14:hiddenLine xmlns:a14="http://schemas.microsoft.com/office/drawing/2010/main" xmlns:p14="http://schemas.microsoft.com/office/powerpoint/2010/main" xmlns:a16="http://schemas.microsoft.com/office/drawing/2014/main" xmlns="" w="9525">
                     <a:solidFill>
                       <a:srgbClr val="000000"/>
                     </a:solidFill>
@@ -18013,7 +18088,7 @@
               </a:ln>
               <a:extLst>
                 <a:ext uri="{91240B29-F687-4f45-9708-019B960494DF}">
-                  <a14:hiddenLine xmlns="" xmlns:a16="http://schemas.microsoft.com/office/drawing/2014/main" xmlns:p14="http://schemas.microsoft.com/office/powerpoint/2010/main" xmlns:a14="http://schemas.microsoft.com/office/drawing/2010/main" w="9525">
+                  <a14:hiddenLine xmlns:a14="http://schemas.microsoft.com/office/drawing/2010/main" xmlns:p14="http://schemas.microsoft.com/office/powerpoint/2010/main" xmlns:a16="http://schemas.microsoft.com/office/drawing/2014/main" xmlns="" w="9525">
                     <a:solidFill>
                       <a:srgbClr val="000000"/>
                     </a:solidFill>
@@ -18090,7 +18165,7 @@
               </a:ln>
               <a:extLst>
                 <a:ext uri="{91240B29-F687-4f45-9708-019B960494DF}">
-                  <a14:hiddenLine xmlns="" xmlns:a16="http://schemas.microsoft.com/office/drawing/2014/main" xmlns:p14="http://schemas.microsoft.com/office/powerpoint/2010/main" xmlns:a14="http://schemas.microsoft.com/office/drawing/2010/main" w="9525">
+                  <a14:hiddenLine xmlns:a14="http://schemas.microsoft.com/office/drawing/2010/main" xmlns:p14="http://schemas.microsoft.com/office/powerpoint/2010/main" xmlns:a16="http://schemas.microsoft.com/office/drawing/2014/main" xmlns="" w="9525">
                     <a:solidFill>
                       <a:srgbClr val="000000"/>
                     </a:solidFill>
@@ -18195,7 +18270,7 @@
               </a:ln>
               <a:extLst>
                 <a:ext uri="{91240B29-F687-4f45-9708-019B960494DF}">
-                  <a14:hiddenLine xmlns="" xmlns:a16="http://schemas.microsoft.com/office/drawing/2014/main" xmlns:p14="http://schemas.microsoft.com/office/powerpoint/2010/main" xmlns:a14="http://schemas.microsoft.com/office/drawing/2010/main" w="9525">
+                  <a14:hiddenLine xmlns:a14="http://schemas.microsoft.com/office/drawing/2010/main" xmlns:p14="http://schemas.microsoft.com/office/powerpoint/2010/main" xmlns:a16="http://schemas.microsoft.com/office/drawing/2014/main" xmlns="" w="9525">
                     <a:solidFill>
                       <a:srgbClr val="000000"/>
                     </a:solidFill>
@@ -18300,7 +18375,7 @@
               </a:ln>
               <a:extLst>
                 <a:ext uri="{91240B29-F687-4f45-9708-019B960494DF}">
-                  <a14:hiddenLine xmlns="" xmlns:a16="http://schemas.microsoft.com/office/drawing/2014/main" xmlns:p14="http://schemas.microsoft.com/office/powerpoint/2010/main" xmlns:a14="http://schemas.microsoft.com/office/drawing/2010/main" w="9525">
+                  <a14:hiddenLine xmlns:a14="http://schemas.microsoft.com/office/drawing/2010/main" xmlns:p14="http://schemas.microsoft.com/office/powerpoint/2010/main" xmlns:a16="http://schemas.microsoft.com/office/drawing/2014/main" xmlns="" w="9525">
                     <a:solidFill>
                       <a:srgbClr val="000000"/>
                     </a:solidFill>
@@ -18377,7 +18452,7 @@
               </a:ln>
               <a:extLst>
                 <a:ext uri="{91240B29-F687-4f45-9708-019B960494DF}">
-                  <a14:hiddenLine xmlns="" xmlns:a16="http://schemas.microsoft.com/office/drawing/2014/main" xmlns:p14="http://schemas.microsoft.com/office/powerpoint/2010/main" xmlns:a14="http://schemas.microsoft.com/office/drawing/2010/main" w="9525">
+                  <a14:hiddenLine xmlns:a14="http://schemas.microsoft.com/office/drawing/2010/main" xmlns:p14="http://schemas.microsoft.com/office/powerpoint/2010/main" xmlns:a16="http://schemas.microsoft.com/office/drawing/2014/main" xmlns="" w="9525">
                     <a:solidFill>
                       <a:srgbClr val="000000"/>
                     </a:solidFill>
@@ -18502,7 +18577,7 @@
               </a:ln>
               <a:extLst>
                 <a:ext uri="{91240B29-F687-4f45-9708-019B960494DF}">
-                  <a14:hiddenLine xmlns="" xmlns:a16="http://schemas.microsoft.com/office/drawing/2014/main" xmlns:p14="http://schemas.microsoft.com/office/powerpoint/2010/main" xmlns:a14="http://schemas.microsoft.com/office/drawing/2010/main" w="9525">
+                  <a14:hiddenLine xmlns:a14="http://schemas.microsoft.com/office/drawing/2010/main" xmlns:p14="http://schemas.microsoft.com/office/powerpoint/2010/main" xmlns:a16="http://schemas.microsoft.com/office/drawing/2014/main" xmlns="" w="9525">
                     <a:solidFill>
                       <a:srgbClr val="000000"/>
                     </a:solidFill>
@@ -18616,7 +18691,7 @@
               </a:ln>
               <a:extLst>
                 <a:ext uri="{91240B29-F687-4f45-9708-019B960494DF}">
-                  <a14:hiddenLine xmlns="" xmlns:a16="http://schemas.microsoft.com/office/drawing/2014/main" xmlns:p14="http://schemas.microsoft.com/office/powerpoint/2010/main" xmlns:a14="http://schemas.microsoft.com/office/drawing/2010/main" w="9525">
+                  <a14:hiddenLine xmlns:a14="http://schemas.microsoft.com/office/drawing/2010/main" xmlns:p14="http://schemas.microsoft.com/office/powerpoint/2010/main" xmlns:a16="http://schemas.microsoft.com/office/drawing/2014/main" xmlns="" w="9525">
                     <a:solidFill>
                       <a:srgbClr val="000000"/>
                     </a:solidFill>
@@ -18693,7 +18768,7 @@
               </a:ln>
               <a:extLst>
                 <a:ext uri="{91240B29-F687-4f45-9708-019B960494DF}">
-                  <a14:hiddenLine xmlns="" xmlns:a16="http://schemas.microsoft.com/office/drawing/2014/main" xmlns:p14="http://schemas.microsoft.com/office/powerpoint/2010/main" xmlns:a14="http://schemas.microsoft.com/office/drawing/2010/main" w="9525">
+                  <a14:hiddenLine xmlns:a14="http://schemas.microsoft.com/office/drawing/2010/main" xmlns:p14="http://schemas.microsoft.com/office/powerpoint/2010/main" xmlns:a16="http://schemas.microsoft.com/office/drawing/2014/main" xmlns="" w="9525">
                     <a:solidFill>
                       <a:srgbClr val="000000"/>
                     </a:solidFill>
@@ -18770,7 +18845,7 @@
               </a:ln>
               <a:extLst>
                 <a:ext uri="{91240B29-F687-4f45-9708-019B960494DF}">
-                  <a14:hiddenLine xmlns="" xmlns:a16="http://schemas.microsoft.com/office/drawing/2014/main" xmlns:p14="http://schemas.microsoft.com/office/powerpoint/2010/main" xmlns:a14="http://schemas.microsoft.com/office/drawing/2010/main" w="9525">
+                  <a14:hiddenLine xmlns:a14="http://schemas.microsoft.com/office/drawing/2010/main" xmlns:p14="http://schemas.microsoft.com/office/powerpoint/2010/main" xmlns:a16="http://schemas.microsoft.com/office/drawing/2014/main" xmlns="" w="9525">
                     <a:solidFill>
                       <a:srgbClr val="000000"/>
                     </a:solidFill>
@@ -18875,7 +18950,7 @@
               </a:ln>
               <a:extLst>
                 <a:ext uri="{91240B29-F687-4f45-9708-019B960494DF}">
-                  <a14:hiddenLine xmlns="" xmlns:a16="http://schemas.microsoft.com/office/drawing/2014/main" xmlns:p14="http://schemas.microsoft.com/office/powerpoint/2010/main" xmlns:a14="http://schemas.microsoft.com/office/drawing/2010/main" w="9525">
+                  <a14:hiddenLine xmlns:a14="http://schemas.microsoft.com/office/drawing/2010/main" xmlns:p14="http://schemas.microsoft.com/office/powerpoint/2010/main" xmlns:a16="http://schemas.microsoft.com/office/drawing/2014/main" xmlns="" w="9525">
                     <a:solidFill>
                       <a:srgbClr val="000000"/>
                     </a:solidFill>
@@ -18924,7 +18999,7 @@
               </a:ln>
               <a:extLst>
                 <a:ext uri="{91240B29-F687-4f45-9708-019B960494DF}">
-                  <a14:hiddenLine xmlns="" xmlns:a16="http://schemas.microsoft.com/office/drawing/2014/main" xmlns:p14="http://schemas.microsoft.com/office/powerpoint/2010/main" xmlns:a14="http://schemas.microsoft.com/office/drawing/2010/main" w="9525">
+                  <a14:hiddenLine xmlns:a14="http://schemas.microsoft.com/office/drawing/2010/main" xmlns:p14="http://schemas.microsoft.com/office/powerpoint/2010/main" xmlns:a16="http://schemas.microsoft.com/office/drawing/2014/main" xmlns="" w="9525">
                     <a:solidFill>
                       <a:srgbClr val="000000"/>
                     </a:solidFill>
@@ -19004,7 +19079,7 @@
               </a:ln>
               <a:extLst>
                 <a:ext uri="{91240B29-F687-4f45-9708-019B960494DF}">
-                  <a14:hiddenLine xmlns="" xmlns:a16="http://schemas.microsoft.com/office/drawing/2014/main" xmlns:p14="http://schemas.microsoft.com/office/powerpoint/2010/main" xmlns:a14="http://schemas.microsoft.com/office/drawing/2010/main" w="9525">
+                  <a14:hiddenLine xmlns:a14="http://schemas.microsoft.com/office/drawing/2010/main" xmlns:p14="http://schemas.microsoft.com/office/powerpoint/2010/main" xmlns:a16="http://schemas.microsoft.com/office/drawing/2014/main" xmlns="" w="9525">
                     <a:solidFill>
                       <a:srgbClr val="000000"/>
                     </a:solidFill>
@@ -19109,7 +19184,7 @@
               </a:ln>
               <a:extLst>
                 <a:ext uri="{91240B29-F687-4f45-9708-019B960494DF}">
-                  <a14:hiddenLine xmlns="" xmlns:a16="http://schemas.microsoft.com/office/drawing/2014/main" xmlns:p14="http://schemas.microsoft.com/office/powerpoint/2010/main" xmlns:a14="http://schemas.microsoft.com/office/drawing/2010/main" w="9525">
+                  <a14:hiddenLine xmlns:a14="http://schemas.microsoft.com/office/drawing/2010/main" xmlns:p14="http://schemas.microsoft.com/office/powerpoint/2010/main" xmlns:a16="http://schemas.microsoft.com/office/drawing/2014/main" xmlns="" w="9525">
                     <a:solidFill>
                       <a:srgbClr val="000000"/>
                     </a:solidFill>
@@ -19186,7 +19261,7 @@
               </a:ln>
               <a:extLst>
                 <a:ext uri="{91240B29-F687-4f45-9708-019B960494DF}">
-                  <a14:hiddenLine xmlns="" xmlns:a16="http://schemas.microsoft.com/office/drawing/2014/main" xmlns:p14="http://schemas.microsoft.com/office/powerpoint/2010/main" xmlns:a14="http://schemas.microsoft.com/office/drawing/2010/main" w="9525">
+                  <a14:hiddenLine xmlns:a14="http://schemas.microsoft.com/office/drawing/2010/main" xmlns:p14="http://schemas.microsoft.com/office/powerpoint/2010/main" xmlns:a16="http://schemas.microsoft.com/office/drawing/2014/main" xmlns="" w="9525">
                     <a:solidFill>
                       <a:srgbClr val="000000"/>
                     </a:solidFill>
@@ -19291,7 +19366,7 @@
               </a:ln>
               <a:extLst>
                 <a:ext uri="{91240B29-F687-4f45-9708-019B960494DF}">
-                  <a14:hiddenLine xmlns="" xmlns:a16="http://schemas.microsoft.com/office/drawing/2014/main" xmlns:p14="http://schemas.microsoft.com/office/powerpoint/2010/main" xmlns:a14="http://schemas.microsoft.com/office/drawing/2010/main" w="9525">
+                  <a14:hiddenLine xmlns:a14="http://schemas.microsoft.com/office/drawing/2010/main" xmlns:p14="http://schemas.microsoft.com/office/powerpoint/2010/main" xmlns:a16="http://schemas.microsoft.com/office/drawing/2014/main" xmlns="" w="9525">
                     <a:solidFill>
                       <a:srgbClr val="000000"/>
                     </a:solidFill>
@@ -19371,7 +19446,7 @@
               </a:ln>
               <a:extLst>
                 <a:ext uri="{91240B29-F687-4f45-9708-019B960494DF}">
-                  <a14:hiddenLine xmlns="" xmlns:a16="http://schemas.microsoft.com/office/drawing/2014/main" xmlns:p14="http://schemas.microsoft.com/office/powerpoint/2010/main" xmlns:a14="http://schemas.microsoft.com/office/drawing/2010/main" w="9525">
+                  <a14:hiddenLine xmlns:a14="http://schemas.microsoft.com/office/drawing/2010/main" xmlns:p14="http://schemas.microsoft.com/office/powerpoint/2010/main" xmlns:a16="http://schemas.microsoft.com/office/drawing/2014/main" xmlns="" w="9525">
                     <a:solidFill>
                       <a:srgbClr val="000000"/>
                     </a:solidFill>
@@ -19448,7 +19523,7 @@
               </a:ln>
               <a:extLst>
                 <a:ext uri="{91240B29-F687-4f45-9708-019B960494DF}">
-                  <a14:hiddenLine xmlns="" xmlns:a16="http://schemas.microsoft.com/office/drawing/2014/main" xmlns:p14="http://schemas.microsoft.com/office/powerpoint/2010/main" xmlns:a14="http://schemas.microsoft.com/office/drawing/2010/main" w="9525">
+                  <a14:hiddenLine xmlns:a14="http://schemas.microsoft.com/office/drawing/2010/main" xmlns:p14="http://schemas.microsoft.com/office/powerpoint/2010/main" xmlns:a16="http://schemas.microsoft.com/office/drawing/2014/main" xmlns="" w="9525">
                     <a:solidFill>
                       <a:srgbClr val="000000"/>
                     </a:solidFill>
@@ -19553,7 +19628,7 @@
               </a:ln>
               <a:extLst>
                 <a:ext uri="{91240B29-F687-4f45-9708-019B960494DF}">
-                  <a14:hiddenLine xmlns="" xmlns:a16="http://schemas.microsoft.com/office/drawing/2014/main" xmlns:p14="http://schemas.microsoft.com/office/powerpoint/2010/main" xmlns:a14="http://schemas.microsoft.com/office/drawing/2010/main" w="9525">
+                  <a14:hiddenLine xmlns:a14="http://schemas.microsoft.com/office/drawing/2010/main" xmlns:p14="http://schemas.microsoft.com/office/powerpoint/2010/main" xmlns:a16="http://schemas.microsoft.com/office/drawing/2014/main" xmlns="" w="9525">
                     <a:solidFill>
                       <a:srgbClr val="000000"/>
                     </a:solidFill>
@@ -19658,7 +19733,7 @@
               </a:ln>
               <a:extLst>
                 <a:ext uri="{91240B29-F687-4f45-9708-019B960494DF}">
-                  <a14:hiddenLine xmlns="" xmlns:a16="http://schemas.microsoft.com/office/drawing/2014/main" xmlns:p14="http://schemas.microsoft.com/office/powerpoint/2010/main" xmlns:a14="http://schemas.microsoft.com/office/drawing/2010/main" w="9525">
+                  <a14:hiddenLine xmlns:a14="http://schemas.microsoft.com/office/drawing/2010/main" xmlns:p14="http://schemas.microsoft.com/office/powerpoint/2010/main" xmlns:a16="http://schemas.microsoft.com/office/drawing/2014/main" xmlns="" w="9525">
                     <a:solidFill>
                       <a:srgbClr val="000000"/>
                     </a:solidFill>
@@ -19738,7 +19813,7 @@
               </a:ln>
               <a:extLst>
                 <a:ext uri="{91240B29-F687-4f45-9708-019B960494DF}">
-                  <a14:hiddenLine xmlns="" xmlns:a16="http://schemas.microsoft.com/office/drawing/2014/main" xmlns:p14="http://schemas.microsoft.com/office/powerpoint/2010/main" xmlns:a14="http://schemas.microsoft.com/office/drawing/2010/main" w="9525">
+                  <a14:hiddenLine xmlns:a14="http://schemas.microsoft.com/office/drawing/2010/main" xmlns:p14="http://schemas.microsoft.com/office/powerpoint/2010/main" xmlns:a16="http://schemas.microsoft.com/office/drawing/2014/main" xmlns="" w="9525">
                     <a:solidFill>
                       <a:srgbClr val="000000"/>
                     </a:solidFill>
@@ -19873,7 +19948,7 @@
               </a:ln>
               <a:extLst>
                 <a:ext uri="{91240B29-F687-4f45-9708-019B960494DF}">
-                  <a14:hiddenLine xmlns="" xmlns:a16="http://schemas.microsoft.com/office/drawing/2014/main" xmlns:p14="http://schemas.microsoft.com/office/powerpoint/2010/main" xmlns:a14="http://schemas.microsoft.com/office/drawing/2010/main" w="9525">
+                  <a14:hiddenLine xmlns:a14="http://schemas.microsoft.com/office/drawing/2010/main" xmlns:p14="http://schemas.microsoft.com/office/powerpoint/2010/main" xmlns:a16="http://schemas.microsoft.com/office/drawing/2014/main" xmlns="" w="9525">
                     <a:solidFill>
                       <a:srgbClr val="000000"/>
                     </a:solidFill>
@@ -20001,7 +20076,7 @@
               </a:ln>
               <a:extLst>
                 <a:ext uri="{91240B29-F687-4f45-9708-019B960494DF}">
-                  <a14:hiddenLine xmlns="" xmlns:a16="http://schemas.microsoft.com/office/drawing/2014/main" xmlns:p14="http://schemas.microsoft.com/office/powerpoint/2010/main" xmlns:a14="http://schemas.microsoft.com/office/drawing/2010/main" w="9525">
+                  <a14:hiddenLine xmlns:a14="http://schemas.microsoft.com/office/drawing/2010/main" xmlns:p14="http://schemas.microsoft.com/office/powerpoint/2010/main" xmlns:a16="http://schemas.microsoft.com/office/drawing/2014/main" xmlns="" w="9525">
                     <a:solidFill>
                       <a:srgbClr val="000000"/>
                     </a:solidFill>
@@ -20131,7 +20206,7 @@
               </a:ln>
               <a:extLst>
                 <a:ext uri="{91240B29-F687-4f45-9708-019B960494DF}">
-                  <a14:hiddenLine xmlns="" xmlns:a16="http://schemas.microsoft.com/office/drawing/2014/main" xmlns:p14="http://schemas.microsoft.com/office/powerpoint/2010/main" xmlns:a14="http://schemas.microsoft.com/office/drawing/2010/main" w="9525">
+                  <a14:hiddenLine xmlns:a14="http://schemas.microsoft.com/office/drawing/2010/main" xmlns:p14="http://schemas.microsoft.com/office/powerpoint/2010/main" xmlns:a16="http://schemas.microsoft.com/office/drawing/2014/main" xmlns="" w="9525">
                     <a:solidFill>
                       <a:srgbClr val="000000"/>
                     </a:solidFill>
@@ -20236,7 +20311,7 @@
               </a:ln>
               <a:extLst>
                 <a:ext uri="{91240B29-F687-4f45-9708-019B960494DF}">
-                  <a14:hiddenLine xmlns="" xmlns:a16="http://schemas.microsoft.com/office/drawing/2014/main" xmlns:p14="http://schemas.microsoft.com/office/powerpoint/2010/main" xmlns:a14="http://schemas.microsoft.com/office/drawing/2010/main" w="9525">
+                  <a14:hiddenLine xmlns:a14="http://schemas.microsoft.com/office/drawing/2010/main" xmlns:p14="http://schemas.microsoft.com/office/powerpoint/2010/main" xmlns:a16="http://schemas.microsoft.com/office/drawing/2014/main" xmlns="" w="9525">
                     <a:solidFill>
                       <a:srgbClr val="000000"/>
                     </a:solidFill>
@@ -20316,7 +20391,7 @@
               </a:ln>
               <a:extLst>
                 <a:ext uri="{91240B29-F687-4f45-9708-019B960494DF}">
-                  <a14:hiddenLine xmlns="" xmlns:a16="http://schemas.microsoft.com/office/drawing/2014/main" xmlns:p14="http://schemas.microsoft.com/office/powerpoint/2010/main" xmlns:a14="http://schemas.microsoft.com/office/drawing/2010/main" w="9525">
+                  <a14:hiddenLine xmlns:a14="http://schemas.microsoft.com/office/drawing/2010/main" xmlns:p14="http://schemas.microsoft.com/office/powerpoint/2010/main" xmlns:a16="http://schemas.microsoft.com/office/drawing/2014/main" xmlns="" w="9525">
                     <a:solidFill>
                       <a:srgbClr val="000000"/>
                     </a:solidFill>
@@ -20421,7 +20496,7 @@
               </a:ln>
               <a:extLst>
                 <a:ext uri="{91240B29-F687-4f45-9708-019B960494DF}">
-                  <a14:hiddenLine xmlns="" xmlns:a16="http://schemas.microsoft.com/office/drawing/2014/main" xmlns:p14="http://schemas.microsoft.com/office/powerpoint/2010/main" xmlns:a14="http://schemas.microsoft.com/office/drawing/2010/main" w="9525">
+                  <a14:hiddenLine xmlns:a14="http://schemas.microsoft.com/office/drawing/2010/main" xmlns:p14="http://schemas.microsoft.com/office/powerpoint/2010/main" xmlns:a16="http://schemas.microsoft.com/office/drawing/2014/main" xmlns="" w="9525">
                     <a:solidFill>
                       <a:srgbClr val="000000"/>
                     </a:solidFill>
@@ -20504,7 +20579,7 @@
               </a:ln>
               <a:extLst>
                 <a:ext uri="{91240B29-F687-4f45-9708-019B960494DF}">
-                  <a14:hiddenLine xmlns="" xmlns:a16="http://schemas.microsoft.com/office/drawing/2014/main" xmlns:p14="http://schemas.microsoft.com/office/powerpoint/2010/main" xmlns:a14="http://schemas.microsoft.com/office/drawing/2010/main" w="9525">
+                  <a14:hiddenLine xmlns:a14="http://schemas.microsoft.com/office/drawing/2010/main" xmlns:p14="http://schemas.microsoft.com/office/powerpoint/2010/main" xmlns:a16="http://schemas.microsoft.com/office/drawing/2014/main" xmlns="" w="9525">
                     <a:solidFill>
                       <a:srgbClr val="000000"/>
                     </a:solidFill>
@@ -20609,7 +20684,7 @@
               </a:ln>
               <a:extLst>
                 <a:ext uri="{91240B29-F687-4f45-9708-019B960494DF}">
-                  <a14:hiddenLine xmlns="" xmlns:a16="http://schemas.microsoft.com/office/drawing/2014/main" xmlns:p14="http://schemas.microsoft.com/office/powerpoint/2010/main" xmlns:a14="http://schemas.microsoft.com/office/drawing/2010/main" w="9525">
+                  <a14:hiddenLine xmlns:a14="http://schemas.microsoft.com/office/drawing/2010/main" xmlns:p14="http://schemas.microsoft.com/office/powerpoint/2010/main" xmlns:a16="http://schemas.microsoft.com/office/drawing/2014/main" xmlns="" w="9525">
                     <a:solidFill>
                       <a:srgbClr val="000000"/>
                     </a:solidFill>
@@ -20692,7 +20767,7 @@
               </a:ln>
               <a:extLst>
                 <a:ext uri="{91240B29-F687-4f45-9708-019B960494DF}">
-                  <a14:hiddenLine xmlns="" xmlns:a16="http://schemas.microsoft.com/office/drawing/2014/main" xmlns:p14="http://schemas.microsoft.com/office/powerpoint/2010/main" xmlns:a14="http://schemas.microsoft.com/office/drawing/2010/main" w="9525">
+                  <a14:hiddenLine xmlns:a14="http://schemas.microsoft.com/office/drawing/2010/main" xmlns:p14="http://schemas.microsoft.com/office/powerpoint/2010/main" xmlns:a16="http://schemas.microsoft.com/office/drawing/2014/main" xmlns="" w="9525">
                     <a:solidFill>
                       <a:srgbClr val="000000"/>
                     </a:solidFill>
@@ -20797,7 +20872,7 @@
               </a:ln>
               <a:extLst>
                 <a:ext uri="{91240B29-F687-4f45-9708-019B960494DF}">
-                  <a14:hiddenLine xmlns="" xmlns:a16="http://schemas.microsoft.com/office/drawing/2014/main" xmlns:p14="http://schemas.microsoft.com/office/powerpoint/2010/main" xmlns:a14="http://schemas.microsoft.com/office/drawing/2010/main" w="9525">
+                  <a14:hiddenLine xmlns:a14="http://schemas.microsoft.com/office/drawing/2010/main" xmlns:p14="http://schemas.microsoft.com/office/powerpoint/2010/main" xmlns:a16="http://schemas.microsoft.com/office/drawing/2014/main" xmlns="" w="9525">
                     <a:solidFill>
                       <a:srgbClr val="000000"/>
                     </a:solidFill>
@@ -20846,7 +20921,7 @@
               </a:ln>
               <a:extLst>
                 <a:ext uri="{91240B29-F687-4f45-9708-019B960494DF}">
-                  <a14:hiddenLine xmlns="" xmlns:a16="http://schemas.microsoft.com/office/drawing/2014/main" xmlns:p14="http://schemas.microsoft.com/office/powerpoint/2010/main" xmlns:a14="http://schemas.microsoft.com/office/drawing/2010/main" w="9525">
+                  <a14:hiddenLine xmlns:a14="http://schemas.microsoft.com/office/drawing/2010/main" xmlns:p14="http://schemas.microsoft.com/office/powerpoint/2010/main" xmlns:a16="http://schemas.microsoft.com/office/drawing/2014/main" xmlns="" w="9525">
                     <a:solidFill>
                       <a:srgbClr val="000000"/>
                     </a:solidFill>
@@ -22230,7 +22305,7 @@
           <p:cNvPr id="2" name="Заголовок 1">
             <a:extLst>
               <a:ext uri="{FF2B5EF4-FFF2-40B4-BE49-F238E27FC236}">
-                <a16:creationId xmlns:a16="http://schemas.microsoft.com/office/drawing/2014/main" id="{0C8A0A82-6028-4341-9795-B70ABA2AC050}"/>
+                <a16:creationId xmlns:a16="http://schemas.microsoft.com/office/drawing/2014/main" id="{45A88272-9713-40CB-8D0A-C9A01A4A4623}"/>
               </a:ext>
             </a:extLst>
           </p:cNvPr>
@@ -22243,9 +22318,10 @@
         </p:nvSpPr>
         <p:spPr>
           <a:xfrm>
-            <a:off x="1365147" y="2584113"/>
-            <a:ext cx="9906000" cy="1477961"/>
+            <a:off x="1141413" y="248867"/>
+            <a:ext cx="9905998" cy="1478570"/>
           </a:xfrm>
+          <a:effectLst/>
         </p:spPr>
         <p:txBody>
           <a:bodyPr/>
@@ -22253,7 +22329,58 @@
           <a:p>
             <a:pPr algn="ctr"/>
             <a:r>
-              <a:rPr lang="ru-RU" b="1" dirty="0">
+              <a:rPr lang="ru-RU" b="1" cap="none" dirty="0">
+                <a:ln w="9525">
+                  <a:solidFill>
+                    <a:schemeClr val="bg1"/>
+                  </a:solidFill>
+                  <a:prstDash val="solid"/>
+                </a:ln>
+              </a:rPr>
+              <a:t>ТЕСТИРОВАНИЕ</a:t>
+            </a:r>
+          </a:p>
+        </p:txBody>
+      </p:sp>
+      <p:sp>
+        <p:nvSpPr>
+          <p:cNvPr id="3" name="TextBox 2">
+            <a:extLst>
+              <a:ext uri="{FF2B5EF4-FFF2-40B4-BE49-F238E27FC236}">
+                <a16:creationId xmlns:a16="http://schemas.microsoft.com/office/drawing/2014/main" id="{8A3CA067-A5B2-4186-B22B-D51F0519DD30}"/>
+              </a:ext>
+            </a:extLst>
+          </p:cNvPr>
+          <p:cNvSpPr txBox="1"/>
+          <p:nvPr/>
+        </p:nvSpPr>
+        <p:spPr>
+          <a:xfrm>
+            <a:off x="1052423" y="1727437"/>
+            <a:ext cx="10455398" cy="3938642"/>
+          </a:xfrm>
+          <a:prstGeom prst="rect">
+            <a:avLst/>
+          </a:prstGeom>
+          <a:noFill/>
+          <a:effectLst/>
+        </p:spPr>
+        <p:txBody>
+          <a:bodyPr wrap="square" rtlCol="0">
+            <a:spAutoFit/>
+          </a:bodyPr>
+          <a:lstStyle/>
+          <a:p>
+            <a:pPr indent="449580">
+              <a:lnSpc>
+                <a:spcPct val="107000"/>
+              </a:lnSpc>
+              <a:spcAft>
+                <a:spcPts val="800"/>
+              </a:spcAft>
+            </a:pPr>
+            <a:r>
+              <a:rPr lang="ru-RU" sz="2400" b="1" dirty="0">
                 <a:ln w="9525">
                   <a:solidFill>
                     <a:schemeClr val="bg1"/>
@@ -22262,7 +22389,313 @@
                 </a:ln>
                 <a:cs typeface="Times New Roman" panose="02020603050405020304" pitchFamily="18" charset="0"/>
               </a:rPr>
-              <a:t>Спасибо за внимание!</a:t>
+              <a:t>Проведено тестирование модулей серверной части, клиентской части и взаимодействия. Тестирование клиентской части проводилось с помощью фреймворка </a:t>
+            </a:r>
+            <a:r>
+              <a:rPr lang="en-US" sz="2400" b="1" dirty="0">
+                <a:ln w="9525">
+                  <a:solidFill>
+                    <a:schemeClr val="bg1"/>
+                  </a:solidFill>
+                  <a:prstDash val="solid"/>
+                </a:ln>
+                <a:cs typeface="Times New Roman" panose="02020603050405020304" pitchFamily="18" charset="0"/>
+              </a:rPr>
+              <a:t>Espresso. </a:t>
+            </a:r>
+            <a:r>
+              <a:rPr lang="ru-RU" sz="2400" b="1" dirty="0">
+                <a:ln w="9525">
+                  <a:solidFill>
+                    <a:schemeClr val="bg1"/>
+                  </a:solidFill>
+                  <a:prstDash val="solid"/>
+                </a:ln>
+                <a:cs typeface="Times New Roman" panose="02020603050405020304" pitchFamily="18" charset="0"/>
+              </a:rPr>
+              <a:t>Остальные модули тестировались вручную</a:t>
+            </a:r>
+          </a:p>
+          <a:p>
+            <a:pPr indent="449580">
+              <a:lnSpc>
+                <a:spcPct val="107000"/>
+              </a:lnSpc>
+              <a:spcAft>
+                <a:spcPts val="800"/>
+              </a:spcAft>
+            </a:pPr>
+            <a:r>
+              <a:rPr lang="ru-RU" sz="2400" b="1" dirty="0">
+                <a:ln w="9525">
+                  <a:solidFill>
+                    <a:schemeClr val="bg1"/>
+                  </a:solidFill>
+                  <a:prstDash val="solid"/>
+                </a:ln>
+                <a:cs typeface="Times New Roman" panose="02020603050405020304" pitchFamily="18" charset="0"/>
+              </a:rPr>
+              <a:t>При тестировании серверной части проверялась функция синхронизации данных между локальной и серверной базами данных</a:t>
+            </a:r>
+          </a:p>
+          <a:p>
+            <a:pPr indent="449580">
+              <a:lnSpc>
+                <a:spcPct val="107000"/>
+              </a:lnSpc>
+              <a:spcAft>
+                <a:spcPts val="800"/>
+              </a:spcAft>
+            </a:pPr>
+            <a:r>
+              <a:rPr lang="ru-RU" sz="2400" b="1" dirty="0">
+                <a:ln w="9525">
+                  <a:solidFill>
+                    <a:schemeClr val="bg1"/>
+                  </a:solidFill>
+                  <a:prstDash val="solid"/>
+                </a:ln>
+                <a:cs typeface="Times New Roman" panose="02020603050405020304" pitchFamily="18" charset="0"/>
+              </a:rPr>
+              <a:t>При тестировании клиентской части проверялась корректность визуальной составляющей системы</a:t>
+            </a:r>
+          </a:p>
+          <a:p>
+            <a:pPr indent="449580">
+              <a:lnSpc>
+                <a:spcPct val="107000"/>
+              </a:lnSpc>
+              <a:spcAft>
+                <a:spcPts val="800"/>
+              </a:spcAft>
+            </a:pPr>
+            <a:r>
+              <a:rPr lang="ru-RU" sz="2400" b="1" dirty="0">
+                <a:ln w="9525">
+                  <a:solidFill>
+                    <a:schemeClr val="bg1"/>
+                  </a:solidFill>
+                  <a:prstDash val="solid"/>
+                </a:ln>
+                <a:cs typeface="Times New Roman" panose="02020603050405020304" pitchFamily="18" charset="0"/>
+              </a:rPr>
+              <a:t>При тестировании взаимодействия </a:t>
+            </a:r>
+            <a:r>
+              <a:rPr lang="ru-RU" sz="2400" b="1">
+                <a:ln w="9525">
+                  <a:solidFill>
+                    <a:schemeClr val="bg1"/>
+                  </a:solidFill>
+                  <a:prstDash val="solid"/>
+                </a:ln>
+                <a:cs typeface="Times New Roman" panose="02020603050405020304" pitchFamily="18" charset="0"/>
+              </a:rPr>
+              <a:t>проверялась корректность </a:t>
+            </a:r>
+            <a:r>
+              <a:rPr lang="ru-RU" sz="2400" b="1" dirty="0">
+                <a:ln w="9525">
+                  <a:solidFill>
+                    <a:schemeClr val="bg1"/>
+                  </a:solidFill>
+                  <a:prstDash val="solid"/>
+                </a:ln>
+                <a:cs typeface="Times New Roman" panose="02020603050405020304" pitchFamily="18" charset="0"/>
+              </a:rPr>
+              <a:t>реакции клавиатуры на нажатия по подсказкам и клавишам пользователем</a:t>
+            </a:r>
+          </a:p>
+        </p:txBody>
+      </p:sp>
+    </p:spTree>
+    <p:extLst>
+      <p:ext uri="{BB962C8B-B14F-4D97-AF65-F5344CB8AC3E}">
+        <p14:creationId xmlns:p14="http://schemas.microsoft.com/office/powerpoint/2010/main" val="806099566"/>
+      </p:ext>
+    </p:extLst>
+  </p:cSld>
+  <p:clrMapOvr>
+    <a:masterClrMapping/>
+  </p:clrMapOvr>
+</p:sld>
+</file>
+
+<file path=ppt/slides/slide9.xml><?xml version="1.0" encoding="utf-8"?>
+<p:sld xmlns:a="http://schemas.openxmlformats.org/drawingml/2006/main" xmlns:r="http://schemas.openxmlformats.org/officeDocument/2006/relationships" xmlns:p="http://schemas.openxmlformats.org/presentationml/2006/main">
+  <p:cSld>
+    <p:spTree>
+      <p:nvGrpSpPr>
+        <p:cNvPr id="1" name=""/>
+        <p:cNvGrpSpPr/>
+        <p:nvPr/>
+      </p:nvGrpSpPr>
+      <p:grpSpPr>
+        <a:xfrm>
+          <a:off x="0" y="0"/>
+          <a:ext cx="0" cy="0"/>
+          <a:chOff x="0" y="0"/>
+          <a:chExt cx="0" cy="0"/>
+        </a:xfrm>
+      </p:grpSpPr>
+      <p:sp>
+        <p:nvSpPr>
+          <p:cNvPr id="2" name="Заголовок 1">
+            <a:extLst>
+              <a:ext uri="{FF2B5EF4-FFF2-40B4-BE49-F238E27FC236}">
+                <a16:creationId xmlns:a16="http://schemas.microsoft.com/office/drawing/2014/main" id="{45A88272-9713-40CB-8D0A-C9A01A4A4623}"/>
+              </a:ext>
+            </a:extLst>
+          </p:cNvPr>
+          <p:cNvSpPr>
+            <a:spLocks noGrp="1"/>
+          </p:cNvSpPr>
+          <p:nvPr>
+            <p:ph type="title"/>
+          </p:nvPr>
+        </p:nvSpPr>
+        <p:spPr>
+          <a:xfrm>
+            <a:off x="1141413" y="248867"/>
+            <a:ext cx="9905998" cy="1478570"/>
+          </a:xfrm>
+          <a:effectLst/>
+        </p:spPr>
+        <p:txBody>
+          <a:bodyPr/>
+          <a:lstStyle/>
+          <a:p>
+            <a:pPr algn="ctr"/>
+            <a:r>
+              <a:rPr lang="ru-RU" b="1" cap="none" dirty="0">
+                <a:ln w="9525">
+                  <a:solidFill>
+                    <a:schemeClr val="bg1"/>
+                  </a:solidFill>
+                  <a:prstDash val="solid"/>
+                </a:ln>
+              </a:rPr>
+              <a:t>ЗАКЛЮЧЕНИЕ</a:t>
+            </a:r>
+          </a:p>
+        </p:txBody>
+      </p:sp>
+      <p:sp>
+        <p:nvSpPr>
+          <p:cNvPr id="3" name="TextBox 2">
+            <a:extLst>
+              <a:ext uri="{FF2B5EF4-FFF2-40B4-BE49-F238E27FC236}">
+                <a16:creationId xmlns:a16="http://schemas.microsoft.com/office/drawing/2014/main" id="{8A3CA067-A5B2-4186-B22B-D51F0519DD30}"/>
+              </a:ext>
+            </a:extLst>
+          </p:cNvPr>
+          <p:cNvSpPr txBox="1"/>
+          <p:nvPr/>
+        </p:nvSpPr>
+        <p:spPr>
+          <a:xfrm>
+            <a:off x="1293779" y="1727437"/>
+            <a:ext cx="10214042" cy="4231223"/>
+          </a:xfrm>
+          <a:prstGeom prst="rect">
+            <a:avLst/>
+          </a:prstGeom>
+          <a:noFill/>
+          <a:effectLst/>
+        </p:spPr>
+        <p:txBody>
+          <a:bodyPr wrap="square" rtlCol="0">
+            <a:spAutoFit/>
+          </a:bodyPr>
+          <a:lstStyle/>
+          <a:p>
+            <a:pPr indent="449580">
+              <a:lnSpc>
+                <a:spcPct val="107000"/>
+              </a:lnSpc>
+              <a:spcAft>
+                <a:spcPts val="800"/>
+              </a:spcAft>
+            </a:pPr>
+            <a:r>
+              <a:rPr lang="ru-RU" sz="2400" b="1" dirty="0">
+                <a:ln w="9525">
+                  <a:solidFill>
+                    <a:schemeClr val="bg1"/>
+                  </a:solidFill>
+                  <a:prstDash val="solid"/>
+                </a:ln>
+                <a:cs typeface="Times New Roman" panose="02020603050405020304" pitchFamily="18" charset="0"/>
+              </a:rPr>
+              <a:t>Реализованы следующие лингвистические сервисы: </a:t>
+            </a:r>
+            <a:r>
+              <a:rPr lang="ru-RU" sz="2400" b="1" dirty="0" err="1">
+                <a:ln w="9525">
+                  <a:solidFill>
+                    <a:schemeClr val="bg1"/>
+                  </a:solidFill>
+                  <a:prstDash val="solid"/>
+                </a:ln>
+                <a:cs typeface="Times New Roman" panose="02020603050405020304" pitchFamily="18" charset="0"/>
+              </a:rPr>
+              <a:t>орфокорректор</a:t>
+            </a:r>
+            <a:r>
+              <a:rPr lang="ru-RU" sz="2400" b="1" dirty="0">
+                <a:ln w="9525">
+                  <a:solidFill>
+                    <a:schemeClr val="bg1"/>
+                  </a:solidFill>
+                  <a:prstDash val="solid"/>
+                </a:ln>
+                <a:cs typeface="Times New Roman" panose="02020603050405020304" pitchFamily="18" charset="0"/>
+              </a:rPr>
+              <a:t>, предиктивный ввод и дополнение. Определена общая структура разработки виртуальной клавиатуры. Составлены две физические схемы баз данных</a:t>
+            </a:r>
+          </a:p>
+          <a:p>
+            <a:pPr indent="449580">
+              <a:lnSpc>
+                <a:spcPct val="107000"/>
+              </a:lnSpc>
+              <a:spcAft>
+                <a:spcPts val="800"/>
+              </a:spcAft>
+            </a:pPr>
+            <a:r>
+              <a:rPr lang="ru-RU" sz="2400" b="1" dirty="0">
+                <a:ln w="9525">
+                  <a:solidFill>
+                    <a:schemeClr val="bg1"/>
+                  </a:solidFill>
+                  <a:prstDash val="solid"/>
+                </a:ln>
+                <a:cs typeface="Times New Roman" panose="02020603050405020304" pitchFamily="18" charset="0"/>
+              </a:rPr>
+              <a:t>Для выявления ошибок было проведено тестирование модулей серверной части, клиентской части и взаимодействия. Тесты пройдены успешно. Ошибок не выявлено</a:t>
+            </a:r>
+          </a:p>
+          <a:p>
+            <a:pPr indent="449580">
+              <a:lnSpc>
+                <a:spcPct val="107000"/>
+              </a:lnSpc>
+              <a:spcAft>
+                <a:spcPts val="800"/>
+              </a:spcAft>
+            </a:pPr>
+            <a:r>
+              <a:rPr lang="ru-RU" sz="2400" b="1" dirty="0">
+                <a:ln w="9525">
+                  <a:solidFill>
+                    <a:schemeClr val="bg1"/>
+                  </a:solidFill>
+                  <a:prstDash val="solid"/>
+                </a:ln>
+                <a:cs typeface="Times New Roman" panose="02020603050405020304" pitchFamily="18" charset="0"/>
+              </a:rPr>
+              <a:t>В качестве идеи по дальнейшему улучшению системы можно отметить следующее: добавление возможности просмотра статистики по введенным словам и иметь возможность эти данные изменять</a:t>
             </a:r>
             <a:endParaRPr lang="ru-RU" dirty="0"/>
           </a:p>
@@ -22271,7 +22704,7 @@
     </p:spTree>
     <p:extLst>
       <p:ext uri="{BB962C8B-B14F-4D97-AF65-F5344CB8AC3E}">
-        <p14:creationId xmlns:p14="http://schemas.microsoft.com/office/powerpoint/2010/main" val="1773626897"/>
+        <p14:creationId xmlns:p14="http://schemas.microsoft.com/office/powerpoint/2010/main" val="4023512916"/>
       </p:ext>
     </p:extLst>
   </p:cSld>
